--- a/종합프로젝트설계_발표자료.pptx
+++ b/종합프로젝트설계_발표자료.pptx
@@ -18,7 +18,7 @@
     <p:sldId id="266" r:id="rId12"/>
     <p:sldId id="267" r:id="rId13"/>
   </p:sldIdLst>
-  <p:sldSz cx="18288000" cy="10287000" type="screen4x3"/>
+  <p:sldSz cx="18288000" cy="10287000"/>
   <p:notesSz cx="10287000" cy="18288000"/>
   <p:defaultTextStyle>
     <a:defPPr>
@@ -117,10 +117,172 @@
   </p:defaultTextStyle>
   <p:extLst>
     <p:ext uri="{EFAFB233-063F-42B5-8137-9DF3F51BA10A}">
-      <p15:sldGuideLst xmlns:p15="http://schemas.microsoft.com/office/powerpoint/2012/main"/>
+      <p15:sldGuideLst xmlns:p15="http://schemas.microsoft.com/office/powerpoint/2012/main">
+        <p15:guide id="1" orient="horz" pos="2160">
+          <p15:clr>
+            <a:srgbClr val="A4A3A4"/>
+          </p15:clr>
+        </p15:guide>
+        <p15:guide id="2" pos="2880">
+          <p15:clr>
+            <a:srgbClr val="A4A3A4"/>
+          </p15:clr>
+        </p15:guide>
+      </p15:sldGuideLst>
     </p:ext>
   </p:extLst>
 </p:presentation>
+</file>
+
+<file path=ppt/changesInfos/changesInfo1.xml><?xml version="1.0" encoding="utf-8"?>
+<pc:chgInfo xmlns:a="http://schemas.openxmlformats.org/drawingml/2006/main" xmlns:r="http://schemas.openxmlformats.org/officeDocument/2006/relationships" xmlns:ac="http://schemas.microsoft.com/office/drawing/2013/main/command" xmlns:pc="http://schemas.microsoft.com/office/powerpoint/2013/main/command">
+  <pc:docChgLst>
+    <pc:chgData name="최창환" userId="e7bece8d-0b00-46eb-a3f5-00c7562d57af" providerId="ADAL" clId="{1D185AE2-2488-4666-B60E-552A758BAD94}"/>
+    <pc:docChg chg="undo custSel modSld">
+      <pc:chgData name="최창환" userId="e7bece8d-0b00-46eb-a3f5-00c7562d57af" providerId="ADAL" clId="{1D185AE2-2488-4666-B60E-552A758BAD94}" dt="2022-05-29T10:08:16.541" v="23" actId="255"/>
+      <pc:docMkLst>
+        <pc:docMk/>
+      </pc:docMkLst>
+      <pc:sldChg chg="modSp mod">
+        <pc:chgData name="최창환" userId="e7bece8d-0b00-46eb-a3f5-00c7562d57af" providerId="ADAL" clId="{1D185AE2-2488-4666-B60E-552A758BAD94}" dt="2022-05-29T10:06:24.289" v="6" actId="2710"/>
+        <pc:sldMkLst>
+          <pc:docMk/>
+          <pc:sldMk cId="0" sldId="257"/>
+        </pc:sldMkLst>
+        <pc:spChg chg="mod">
+          <ac:chgData name="최창환" userId="e7bece8d-0b00-46eb-a3f5-00c7562d57af" providerId="ADAL" clId="{1D185AE2-2488-4666-B60E-552A758BAD94}" dt="2022-05-29T10:06:21.726" v="5" actId="2710"/>
+          <ac:spMkLst>
+            <pc:docMk/>
+            <pc:sldMk cId="0" sldId="257"/>
+            <ac:spMk id="30" creationId="{00000000-0000-0000-0000-000000000000}"/>
+          </ac:spMkLst>
+        </pc:spChg>
+        <pc:spChg chg="mod">
+          <ac:chgData name="최창환" userId="e7bece8d-0b00-46eb-a3f5-00c7562d57af" providerId="ADAL" clId="{1D185AE2-2488-4666-B60E-552A758BAD94}" dt="2022-05-29T10:06:17.742" v="4" actId="2710"/>
+          <ac:spMkLst>
+            <pc:docMk/>
+            <pc:sldMk cId="0" sldId="257"/>
+            <ac:spMk id="31" creationId="{00000000-0000-0000-0000-000000000000}"/>
+          </ac:spMkLst>
+        </pc:spChg>
+        <pc:spChg chg="mod">
+          <ac:chgData name="최창환" userId="e7bece8d-0b00-46eb-a3f5-00c7562d57af" providerId="ADAL" clId="{1D185AE2-2488-4666-B60E-552A758BAD94}" dt="2022-05-29T10:06:24.289" v="6" actId="2710"/>
+          <ac:spMkLst>
+            <pc:docMk/>
+            <pc:sldMk cId="0" sldId="257"/>
+            <ac:spMk id="32" creationId="{00000000-0000-0000-0000-000000000000}"/>
+          </ac:spMkLst>
+        </pc:spChg>
+      </pc:sldChg>
+      <pc:sldChg chg="modSp mod">
+        <pc:chgData name="최창환" userId="e7bece8d-0b00-46eb-a3f5-00c7562d57af" providerId="ADAL" clId="{1D185AE2-2488-4666-B60E-552A758BAD94}" dt="2022-05-29T10:05:30.931" v="0" actId="2710"/>
+        <pc:sldMkLst>
+          <pc:docMk/>
+          <pc:sldMk cId="0" sldId="258"/>
+        </pc:sldMkLst>
+        <pc:spChg chg="mod">
+          <ac:chgData name="최창환" userId="e7bece8d-0b00-46eb-a3f5-00c7562d57af" providerId="ADAL" clId="{1D185AE2-2488-4666-B60E-552A758BAD94}" dt="2022-05-29T10:05:30.931" v="0" actId="2710"/>
+          <ac:spMkLst>
+            <pc:docMk/>
+            <pc:sldMk cId="0" sldId="258"/>
+            <ac:spMk id="15" creationId="{00000000-0000-0000-0000-000000000000}"/>
+          </ac:spMkLst>
+        </pc:spChg>
+      </pc:sldChg>
+      <pc:sldChg chg="modSp mod">
+        <pc:chgData name="최창환" userId="e7bece8d-0b00-46eb-a3f5-00c7562d57af" providerId="ADAL" clId="{1D185AE2-2488-4666-B60E-552A758BAD94}" dt="2022-05-29T10:05:44.634" v="1" actId="2710"/>
+        <pc:sldMkLst>
+          <pc:docMk/>
+          <pc:sldMk cId="0" sldId="259"/>
+        </pc:sldMkLst>
+        <pc:spChg chg="mod">
+          <ac:chgData name="최창환" userId="e7bece8d-0b00-46eb-a3f5-00c7562d57af" providerId="ADAL" clId="{1D185AE2-2488-4666-B60E-552A758BAD94}" dt="2022-05-29T10:05:44.634" v="1" actId="2710"/>
+          <ac:spMkLst>
+            <pc:docMk/>
+            <pc:sldMk cId="0" sldId="259"/>
+            <ac:spMk id="12" creationId="{00000000-0000-0000-0000-000000000000}"/>
+          </ac:spMkLst>
+        </pc:spChg>
+      </pc:sldChg>
+      <pc:sldChg chg="modSp mod">
+        <pc:chgData name="최창환" userId="e7bece8d-0b00-46eb-a3f5-00c7562d57af" providerId="ADAL" clId="{1D185AE2-2488-4666-B60E-552A758BAD94}" dt="2022-05-29T10:06:49.623" v="8" actId="2710"/>
+        <pc:sldMkLst>
+          <pc:docMk/>
+          <pc:sldMk cId="0" sldId="262"/>
+        </pc:sldMkLst>
+        <pc:spChg chg="mod">
+          <ac:chgData name="최창환" userId="e7bece8d-0b00-46eb-a3f5-00c7562d57af" providerId="ADAL" clId="{1D185AE2-2488-4666-B60E-552A758BAD94}" dt="2022-05-29T10:06:49.623" v="8" actId="2710"/>
+          <ac:spMkLst>
+            <pc:docMk/>
+            <pc:sldMk cId="0" sldId="262"/>
+            <ac:spMk id="22" creationId="{00000000-0000-0000-0000-000000000000}"/>
+          </ac:spMkLst>
+        </pc:spChg>
+      </pc:sldChg>
+      <pc:sldChg chg="modSp mod">
+        <pc:chgData name="최창환" userId="e7bece8d-0b00-46eb-a3f5-00c7562d57af" providerId="ADAL" clId="{1D185AE2-2488-4666-B60E-552A758BAD94}" dt="2022-05-29T10:07:00.356" v="10" actId="1076"/>
+        <pc:sldMkLst>
+          <pc:docMk/>
+          <pc:sldMk cId="0" sldId="263"/>
+        </pc:sldMkLst>
+        <pc:spChg chg="mod">
+          <ac:chgData name="최창환" userId="e7bece8d-0b00-46eb-a3f5-00c7562d57af" providerId="ADAL" clId="{1D185AE2-2488-4666-B60E-552A758BAD94}" dt="2022-05-29T10:07:00.356" v="10" actId="1076"/>
+          <ac:spMkLst>
+            <pc:docMk/>
+            <pc:sldMk cId="0" sldId="263"/>
+            <ac:spMk id="25" creationId="{00000000-0000-0000-0000-000000000000}"/>
+          </ac:spMkLst>
+        </pc:spChg>
+      </pc:sldChg>
+      <pc:sldChg chg="modSp mod">
+        <pc:chgData name="최창환" userId="e7bece8d-0b00-46eb-a3f5-00c7562d57af" providerId="ADAL" clId="{1D185AE2-2488-4666-B60E-552A758BAD94}" dt="2022-05-29T10:07:43.786" v="21" actId="5793"/>
+        <pc:sldMkLst>
+          <pc:docMk/>
+          <pc:sldMk cId="0" sldId="265"/>
+        </pc:sldMkLst>
+        <pc:spChg chg="mod">
+          <ac:chgData name="최창환" userId="e7bece8d-0b00-46eb-a3f5-00c7562d57af" providerId="ADAL" clId="{1D185AE2-2488-4666-B60E-552A758BAD94}" dt="2022-05-29T10:07:09.277" v="11" actId="2710"/>
+          <ac:spMkLst>
+            <pc:docMk/>
+            <pc:sldMk cId="0" sldId="265"/>
+            <ac:spMk id="3" creationId="{00000000-0000-0000-0000-000000000000}"/>
+          </ac:spMkLst>
+        </pc:spChg>
+        <pc:spChg chg="mod">
+          <ac:chgData name="최창환" userId="e7bece8d-0b00-46eb-a3f5-00c7562d57af" providerId="ADAL" clId="{1D185AE2-2488-4666-B60E-552A758BAD94}" dt="2022-05-29T10:07:17.069" v="14" actId="1076"/>
+          <ac:spMkLst>
+            <pc:docMk/>
+            <pc:sldMk cId="0" sldId="265"/>
+            <ac:spMk id="4" creationId="{00000000-0000-0000-0000-000000000000}"/>
+          </ac:spMkLst>
+        </pc:spChg>
+        <pc:spChg chg="mod">
+          <ac:chgData name="최창환" userId="e7bece8d-0b00-46eb-a3f5-00c7562d57af" providerId="ADAL" clId="{1D185AE2-2488-4666-B60E-552A758BAD94}" dt="2022-05-29T10:07:43.786" v="21" actId="5793"/>
+          <ac:spMkLst>
+            <pc:docMk/>
+            <pc:sldMk cId="0" sldId="265"/>
+            <ac:spMk id="21" creationId="{00000000-0000-0000-0000-000000000000}"/>
+          </ac:spMkLst>
+        </pc:spChg>
+      </pc:sldChg>
+      <pc:sldChg chg="modSp mod">
+        <pc:chgData name="최창환" userId="e7bece8d-0b00-46eb-a3f5-00c7562d57af" providerId="ADAL" clId="{1D185AE2-2488-4666-B60E-552A758BAD94}" dt="2022-05-29T10:08:16.541" v="23" actId="255"/>
+        <pc:sldMkLst>
+          <pc:docMk/>
+          <pc:sldMk cId="0" sldId="267"/>
+        </pc:sldMkLst>
+        <pc:spChg chg="mod">
+          <ac:chgData name="최창환" userId="e7bece8d-0b00-46eb-a3f5-00c7562d57af" providerId="ADAL" clId="{1D185AE2-2488-4666-B60E-552A758BAD94}" dt="2022-05-29T10:08:16.541" v="23" actId="255"/>
+          <ac:spMkLst>
+            <pc:docMk/>
+            <pc:sldMk cId="0" sldId="267"/>
+            <ac:spMk id="3" creationId="{00000000-0000-0000-0000-000000000000}"/>
+          </ac:spMkLst>
+        </pc:spChg>
+      </pc:sldChg>
+    </pc:docChg>
+  </pc:docChgLst>
+</pc:chgInfo>
 </file>
 
 <file path=ppt/slideLayouts/slideLayout1.xml><?xml version="1.0" encoding="utf-8"?>
@@ -161,10 +323,9 @@
           <a:lstStyle/>
           <a:p>
             <a:r>
-              <a:rPr lang="en-US" smtClean="0"/>
+              <a:rPr lang="en-US"/>
               <a:t>Click to edit Master title style</a:t>
             </a:r>
-            <a:endParaRPr lang="en-US"/>
           </a:p>
         </p:txBody>
       </p:sp>
@@ -280,10 +441,9 @@
           </a:lstStyle>
           <a:p>
             <a:r>
-              <a:rPr lang="en-US" smtClean="0"/>
+              <a:rPr lang="en-US"/>
               <a:t>Click to edit Master subtitle style</a:t>
             </a:r>
-            <a:endParaRPr lang="en-US"/>
           </a:p>
         </p:txBody>
       </p:sp>
@@ -393,10 +553,9 @@
           <a:lstStyle/>
           <a:p>
             <a:r>
-              <a:rPr lang="en-US" smtClean="0"/>
+              <a:rPr lang="en-US"/>
               <a:t>Click to edit Master title style</a:t>
             </a:r>
-            <a:endParaRPr lang="en-US"/>
           </a:p>
         </p:txBody>
       </p:sp>
@@ -417,38 +576,37 @@
           <a:p>
             <a:pPr lvl="0"/>
             <a:r>
-              <a:rPr lang="en-US" smtClean="0"/>
+              <a:rPr lang="en-US"/>
               <a:t>Click to edit Master text styles</a:t>
             </a:r>
           </a:p>
           <a:p>
             <a:pPr lvl="1"/>
             <a:r>
-              <a:rPr lang="en-US" smtClean="0"/>
+              <a:rPr lang="en-US"/>
               <a:t>Second level</a:t>
             </a:r>
           </a:p>
           <a:p>
             <a:pPr lvl="2"/>
             <a:r>
-              <a:rPr lang="en-US" smtClean="0"/>
+              <a:rPr lang="en-US"/>
               <a:t>Third level</a:t>
             </a:r>
           </a:p>
           <a:p>
             <a:pPr lvl="3"/>
             <a:r>
-              <a:rPr lang="en-US" smtClean="0"/>
+              <a:rPr lang="en-US"/>
               <a:t>Fourth level</a:t>
             </a:r>
           </a:p>
           <a:p>
             <a:pPr lvl="4"/>
             <a:r>
-              <a:rPr lang="en-US" smtClean="0"/>
+              <a:rPr lang="en-US"/>
               <a:t>Fifth level</a:t>
             </a:r>
-            <a:endParaRPr lang="en-US"/>
           </a:p>
         </p:txBody>
       </p:sp>
@@ -469,7 +627,7 @@
           <a:p>
             <a:fld id="{A76116CE-C4A3-4A05-B2D7-7C2E9A889C0F}" type="datetimeFigureOut">
               <a:rPr lang="en-US" smtClean="0"/>
-              <a:t>1/30/2017</a:t>
+              <a:t>5/29/2022</a:t>
             </a:fld>
             <a:endParaRPr lang="en-US"/>
           </a:p>
@@ -563,10 +721,9 @@
           <a:lstStyle/>
           <a:p>
             <a:r>
-              <a:rPr lang="en-US" smtClean="0"/>
+              <a:rPr lang="en-US"/>
               <a:t>Click to edit Master title style</a:t>
             </a:r>
-            <a:endParaRPr lang="en-US"/>
           </a:p>
         </p:txBody>
       </p:sp>
@@ -592,38 +749,37 @@
           <a:p>
             <a:pPr lvl="0"/>
             <a:r>
-              <a:rPr lang="en-US" smtClean="0"/>
+              <a:rPr lang="en-US"/>
               <a:t>Click to edit Master text styles</a:t>
             </a:r>
           </a:p>
           <a:p>
             <a:pPr lvl="1"/>
             <a:r>
-              <a:rPr lang="en-US" smtClean="0"/>
+              <a:rPr lang="en-US"/>
               <a:t>Second level</a:t>
             </a:r>
           </a:p>
           <a:p>
             <a:pPr lvl="2"/>
             <a:r>
-              <a:rPr lang="en-US" smtClean="0"/>
+              <a:rPr lang="en-US"/>
               <a:t>Third level</a:t>
             </a:r>
           </a:p>
           <a:p>
             <a:pPr lvl="3"/>
             <a:r>
-              <a:rPr lang="en-US" smtClean="0"/>
+              <a:rPr lang="en-US"/>
               <a:t>Fourth level</a:t>
             </a:r>
           </a:p>
           <a:p>
             <a:pPr lvl="4"/>
             <a:r>
-              <a:rPr lang="en-US" smtClean="0"/>
+              <a:rPr lang="en-US"/>
               <a:t>Fifth level</a:t>
             </a:r>
-            <a:endParaRPr lang="en-US"/>
           </a:p>
         </p:txBody>
       </p:sp>
@@ -644,7 +800,7 @@
           <a:p>
             <a:fld id="{A76116CE-C4A3-4A05-B2D7-7C2E9A889C0F}" type="datetimeFigureOut">
               <a:rPr lang="en-US" smtClean="0"/>
-              <a:t>1/30/2017</a:t>
+              <a:t>5/29/2022</a:t>
             </a:fld>
             <a:endParaRPr lang="en-US"/>
           </a:p>
@@ -733,10 +889,9 @@
           <a:lstStyle/>
           <a:p>
             <a:r>
-              <a:rPr lang="en-US" smtClean="0"/>
+              <a:rPr lang="en-US"/>
               <a:t>Click to edit Master title style</a:t>
             </a:r>
-            <a:endParaRPr lang="en-US"/>
           </a:p>
         </p:txBody>
       </p:sp>
@@ -759,38 +914,37 @@
               <a:buChar char="•"/>
             </a:pPr>
             <a:r>
-              <a:rPr lang="en-US" smtClean="0"/>
+              <a:rPr lang="en-US"/>
               <a:t>Click to edit Master text styles</a:t>
             </a:r>
           </a:p>
           <a:p>
             <a:pPr lvl="1"/>
             <a:r>
-              <a:rPr lang="en-US" smtClean="0"/>
+              <a:rPr lang="en-US"/>
               <a:t>Second level</a:t>
             </a:r>
           </a:p>
           <a:p>
             <a:pPr lvl="2"/>
             <a:r>
-              <a:rPr lang="en-US" smtClean="0"/>
+              <a:rPr lang="en-US"/>
               <a:t>Third level</a:t>
             </a:r>
           </a:p>
           <a:p>
             <a:pPr lvl="3"/>
             <a:r>
-              <a:rPr lang="en-US" smtClean="0"/>
+              <a:rPr lang="en-US"/>
               <a:t>Fourth level</a:t>
             </a:r>
           </a:p>
           <a:p>
             <a:pPr lvl="4"/>
             <a:r>
-              <a:rPr lang="en-US" smtClean="0"/>
+              <a:rPr lang="en-US"/>
               <a:t>Fifth level</a:t>
             </a:r>
-            <a:endParaRPr lang="en-US"/>
           </a:p>
         </p:txBody>
       </p:sp>
@@ -909,10 +1063,9 @@
           </a:lstStyle>
           <a:p>
             <a:r>
-              <a:rPr lang="en-US" smtClean="0"/>
+              <a:rPr lang="en-US"/>
               <a:t>Click to edit Master title style</a:t>
             </a:r>
-            <a:endParaRPr lang="en-US"/>
           </a:p>
         </p:txBody>
       </p:sp>
@@ -1029,7 +1182,7 @@
           <a:p>
             <a:pPr lvl="0"/>
             <a:r>
-              <a:rPr lang="en-US" smtClean="0"/>
+              <a:rPr lang="en-US"/>
               <a:t>Click to edit Master text styles</a:t>
             </a:r>
           </a:p>
@@ -1141,10 +1294,9 @@
           <a:lstStyle/>
           <a:p>
             <a:r>
-              <a:rPr lang="en-US" smtClean="0"/>
+              <a:rPr lang="en-US"/>
               <a:t>Click to edit Master title style</a:t>
             </a:r>
-            <a:endParaRPr lang="en-US"/>
           </a:p>
         </p:txBody>
       </p:sp>
@@ -1198,38 +1350,37 @@
           <a:p>
             <a:pPr lvl="0"/>
             <a:r>
-              <a:rPr lang="en-US" smtClean="0"/>
+              <a:rPr lang="en-US"/>
               <a:t>Click to edit Master text styles</a:t>
             </a:r>
           </a:p>
           <a:p>
             <a:pPr lvl="1"/>
             <a:r>
-              <a:rPr lang="en-US" smtClean="0"/>
+              <a:rPr lang="en-US"/>
               <a:t>Second level</a:t>
             </a:r>
           </a:p>
           <a:p>
             <a:pPr lvl="2"/>
             <a:r>
-              <a:rPr lang="en-US" smtClean="0"/>
+              <a:rPr lang="en-US"/>
               <a:t>Third level</a:t>
             </a:r>
           </a:p>
           <a:p>
             <a:pPr lvl="3"/>
             <a:r>
-              <a:rPr lang="en-US" smtClean="0"/>
+              <a:rPr lang="en-US"/>
               <a:t>Fourth level</a:t>
             </a:r>
           </a:p>
           <a:p>
             <a:pPr lvl="4"/>
             <a:r>
-              <a:rPr lang="en-US" smtClean="0"/>
+              <a:rPr lang="en-US"/>
               <a:t>Fifth level</a:t>
             </a:r>
-            <a:endParaRPr lang="en-US"/>
           </a:p>
         </p:txBody>
       </p:sp>
@@ -1283,38 +1434,37 @@
           <a:p>
             <a:pPr lvl="0"/>
             <a:r>
-              <a:rPr lang="en-US" smtClean="0"/>
+              <a:rPr lang="en-US"/>
               <a:t>Click to edit Master text styles</a:t>
             </a:r>
           </a:p>
           <a:p>
             <a:pPr lvl="1"/>
             <a:r>
-              <a:rPr lang="en-US" smtClean="0"/>
+              <a:rPr lang="en-US"/>
               <a:t>Second level</a:t>
             </a:r>
           </a:p>
           <a:p>
             <a:pPr lvl="2"/>
             <a:r>
-              <a:rPr lang="en-US" smtClean="0"/>
+              <a:rPr lang="en-US"/>
               <a:t>Third level</a:t>
             </a:r>
           </a:p>
           <a:p>
             <a:pPr lvl="3"/>
             <a:r>
-              <a:rPr lang="en-US" smtClean="0"/>
+              <a:rPr lang="en-US"/>
               <a:t>Fourth level</a:t>
             </a:r>
           </a:p>
           <a:p>
             <a:pPr lvl="4"/>
             <a:r>
-              <a:rPr lang="en-US" smtClean="0"/>
+              <a:rPr lang="en-US"/>
               <a:t>Fifth level</a:t>
             </a:r>
-            <a:endParaRPr lang="en-US"/>
           </a:p>
         </p:txBody>
       </p:sp>
@@ -1335,7 +1485,7 @@
           <a:p>
             <a:fld id="{A76116CE-C4A3-4A05-B2D7-7C2E9A889C0F}" type="datetimeFigureOut">
               <a:rPr lang="en-US" smtClean="0"/>
-              <a:t>1/30/2017</a:t>
+              <a:t>5/29/2022</a:t>
             </a:fld>
             <a:endParaRPr lang="en-US"/>
           </a:p>
@@ -1428,10 +1578,9 @@
           </a:lstStyle>
           <a:p>
             <a:r>
-              <a:rPr lang="en-US" smtClean="0"/>
+              <a:rPr lang="en-US"/>
               <a:t>Click to edit Master title style</a:t>
             </a:r>
-            <a:endParaRPr lang="en-US"/>
           </a:p>
         </p:txBody>
       </p:sp>
@@ -1494,7 +1643,7 @@
           <a:p>
             <a:pPr lvl="0"/>
             <a:r>
-              <a:rPr lang="en-US" smtClean="0"/>
+              <a:rPr lang="en-US"/>
               <a:t>Click to edit Master text styles</a:t>
             </a:r>
           </a:p>
@@ -1550,38 +1699,37 @@
           <a:p>
             <a:pPr lvl="0"/>
             <a:r>
-              <a:rPr lang="en-US" smtClean="0"/>
+              <a:rPr lang="en-US"/>
               <a:t>Click to edit Master text styles</a:t>
             </a:r>
           </a:p>
           <a:p>
             <a:pPr lvl="1"/>
             <a:r>
-              <a:rPr lang="en-US" smtClean="0"/>
+              <a:rPr lang="en-US"/>
               <a:t>Second level</a:t>
             </a:r>
           </a:p>
           <a:p>
             <a:pPr lvl="2"/>
             <a:r>
-              <a:rPr lang="en-US" smtClean="0"/>
+              <a:rPr lang="en-US"/>
               <a:t>Third level</a:t>
             </a:r>
           </a:p>
           <a:p>
             <a:pPr lvl="3"/>
             <a:r>
-              <a:rPr lang="en-US" smtClean="0"/>
+              <a:rPr lang="en-US"/>
               <a:t>Fourth level</a:t>
             </a:r>
           </a:p>
           <a:p>
             <a:pPr lvl="4"/>
             <a:r>
-              <a:rPr lang="en-US" smtClean="0"/>
+              <a:rPr lang="en-US"/>
               <a:t>Fifth level</a:t>
             </a:r>
-            <a:endParaRPr lang="en-US"/>
           </a:p>
         </p:txBody>
       </p:sp>
@@ -1644,7 +1792,7 @@
           <a:p>
             <a:pPr lvl="0"/>
             <a:r>
-              <a:rPr lang="en-US" smtClean="0"/>
+              <a:rPr lang="en-US"/>
               <a:t>Click to edit Master text styles</a:t>
             </a:r>
           </a:p>
@@ -1700,38 +1848,37 @@
           <a:p>
             <a:pPr lvl="0"/>
             <a:r>
-              <a:rPr lang="en-US" smtClean="0"/>
+              <a:rPr lang="en-US"/>
               <a:t>Click to edit Master text styles</a:t>
             </a:r>
           </a:p>
           <a:p>
             <a:pPr lvl="1"/>
             <a:r>
-              <a:rPr lang="en-US" smtClean="0"/>
+              <a:rPr lang="en-US"/>
               <a:t>Second level</a:t>
             </a:r>
           </a:p>
           <a:p>
             <a:pPr lvl="2"/>
             <a:r>
-              <a:rPr lang="en-US" smtClean="0"/>
+              <a:rPr lang="en-US"/>
               <a:t>Third level</a:t>
             </a:r>
           </a:p>
           <a:p>
             <a:pPr lvl="3"/>
             <a:r>
-              <a:rPr lang="en-US" smtClean="0"/>
+              <a:rPr lang="en-US"/>
               <a:t>Fourth level</a:t>
             </a:r>
           </a:p>
           <a:p>
             <a:pPr lvl="4"/>
             <a:r>
-              <a:rPr lang="en-US" smtClean="0"/>
+              <a:rPr lang="en-US"/>
               <a:t>Fifth level</a:t>
             </a:r>
-            <a:endParaRPr lang="en-US"/>
           </a:p>
         </p:txBody>
       </p:sp>
@@ -1752,7 +1899,7 @@
           <a:p>
             <a:fld id="{A76116CE-C4A3-4A05-B2D7-7C2E9A889C0F}" type="datetimeFigureOut">
               <a:rPr lang="en-US" smtClean="0"/>
-              <a:t>1/30/2017</a:t>
+              <a:t>5/29/2022</a:t>
             </a:fld>
             <a:endParaRPr lang="en-US"/>
           </a:p>
@@ -1841,10 +1988,9 @@
           <a:lstStyle/>
           <a:p>
             <a:r>
-              <a:rPr lang="en-US" smtClean="0"/>
+              <a:rPr lang="en-US"/>
               <a:t>Click to edit Master title style</a:t>
             </a:r>
-            <a:endParaRPr lang="en-US"/>
           </a:p>
         </p:txBody>
       </p:sp>
@@ -1865,7 +2011,7 @@
           <a:p>
             <a:fld id="{A76116CE-C4A3-4A05-B2D7-7C2E9A889C0F}" type="datetimeFigureOut">
               <a:rPr lang="en-US" smtClean="0"/>
-              <a:t>1/30/2017</a:t>
+              <a:t>5/29/2022</a:t>
             </a:fld>
             <a:endParaRPr lang="en-US"/>
           </a:p>
@@ -1955,7 +2101,7 @@
           <a:p>
             <a:fld id="{A76116CE-C4A3-4A05-B2D7-7C2E9A889C0F}" type="datetimeFigureOut">
               <a:rPr lang="en-US" smtClean="0"/>
-              <a:t>1/30/2017</a:t>
+              <a:t>5/29/2022</a:t>
             </a:fld>
             <a:endParaRPr lang="en-US"/>
           </a:p>
@@ -2053,10 +2199,9 @@
           </a:lstStyle>
           <a:p>
             <a:r>
-              <a:rPr lang="en-US" smtClean="0"/>
+              <a:rPr lang="en-US"/>
               <a:t>Click to edit Master title style</a:t>
             </a:r>
-            <a:endParaRPr lang="en-US"/>
           </a:p>
         </p:txBody>
       </p:sp>
@@ -2110,38 +2255,37 @@
           <a:p>
             <a:pPr lvl="0"/>
             <a:r>
-              <a:rPr lang="en-US" smtClean="0"/>
+              <a:rPr lang="en-US"/>
               <a:t>Click to edit Master text styles</a:t>
             </a:r>
           </a:p>
           <a:p>
             <a:pPr lvl="1"/>
             <a:r>
-              <a:rPr lang="en-US" smtClean="0"/>
+              <a:rPr lang="en-US"/>
               <a:t>Second level</a:t>
             </a:r>
           </a:p>
           <a:p>
             <a:pPr lvl="2"/>
             <a:r>
-              <a:rPr lang="en-US" smtClean="0"/>
+              <a:rPr lang="en-US"/>
               <a:t>Third level</a:t>
             </a:r>
           </a:p>
           <a:p>
             <a:pPr lvl="3"/>
             <a:r>
-              <a:rPr lang="en-US" smtClean="0"/>
+              <a:rPr lang="en-US"/>
               <a:t>Fourth level</a:t>
             </a:r>
           </a:p>
           <a:p>
             <a:pPr lvl="4"/>
             <a:r>
-              <a:rPr lang="en-US" smtClean="0"/>
+              <a:rPr lang="en-US"/>
               <a:t>Fifth level</a:t>
             </a:r>
-            <a:endParaRPr lang="en-US"/>
           </a:p>
         </p:txBody>
       </p:sp>
@@ -2204,7 +2348,7 @@
           <a:p>
             <a:pPr lvl="0"/>
             <a:r>
-              <a:rPr lang="en-US" smtClean="0"/>
+              <a:rPr lang="en-US"/>
               <a:t>Click to edit Master text styles</a:t>
             </a:r>
           </a:p>
@@ -2227,7 +2371,7 @@
           <a:p>
             <a:fld id="{A76116CE-C4A3-4A05-B2D7-7C2E9A889C0F}" type="datetimeFigureOut">
               <a:rPr lang="en-US" smtClean="0"/>
-              <a:t>1/30/2017</a:t>
+              <a:t>5/29/2022</a:t>
             </a:fld>
             <a:endParaRPr lang="en-US"/>
           </a:p>
@@ -2325,10 +2469,9 @@
           </a:lstStyle>
           <a:p>
             <a:r>
-              <a:rPr lang="en-US" smtClean="0"/>
+              <a:rPr lang="en-US"/>
               <a:t>Click to edit Master title style</a:t>
             </a:r>
-            <a:endParaRPr lang="en-US"/>
           </a:p>
         </p:txBody>
       </p:sp>
@@ -2452,7 +2595,7 @@
           <a:p>
             <a:pPr lvl="0"/>
             <a:r>
-              <a:rPr lang="en-US" smtClean="0"/>
+              <a:rPr lang="en-US"/>
               <a:t>Click to edit Master text styles</a:t>
             </a:r>
           </a:p>
@@ -2475,7 +2618,7 @@
           <a:p>
             <a:fld id="{A76116CE-C4A3-4A05-B2D7-7C2E9A889C0F}" type="datetimeFigureOut">
               <a:rPr lang="en-US" smtClean="0"/>
-              <a:t>1/30/2017</a:t>
+              <a:t>5/29/2022</a:t>
             </a:fld>
             <a:endParaRPr lang="en-US"/>
           </a:p>
@@ -2579,10 +2722,9 @@
           <a:lstStyle/>
           <a:p>
             <a:r>
-              <a:rPr lang="en-US" smtClean="0"/>
+              <a:rPr lang="en-US"/>
               <a:t>Click to edit Master title style</a:t>
             </a:r>
-            <a:endParaRPr lang="en-US"/>
           </a:p>
         </p:txBody>
       </p:sp>
@@ -2613,38 +2755,37 @@
           <a:p>
             <a:pPr lvl="0"/>
             <a:r>
-              <a:rPr lang="en-US" smtClean="0"/>
+              <a:rPr lang="en-US"/>
               <a:t>Click to edit Master text styles</a:t>
             </a:r>
           </a:p>
           <a:p>
             <a:pPr lvl="1"/>
             <a:r>
-              <a:rPr lang="en-US" smtClean="0"/>
+              <a:rPr lang="en-US"/>
               <a:t>Second level</a:t>
             </a:r>
           </a:p>
           <a:p>
             <a:pPr lvl="2"/>
             <a:r>
-              <a:rPr lang="en-US" smtClean="0"/>
+              <a:rPr lang="en-US"/>
               <a:t>Third level</a:t>
             </a:r>
           </a:p>
           <a:p>
             <a:pPr lvl="3"/>
             <a:r>
-              <a:rPr lang="en-US" smtClean="0"/>
+              <a:rPr lang="en-US"/>
               <a:t>Fourth level</a:t>
             </a:r>
           </a:p>
           <a:p>
             <a:pPr lvl="4"/>
             <a:r>
-              <a:rPr lang="en-US" smtClean="0"/>
+              <a:rPr lang="en-US"/>
               <a:t>Fifth level</a:t>
             </a:r>
-            <a:endParaRPr lang="en-US"/>
           </a:p>
         </p:txBody>
       </p:sp>
@@ -2683,7 +2824,7 @@
           <a:p>
             <a:fld id="{F8166F1F-CE9B-4651-A6AA-CD717754106B}" type="datetimeFigureOut">
               <a:rPr lang="en-US" smtClean="0"/>
-              <a:t>6/13/2013</a:t>
+              <a:t>5/29/2022</a:t>
             </a:fld>
             <a:endParaRPr lang="en-US"/>
           </a:p>
@@ -2761,7 +2902,7 @@
           <a:p>
             <a:fld id="{F7021451-1387-4CA6-816F-3879F97B5CBC}" type="slidenum">
               <a:rPr lang="en-US" smtClean="0"/>
-              <a:t>�#�</a:t>
+              <a:t>‹#›</a:t>
             </a:fld>
             <a:endParaRPr lang="en-US"/>
           </a:p>
@@ -2772,16 +2913,16 @@
   <p:clrMap bg1="lt1" tx1="dk1" bg2="lt2" tx2="dk2" accent1="accent1" accent2="accent2" accent3="accent3" accent4="accent4" accent5="accent5" accent6="accent6" hlink="hlink" folHlink="folHlink"/>
   <p:sldLayoutIdLst>
     <p:sldLayoutId id="2147483649" r:id="rId1"/>
-    <p:sldLayoutId id="2147483650" r:id="rId3"/>
-    <p:sldLayoutId id="2147483651" r:id="rId4"/>
-    <p:sldLayoutId id="2147483652" r:id="rId5"/>
-    <p:sldLayoutId id="2147483653" r:id="rId6"/>
-    <p:sldLayoutId id="2147483654" r:id="rId7"/>
-    <p:sldLayoutId id="2147483655" r:id="rId8"/>
-    <p:sldLayoutId id="2147483656" r:id="rId9"/>
-    <p:sldLayoutId id="2147483657" r:id="rId10"/>
-    <p:sldLayoutId id="2147483658" r:id="rId11"/>
-    <p:sldLayoutId id="2147483659" r:id="rId12"/>
+    <p:sldLayoutId id="2147483650" r:id="rId2"/>
+    <p:sldLayoutId id="2147483651" r:id="rId3"/>
+    <p:sldLayoutId id="2147483652" r:id="rId4"/>
+    <p:sldLayoutId id="2147483653" r:id="rId5"/>
+    <p:sldLayoutId id="2147483654" r:id="rId6"/>
+    <p:sldLayoutId id="2147483655" r:id="rId7"/>
+    <p:sldLayoutId id="2147483656" r:id="rId8"/>
+    <p:sldLayoutId id="2147483657" r:id="rId9"/>
+    <p:sldLayoutId id="2147483658" r:id="rId10"/>
+    <p:sldLayoutId id="2147483659" r:id="rId11"/>
   </p:sldLayoutIdLst>
   <p:txStyles>
     <p:titleStyle>
@@ -3078,14 +3219,14 @@
           <a:noFill/>
         </p:spPr>
         <p:txBody>
-          <a:bodyPr anchor="t" wrap="square" rtlCol="0">
+          <a:bodyPr wrap="square" rtlCol="0" anchor="t">
             <a:spAutoFit/>
           </a:bodyPr>
           <a:lstStyle/>
           <a:p>
             <a:pPr algn="r"/>
             <a:r>
-              <a:rPr lang="en-US" sz="6600" spc="-300" kern="0" dirty="0" smtClean="0">
+              <a:rPr lang="en-US" sz="6600" kern="0" spc="-300" dirty="0">
                 <a:solidFill>
                   <a:srgbClr val="000000"/>
                 </a:solidFill>
@@ -3115,14 +3256,14 @@
           <a:noFill/>
         </p:spPr>
         <p:txBody>
-          <a:bodyPr anchor="t" wrap="square" rtlCol="0">
+          <a:bodyPr wrap="square" rtlCol="0" anchor="t">
             <a:spAutoFit/>
           </a:bodyPr>
           <a:lstStyle/>
           <a:p>
             <a:pPr algn="r"/>
             <a:r>
-              <a:rPr lang="en-US" sz="4800" spc="-200" kern="0" dirty="0" smtClean="0">
+              <a:rPr lang="en-US" sz="4800" kern="0" spc="-200" dirty="0">
                 <a:solidFill>
                   <a:srgbClr val="000000"/>
                 </a:solidFill>
@@ -3236,7 +3377,7 @@
             <p:nvPr/>
           </p:nvPicPr>
           <p:blipFill>
-            <a:blip r:embed="rId4" cstate="print"/>
+            <a:blip r:embed="rId3" cstate="print"/>
             <a:stretch>
               <a:fillRect/>
             </a:stretch>
@@ -3269,13 +3410,13 @@
           <a:noFill/>
         </p:spPr>
         <p:txBody>
-          <a:bodyPr anchor="t" wrap="square" rtlCol="0">
+          <a:bodyPr wrap="square" rtlCol="0" anchor="t">
             <a:spAutoFit/>
           </a:bodyPr>
           <a:lstStyle/>
           <a:p>
             <a:r>
-              <a:rPr lang="en-US" sz="1600" spc="-100" kern="0" dirty="0" smtClean="0">
+              <a:rPr lang="en-US" sz="1600" kern="0" spc="-100" dirty="0">
                 <a:solidFill>
                   <a:srgbClr val="000000"/>
                 </a:solidFill>
@@ -3305,14 +3446,14 @@
           <a:noFill/>
         </p:spPr>
         <p:txBody>
-          <a:bodyPr anchor="t" wrap="square" rtlCol="0">
+          <a:bodyPr wrap="square" rtlCol="0" anchor="t">
             <a:spAutoFit/>
           </a:bodyPr>
           <a:lstStyle/>
           <a:p>
             <a:pPr algn="ctr"/>
             <a:r>
-              <a:rPr lang="en-US" sz="3000" dirty="0" smtClean="0">
+              <a:rPr lang="en-US" sz="3000" dirty="0">
                 <a:solidFill>
                   <a:srgbClr val="000000"/>
                 </a:solidFill>
@@ -3321,19 +3462,11 @@
               </a:rPr>
               <a:t>1876003 이태환</a:t>
             </a:r>
-            <a:r>
-              <a:rPr lang="en-US" dirty="0" smtClean="0"/>
-              <a:t/>
-            </a:r>
           </a:p>
           <a:p>
             <a:pPr algn="ctr"/>
             <a:r>
-              <a:rPr lang="en-US" dirty="0" smtClean="0"/>
-              <a:t/>
-            </a:r>
-            <a:r>
-              <a:rPr lang="en-US" sz="3000" dirty="0" smtClean="0">
+              <a:rPr lang="en-US" sz="3000" dirty="0">
                 <a:solidFill>
                   <a:srgbClr val="000000"/>
                 </a:solidFill>
@@ -3342,19 +3475,11 @@
               </a:rPr>
               <a:t>1976010 김하윤</a:t>
             </a:r>
-            <a:r>
-              <a:rPr lang="en-US" dirty="0" smtClean="0"/>
-              <a:t/>
-            </a:r>
           </a:p>
           <a:p>
             <a:pPr algn="ctr"/>
             <a:r>
-              <a:rPr lang="en-US" dirty="0" smtClean="0"/>
-              <a:t/>
-            </a:r>
-            <a:r>
-              <a:rPr lang="en-US" sz="3000" dirty="0" smtClean="0">
+              <a:rPr lang="en-US" sz="3000" dirty="0">
                 <a:solidFill>
                   <a:srgbClr val="000000"/>
                 </a:solidFill>
@@ -3390,7 +3515,7 @@
             <p:nvPr/>
           </p:nvPicPr>
           <p:blipFill>
-            <a:blip r:embed="rId5" cstate="print"/>
+            <a:blip r:embed="rId4" cstate="print"/>
             <a:stretch>
               <a:fillRect/>
             </a:stretch>
@@ -3456,14 +3581,14 @@
           <a:noFill/>
         </p:spPr>
         <p:txBody>
-          <a:bodyPr anchor="t" wrap="square" rtlCol="0">
+          <a:bodyPr wrap="square" rtlCol="0" anchor="t">
             <a:spAutoFit/>
           </a:bodyPr>
           <a:lstStyle/>
           <a:p>
             <a:pPr algn="ctr"/>
             <a:r>
-              <a:rPr lang="en-US" sz="4800" b="1" spc="-200" kern="0" dirty="0" smtClean="0">
+              <a:rPr lang="en-US" sz="4800" b="1" kern="0" spc="-200" dirty="0">
                 <a:solidFill>
                   <a:srgbClr val="000000"/>
                 </a:solidFill>
@@ -3472,17 +3597,9 @@
               </a:rPr>
               <a:t>개발을 하면서 어려웠던 점.</a:t>
             </a:r>
-            <a:r>
-              <a:rPr lang="en-US" dirty="0" smtClean="0"/>
-              <a:t/>
-            </a:r>
           </a:p>
           <a:p>
             <a:pPr algn="ctr"/>
-            <a:r>
-              <a:rPr lang="en-US" dirty="0" smtClean="0"/>
-              <a:t/>
-            </a:r>
             <a:endParaRPr lang="en-US" dirty="0"/>
           </a:p>
         </p:txBody>
@@ -3496,7 +3613,7 @@
         <p:spPr>
           <a:xfrm>
             <a:off x="1597210" y="3098467"/>
-            <a:ext cx="16009923" cy="3829222"/>
+            <a:ext cx="16009923" cy="2680862"/>
           </a:xfrm>
           <a:prstGeom prst="rect">
             <a:avLst/>
@@ -3504,13 +3621,18 @@
           <a:noFill/>
         </p:spPr>
         <p:txBody>
-          <a:bodyPr anchor="t" wrap="square" rtlCol="0">
+          <a:bodyPr wrap="square" rtlCol="0" anchor="t">
             <a:spAutoFit/>
           </a:bodyPr>
           <a:lstStyle/>
           <a:p>
-            <a:r>
-              <a:rPr lang="en-US" sz="2400" dirty="0" smtClean="0">
+            <a:pPr>
+              <a:lnSpc>
+                <a:spcPct val="150000"/>
+              </a:lnSpc>
+            </a:pPr>
+            <a:r>
+              <a:rPr lang="en-US" sz="2400" dirty="0">
                 <a:solidFill>
                   <a:srgbClr val="000000"/>
                 </a:solidFill>
@@ -3519,18 +3641,15 @@
               </a:rPr>
               <a:t>- 키트를 제작하기로 했지만, 제작 비용의 문제로 인해 만들지 못함.</a:t>
             </a:r>
-            <a:r>
-              <a:rPr lang="en-US" dirty="0" smtClean="0"/>
-              <a:t/>
-            </a:r>
-          </a:p>
-          <a:p>
-            <a:r>
-              <a:rPr lang="en-US" dirty="0" smtClean="0"/>
-              <a:t/>
-            </a:r>
-            <a:r>
-              <a:rPr lang="en-US" sz="2400" dirty="0" smtClean="0">
+          </a:p>
+          <a:p>
+            <a:pPr>
+              <a:lnSpc>
+                <a:spcPct val="150000"/>
+              </a:lnSpc>
+            </a:pPr>
+            <a:r>
+              <a:rPr lang="en-US" sz="2400" dirty="0">
                 <a:solidFill>
                   <a:srgbClr val="000000"/>
                 </a:solidFill>
@@ -3539,18 +3658,15 @@
               </a:rPr>
               <a:t>- 디버깅 시간이 오래 걸리는 문제로 인해 개발을 진행하는 시간이 오래 걸림.</a:t>
             </a:r>
-            <a:r>
-              <a:rPr lang="en-US" dirty="0" smtClean="0"/>
-              <a:t/>
-            </a:r>
-          </a:p>
-          <a:p>
-            <a:r>
-              <a:rPr lang="en-US" dirty="0" smtClean="0"/>
-              <a:t/>
-            </a:r>
-            <a:r>
-              <a:rPr lang="en-US" sz="2400" dirty="0" smtClean="0">
+          </a:p>
+          <a:p>
+            <a:pPr>
+              <a:lnSpc>
+                <a:spcPct val="150000"/>
+              </a:lnSpc>
+            </a:pPr>
+            <a:r>
+              <a:rPr lang="en-US" sz="2400" dirty="0">
                 <a:solidFill>
                   <a:srgbClr val="000000"/>
                 </a:solidFill>
@@ -3560,9 +3676,9 @@
               <a:t>- 데이터를 동적으로 불러오는 과정을 진행하지 못함. (</a:t>
             </a:r>
             <a:r>
-              <a:rPr lang="en-US" sz="2400" dirty="0" smtClean="0">
-                <a:solidFill>
-                  <a:srgbClr val="ff0000"/>
+              <a:rPr lang="en-US" sz="2400" dirty="0">
+                <a:solidFill>
+                  <a:srgbClr val="FF0000"/>
                 </a:solidFill>
                 <a:latin typeface="Gmarket Sans Medium" pitchFamily="34" charset="0"/>
                 <a:cs typeface="Gmarket Sans Medium" pitchFamily="34" charset="0"/>
@@ -3570,7 +3686,7 @@
               <a:t>하드코딩</a:t>
             </a:r>
             <a:r>
-              <a:rPr lang="en-US" sz="2400" dirty="0" smtClean="0">
+              <a:rPr lang="en-US" sz="2400" dirty="0">
                 <a:solidFill>
                   <a:srgbClr val="000000"/>
                 </a:solidFill>
@@ -3579,26 +3695,27 @@
               </a:rPr>
               <a:t>)</a:t>
             </a:r>
-            <a:r>
-              <a:rPr lang="en-US" dirty="0" smtClean="0"/>
-              <a:t/>
-            </a:r>
-          </a:p>
-          <a:p>
-            <a:r>
-              <a:rPr lang="en-US" dirty="0" smtClean="0"/>
-              <a:t/>
-            </a:r>
-            <a:r>
-              <a:rPr lang="en-US" dirty="0" smtClean="0"/>
-              <a:t/>
-            </a:r>
-          </a:p>
-          <a:p>
-            <a:r>
-              <a:rPr lang="en-US" dirty="0" smtClean="0"/>
-              <a:t/>
-            </a:r>
+          </a:p>
+          <a:p>
+            <a:pPr>
+              <a:lnSpc>
+                <a:spcPct val="150000"/>
+              </a:lnSpc>
+            </a:pPr>
+            <a:endParaRPr lang="en-US" sz="2400" dirty="0">
+              <a:solidFill>
+                <a:srgbClr val="000000"/>
+              </a:solidFill>
+              <a:latin typeface="Gmarket Sans Medium" pitchFamily="34" charset="0"/>
+              <a:cs typeface="Gmarket Sans Medium" pitchFamily="34" charset="0"/>
+            </a:endParaRPr>
+          </a:p>
+          <a:p>
+            <a:pPr>
+              <a:lnSpc>
+                <a:spcPct val="150000"/>
+              </a:lnSpc>
+            </a:pPr>
             <a:endParaRPr lang="en-US" dirty="0"/>
           </a:p>
         </p:txBody>
@@ -3620,14 +3737,14 @@
           <a:noFill/>
         </p:spPr>
         <p:txBody>
-          <a:bodyPr anchor="t" wrap="square" rtlCol="0">
+          <a:bodyPr wrap="square" rtlCol="0" anchor="t">
             <a:spAutoFit/>
           </a:bodyPr>
           <a:lstStyle/>
           <a:p>
             <a:pPr algn="ctr"/>
             <a:r>
-              <a:rPr lang="en-US" sz="4800" b="1" spc="-200" kern="0" dirty="0" smtClean="0">
+              <a:rPr lang="en-US" sz="4800" b="1" kern="0" spc="-200" dirty="0">
                 <a:solidFill>
                   <a:srgbClr val="000000"/>
                 </a:solidFill>
@@ -3636,17 +3753,9 @@
               </a:rPr>
               <a:t>전체적인 소감</a:t>
             </a:r>
-            <a:r>
-              <a:rPr lang="en-US" dirty="0" smtClean="0"/>
-              <a:t/>
-            </a:r>
           </a:p>
           <a:p>
             <a:pPr algn="ctr"/>
-            <a:r>
-              <a:rPr lang="en-US" dirty="0" smtClean="0"/>
-              <a:t/>
-            </a:r>
             <a:endParaRPr lang="en-US" dirty="0"/>
           </a:p>
         </p:txBody>
@@ -3707,15 +3816,15 @@
           <a:noFill/>
         </p:spPr>
         <p:txBody>
-          <a:bodyPr anchor="t" wrap="square" rtlCol="0">
+          <a:bodyPr wrap="square" rtlCol="0" anchor="t">
             <a:spAutoFit/>
           </a:bodyPr>
           <a:lstStyle/>
           <a:p>
             <a:r>
-              <a:rPr lang="en-US" sz="2500" spc="-100" kern="0" dirty="0" smtClean="0">
-                <a:solidFill>
-                  <a:srgbClr val="ffffff"/>
+              <a:rPr lang="en-US" sz="2500" kern="0" spc="-100" dirty="0">
+                <a:solidFill>
+                  <a:srgbClr val="FFFFFF"/>
                 </a:solidFill>
                 <a:latin typeface="Gmarket Sans Medium" pitchFamily="34" charset="0"/>
                 <a:cs typeface="Gmarket Sans Medium" pitchFamily="34" charset="0"/>
@@ -3782,16 +3891,16 @@
           <a:noFill/>
         </p:spPr>
         <p:txBody>
-          <a:bodyPr anchor="t" wrap="square" rtlCol="0">
+          <a:bodyPr wrap="square" rtlCol="0" anchor="t">
             <a:spAutoFit/>
           </a:bodyPr>
           <a:lstStyle/>
           <a:p>
             <a:pPr algn="ctr"/>
             <a:r>
-              <a:rPr lang="en-US" sz="900" dirty="0" smtClean="0">
-                <a:solidFill>
-                  <a:srgbClr val="ffffff"/>
+              <a:rPr lang="en-US" sz="900" dirty="0">
+                <a:solidFill>
+                  <a:srgbClr val="FFFFFF"/>
                 </a:solidFill>
                 <a:latin typeface="Gmarket Sans Medium" pitchFamily="34" charset="0"/>
                 <a:cs typeface="Gmarket Sans Medium" pitchFamily="34" charset="0"/>
@@ -3819,16 +3928,16 @@
           <a:noFill/>
         </p:spPr>
         <p:txBody>
-          <a:bodyPr anchor="t" wrap="square" rtlCol="0">
+          <a:bodyPr wrap="square" rtlCol="0" anchor="t">
             <a:spAutoFit/>
           </a:bodyPr>
           <a:lstStyle/>
           <a:p>
             <a:pPr algn="ctr"/>
             <a:r>
-              <a:rPr lang="en-US" sz="2700" spc="-100" kern="0" dirty="0" smtClean="0">
-                <a:solidFill>
-                  <a:srgbClr val="ffffff"/>
+              <a:rPr lang="en-US" sz="2700" kern="0" spc="-100" dirty="0">
+                <a:solidFill>
+                  <a:srgbClr val="FFFFFF"/>
                 </a:solidFill>
                 <a:latin typeface="Gmarket Sans Medium" pitchFamily="34" charset="0"/>
                 <a:cs typeface="Gmarket Sans Medium" pitchFamily="34" charset="0"/>
@@ -3856,16 +3965,16 @@
           <a:noFill/>
         </p:spPr>
         <p:txBody>
-          <a:bodyPr anchor="t" wrap="square" rtlCol="0">
+          <a:bodyPr wrap="square" rtlCol="0" anchor="t">
             <a:spAutoFit/>
           </a:bodyPr>
           <a:lstStyle/>
           <a:p>
             <a:pPr algn="r"/>
             <a:r>
-              <a:rPr lang="en-US" sz="1600" spc="-100" kern="0" dirty="0" smtClean="0">
-                <a:solidFill>
-                  <a:srgbClr val="ffffff"/>
+              <a:rPr lang="en-US" sz="1600" kern="0" spc="-100" dirty="0">
+                <a:solidFill>
+                  <a:srgbClr val="FFFFFF"/>
                 </a:solidFill>
                 <a:latin typeface="Gmarket Sans Medium" pitchFamily="34" charset="0"/>
                 <a:cs typeface="Gmarket Sans Medium" pitchFamily="34" charset="0"/>
@@ -3963,7 +4072,7 @@
         <p:spPr>
           <a:xfrm>
             <a:off x="1597210" y="6349552"/>
-            <a:ext cx="17868652" cy="4648629"/>
+            <a:ext cx="13414190" cy="3234860"/>
           </a:xfrm>
           <a:prstGeom prst="rect">
             <a:avLst/>
@@ -3971,53 +4080,111 @@
           <a:noFill/>
         </p:spPr>
         <p:txBody>
-          <a:bodyPr anchor="t" wrap="square" rtlCol="0">
+          <a:bodyPr wrap="square" rtlCol="0" anchor="t">
             <a:spAutoFit/>
           </a:bodyPr>
           <a:lstStyle/>
           <a:p>
-            <a:r>
-              <a:rPr lang="en-US" sz="2400" dirty="0" smtClean="0">
+            <a:pPr marL="342900" indent="-342900">
+              <a:lnSpc>
+                <a:spcPct val="150000"/>
+              </a:lnSpc>
+              <a:buFontTx/>
+              <a:buChar char="-"/>
+            </a:pPr>
+            <a:r>
+              <a:rPr lang="en-US" sz="2400" dirty="0" err="1">
                 <a:solidFill>
                   <a:srgbClr val="000000"/>
                 </a:solidFill>
                 <a:latin typeface="Gmarket Sans Medium" pitchFamily="34" charset="0"/>
                 <a:cs typeface="Gmarket Sans Medium" pitchFamily="34" charset="0"/>
               </a:rPr>
-              <a:t>- 아두이노를 이용해 개발 프로젝트를 진행하면서 임베디드 소프트웨어 개발자의 고충을 알게되는 간접적인 경험을 해볼 수 있었음.</a:t>
-            </a:r>
-            <a:r>
-              <a:rPr lang="en-US" dirty="0" smtClean="0"/>
-              <a:t/>
-            </a:r>
-          </a:p>
-          <a:p>
-            <a:r>
-              <a:rPr lang="en-US" dirty="0" smtClean="0"/>
-              <a:t/>
-            </a:r>
-            <a:r>
-              <a:rPr lang="en-US" sz="2400" dirty="0" smtClean="0">
+              <a:t>아두이노를</a:t>
+            </a:r>
+            <a:r>
+              <a:rPr lang="en-US" sz="2400" dirty="0">
                 <a:solidFill>
                   <a:srgbClr val="000000"/>
                 </a:solidFill>
                 <a:latin typeface="Gmarket Sans Medium" pitchFamily="34" charset="0"/>
                 <a:cs typeface="Gmarket Sans Medium" pitchFamily="34" charset="0"/>
               </a:rPr>
+              <a:t> 이용해 개발 프로젝트를 </a:t>
+            </a:r>
+            <a:r>
+              <a:rPr lang="en-US" sz="2400" dirty="0" err="1">
+                <a:solidFill>
+                  <a:srgbClr val="000000"/>
+                </a:solidFill>
+                <a:latin typeface="Gmarket Sans Medium" pitchFamily="34" charset="0"/>
+                <a:cs typeface="Gmarket Sans Medium" pitchFamily="34" charset="0"/>
+              </a:rPr>
+              <a:t>진행하면서</a:t>
+            </a:r>
+            <a:r>
+              <a:rPr lang="en-US" sz="2400" dirty="0">
+                <a:solidFill>
+                  <a:srgbClr val="000000"/>
+                </a:solidFill>
+                <a:latin typeface="Gmarket Sans Medium" pitchFamily="34" charset="0"/>
+                <a:cs typeface="Gmarket Sans Medium" pitchFamily="34" charset="0"/>
+              </a:rPr>
+              <a:t> </a:t>
+            </a:r>
+          </a:p>
+          <a:p>
+            <a:pPr>
+              <a:lnSpc>
+                <a:spcPct val="150000"/>
+              </a:lnSpc>
+            </a:pPr>
+            <a:r>
+              <a:rPr lang="en-US" sz="2400" dirty="0" err="1">
+                <a:solidFill>
+                  <a:srgbClr val="000000"/>
+                </a:solidFill>
+                <a:latin typeface="Gmarket Sans Medium" pitchFamily="34" charset="0"/>
+                <a:cs typeface="Gmarket Sans Medium" pitchFamily="34" charset="0"/>
+              </a:rPr>
+              <a:t>임베디드</a:t>
+            </a:r>
+            <a:r>
+              <a:rPr lang="en-US" sz="2400" dirty="0">
+                <a:solidFill>
+                  <a:srgbClr val="000000"/>
+                </a:solidFill>
+                <a:latin typeface="Gmarket Sans Medium" pitchFamily="34" charset="0"/>
+                <a:cs typeface="Gmarket Sans Medium" pitchFamily="34" charset="0"/>
+              </a:rPr>
+              <a:t> 소프트웨어 개발자의 고충을 알게되는 간접적인 경험을 해볼 수 있었음.</a:t>
+            </a:r>
+          </a:p>
+          <a:p>
+            <a:pPr>
+              <a:lnSpc>
+                <a:spcPct val="150000"/>
+              </a:lnSpc>
+            </a:pPr>
+            <a:r>
+              <a:rPr lang="en-US" sz="2400" dirty="0">
+                <a:solidFill>
+                  <a:srgbClr val="000000"/>
+                </a:solidFill>
+                <a:latin typeface="Gmarket Sans Medium" pitchFamily="34" charset="0"/>
+                <a:cs typeface="Gmarket Sans Medium" pitchFamily="34" charset="0"/>
+              </a:rPr>
               <a:t>(C++ 코드 난이도(상), 라이브러리(부족), 기술문서 전부 영어)</a:t>
             </a:r>
-            <a:r>
-              <a:rPr lang="en-US" dirty="0" smtClean="0"/>
-              <a:t/>
-            </a:r>
-          </a:p>
-          <a:p>
-            <a:r>
-              <a:rPr lang="en-US" dirty="0" smtClean="0"/>
-              <a:t/>
-            </a:r>
-            <a:r>
-              <a:rPr lang="en-US" sz="2400" dirty="0" smtClean="0">
+          </a:p>
+          <a:p>
+            <a:pPr>
+              <a:lnSpc>
+                <a:spcPct val="150000"/>
+              </a:lnSpc>
+            </a:pPr>
+            <a:r>
+              <a:rPr lang="en-US" sz="2400" dirty="0">
                 <a:solidFill>
                   <a:srgbClr val="000000"/>
                 </a:solidFill>
@@ -4026,26 +4193,27 @@
               </a:rPr>
               <a:t>- 아두이노 개발 환경에 익숙하지 못해 원래 프로젝트 목표 구현을 실패한 것이 아쉽다.</a:t>
             </a:r>
-            <a:r>
-              <a:rPr lang="en-US" dirty="0" smtClean="0"/>
-              <a:t/>
-            </a:r>
-          </a:p>
-          <a:p>
-            <a:r>
-              <a:rPr lang="en-US" dirty="0" smtClean="0"/>
-              <a:t/>
-            </a:r>
-            <a:r>
-              <a:rPr lang="en-US" dirty="0" smtClean="0"/>
-              <a:t/>
-            </a:r>
-          </a:p>
-          <a:p>
-            <a:r>
-              <a:rPr lang="en-US" dirty="0" smtClean="0"/>
-              <a:t/>
-            </a:r>
+          </a:p>
+          <a:p>
+            <a:pPr>
+              <a:lnSpc>
+                <a:spcPct val="150000"/>
+              </a:lnSpc>
+            </a:pPr>
+            <a:endParaRPr lang="en-US" sz="2400" dirty="0">
+              <a:solidFill>
+                <a:srgbClr val="000000"/>
+              </a:solidFill>
+              <a:latin typeface="Gmarket Sans Medium" pitchFamily="34" charset="0"/>
+              <a:cs typeface="Gmarket Sans Medium" pitchFamily="34" charset="0"/>
+            </a:endParaRPr>
+          </a:p>
+          <a:p>
+            <a:pPr>
+              <a:lnSpc>
+                <a:spcPct val="150000"/>
+              </a:lnSpc>
+            </a:pPr>
             <a:endParaRPr lang="en-US" dirty="0"/>
           </a:p>
         </p:txBody>
@@ -4100,14 +4268,14 @@
           <a:noFill/>
         </p:spPr>
         <p:txBody>
-          <a:bodyPr anchor="t" wrap="square" rtlCol="0">
+          <a:bodyPr wrap="square" rtlCol="0" anchor="t">
             <a:spAutoFit/>
           </a:bodyPr>
           <a:lstStyle/>
           <a:p>
             <a:pPr algn="ctr"/>
             <a:r>
-              <a:rPr lang="en-US" sz="8200" spc="-300" kern="0" dirty="0" smtClean="0">
+              <a:rPr lang="en-US" sz="8200" kern="0" spc="-300" dirty="0">
                 <a:solidFill>
                   <a:srgbClr val="000000"/>
                 </a:solidFill>
@@ -4215,16 +4383,16 @@
           <a:noFill/>
         </p:spPr>
         <p:txBody>
-          <a:bodyPr anchor="t" wrap="square" rtlCol="0">
+          <a:bodyPr wrap="square" rtlCol="0" anchor="t">
             <a:spAutoFit/>
           </a:bodyPr>
           <a:lstStyle/>
           <a:p>
             <a:pPr algn="r"/>
             <a:r>
-              <a:rPr lang="en-US" sz="1600" spc="-100" kern="0" dirty="0" smtClean="0">
-                <a:solidFill>
-                  <a:srgbClr val="ffffff"/>
+              <a:rPr lang="en-US" sz="1600" kern="0" spc="-100" dirty="0">
+                <a:solidFill>
+                  <a:srgbClr val="FFFFFF"/>
                 </a:solidFill>
                 <a:latin typeface="Gmarket Sans Medium" pitchFamily="34" charset="0"/>
                 <a:cs typeface="Gmarket Sans Medium" pitchFamily="34" charset="0"/>
@@ -4285,16 +4453,16 @@
           <a:noFill/>
         </p:spPr>
         <p:txBody>
-          <a:bodyPr anchor="t" wrap="square" rtlCol="0">
+          <a:bodyPr wrap="square" rtlCol="0" anchor="t">
             <a:spAutoFit/>
           </a:bodyPr>
           <a:lstStyle/>
           <a:p>
             <a:pPr algn="r"/>
             <a:r>
-              <a:rPr lang="en-US" sz="1600" spc="-100" kern="0" dirty="0" smtClean="0">
-                <a:solidFill>
-                  <a:srgbClr val="ffffff"/>
+              <a:rPr lang="en-US" sz="1600" kern="0" spc="-100" dirty="0">
+                <a:solidFill>
+                  <a:srgbClr val="FFFFFF"/>
                 </a:solidFill>
                 <a:latin typeface="Gmarket Sans Medium" pitchFamily="34" charset="0"/>
                 <a:cs typeface="Gmarket Sans Medium" pitchFamily="34" charset="0"/>
@@ -4314,7 +4482,7 @@
         <p:spPr>
           <a:xfrm>
             <a:off x="1363434" y="1281976"/>
-            <a:ext cx="23338269" cy="11151376"/>
+            <a:ext cx="23338269" cy="6955750"/>
           </a:xfrm>
           <a:prstGeom prst="rect">
             <a:avLst/>
@@ -4322,13 +4490,13 @@
           <a:noFill/>
         </p:spPr>
         <p:txBody>
-          <a:bodyPr anchor="t" wrap="square" rtlCol="0">
+          <a:bodyPr wrap="square" rtlCol="0" anchor="t">
             <a:spAutoFit/>
           </a:bodyPr>
           <a:lstStyle/>
           <a:p>
             <a:r>
-              <a:rPr lang="en-US" sz="4800" b="1" spc="-200" kern="0" dirty="0" smtClean="0">
+              <a:rPr lang="en-US" sz="4800" b="1" kern="0" spc="-200" dirty="0">
                 <a:solidFill>
                   <a:srgbClr val="000000"/>
                 </a:solidFill>
@@ -4337,28 +4505,24 @@
               </a:rPr>
               <a:t>참고 자료</a:t>
             </a:r>
-            <a:r>
-              <a:rPr lang="en-US" dirty="0" smtClean="0"/>
-              <a:t/>
-            </a:r>
-          </a:p>
-          <a:p>
-            <a:r>
-              <a:rPr lang="en-US" dirty="0" smtClean="0"/>
-              <a:t/>
-            </a:r>
-            <a:r>
-              <a:rPr lang="en-US" dirty="0" smtClean="0"/>
-              <a:t/>
-            </a:r>
-          </a:p>
-          <a:p>
-            <a:r>
-              <a:rPr lang="en-US" dirty="0" smtClean="0"/>
-              <a:t/>
-            </a:r>
-            <a:r>
-              <a:rPr lang="en-US" sz="2200" b="1" spc="-100" kern="0" dirty="0" smtClean="0">
+          </a:p>
+          <a:p>
+            <a:endParaRPr lang="en-US" sz="4800" b="1" kern="0" spc="-200" dirty="0">
+              <a:solidFill>
+                <a:srgbClr val="000000"/>
+              </a:solidFill>
+              <a:latin typeface="Gmarket Sans Medium" pitchFamily="34" charset="0"/>
+              <a:cs typeface="Gmarket Sans Medium" pitchFamily="34" charset="0"/>
+            </a:endParaRPr>
+          </a:p>
+          <a:p>
+            <a:pPr>
+              <a:lnSpc>
+                <a:spcPct val="150000"/>
+              </a:lnSpc>
+            </a:pPr>
+            <a:r>
+              <a:rPr lang="en-US" sz="2400" b="1" kern="0" spc="-100" dirty="0">
                 <a:solidFill>
                   <a:srgbClr val="000000"/>
                 </a:solidFill>
@@ -4367,18 +4531,15 @@
               </a:rPr>
               <a:t>- https://www.data.go.kr/tcs/dss/selectApiDataDetailView.do?publicDataPk=15080666</a:t>
             </a:r>
-            <a:r>
-              <a:rPr lang="en-US" dirty="0" smtClean="0"/>
-              <a:t/>
-            </a:r>
-          </a:p>
-          <a:p>
-            <a:r>
-              <a:rPr lang="en-US" dirty="0" smtClean="0"/>
-              <a:t/>
-            </a:r>
-            <a:r>
-              <a:rPr lang="en-US" sz="2200" b="1" spc="-100" kern="0" dirty="0" smtClean="0">
+          </a:p>
+          <a:p>
+            <a:pPr>
+              <a:lnSpc>
+                <a:spcPct val="150000"/>
+              </a:lnSpc>
+            </a:pPr>
+            <a:r>
+              <a:rPr lang="en-US" sz="2400" b="1" kern="0" spc="-100" dirty="0">
                 <a:solidFill>
                   <a:srgbClr val="000000"/>
                 </a:solidFill>
@@ -4387,18 +4548,15 @@
               </a:rPr>
               <a:t>- https://www.data.go.kr/tcs/dss/selectApiDataDetailView.do?publicDataPk=15080346 </a:t>
             </a:r>
-            <a:r>
-              <a:rPr lang="en-US" dirty="0" smtClean="0"/>
-              <a:t/>
-            </a:r>
-          </a:p>
-          <a:p>
-            <a:r>
-              <a:rPr lang="en-US" dirty="0" smtClean="0"/>
-              <a:t/>
-            </a:r>
-            <a:r>
-              <a:rPr lang="en-US" sz="2200" b="1" spc="-100" kern="0" dirty="0" smtClean="0">
+          </a:p>
+          <a:p>
+            <a:pPr>
+              <a:lnSpc>
+                <a:spcPct val="150000"/>
+              </a:lnSpc>
+            </a:pPr>
+            <a:r>
+              <a:rPr lang="en-US" sz="2400" b="1" kern="0" spc="-100" dirty="0">
                 <a:solidFill>
                   <a:srgbClr val="000000"/>
                 </a:solidFill>
@@ -4407,18 +4565,15 @@
               </a:rPr>
               <a:t>- https://www.weather.go.kr/w/index.do </a:t>
             </a:r>
-            <a:r>
-              <a:rPr lang="en-US" dirty="0" smtClean="0"/>
-              <a:t/>
-            </a:r>
-          </a:p>
-          <a:p>
-            <a:r>
-              <a:rPr lang="en-US" dirty="0" smtClean="0"/>
-              <a:t/>
-            </a:r>
-            <a:r>
-              <a:rPr lang="en-US" sz="2200" b="1" spc="-100" kern="0" dirty="0" smtClean="0">
+          </a:p>
+          <a:p>
+            <a:pPr>
+              <a:lnSpc>
+                <a:spcPct val="150000"/>
+              </a:lnSpc>
+            </a:pPr>
+            <a:r>
+              <a:rPr lang="en-US" sz="2400" b="1" kern="0" spc="-100" dirty="0">
                 <a:solidFill>
                   <a:srgbClr val="000000"/>
                 </a:solidFill>
@@ -4427,18 +4582,15 @@
               </a:rPr>
               <a:t>- https://bota.tistory.com/1469 </a:t>
             </a:r>
-            <a:r>
-              <a:rPr lang="en-US" dirty="0" smtClean="0"/>
-              <a:t/>
-            </a:r>
-          </a:p>
-          <a:p>
-            <a:r>
-              <a:rPr lang="en-US" dirty="0" smtClean="0"/>
-              <a:t/>
-            </a:r>
-            <a:r>
-              <a:rPr lang="en-US" sz="2200" b="1" spc="-100" kern="0" dirty="0" smtClean="0">
+          </a:p>
+          <a:p>
+            <a:pPr>
+              <a:lnSpc>
+                <a:spcPct val="150000"/>
+              </a:lnSpc>
+            </a:pPr>
+            <a:r>
+              <a:rPr lang="en-US" sz="2400" b="1" kern="0" spc="-100" dirty="0">
                 <a:solidFill>
                   <a:srgbClr val="000000"/>
                 </a:solidFill>
@@ -4447,18 +4599,15 @@
               </a:rPr>
               <a:t>- https://blog.naver.com/geniusus/221799048747 </a:t>
             </a:r>
-            <a:r>
-              <a:rPr lang="en-US" dirty="0" smtClean="0"/>
-              <a:t/>
-            </a:r>
-          </a:p>
-          <a:p>
-            <a:r>
-              <a:rPr lang="en-US" dirty="0" smtClean="0"/>
-              <a:t/>
-            </a:r>
-            <a:r>
-              <a:rPr lang="en-US" sz="2200" b="1" spc="-100" kern="0" dirty="0" smtClean="0">
+          </a:p>
+          <a:p>
+            <a:pPr>
+              <a:lnSpc>
+                <a:spcPct val="150000"/>
+              </a:lnSpc>
+            </a:pPr>
+            <a:r>
+              <a:rPr lang="en-US" sz="2400" b="1" kern="0" spc="-100" dirty="0">
                 <a:solidFill>
                   <a:srgbClr val="000000"/>
                 </a:solidFill>
@@ -4467,18 +4616,15 @@
               </a:rPr>
               <a:t>- https://blog.naver.com/PostView.naver?isHttpsRedirect=true&amp;blogId=twophase&amp;logNo=220730309094 </a:t>
             </a:r>
-            <a:r>
-              <a:rPr lang="en-US" dirty="0" smtClean="0"/>
-              <a:t/>
-            </a:r>
-          </a:p>
-          <a:p>
-            <a:r>
-              <a:rPr lang="en-US" dirty="0" smtClean="0"/>
-              <a:t/>
-            </a:r>
-            <a:r>
-              <a:rPr lang="en-US" sz="2200" b="1" spc="-100" kern="0" dirty="0" smtClean="0">
+          </a:p>
+          <a:p>
+            <a:pPr>
+              <a:lnSpc>
+                <a:spcPct val="150000"/>
+              </a:lnSpc>
+            </a:pPr>
+            <a:r>
+              <a:rPr lang="en-US" sz="2400" b="1" kern="0" spc="-100" dirty="0">
                 <a:solidFill>
                   <a:srgbClr val="000000"/>
                 </a:solidFill>
@@ -4487,18 +4633,15 @@
               </a:rPr>
               <a:t>- https://www.youtube.com/channel/UCV68qKnBcZ-LR5hWnzCRf_A/search?query=%EC%9B%B9 </a:t>
             </a:r>
-            <a:r>
-              <a:rPr lang="en-US" dirty="0" smtClean="0"/>
-              <a:t/>
-            </a:r>
-          </a:p>
-          <a:p>
-            <a:r>
-              <a:rPr lang="en-US" dirty="0" smtClean="0"/>
-              <a:t/>
-            </a:r>
-            <a:r>
-              <a:rPr lang="en-US" sz="2200" b="1" spc="-100" kern="0" dirty="0" smtClean="0">
+          </a:p>
+          <a:p>
+            <a:pPr>
+              <a:lnSpc>
+                <a:spcPct val="150000"/>
+              </a:lnSpc>
+            </a:pPr>
+            <a:r>
+              <a:rPr lang="en-US" sz="2400" b="1" kern="0" spc="-100" dirty="0">
                 <a:solidFill>
                   <a:srgbClr val="000000"/>
                 </a:solidFill>
@@ -4507,36 +4650,26 @@
               </a:rPr>
               <a:t>- https://github.com/kdi6033/arduino/tree/master/1-36-Arduino%2BHtml </a:t>
             </a:r>
-            <a:r>
-              <a:rPr lang="en-US" dirty="0" smtClean="0"/>
-              <a:t/>
-            </a:r>
-          </a:p>
-          <a:p>
-            <a:r>
-              <a:rPr lang="en-US" dirty="0" smtClean="0"/>
-              <a:t/>
-            </a:r>
-            <a:r>
-              <a:rPr lang="en-US" dirty="0" smtClean="0"/>
-              <a:t/>
-            </a:r>
-          </a:p>
-          <a:p>
-            <a:r>
-              <a:rPr lang="en-US" dirty="0" smtClean="0"/>
-              <a:t/>
-            </a:r>
-            <a:r>
-              <a:rPr lang="en-US" dirty="0" smtClean="0"/>
-              <a:t/>
-            </a:r>
-          </a:p>
-          <a:p>
-            <a:r>
-              <a:rPr lang="en-US" dirty="0" smtClean="0"/>
-              <a:t/>
-            </a:r>
+          </a:p>
+          <a:p>
+            <a:endParaRPr lang="en-US" sz="2200" b="1" kern="0" spc="-100" dirty="0">
+              <a:solidFill>
+                <a:srgbClr val="000000"/>
+              </a:solidFill>
+              <a:latin typeface="Gmarket Sans Medium" pitchFamily="34" charset="0"/>
+              <a:cs typeface="Gmarket Sans Medium" pitchFamily="34" charset="0"/>
+            </a:endParaRPr>
+          </a:p>
+          <a:p>
+            <a:endParaRPr lang="en-US" sz="2200" b="1" kern="0" spc="-100" dirty="0">
+              <a:solidFill>
+                <a:srgbClr val="000000"/>
+              </a:solidFill>
+              <a:latin typeface="Gmarket Sans Medium" pitchFamily="34" charset="0"/>
+              <a:cs typeface="Gmarket Sans Medium" pitchFamily="34" charset="0"/>
+            </a:endParaRPr>
+          </a:p>
+          <a:p>
             <a:endParaRPr lang="en-US" dirty="0"/>
           </a:p>
         </p:txBody>
@@ -4591,13 +4724,13 @@
           <a:noFill/>
         </p:spPr>
         <p:txBody>
-          <a:bodyPr anchor="t" wrap="square" rtlCol="0">
+          <a:bodyPr wrap="square" rtlCol="0" anchor="t">
             <a:spAutoFit/>
           </a:bodyPr>
           <a:lstStyle/>
           <a:p>
             <a:r>
-              <a:rPr lang="en-US" sz="6900" spc="-300" kern="0" dirty="0" smtClean="0">
+              <a:rPr lang="en-US" sz="6900" kern="0" spc="-300" dirty="0">
                 <a:solidFill>
                   <a:srgbClr val="000000"/>
                 </a:solidFill>
@@ -4627,14 +4760,14 @@
           <a:noFill/>
         </p:spPr>
         <p:txBody>
-          <a:bodyPr anchor="t" wrap="square" rtlCol="0">
+          <a:bodyPr wrap="square" rtlCol="0" anchor="t">
             <a:spAutoFit/>
           </a:bodyPr>
           <a:lstStyle/>
           <a:p>
             <a:pPr algn="ctr"/>
             <a:r>
-              <a:rPr lang="en-US" sz="2500" spc="-100" kern="0" dirty="0" smtClean="0">
+              <a:rPr lang="en-US" sz="2500" kern="0" spc="-100" dirty="0">
                 <a:solidFill>
                   <a:srgbClr val="000000"/>
                 </a:solidFill>
@@ -4703,16 +4836,16 @@
           <a:noFill/>
         </p:spPr>
         <p:txBody>
-          <a:bodyPr anchor="t" wrap="square" rtlCol="0">
+          <a:bodyPr wrap="square" rtlCol="0" anchor="t">
             <a:spAutoFit/>
           </a:bodyPr>
           <a:lstStyle/>
           <a:p>
             <a:pPr algn="ctr"/>
             <a:r>
-              <a:rPr lang="en-US" sz="2500" spc="-100" kern="0" dirty="0" smtClean="0">
-                <a:solidFill>
-                  <a:srgbClr val="ffffff"/>
+              <a:rPr lang="en-US" sz="2500" kern="0" spc="-100" dirty="0">
+                <a:solidFill>
+                  <a:srgbClr val="FFFFFF"/>
                 </a:solidFill>
                 <a:latin typeface="Gmarket Sans Medium" pitchFamily="34" charset="0"/>
                 <a:cs typeface="Gmarket Sans Medium" pitchFamily="34" charset="0"/>
@@ -4740,16 +4873,16 @@
           <a:noFill/>
         </p:spPr>
         <p:txBody>
-          <a:bodyPr anchor="t" wrap="square" rtlCol="0">
+          <a:bodyPr wrap="square" rtlCol="0" anchor="t">
             <a:spAutoFit/>
           </a:bodyPr>
           <a:lstStyle/>
           <a:p>
             <a:pPr algn="ctr"/>
             <a:r>
-              <a:rPr lang="en-US" sz="7100" spc="-300" kern="0" dirty="0" smtClean="0">
-                <a:solidFill>
-                  <a:srgbClr val="ffffff"/>
+              <a:rPr lang="en-US" sz="7100" kern="0" spc="-300" dirty="0">
+                <a:solidFill>
+                  <a:srgbClr val="FFFFFF"/>
                 </a:solidFill>
                 <a:latin typeface="Gmarket Sans Medium" pitchFamily="34" charset="0"/>
                 <a:cs typeface="Gmarket Sans Medium" pitchFamily="34" charset="0"/>
@@ -4816,14 +4949,14 @@
           <a:noFill/>
         </p:spPr>
         <p:txBody>
-          <a:bodyPr anchor="t" wrap="square" rtlCol="0">
+          <a:bodyPr wrap="square" rtlCol="0" anchor="t">
             <a:spAutoFit/>
           </a:bodyPr>
           <a:lstStyle/>
           <a:p>
             <a:pPr algn="ctr"/>
             <a:r>
-              <a:rPr lang="en-US" sz="2500" spc="-100" kern="0" dirty="0" smtClean="0">
+              <a:rPr lang="en-US" sz="2500" kern="0" spc="-100" dirty="0">
                 <a:solidFill>
                   <a:srgbClr val="000000"/>
                 </a:solidFill>
@@ -4859,7 +4992,7 @@
             <p:nvPr/>
           </p:nvPicPr>
           <p:blipFill>
-            <a:blip r:embed="rId4" cstate="print"/>
+            <a:blip r:embed="rId2" cstate="print"/>
             <a:stretch>
               <a:fillRect/>
             </a:stretch>
@@ -4892,16 +5025,16 @@
           <a:noFill/>
         </p:spPr>
         <p:txBody>
-          <a:bodyPr anchor="t" wrap="square" rtlCol="0">
+          <a:bodyPr wrap="square" rtlCol="0" anchor="t">
             <a:spAutoFit/>
           </a:bodyPr>
           <a:lstStyle/>
           <a:p>
             <a:pPr algn="ctr"/>
             <a:r>
-              <a:rPr lang="en-US" sz="2500" spc="-100" kern="0" dirty="0" smtClean="0">
-                <a:solidFill>
-                  <a:srgbClr val="ffffff"/>
+              <a:rPr lang="en-US" sz="2500" kern="0" spc="-100" dirty="0">
+                <a:solidFill>
+                  <a:srgbClr val="FFFFFF"/>
                 </a:solidFill>
                 <a:latin typeface="Gmarket Sans Medium" pitchFamily="34" charset="0"/>
                 <a:cs typeface="Gmarket Sans Medium" pitchFamily="34" charset="0"/>
@@ -4929,16 +5062,16 @@
           <a:noFill/>
         </p:spPr>
         <p:txBody>
-          <a:bodyPr anchor="t" wrap="square" rtlCol="0">
+          <a:bodyPr wrap="square" rtlCol="0" anchor="t">
             <a:spAutoFit/>
           </a:bodyPr>
           <a:lstStyle/>
           <a:p>
             <a:pPr algn="ctr"/>
             <a:r>
-              <a:rPr lang="en-US" sz="7100" spc="-300" kern="0" dirty="0" smtClean="0">
-                <a:solidFill>
-                  <a:srgbClr val="ffffff"/>
+              <a:rPr lang="en-US" sz="7100" kern="0" spc="-300" dirty="0">
+                <a:solidFill>
+                  <a:srgbClr val="FFFFFF"/>
                 </a:solidFill>
                 <a:latin typeface="Gmarket Sans Medium" pitchFamily="34" charset="0"/>
                 <a:cs typeface="Gmarket Sans Medium" pitchFamily="34" charset="0"/>
@@ -4972,7 +5105,7 @@
             <p:nvPr/>
           </p:nvPicPr>
           <p:blipFill>
-            <a:blip r:embed="rId5" cstate="print"/>
+            <a:blip r:embed="rId4" cstate="print"/>
             <a:stretch>
               <a:fillRect/>
             </a:stretch>
@@ -5005,14 +5138,14 @@
           <a:noFill/>
         </p:spPr>
         <p:txBody>
-          <a:bodyPr anchor="t" wrap="square" rtlCol="0">
+          <a:bodyPr wrap="square" rtlCol="0" anchor="t">
             <a:spAutoFit/>
           </a:bodyPr>
           <a:lstStyle/>
           <a:p>
             <a:pPr algn="ctr"/>
             <a:r>
-              <a:rPr lang="en-US" sz="2500" spc="-100" kern="0" dirty="0" smtClean="0">
+              <a:rPr lang="en-US" sz="2500" kern="0" spc="-100" dirty="0">
                 <a:solidFill>
                   <a:srgbClr val="000000"/>
                 </a:solidFill>
@@ -5048,7 +5181,7 @@
             <p:nvPr/>
           </p:nvPicPr>
           <p:blipFill>
-            <a:blip r:embed="rId6" cstate="print"/>
+            <a:blip r:embed="rId2" cstate="print"/>
             <a:stretch>
               <a:fillRect/>
             </a:stretch>
@@ -5081,16 +5214,16 @@
           <a:noFill/>
         </p:spPr>
         <p:txBody>
-          <a:bodyPr anchor="t" wrap="square" rtlCol="0">
+          <a:bodyPr wrap="square" rtlCol="0" anchor="t">
             <a:spAutoFit/>
           </a:bodyPr>
           <a:lstStyle/>
           <a:p>
             <a:pPr algn="ctr"/>
             <a:r>
-              <a:rPr lang="en-US" sz="2500" spc="-100" kern="0" dirty="0" smtClean="0">
-                <a:solidFill>
-                  <a:srgbClr val="ffffff"/>
+              <a:rPr lang="en-US" sz="2500" kern="0" spc="-100" dirty="0">
+                <a:solidFill>
+                  <a:srgbClr val="FFFFFF"/>
                 </a:solidFill>
                 <a:latin typeface="Gmarket Sans Medium" pitchFamily="34" charset="0"/>
                 <a:cs typeface="Gmarket Sans Medium" pitchFamily="34" charset="0"/>
@@ -5118,16 +5251,16 @@
           <a:noFill/>
         </p:spPr>
         <p:txBody>
-          <a:bodyPr anchor="t" wrap="square" rtlCol="0">
+          <a:bodyPr wrap="square" rtlCol="0" anchor="t">
             <a:spAutoFit/>
           </a:bodyPr>
           <a:lstStyle/>
           <a:p>
             <a:pPr algn="ctr"/>
             <a:r>
-              <a:rPr lang="en-US" sz="7100" spc="-300" kern="0" dirty="0" smtClean="0">
-                <a:solidFill>
-                  <a:srgbClr val="ffffff"/>
+              <a:rPr lang="en-US" sz="7100" kern="0" spc="-300" dirty="0">
+                <a:solidFill>
+                  <a:srgbClr val="FFFFFF"/>
                 </a:solidFill>
                 <a:latin typeface="Gmarket Sans Medium" pitchFamily="34" charset="0"/>
                 <a:cs typeface="Gmarket Sans Medium" pitchFamily="34" charset="0"/>
@@ -5161,7 +5294,7 @@
             <p:nvPr/>
           </p:nvPicPr>
           <p:blipFill>
-            <a:blip r:embed="rId7" cstate="print"/>
+            <a:blip r:embed="rId3" cstate="print"/>
             <a:stretch>
               <a:fillRect/>
             </a:stretch>
@@ -5186,7 +5319,7 @@
         <p:spPr>
           <a:xfrm>
             <a:off x="6445859" y="6919610"/>
-            <a:ext cx="5393990" cy="2882751"/>
+            <a:ext cx="5393990" cy="2337884"/>
           </a:xfrm>
           <a:prstGeom prst="rect">
             <a:avLst/>
@@ -5194,14 +5327,18 @@
           <a:noFill/>
         </p:spPr>
         <p:txBody>
-          <a:bodyPr anchor="t" wrap="square" rtlCol="0">
+          <a:bodyPr wrap="square" rtlCol="0" anchor="t">
             <a:spAutoFit/>
           </a:bodyPr>
           <a:lstStyle/>
           <a:p>
-            <a:pPr algn="ctr"/>
-            <a:r>
-              <a:rPr lang="en-US" sz="2500" spc="-100" kern="0" dirty="0" smtClean="0">
+            <a:pPr algn="ctr">
+              <a:lnSpc>
+                <a:spcPct val="150000"/>
+              </a:lnSpc>
+            </a:pPr>
+            <a:r>
+              <a:rPr lang="en-US" sz="2500" kern="0" spc="-100" dirty="0">
                 <a:solidFill>
                   <a:srgbClr val="000000"/>
                 </a:solidFill>
@@ -5210,19 +5347,15 @@
               </a:rPr>
               <a:t>- 아두이노 회로 설계</a:t>
             </a:r>
-            <a:r>
-              <a:rPr lang="en-US" dirty="0" smtClean="0"/>
-              <a:t/>
-            </a:r>
-          </a:p>
-          <a:p>
-            <a:pPr algn="ctr"/>
-            <a:r>
-              <a:rPr lang="en-US" dirty="0" smtClean="0"/>
-              <a:t/>
-            </a:r>
-            <a:r>
-              <a:rPr lang="en-US" sz="2500" spc="-100" kern="0" dirty="0" smtClean="0">
+          </a:p>
+          <a:p>
+            <a:pPr algn="ctr">
+              <a:lnSpc>
+                <a:spcPct val="150000"/>
+              </a:lnSpc>
+            </a:pPr>
+            <a:r>
+              <a:rPr lang="en-US" sz="2500" kern="0" spc="-100" dirty="0">
                 <a:solidFill>
                   <a:srgbClr val="000000"/>
                 </a:solidFill>
@@ -5231,19 +5364,15 @@
               </a:rPr>
               <a:t>- API 데이터 파싱 </a:t>
             </a:r>
-            <a:r>
-              <a:rPr lang="en-US" dirty="0" smtClean="0"/>
-              <a:t/>
-            </a:r>
-          </a:p>
-          <a:p>
-            <a:pPr algn="ctr"/>
-            <a:r>
-              <a:rPr lang="en-US" dirty="0" smtClean="0"/>
-              <a:t/>
-            </a:r>
-            <a:r>
-              <a:rPr lang="en-US" sz="2500" spc="-100" kern="0" dirty="0" smtClean="0">
+          </a:p>
+          <a:p>
+            <a:pPr algn="ctr">
+              <a:lnSpc>
+                <a:spcPct val="150000"/>
+              </a:lnSpc>
+            </a:pPr>
+            <a:r>
+              <a:rPr lang="en-US" sz="2500" kern="0" spc="-100" dirty="0">
                 <a:solidFill>
                   <a:srgbClr val="000000"/>
                 </a:solidFill>
@@ -5252,19 +5381,15 @@
               </a:rPr>
               <a:t>- 웹 서버 연동</a:t>
             </a:r>
-            <a:r>
-              <a:rPr lang="en-US" dirty="0" smtClean="0"/>
-              <a:t/>
-            </a:r>
-          </a:p>
-          <a:p>
-            <a:pPr algn="ctr"/>
-            <a:r>
-              <a:rPr lang="en-US" dirty="0" smtClean="0"/>
-              <a:t/>
-            </a:r>
-            <a:r>
-              <a:rPr lang="en-US" sz="2500" spc="-100" kern="0" dirty="0" smtClean="0">
+          </a:p>
+          <a:p>
+            <a:pPr algn="ctr">
+              <a:lnSpc>
+                <a:spcPct val="150000"/>
+              </a:lnSpc>
+            </a:pPr>
+            <a:r>
+              <a:rPr lang="en-US" sz="2500" kern="0" spc="-100" dirty="0">
                 <a:solidFill>
                   <a:srgbClr val="000000"/>
                 </a:solidFill>
@@ -5286,7 +5411,7 @@
         <p:spPr>
           <a:xfrm>
             <a:off x="2789772" y="6919614"/>
-            <a:ext cx="5393990" cy="1394880"/>
+            <a:ext cx="5393990" cy="1183722"/>
           </a:xfrm>
           <a:prstGeom prst="rect">
             <a:avLst/>
@@ -5294,14 +5419,18 @@
           <a:noFill/>
         </p:spPr>
         <p:txBody>
-          <a:bodyPr anchor="t" wrap="square" rtlCol="0">
+          <a:bodyPr wrap="square" rtlCol="0" anchor="t">
             <a:spAutoFit/>
           </a:bodyPr>
           <a:lstStyle/>
           <a:p>
-            <a:pPr algn="ctr"/>
-            <a:r>
-              <a:rPr lang="en-US" sz="2500" spc="-100" kern="0" dirty="0" smtClean="0">
+            <a:pPr algn="ctr">
+              <a:lnSpc>
+                <a:spcPct val="150000"/>
+              </a:lnSpc>
+            </a:pPr>
+            <a:r>
+              <a:rPr lang="en-US" sz="2500" kern="0" spc="-100" dirty="0">
                 <a:solidFill>
                   <a:srgbClr val="000000"/>
                 </a:solidFill>
@@ -5310,19 +5439,15 @@
               </a:rPr>
               <a:t>- 프로젝트 목표</a:t>
             </a:r>
-            <a:r>
-              <a:rPr lang="en-US" dirty="0" smtClean="0"/>
-              <a:t/>
-            </a:r>
-          </a:p>
-          <a:p>
-            <a:pPr algn="ctr"/>
-            <a:r>
-              <a:rPr lang="en-US" dirty="0" smtClean="0"/>
-              <a:t/>
-            </a:r>
-            <a:r>
-              <a:rPr lang="en-US" sz="2500" spc="-100" kern="0" dirty="0" smtClean="0">
+          </a:p>
+          <a:p>
+            <a:pPr algn="ctr">
+              <a:lnSpc>
+                <a:spcPct val="150000"/>
+              </a:lnSpc>
+            </a:pPr>
+            <a:r>
+              <a:rPr lang="en-US" sz="2500" kern="0" spc="-100" dirty="0">
                 <a:solidFill>
                   <a:srgbClr val="000000"/>
                 </a:solidFill>
@@ -5344,7 +5469,7 @@
         <p:spPr>
           <a:xfrm>
             <a:off x="10101953" y="6919616"/>
-            <a:ext cx="5393990" cy="1394880"/>
+            <a:ext cx="5393990" cy="1183722"/>
           </a:xfrm>
           <a:prstGeom prst="rect">
             <a:avLst/>
@@ -5352,14 +5477,18 @@
           <a:noFill/>
         </p:spPr>
         <p:txBody>
-          <a:bodyPr anchor="t" wrap="square" rtlCol="0">
+          <a:bodyPr wrap="square" rtlCol="0" anchor="t">
             <a:spAutoFit/>
           </a:bodyPr>
           <a:lstStyle/>
           <a:p>
-            <a:pPr algn="ctr"/>
-            <a:r>
-              <a:rPr lang="en-US" sz="2500" spc="-100" kern="0" dirty="0" smtClean="0">
+            <a:pPr algn="ctr">
+              <a:lnSpc>
+                <a:spcPct val="150000"/>
+              </a:lnSpc>
+            </a:pPr>
+            <a:r>
+              <a:rPr lang="en-US" sz="2500" kern="0" spc="-100" dirty="0">
                 <a:solidFill>
                   <a:srgbClr val="000000"/>
                 </a:solidFill>
@@ -5368,19 +5497,15 @@
               </a:rPr>
               <a:t>- 프로젝트 실행 결과</a:t>
             </a:r>
-            <a:r>
-              <a:rPr lang="en-US" dirty="0" smtClean="0"/>
-              <a:t/>
-            </a:r>
-          </a:p>
-          <a:p>
-            <a:pPr algn="ctr"/>
-            <a:r>
-              <a:rPr lang="en-US" dirty="0" smtClean="0"/>
-              <a:t/>
-            </a:r>
-            <a:r>
-              <a:rPr lang="en-US" sz="2500" spc="-100" kern="0" dirty="0" smtClean="0">
+          </a:p>
+          <a:p>
+            <a:pPr algn="ctr">
+              <a:lnSpc>
+                <a:spcPct val="150000"/>
+              </a:lnSpc>
+            </a:pPr>
+            <a:r>
+              <a:rPr lang="en-US" sz="2500" kern="0" spc="-100" dirty="0">
                 <a:solidFill>
                   <a:srgbClr val="000000"/>
                 </a:solidFill>
@@ -5482,15 +5607,15 @@
           <a:noFill/>
         </p:spPr>
         <p:txBody>
-          <a:bodyPr anchor="t" wrap="square" rtlCol="0">
+          <a:bodyPr wrap="square" rtlCol="0" anchor="t">
             <a:spAutoFit/>
           </a:bodyPr>
           <a:lstStyle/>
           <a:p>
             <a:r>
-              <a:rPr lang="en-US" sz="2500" spc="-100" kern="0" dirty="0" smtClean="0">
-                <a:solidFill>
-                  <a:srgbClr val="ffffff"/>
+              <a:rPr lang="en-US" sz="2500" kern="0" spc="-100" dirty="0">
+                <a:solidFill>
+                  <a:srgbClr val="FFFFFF"/>
                 </a:solidFill>
                 <a:latin typeface="Gmarket Sans Medium" pitchFamily="34" charset="0"/>
                 <a:cs typeface="Gmarket Sans Medium" pitchFamily="34" charset="0"/>
@@ -5557,16 +5682,16 @@
           <a:noFill/>
         </p:spPr>
         <p:txBody>
-          <a:bodyPr anchor="t" wrap="square" rtlCol="0">
+          <a:bodyPr wrap="square" rtlCol="0" anchor="t">
             <a:spAutoFit/>
           </a:bodyPr>
           <a:lstStyle/>
           <a:p>
             <a:pPr algn="ctr"/>
             <a:r>
-              <a:rPr lang="en-US" sz="900" dirty="0" smtClean="0">
-                <a:solidFill>
-                  <a:srgbClr val="ffffff"/>
+              <a:rPr lang="en-US" sz="900" dirty="0">
+                <a:solidFill>
+                  <a:srgbClr val="FFFFFF"/>
                 </a:solidFill>
                 <a:latin typeface="Gmarket Sans Medium" pitchFamily="34" charset="0"/>
                 <a:cs typeface="Gmarket Sans Medium" pitchFamily="34" charset="0"/>
@@ -5594,16 +5719,16 @@
           <a:noFill/>
         </p:spPr>
         <p:txBody>
-          <a:bodyPr anchor="t" wrap="square" rtlCol="0">
+          <a:bodyPr wrap="square" rtlCol="0" anchor="t">
             <a:spAutoFit/>
           </a:bodyPr>
           <a:lstStyle/>
           <a:p>
             <a:pPr algn="ctr"/>
             <a:r>
-              <a:rPr lang="en-US" sz="2700" spc="-100" kern="0" dirty="0" smtClean="0">
-                <a:solidFill>
-                  <a:srgbClr val="ffffff"/>
+              <a:rPr lang="en-US" sz="2700" kern="0" spc="-100" dirty="0">
+                <a:solidFill>
+                  <a:srgbClr val="FFFFFF"/>
                 </a:solidFill>
                 <a:latin typeface="Gmarket Sans Medium" pitchFamily="34" charset="0"/>
                 <a:cs typeface="Gmarket Sans Medium" pitchFamily="34" charset="0"/>
@@ -5631,16 +5756,16 @@
           <a:noFill/>
         </p:spPr>
         <p:txBody>
-          <a:bodyPr anchor="t" wrap="square" rtlCol="0">
+          <a:bodyPr wrap="square" rtlCol="0" anchor="t">
             <a:spAutoFit/>
           </a:bodyPr>
           <a:lstStyle/>
           <a:p>
             <a:pPr algn="r"/>
             <a:r>
-              <a:rPr lang="en-US" sz="1600" spc="-100" kern="0" dirty="0" smtClean="0">
-                <a:solidFill>
-                  <a:srgbClr val="ffffff"/>
+              <a:rPr lang="en-US" sz="1600" kern="0" spc="-100" dirty="0">
+                <a:solidFill>
+                  <a:srgbClr val="FFFFFF"/>
                 </a:solidFill>
                 <a:latin typeface="Gmarket Sans Medium" pitchFamily="34" charset="0"/>
                 <a:cs typeface="Gmarket Sans Medium" pitchFamily="34" charset="0"/>
@@ -5699,7 +5824,7 @@
         <p:spPr>
           <a:xfrm>
             <a:off x="1272302" y="1902279"/>
-            <a:ext cx="13857143" cy="11098446"/>
+            <a:ext cx="13857143" cy="7755969"/>
           </a:xfrm>
           <a:prstGeom prst="rect">
             <a:avLst/>
@@ -5707,13 +5832,13 @@
           <a:noFill/>
         </p:spPr>
         <p:txBody>
-          <a:bodyPr anchor="t" wrap="square" rtlCol="0">
+          <a:bodyPr wrap="square" rtlCol="0" anchor="t">
             <a:spAutoFit/>
           </a:bodyPr>
           <a:lstStyle/>
           <a:p>
             <a:r>
-              <a:rPr lang="en-US" sz="5100" b="1" spc="-200" kern="0" dirty="0" smtClean="0">
+              <a:rPr lang="en-US" sz="5100" b="1" kern="0" spc="-200" dirty="0">
                 <a:solidFill>
                   <a:srgbClr val="000000"/>
                 </a:solidFill>
@@ -5722,28 +5847,24 @@
               </a:rPr>
               <a:t>프로젝트 목표</a:t>
             </a:r>
-            <a:r>
-              <a:rPr lang="en-US" dirty="0" smtClean="0"/>
-              <a:t/>
-            </a:r>
-          </a:p>
-          <a:p>
-            <a:r>
-              <a:rPr lang="en-US" dirty="0" smtClean="0"/>
-              <a:t/>
-            </a:r>
-            <a:r>
-              <a:rPr lang="en-US" dirty="0" smtClean="0"/>
-              <a:t/>
-            </a:r>
-          </a:p>
-          <a:p>
-            <a:r>
-              <a:rPr lang="en-US" dirty="0" smtClean="0"/>
-              <a:t/>
-            </a:r>
-            <a:r>
-              <a:rPr lang="en-US" sz="2800" spc="-100" kern="0" dirty="0" smtClean="0">
+          </a:p>
+          <a:p>
+            <a:endParaRPr lang="en-US" sz="5100" b="1" kern="0" spc="-200" dirty="0">
+              <a:solidFill>
+                <a:srgbClr val="000000"/>
+              </a:solidFill>
+              <a:latin typeface="Gmarket Sans Medium" pitchFamily="34" charset="0"/>
+              <a:cs typeface="Gmarket Sans Medium" pitchFamily="34" charset="0"/>
+            </a:endParaRPr>
+          </a:p>
+          <a:p>
+            <a:pPr>
+              <a:lnSpc>
+                <a:spcPct val="150000"/>
+              </a:lnSpc>
+            </a:pPr>
+            <a:r>
+              <a:rPr lang="en-US" sz="2800" kern="0" spc="-100" dirty="0">
                 <a:solidFill>
                   <a:srgbClr val="000000"/>
                 </a:solidFill>
@@ -5752,18 +5873,15 @@
               </a:rPr>
               <a:t>버스정보포털에 공공데이터를 가공하여 사용자가 직관적으로 </a:t>
             </a:r>
-            <a:r>
-              <a:rPr lang="en-US" dirty="0" smtClean="0"/>
-              <a:t/>
-            </a:r>
-          </a:p>
-          <a:p>
-            <a:r>
-              <a:rPr lang="en-US" dirty="0" smtClean="0"/>
-              <a:t/>
-            </a:r>
-            <a:r>
-              <a:rPr lang="en-US" sz="2800" spc="-100" kern="0" dirty="0" smtClean="0">
+          </a:p>
+          <a:p>
+            <a:pPr>
+              <a:lnSpc>
+                <a:spcPct val="150000"/>
+              </a:lnSpc>
+            </a:pPr>
+            <a:r>
+              <a:rPr lang="en-US" sz="2800" kern="0" spc="-100" dirty="0">
                 <a:solidFill>
                   <a:srgbClr val="000000"/>
                 </a:solidFill>
@@ -5772,28 +5890,29 @@
               </a:rPr>
               <a:t>이해할 수 있도록하는 버스정보시스템을 구현한다.</a:t>
             </a:r>
-            <a:r>
-              <a:rPr lang="en-US" dirty="0" smtClean="0"/>
-              <a:t/>
-            </a:r>
-          </a:p>
-          <a:p>
-            <a:r>
-              <a:rPr lang="en-US" dirty="0" smtClean="0"/>
-              <a:t/>
-            </a:r>
-            <a:r>
-              <a:rPr lang="en-US" dirty="0" smtClean="0"/>
-              <a:t/>
-            </a:r>
-          </a:p>
-          <a:p>
-            <a:r>
-              <a:rPr lang="en-US" dirty="0" smtClean="0"/>
-              <a:t/>
-            </a:r>
-            <a:r>
-              <a:rPr lang="en-US" sz="2800" spc="-100" kern="0" dirty="0" smtClean="0">
+          </a:p>
+          <a:p>
+            <a:pPr>
+              <a:lnSpc>
+                <a:spcPct val="150000"/>
+              </a:lnSpc>
+            </a:pPr>
+            <a:endParaRPr lang="en-US" sz="2800" kern="0" spc="-100" dirty="0">
+              <a:solidFill>
+                <a:srgbClr val="000000"/>
+              </a:solidFill>
+              <a:latin typeface="Gmarket Sans Medium" pitchFamily="34" charset="0"/>
+              <a:cs typeface="Gmarket Sans Medium" pitchFamily="34" charset="0"/>
+            </a:endParaRPr>
+          </a:p>
+          <a:p>
+            <a:pPr>
+              <a:lnSpc>
+                <a:spcPct val="150000"/>
+              </a:lnSpc>
+            </a:pPr>
+            <a:r>
+              <a:rPr lang="en-US" sz="2800" kern="0" spc="-100" dirty="0">
                 <a:solidFill>
                   <a:srgbClr val="000000"/>
                 </a:solidFill>
@@ -5802,18 +5921,15 @@
               </a:rPr>
               <a:t>아두이노(12E)와, OLED모듈, WIFI모듈을 이용하여 회로도를 </a:t>
             </a:r>
-            <a:r>
-              <a:rPr lang="en-US" dirty="0" smtClean="0"/>
-              <a:t/>
-            </a:r>
-          </a:p>
-          <a:p>
-            <a:r>
-              <a:rPr lang="en-US" dirty="0" smtClean="0"/>
-              <a:t/>
-            </a:r>
-            <a:r>
-              <a:rPr lang="en-US" sz="2800" spc="-100" kern="0" dirty="0" smtClean="0">
+          </a:p>
+          <a:p>
+            <a:pPr>
+              <a:lnSpc>
+                <a:spcPct val="150000"/>
+              </a:lnSpc>
+            </a:pPr>
+            <a:r>
+              <a:rPr lang="en-US" sz="2800" kern="0" spc="-100" dirty="0">
                 <a:solidFill>
                   <a:srgbClr val="000000"/>
                 </a:solidFill>
@@ -5822,28 +5938,29 @@
               </a:rPr>
               <a:t>구성하고 실시간 버스정보를 받아오는 시스템을 구성한다.</a:t>
             </a:r>
-            <a:r>
-              <a:rPr lang="en-US" dirty="0" smtClean="0"/>
-              <a:t/>
-            </a:r>
-          </a:p>
-          <a:p>
-            <a:r>
-              <a:rPr lang="en-US" dirty="0" smtClean="0"/>
-              <a:t/>
-            </a:r>
-            <a:r>
-              <a:rPr lang="en-US" dirty="0" smtClean="0"/>
-              <a:t/>
-            </a:r>
-          </a:p>
-          <a:p>
-            <a:r>
-              <a:rPr lang="en-US" dirty="0" smtClean="0"/>
-              <a:t/>
-            </a:r>
-            <a:r>
-              <a:rPr lang="en-US" sz="2800" spc="-100" kern="0" dirty="0" smtClean="0">
+          </a:p>
+          <a:p>
+            <a:pPr>
+              <a:lnSpc>
+                <a:spcPct val="150000"/>
+              </a:lnSpc>
+            </a:pPr>
+            <a:endParaRPr lang="en-US" sz="2800" kern="0" spc="-100" dirty="0">
+              <a:solidFill>
+                <a:srgbClr val="000000"/>
+              </a:solidFill>
+              <a:latin typeface="Gmarket Sans Medium" pitchFamily="34" charset="0"/>
+              <a:cs typeface="Gmarket Sans Medium" pitchFamily="34" charset="0"/>
+            </a:endParaRPr>
+          </a:p>
+          <a:p>
+            <a:pPr>
+              <a:lnSpc>
+                <a:spcPct val="150000"/>
+              </a:lnSpc>
+            </a:pPr>
+            <a:r>
+              <a:rPr lang="en-US" sz="2800" kern="0" spc="-100" dirty="0">
                 <a:solidFill>
                   <a:srgbClr val="000000"/>
                 </a:solidFill>
@@ -5852,18 +5969,15 @@
               </a:rPr>
               <a:t>아두이노로부터 받아온 데이터를 파싱하는 작업을 구현하고 </a:t>
             </a:r>
-            <a:r>
-              <a:rPr lang="en-US" dirty="0" smtClean="0"/>
-              <a:t/>
-            </a:r>
-          </a:p>
-          <a:p>
-            <a:r>
-              <a:rPr lang="en-US" dirty="0" smtClean="0"/>
-              <a:t/>
-            </a:r>
-            <a:r>
-              <a:rPr lang="en-US" sz="2800" spc="-100" kern="0" dirty="0" smtClean="0">
+          </a:p>
+          <a:p>
+            <a:pPr>
+              <a:lnSpc>
+                <a:spcPct val="150000"/>
+              </a:lnSpc>
+            </a:pPr>
+            <a:r>
+              <a:rPr lang="en-US" sz="2800" kern="0" spc="-100" dirty="0">
                 <a:solidFill>
                   <a:srgbClr val="000000"/>
                 </a:solidFill>
@@ -5872,18 +5986,15 @@
               </a:rPr>
               <a:t>웹페이지 상에 간략한 정보를 보여주는 탭을 구성한다.</a:t>
             </a:r>
-            <a:r>
-              <a:rPr lang="en-US" dirty="0" smtClean="0"/>
-              <a:t/>
-            </a:r>
-          </a:p>
-          <a:p>
-            <a:r>
-              <a:rPr lang="en-US" dirty="0" smtClean="0"/>
-              <a:t/>
-            </a:r>
-            <a:r>
-              <a:rPr lang="en-US" sz="2800" spc="-100" kern="0" dirty="0" smtClean="0">
+          </a:p>
+          <a:p>
+            <a:pPr>
+              <a:lnSpc>
+                <a:spcPct val="150000"/>
+              </a:lnSpc>
+            </a:pPr>
+            <a:r>
+              <a:rPr lang="en-US" sz="2800" kern="0" spc="-100" dirty="0">
                 <a:solidFill>
                   <a:srgbClr val="000000"/>
                 </a:solidFill>
@@ -5892,16 +6003,8 @@
               </a:rPr>
               <a:t> (ex. 버스정보, 날씨정보, 현재위치)</a:t>
             </a:r>
-            <a:r>
-              <a:rPr lang="en-US" dirty="0" smtClean="0"/>
-              <a:t/>
-            </a:r>
-          </a:p>
-          <a:p>
-            <a:r>
-              <a:rPr lang="en-US" dirty="0" smtClean="0"/>
-              <a:t/>
-            </a:r>
+          </a:p>
+          <a:p>
             <a:endParaRPr lang="en-US" dirty="0"/>
           </a:p>
         </p:txBody>
@@ -5962,14 +6065,14 @@
           <a:noFill/>
         </p:spPr>
         <p:txBody>
-          <a:bodyPr anchor="t" wrap="square" rtlCol="0">
+          <a:bodyPr wrap="square" rtlCol="0" anchor="t">
             <a:spAutoFit/>
           </a:bodyPr>
           <a:lstStyle/>
           <a:p>
             <a:pPr algn="ctr"/>
             <a:r>
-              <a:rPr lang="en-US" sz="3000" dirty="0" smtClean="0">
+              <a:rPr lang="en-US" sz="3000" dirty="0">
                 <a:solidFill>
                   <a:srgbClr val="000000"/>
                 </a:solidFill>
@@ -5999,14 +6102,14 @@
           <a:noFill/>
         </p:spPr>
         <p:txBody>
-          <a:bodyPr anchor="t" wrap="square" rtlCol="0">
+          <a:bodyPr wrap="square" rtlCol="0" anchor="t">
             <a:spAutoFit/>
           </a:bodyPr>
           <a:lstStyle/>
           <a:p>
             <a:pPr algn="ctr"/>
             <a:r>
-              <a:rPr lang="en-US" sz="7200" b="1" dirty="0" smtClean="0">
+              <a:rPr lang="en-US" sz="7200" b="1" dirty="0">
                 <a:solidFill>
                   <a:srgbClr val="000000"/>
                 </a:solidFill>
@@ -6075,14 +6178,14 @@
           <a:noFill/>
         </p:spPr>
         <p:txBody>
-          <a:bodyPr anchor="t" wrap="square" rtlCol="0">
+          <a:bodyPr wrap="square" rtlCol="0" anchor="t">
             <a:spAutoFit/>
           </a:bodyPr>
           <a:lstStyle/>
           <a:p>
             <a:pPr algn="ctr"/>
             <a:r>
-              <a:rPr lang="en-US" sz="3000" dirty="0" smtClean="0">
+              <a:rPr lang="en-US" sz="3000" dirty="0">
                 <a:solidFill>
                   <a:srgbClr val="000000"/>
                 </a:solidFill>
@@ -6184,15 +6287,15 @@
           <a:noFill/>
         </p:spPr>
         <p:txBody>
-          <a:bodyPr anchor="t" wrap="square" rtlCol="0">
+          <a:bodyPr wrap="square" rtlCol="0" anchor="t">
             <a:spAutoFit/>
           </a:bodyPr>
           <a:lstStyle/>
           <a:p>
             <a:r>
-              <a:rPr lang="en-US" sz="2500" spc="-100" kern="0" dirty="0" smtClean="0">
-                <a:solidFill>
-                  <a:srgbClr val="ffffff"/>
+              <a:rPr lang="en-US" sz="2500" kern="0" spc="-100" dirty="0">
+                <a:solidFill>
+                  <a:srgbClr val="FFFFFF"/>
                 </a:solidFill>
                 <a:latin typeface="Gmarket Sans Medium" pitchFamily="34" charset="0"/>
                 <a:cs typeface="Gmarket Sans Medium" pitchFamily="34" charset="0"/>
@@ -6259,16 +6362,16 @@
           <a:noFill/>
         </p:spPr>
         <p:txBody>
-          <a:bodyPr anchor="t" wrap="square" rtlCol="0">
+          <a:bodyPr wrap="square" rtlCol="0" anchor="t">
             <a:spAutoFit/>
           </a:bodyPr>
           <a:lstStyle/>
           <a:p>
             <a:pPr algn="ctr"/>
             <a:r>
-              <a:rPr lang="en-US" sz="900" dirty="0" smtClean="0">
-                <a:solidFill>
-                  <a:srgbClr val="ffffff"/>
+              <a:rPr lang="en-US" sz="900" dirty="0">
+                <a:solidFill>
+                  <a:srgbClr val="FFFFFF"/>
                 </a:solidFill>
                 <a:latin typeface="Gmarket Sans Medium" pitchFamily="34" charset="0"/>
                 <a:cs typeface="Gmarket Sans Medium" pitchFamily="34" charset="0"/>
@@ -6296,16 +6399,16 @@
           <a:noFill/>
         </p:spPr>
         <p:txBody>
-          <a:bodyPr anchor="t" wrap="square" rtlCol="0">
+          <a:bodyPr wrap="square" rtlCol="0" anchor="t">
             <a:spAutoFit/>
           </a:bodyPr>
           <a:lstStyle/>
           <a:p>
             <a:pPr algn="ctr"/>
             <a:r>
-              <a:rPr lang="en-US" sz="2700" spc="-100" kern="0" dirty="0" smtClean="0">
-                <a:solidFill>
-                  <a:srgbClr val="ffffff"/>
+              <a:rPr lang="en-US" sz="2700" kern="0" spc="-100" dirty="0">
+                <a:solidFill>
+                  <a:srgbClr val="FFFFFF"/>
                 </a:solidFill>
                 <a:latin typeface="Gmarket Sans Medium" pitchFamily="34" charset="0"/>
                 <a:cs typeface="Gmarket Sans Medium" pitchFamily="34" charset="0"/>
@@ -6333,16 +6436,16 @@
           <a:noFill/>
         </p:spPr>
         <p:txBody>
-          <a:bodyPr anchor="t" wrap="square" rtlCol="0">
+          <a:bodyPr wrap="square" rtlCol="0" anchor="t">
             <a:spAutoFit/>
           </a:bodyPr>
           <a:lstStyle/>
           <a:p>
             <a:pPr algn="r"/>
             <a:r>
-              <a:rPr lang="en-US" sz="1600" spc="-100" kern="0" dirty="0" smtClean="0">
-                <a:solidFill>
-                  <a:srgbClr val="ffffff"/>
+              <a:rPr lang="en-US" sz="1600" kern="0" spc="-100" dirty="0">
+                <a:solidFill>
+                  <a:srgbClr val="FFFFFF"/>
                 </a:solidFill>
                 <a:latin typeface="Gmarket Sans Medium" pitchFamily="34" charset="0"/>
                 <a:cs typeface="Gmarket Sans Medium" pitchFamily="34" charset="0"/>
@@ -6362,7 +6465,7 @@
         <p:spPr>
           <a:xfrm>
             <a:off x="1260038" y="2203286"/>
-            <a:ext cx="24328049" cy="8489226"/>
+            <a:ext cx="24328049" cy="5846729"/>
           </a:xfrm>
           <a:prstGeom prst="rect">
             <a:avLst/>
@@ -6370,13 +6473,13 @@
           <a:noFill/>
         </p:spPr>
         <p:txBody>
-          <a:bodyPr anchor="t" wrap="square" rtlCol="0">
+          <a:bodyPr wrap="square" rtlCol="0" anchor="t">
             <a:spAutoFit/>
           </a:bodyPr>
           <a:lstStyle/>
           <a:p>
             <a:r>
-              <a:rPr lang="en-US" sz="5100" b="1" spc="-200" kern="0" dirty="0" smtClean="0">
+              <a:rPr lang="en-US" sz="5100" b="1" kern="0" spc="-200" dirty="0">
                 <a:solidFill>
                   <a:srgbClr val="000000"/>
                 </a:solidFill>
@@ -6385,28 +6488,24 @@
               </a:rPr>
               <a:t>기대효과 &amp; 활용방안</a:t>
             </a:r>
-            <a:r>
-              <a:rPr lang="en-US" dirty="0" smtClean="0"/>
-              <a:t/>
-            </a:r>
-          </a:p>
-          <a:p>
-            <a:r>
-              <a:rPr lang="en-US" dirty="0" smtClean="0"/>
-              <a:t/>
-            </a:r>
-            <a:r>
-              <a:rPr lang="en-US" dirty="0" smtClean="0"/>
-              <a:t/>
-            </a:r>
-          </a:p>
-          <a:p>
-            <a:r>
-              <a:rPr lang="en-US" dirty="0" smtClean="0"/>
-              <a:t/>
-            </a:r>
-            <a:r>
-              <a:rPr lang="en-US" sz="2800" spc="-100" kern="0" dirty="0" smtClean="0">
+          </a:p>
+          <a:p>
+            <a:endParaRPr lang="en-US" sz="5100" b="1" kern="0" spc="-200" dirty="0">
+              <a:solidFill>
+                <a:srgbClr val="000000"/>
+              </a:solidFill>
+              <a:latin typeface="Gmarket Sans Medium" pitchFamily="34" charset="0"/>
+              <a:cs typeface="Gmarket Sans Medium" pitchFamily="34" charset="0"/>
+            </a:endParaRPr>
+          </a:p>
+          <a:p>
+            <a:pPr>
+              <a:lnSpc>
+                <a:spcPct val="200000"/>
+              </a:lnSpc>
+            </a:pPr>
+            <a:r>
+              <a:rPr lang="en-US" sz="2800" kern="0" spc="-100" dirty="0">
                 <a:solidFill>
                   <a:srgbClr val="000000"/>
                 </a:solidFill>
@@ -6416,9 +6515,9 @@
               <a:t>- 내가 원하는 지역의 버스정보를 손쉽게 확인 할 수 있다. (</a:t>
             </a:r>
             <a:r>
-              <a:rPr lang="en-US" sz="2800" spc="-100" kern="0" dirty="0" smtClean="0">
-                <a:solidFill>
-                  <a:srgbClr val="ff0000"/>
+              <a:rPr lang="en-US" sz="2800" kern="0" spc="-100" dirty="0">
+                <a:solidFill>
+                  <a:srgbClr val="FF0000"/>
                 </a:solidFill>
                 <a:latin typeface="Gmarket Sans Medium" pitchFamily="34" charset="0"/>
                 <a:cs typeface="Gmarket Sans Medium" pitchFamily="34" charset="0"/>
@@ -6426,7 +6525,7 @@
               <a:t>정적</a:t>
             </a:r>
             <a:r>
-              <a:rPr lang="en-US" sz="2800" spc="-100" kern="0" dirty="0" smtClean="0">
+              <a:rPr lang="en-US" sz="2800" kern="0" spc="-100" dirty="0">
                 <a:solidFill>
                   <a:srgbClr val="000000"/>
                 </a:solidFill>
@@ -6435,18 +6534,15 @@
               </a:rPr>
               <a:t>)</a:t>
             </a:r>
-            <a:r>
-              <a:rPr lang="en-US" dirty="0" smtClean="0"/>
-              <a:t/>
-            </a:r>
-          </a:p>
-          <a:p>
-            <a:r>
-              <a:rPr lang="en-US" dirty="0" smtClean="0"/>
-              <a:t/>
-            </a:r>
-            <a:r>
-              <a:rPr lang="en-US" sz="2800" spc="-100" kern="0" dirty="0" smtClean="0">
+          </a:p>
+          <a:p>
+            <a:pPr>
+              <a:lnSpc>
+                <a:spcPct val="200000"/>
+              </a:lnSpc>
+            </a:pPr>
+            <a:r>
+              <a:rPr lang="en-US" sz="2800" kern="0" spc="-100" dirty="0">
                 <a:solidFill>
                   <a:srgbClr val="000000"/>
                 </a:solidFill>
@@ -6455,18 +6551,15 @@
               </a:rPr>
               <a:t>- 디스플레이 상에 표현하는 방법으로 외출 직전에 스마트폰을 켜고, 앱에 접속하지 않더라도 확인이 가능하다.</a:t>
             </a:r>
-            <a:r>
-              <a:rPr lang="en-US" dirty="0" smtClean="0"/>
-              <a:t/>
-            </a:r>
-          </a:p>
-          <a:p>
-            <a:r>
-              <a:rPr lang="en-US" dirty="0" smtClean="0"/>
-              <a:t/>
-            </a:r>
-            <a:r>
-              <a:rPr lang="en-US" sz="2800" spc="-100" kern="0" dirty="0" smtClean="0">
+          </a:p>
+          <a:p>
+            <a:pPr>
+              <a:lnSpc>
+                <a:spcPct val="200000"/>
+              </a:lnSpc>
+            </a:pPr>
+            <a:r>
+              <a:rPr lang="en-US" sz="2800" kern="0" spc="-100" dirty="0">
                 <a:solidFill>
                   <a:srgbClr val="000000"/>
                 </a:solidFill>
@@ -6476,9 +6569,9 @@
               <a:t>- 지속적인 푸시알림을 통해서 해당 지역의 버스정보 현황등을 쉽게 확인이 가능하다. (</a:t>
             </a:r>
             <a:r>
-              <a:rPr lang="en-US" sz="2800" spc="-100" kern="0" dirty="0" smtClean="0">
-                <a:solidFill>
-                  <a:srgbClr val="ff0000"/>
+              <a:rPr lang="en-US" sz="2800" kern="0" spc="-100" dirty="0">
+                <a:solidFill>
+                  <a:srgbClr val="FF0000"/>
                 </a:solidFill>
                 <a:latin typeface="Gmarket Sans Medium" pitchFamily="34" charset="0"/>
                 <a:cs typeface="Gmarket Sans Medium" pitchFamily="34" charset="0"/>
@@ -6486,7 +6579,7 @@
               <a:t>구현X</a:t>
             </a:r>
             <a:r>
-              <a:rPr lang="en-US" sz="2800" spc="-100" kern="0" dirty="0" smtClean="0">
+              <a:rPr lang="en-US" sz="2800" kern="0" spc="-100" dirty="0">
                 <a:solidFill>
                   <a:srgbClr val="000000"/>
                 </a:solidFill>
@@ -6495,18 +6588,15 @@
               </a:rPr>
               <a:t>)</a:t>
             </a:r>
-            <a:r>
-              <a:rPr lang="en-US" dirty="0" smtClean="0"/>
-              <a:t/>
-            </a:r>
-          </a:p>
-          <a:p>
-            <a:r>
-              <a:rPr lang="en-US" dirty="0" smtClean="0"/>
-              <a:t/>
-            </a:r>
-            <a:r>
-              <a:rPr lang="en-US" sz="2800" spc="-100" kern="0" dirty="0" smtClean="0">
+          </a:p>
+          <a:p>
+            <a:pPr>
+              <a:lnSpc>
+                <a:spcPct val="200000"/>
+              </a:lnSpc>
+            </a:pPr>
+            <a:r>
+              <a:rPr lang="en-US" sz="2800" kern="0" spc="-100" dirty="0">
                 <a:solidFill>
                   <a:srgbClr val="000000"/>
                 </a:solidFill>
@@ -6515,18 +6605,15 @@
               </a:rPr>
               <a:t>- USB 충전 단자로 배터리 충전이 용이하며, 20초마다 서버에서 데이터를 받아오는 방식이기 때문에</a:t>
             </a:r>
-            <a:r>
-              <a:rPr lang="en-US" dirty="0" smtClean="0"/>
-              <a:t/>
-            </a:r>
-          </a:p>
-          <a:p>
-            <a:r>
-              <a:rPr lang="en-US" dirty="0" smtClean="0"/>
-              <a:t/>
-            </a:r>
-            <a:r>
-              <a:rPr lang="en-US" sz="2800" spc="-100" kern="0" dirty="0" smtClean="0">
+          </a:p>
+          <a:p>
+            <a:pPr>
+              <a:lnSpc>
+                <a:spcPct val="200000"/>
+              </a:lnSpc>
+            </a:pPr>
+            <a:r>
+              <a:rPr lang="en-US" sz="2800" kern="0" spc="-100" dirty="0">
                 <a:solidFill>
                   <a:srgbClr val="000000"/>
                 </a:solidFill>
@@ -6628,15 +6715,15 @@
           <a:noFill/>
         </p:spPr>
         <p:txBody>
-          <a:bodyPr anchor="t" wrap="square" rtlCol="0">
+          <a:bodyPr wrap="square" rtlCol="0" anchor="t">
             <a:spAutoFit/>
           </a:bodyPr>
           <a:lstStyle/>
           <a:p>
             <a:r>
-              <a:rPr lang="en-US" sz="2500" spc="-100" kern="0" dirty="0" smtClean="0">
-                <a:solidFill>
-                  <a:srgbClr val="ffffff"/>
+              <a:rPr lang="en-US" sz="2500" kern="0" spc="-100" dirty="0">
+                <a:solidFill>
+                  <a:srgbClr val="FFFFFF"/>
                 </a:solidFill>
                 <a:latin typeface="Gmarket Sans Medium" pitchFamily="34" charset="0"/>
                 <a:cs typeface="Gmarket Sans Medium" pitchFamily="34" charset="0"/>
@@ -6703,16 +6790,16 @@
           <a:noFill/>
         </p:spPr>
         <p:txBody>
-          <a:bodyPr anchor="t" wrap="square" rtlCol="0">
+          <a:bodyPr wrap="square" rtlCol="0" anchor="t">
             <a:spAutoFit/>
           </a:bodyPr>
           <a:lstStyle/>
           <a:p>
             <a:pPr algn="ctr"/>
             <a:r>
-              <a:rPr lang="en-US" sz="900" dirty="0" smtClean="0">
-                <a:solidFill>
-                  <a:srgbClr val="ffffff"/>
+              <a:rPr lang="en-US" sz="900" dirty="0">
+                <a:solidFill>
+                  <a:srgbClr val="FFFFFF"/>
                 </a:solidFill>
                 <a:latin typeface="Gmarket Sans Medium" pitchFamily="34" charset="0"/>
                 <a:cs typeface="Gmarket Sans Medium" pitchFamily="34" charset="0"/>
@@ -6740,16 +6827,16 @@
           <a:noFill/>
         </p:spPr>
         <p:txBody>
-          <a:bodyPr anchor="t" wrap="square" rtlCol="0">
+          <a:bodyPr wrap="square" rtlCol="0" anchor="t">
             <a:spAutoFit/>
           </a:bodyPr>
           <a:lstStyle/>
           <a:p>
             <a:pPr algn="ctr"/>
             <a:r>
-              <a:rPr lang="en-US" sz="2700" spc="-100" kern="0" dirty="0" smtClean="0">
-                <a:solidFill>
-                  <a:srgbClr val="ffffff"/>
+              <a:rPr lang="en-US" sz="2700" kern="0" spc="-100" dirty="0">
+                <a:solidFill>
+                  <a:srgbClr val="FFFFFF"/>
                 </a:solidFill>
                 <a:latin typeface="Gmarket Sans Medium" pitchFamily="34" charset="0"/>
                 <a:cs typeface="Gmarket Sans Medium" pitchFamily="34" charset="0"/>
@@ -6777,16 +6864,16 @@
           <a:noFill/>
         </p:spPr>
         <p:txBody>
-          <a:bodyPr anchor="t" wrap="square" rtlCol="0">
+          <a:bodyPr wrap="square" rtlCol="0" anchor="t">
             <a:spAutoFit/>
           </a:bodyPr>
           <a:lstStyle/>
           <a:p>
             <a:pPr algn="r"/>
             <a:r>
-              <a:rPr lang="en-US" sz="1600" spc="-100" kern="0" dirty="0" smtClean="0">
-                <a:solidFill>
-                  <a:srgbClr val="ffffff"/>
+              <a:rPr lang="en-US" sz="1600" kern="0" spc="-100" dirty="0">
+                <a:solidFill>
+                  <a:srgbClr val="FFFFFF"/>
                 </a:solidFill>
                 <a:latin typeface="Gmarket Sans Medium" pitchFamily="34" charset="0"/>
                 <a:cs typeface="Gmarket Sans Medium" pitchFamily="34" charset="0"/>
@@ -6814,13 +6901,13 @@
           <a:noFill/>
         </p:spPr>
         <p:txBody>
-          <a:bodyPr anchor="t" wrap="square" rtlCol="0">
+          <a:bodyPr wrap="square" rtlCol="0" anchor="t">
             <a:spAutoFit/>
           </a:bodyPr>
           <a:lstStyle/>
           <a:p>
             <a:r>
-              <a:rPr lang="en-US" sz="5100" b="1" spc="-200" kern="0" dirty="0" smtClean="0">
+              <a:rPr lang="en-US" sz="5100" b="1" kern="0" spc="-200" dirty="0">
                 <a:solidFill>
                   <a:srgbClr val="000000"/>
                 </a:solidFill>
@@ -6928,14 +7015,14 @@
           <a:noFill/>
         </p:spPr>
         <p:txBody>
-          <a:bodyPr anchor="t" wrap="square" rtlCol="0">
+          <a:bodyPr wrap="square" rtlCol="0" anchor="t">
             <a:spAutoFit/>
           </a:bodyPr>
           <a:lstStyle/>
           <a:p>
             <a:pPr algn="ctr"/>
             <a:r>
-              <a:rPr lang="en-US" sz="2500" dirty="0" smtClean="0">
+              <a:rPr lang="en-US" sz="2500" dirty="0">
                 <a:solidFill>
                   <a:srgbClr val="000000"/>
                 </a:solidFill>
@@ -6944,19 +7031,11 @@
               </a:rPr>
               <a:t>ESP8266-E12 </a:t>
             </a:r>
-            <a:r>
-              <a:rPr lang="en-US" dirty="0" smtClean="0"/>
-              <a:t/>
-            </a:r>
           </a:p>
           <a:p>
             <a:pPr algn="ctr"/>
             <a:r>
-              <a:rPr lang="en-US" dirty="0" smtClean="0"/>
-              <a:t/>
-            </a:r>
-            <a:r>
-              <a:rPr lang="en-US" sz="2500" dirty="0" smtClean="0">
+              <a:rPr lang="en-US" sz="2500" dirty="0">
                 <a:solidFill>
                   <a:srgbClr val="000000"/>
                 </a:solidFill>
@@ -6986,14 +7065,14 @@
           <a:noFill/>
         </p:spPr>
         <p:txBody>
-          <a:bodyPr anchor="t" wrap="square" rtlCol="0">
+          <a:bodyPr wrap="square" rtlCol="0" anchor="t">
             <a:spAutoFit/>
           </a:bodyPr>
           <a:lstStyle/>
           <a:p>
             <a:pPr algn="ctr"/>
             <a:r>
-              <a:rPr lang="en-US" sz="2500" dirty="0" smtClean="0">
+              <a:rPr lang="en-US" sz="2500" dirty="0">
                 <a:solidFill>
                   <a:srgbClr val="000000"/>
                 </a:solidFill>
@@ -7002,19 +7081,11 @@
               </a:rPr>
               <a:t>VCC - 3V3</a:t>
             </a:r>
-            <a:r>
-              <a:rPr lang="en-US" dirty="0" smtClean="0"/>
-              <a:t/>
-            </a:r>
           </a:p>
           <a:p>
             <a:pPr algn="ctr"/>
             <a:r>
-              <a:rPr lang="en-US" dirty="0" smtClean="0"/>
-              <a:t/>
-            </a:r>
-            <a:r>
-              <a:rPr lang="en-US" sz="2500" dirty="0" smtClean="0">
+              <a:rPr lang="en-US" sz="2500" dirty="0">
                 <a:solidFill>
                   <a:srgbClr val="000000"/>
                 </a:solidFill>
@@ -7023,19 +7094,11 @@
               </a:rPr>
               <a:t>GND - GND</a:t>
             </a:r>
-            <a:r>
-              <a:rPr lang="en-US" dirty="0" smtClean="0"/>
-              <a:t/>
-            </a:r>
           </a:p>
           <a:p>
             <a:pPr algn="ctr"/>
             <a:r>
-              <a:rPr lang="en-US" dirty="0" smtClean="0"/>
-              <a:t/>
-            </a:r>
-            <a:r>
-              <a:rPr lang="en-US" sz="2500" dirty="0" smtClean="0">
+              <a:rPr lang="en-US" sz="2500" dirty="0">
                 <a:solidFill>
                   <a:srgbClr val="000000"/>
                 </a:solidFill>
@@ -7044,19 +7107,11 @@
               </a:rPr>
               <a:t>SCL - D1</a:t>
             </a:r>
-            <a:r>
-              <a:rPr lang="en-US" dirty="0" smtClean="0"/>
-              <a:t/>
-            </a:r>
           </a:p>
           <a:p>
             <a:pPr algn="ctr"/>
             <a:r>
-              <a:rPr lang="en-US" dirty="0" smtClean="0"/>
-              <a:t/>
-            </a:r>
-            <a:r>
-              <a:rPr lang="en-US" sz="2500" dirty="0" smtClean="0">
+              <a:rPr lang="en-US" sz="2500" dirty="0">
                 <a:solidFill>
                   <a:srgbClr val="000000"/>
                 </a:solidFill>
@@ -7065,17 +7120,9 @@
               </a:rPr>
               <a:t>SDA - D2</a:t>
             </a:r>
-            <a:r>
-              <a:rPr lang="en-US" dirty="0" smtClean="0"/>
-              <a:t/>
-            </a:r>
           </a:p>
           <a:p>
             <a:pPr algn="ctr"/>
-            <a:r>
-              <a:rPr lang="en-US" dirty="0" smtClean="0"/>
-              <a:t/>
-            </a:r>
             <a:endParaRPr lang="en-US" dirty="0"/>
           </a:p>
         </p:txBody>
@@ -7169,15 +7216,15 @@
           <a:noFill/>
         </p:spPr>
         <p:txBody>
-          <a:bodyPr anchor="t" wrap="square" rtlCol="0">
+          <a:bodyPr wrap="square" rtlCol="0" anchor="t">
             <a:spAutoFit/>
           </a:bodyPr>
           <a:lstStyle/>
           <a:p>
             <a:r>
-              <a:rPr lang="en-US" sz="2500" spc="-100" kern="0" dirty="0" smtClean="0">
-                <a:solidFill>
-                  <a:srgbClr val="ffffff"/>
+              <a:rPr lang="en-US" sz="2500" kern="0" spc="-100" dirty="0">
+                <a:solidFill>
+                  <a:srgbClr val="FFFFFF"/>
                 </a:solidFill>
                 <a:latin typeface="Gmarket Sans Medium" pitchFamily="34" charset="0"/>
                 <a:cs typeface="Gmarket Sans Medium" pitchFamily="34" charset="0"/>
@@ -7244,16 +7291,16 @@
           <a:noFill/>
         </p:spPr>
         <p:txBody>
-          <a:bodyPr anchor="t" wrap="square" rtlCol="0">
+          <a:bodyPr wrap="square" rtlCol="0" anchor="t">
             <a:spAutoFit/>
           </a:bodyPr>
           <a:lstStyle/>
           <a:p>
             <a:pPr algn="ctr"/>
             <a:r>
-              <a:rPr lang="en-US" sz="900" dirty="0" smtClean="0">
-                <a:solidFill>
-                  <a:srgbClr val="ffffff"/>
+              <a:rPr lang="en-US" sz="900" dirty="0">
+                <a:solidFill>
+                  <a:srgbClr val="FFFFFF"/>
                 </a:solidFill>
                 <a:latin typeface="Gmarket Sans Medium" pitchFamily="34" charset="0"/>
                 <a:cs typeface="Gmarket Sans Medium" pitchFamily="34" charset="0"/>
@@ -7281,16 +7328,16 @@
           <a:noFill/>
         </p:spPr>
         <p:txBody>
-          <a:bodyPr anchor="t" wrap="square" rtlCol="0">
+          <a:bodyPr wrap="square" rtlCol="0" anchor="t">
             <a:spAutoFit/>
           </a:bodyPr>
           <a:lstStyle/>
           <a:p>
             <a:pPr algn="ctr"/>
             <a:r>
-              <a:rPr lang="en-US" sz="2700" spc="-100" kern="0" dirty="0" smtClean="0">
-                <a:solidFill>
-                  <a:srgbClr val="ffffff"/>
+              <a:rPr lang="en-US" sz="2700" kern="0" spc="-100" dirty="0">
+                <a:solidFill>
+                  <a:srgbClr val="FFFFFF"/>
                 </a:solidFill>
                 <a:latin typeface="Gmarket Sans Medium" pitchFamily="34" charset="0"/>
                 <a:cs typeface="Gmarket Sans Medium" pitchFamily="34" charset="0"/>
@@ -7318,16 +7365,16 @@
           <a:noFill/>
         </p:spPr>
         <p:txBody>
-          <a:bodyPr anchor="t" wrap="square" rtlCol="0">
+          <a:bodyPr wrap="square" rtlCol="0" anchor="t">
             <a:spAutoFit/>
           </a:bodyPr>
           <a:lstStyle/>
           <a:p>
             <a:pPr algn="r"/>
             <a:r>
-              <a:rPr lang="en-US" sz="1600" spc="-100" kern="0" dirty="0" smtClean="0">
-                <a:solidFill>
-                  <a:srgbClr val="ffffff"/>
+              <a:rPr lang="en-US" sz="1600" kern="0" spc="-100" dirty="0">
+                <a:solidFill>
+                  <a:srgbClr val="FFFFFF"/>
                 </a:solidFill>
                 <a:latin typeface="Gmarket Sans Medium" pitchFamily="34" charset="0"/>
                 <a:cs typeface="Gmarket Sans Medium" pitchFamily="34" charset="0"/>
@@ -7355,13 +7402,13 @@
           <a:noFill/>
         </p:spPr>
         <p:txBody>
-          <a:bodyPr anchor="t" wrap="square" rtlCol="0">
+          <a:bodyPr wrap="square" rtlCol="0" anchor="t">
             <a:spAutoFit/>
           </a:bodyPr>
           <a:lstStyle/>
           <a:p>
             <a:r>
-              <a:rPr lang="en-US" sz="5100" b="1" spc="-200" kern="0" dirty="0" smtClean="0">
+              <a:rPr lang="en-US" sz="5100" b="1" kern="0" spc="-200" dirty="0">
                 <a:solidFill>
                   <a:srgbClr val="000000"/>
                 </a:solidFill>
@@ -7370,26 +7417,17 @@
               </a:rPr>
               <a:t>2) API 데이터 파싱</a:t>
             </a:r>
-            <a:r>
-              <a:rPr lang="en-US" dirty="0" smtClean="0"/>
-              <a:t/>
-            </a:r>
-          </a:p>
-          <a:p>
-            <a:r>
-              <a:rPr lang="en-US" dirty="0" smtClean="0"/>
-              <a:t/>
-            </a:r>
-            <a:r>
-              <a:rPr lang="en-US" dirty="0" smtClean="0"/>
-              <a:t/>
-            </a:r>
-          </a:p>
-          <a:p>
-            <a:r>
-              <a:rPr lang="en-US" dirty="0" smtClean="0"/>
-              <a:t/>
-            </a:r>
+          </a:p>
+          <a:p>
+            <a:endParaRPr lang="en-US" sz="5100" b="1" kern="0" spc="-200" dirty="0">
+              <a:solidFill>
+                <a:srgbClr val="000000"/>
+              </a:solidFill>
+              <a:latin typeface="Gmarket Sans Medium" pitchFamily="34" charset="0"/>
+              <a:cs typeface="Gmarket Sans Medium" pitchFamily="34" charset="0"/>
+            </a:endParaRPr>
+          </a:p>
+          <a:p>
             <a:endParaRPr lang="en-US" dirty="0"/>
           </a:p>
         </p:txBody>
@@ -7489,14 +7527,14 @@
           <a:noFill/>
         </p:spPr>
         <p:txBody>
-          <a:bodyPr anchor="t" wrap="square" rtlCol="0">
+          <a:bodyPr wrap="square" rtlCol="0" anchor="t">
             <a:spAutoFit/>
           </a:bodyPr>
           <a:lstStyle/>
           <a:p>
             <a:pPr algn="ctr"/>
             <a:r>
-              <a:rPr lang="en-US" sz="2500" dirty="0" smtClean="0">
+              <a:rPr lang="en-US" sz="2500" dirty="0">
                 <a:solidFill>
                   <a:srgbClr val="000000"/>
                 </a:solidFill>
@@ -7505,19 +7543,11 @@
               </a:rPr>
               <a:t>location 라이브러리를 사용</a:t>
             </a:r>
-            <a:r>
-              <a:rPr lang="en-US" dirty="0" smtClean="0"/>
-              <a:t/>
-            </a:r>
           </a:p>
           <a:p>
             <a:pPr algn="ctr"/>
             <a:r>
-              <a:rPr lang="en-US" dirty="0" smtClean="0"/>
-              <a:t/>
-            </a:r>
-            <a:r>
-              <a:rPr lang="en-US" sz="2500" dirty="0" smtClean="0">
+              <a:rPr lang="en-US" sz="2500" dirty="0">
                 <a:solidFill>
                   <a:srgbClr val="000000"/>
                 </a:solidFill>
@@ -7526,17 +7556,9 @@
               </a:rPr>
               <a:t> 현재 위도, 경도를 파싱</a:t>
             </a:r>
-            <a:r>
-              <a:rPr lang="en-US" dirty="0" smtClean="0"/>
-              <a:t/>
-            </a:r>
           </a:p>
           <a:p>
             <a:pPr algn="ctr"/>
-            <a:r>
-              <a:rPr lang="en-US" dirty="0" smtClean="0"/>
-              <a:t/>
-            </a:r>
             <a:endParaRPr lang="en-US" dirty="0"/>
           </a:p>
         </p:txBody>
@@ -7597,14 +7619,14 @@
           <a:noFill/>
         </p:spPr>
         <p:txBody>
-          <a:bodyPr anchor="t" wrap="square" rtlCol="0">
+          <a:bodyPr wrap="square" rtlCol="0" anchor="t">
             <a:spAutoFit/>
           </a:bodyPr>
           <a:lstStyle/>
           <a:p>
             <a:pPr algn="ctr"/>
             <a:r>
-              <a:rPr lang="en-US" sz="2500" dirty="0" smtClean="0">
+              <a:rPr lang="en-US" sz="2500" dirty="0">
                 <a:solidFill>
                   <a:srgbClr val="000000"/>
                 </a:solidFill>
@@ -7613,19 +7635,11 @@
               </a:rPr>
               <a:t>(Serial Monitor) </a:t>
             </a:r>
-            <a:r>
-              <a:rPr lang="en-US" dirty="0" smtClean="0"/>
-              <a:t/>
-            </a:r>
           </a:p>
           <a:p>
             <a:pPr algn="ctr"/>
             <a:r>
-              <a:rPr lang="en-US" dirty="0" smtClean="0"/>
-              <a:t/>
-            </a:r>
-            <a:r>
-              <a:rPr lang="en-US" sz="2500" dirty="0" smtClean="0">
+              <a:rPr lang="en-US" sz="2500" dirty="0">
                 <a:solidFill>
                   <a:srgbClr val="000000"/>
                 </a:solidFill>
@@ -7655,14 +7669,14 @@
           <a:noFill/>
         </p:spPr>
         <p:txBody>
-          <a:bodyPr anchor="t" wrap="square" rtlCol="0">
+          <a:bodyPr wrap="square" rtlCol="0" anchor="t">
             <a:spAutoFit/>
           </a:bodyPr>
           <a:lstStyle/>
           <a:p>
             <a:pPr algn="ctr"/>
             <a:r>
-              <a:rPr lang="en-US" sz="2500" dirty="0" smtClean="0">
+              <a:rPr lang="en-US" sz="2500" dirty="0">
                 <a:solidFill>
                   <a:srgbClr val="000000"/>
                 </a:solidFill>
@@ -7764,15 +7778,15 @@
           <a:noFill/>
         </p:spPr>
         <p:txBody>
-          <a:bodyPr anchor="t" wrap="square" rtlCol="0">
+          <a:bodyPr wrap="square" rtlCol="0" anchor="t">
             <a:spAutoFit/>
           </a:bodyPr>
           <a:lstStyle/>
           <a:p>
             <a:r>
-              <a:rPr lang="en-US" sz="2500" spc="-100" kern="0" dirty="0" smtClean="0">
-                <a:solidFill>
-                  <a:srgbClr val="ffffff"/>
+              <a:rPr lang="en-US" sz="2500" kern="0" spc="-100" dirty="0">
+                <a:solidFill>
+                  <a:srgbClr val="FFFFFF"/>
                 </a:solidFill>
                 <a:latin typeface="Gmarket Sans Medium" pitchFamily="34" charset="0"/>
                 <a:cs typeface="Gmarket Sans Medium" pitchFamily="34" charset="0"/>
@@ -7839,16 +7853,16 @@
           <a:noFill/>
         </p:spPr>
         <p:txBody>
-          <a:bodyPr anchor="t" wrap="square" rtlCol="0">
+          <a:bodyPr wrap="square" rtlCol="0" anchor="t">
             <a:spAutoFit/>
           </a:bodyPr>
           <a:lstStyle/>
           <a:p>
             <a:pPr algn="ctr"/>
             <a:r>
-              <a:rPr lang="en-US" sz="900" dirty="0" smtClean="0">
-                <a:solidFill>
-                  <a:srgbClr val="ffffff"/>
+              <a:rPr lang="en-US" sz="900" dirty="0">
+                <a:solidFill>
+                  <a:srgbClr val="FFFFFF"/>
                 </a:solidFill>
                 <a:latin typeface="Gmarket Sans Medium" pitchFamily="34" charset="0"/>
                 <a:cs typeface="Gmarket Sans Medium" pitchFamily="34" charset="0"/>
@@ -7876,16 +7890,16 @@
           <a:noFill/>
         </p:spPr>
         <p:txBody>
-          <a:bodyPr anchor="t" wrap="square" rtlCol="0">
+          <a:bodyPr wrap="square" rtlCol="0" anchor="t">
             <a:spAutoFit/>
           </a:bodyPr>
           <a:lstStyle/>
           <a:p>
             <a:pPr algn="ctr"/>
             <a:r>
-              <a:rPr lang="en-US" sz="2700" spc="-100" kern="0" dirty="0" smtClean="0">
-                <a:solidFill>
-                  <a:srgbClr val="ffffff"/>
+              <a:rPr lang="en-US" sz="2700" kern="0" spc="-100" dirty="0">
+                <a:solidFill>
+                  <a:srgbClr val="FFFFFF"/>
                 </a:solidFill>
                 <a:latin typeface="Gmarket Sans Medium" pitchFamily="34" charset="0"/>
                 <a:cs typeface="Gmarket Sans Medium" pitchFamily="34" charset="0"/>
@@ -7913,16 +7927,16 @@
           <a:noFill/>
         </p:spPr>
         <p:txBody>
-          <a:bodyPr anchor="t" wrap="square" rtlCol="0">
+          <a:bodyPr wrap="square" rtlCol="0" anchor="t">
             <a:spAutoFit/>
           </a:bodyPr>
           <a:lstStyle/>
           <a:p>
             <a:pPr algn="r"/>
             <a:r>
-              <a:rPr lang="en-US" sz="1600" spc="-100" kern="0" dirty="0" smtClean="0">
-                <a:solidFill>
-                  <a:srgbClr val="ffffff"/>
+              <a:rPr lang="en-US" sz="1600" kern="0" spc="-100" dirty="0">
+                <a:solidFill>
+                  <a:srgbClr val="FFFFFF"/>
                 </a:solidFill>
                 <a:latin typeface="Gmarket Sans Medium" pitchFamily="34" charset="0"/>
                 <a:cs typeface="Gmarket Sans Medium" pitchFamily="34" charset="0"/>
@@ -7950,13 +7964,13 @@
           <a:noFill/>
         </p:spPr>
         <p:txBody>
-          <a:bodyPr anchor="t" wrap="square" rtlCol="0">
+          <a:bodyPr wrap="square" rtlCol="0" anchor="t">
             <a:spAutoFit/>
           </a:bodyPr>
           <a:lstStyle/>
           <a:p>
             <a:r>
-              <a:rPr lang="en-US" sz="5100" b="1" spc="-200" kern="0" dirty="0" smtClean="0">
+              <a:rPr lang="en-US" sz="5100" b="1" kern="0" spc="-200" dirty="0">
                 <a:solidFill>
                   <a:srgbClr val="000000"/>
                 </a:solidFill>
@@ -7965,26 +7979,17 @@
               </a:rPr>
               <a:t>3) 웹 서버 연동</a:t>
             </a:r>
-            <a:r>
-              <a:rPr lang="en-US" dirty="0" smtClean="0"/>
-              <a:t/>
-            </a:r>
-          </a:p>
-          <a:p>
-            <a:r>
-              <a:rPr lang="en-US" dirty="0" smtClean="0"/>
-              <a:t/>
-            </a:r>
-            <a:r>
-              <a:rPr lang="en-US" dirty="0" smtClean="0"/>
-              <a:t/>
-            </a:r>
-          </a:p>
-          <a:p>
-            <a:r>
-              <a:rPr lang="en-US" dirty="0" smtClean="0"/>
-              <a:t/>
-            </a:r>
+          </a:p>
+          <a:p>
+            <a:endParaRPr lang="en-US" sz="5100" b="1" kern="0" spc="-200" dirty="0">
+              <a:solidFill>
+                <a:srgbClr val="000000"/>
+              </a:solidFill>
+              <a:latin typeface="Gmarket Sans Medium" pitchFamily="34" charset="0"/>
+              <a:cs typeface="Gmarket Sans Medium" pitchFamily="34" charset="0"/>
+            </a:endParaRPr>
+          </a:p>
+          <a:p>
             <a:endParaRPr lang="en-US" dirty="0"/>
           </a:p>
         </p:txBody>
@@ -8115,7 +8120,7 @@
         <p:spPr>
           <a:xfrm>
             <a:off x="627696" y="8505540"/>
-            <a:ext cx="16714061" cy="1394880"/>
+            <a:ext cx="16714061" cy="1183722"/>
           </a:xfrm>
           <a:prstGeom prst="rect">
             <a:avLst/>
@@ -8123,21 +8128,52 @@
           <a:noFill/>
         </p:spPr>
         <p:txBody>
-          <a:bodyPr anchor="t" wrap="square" rtlCol="0">
+          <a:bodyPr wrap="square" rtlCol="0" anchor="t">
             <a:spAutoFit/>
           </a:bodyPr>
           <a:lstStyle/>
           <a:p>
-            <a:pPr algn="ctr"/>
-            <a:r>
-              <a:rPr lang="en-US" sz="2500" dirty="0" smtClean="0">
+            <a:pPr algn="ctr">
+              <a:lnSpc>
+                <a:spcPct val="150000"/>
+              </a:lnSpc>
+            </a:pPr>
+            <a:r>
+              <a:rPr lang="en-US" sz="2500" dirty="0">
                 <a:solidFill>
                   <a:srgbClr val="000000"/>
                 </a:solidFill>
                 <a:latin typeface="Gmarket Sans Medium" pitchFamily="34" charset="0"/>
                 <a:cs typeface="Gmarket Sans Medium" pitchFamily="34" charset="0"/>
               </a:rPr>
-              <a:t>와이파이에 연결 된 직후, 데이터를 파싱하는 모든 작업이 끝나면 웹 서버가 열리고, 사용자가 현재 위치하고 있는 버스정류장의 현황을 보여준다.</a:t>
+              <a:t>와이파이에 연결 된 직후, 데이터를 파싱하는 모든 작업이 끝나면 웹 서버가 열리고, </a:t>
+            </a:r>
+          </a:p>
+          <a:p>
+            <a:pPr algn="ctr">
+              <a:lnSpc>
+                <a:spcPct val="150000"/>
+              </a:lnSpc>
+            </a:pPr>
+            <a:r>
+              <a:rPr lang="en-US" sz="2500" dirty="0" err="1">
+                <a:solidFill>
+                  <a:srgbClr val="000000"/>
+                </a:solidFill>
+                <a:latin typeface="Gmarket Sans Medium" pitchFamily="34" charset="0"/>
+                <a:cs typeface="Gmarket Sans Medium" pitchFamily="34" charset="0"/>
+              </a:rPr>
+              <a:t>사용자가</a:t>
+            </a:r>
+            <a:r>
+              <a:rPr lang="en-US" sz="2500" dirty="0">
+                <a:solidFill>
+                  <a:srgbClr val="000000"/>
+                </a:solidFill>
+                <a:latin typeface="Gmarket Sans Medium" pitchFamily="34" charset="0"/>
+                <a:cs typeface="Gmarket Sans Medium" pitchFamily="34" charset="0"/>
+              </a:rPr>
+              <a:t> 현재 위치하고 있는 버스정류장의 현황을 보여준다.</a:t>
             </a:r>
             <a:endParaRPr lang="en-US" dirty="0"/>
           </a:p>
@@ -8232,15 +8268,15 @@
           <a:noFill/>
         </p:spPr>
         <p:txBody>
-          <a:bodyPr anchor="t" wrap="square" rtlCol="0">
+          <a:bodyPr wrap="square" rtlCol="0" anchor="t">
             <a:spAutoFit/>
           </a:bodyPr>
           <a:lstStyle/>
           <a:p>
             <a:r>
-              <a:rPr lang="en-US" sz="2500" spc="-100" kern="0" dirty="0" smtClean="0">
-                <a:solidFill>
-                  <a:srgbClr val="ffffff"/>
+              <a:rPr lang="en-US" sz="2500" kern="0" spc="-100" dirty="0">
+                <a:solidFill>
+                  <a:srgbClr val="FFFFFF"/>
                 </a:solidFill>
                 <a:latin typeface="Gmarket Sans Medium" pitchFamily="34" charset="0"/>
                 <a:cs typeface="Gmarket Sans Medium" pitchFamily="34" charset="0"/>
@@ -8307,16 +8343,16 @@
           <a:noFill/>
         </p:spPr>
         <p:txBody>
-          <a:bodyPr anchor="t" wrap="square" rtlCol="0">
+          <a:bodyPr wrap="square" rtlCol="0" anchor="t">
             <a:spAutoFit/>
           </a:bodyPr>
           <a:lstStyle/>
           <a:p>
             <a:pPr algn="ctr"/>
             <a:r>
-              <a:rPr lang="en-US" sz="900" dirty="0" smtClean="0">
-                <a:solidFill>
-                  <a:srgbClr val="ffffff"/>
+              <a:rPr lang="en-US" sz="900" dirty="0">
+                <a:solidFill>
+                  <a:srgbClr val="FFFFFF"/>
                 </a:solidFill>
                 <a:latin typeface="Gmarket Sans Medium" pitchFamily="34" charset="0"/>
                 <a:cs typeface="Gmarket Sans Medium" pitchFamily="34" charset="0"/>
@@ -8344,16 +8380,16 @@
           <a:noFill/>
         </p:spPr>
         <p:txBody>
-          <a:bodyPr anchor="t" wrap="square" rtlCol="0">
+          <a:bodyPr wrap="square" rtlCol="0" anchor="t">
             <a:spAutoFit/>
           </a:bodyPr>
           <a:lstStyle/>
           <a:p>
             <a:pPr algn="ctr"/>
             <a:r>
-              <a:rPr lang="en-US" sz="2700" spc="-100" kern="0" dirty="0" smtClean="0">
-                <a:solidFill>
-                  <a:srgbClr val="ffffff"/>
+              <a:rPr lang="en-US" sz="2700" kern="0" spc="-100" dirty="0">
+                <a:solidFill>
+                  <a:srgbClr val="FFFFFF"/>
                 </a:solidFill>
                 <a:latin typeface="Gmarket Sans Medium" pitchFamily="34" charset="0"/>
                 <a:cs typeface="Gmarket Sans Medium" pitchFamily="34" charset="0"/>
@@ -8381,16 +8417,16 @@
           <a:noFill/>
         </p:spPr>
         <p:txBody>
-          <a:bodyPr anchor="t" wrap="square" rtlCol="0">
+          <a:bodyPr wrap="square" rtlCol="0" anchor="t">
             <a:spAutoFit/>
           </a:bodyPr>
           <a:lstStyle/>
           <a:p>
             <a:pPr algn="r"/>
             <a:r>
-              <a:rPr lang="en-US" sz="1600" spc="-100" kern="0" dirty="0" smtClean="0">
-                <a:solidFill>
-                  <a:srgbClr val="ffffff"/>
+              <a:rPr lang="en-US" sz="1600" kern="0" spc="-100" dirty="0">
+                <a:solidFill>
+                  <a:srgbClr val="FFFFFF"/>
                 </a:solidFill>
                 <a:latin typeface="Gmarket Sans Medium" pitchFamily="34" charset="0"/>
                 <a:cs typeface="Gmarket Sans Medium" pitchFamily="34" charset="0"/>
@@ -8418,13 +8454,13 @@
           <a:noFill/>
         </p:spPr>
         <p:txBody>
-          <a:bodyPr anchor="t" wrap="square" rtlCol="0">
+          <a:bodyPr wrap="square" rtlCol="0" anchor="t">
             <a:spAutoFit/>
           </a:bodyPr>
           <a:lstStyle/>
           <a:p>
             <a:r>
-              <a:rPr lang="en-US" sz="5100" b="1" spc="-200" kern="0" dirty="0" smtClean="0">
+              <a:rPr lang="en-US" sz="5100" b="1" kern="0" spc="-200" dirty="0">
                 <a:solidFill>
                   <a:srgbClr val="000000"/>
                 </a:solidFill>
@@ -8433,16 +8469,8 @@
               </a:rPr>
               <a:t>4) 디스플레이 출력</a:t>
             </a:r>
-            <a:r>
-              <a:rPr lang="en-US" dirty="0" smtClean="0"/>
-              <a:t/>
-            </a:r>
-          </a:p>
-          <a:p>
-            <a:r>
-              <a:rPr lang="en-US" dirty="0" smtClean="0"/>
-              <a:t/>
-            </a:r>
+          </a:p>
+          <a:p>
             <a:endParaRPr lang="en-US" dirty="0"/>
           </a:p>
         </p:txBody>
@@ -8611,8 +8639,8 @@
         </p:nvSpPr>
         <p:spPr>
           <a:xfrm>
-            <a:off x="10462565" y="4288649"/>
-            <a:ext cx="11056574" cy="6570083"/>
+            <a:off x="10515600" y="3895783"/>
+            <a:ext cx="11056574" cy="5223289"/>
           </a:xfrm>
           <a:prstGeom prst="rect">
             <a:avLst/>
@@ -8620,13 +8648,18 @@
           <a:noFill/>
         </p:spPr>
         <p:txBody>
-          <a:bodyPr anchor="t" wrap="square" rtlCol="0">
+          <a:bodyPr wrap="square" rtlCol="0" anchor="t">
             <a:spAutoFit/>
           </a:bodyPr>
           <a:lstStyle/>
           <a:p>
-            <a:r>
-              <a:rPr lang="en-US" sz="2500" dirty="0" smtClean="0">
+            <a:pPr>
+              <a:lnSpc>
+                <a:spcPct val="150000"/>
+              </a:lnSpc>
+            </a:pPr>
+            <a:r>
+              <a:rPr lang="en-US" sz="2500" dirty="0">
                 <a:solidFill>
                   <a:srgbClr val="000000"/>
                 </a:solidFill>
@@ -8635,18 +8668,15 @@
               </a:rPr>
               <a:t>- 비트맵 이미지</a:t>
             </a:r>
-            <a:r>
-              <a:rPr lang="en-US" dirty="0" smtClean="0"/>
-              <a:t/>
-            </a:r>
-          </a:p>
-          <a:p>
-            <a:r>
-              <a:rPr lang="en-US" dirty="0" smtClean="0"/>
-              <a:t/>
-            </a:r>
-            <a:r>
-              <a:rPr lang="en-US" sz="2500" dirty="0" smtClean="0">
+          </a:p>
+          <a:p>
+            <a:pPr>
+              <a:lnSpc>
+                <a:spcPct val="150000"/>
+              </a:lnSpc>
+            </a:pPr>
+            <a:r>
+              <a:rPr lang="en-US" sz="2500" dirty="0">
                 <a:solidFill>
                   <a:srgbClr val="000000"/>
                 </a:solidFill>
@@ -8655,28 +8685,29 @@
               </a:rPr>
               <a:t>버스커 버스커 로고 출력</a:t>
             </a:r>
-            <a:r>
-              <a:rPr lang="en-US" dirty="0" smtClean="0"/>
-              <a:t/>
-            </a:r>
-          </a:p>
-          <a:p>
-            <a:r>
-              <a:rPr lang="en-US" dirty="0" smtClean="0"/>
-              <a:t/>
-            </a:r>
-            <a:r>
-              <a:rPr lang="en-US" dirty="0" smtClean="0"/>
-              <a:t/>
-            </a:r>
-          </a:p>
-          <a:p>
-            <a:r>
-              <a:rPr lang="en-US" dirty="0" smtClean="0"/>
-              <a:t/>
-            </a:r>
-            <a:r>
-              <a:rPr lang="en-US" sz="2500" dirty="0" smtClean="0">
+          </a:p>
+          <a:p>
+            <a:pPr>
+              <a:lnSpc>
+                <a:spcPct val="150000"/>
+              </a:lnSpc>
+            </a:pPr>
+            <a:endParaRPr lang="en-US" sz="2500" dirty="0">
+              <a:solidFill>
+                <a:srgbClr val="000000"/>
+              </a:solidFill>
+              <a:latin typeface="Gmarket Sans Medium" pitchFamily="34" charset="0"/>
+              <a:cs typeface="Gmarket Sans Medium" pitchFamily="34" charset="0"/>
+            </a:endParaRPr>
+          </a:p>
+          <a:p>
+            <a:pPr>
+              <a:lnSpc>
+                <a:spcPct val="150000"/>
+              </a:lnSpc>
+            </a:pPr>
+            <a:r>
+              <a:rPr lang="en-US" sz="2500" dirty="0">
                 <a:solidFill>
                   <a:srgbClr val="000000"/>
                 </a:solidFill>
@@ -8686,7 +8717,7 @@
               <a:t>- 와이파이 연결 동작 중 </a:t>
             </a:r>
             <a:r>
-              <a:rPr lang="en-US" sz="2500" u="sng" dirty="0" smtClean="0">
+              <a:rPr lang="en-US" sz="2500" u="sng" dirty="0">
                 <a:solidFill>
                   <a:srgbClr val="000000"/>
                 </a:solidFill>
@@ -8695,18 +8726,15 @@
               </a:rPr>
               <a:t>(움직이는 이미지)</a:t>
             </a:r>
-            <a:r>
-              <a:rPr lang="en-US" dirty="0" smtClean="0"/>
-              <a:t/>
-            </a:r>
-          </a:p>
-          <a:p>
-            <a:r>
-              <a:rPr lang="en-US" dirty="0" smtClean="0"/>
-              <a:t/>
-            </a:r>
-            <a:r>
-              <a:rPr lang="en-US" sz="2500" dirty="0" smtClean="0">
+          </a:p>
+          <a:p>
+            <a:pPr>
+              <a:lnSpc>
+                <a:spcPct val="150000"/>
+              </a:lnSpc>
+            </a:pPr>
+            <a:r>
+              <a:rPr lang="en-US" sz="2500" dirty="0">
                 <a:solidFill>
                   <a:srgbClr val="000000"/>
                 </a:solidFill>
@@ -8715,28 +8743,29 @@
               </a:rPr>
               <a:t>정상적으로 연결될 시에 Connect 표시</a:t>
             </a:r>
-            <a:r>
-              <a:rPr lang="en-US" dirty="0" smtClean="0"/>
-              <a:t/>
-            </a:r>
-          </a:p>
-          <a:p>
-            <a:r>
-              <a:rPr lang="en-US" dirty="0" smtClean="0"/>
-              <a:t/>
-            </a:r>
-            <a:r>
-              <a:rPr lang="en-US" dirty="0" smtClean="0"/>
-              <a:t/>
-            </a:r>
-          </a:p>
-          <a:p>
-            <a:r>
-              <a:rPr lang="en-US" dirty="0" smtClean="0"/>
-              <a:t/>
-            </a:r>
-            <a:r>
-              <a:rPr lang="en-US" sz="2500" dirty="0" smtClean="0">
+          </a:p>
+          <a:p>
+            <a:pPr>
+              <a:lnSpc>
+                <a:spcPct val="150000"/>
+              </a:lnSpc>
+            </a:pPr>
+            <a:endParaRPr lang="en-US" sz="2500" dirty="0">
+              <a:solidFill>
+                <a:srgbClr val="000000"/>
+              </a:solidFill>
+              <a:latin typeface="Gmarket Sans Medium" pitchFamily="34" charset="0"/>
+              <a:cs typeface="Gmarket Sans Medium" pitchFamily="34" charset="0"/>
+            </a:endParaRPr>
+          </a:p>
+          <a:p>
+            <a:pPr>
+              <a:lnSpc>
+                <a:spcPct val="150000"/>
+              </a:lnSpc>
+            </a:pPr>
+            <a:r>
+              <a:rPr lang="en-US" sz="2500" dirty="0">
                 <a:solidFill>
                   <a:srgbClr val="000000"/>
                 </a:solidFill>
@@ -8745,28 +8774,29 @@
               </a:rPr>
               <a:t>- 해당 위치에 버스정류장의 데이터를 출력함</a:t>
             </a:r>
-            <a:r>
-              <a:rPr lang="en-US" dirty="0" smtClean="0"/>
-              <a:t/>
-            </a:r>
-          </a:p>
-          <a:p>
-            <a:r>
-              <a:rPr lang="en-US" dirty="0" smtClean="0"/>
-              <a:t/>
-            </a:r>
-            <a:r>
-              <a:rPr lang="en-US" dirty="0" smtClean="0"/>
-              <a:t/>
-            </a:r>
-          </a:p>
-          <a:p>
-            <a:r>
-              <a:rPr lang="en-US" dirty="0" smtClean="0"/>
-              <a:t/>
-            </a:r>
-            <a:r>
-              <a:rPr lang="en-US" sz="2500" dirty="0" smtClean="0">
+          </a:p>
+          <a:p>
+            <a:pPr>
+              <a:lnSpc>
+                <a:spcPct val="150000"/>
+              </a:lnSpc>
+            </a:pPr>
+            <a:endParaRPr lang="en-US" sz="2500" dirty="0">
+              <a:solidFill>
+                <a:srgbClr val="000000"/>
+              </a:solidFill>
+              <a:latin typeface="Gmarket Sans Medium" pitchFamily="34" charset="0"/>
+              <a:cs typeface="Gmarket Sans Medium" pitchFamily="34" charset="0"/>
+            </a:endParaRPr>
+          </a:p>
+          <a:p>
+            <a:pPr>
+              <a:lnSpc>
+                <a:spcPct val="150000"/>
+              </a:lnSpc>
+            </a:pPr>
+            <a:r>
+              <a:rPr lang="en-US" sz="2500" dirty="0">
                 <a:solidFill>
                   <a:srgbClr val="000000"/>
                 </a:solidFill>
@@ -8868,15 +8898,15 @@
           <a:noFill/>
         </p:spPr>
         <p:txBody>
-          <a:bodyPr anchor="t" wrap="square" rtlCol="0">
+          <a:bodyPr wrap="square" rtlCol="0" anchor="t">
             <a:spAutoFit/>
           </a:bodyPr>
           <a:lstStyle/>
           <a:p>
             <a:r>
-              <a:rPr lang="en-US" sz="2500" spc="-100" kern="0" dirty="0" smtClean="0">
-                <a:solidFill>
-                  <a:srgbClr val="ffffff"/>
+              <a:rPr lang="en-US" sz="2500" kern="0" spc="-100" dirty="0">
+                <a:solidFill>
+                  <a:srgbClr val="FFFFFF"/>
                 </a:solidFill>
                 <a:latin typeface="Gmarket Sans Medium" pitchFamily="34" charset="0"/>
                 <a:cs typeface="Gmarket Sans Medium" pitchFamily="34" charset="0"/>
@@ -8943,16 +8973,16 @@
           <a:noFill/>
         </p:spPr>
         <p:txBody>
-          <a:bodyPr anchor="t" wrap="square" rtlCol="0">
+          <a:bodyPr wrap="square" rtlCol="0" anchor="t">
             <a:spAutoFit/>
           </a:bodyPr>
           <a:lstStyle/>
           <a:p>
             <a:pPr algn="ctr"/>
             <a:r>
-              <a:rPr lang="en-US" sz="900" dirty="0" smtClean="0">
-                <a:solidFill>
-                  <a:srgbClr val="ffffff"/>
+              <a:rPr lang="en-US" sz="900" dirty="0">
+                <a:solidFill>
+                  <a:srgbClr val="FFFFFF"/>
                 </a:solidFill>
                 <a:latin typeface="Gmarket Sans Medium" pitchFamily="34" charset="0"/>
                 <a:cs typeface="Gmarket Sans Medium" pitchFamily="34" charset="0"/>
@@ -8980,16 +9010,16 @@
           <a:noFill/>
         </p:spPr>
         <p:txBody>
-          <a:bodyPr anchor="t" wrap="square" rtlCol="0">
+          <a:bodyPr wrap="square" rtlCol="0" anchor="t">
             <a:spAutoFit/>
           </a:bodyPr>
           <a:lstStyle/>
           <a:p>
             <a:pPr algn="ctr"/>
             <a:r>
-              <a:rPr lang="en-US" sz="2700" spc="-100" kern="0" dirty="0" smtClean="0">
-                <a:solidFill>
-                  <a:srgbClr val="ffffff"/>
+              <a:rPr lang="en-US" sz="2700" kern="0" spc="-100" dirty="0">
+                <a:solidFill>
+                  <a:srgbClr val="FFFFFF"/>
                 </a:solidFill>
                 <a:latin typeface="Gmarket Sans Medium" pitchFamily="34" charset="0"/>
                 <a:cs typeface="Gmarket Sans Medium" pitchFamily="34" charset="0"/>
@@ -9017,16 +9047,16 @@
           <a:noFill/>
         </p:spPr>
         <p:txBody>
-          <a:bodyPr anchor="t" wrap="square" rtlCol="0">
+          <a:bodyPr wrap="square" rtlCol="0" anchor="t">
             <a:spAutoFit/>
           </a:bodyPr>
           <a:lstStyle/>
           <a:p>
             <a:pPr algn="r"/>
             <a:r>
-              <a:rPr lang="en-US" sz="1600" spc="-100" kern="0" dirty="0" smtClean="0">
-                <a:solidFill>
-                  <a:srgbClr val="ffffff"/>
+              <a:rPr lang="en-US" sz="1600" kern="0" spc="-100" dirty="0">
+                <a:solidFill>
+                  <a:srgbClr val="FFFFFF"/>
                 </a:solidFill>
                 <a:latin typeface="Gmarket Sans Medium" pitchFamily="34" charset="0"/>
                 <a:cs typeface="Gmarket Sans Medium" pitchFamily="34" charset="0"/>
@@ -9054,13 +9084,13 @@
           <a:noFill/>
         </p:spPr>
         <p:txBody>
-          <a:bodyPr anchor="t" wrap="square" rtlCol="0">
+          <a:bodyPr wrap="square" rtlCol="0" anchor="t">
             <a:spAutoFit/>
           </a:bodyPr>
           <a:lstStyle/>
           <a:p>
             <a:r>
-              <a:rPr lang="en-US" sz="5100" b="1" spc="-200" kern="0" dirty="0" smtClean="0">
+              <a:rPr lang="en-US" sz="5100" b="1" kern="0" spc="-200" dirty="0">
                 <a:solidFill>
                   <a:srgbClr val="000000"/>
                 </a:solidFill>
@@ -9069,16 +9099,8 @@
               </a:rPr>
               <a:t>4) 시연 영상</a:t>
             </a:r>
-            <a:r>
-              <a:rPr lang="en-US" dirty="0" smtClean="0"/>
-              <a:t/>
-            </a:r>
-          </a:p>
-          <a:p>
-            <a:r>
-              <a:rPr lang="en-US" dirty="0" smtClean="0"/>
-              <a:t/>
-            </a:r>
+          </a:p>
+          <a:p>
             <a:endParaRPr lang="en-US" dirty="0"/>
           </a:p>
         </p:txBody>

--- a/종합프로젝트설계_발표자료.pptx
+++ b/종합프로젝트설계_발표자료.pptx
@@ -139,18 +139,145 @@
   <pc:docChgLst>
     <pc:chgData name="최창환" userId="e7bece8d-0b00-46eb-a3f5-00c7562d57af" providerId="ADAL" clId="{1D185AE2-2488-4666-B60E-552A758BAD94}"/>
     <pc:docChg chg="undo custSel modSld">
-      <pc:chgData name="최창환" userId="e7bece8d-0b00-46eb-a3f5-00c7562d57af" providerId="ADAL" clId="{1D185AE2-2488-4666-B60E-552A758BAD94}" dt="2022-05-29T10:08:16.541" v="23" actId="255"/>
+      <pc:chgData name="최창환" userId="e7bece8d-0b00-46eb-a3f5-00c7562d57af" providerId="ADAL" clId="{1D185AE2-2488-4666-B60E-552A758BAD94}" dt="2022-05-29T10:18:01.899" v="85" actId="478"/>
       <pc:docMkLst>
         <pc:docMk/>
       </pc:docMkLst>
       <pc:sldChg chg="modSp mod">
-        <pc:chgData name="최창환" userId="e7bece8d-0b00-46eb-a3f5-00c7562d57af" providerId="ADAL" clId="{1D185AE2-2488-4666-B60E-552A758BAD94}" dt="2022-05-29T10:06:24.289" v="6" actId="2710"/>
+        <pc:chgData name="최창환" userId="e7bece8d-0b00-46eb-a3f5-00c7562d57af" providerId="ADAL" clId="{1D185AE2-2488-4666-B60E-552A758BAD94}" dt="2022-05-29T10:15:59.845" v="59" actId="1035"/>
+        <pc:sldMkLst>
+          <pc:docMk/>
+          <pc:sldMk cId="0" sldId="256"/>
+        </pc:sldMkLst>
+        <pc:spChg chg="mod">
+          <ac:chgData name="최창환" userId="e7bece8d-0b00-46eb-a3f5-00c7562d57af" providerId="ADAL" clId="{1D185AE2-2488-4666-B60E-552A758BAD94}" dt="2022-05-29T10:15:45.350" v="56" actId="2711"/>
+          <ac:spMkLst>
+            <pc:docMk/>
+            <pc:sldMk cId="0" sldId="256"/>
+            <ac:spMk id="2" creationId="{00000000-0000-0000-0000-000000000000}"/>
+          </ac:spMkLst>
+        </pc:spChg>
+        <pc:spChg chg="mod">
+          <ac:chgData name="최창환" userId="e7bece8d-0b00-46eb-a3f5-00c7562d57af" providerId="ADAL" clId="{1D185AE2-2488-4666-B60E-552A758BAD94}" dt="2022-05-29T10:15:45.350" v="56" actId="2711"/>
+          <ac:spMkLst>
+            <pc:docMk/>
+            <pc:sldMk cId="0" sldId="256"/>
+            <ac:spMk id="3" creationId="{00000000-0000-0000-0000-000000000000}"/>
+          </ac:spMkLst>
+        </pc:spChg>
+        <pc:spChg chg="mod">
+          <ac:chgData name="최창환" userId="e7bece8d-0b00-46eb-a3f5-00c7562d57af" providerId="ADAL" clId="{1D185AE2-2488-4666-B60E-552A758BAD94}" dt="2022-05-29T10:15:59.845" v="59" actId="1035"/>
+          <ac:spMkLst>
+            <pc:docMk/>
+            <pc:sldMk cId="0" sldId="256"/>
+            <ac:spMk id="13" creationId="{00000000-0000-0000-0000-000000000000}"/>
+          </ac:spMkLst>
+        </pc:spChg>
+        <pc:spChg chg="mod">
+          <ac:chgData name="최창환" userId="e7bece8d-0b00-46eb-a3f5-00c7562d57af" providerId="ADAL" clId="{1D185AE2-2488-4666-B60E-552A758BAD94}" dt="2022-05-29T10:15:45.350" v="56" actId="2711"/>
+          <ac:spMkLst>
+            <pc:docMk/>
+            <pc:sldMk cId="0" sldId="256"/>
+            <ac:spMk id="14" creationId="{00000000-0000-0000-0000-000000000000}"/>
+          </ac:spMkLst>
+        </pc:spChg>
+        <pc:grpChg chg="mod">
+          <ac:chgData name="최창환" userId="e7bece8d-0b00-46eb-a3f5-00c7562d57af" providerId="ADAL" clId="{1D185AE2-2488-4666-B60E-552A758BAD94}" dt="2022-05-29T10:12:35.572" v="32" actId="1076"/>
+          <ac:grpSpMkLst>
+            <pc:docMk/>
+            <pc:sldMk cId="0" sldId="256"/>
+            <ac:grpSpMk id="1004" creationId="{00000000-0000-0000-0000-000000000000}"/>
+          </ac:grpSpMkLst>
+        </pc:grpChg>
+      </pc:sldChg>
+      <pc:sldChg chg="modSp mod">
+        <pc:chgData name="최창환" userId="e7bece8d-0b00-46eb-a3f5-00c7562d57af" providerId="ADAL" clId="{1D185AE2-2488-4666-B60E-552A758BAD94}" dt="2022-05-29T10:16:16.894" v="61" actId="113"/>
         <pc:sldMkLst>
           <pc:docMk/>
           <pc:sldMk cId="0" sldId="257"/>
         </pc:sldMkLst>
         <pc:spChg chg="mod">
-          <ac:chgData name="최창환" userId="e7bece8d-0b00-46eb-a3f5-00c7562d57af" providerId="ADAL" clId="{1D185AE2-2488-4666-B60E-552A758BAD94}" dt="2022-05-29T10:06:21.726" v="5" actId="2710"/>
+          <ac:chgData name="최창환" userId="e7bece8d-0b00-46eb-a3f5-00c7562d57af" providerId="ADAL" clId="{1D185AE2-2488-4666-B60E-552A758BAD94}" dt="2022-05-29T10:16:16.894" v="61" actId="113"/>
+          <ac:spMkLst>
+            <pc:docMk/>
+            <pc:sldMk cId="0" sldId="257"/>
+            <ac:spMk id="2" creationId="{00000000-0000-0000-0000-000000000000}"/>
+          </ac:spMkLst>
+        </pc:spChg>
+        <pc:spChg chg="mod">
+          <ac:chgData name="최창환" userId="e7bece8d-0b00-46eb-a3f5-00c7562d57af" providerId="ADAL" clId="{1D185AE2-2488-4666-B60E-552A758BAD94}" dt="2022-05-29T10:16:10.573" v="60" actId="2711"/>
+          <ac:spMkLst>
+            <pc:docMk/>
+            <pc:sldMk cId="0" sldId="257"/>
+            <ac:spMk id="3" creationId="{00000000-0000-0000-0000-000000000000}"/>
+          </ac:spMkLst>
+        </pc:spChg>
+        <pc:spChg chg="mod">
+          <ac:chgData name="최창환" userId="e7bece8d-0b00-46eb-a3f5-00c7562d57af" providerId="ADAL" clId="{1D185AE2-2488-4666-B60E-552A758BAD94}" dt="2022-05-29T10:16:10.573" v="60" actId="2711"/>
+          <ac:spMkLst>
+            <pc:docMk/>
+            <pc:sldMk cId="0" sldId="257"/>
+            <ac:spMk id="7" creationId="{00000000-0000-0000-0000-000000000000}"/>
+          </ac:spMkLst>
+        </pc:spChg>
+        <pc:spChg chg="mod">
+          <ac:chgData name="최창환" userId="e7bece8d-0b00-46eb-a3f5-00c7562d57af" providerId="ADAL" clId="{1D185AE2-2488-4666-B60E-552A758BAD94}" dt="2022-05-29T10:16:10.573" v="60" actId="2711"/>
+          <ac:spMkLst>
+            <pc:docMk/>
+            <pc:sldMk cId="0" sldId="257"/>
+            <ac:spMk id="8" creationId="{00000000-0000-0000-0000-000000000000}"/>
+          </ac:spMkLst>
+        </pc:spChg>
+        <pc:spChg chg="mod">
+          <ac:chgData name="최창환" userId="e7bece8d-0b00-46eb-a3f5-00c7562d57af" providerId="ADAL" clId="{1D185AE2-2488-4666-B60E-552A758BAD94}" dt="2022-05-29T10:16:10.573" v="60" actId="2711"/>
+          <ac:spMkLst>
+            <pc:docMk/>
+            <pc:sldMk cId="0" sldId="257"/>
+            <ac:spMk id="12" creationId="{00000000-0000-0000-0000-000000000000}"/>
+          </ac:spMkLst>
+        </pc:spChg>
+        <pc:spChg chg="mod">
+          <ac:chgData name="최창환" userId="e7bece8d-0b00-46eb-a3f5-00c7562d57af" providerId="ADAL" clId="{1D185AE2-2488-4666-B60E-552A758BAD94}" dt="2022-05-29T10:16:10.573" v="60" actId="2711"/>
+          <ac:spMkLst>
+            <pc:docMk/>
+            <pc:sldMk cId="0" sldId="257"/>
+            <ac:spMk id="16" creationId="{00000000-0000-0000-0000-000000000000}"/>
+          </ac:spMkLst>
+        </pc:spChg>
+        <pc:spChg chg="mod">
+          <ac:chgData name="최창환" userId="e7bece8d-0b00-46eb-a3f5-00c7562d57af" providerId="ADAL" clId="{1D185AE2-2488-4666-B60E-552A758BAD94}" dt="2022-05-29T10:16:10.573" v="60" actId="2711"/>
+          <ac:spMkLst>
+            <pc:docMk/>
+            <pc:sldMk cId="0" sldId="257"/>
+            <ac:spMk id="17" creationId="{00000000-0000-0000-0000-000000000000}"/>
+          </ac:spMkLst>
+        </pc:spChg>
+        <pc:spChg chg="mod">
+          <ac:chgData name="최창환" userId="e7bece8d-0b00-46eb-a3f5-00c7562d57af" providerId="ADAL" clId="{1D185AE2-2488-4666-B60E-552A758BAD94}" dt="2022-05-29T10:16:10.573" v="60" actId="2711"/>
+          <ac:spMkLst>
+            <pc:docMk/>
+            <pc:sldMk cId="0" sldId="257"/>
+            <ac:spMk id="21" creationId="{00000000-0000-0000-0000-000000000000}"/>
+          </ac:spMkLst>
+        </pc:spChg>
+        <pc:spChg chg="mod">
+          <ac:chgData name="최창환" userId="e7bece8d-0b00-46eb-a3f5-00c7562d57af" providerId="ADAL" clId="{1D185AE2-2488-4666-B60E-552A758BAD94}" dt="2022-05-29T10:16:10.573" v="60" actId="2711"/>
+          <ac:spMkLst>
+            <pc:docMk/>
+            <pc:sldMk cId="0" sldId="257"/>
+            <ac:spMk id="25" creationId="{00000000-0000-0000-0000-000000000000}"/>
+          </ac:spMkLst>
+        </pc:spChg>
+        <pc:spChg chg="mod">
+          <ac:chgData name="최창환" userId="e7bece8d-0b00-46eb-a3f5-00c7562d57af" providerId="ADAL" clId="{1D185AE2-2488-4666-B60E-552A758BAD94}" dt="2022-05-29T10:16:10.573" v="60" actId="2711"/>
+          <ac:spMkLst>
+            <pc:docMk/>
+            <pc:sldMk cId="0" sldId="257"/>
+            <ac:spMk id="26" creationId="{00000000-0000-0000-0000-000000000000}"/>
+          </ac:spMkLst>
+        </pc:spChg>
+        <pc:spChg chg="mod">
+          <ac:chgData name="최창환" userId="e7bece8d-0b00-46eb-a3f5-00c7562d57af" providerId="ADAL" clId="{1D185AE2-2488-4666-B60E-552A758BAD94}" dt="2022-05-29T10:16:10.573" v="60" actId="2711"/>
           <ac:spMkLst>
             <pc:docMk/>
             <pc:sldMk cId="0" sldId="257"/>
@@ -158,7 +285,7 @@
           </ac:spMkLst>
         </pc:spChg>
         <pc:spChg chg="mod">
-          <ac:chgData name="최창환" userId="e7bece8d-0b00-46eb-a3f5-00c7562d57af" providerId="ADAL" clId="{1D185AE2-2488-4666-B60E-552A758BAD94}" dt="2022-05-29T10:06:17.742" v="4" actId="2710"/>
+          <ac:chgData name="최창환" userId="e7bece8d-0b00-46eb-a3f5-00c7562d57af" providerId="ADAL" clId="{1D185AE2-2488-4666-B60E-552A758BAD94}" dt="2022-05-29T10:16:10.573" v="60" actId="2711"/>
           <ac:spMkLst>
             <pc:docMk/>
             <pc:sldMk cId="0" sldId="257"/>
@@ -166,7 +293,7 @@
           </ac:spMkLst>
         </pc:spChg>
         <pc:spChg chg="mod">
-          <ac:chgData name="최창환" userId="e7bece8d-0b00-46eb-a3f5-00c7562d57af" providerId="ADAL" clId="{1D185AE2-2488-4666-B60E-552A758BAD94}" dt="2022-05-29T10:06:24.289" v="6" actId="2710"/>
+          <ac:chgData name="최창환" userId="e7bece8d-0b00-46eb-a3f5-00c7562d57af" providerId="ADAL" clId="{1D185AE2-2488-4666-B60E-552A758BAD94}" dt="2022-05-29T10:16:10.573" v="60" actId="2711"/>
           <ac:spMkLst>
             <pc:docMk/>
             <pc:sldMk cId="0" sldId="257"/>
@@ -175,13 +302,13 @@
         </pc:spChg>
       </pc:sldChg>
       <pc:sldChg chg="modSp mod">
-        <pc:chgData name="최창환" userId="e7bece8d-0b00-46eb-a3f5-00c7562d57af" providerId="ADAL" clId="{1D185AE2-2488-4666-B60E-552A758BAD94}" dt="2022-05-29T10:05:30.931" v="0" actId="2710"/>
+        <pc:chgData name="최창환" userId="e7bece8d-0b00-46eb-a3f5-00c7562d57af" providerId="ADAL" clId="{1D185AE2-2488-4666-B60E-552A758BAD94}" dt="2022-05-29T10:13:46.213" v="38" actId="2711"/>
         <pc:sldMkLst>
           <pc:docMk/>
           <pc:sldMk cId="0" sldId="258"/>
         </pc:sldMkLst>
         <pc:spChg chg="mod">
-          <ac:chgData name="최창환" userId="e7bece8d-0b00-46eb-a3f5-00c7562d57af" providerId="ADAL" clId="{1D185AE2-2488-4666-B60E-552A758BAD94}" dt="2022-05-29T10:05:30.931" v="0" actId="2710"/>
+          <ac:chgData name="최창환" userId="e7bece8d-0b00-46eb-a3f5-00c7562d57af" providerId="ADAL" clId="{1D185AE2-2488-4666-B60E-552A758BAD94}" dt="2022-05-29T10:13:46.213" v="38" actId="2711"/>
           <ac:spMkLst>
             <pc:docMk/>
             <pc:sldMk cId="0" sldId="258"/>
@@ -190,13 +317,13 @@
         </pc:spChg>
       </pc:sldChg>
       <pc:sldChg chg="modSp mod">
-        <pc:chgData name="최창환" userId="e7bece8d-0b00-46eb-a3f5-00c7562d57af" providerId="ADAL" clId="{1D185AE2-2488-4666-B60E-552A758BAD94}" dt="2022-05-29T10:05:44.634" v="1" actId="2710"/>
+        <pc:chgData name="최창환" userId="e7bece8d-0b00-46eb-a3f5-00c7562d57af" providerId="ADAL" clId="{1D185AE2-2488-4666-B60E-552A758BAD94}" dt="2022-05-29T10:14:56.109" v="53" actId="255"/>
         <pc:sldMkLst>
           <pc:docMk/>
           <pc:sldMk cId="0" sldId="259"/>
         </pc:sldMkLst>
         <pc:spChg chg="mod">
-          <ac:chgData name="최창환" userId="e7bece8d-0b00-46eb-a3f5-00c7562d57af" providerId="ADAL" clId="{1D185AE2-2488-4666-B60E-552A758BAD94}" dt="2022-05-29T10:05:44.634" v="1" actId="2710"/>
+          <ac:chgData name="최창환" userId="e7bece8d-0b00-46eb-a3f5-00c7562d57af" providerId="ADAL" clId="{1D185AE2-2488-4666-B60E-552A758BAD94}" dt="2022-05-29T10:14:56.109" v="53" actId="255"/>
           <ac:spMkLst>
             <pc:docMk/>
             <pc:sldMk cId="0" sldId="259"/>
@@ -205,13 +332,187 @@
         </pc:spChg>
       </pc:sldChg>
       <pc:sldChg chg="modSp mod">
-        <pc:chgData name="최창환" userId="e7bece8d-0b00-46eb-a3f5-00c7562d57af" providerId="ADAL" clId="{1D185AE2-2488-4666-B60E-552A758BAD94}" dt="2022-05-29T10:06:49.623" v="8" actId="2710"/>
+        <pc:chgData name="최창환" userId="e7bece8d-0b00-46eb-a3f5-00c7562d57af" providerId="ADAL" clId="{1D185AE2-2488-4666-B60E-552A758BAD94}" dt="2022-05-29T10:15:28.119" v="55" actId="2711"/>
+        <pc:sldMkLst>
+          <pc:docMk/>
+          <pc:sldMk cId="0" sldId="260"/>
+        </pc:sldMkLst>
+        <pc:spChg chg="mod">
+          <ac:chgData name="최창환" userId="e7bece8d-0b00-46eb-a3f5-00c7562d57af" providerId="ADAL" clId="{1D185AE2-2488-4666-B60E-552A758BAD94}" dt="2022-05-29T10:15:28.119" v="55" actId="2711"/>
+          <ac:spMkLst>
+            <pc:docMk/>
+            <pc:sldMk cId="0" sldId="260"/>
+            <ac:spMk id="5" creationId="{00000000-0000-0000-0000-000000000000}"/>
+          </ac:spMkLst>
+        </pc:spChg>
+        <pc:spChg chg="mod">
+          <ac:chgData name="최창환" userId="e7bece8d-0b00-46eb-a3f5-00c7562d57af" providerId="ADAL" clId="{1D185AE2-2488-4666-B60E-552A758BAD94}" dt="2022-05-29T10:15:28.119" v="55" actId="2711"/>
+          <ac:spMkLst>
+            <pc:docMk/>
+            <pc:sldMk cId="0" sldId="260"/>
+            <ac:spMk id="9" creationId="{00000000-0000-0000-0000-000000000000}"/>
+          </ac:spMkLst>
+        </pc:spChg>
+        <pc:spChg chg="mod">
+          <ac:chgData name="최창환" userId="e7bece8d-0b00-46eb-a3f5-00c7562d57af" providerId="ADAL" clId="{1D185AE2-2488-4666-B60E-552A758BAD94}" dt="2022-05-29T10:15:28.119" v="55" actId="2711"/>
+          <ac:spMkLst>
+            <pc:docMk/>
+            <pc:sldMk cId="0" sldId="260"/>
+            <ac:spMk id="10" creationId="{00000000-0000-0000-0000-000000000000}"/>
+          </ac:spMkLst>
+        </pc:spChg>
+        <pc:spChg chg="mod">
+          <ac:chgData name="최창환" userId="e7bece8d-0b00-46eb-a3f5-00c7562d57af" providerId="ADAL" clId="{1D185AE2-2488-4666-B60E-552A758BAD94}" dt="2022-05-29T10:15:28.119" v="55" actId="2711"/>
+          <ac:spMkLst>
+            <pc:docMk/>
+            <pc:sldMk cId="0" sldId="260"/>
+            <ac:spMk id="11" creationId="{00000000-0000-0000-0000-000000000000}"/>
+          </ac:spMkLst>
+        </pc:spChg>
+        <pc:spChg chg="mod">
+          <ac:chgData name="최창환" userId="e7bece8d-0b00-46eb-a3f5-00c7562d57af" providerId="ADAL" clId="{1D185AE2-2488-4666-B60E-552A758BAD94}" dt="2022-05-29T10:15:28.119" v="55" actId="2711"/>
+          <ac:spMkLst>
+            <pc:docMk/>
+            <pc:sldMk cId="0" sldId="260"/>
+            <ac:spMk id="12" creationId="{00000000-0000-0000-0000-000000000000}"/>
+          </ac:spMkLst>
+        </pc:spChg>
+        <pc:spChg chg="mod">
+          <ac:chgData name="최창환" userId="e7bece8d-0b00-46eb-a3f5-00c7562d57af" providerId="ADAL" clId="{1D185AE2-2488-4666-B60E-552A758BAD94}" dt="2022-05-29T10:15:28.119" v="55" actId="2711"/>
+          <ac:spMkLst>
+            <pc:docMk/>
+            <pc:sldMk cId="0" sldId="260"/>
+            <ac:spMk id="19" creationId="{00000000-0000-0000-0000-000000000000}"/>
+          </ac:spMkLst>
+        </pc:spChg>
+        <pc:spChg chg="mod">
+          <ac:chgData name="최창환" userId="e7bece8d-0b00-46eb-a3f5-00c7562d57af" providerId="ADAL" clId="{1D185AE2-2488-4666-B60E-552A758BAD94}" dt="2022-05-29T10:15:28.119" v="55" actId="2711"/>
+          <ac:spMkLst>
+            <pc:docMk/>
+            <pc:sldMk cId="0" sldId="260"/>
+            <ac:spMk id="20" creationId="{00000000-0000-0000-0000-000000000000}"/>
+          </ac:spMkLst>
+        </pc:spChg>
+      </pc:sldChg>
+      <pc:sldChg chg="modSp mod">
+        <pc:chgData name="최창환" userId="e7bece8d-0b00-46eb-a3f5-00c7562d57af" providerId="ADAL" clId="{1D185AE2-2488-4666-B60E-552A758BAD94}" dt="2022-05-29T10:16:51.029" v="65" actId="1076"/>
+        <pc:sldMkLst>
+          <pc:docMk/>
+          <pc:sldMk cId="0" sldId="261"/>
+        </pc:sldMkLst>
+        <pc:spChg chg="mod">
+          <ac:chgData name="최창환" userId="e7bece8d-0b00-46eb-a3f5-00c7562d57af" providerId="ADAL" clId="{1D185AE2-2488-4666-B60E-552A758BAD94}" dt="2022-05-29T10:16:28.294" v="62" actId="2711"/>
+          <ac:spMkLst>
+            <pc:docMk/>
+            <pc:sldMk cId="0" sldId="261"/>
+            <ac:spMk id="5" creationId="{00000000-0000-0000-0000-000000000000}"/>
+          </ac:spMkLst>
+        </pc:spChg>
+        <pc:spChg chg="mod">
+          <ac:chgData name="최창환" userId="e7bece8d-0b00-46eb-a3f5-00c7562d57af" providerId="ADAL" clId="{1D185AE2-2488-4666-B60E-552A758BAD94}" dt="2022-05-29T10:16:28.294" v="62" actId="2711"/>
+          <ac:spMkLst>
+            <pc:docMk/>
+            <pc:sldMk cId="0" sldId="261"/>
+            <ac:spMk id="9" creationId="{00000000-0000-0000-0000-000000000000}"/>
+          </ac:spMkLst>
+        </pc:spChg>
+        <pc:spChg chg="mod">
+          <ac:chgData name="최창환" userId="e7bece8d-0b00-46eb-a3f5-00c7562d57af" providerId="ADAL" clId="{1D185AE2-2488-4666-B60E-552A758BAD94}" dt="2022-05-29T10:16:28.294" v="62" actId="2711"/>
+          <ac:spMkLst>
+            <pc:docMk/>
+            <pc:sldMk cId="0" sldId="261"/>
+            <ac:spMk id="10" creationId="{00000000-0000-0000-0000-000000000000}"/>
+          </ac:spMkLst>
+        </pc:spChg>
+        <pc:spChg chg="mod">
+          <ac:chgData name="최창환" userId="e7bece8d-0b00-46eb-a3f5-00c7562d57af" providerId="ADAL" clId="{1D185AE2-2488-4666-B60E-552A758BAD94}" dt="2022-05-29T10:16:28.294" v="62" actId="2711"/>
+          <ac:spMkLst>
+            <pc:docMk/>
+            <pc:sldMk cId="0" sldId="261"/>
+            <ac:spMk id="11" creationId="{00000000-0000-0000-0000-000000000000}"/>
+          </ac:spMkLst>
+        </pc:spChg>
+        <pc:spChg chg="mod">
+          <ac:chgData name="최창환" userId="e7bece8d-0b00-46eb-a3f5-00c7562d57af" providerId="ADAL" clId="{1D185AE2-2488-4666-B60E-552A758BAD94}" dt="2022-05-29T10:16:28.294" v="62" actId="2711"/>
+          <ac:spMkLst>
+            <pc:docMk/>
+            <pc:sldMk cId="0" sldId="261"/>
+            <ac:spMk id="12" creationId="{00000000-0000-0000-0000-000000000000}"/>
+          </ac:spMkLst>
+        </pc:spChg>
+        <pc:spChg chg="mod">
+          <ac:chgData name="최창환" userId="e7bece8d-0b00-46eb-a3f5-00c7562d57af" providerId="ADAL" clId="{1D185AE2-2488-4666-B60E-552A758BAD94}" dt="2022-05-29T10:16:51.029" v="65" actId="1076"/>
+          <ac:spMkLst>
+            <pc:docMk/>
+            <pc:sldMk cId="0" sldId="261"/>
+            <ac:spMk id="19" creationId="{00000000-0000-0000-0000-000000000000}"/>
+          </ac:spMkLst>
+        </pc:spChg>
+        <pc:spChg chg="mod">
+          <ac:chgData name="최창환" userId="e7bece8d-0b00-46eb-a3f5-00c7562d57af" providerId="ADAL" clId="{1D185AE2-2488-4666-B60E-552A758BAD94}" dt="2022-05-29T10:16:46.826" v="64" actId="2710"/>
+          <ac:spMkLst>
+            <pc:docMk/>
+            <pc:sldMk cId="0" sldId="261"/>
+            <ac:spMk id="23" creationId="{00000000-0000-0000-0000-000000000000}"/>
+          </ac:spMkLst>
+        </pc:spChg>
+        <pc:spChg chg="mod">
+          <ac:chgData name="최창환" userId="e7bece8d-0b00-46eb-a3f5-00c7562d57af" providerId="ADAL" clId="{1D185AE2-2488-4666-B60E-552A758BAD94}" dt="2022-05-29T10:16:28.294" v="62" actId="2711"/>
+          <ac:spMkLst>
+            <pc:docMk/>
+            <pc:sldMk cId="0" sldId="261"/>
+            <ac:spMk id="24" creationId="{00000000-0000-0000-0000-000000000000}"/>
+          </ac:spMkLst>
+        </pc:spChg>
+      </pc:sldChg>
+      <pc:sldChg chg="modSp mod">
+        <pc:chgData name="최창환" userId="e7bece8d-0b00-46eb-a3f5-00c7562d57af" providerId="ADAL" clId="{1D185AE2-2488-4666-B60E-552A758BAD94}" dt="2022-05-29T10:16:57.531" v="66" actId="2711"/>
         <pc:sldMkLst>
           <pc:docMk/>
           <pc:sldMk cId="0" sldId="262"/>
         </pc:sldMkLst>
         <pc:spChg chg="mod">
-          <ac:chgData name="최창환" userId="e7bece8d-0b00-46eb-a3f5-00c7562d57af" providerId="ADAL" clId="{1D185AE2-2488-4666-B60E-552A758BAD94}" dt="2022-05-29T10:06:49.623" v="8" actId="2710"/>
+          <ac:chgData name="최창환" userId="e7bece8d-0b00-46eb-a3f5-00c7562d57af" providerId="ADAL" clId="{1D185AE2-2488-4666-B60E-552A758BAD94}" dt="2022-05-29T10:16:57.531" v="66" actId="2711"/>
+          <ac:spMkLst>
+            <pc:docMk/>
+            <pc:sldMk cId="0" sldId="262"/>
+            <ac:spMk id="5" creationId="{00000000-0000-0000-0000-000000000000}"/>
+          </ac:spMkLst>
+        </pc:spChg>
+        <pc:spChg chg="mod">
+          <ac:chgData name="최창환" userId="e7bece8d-0b00-46eb-a3f5-00c7562d57af" providerId="ADAL" clId="{1D185AE2-2488-4666-B60E-552A758BAD94}" dt="2022-05-29T10:16:57.531" v="66" actId="2711"/>
+          <ac:spMkLst>
+            <pc:docMk/>
+            <pc:sldMk cId="0" sldId="262"/>
+            <ac:spMk id="9" creationId="{00000000-0000-0000-0000-000000000000}"/>
+          </ac:spMkLst>
+        </pc:spChg>
+        <pc:spChg chg="mod">
+          <ac:chgData name="최창환" userId="e7bece8d-0b00-46eb-a3f5-00c7562d57af" providerId="ADAL" clId="{1D185AE2-2488-4666-B60E-552A758BAD94}" dt="2022-05-29T10:16:57.531" v="66" actId="2711"/>
+          <ac:spMkLst>
+            <pc:docMk/>
+            <pc:sldMk cId="0" sldId="262"/>
+            <ac:spMk id="10" creationId="{00000000-0000-0000-0000-000000000000}"/>
+          </ac:spMkLst>
+        </pc:spChg>
+        <pc:spChg chg="mod">
+          <ac:chgData name="최창환" userId="e7bece8d-0b00-46eb-a3f5-00c7562d57af" providerId="ADAL" clId="{1D185AE2-2488-4666-B60E-552A758BAD94}" dt="2022-05-29T10:16:57.531" v="66" actId="2711"/>
+          <ac:spMkLst>
+            <pc:docMk/>
+            <pc:sldMk cId="0" sldId="262"/>
+            <ac:spMk id="11" creationId="{00000000-0000-0000-0000-000000000000}"/>
+          </ac:spMkLst>
+        </pc:spChg>
+        <pc:spChg chg="mod">
+          <ac:chgData name="최창환" userId="e7bece8d-0b00-46eb-a3f5-00c7562d57af" providerId="ADAL" clId="{1D185AE2-2488-4666-B60E-552A758BAD94}" dt="2022-05-29T10:16:57.531" v="66" actId="2711"/>
+          <ac:spMkLst>
+            <pc:docMk/>
+            <pc:sldMk cId="0" sldId="262"/>
+            <ac:spMk id="12" creationId="{00000000-0000-0000-0000-000000000000}"/>
+          </ac:spMkLst>
+        </pc:spChg>
+        <pc:spChg chg="mod">
+          <ac:chgData name="최창환" userId="e7bece8d-0b00-46eb-a3f5-00c7562d57af" providerId="ADAL" clId="{1D185AE2-2488-4666-B60E-552A758BAD94}" dt="2022-05-29T10:16:57.531" v="66" actId="2711"/>
           <ac:spMkLst>
             <pc:docMk/>
             <pc:sldMk cId="0" sldId="262"/>
@@ -220,13 +521,53 @@
         </pc:spChg>
       </pc:sldChg>
       <pc:sldChg chg="modSp mod">
-        <pc:chgData name="최창환" userId="e7bece8d-0b00-46eb-a3f5-00c7562d57af" providerId="ADAL" clId="{1D185AE2-2488-4666-B60E-552A758BAD94}" dt="2022-05-29T10:07:00.356" v="10" actId="1076"/>
+        <pc:chgData name="최창환" userId="e7bece8d-0b00-46eb-a3f5-00c7562d57af" providerId="ADAL" clId="{1D185AE2-2488-4666-B60E-552A758BAD94}" dt="2022-05-29T10:17:07.396" v="67" actId="2711"/>
         <pc:sldMkLst>
           <pc:docMk/>
           <pc:sldMk cId="0" sldId="263"/>
         </pc:sldMkLst>
         <pc:spChg chg="mod">
-          <ac:chgData name="최창환" userId="e7bece8d-0b00-46eb-a3f5-00c7562d57af" providerId="ADAL" clId="{1D185AE2-2488-4666-B60E-552A758BAD94}" dt="2022-05-29T10:07:00.356" v="10" actId="1076"/>
+          <ac:chgData name="최창환" userId="e7bece8d-0b00-46eb-a3f5-00c7562d57af" providerId="ADAL" clId="{1D185AE2-2488-4666-B60E-552A758BAD94}" dt="2022-05-29T10:17:07.396" v="67" actId="2711"/>
+          <ac:spMkLst>
+            <pc:docMk/>
+            <pc:sldMk cId="0" sldId="263"/>
+            <ac:spMk id="5" creationId="{00000000-0000-0000-0000-000000000000}"/>
+          </ac:spMkLst>
+        </pc:spChg>
+        <pc:spChg chg="mod">
+          <ac:chgData name="최창환" userId="e7bece8d-0b00-46eb-a3f5-00c7562d57af" providerId="ADAL" clId="{1D185AE2-2488-4666-B60E-552A758BAD94}" dt="2022-05-29T10:17:07.396" v="67" actId="2711"/>
+          <ac:spMkLst>
+            <pc:docMk/>
+            <pc:sldMk cId="0" sldId="263"/>
+            <ac:spMk id="9" creationId="{00000000-0000-0000-0000-000000000000}"/>
+          </ac:spMkLst>
+        </pc:spChg>
+        <pc:spChg chg="mod">
+          <ac:chgData name="최창환" userId="e7bece8d-0b00-46eb-a3f5-00c7562d57af" providerId="ADAL" clId="{1D185AE2-2488-4666-B60E-552A758BAD94}" dt="2022-05-29T10:17:07.396" v="67" actId="2711"/>
+          <ac:spMkLst>
+            <pc:docMk/>
+            <pc:sldMk cId="0" sldId="263"/>
+            <ac:spMk id="10" creationId="{00000000-0000-0000-0000-000000000000}"/>
+          </ac:spMkLst>
+        </pc:spChg>
+        <pc:spChg chg="mod">
+          <ac:chgData name="최창환" userId="e7bece8d-0b00-46eb-a3f5-00c7562d57af" providerId="ADAL" clId="{1D185AE2-2488-4666-B60E-552A758BAD94}" dt="2022-05-29T10:17:07.396" v="67" actId="2711"/>
+          <ac:spMkLst>
+            <pc:docMk/>
+            <pc:sldMk cId="0" sldId="263"/>
+            <ac:spMk id="11" creationId="{00000000-0000-0000-0000-000000000000}"/>
+          </ac:spMkLst>
+        </pc:spChg>
+        <pc:spChg chg="mod">
+          <ac:chgData name="최창환" userId="e7bece8d-0b00-46eb-a3f5-00c7562d57af" providerId="ADAL" clId="{1D185AE2-2488-4666-B60E-552A758BAD94}" dt="2022-05-29T10:17:07.396" v="67" actId="2711"/>
+          <ac:spMkLst>
+            <pc:docMk/>
+            <pc:sldMk cId="0" sldId="263"/>
+            <ac:spMk id="12" creationId="{00000000-0000-0000-0000-000000000000}"/>
+          </ac:spMkLst>
+        </pc:spChg>
+        <pc:spChg chg="mod">
+          <ac:chgData name="최창환" userId="e7bece8d-0b00-46eb-a3f5-00c7562d57af" providerId="ADAL" clId="{1D185AE2-2488-4666-B60E-552A758BAD94}" dt="2022-05-29T10:17:07.396" v="67" actId="2711"/>
           <ac:spMkLst>
             <pc:docMk/>
             <pc:sldMk cId="0" sldId="263"/>
@@ -235,13 +576,68 @@
         </pc:spChg>
       </pc:sldChg>
       <pc:sldChg chg="modSp mod">
-        <pc:chgData name="최창환" userId="e7bece8d-0b00-46eb-a3f5-00c7562d57af" providerId="ADAL" clId="{1D185AE2-2488-4666-B60E-552A758BAD94}" dt="2022-05-29T10:07:43.786" v="21" actId="5793"/>
+        <pc:chgData name="최창환" userId="e7bece8d-0b00-46eb-a3f5-00c7562d57af" providerId="ADAL" clId="{1D185AE2-2488-4666-B60E-552A758BAD94}" dt="2022-05-29T10:17:14.972" v="68" actId="2711"/>
+        <pc:sldMkLst>
+          <pc:docMk/>
+          <pc:sldMk cId="0" sldId="264"/>
+        </pc:sldMkLst>
+        <pc:spChg chg="mod">
+          <ac:chgData name="최창환" userId="e7bece8d-0b00-46eb-a3f5-00c7562d57af" providerId="ADAL" clId="{1D185AE2-2488-4666-B60E-552A758BAD94}" dt="2022-05-29T10:17:14.972" v="68" actId="2711"/>
+          <ac:spMkLst>
+            <pc:docMk/>
+            <pc:sldMk cId="0" sldId="264"/>
+            <ac:spMk id="5" creationId="{00000000-0000-0000-0000-000000000000}"/>
+          </ac:spMkLst>
+        </pc:spChg>
+        <pc:spChg chg="mod">
+          <ac:chgData name="최창환" userId="e7bece8d-0b00-46eb-a3f5-00c7562d57af" providerId="ADAL" clId="{1D185AE2-2488-4666-B60E-552A758BAD94}" dt="2022-05-29T10:17:14.972" v="68" actId="2711"/>
+          <ac:spMkLst>
+            <pc:docMk/>
+            <pc:sldMk cId="0" sldId="264"/>
+            <ac:spMk id="9" creationId="{00000000-0000-0000-0000-000000000000}"/>
+          </ac:spMkLst>
+        </pc:spChg>
+        <pc:spChg chg="mod">
+          <ac:chgData name="최창환" userId="e7bece8d-0b00-46eb-a3f5-00c7562d57af" providerId="ADAL" clId="{1D185AE2-2488-4666-B60E-552A758BAD94}" dt="2022-05-29T10:17:14.972" v="68" actId="2711"/>
+          <ac:spMkLst>
+            <pc:docMk/>
+            <pc:sldMk cId="0" sldId="264"/>
+            <ac:spMk id="10" creationId="{00000000-0000-0000-0000-000000000000}"/>
+          </ac:spMkLst>
+        </pc:spChg>
+        <pc:spChg chg="mod">
+          <ac:chgData name="최창환" userId="e7bece8d-0b00-46eb-a3f5-00c7562d57af" providerId="ADAL" clId="{1D185AE2-2488-4666-B60E-552A758BAD94}" dt="2022-05-29T10:17:14.972" v="68" actId="2711"/>
+          <ac:spMkLst>
+            <pc:docMk/>
+            <pc:sldMk cId="0" sldId="264"/>
+            <ac:spMk id="11" creationId="{00000000-0000-0000-0000-000000000000}"/>
+          </ac:spMkLst>
+        </pc:spChg>
+        <pc:spChg chg="mod">
+          <ac:chgData name="최창환" userId="e7bece8d-0b00-46eb-a3f5-00c7562d57af" providerId="ADAL" clId="{1D185AE2-2488-4666-B60E-552A758BAD94}" dt="2022-05-29T10:17:14.972" v="68" actId="2711"/>
+          <ac:spMkLst>
+            <pc:docMk/>
+            <pc:sldMk cId="0" sldId="264"/>
+            <ac:spMk id="12" creationId="{00000000-0000-0000-0000-000000000000}"/>
+          </ac:spMkLst>
+        </pc:spChg>
+      </pc:sldChg>
+      <pc:sldChg chg="modSp mod">
+        <pc:chgData name="최창환" userId="e7bece8d-0b00-46eb-a3f5-00c7562d57af" providerId="ADAL" clId="{1D185AE2-2488-4666-B60E-552A758BAD94}" dt="2022-05-29T10:17:36.403" v="78" actId="1076"/>
         <pc:sldMkLst>
           <pc:docMk/>
           <pc:sldMk cId="0" sldId="265"/>
         </pc:sldMkLst>
         <pc:spChg chg="mod">
-          <ac:chgData name="최창환" userId="e7bece8d-0b00-46eb-a3f5-00c7562d57af" providerId="ADAL" clId="{1D185AE2-2488-4666-B60E-552A758BAD94}" dt="2022-05-29T10:07:09.277" v="11" actId="2710"/>
+          <ac:chgData name="최창환" userId="e7bece8d-0b00-46eb-a3f5-00c7562d57af" providerId="ADAL" clId="{1D185AE2-2488-4666-B60E-552A758BAD94}" dt="2022-05-29T10:17:20.696" v="69" actId="2711"/>
+          <ac:spMkLst>
+            <pc:docMk/>
+            <pc:sldMk cId="0" sldId="265"/>
+            <ac:spMk id="2" creationId="{00000000-0000-0000-0000-000000000000}"/>
+          </ac:spMkLst>
+        </pc:spChg>
+        <pc:spChg chg="mod">
+          <ac:chgData name="최창환" userId="e7bece8d-0b00-46eb-a3f5-00c7562d57af" providerId="ADAL" clId="{1D185AE2-2488-4666-B60E-552A758BAD94}" dt="2022-05-29T10:17:20.696" v="69" actId="2711"/>
           <ac:spMkLst>
             <pc:docMk/>
             <pc:sldMk cId="0" sldId="265"/>
@@ -249,7 +645,7 @@
           </ac:spMkLst>
         </pc:spChg>
         <pc:spChg chg="mod">
-          <ac:chgData name="최창환" userId="e7bece8d-0b00-46eb-a3f5-00c7562d57af" providerId="ADAL" clId="{1D185AE2-2488-4666-B60E-552A758BAD94}" dt="2022-05-29T10:07:17.069" v="14" actId="1076"/>
+          <ac:chgData name="최창환" userId="e7bece8d-0b00-46eb-a3f5-00c7562d57af" providerId="ADAL" clId="{1D185AE2-2488-4666-B60E-552A758BAD94}" dt="2022-05-29T10:17:20.696" v="69" actId="2711"/>
           <ac:spMkLst>
             <pc:docMk/>
             <pc:sldMk cId="0" sldId="265"/>
@@ -257,22 +653,101 @@
           </ac:spMkLst>
         </pc:spChg>
         <pc:spChg chg="mod">
-          <ac:chgData name="최창환" userId="e7bece8d-0b00-46eb-a3f5-00c7562d57af" providerId="ADAL" clId="{1D185AE2-2488-4666-B60E-552A758BAD94}" dt="2022-05-29T10:07:43.786" v="21" actId="5793"/>
+          <ac:chgData name="최창환" userId="e7bece8d-0b00-46eb-a3f5-00c7562d57af" providerId="ADAL" clId="{1D185AE2-2488-4666-B60E-552A758BAD94}" dt="2022-05-29T10:17:20.696" v="69" actId="2711"/>
+          <ac:spMkLst>
+            <pc:docMk/>
+            <pc:sldMk cId="0" sldId="265"/>
+            <ac:spMk id="8" creationId="{00000000-0000-0000-0000-000000000000}"/>
+          </ac:spMkLst>
+        </pc:spChg>
+        <pc:spChg chg="mod">
+          <ac:chgData name="최창환" userId="e7bece8d-0b00-46eb-a3f5-00c7562d57af" providerId="ADAL" clId="{1D185AE2-2488-4666-B60E-552A758BAD94}" dt="2022-05-29T10:17:20.696" v="69" actId="2711"/>
+          <ac:spMkLst>
+            <pc:docMk/>
+            <pc:sldMk cId="0" sldId="265"/>
+            <ac:spMk id="12" creationId="{00000000-0000-0000-0000-000000000000}"/>
+          </ac:spMkLst>
+        </pc:spChg>
+        <pc:spChg chg="mod">
+          <ac:chgData name="최창환" userId="e7bece8d-0b00-46eb-a3f5-00c7562d57af" providerId="ADAL" clId="{1D185AE2-2488-4666-B60E-552A758BAD94}" dt="2022-05-29T10:17:20.696" v="69" actId="2711"/>
+          <ac:spMkLst>
+            <pc:docMk/>
+            <pc:sldMk cId="0" sldId="265"/>
+            <ac:spMk id="13" creationId="{00000000-0000-0000-0000-000000000000}"/>
+          </ac:spMkLst>
+        </pc:spChg>
+        <pc:spChg chg="mod">
+          <ac:chgData name="최창환" userId="e7bece8d-0b00-46eb-a3f5-00c7562d57af" providerId="ADAL" clId="{1D185AE2-2488-4666-B60E-552A758BAD94}" dt="2022-05-29T10:17:20.696" v="69" actId="2711"/>
+          <ac:spMkLst>
+            <pc:docMk/>
+            <pc:sldMk cId="0" sldId="265"/>
+            <ac:spMk id="14" creationId="{00000000-0000-0000-0000-000000000000}"/>
+          </ac:spMkLst>
+        </pc:spChg>
+        <pc:spChg chg="mod">
+          <ac:chgData name="최창환" userId="e7bece8d-0b00-46eb-a3f5-00c7562d57af" providerId="ADAL" clId="{1D185AE2-2488-4666-B60E-552A758BAD94}" dt="2022-05-29T10:17:20.696" v="69" actId="2711"/>
           <ac:spMkLst>
             <pc:docMk/>
             <pc:sldMk cId="0" sldId="265"/>
             <ac:spMk id="21" creationId="{00000000-0000-0000-0000-000000000000}"/>
           </ac:spMkLst>
         </pc:spChg>
+        <pc:grpChg chg="mod">
+          <ac:chgData name="최창환" userId="e7bece8d-0b00-46eb-a3f5-00c7562d57af" providerId="ADAL" clId="{1D185AE2-2488-4666-B60E-552A758BAD94}" dt="2022-05-29T10:17:36.403" v="78" actId="1076"/>
+          <ac:grpSpMkLst>
+            <pc:docMk/>
+            <pc:sldMk cId="0" sldId="265"/>
+            <ac:grpSpMk id="1003" creationId="{00000000-0000-0000-0000-000000000000}"/>
+          </ac:grpSpMkLst>
+        </pc:grpChg>
+        <pc:grpChg chg="mod">
+          <ac:chgData name="최창환" userId="e7bece8d-0b00-46eb-a3f5-00c7562d57af" providerId="ADAL" clId="{1D185AE2-2488-4666-B60E-552A758BAD94}" dt="2022-05-29T10:17:34.929" v="77" actId="1076"/>
+          <ac:grpSpMkLst>
+            <pc:docMk/>
+            <pc:sldMk cId="0" sldId="265"/>
+            <ac:grpSpMk id="1004" creationId="{00000000-0000-0000-0000-000000000000}"/>
+          </ac:grpSpMkLst>
+        </pc:grpChg>
       </pc:sldChg>
-      <pc:sldChg chg="modSp mod">
-        <pc:chgData name="최창환" userId="e7bece8d-0b00-46eb-a3f5-00c7562d57af" providerId="ADAL" clId="{1D185AE2-2488-4666-B60E-552A758BAD94}" dt="2022-05-29T10:08:16.541" v="23" actId="255"/>
+      <pc:sldChg chg="delSp modSp mod">
+        <pc:chgData name="최창환" userId="e7bece8d-0b00-46eb-a3f5-00c7562d57af" providerId="ADAL" clId="{1D185AE2-2488-4666-B60E-552A758BAD94}" dt="2022-05-29T10:17:50.246" v="81" actId="478"/>
+        <pc:sldMkLst>
+          <pc:docMk/>
+          <pc:sldMk cId="0" sldId="266"/>
+        </pc:sldMkLst>
+        <pc:spChg chg="mod">
+          <ac:chgData name="최창환" userId="e7bece8d-0b00-46eb-a3f5-00c7562d57af" providerId="ADAL" clId="{1D185AE2-2488-4666-B60E-552A758BAD94}" dt="2022-05-29T10:17:47.830" v="80" actId="2711"/>
+          <ac:spMkLst>
+            <pc:docMk/>
+            <pc:sldMk cId="0" sldId="266"/>
+            <ac:spMk id="2" creationId="{00000000-0000-0000-0000-000000000000}"/>
+          </ac:spMkLst>
+        </pc:spChg>
+        <pc:spChg chg="del mod">
+          <ac:chgData name="최창환" userId="e7bece8d-0b00-46eb-a3f5-00c7562d57af" providerId="ADAL" clId="{1D185AE2-2488-4666-B60E-552A758BAD94}" dt="2022-05-29T10:17:50.246" v="81" actId="478"/>
+          <ac:spMkLst>
+            <pc:docMk/>
+            <pc:sldMk cId="0" sldId="266"/>
+            <ac:spMk id="9" creationId="{00000000-0000-0000-0000-000000000000}"/>
+          </ac:spMkLst>
+        </pc:spChg>
+      </pc:sldChg>
+      <pc:sldChg chg="addSp delSp modSp mod">
+        <pc:chgData name="최창환" userId="e7bece8d-0b00-46eb-a3f5-00c7562d57af" providerId="ADAL" clId="{1D185AE2-2488-4666-B60E-552A758BAD94}" dt="2022-05-29T10:18:01.899" v="85" actId="478"/>
         <pc:sldMkLst>
           <pc:docMk/>
           <pc:sldMk cId="0" sldId="267"/>
         </pc:sldMkLst>
-        <pc:spChg chg="mod">
-          <ac:chgData name="최창환" userId="e7bece8d-0b00-46eb-a3f5-00c7562d57af" providerId="ADAL" clId="{1D185AE2-2488-4666-B60E-552A758BAD94}" dt="2022-05-29T10:08:16.541" v="23" actId="255"/>
+        <pc:spChg chg="add del">
+          <ac:chgData name="최창환" userId="e7bece8d-0b00-46eb-a3f5-00c7562d57af" providerId="ADAL" clId="{1D185AE2-2488-4666-B60E-552A758BAD94}" dt="2022-05-29T10:18:01.899" v="85" actId="478"/>
+          <ac:spMkLst>
+            <pc:docMk/>
+            <pc:sldMk cId="0" sldId="267"/>
+            <ac:spMk id="2" creationId="{00000000-0000-0000-0000-000000000000}"/>
+          </ac:spMkLst>
+        </pc:spChg>
+        <pc:spChg chg="add del mod">
+          <ac:chgData name="최창환" userId="e7bece8d-0b00-46eb-a3f5-00c7562d57af" providerId="ADAL" clId="{1D185AE2-2488-4666-B60E-552A758BAD94}" dt="2022-05-29T10:18:00.523" v="84" actId="478"/>
           <ac:spMkLst>
             <pc:docMk/>
             <pc:sldMk cId="0" sldId="267"/>
@@ -3211,7 +3686,7 @@
         <p:spPr>
           <a:xfrm>
             <a:off x="-3979152" y="4206815"/>
-            <a:ext cx="21021391" cy="1752145"/>
+            <a:ext cx="21021391" cy="1107996"/>
           </a:xfrm>
           <a:prstGeom prst="rect">
             <a:avLst/>
@@ -3226,16 +3701,20 @@
           <a:p>
             <a:pPr algn="r"/>
             <a:r>
-              <a:rPr lang="en-US" sz="6600" kern="0" spc="-300" dirty="0">
+              <a:rPr lang="en-US" sz="6600" b="1" kern="0" spc="-300" dirty="0">
                 <a:solidFill>
                   <a:srgbClr val="000000"/>
                 </a:solidFill>
-                <a:latin typeface="Gmarket Sans Medium" pitchFamily="34" charset="0"/>
+                <a:latin typeface="맑은 고딕" panose="020B0503020000020004" pitchFamily="50" charset="-127"/>
+                <a:ea typeface="맑은 고딕" panose="020B0503020000020004" pitchFamily="50" charset="-127"/>
                 <a:cs typeface="Gmarket Sans Medium" pitchFamily="34" charset="0"/>
               </a:rPr>
               <a:t>GPS를 이용한 실시간 버스정보알리미</a:t>
             </a:r>
-            <a:endParaRPr lang="en-US" dirty="0"/>
+            <a:endParaRPr lang="en-US" b="1" dirty="0">
+              <a:latin typeface="맑은 고딕" panose="020B0503020000020004" pitchFamily="50" charset="-127"/>
+              <a:ea typeface="맑은 고딕" panose="020B0503020000020004" pitchFamily="50" charset="-127"/>
+            </a:endParaRPr>
           </a:p>
         </p:txBody>
       </p:sp>
@@ -3248,7 +3727,7 @@
         <p:spPr>
           <a:xfrm>
             <a:off x="2909952" y="5380147"/>
-            <a:ext cx="13920706" cy="1480111"/>
+            <a:ext cx="13920706" cy="830997"/>
           </a:xfrm>
           <a:prstGeom prst="rect">
             <a:avLst/>
@@ -3267,12 +3746,16 @@
                 <a:solidFill>
                   <a:srgbClr val="000000"/>
                 </a:solidFill>
-                <a:latin typeface="Gmarket Sans Medium" pitchFamily="34" charset="0"/>
+                <a:latin typeface="맑은 고딕" panose="020B0503020000020004" pitchFamily="50" charset="-127"/>
+                <a:ea typeface="맑은 고딕" panose="020B0503020000020004" pitchFamily="50" charset="-127"/>
                 <a:cs typeface="Gmarket Sans Medium" pitchFamily="34" charset="0"/>
               </a:rPr>
               <a:t>종합프로젝트 I</a:t>
             </a:r>
-            <a:endParaRPr lang="en-US" dirty="0"/>
+            <a:endParaRPr lang="en-US" dirty="0">
+              <a:latin typeface="맑은 고딕" panose="020B0503020000020004" pitchFamily="50" charset="-127"/>
+              <a:ea typeface="맑은 고딕" panose="020B0503020000020004" pitchFamily="50" charset="-127"/>
+            </a:endParaRPr>
           </a:p>
         </p:txBody>
       </p:sp>
@@ -3401,8 +3884,8 @@
         </p:nvSpPr>
         <p:spPr>
           <a:xfrm rot="-16200000">
-            <a:off x="-2267088" y="7946996"/>
-            <a:ext cx="6010880" cy="434562"/>
+            <a:off x="-2208027" y="7903463"/>
+            <a:ext cx="6010880" cy="338554"/>
           </a:xfrm>
           <a:prstGeom prst="rect">
             <a:avLst/>
@@ -3420,12 +3903,16 @@
                 <a:solidFill>
                   <a:srgbClr val="000000"/>
                 </a:solidFill>
-                <a:latin typeface="S-Core Dream 3 Light" pitchFamily="34" charset="0"/>
+                <a:latin typeface="맑은 고딕" panose="020B0503020000020004" pitchFamily="50" charset="-127"/>
+                <a:ea typeface="맑은 고딕" panose="020B0503020000020004" pitchFamily="50" charset="-127"/>
                 <a:cs typeface="S-Core Dream 3 Light" pitchFamily="34" charset="0"/>
               </a:rPr>
               <a:t>종합프로젝트 I (버스커버스커_버스정보알리미)</a:t>
             </a:r>
-            <a:endParaRPr lang="en-US" dirty="0"/>
+            <a:endParaRPr lang="en-US" dirty="0">
+              <a:latin typeface="맑은 고딕" panose="020B0503020000020004" pitchFamily="50" charset="-127"/>
+              <a:ea typeface="맑은 고딕" panose="020B0503020000020004" pitchFamily="50" charset="-127"/>
+            </a:endParaRPr>
           </a:p>
         </p:txBody>
       </p:sp>
@@ -3438,7 +3925,7 @@
         <p:spPr>
           <a:xfrm>
             <a:off x="12790993" y="7119333"/>
-            <a:ext cx="5101468" cy="2699095"/>
+            <a:ext cx="5101468" cy="1699696"/>
           </a:xfrm>
           <a:prstGeom prst="rect">
             <a:avLst/>
@@ -3451,44 +3938,62 @@
           </a:bodyPr>
           <a:lstStyle/>
           <a:p>
-            <a:pPr algn="ctr"/>
+            <a:pPr algn="ctr">
+              <a:lnSpc>
+                <a:spcPct val="120000"/>
+              </a:lnSpc>
+            </a:pPr>
             <a:r>
               <a:rPr lang="en-US" sz="3000" dirty="0">
                 <a:solidFill>
                   <a:srgbClr val="000000"/>
                 </a:solidFill>
-                <a:latin typeface="Gmarket Sans Medium" pitchFamily="34" charset="0"/>
+                <a:latin typeface="맑은 고딕" panose="020B0503020000020004" pitchFamily="50" charset="-127"/>
+                <a:ea typeface="맑은 고딕" panose="020B0503020000020004" pitchFamily="50" charset="-127"/>
                 <a:cs typeface="Gmarket Sans Medium" pitchFamily="34" charset="0"/>
               </a:rPr>
               <a:t>1876003 이태환</a:t>
             </a:r>
           </a:p>
           <a:p>
-            <a:pPr algn="ctr"/>
+            <a:pPr algn="ctr">
+              <a:lnSpc>
+                <a:spcPct val="120000"/>
+              </a:lnSpc>
+            </a:pPr>
             <a:r>
               <a:rPr lang="en-US" sz="3000" dirty="0">
                 <a:solidFill>
                   <a:srgbClr val="000000"/>
                 </a:solidFill>
-                <a:latin typeface="Gmarket Sans Medium" pitchFamily="34" charset="0"/>
+                <a:latin typeface="맑은 고딕" panose="020B0503020000020004" pitchFamily="50" charset="-127"/>
+                <a:ea typeface="맑은 고딕" panose="020B0503020000020004" pitchFamily="50" charset="-127"/>
                 <a:cs typeface="Gmarket Sans Medium" pitchFamily="34" charset="0"/>
               </a:rPr>
               <a:t>1976010 김하윤</a:t>
             </a:r>
           </a:p>
           <a:p>
-            <a:pPr algn="ctr"/>
+            <a:pPr algn="ctr">
+              <a:lnSpc>
+                <a:spcPct val="120000"/>
+              </a:lnSpc>
+            </a:pPr>
             <a:r>
               <a:rPr lang="en-US" sz="3000" dirty="0">
                 <a:solidFill>
                   <a:srgbClr val="000000"/>
                 </a:solidFill>
-                <a:latin typeface="Gmarket Sans Medium" pitchFamily="34" charset="0"/>
+                <a:latin typeface="맑은 고딕" panose="020B0503020000020004" pitchFamily="50" charset="-127"/>
+                <a:ea typeface="맑은 고딕" panose="020B0503020000020004" pitchFamily="50" charset="-127"/>
                 <a:cs typeface="Gmarket Sans Medium" pitchFamily="34" charset="0"/>
               </a:rPr>
               <a:t>2123405 최창환</a:t>
             </a:r>
-            <a:endParaRPr lang="en-US" dirty="0"/>
+            <a:endParaRPr lang="en-US" dirty="0">
+              <a:latin typeface="맑은 고딕" panose="020B0503020000020004" pitchFamily="50" charset="-127"/>
+              <a:ea typeface="맑은 고딕" panose="020B0503020000020004" pitchFamily="50" charset="-127"/>
+            </a:endParaRPr>
           </a:p>
         </p:txBody>
       </p:sp>
@@ -3500,7 +4005,7 @@
         </p:nvGrpSpPr>
         <p:grpSpPr>
           <a:xfrm>
-            <a:off x="11025027" y="7456153"/>
+            <a:off x="11353800" y="7452787"/>
             <a:ext cx="2330792" cy="1125757"/>
             <a:chOff x="11025027" y="7456153"/>
             <a:chExt cx="2330792" cy="1125757"/>
@@ -3573,7 +4078,7 @@
         <p:spPr>
           <a:xfrm>
             <a:off x="-628169" y="2098059"/>
-            <a:ext cx="11289563" cy="2503934"/>
+            <a:ext cx="11289563" cy="1107996"/>
           </a:xfrm>
           <a:prstGeom prst="rect">
             <a:avLst/>
@@ -3592,7 +4097,8 @@
                 <a:solidFill>
                   <a:srgbClr val="000000"/>
                 </a:solidFill>
-                <a:latin typeface="Gmarket Sans Medium" pitchFamily="34" charset="0"/>
+                <a:latin typeface="맑은 고딕" panose="020B0503020000020004" pitchFamily="50" charset="-127"/>
+                <a:ea typeface="맑은 고딕" panose="020B0503020000020004" pitchFamily="50" charset="-127"/>
                 <a:cs typeface="Gmarket Sans Medium" pitchFamily="34" charset="0"/>
               </a:rPr>
               <a:t>개발을 하면서 어려웠던 점.</a:t>
@@ -3600,7 +4106,10 @@
           </a:p>
           <a:p>
             <a:pPr algn="ctr"/>
-            <a:endParaRPr lang="en-US" dirty="0"/>
+            <a:endParaRPr lang="en-US" dirty="0">
+              <a:latin typeface="맑은 고딕" panose="020B0503020000020004" pitchFamily="50" charset="-127"/>
+              <a:ea typeface="맑은 고딕" panose="020B0503020000020004" pitchFamily="50" charset="-127"/>
+            </a:endParaRPr>
           </a:p>
         </p:txBody>
       </p:sp>
@@ -3636,7 +4145,8 @@
                 <a:solidFill>
                   <a:srgbClr val="000000"/>
                 </a:solidFill>
-                <a:latin typeface="Gmarket Sans Medium" pitchFamily="34" charset="0"/>
+                <a:latin typeface="맑은 고딕" panose="020B0503020000020004" pitchFamily="50" charset="-127"/>
+                <a:ea typeface="맑은 고딕" panose="020B0503020000020004" pitchFamily="50" charset="-127"/>
                 <a:cs typeface="Gmarket Sans Medium" pitchFamily="34" charset="0"/>
               </a:rPr>
               <a:t>- 키트를 제작하기로 했지만, 제작 비용의 문제로 인해 만들지 못함.</a:t>
@@ -3653,7 +4163,8 @@
                 <a:solidFill>
                   <a:srgbClr val="000000"/>
                 </a:solidFill>
-                <a:latin typeface="Gmarket Sans Medium" pitchFamily="34" charset="0"/>
+                <a:latin typeface="맑은 고딕" panose="020B0503020000020004" pitchFamily="50" charset="-127"/>
+                <a:ea typeface="맑은 고딕" panose="020B0503020000020004" pitchFamily="50" charset="-127"/>
                 <a:cs typeface="Gmarket Sans Medium" pitchFamily="34" charset="0"/>
               </a:rPr>
               <a:t>- 디버깅 시간이 오래 걸리는 문제로 인해 개발을 진행하는 시간이 오래 걸림.</a:t>
@@ -3670,7 +4181,8 @@
                 <a:solidFill>
                   <a:srgbClr val="000000"/>
                 </a:solidFill>
-                <a:latin typeface="Gmarket Sans Medium" pitchFamily="34" charset="0"/>
+                <a:latin typeface="맑은 고딕" panose="020B0503020000020004" pitchFamily="50" charset="-127"/>
+                <a:ea typeface="맑은 고딕" panose="020B0503020000020004" pitchFamily="50" charset="-127"/>
                 <a:cs typeface="Gmarket Sans Medium" pitchFamily="34" charset="0"/>
               </a:rPr>
               <a:t>- 데이터를 동적으로 불러오는 과정을 진행하지 못함. (</a:t>
@@ -3680,7 +4192,8 @@
                 <a:solidFill>
                   <a:srgbClr val="FF0000"/>
                 </a:solidFill>
-                <a:latin typeface="Gmarket Sans Medium" pitchFamily="34" charset="0"/>
+                <a:latin typeface="맑은 고딕" panose="020B0503020000020004" pitchFamily="50" charset="-127"/>
+                <a:ea typeface="맑은 고딕" panose="020B0503020000020004" pitchFamily="50" charset="-127"/>
                 <a:cs typeface="Gmarket Sans Medium" pitchFamily="34" charset="0"/>
               </a:rPr>
               <a:t>하드코딩</a:t>
@@ -3690,7 +4203,8 @@
                 <a:solidFill>
                   <a:srgbClr val="000000"/>
                 </a:solidFill>
-                <a:latin typeface="Gmarket Sans Medium" pitchFamily="34" charset="0"/>
+                <a:latin typeface="맑은 고딕" panose="020B0503020000020004" pitchFamily="50" charset="-127"/>
+                <a:ea typeface="맑은 고딕" panose="020B0503020000020004" pitchFamily="50" charset="-127"/>
                 <a:cs typeface="Gmarket Sans Medium" pitchFamily="34" charset="0"/>
               </a:rPr>
               <a:t>)</a:t>
@@ -3706,7 +4220,8 @@
               <a:solidFill>
                 <a:srgbClr val="000000"/>
               </a:solidFill>
-              <a:latin typeface="Gmarket Sans Medium" pitchFamily="34" charset="0"/>
+              <a:latin typeface="맑은 고딕" panose="020B0503020000020004" pitchFamily="50" charset="-127"/>
+              <a:ea typeface="맑은 고딕" panose="020B0503020000020004" pitchFamily="50" charset="-127"/>
               <a:cs typeface="Gmarket Sans Medium" pitchFamily="34" charset="0"/>
             </a:endParaRPr>
           </a:p>
@@ -3716,7 +4231,10 @@
                 <a:spcPct val="150000"/>
               </a:lnSpc>
             </a:pPr>
-            <a:endParaRPr lang="en-US" dirty="0"/>
+            <a:endParaRPr lang="en-US" dirty="0">
+              <a:latin typeface="맑은 고딕" panose="020B0503020000020004" pitchFamily="50" charset="-127"/>
+              <a:ea typeface="맑은 고딕" panose="020B0503020000020004" pitchFamily="50" charset="-127"/>
+            </a:endParaRPr>
           </a:p>
         </p:txBody>
       </p:sp>
@@ -3729,7 +4247,7 @@
         <p:spPr>
           <a:xfrm>
             <a:off x="388725" y="5299277"/>
-            <a:ext cx="6191362" cy="2503934"/>
+            <a:ext cx="6191362" cy="1107996"/>
           </a:xfrm>
           <a:prstGeom prst="rect">
             <a:avLst/>
@@ -3748,7 +4266,8 @@
                 <a:solidFill>
                   <a:srgbClr val="000000"/>
                 </a:solidFill>
-                <a:latin typeface="Gmarket Sans Medium" pitchFamily="34" charset="0"/>
+                <a:latin typeface="맑은 고딕" panose="020B0503020000020004" pitchFamily="50" charset="-127"/>
+                <a:ea typeface="맑은 고딕" panose="020B0503020000020004" pitchFamily="50" charset="-127"/>
                 <a:cs typeface="Gmarket Sans Medium" pitchFamily="34" charset="0"/>
               </a:rPr>
               <a:t>전체적인 소감</a:t>
@@ -3756,7 +4275,10 @@
           </a:p>
           <a:p>
             <a:pPr algn="ctr"/>
-            <a:endParaRPr lang="en-US" dirty="0"/>
+            <a:endParaRPr lang="en-US" dirty="0">
+              <a:latin typeface="맑은 고딕" panose="020B0503020000020004" pitchFamily="50" charset="-127"/>
+              <a:ea typeface="맑은 고딕" panose="020B0503020000020004" pitchFamily="50" charset="-127"/>
+            </a:endParaRPr>
           </a:p>
         </p:txBody>
       </p:sp>
@@ -3808,7 +4330,7 @@
         <p:spPr>
           <a:xfrm>
             <a:off x="1420619" y="751674"/>
-            <a:ext cx="5393990" cy="769544"/>
+            <a:ext cx="5393990" cy="477054"/>
           </a:xfrm>
           <a:prstGeom prst="rect">
             <a:avLst/>
@@ -3826,12 +4348,16 @@
                 <a:solidFill>
                   <a:srgbClr val="FFFFFF"/>
                 </a:solidFill>
-                <a:latin typeface="Gmarket Sans Medium" pitchFamily="34" charset="0"/>
+                <a:latin typeface="맑은 고딕" panose="020B0503020000020004" pitchFamily="50" charset="-127"/>
+                <a:ea typeface="맑은 고딕" panose="020B0503020000020004" pitchFamily="50" charset="-127"/>
                 <a:cs typeface="Gmarket Sans Medium" pitchFamily="34" charset="0"/>
               </a:rPr>
               <a:t>프로젝트 결론</a:t>
             </a:r>
-            <a:endParaRPr lang="en-US" dirty="0"/>
+            <a:endParaRPr lang="en-US" dirty="0">
+              <a:latin typeface="맑은 고딕" panose="020B0503020000020004" pitchFamily="50" charset="-127"/>
+              <a:ea typeface="맑은 고딕" panose="020B0503020000020004" pitchFamily="50" charset="-127"/>
+            </a:endParaRPr>
           </a:p>
         </p:txBody>
       </p:sp>
@@ -3883,7 +4409,7 @@
         <p:spPr>
           <a:xfrm>
             <a:off x="511511" y="719270"/>
-            <a:ext cx="661976" cy="253288"/>
+            <a:ext cx="661976" cy="230832"/>
           </a:xfrm>
           <a:prstGeom prst="rect">
             <a:avLst/>
@@ -3902,12 +4428,16 @@
                 <a:solidFill>
                   <a:srgbClr val="FFFFFF"/>
                 </a:solidFill>
-                <a:latin typeface="Gmarket Sans Medium" pitchFamily="34" charset="0"/>
+                <a:latin typeface="맑은 고딕" panose="020B0503020000020004" pitchFamily="50" charset="-127"/>
+                <a:ea typeface="맑은 고딕" panose="020B0503020000020004" pitchFamily="50" charset="-127"/>
                 <a:cs typeface="Gmarket Sans Medium" pitchFamily="34" charset="0"/>
               </a:rPr>
               <a:t>PART</a:t>
             </a:r>
-            <a:endParaRPr lang="en-US" dirty="0"/>
+            <a:endParaRPr lang="en-US" dirty="0">
+              <a:latin typeface="맑은 고딕" panose="020B0503020000020004" pitchFamily="50" charset="-127"/>
+              <a:ea typeface="맑은 고딕" panose="020B0503020000020004" pitchFamily="50" charset="-127"/>
+            </a:endParaRPr>
           </a:p>
         </p:txBody>
       </p:sp>
@@ -3920,7 +4450,7 @@
         <p:spPr>
           <a:xfrm>
             <a:off x="374360" y="846012"/>
-            <a:ext cx="963245" cy="721320"/>
+            <a:ext cx="963245" cy="507831"/>
           </a:xfrm>
           <a:prstGeom prst="rect">
             <a:avLst/>
@@ -3939,12 +4469,16 @@
                 <a:solidFill>
                   <a:srgbClr val="FFFFFF"/>
                 </a:solidFill>
-                <a:latin typeface="Gmarket Sans Medium" pitchFamily="34" charset="0"/>
+                <a:latin typeface="맑은 고딕" panose="020B0503020000020004" pitchFamily="50" charset="-127"/>
+                <a:ea typeface="맑은 고딕" panose="020B0503020000020004" pitchFamily="50" charset="-127"/>
                 <a:cs typeface="Gmarket Sans Medium" pitchFamily="34" charset="0"/>
               </a:rPr>
               <a:t>03</a:t>
             </a:r>
-            <a:endParaRPr lang="en-US" dirty="0"/>
+            <a:endParaRPr lang="en-US" dirty="0">
+              <a:latin typeface="맑은 고딕" panose="020B0503020000020004" pitchFamily="50" charset="-127"/>
+              <a:ea typeface="맑은 고딕" panose="020B0503020000020004" pitchFamily="50" charset="-127"/>
+            </a:endParaRPr>
           </a:p>
         </p:txBody>
       </p:sp>
@@ -3957,7 +4491,7 @@
         <p:spPr>
           <a:xfrm>
             <a:off x="11333283" y="843660"/>
-            <a:ext cx="6529083" cy="434856"/>
+            <a:ext cx="6529083" cy="338554"/>
           </a:xfrm>
           <a:prstGeom prst="rect">
             <a:avLst/>
@@ -3976,12 +4510,16 @@
                 <a:solidFill>
                   <a:srgbClr val="FFFFFF"/>
                 </a:solidFill>
-                <a:latin typeface="Gmarket Sans Medium" pitchFamily="34" charset="0"/>
+                <a:latin typeface="맑은 고딕" panose="020B0503020000020004" pitchFamily="50" charset="-127"/>
+                <a:ea typeface="맑은 고딕" panose="020B0503020000020004" pitchFamily="50" charset="-127"/>
                 <a:cs typeface="Gmarket Sans Medium" pitchFamily="34" charset="0"/>
               </a:rPr>
               <a:t>GPS를 이용한 실시간 버스정보알리미</a:t>
             </a:r>
-            <a:endParaRPr lang="en-US" dirty="0"/>
+            <a:endParaRPr lang="en-US" dirty="0">
+              <a:latin typeface="맑은 고딕" panose="020B0503020000020004" pitchFamily="50" charset="-127"/>
+              <a:ea typeface="맑은 고딕" panose="020B0503020000020004" pitchFamily="50" charset="-127"/>
+            </a:endParaRPr>
           </a:p>
         </p:txBody>
       </p:sp>
@@ -3993,7 +4531,7 @@
         </p:nvGrpSpPr>
         <p:grpSpPr>
           <a:xfrm>
-            <a:off x="14789940" y="2904056"/>
+            <a:off x="14392631" y="6393941"/>
             <a:ext cx="2395903" cy="2157127"/>
             <a:chOff x="14789940" y="2904056"/>
             <a:chExt cx="2395903" cy="2157127"/>
@@ -4032,7 +4570,7 @@
         </p:nvGrpSpPr>
         <p:grpSpPr>
           <a:xfrm>
-            <a:off x="12430632" y="2703342"/>
+            <a:off x="14597824" y="2810755"/>
             <a:ext cx="1985518" cy="2439515"/>
             <a:chOff x="12430632" y="2703342"/>
             <a:chExt cx="1985518" cy="2439515"/>
@@ -4085,79 +4623,65 @@
           </a:bodyPr>
           <a:lstStyle/>
           <a:p>
-            <a:pPr marL="342900" indent="-342900">
-              <a:lnSpc>
-                <a:spcPct val="150000"/>
-              </a:lnSpc>
-              <a:buFontTx/>
-              <a:buChar char="-"/>
-            </a:pPr>
-            <a:r>
-              <a:rPr lang="en-US" sz="2400" dirty="0" err="1">
-                <a:solidFill>
-                  <a:srgbClr val="000000"/>
-                </a:solidFill>
-                <a:latin typeface="Gmarket Sans Medium" pitchFamily="34" charset="0"/>
-                <a:cs typeface="Gmarket Sans Medium" pitchFamily="34" charset="0"/>
-              </a:rPr>
-              <a:t>아두이노를</a:t>
-            </a:r>
-            <a:r>
-              <a:rPr lang="en-US" sz="2400" dirty="0">
-                <a:solidFill>
-                  <a:srgbClr val="000000"/>
-                </a:solidFill>
-                <a:latin typeface="Gmarket Sans Medium" pitchFamily="34" charset="0"/>
-                <a:cs typeface="Gmarket Sans Medium" pitchFamily="34" charset="0"/>
-              </a:rPr>
-              <a:t> 이용해 개발 프로젝트를 </a:t>
-            </a:r>
-            <a:r>
-              <a:rPr lang="en-US" sz="2400" dirty="0" err="1">
-                <a:solidFill>
-                  <a:srgbClr val="000000"/>
-                </a:solidFill>
-                <a:latin typeface="Gmarket Sans Medium" pitchFamily="34" charset="0"/>
-                <a:cs typeface="Gmarket Sans Medium" pitchFamily="34" charset="0"/>
-              </a:rPr>
-              <a:t>진행하면서</a:t>
-            </a:r>
-            <a:r>
-              <a:rPr lang="en-US" sz="2400" dirty="0">
-                <a:solidFill>
-                  <a:srgbClr val="000000"/>
-                </a:solidFill>
-                <a:latin typeface="Gmarket Sans Medium" pitchFamily="34" charset="0"/>
-                <a:cs typeface="Gmarket Sans Medium" pitchFamily="34" charset="0"/>
-              </a:rPr>
-              <a:t> </a:t>
-            </a:r>
-          </a:p>
-          <a:p>
             <a:pPr>
               <a:lnSpc>
                 <a:spcPct val="150000"/>
               </a:lnSpc>
             </a:pPr>
             <a:r>
+              <a:rPr lang="en-US" sz="2400" dirty="0">
+                <a:solidFill>
+                  <a:srgbClr val="000000"/>
+                </a:solidFill>
+                <a:latin typeface="맑은 고딕" panose="020B0503020000020004" pitchFamily="50" charset="-127"/>
+                <a:ea typeface="맑은 고딕" panose="020B0503020000020004" pitchFamily="50" charset="-127"/>
+                <a:cs typeface="Gmarket Sans Medium" pitchFamily="34" charset="0"/>
+              </a:rPr>
+              <a:t>- </a:t>
+            </a:r>
+            <a:r>
               <a:rPr lang="en-US" sz="2400" dirty="0" err="1">
                 <a:solidFill>
                   <a:srgbClr val="000000"/>
                 </a:solidFill>
-                <a:latin typeface="Gmarket Sans Medium" pitchFamily="34" charset="0"/>
-                <a:cs typeface="Gmarket Sans Medium" pitchFamily="34" charset="0"/>
-              </a:rPr>
-              <a:t>임베디드</a:t>
+                <a:latin typeface="맑은 고딕" panose="020B0503020000020004" pitchFamily="50" charset="-127"/>
+                <a:ea typeface="맑은 고딕" panose="020B0503020000020004" pitchFamily="50" charset="-127"/>
+                <a:cs typeface="Gmarket Sans Medium" pitchFamily="34" charset="0"/>
+              </a:rPr>
+              <a:t>아두이노를</a:t>
             </a:r>
             <a:r>
               <a:rPr lang="en-US" sz="2400" dirty="0">
                 <a:solidFill>
                   <a:srgbClr val="000000"/>
                 </a:solidFill>
-                <a:latin typeface="Gmarket Sans Medium" pitchFamily="34" charset="0"/>
-                <a:cs typeface="Gmarket Sans Medium" pitchFamily="34" charset="0"/>
-              </a:rPr>
-              <a:t> 소프트웨어 개발자의 고충을 알게되는 간접적인 경험을 해볼 수 있었음.</a:t>
+                <a:latin typeface="맑은 고딕" panose="020B0503020000020004" pitchFamily="50" charset="-127"/>
+                <a:ea typeface="맑은 고딕" panose="020B0503020000020004" pitchFamily="50" charset="-127"/>
+                <a:cs typeface="Gmarket Sans Medium" pitchFamily="34" charset="0"/>
+              </a:rPr>
+              <a:t> 이용해 개발 프로젝트를 </a:t>
+            </a:r>
+            <a:r>
+              <a:rPr lang="en-US" sz="2400" dirty="0" err="1">
+                <a:solidFill>
+                  <a:srgbClr val="000000"/>
+                </a:solidFill>
+                <a:latin typeface="맑은 고딕" panose="020B0503020000020004" pitchFamily="50" charset="-127"/>
+                <a:ea typeface="맑은 고딕" panose="020B0503020000020004" pitchFamily="50" charset="-127"/>
+                <a:cs typeface="Gmarket Sans Medium" pitchFamily="34" charset="0"/>
+              </a:rPr>
+              <a:t>진행하면서</a:t>
+            </a:r>
+            <a:r>
+              <a:rPr lang="en-US" sz="2400" dirty="0">
+                <a:solidFill>
+                  <a:srgbClr val="000000"/>
+                </a:solidFill>
+                <a:latin typeface="맑은 고딕" panose="020B0503020000020004" pitchFamily="50" charset="-127"/>
+                <a:ea typeface="맑은 고딕" panose="020B0503020000020004" pitchFamily="50" charset="-127"/>
+                <a:cs typeface="Gmarket Sans Medium" pitchFamily="34" charset="0"/>
+              </a:rPr>
+              <a:t> </a:t>
             </a:r>
           </a:p>
           <a:p>
@@ -4167,14 +4691,26 @@
               </a:lnSpc>
             </a:pPr>
             <a:r>
+              <a:rPr lang="en-US" sz="2400" dirty="0" err="1">
+                <a:solidFill>
+                  <a:srgbClr val="000000"/>
+                </a:solidFill>
+                <a:latin typeface="맑은 고딕" panose="020B0503020000020004" pitchFamily="50" charset="-127"/>
+                <a:ea typeface="맑은 고딕" panose="020B0503020000020004" pitchFamily="50" charset="-127"/>
+                <a:cs typeface="Gmarket Sans Medium" pitchFamily="34" charset="0"/>
+              </a:rPr>
+              <a:t>임베디드</a:t>
+            </a:r>
+            <a:r>
               <a:rPr lang="en-US" sz="2400" dirty="0">
                 <a:solidFill>
                   <a:srgbClr val="000000"/>
                 </a:solidFill>
-                <a:latin typeface="Gmarket Sans Medium" pitchFamily="34" charset="0"/>
-                <a:cs typeface="Gmarket Sans Medium" pitchFamily="34" charset="0"/>
-              </a:rPr>
-              <a:t>(C++ 코드 난이도(상), 라이브러리(부족), 기술문서 전부 영어)</a:t>
+                <a:latin typeface="맑은 고딕" panose="020B0503020000020004" pitchFamily="50" charset="-127"/>
+                <a:ea typeface="맑은 고딕" panose="020B0503020000020004" pitchFamily="50" charset="-127"/>
+                <a:cs typeface="Gmarket Sans Medium" pitchFamily="34" charset="0"/>
+              </a:rPr>
+              <a:t> 소프트웨어 개발자의 고충을 알게되는 간접적인 경험을 해볼 수 있었음.</a:t>
             </a:r>
           </a:p>
           <a:p>
@@ -4188,7 +4724,26 @@
                 <a:solidFill>
                   <a:srgbClr val="000000"/>
                 </a:solidFill>
-                <a:latin typeface="Gmarket Sans Medium" pitchFamily="34" charset="0"/>
+                <a:latin typeface="맑은 고딕" panose="020B0503020000020004" pitchFamily="50" charset="-127"/>
+                <a:ea typeface="맑은 고딕" panose="020B0503020000020004" pitchFamily="50" charset="-127"/>
+                <a:cs typeface="Gmarket Sans Medium" pitchFamily="34" charset="0"/>
+              </a:rPr>
+              <a:t>(C++ 코드 난이도(상), 라이브러리(부족), 기술문서 전부 영어)</a:t>
+            </a:r>
+          </a:p>
+          <a:p>
+            <a:pPr>
+              <a:lnSpc>
+                <a:spcPct val="150000"/>
+              </a:lnSpc>
+            </a:pPr>
+            <a:r>
+              <a:rPr lang="en-US" sz="2400" dirty="0">
+                <a:solidFill>
+                  <a:srgbClr val="000000"/>
+                </a:solidFill>
+                <a:latin typeface="맑은 고딕" panose="020B0503020000020004" pitchFamily="50" charset="-127"/>
+                <a:ea typeface="맑은 고딕" panose="020B0503020000020004" pitchFamily="50" charset="-127"/>
                 <a:cs typeface="Gmarket Sans Medium" pitchFamily="34" charset="0"/>
               </a:rPr>
               <a:t>- 아두이노 개발 환경에 익숙하지 못해 원래 프로젝트 목표 구현을 실패한 것이 아쉽다.</a:t>
@@ -4204,7 +4759,8 @@
               <a:solidFill>
                 <a:srgbClr val="000000"/>
               </a:solidFill>
-              <a:latin typeface="Gmarket Sans Medium" pitchFamily="34" charset="0"/>
+              <a:latin typeface="맑은 고딕" panose="020B0503020000020004" pitchFamily="50" charset="-127"/>
+              <a:ea typeface="맑은 고딕" panose="020B0503020000020004" pitchFamily="50" charset="-127"/>
               <a:cs typeface="Gmarket Sans Medium" pitchFamily="34" charset="0"/>
             </a:endParaRPr>
           </a:p>
@@ -4214,7 +4770,10 @@
                 <a:spcPct val="150000"/>
               </a:lnSpc>
             </a:pPr>
-            <a:endParaRPr lang="en-US" dirty="0"/>
+            <a:endParaRPr lang="en-US" dirty="0">
+              <a:latin typeface="맑은 고딕" panose="020B0503020000020004" pitchFamily="50" charset="-127"/>
+              <a:ea typeface="맑은 고딕" panose="020B0503020000020004" pitchFamily="50" charset="-127"/>
+            </a:endParaRPr>
           </a:p>
         </p:txBody>
       </p:sp>
@@ -4260,7 +4819,7 @@
         <p:spPr>
           <a:xfrm>
             <a:off x="3141370" y="4102086"/>
-            <a:ext cx="12002981" cy="2503885"/>
+            <a:ext cx="12002981" cy="1354217"/>
           </a:xfrm>
           <a:prstGeom prst="rect">
             <a:avLst/>
@@ -4279,12 +4838,16 @@
                 <a:solidFill>
                   <a:srgbClr val="000000"/>
                 </a:solidFill>
-                <a:latin typeface="Gmarket Sans Bold" pitchFamily="34" charset="0"/>
+                <a:latin typeface="맑은 고딕" panose="020B0503020000020004" pitchFamily="50" charset="-127"/>
+                <a:ea typeface="맑은 고딕" panose="020B0503020000020004" pitchFamily="50" charset="-127"/>
                 <a:cs typeface="Gmarket Sans Bold" pitchFamily="34" charset="0"/>
               </a:rPr>
               <a:t>Thank you!</a:t>
             </a:r>
-            <a:endParaRPr lang="en-US" dirty="0"/>
+            <a:endParaRPr lang="en-US" dirty="0">
+              <a:latin typeface="맑은 고딕" panose="020B0503020000020004" pitchFamily="50" charset="-127"/>
+              <a:ea typeface="맑은 고딕" panose="020B0503020000020004" pitchFamily="50" charset="-127"/>
+            </a:endParaRPr>
           </a:p>
         </p:txBody>
       </p:sp>
@@ -4366,43 +4929,6 @@
           </p:spPr>
         </p:pic>
       </p:grpSp>
-      <p:sp>
-        <p:nvSpPr>
-          <p:cNvPr id="9" name="Object 9"/>
-          <p:cNvSpPr txBox="1"/>
-          <p:nvPr/>
-        </p:nvSpPr>
-        <p:spPr>
-          <a:xfrm>
-            <a:off x="11333283" y="843660"/>
-            <a:ext cx="6529083" cy="434856"/>
-          </a:xfrm>
-          <a:prstGeom prst="rect">
-            <a:avLst/>
-          </a:prstGeom>
-          <a:noFill/>
-        </p:spPr>
-        <p:txBody>
-          <a:bodyPr wrap="square" rtlCol="0" anchor="t">
-            <a:spAutoFit/>
-          </a:bodyPr>
-          <a:lstStyle/>
-          <a:p>
-            <a:pPr algn="r"/>
-            <a:r>
-              <a:rPr lang="en-US" sz="1600" kern="0" spc="-100" dirty="0">
-                <a:solidFill>
-                  <a:srgbClr val="FFFFFF"/>
-                </a:solidFill>
-                <a:latin typeface="Gmarket Sans Medium" pitchFamily="34" charset="0"/>
-                <a:cs typeface="Gmarket Sans Medium" pitchFamily="34" charset="0"/>
-              </a:rPr>
-              <a:t>GPS를 이용한 실시간 버스정보알리미</a:t>
-            </a:r>
-            <a:endParaRPr lang="en-US" dirty="0"/>
-          </a:p>
-        </p:txBody>
-      </p:sp>
     </p:spTree>
   </p:cSld>
   <p:clrMapOvr>
@@ -4438,14 +4964,14 @@
       </p:grpSpPr>
       <p:sp>
         <p:nvSpPr>
-          <p:cNvPr id="2" name="Object 2"/>
+          <p:cNvPr id="3" name="Object 3"/>
           <p:cNvSpPr txBox="1"/>
           <p:nvPr/>
         </p:nvSpPr>
         <p:spPr>
           <a:xfrm>
-            <a:off x="11333283" y="843660"/>
-            <a:ext cx="6529083" cy="434856"/>
+            <a:off x="1363434" y="1281976"/>
+            <a:ext cx="23338269" cy="6955750"/>
           </a:xfrm>
           <a:prstGeom prst="rect">
             <a:avLst/>
@@ -4458,49 +4984,13 @@
           </a:bodyPr>
           <a:lstStyle/>
           <a:p>
-            <a:pPr algn="r"/>
-            <a:r>
-              <a:rPr lang="en-US" sz="1600" kern="0" spc="-100" dirty="0">
-                <a:solidFill>
-                  <a:srgbClr val="FFFFFF"/>
-                </a:solidFill>
-                <a:latin typeface="Gmarket Sans Medium" pitchFamily="34" charset="0"/>
-                <a:cs typeface="Gmarket Sans Medium" pitchFamily="34" charset="0"/>
-              </a:rPr>
-              <a:t>GPS를 이용한 실시간 버스정보알리미</a:t>
-            </a:r>
-            <a:endParaRPr lang="en-US" dirty="0"/>
-          </a:p>
-        </p:txBody>
-      </p:sp>
-      <p:sp>
-        <p:nvSpPr>
-          <p:cNvPr id="3" name="Object 3"/>
-          <p:cNvSpPr txBox="1"/>
-          <p:nvPr/>
-        </p:nvSpPr>
-        <p:spPr>
-          <a:xfrm>
-            <a:off x="1363434" y="1281976"/>
-            <a:ext cx="23338269" cy="6955750"/>
-          </a:xfrm>
-          <a:prstGeom prst="rect">
-            <a:avLst/>
-          </a:prstGeom>
-          <a:noFill/>
-        </p:spPr>
-        <p:txBody>
-          <a:bodyPr wrap="square" rtlCol="0" anchor="t">
-            <a:spAutoFit/>
-          </a:bodyPr>
-          <a:lstStyle/>
-          <a:p>
             <a:r>
               <a:rPr lang="en-US" sz="4800" b="1" kern="0" spc="-200" dirty="0">
                 <a:solidFill>
                   <a:srgbClr val="000000"/>
                 </a:solidFill>
-                <a:latin typeface="Gmarket Sans Medium" pitchFamily="34" charset="0"/>
+                <a:latin typeface="맑은 고딕" panose="020B0503020000020004" pitchFamily="50" charset="-127"/>
+                <a:ea typeface="맑은 고딕" panose="020B0503020000020004" pitchFamily="50" charset="-127"/>
                 <a:cs typeface="Gmarket Sans Medium" pitchFamily="34" charset="0"/>
               </a:rPr>
               <a:t>참고 자료</a:t>
@@ -4511,7 +5001,8 @@
               <a:solidFill>
                 <a:srgbClr val="000000"/>
               </a:solidFill>
-              <a:latin typeface="Gmarket Sans Medium" pitchFamily="34" charset="0"/>
+              <a:latin typeface="맑은 고딕" panose="020B0503020000020004" pitchFamily="50" charset="-127"/>
+              <a:ea typeface="맑은 고딕" panose="020B0503020000020004" pitchFamily="50" charset="-127"/>
               <a:cs typeface="Gmarket Sans Medium" pitchFamily="34" charset="0"/>
             </a:endParaRPr>
           </a:p>
@@ -4526,7 +5017,8 @@
                 <a:solidFill>
                   <a:srgbClr val="000000"/>
                 </a:solidFill>
-                <a:latin typeface="Gmarket Sans Medium" pitchFamily="34" charset="0"/>
+                <a:latin typeface="맑은 고딕" panose="020B0503020000020004" pitchFamily="50" charset="-127"/>
+                <a:ea typeface="맑은 고딕" panose="020B0503020000020004" pitchFamily="50" charset="-127"/>
                 <a:cs typeface="Gmarket Sans Medium" pitchFamily="34" charset="0"/>
               </a:rPr>
               <a:t>- https://www.data.go.kr/tcs/dss/selectApiDataDetailView.do?publicDataPk=15080666</a:t>
@@ -4543,7 +5035,8 @@
                 <a:solidFill>
                   <a:srgbClr val="000000"/>
                 </a:solidFill>
-                <a:latin typeface="Gmarket Sans Medium" pitchFamily="34" charset="0"/>
+                <a:latin typeface="맑은 고딕" panose="020B0503020000020004" pitchFamily="50" charset="-127"/>
+                <a:ea typeface="맑은 고딕" panose="020B0503020000020004" pitchFamily="50" charset="-127"/>
                 <a:cs typeface="Gmarket Sans Medium" pitchFamily="34" charset="0"/>
               </a:rPr>
               <a:t>- https://www.data.go.kr/tcs/dss/selectApiDataDetailView.do?publicDataPk=15080346 </a:t>
@@ -4560,7 +5053,8 @@
                 <a:solidFill>
                   <a:srgbClr val="000000"/>
                 </a:solidFill>
-                <a:latin typeface="Gmarket Sans Medium" pitchFamily="34" charset="0"/>
+                <a:latin typeface="맑은 고딕" panose="020B0503020000020004" pitchFamily="50" charset="-127"/>
+                <a:ea typeface="맑은 고딕" panose="020B0503020000020004" pitchFamily="50" charset="-127"/>
                 <a:cs typeface="Gmarket Sans Medium" pitchFamily="34" charset="0"/>
               </a:rPr>
               <a:t>- https://www.weather.go.kr/w/index.do </a:t>
@@ -4577,7 +5071,8 @@
                 <a:solidFill>
                   <a:srgbClr val="000000"/>
                 </a:solidFill>
-                <a:latin typeface="Gmarket Sans Medium" pitchFamily="34" charset="0"/>
+                <a:latin typeface="맑은 고딕" panose="020B0503020000020004" pitchFamily="50" charset="-127"/>
+                <a:ea typeface="맑은 고딕" panose="020B0503020000020004" pitchFamily="50" charset="-127"/>
                 <a:cs typeface="Gmarket Sans Medium" pitchFamily="34" charset="0"/>
               </a:rPr>
               <a:t>- https://bota.tistory.com/1469 </a:t>
@@ -4594,7 +5089,8 @@
                 <a:solidFill>
                   <a:srgbClr val="000000"/>
                 </a:solidFill>
-                <a:latin typeface="Gmarket Sans Medium" pitchFamily="34" charset="0"/>
+                <a:latin typeface="맑은 고딕" panose="020B0503020000020004" pitchFamily="50" charset="-127"/>
+                <a:ea typeface="맑은 고딕" panose="020B0503020000020004" pitchFamily="50" charset="-127"/>
                 <a:cs typeface="Gmarket Sans Medium" pitchFamily="34" charset="0"/>
               </a:rPr>
               <a:t>- https://blog.naver.com/geniusus/221799048747 </a:t>
@@ -4611,7 +5107,8 @@
                 <a:solidFill>
                   <a:srgbClr val="000000"/>
                 </a:solidFill>
-                <a:latin typeface="Gmarket Sans Medium" pitchFamily="34" charset="0"/>
+                <a:latin typeface="맑은 고딕" panose="020B0503020000020004" pitchFamily="50" charset="-127"/>
+                <a:ea typeface="맑은 고딕" panose="020B0503020000020004" pitchFamily="50" charset="-127"/>
                 <a:cs typeface="Gmarket Sans Medium" pitchFamily="34" charset="0"/>
               </a:rPr>
               <a:t>- https://blog.naver.com/PostView.naver?isHttpsRedirect=true&amp;blogId=twophase&amp;logNo=220730309094 </a:t>
@@ -4628,7 +5125,8 @@
                 <a:solidFill>
                   <a:srgbClr val="000000"/>
                 </a:solidFill>
-                <a:latin typeface="Gmarket Sans Medium" pitchFamily="34" charset="0"/>
+                <a:latin typeface="맑은 고딕" panose="020B0503020000020004" pitchFamily="50" charset="-127"/>
+                <a:ea typeface="맑은 고딕" panose="020B0503020000020004" pitchFamily="50" charset="-127"/>
                 <a:cs typeface="Gmarket Sans Medium" pitchFamily="34" charset="0"/>
               </a:rPr>
               <a:t>- https://www.youtube.com/channel/UCV68qKnBcZ-LR5hWnzCRf_A/search?query=%EC%9B%B9 </a:t>
@@ -4645,7 +5143,8 @@
                 <a:solidFill>
                   <a:srgbClr val="000000"/>
                 </a:solidFill>
-                <a:latin typeface="Gmarket Sans Medium" pitchFamily="34" charset="0"/>
+                <a:latin typeface="맑은 고딕" panose="020B0503020000020004" pitchFamily="50" charset="-127"/>
+                <a:ea typeface="맑은 고딕" panose="020B0503020000020004" pitchFamily="50" charset="-127"/>
                 <a:cs typeface="Gmarket Sans Medium" pitchFamily="34" charset="0"/>
               </a:rPr>
               <a:t>- https://github.com/kdi6033/arduino/tree/master/1-36-Arduino%2BHtml </a:t>
@@ -4656,7 +5155,8 @@
               <a:solidFill>
                 <a:srgbClr val="000000"/>
               </a:solidFill>
-              <a:latin typeface="Gmarket Sans Medium" pitchFamily="34" charset="0"/>
+              <a:latin typeface="맑은 고딕" panose="020B0503020000020004" pitchFamily="50" charset="-127"/>
+              <a:ea typeface="맑은 고딕" panose="020B0503020000020004" pitchFamily="50" charset="-127"/>
               <a:cs typeface="Gmarket Sans Medium" pitchFamily="34" charset="0"/>
             </a:endParaRPr>
           </a:p>
@@ -4665,12 +5165,16 @@
               <a:solidFill>
                 <a:srgbClr val="000000"/>
               </a:solidFill>
-              <a:latin typeface="Gmarket Sans Medium" pitchFamily="34" charset="0"/>
+              <a:latin typeface="맑은 고딕" panose="020B0503020000020004" pitchFamily="50" charset="-127"/>
+              <a:ea typeface="맑은 고딕" panose="020B0503020000020004" pitchFamily="50" charset="-127"/>
               <a:cs typeface="Gmarket Sans Medium" pitchFamily="34" charset="0"/>
             </a:endParaRPr>
           </a:p>
           <a:p>
-            <a:endParaRPr lang="en-US" dirty="0"/>
+            <a:endParaRPr lang="en-US" dirty="0">
+              <a:latin typeface="맑은 고딕" panose="020B0503020000020004" pitchFamily="50" charset="-127"/>
+              <a:ea typeface="맑은 고딕" panose="020B0503020000020004" pitchFamily="50" charset="-127"/>
+            </a:endParaRPr>
           </a:p>
         </p:txBody>
       </p:sp>
@@ -4716,7 +5220,7 @@
         <p:spPr>
           <a:xfrm>
             <a:off x="8264406" y="908999"/>
-            <a:ext cx="2635353" cy="1830012"/>
+            <a:ext cx="2635353" cy="1154162"/>
           </a:xfrm>
           <a:prstGeom prst="rect">
             <a:avLst/>
@@ -4730,16 +5234,20 @@
           <a:lstStyle/>
           <a:p>
             <a:r>
-              <a:rPr lang="en-US" sz="6900" kern="0" spc="-300" dirty="0">
+              <a:rPr lang="en-US" sz="6900" b="1" kern="0" spc="-300" dirty="0">
                 <a:solidFill>
                   <a:srgbClr val="000000"/>
                 </a:solidFill>
-                <a:latin typeface="Gmarket Sans Medium" pitchFamily="34" charset="0"/>
+                <a:latin typeface="맑은 고딕" panose="020B0503020000020004" pitchFamily="50" charset="-127"/>
+                <a:ea typeface="맑은 고딕" panose="020B0503020000020004" pitchFamily="50" charset="-127"/>
                 <a:cs typeface="Gmarket Sans Medium" pitchFamily="34" charset="0"/>
               </a:rPr>
               <a:t>목차</a:t>
             </a:r>
-            <a:endParaRPr lang="en-US" dirty="0"/>
+            <a:endParaRPr lang="en-US" b="1" dirty="0">
+              <a:latin typeface="맑은 고딕" panose="020B0503020000020004" pitchFamily="50" charset="-127"/>
+              <a:ea typeface="맑은 고딕" panose="020B0503020000020004" pitchFamily="50" charset="-127"/>
+            </a:endParaRPr>
           </a:p>
         </p:txBody>
       </p:sp>
@@ -4752,7 +5260,7 @@
         <p:spPr>
           <a:xfrm>
             <a:off x="2789772" y="6012911"/>
-            <a:ext cx="5393990" cy="661727"/>
+            <a:ext cx="5393990" cy="477054"/>
           </a:xfrm>
           <a:prstGeom prst="rect">
             <a:avLst/>
@@ -4771,12 +5279,16 @@
                 <a:solidFill>
                   <a:srgbClr val="000000"/>
                 </a:solidFill>
-                <a:latin typeface="Gmarket Sans Medium" pitchFamily="34" charset="0"/>
+                <a:latin typeface="맑은 고딕" panose="020B0503020000020004" pitchFamily="50" charset="-127"/>
+                <a:ea typeface="맑은 고딕" panose="020B0503020000020004" pitchFamily="50" charset="-127"/>
                 <a:cs typeface="Gmarket Sans Medium" pitchFamily="34" charset="0"/>
               </a:rPr>
               <a:t>프로젝트 소개</a:t>
             </a:r>
-            <a:endParaRPr lang="en-US" dirty="0"/>
+            <a:endParaRPr lang="en-US" dirty="0">
+              <a:latin typeface="맑은 고딕" panose="020B0503020000020004" pitchFamily="50" charset="-127"/>
+              <a:ea typeface="맑은 고딕" panose="020B0503020000020004" pitchFamily="50" charset="-127"/>
+            </a:endParaRPr>
           </a:p>
         </p:txBody>
       </p:sp>
@@ -4828,7 +5340,7 @@
         <p:spPr>
           <a:xfrm>
             <a:off x="4607838" y="3730839"/>
-            <a:ext cx="1757864" cy="661727"/>
+            <a:ext cx="1757864" cy="477054"/>
           </a:xfrm>
           <a:prstGeom prst="rect">
             <a:avLst/>
@@ -4847,12 +5359,16 @@
                 <a:solidFill>
                   <a:srgbClr val="FFFFFF"/>
                 </a:solidFill>
-                <a:latin typeface="Gmarket Sans Medium" pitchFamily="34" charset="0"/>
+                <a:latin typeface="맑은 고딕" panose="020B0503020000020004" pitchFamily="50" charset="-127"/>
+                <a:ea typeface="맑은 고딕" panose="020B0503020000020004" pitchFamily="50" charset="-127"/>
                 <a:cs typeface="Gmarket Sans Medium" pitchFamily="34" charset="0"/>
               </a:rPr>
               <a:t>PART</a:t>
             </a:r>
-            <a:endParaRPr lang="en-US" dirty="0"/>
+            <a:endParaRPr lang="en-US" dirty="0">
+              <a:latin typeface="맑은 고딕" panose="020B0503020000020004" pitchFamily="50" charset="-127"/>
+              <a:ea typeface="맑은 고딕" panose="020B0503020000020004" pitchFamily="50" charset="-127"/>
+            </a:endParaRPr>
           </a:p>
         </p:txBody>
       </p:sp>
@@ -4865,7 +5381,7 @@
         <p:spPr>
           <a:xfrm>
             <a:off x="4640894" y="4067401"/>
-            <a:ext cx="1691753" cy="1888437"/>
+            <a:ext cx="1691753" cy="1184940"/>
           </a:xfrm>
           <a:prstGeom prst="rect">
             <a:avLst/>
@@ -4884,12 +5400,16 @@
                 <a:solidFill>
                   <a:srgbClr val="FFFFFF"/>
                 </a:solidFill>
-                <a:latin typeface="Gmarket Sans Medium" pitchFamily="34" charset="0"/>
+                <a:latin typeface="맑은 고딕" panose="020B0503020000020004" pitchFamily="50" charset="-127"/>
+                <a:ea typeface="맑은 고딕" panose="020B0503020000020004" pitchFamily="50" charset="-127"/>
                 <a:cs typeface="Gmarket Sans Medium" pitchFamily="34" charset="0"/>
               </a:rPr>
               <a:t>01</a:t>
             </a:r>
-            <a:endParaRPr lang="en-US" dirty="0"/>
+            <a:endParaRPr lang="en-US" dirty="0">
+              <a:latin typeface="맑은 고딕" panose="020B0503020000020004" pitchFamily="50" charset="-127"/>
+              <a:ea typeface="맑은 고딕" panose="020B0503020000020004" pitchFamily="50" charset="-127"/>
+            </a:endParaRPr>
           </a:p>
         </p:txBody>
       </p:sp>
@@ -4941,7 +5461,7 @@
         <p:spPr>
           <a:xfrm>
             <a:off x="6385772" y="5961549"/>
-            <a:ext cx="5393990" cy="661727"/>
+            <a:ext cx="5393990" cy="477054"/>
           </a:xfrm>
           <a:prstGeom prst="rect">
             <a:avLst/>
@@ -4960,12 +5480,16 @@
                 <a:solidFill>
                   <a:srgbClr val="000000"/>
                 </a:solidFill>
-                <a:latin typeface="Gmarket Sans Medium" pitchFamily="34" charset="0"/>
+                <a:latin typeface="맑은 고딕" panose="020B0503020000020004" pitchFamily="50" charset="-127"/>
+                <a:ea typeface="맑은 고딕" panose="020B0503020000020004" pitchFamily="50" charset="-127"/>
                 <a:cs typeface="Gmarket Sans Medium" pitchFamily="34" charset="0"/>
               </a:rPr>
               <a:t>프로젝트 진행과정</a:t>
             </a:r>
-            <a:endParaRPr lang="en-US" dirty="0"/>
+            <a:endParaRPr lang="en-US" dirty="0">
+              <a:latin typeface="맑은 고딕" panose="020B0503020000020004" pitchFamily="50" charset="-127"/>
+              <a:ea typeface="맑은 고딕" panose="020B0503020000020004" pitchFamily="50" charset="-127"/>
+            </a:endParaRPr>
           </a:p>
         </p:txBody>
       </p:sp>
@@ -5017,7 +5541,7 @@
         <p:spPr>
           <a:xfrm>
             <a:off x="8203831" y="3679475"/>
-            <a:ext cx="1757864" cy="661727"/>
+            <a:ext cx="1757864" cy="477054"/>
           </a:xfrm>
           <a:prstGeom prst="rect">
             <a:avLst/>
@@ -5036,12 +5560,16 @@
                 <a:solidFill>
                   <a:srgbClr val="FFFFFF"/>
                 </a:solidFill>
-                <a:latin typeface="Gmarket Sans Medium" pitchFamily="34" charset="0"/>
+                <a:latin typeface="맑은 고딕" panose="020B0503020000020004" pitchFamily="50" charset="-127"/>
+                <a:ea typeface="맑은 고딕" panose="020B0503020000020004" pitchFamily="50" charset="-127"/>
                 <a:cs typeface="Gmarket Sans Medium" pitchFamily="34" charset="0"/>
               </a:rPr>
               <a:t>PART</a:t>
             </a:r>
-            <a:endParaRPr lang="en-US" dirty="0"/>
+            <a:endParaRPr lang="en-US" dirty="0">
+              <a:latin typeface="맑은 고딕" panose="020B0503020000020004" pitchFamily="50" charset="-127"/>
+              <a:ea typeface="맑은 고딕" panose="020B0503020000020004" pitchFamily="50" charset="-127"/>
+            </a:endParaRPr>
           </a:p>
         </p:txBody>
       </p:sp>
@@ -5054,7 +5582,7 @@
         <p:spPr>
           <a:xfrm>
             <a:off x="8095218" y="4016036"/>
-            <a:ext cx="1970340" cy="1888437"/>
+            <a:ext cx="1970340" cy="1184940"/>
           </a:xfrm>
           <a:prstGeom prst="rect">
             <a:avLst/>
@@ -5073,12 +5601,16 @@
                 <a:solidFill>
                   <a:srgbClr val="FFFFFF"/>
                 </a:solidFill>
-                <a:latin typeface="Gmarket Sans Medium" pitchFamily="34" charset="0"/>
+                <a:latin typeface="맑은 고딕" panose="020B0503020000020004" pitchFamily="50" charset="-127"/>
+                <a:ea typeface="맑은 고딕" panose="020B0503020000020004" pitchFamily="50" charset="-127"/>
                 <a:cs typeface="Gmarket Sans Medium" pitchFamily="34" charset="0"/>
               </a:rPr>
               <a:t>02</a:t>
             </a:r>
-            <a:endParaRPr lang="en-US" dirty="0"/>
+            <a:endParaRPr lang="en-US" dirty="0">
+              <a:latin typeface="맑은 고딕" panose="020B0503020000020004" pitchFamily="50" charset="-127"/>
+              <a:ea typeface="맑은 고딕" panose="020B0503020000020004" pitchFamily="50" charset="-127"/>
+            </a:endParaRPr>
           </a:p>
         </p:txBody>
       </p:sp>
@@ -5130,7 +5662,7 @@
         <p:spPr>
           <a:xfrm>
             <a:off x="10101953" y="5910178"/>
-            <a:ext cx="5393990" cy="661727"/>
+            <a:ext cx="5393990" cy="477054"/>
           </a:xfrm>
           <a:prstGeom prst="rect">
             <a:avLst/>
@@ -5149,12 +5681,16 @@
                 <a:solidFill>
                   <a:srgbClr val="000000"/>
                 </a:solidFill>
-                <a:latin typeface="Gmarket Sans Medium" pitchFamily="34" charset="0"/>
+                <a:latin typeface="맑은 고딕" panose="020B0503020000020004" pitchFamily="50" charset="-127"/>
+                <a:ea typeface="맑은 고딕" panose="020B0503020000020004" pitchFamily="50" charset="-127"/>
                 <a:cs typeface="Gmarket Sans Medium" pitchFamily="34" charset="0"/>
               </a:rPr>
               <a:t>프로젝트 결론</a:t>
             </a:r>
-            <a:endParaRPr lang="en-US" dirty="0"/>
+            <a:endParaRPr lang="en-US" dirty="0">
+              <a:latin typeface="맑은 고딕" panose="020B0503020000020004" pitchFamily="50" charset="-127"/>
+              <a:ea typeface="맑은 고딕" panose="020B0503020000020004" pitchFamily="50" charset="-127"/>
+            </a:endParaRPr>
           </a:p>
         </p:txBody>
       </p:sp>
@@ -5206,7 +5742,7 @@
         <p:spPr>
           <a:xfrm>
             <a:off x="11920009" y="3628111"/>
-            <a:ext cx="1757864" cy="661727"/>
+            <a:ext cx="1757864" cy="477054"/>
           </a:xfrm>
           <a:prstGeom prst="rect">
             <a:avLst/>
@@ -5225,12 +5761,16 @@
                 <a:solidFill>
                   <a:srgbClr val="FFFFFF"/>
                 </a:solidFill>
-                <a:latin typeface="Gmarket Sans Medium" pitchFamily="34" charset="0"/>
+                <a:latin typeface="맑은 고딕" panose="020B0503020000020004" pitchFamily="50" charset="-127"/>
+                <a:ea typeface="맑은 고딕" panose="020B0503020000020004" pitchFamily="50" charset="-127"/>
                 <a:cs typeface="Gmarket Sans Medium" pitchFamily="34" charset="0"/>
               </a:rPr>
               <a:t>PART</a:t>
             </a:r>
-            <a:endParaRPr lang="en-US" dirty="0"/>
+            <a:endParaRPr lang="en-US" dirty="0">
+              <a:latin typeface="맑은 고딕" panose="020B0503020000020004" pitchFamily="50" charset="-127"/>
+              <a:ea typeface="맑은 고딕" panose="020B0503020000020004" pitchFamily="50" charset="-127"/>
+            </a:endParaRPr>
           </a:p>
         </p:txBody>
       </p:sp>
@@ -5243,7 +5783,7 @@
         <p:spPr>
           <a:xfrm>
             <a:off x="11825779" y="3964672"/>
-            <a:ext cx="1941184" cy="1888437"/>
+            <a:ext cx="1941184" cy="1184940"/>
           </a:xfrm>
           <a:prstGeom prst="rect">
             <a:avLst/>
@@ -5262,12 +5802,16 @@
                 <a:solidFill>
                   <a:srgbClr val="FFFFFF"/>
                 </a:solidFill>
-                <a:latin typeface="Gmarket Sans Medium" pitchFamily="34" charset="0"/>
+                <a:latin typeface="맑은 고딕" panose="020B0503020000020004" pitchFamily="50" charset="-127"/>
+                <a:ea typeface="맑은 고딕" panose="020B0503020000020004" pitchFamily="50" charset="-127"/>
                 <a:cs typeface="Gmarket Sans Medium" pitchFamily="34" charset="0"/>
               </a:rPr>
               <a:t>03</a:t>
             </a:r>
-            <a:endParaRPr lang="en-US" dirty="0"/>
+            <a:endParaRPr lang="en-US" dirty="0">
+              <a:latin typeface="맑은 고딕" panose="020B0503020000020004" pitchFamily="50" charset="-127"/>
+              <a:ea typeface="맑은 고딕" panose="020B0503020000020004" pitchFamily="50" charset="-127"/>
+            </a:endParaRPr>
           </a:p>
         </p:txBody>
       </p:sp>
@@ -5342,7 +5886,8 @@
                 <a:solidFill>
                   <a:srgbClr val="000000"/>
                 </a:solidFill>
-                <a:latin typeface="Gmarket Sans Medium" pitchFamily="34" charset="0"/>
+                <a:latin typeface="맑은 고딕" panose="020B0503020000020004" pitchFamily="50" charset="-127"/>
+                <a:ea typeface="맑은 고딕" panose="020B0503020000020004" pitchFamily="50" charset="-127"/>
                 <a:cs typeface="Gmarket Sans Medium" pitchFamily="34" charset="0"/>
               </a:rPr>
               <a:t>- 아두이노 회로 설계</a:t>
@@ -5359,7 +5904,8 @@
                 <a:solidFill>
                   <a:srgbClr val="000000"/>
                 </a:solidFill>
-                <a:latin typeface="Gmarket Sans Medium" pitchFamily="34" charset="0"/>
+                <a:latin typeface="맑은 고딕" panose="020B0503020000020004" pitchFamily="50" charset="-127"/>
+                <a:ea typeface="맑은 고딕" panose="020B0503020000020004" pitchFamily="50" charset="-127"/>
                 <a:cs typeface="Gmarket Sans Medium" pitchFamily="34" charset="0"/>
               </a:rPr>
               <a:t>- API 데이터 파싱 </a:t>
@@ -5376,7 +5922,8 @@
                 <a:solidFill>
                   <a:srgbClr val="000000"/>
                 </a:solidFill>
-                <a:latin typeface="Gmarket Sans Medium" pitchFamily="34" charset="0"/>
+                <a:latin typeface="맑은 고딕" panose="020B0503020000020004" pitchFamily="50" charset="-127"/>
+                <a:ea typeface="맑은 고딕" panose="020B0503020000020004" pitchFamily="50" charset="-127"/>
                 <a:cs typeface="Gmarket Sans Medium" pitchFamily="34" charset="0"/>
               </a:rPr>
               <a:t>- 웹 서버 연동</a:t>
@@ -5393,12 +5940,16 @@
                 <a:solidFill>
                   <a:srgbClr val="000000"/>
                 </a:solidFill>
-                <a:latin typeface="Gmarket Sans Medium" pitchFamily="34" charset="0"/>
+                <a:latin typeface="맑은 고딕" panose="020B0503020000020004" pitchFamily="50" charset="-127"/>
+                <a:ea typeface="맑은 고딕" panose="020B0503020000020004" pitchFamily="50" charset="-127"/>
                 <a:cs typeface="Gmarket Sans Medium" pitchFamily="34" charset="0"/>
               </a:rPr>
               <a:t>- 디스플레이 출력</a:t>
             </a:r>
-            <a:endParaRPr lang="en-US" dirty="0"/>
+            <a:endParaRPr lang="en-US" dirty="0">
+              <a:latin typeface="맑은 고딕" panose="020B0503020000020004" pitchFamily="50" charset="-127"/>
+              <a:ea typeface="맑은 고딕" panose="020B0503020000020004" pitchFamily="50" charset="-127"/>
+            </a:endParaRPr>
           </a:p>
         </p:txBody>
       </p:sp>
@@ -5434,7 +5985,8 @@
                 <a:solidFill>
                   <a:srgbClr val="000000"/>
                 </a:solidFill>
-                <a:latin typeface="Gmarket Sans Medium" pitchFamily="34" charset="0"/>
+                <a:latin typeface="맑은 고딕" panose="020B0503020000020004" pitchFamily="50" charset="-127"/>
+                <a:ea typeface="맑은 고딕" panose="020B0503020000020004" pitchFamily="50" charset="-127"/>
                 <a:cs typeface="Gmarket Sans Medium" pitchFamily="34" charset="0"/>
               </a:rPr>
               <a:t>- 프로젝트 목표</a:t>
@@ -5451,12 +6003,16 @@
                 <a:solidFill>
                   <a:srgbClr val="000000"/>
                 </a:solidFill>
-                <a:latin typeface="Gmarket Sans Medium" pitchFamily="34" charset="0"/>
+                <a:latin typeface="맑은 고딕" panose="020B0503020000020004" pitchFamily="50" charset="-127"/>
+                <a:ea typeface="맑은 고딕" panose="020B0503020000020004" pitchFamily="50" charset="-127"/>
                 <a:cs typeface="Gmarket Sans Medium" pitchFamily="34" charset="0"/>
               </a:rPr>
               <a:t>- 기대효과 &amp; 활용방안</a:t>
             </a:r>
-            <a:endParaRPr lang="en-US" dirty="0"/>
+            <a:endParaRPr lang="en-US" dirty="0">
+              <a:latin typeface="맑은 고딕" panose="020B0503020000020004" pitchFamily="50" charset="-127"/>
+              <a:ea typeface="맑은 고딕" panose="020B0503020000020004" pitchFamily="50" charset="-127"/>
+            </a:endParaRPr>
           </a:p>
         </p:txBody>
       </p:sp>
@@ -5492,7 +6048,8 @@
                 <a:solidFill>
                   <a:srgbClr val="000000"/>
                 </a:solidFill>
-                <a:latin typeface="Gmarket Sans Medium" pitchFamily="34" charset="0"/>
+                <a:latin typeface="맑은 고딕" panose="020B0503020000020004" pitchFamily="50" charset="-127"/>
+                <a:ea typeface="맑은 고딕" panose="020B0503020000020004" pitchFamily="50" charset="-127"/>
                 <a:cs typeface="Gmarket Sans Medium" pitchFamily="34" charset="0"/>
               </a:rPr>
               <a:t>- 프로젝트 실행 결과</a:t>
@@ -5509,12 +6066,16 @@
                 <a:solidFill>
                   <a:srgbClr val="000000"/>
                 </a:solidFill>
-                <a:latin typeface="Gmarket Sans Medium" pitchFamily="34" charset="0"/>
+                <a:latin typeface="맑은 고딕" panose="020B0503020000020004" pitchFamily="50" charset="-127"/>
+                <a:ea typeface="맑은 고딕" panose="020B0503020000020004" pitchFamily="50" charset="-127"/>
                 <a:cs typeface="Gmarket Sans Medium" pitchFamily="34" charset="0"/>
               </a:rPr>
               <a:t>- 아쉬웠던 점 &amp; 느낀점</a:t>
             </a:r>
-            <a:endParaRPr lang="en-US" dirty="0"/>
+            <a:endParaRPr lang="en-US" dirty="0">
+              <a:latin typeface="맑은 고딕" panose="020B0503020000020004" pitchFamily="50" charset="-127"/>
+              <a:ea typeface="맑은 고딕" panose="020B0503020000020004" pitchFamily="50" charset="-127"/>
+            </a:endParaRPr>
           </a:p>
         </p:txBody>
       </p:sp>
@@ -5842,7 +6403,8 @@
                 <a:solidFill>
                   <a:srgbClr val="000000"/>
                 </a:solidFill>
-                <a:latin typeface="Gmarket Sans Medium" pitchFamily="34" charset="0"/>
+                <a:latin typeface="맑은 고딕" panose="020B0503020000020004" pitchFamily="50" charset="-127"/>
+                <a:ea typeface="맑은 고딕" panose="020B0503020000020004" pitchFamily="50" charset="-127"/>
                 <a:cs typeface="Gmarket Sans Medium" pitchFamily="34" charset="0"/>
               </a:rPr>
               <a:t>프로젝트 목표</a:t>
@@ -5853,7 +6415,8 @@
               <a:solidFill>
                 <a:srgbClr val="000000"/>
               </a:solidFill>
-              <a:latin typeface="Gmarket Sans Medium" pitchFamily="34" charset="0"/>
+              <a:latin typeface="맑은 고딕" panose="020B0503020000020004" pitchFamily="50" charset="-127"/>
+              <a:ea typeface="맑은 고딕" panose="020B0503020000020004" pitchFamily="50" charset="-127"/>
               <a:cs typeface="Gmarket Sans Medium" pitchFamily="34" charset="0"/>
             </a:endParaRPr>
           </a:p>
@@ -5868,7 +6431,8 @@
                 <a:solidFill>
                   <a:srgbClr val="000000"/>
                 </a:solidFill>
-                <a:latin typeface="Gmarket Sans Medium" pitchFamily="34" charset="0"/>
+                <a:latin typeface="맑은 고딕" panose="020B0503020000020004" pitchFamily="50" charset="-127"/>
+                <a:ea typeface="맑은 고딕" panose="020B0503020000020004" pitchFamily="50" charset="-127"/>
                 <a:cs typeface="Gmarket Sans Medium" pitchFamily="34" charset="0"/>
               </a:rPr>
               <a:t>버스정보포털에 공공데이터를 가공하여 사용자가 직관적으로 </a:t>
@@ -5885,7 +6449,8 @@
                 <a:solidFill>
                   <a:srgbClr val="000000"/>
                 </a:solidFill>
-                <a:latin typeface="Gmarket Sans Medium" pitchFamily="34" charset="0"/>
+                <a:latin typeface="맑은 고딕" panose="020B0503020000020004" pitchFamily="50" charset="-127"/>
+                <a:ea typeface="맑은 고딕" panose="020B0503020000020004" pitchFamily="50" charset="-127"/>
                 <a:cs typeface="Gmarket Sans Medium" pitchFamily="34" charset="0"/>
               </a:rPr>
               <a:t>이해할 수 있도록하는 버스정보시스템을 구현한다.</a:t>
@@ -5901,7 +6466,8 @@
               <a:solidFill>
                 <a:srgbClr val="000000"/>
               </a:solidFill>
-              <a:latin typeface="Gmarket Sans Medium" pitchFamily="34" charset="0"/>
+              <a:latin typeface="맑은 고딕" panose="020B0503020000020004" pitchFamily="50" charset="-127"/>
+              <a:ea typeface="맑은 고딕" panose="020B0503020000020004" pitchFamily="50" charset="-127"/>
               <a:cs typeface="Gmarket Sans Medium" pitchFamily="34" charset="0"/>
             </a:endParaRPr>
           </a:p>
@@ -5916,7 +6482,8 @@
                 <a:solidFill>
                   <a:srgbClr val="000000"/>
                 </a:solidFill>
-                <a:latin typeface="Gmarket Sans Medium" pitchFamily="34" charset="0"/>
+                <a:latin typeface="맑은 고딕" panose="020B0503020000020004" pitchFamily="50" charset="-127"/>
+                <a:ea typeface="맑은 고딕" panose="020B0503020000020004" pitchFamily="50" charset="-127"/>
                 <a:cs typeface="Gmarket Sans Medium" pitchFamily="34" charset="0"/>
               </a:rPr>
               <a:t>아두이노(12E)와, OLED모듈, WIFI모듈을 이용하여 회로도를 </a:t>
@@ -5933,7 +6500,8 @@
                 <a:solidFill>
                   <a:srgbClr val="000000"/>
                 </a:solidFill>
-                <a:latin typeface="Gmarket Sans Medium" pitchFamily="34" charset="0"/>
+                <a:latin typeface="맑은 고딕" panose="020B0503020000020004" pitchFamily="50" charset="-127"/>
+                <a:ea typeface="맑은 고딕" panose="020B0503020000020004" pitchFamily="50" charset="-127"/>
                 <a:cs typeface="Gmarket Sans Medium" pitchFamily="34" charset="0"/>
               </a:rPr>
               <a:t>구성하고 실시간 버스정보를 받아오는 시스템을 구성한다.</a:t>
@@ -5949,7 +6517,8 @@
               <a:solidFill>
                 <a:srgbClr val="000000"/>
               </a:solidFill>
-              <a:latin typeface="Gmarket Sans Medium" pitchFamily="34" charset="0"/>
+              <a:latin typeface="맑은 고딕" panose="020B0503020000020004" pitchFamily="50" charset="-127"/>
+              <a:ea typeface="맑은 고딕" panose="020B0503020000020004" pitchFamily="50" charset="-127"/>
               <a:cs typeface="Gmarket Sans Medium" pitchFamily="34" charset="0"/>
             </a:endParaRPr>
           </a:p>
@@ -5964,7 +6533,8 @@
                 <a:solidFill>
                   <a:srgbClr val="000000"/>
                 </a:solidFill>
-                <a:latin typeface="Gmarket Sans Medium" pitchFamily="34" charset="0"/>
+                <a:latin typeface="맑은 고딕" panose="020B0503020000020004" pitchFamily="50" charset="-127"/>
+                <a:ea typeface="맑은 고딕" panose="020B0503020000020004" pitchFamily="50" charset="-127"/>
                 <a:cs typeface="Gmarket Sans Medium" pitchFamily="34" charset="0"/>
               </a:rPr>
               <a:t>아두이노로부터 받아온 데이터를 파싱하는 작업을 구현하고 </a:t>
@@ -5981,7 +6551,8 @@
                 <a:solidFill>
                   <a:srgbClr val="000000"/>
                 </a:solidFill>
-                <a:latin typeface="Gmarket Sans Medium" pitchFamily="34" charset="0"/>
+                <a:latin typeface="맑은 고딕" panose="020B0503020000020004" pitchFamily="50" charset="-127"/>
+                <a:ea typeface="맑은 고딕" panose="020B0503020000020004" pitchFamily="50" charset="-127"/>
                 <a:cs typeface="Gmarket Sans Medium" pitchFamily="34" charset="0"/>
               </a:rPr>
               <a:t>웹페이지 상에 간략한 정보를 보여주는 탭을 구성한다.</a:t>
@@ -5998,14 +6569,18 @@
                 <a:solidFill>
                   <a:srgbClr val="000000"/>
                 </a:solidFill>
-                <a:latin typeface="Gmarket Sans Medium" pitchFamily="34" charset="0"/>
+                <a:latin typeface="맑은 고딕" panose="020B0503020000020004" pitchFamily="50" charset="-127"/>
+                <a:ea typeface="맑은 고딕" panose="020B0503020000020004" pitchFamily="50" charset="-127"/>
                 <a:cs typeface="Gmarket Sans Medium" pitchFamily="34" charset="0"/>
               </a:rPr>
               <a:t> (ex. 버스정보, 날씨정보, 현재위치)</a:t>
             </a:r>
           </a:p>
           <a:p>
-            <a:endParaRPr lang="en-US" dirty="0"/>
+            <a:endParaRPr lang="en-US" dirty="0">
+              <a:latin typeface="맑은 고딕" panose="020B0503020000020004" pitchFamily="50" charset="-127"/>
+              <a:ea typeface="맑은 고딕" panose="020B0503020000020004" pitchFamily="50" charset="-127"/>
+            </a:endParaRPr>
           </a:p>
         </p:txBody>
       </p:sp>
@@ -6464,8 +7039,8 @@
         </p:nvSpPr>
         <p:spPr>
           <a:xfrm>
-            <a:off x="1260038" y="2203286"/>
-            <a:ext cx="24328049" cy="5846729"/>
+            <a:off x="1260039" y="2203286"/>
+            <a:ext cx="16265962" cy="5535746"/>
           </a:xfrm>
           <a:prstGeom prst="rect">
             <a:avLst/>
@@ -6483,7 +7058,8 @@
                 <a:solidFill>
                   <a:srgbClr val="000000"/>
                 </a:solidFill>
-                <a:latin typeface="Gmarket Sans Medium" pitchFamily="34" charset="0"/>
+                <a:latin typeface="맑은 고딕" panose="020B0503020000020004" pitchFamily="50" charset="-127"/>
+                <a:ea typeface="맑은 고딕" panose="020B0503020000020004" pitchFamily="50" charset="-127"/>
                 <a:cs typeface="Gmarket Sans Medium" pitchFamily="34" charset="0"/>
               </a:rPr>
               <a:t>기대효과 &amp; 활용방안</a:t>
@@ -6494,7 +7070,8 @@
               <a:solidFill>
                 <a:srgbClr val="000000"/>
               </a:solidFill>
-              <a:latin typeface="Gmarket Sans Medium" pitchFamily="34" charset="0"/>
+              <a:latin typeface="맑은 고딕" panose="020B0503020000020004" pitchFamily="50" charset="-127"/>
+              <a:ea typeface="맑은 고딕" panose="020B0503020000020004" pitchFamily="50" charset="-127"/>
               <a:cs typeface="Gmarket Sans Medium" pitchFamily="34" charset="0"/>
             </a:endParaRPr>
           </a:p>
@@ -6505,31 +7082,34 @@
               </a:lnSpc>
             </a:pPr>
             <a:r>
-              <a:rPr lang="en-US" sz="2800" kern="0" spc="-100" dirty="0">
+              <a:rPr lang="en-US" sz="2600" kern="0" spc="-100" dirty="0">
                 <a:solidFill>
                   <a:srgbClr val="000000"/>
                 </a:solidFill>
-                <a:latin typeface="Gmarket Sans Medium" pitchFamily="34" charset="0"/>
+                <a:latin typeface="맑은 고딕" panose="020B0503020000020004" pitchFamily="50" charset="-127"/>
+                <a:ea typeface="맑은 고딕" panose="020B0503020000020004" pitchFamily="50" charset="-127"/>
                 <a:cs typeface="Gmarket Sans Medium" pitchFamily="34" charset="0"/>
               </a:rPr>
               <a:t>- 내가 원하는 지역의 버스정보를 손쉽게 확인 할 수 있다. (</a:t>
             </a:r>
             <a:r>
-              <a:rPr lang="en-US" sz="2800" kern="0" spc="-100" dirty="0">
+              <a:rPr lang="en-US" sz="2600" kern="0" spc="-100" dirty="0">
                 <a:solidFill>
                   <a:srgbClr val="FF0000"/>
                 </a:solidFill>
-                <a:latin typeface="Gmarket Sans Medium" pitchFamily="34" charset="0"/>
+                <a:latin typeface="맑은 고딕" panose="020B0503020000020004" pitchFamily="50" charset="-127"/>
+                <a:ea typeface="맑은 고딕" panose="020B0503020000020004" pitchFamily="50" charset="-127"/>
                 <a:cs typeface="Gmarket Sans Medium" pitchFamily="34" charset="0"/>
               </a:rPr>
               <a:t>정적</a:t>
             </a:r>
             <a:r>
-              <a:rPr lang="en-US" sz="2800" kern="0" spc="-100" dirty="0">
+              <a:rPr lang="en-US" sz="2600" kern="0" spc="-100" dirty="0">
                 <a:solidFill>
                   <a:srgbClr val="000000"/>
                 </a:solidFill>
-                <a:latin typeface="Gmarket Sans Medium" pitchFamily="34" charset="0"/>
+                <a:latin typeface="맑은 고딕" panose="020B0503020000020004" pitchFamily="50" charset="-127"/>
+                <a:ea typeface="맑은 고딕" panose="020B0503020000020004" pitchFamily="50" charset="-127"/>
                 <a:cs typeface="Gmarket Sans Medium" pitchFamily="34" charset="0"/>
               </a:rPr>
               <a:t>)</a:t>
@@ -6542,14 +7122,103 @@
               </a:lnSpc>
             </a:pPr>
             <a:r>
-              <a:rPr lang="en-US" sz="2800" kern="0" spc="-100" dirty="0">
+              <a:rPr lang="en-US" sz="2600" kern="0" spc="-100" dirty="0">
                 <a:solidFill>
                   <a:srgbClr val="000000"/>
                 </a:solidFill>
-                <a:latin typeface="Gmarket Sans Medium" pitchFamily="34" charset="0"/>
-                <a:cs typeface="Gmarket Sans Medium" pitchFamily="34" charset="0"/>
-              </a:rPr>
-              <a:t>- 디스플레이 상에 표현하는 방법으로 외출 직전에 스마트폰을 켜고, 앱에 접속하지 않더라도 확인이 가능하다.</a:t>
+                <a:latin typeface="맑은 고딕" panose="020B0503020000020004" pitchFamily="50" charset="-127"/>
+                <a:ea typeface="맑은 고딕" panose="020B0503020000020004" pitchFamily="50" charset="-127"/>
+                <a:cs typeface="Gmarket Sans Medium" pitchFamily="34" charset="0"/>
+              </a:rPr>
+              <a:t>- </a:t>
+            </a:r>
+            <a:r>
+              <a:rPr lang="en-US" sz="2600" kern="0" spc="-100" dirty="0" err="1">
+                <a:solidFill>
+                  <a:srgbClr val="000000"/>
+                </a:solidFill>
+                <a:latin typeface="맑은 고딕" panose="020B0503020000020004" pitchFamily="50" charset="-127"/>
+                <a:ea typeface="맑은 고딕" panose="020B0503020000020004" pitchFamily="50" charset="-127"/>
+                <a:cs typeface="Gmarket Sans Medium" pitchFamily="34" charset="0"/>
+              </a:rPr>
+              <a:t>디스플레이</a:t>
+            </a:r>
+            <a:r>
+              <a:rPr lang="en-US" sz="2600" kern="0" spc="-100" dirty="0">
+                <a:solidFill>
+                  <a:srgbClr val="000000"/>
+                </a:solidFill>
+                <a:latin typeface="맑은 고딕" panose="020B0503020000020004" pitchFamily="50" charset="-127"/>
+                <a:ea typeface="맑은 고딕" panose="020B0503020000020004" pitchFamily="50" charset="-127"/>
+                <a:cs typeface="Gmarket Sans Medium" pitchFamily="34" charset="0"/>
+              </a:rPr>
+              <a:t> 상에 표현하는 방법으로 외출 직전에 스마트폰을 켜고, 앱에 </a:t>
+            </a:r>
+            <a:r>
+              <a:rPr lang="en-US" sz="2600" kern="0" spc="-100" dirty="0" err="1">
+                <a:solidFill>
+                  <a:srgbClr val="000000"/>
+                </a:solidFill>
+                <a:latin typeface="맑은 고딕" panose="020B0503020000020004" pitchFamily="50" charset="-127"/>
+                <a:ea typeface="맑은 고딕" panose="020B0503020000020004" pitchFamily="50" charset="-127"/>
+                <a:cs typeface="Gmarket Sans Medium" pitchFamily="34" charset="0"/>
+              </a:rPr>
+              <a:t>접속하지</a:t>
+            </a:r>
+            <a:r>
+              <a:rPr lang="en-US" sz="2600" kern="0" spc="-100" dirty="0">
+                <a:solidFill>
+                  <a:srgbClr val="000000"/>
+                </a:solidFill>
+                <a:latin typeface="맑은 고딕" panose="020B0503020000020004" pitchFamily="50" charset="-127"/>
+                <a:ea typeface="맑은 고딕" panose="020B0503020000020004" pitchFamily="50" charset="-127"/>
+                <a:cs typeface="Gmarket Sans Medium" pitchFamily="34" charset="0"/>
+              </a:rPr>
+              <a:t> </a:t>
+            </a:r>
+            <a:r>
+              <a:rPr lang="en-US" sz="2600" kern="0" spc="-100" dirty="0" err="1">
+                <a:solidFill>
+                  <a:srgbClr val="000000"/>
+                </a:solidFill>
+                <a:latin typeface="맑은 고딕" panose="020B0503020000020004" pitchFamily="50" charset="-127"/>
+                <a:ea typeface="맑은 고딕" panose="020B0503020000020004" pitchFamily="50" charset="-127"/>
+                <a:cs typeface="Gmarket Sans Medium" pitchFamily="34" charset="0"/>
+              </a:rPr>
+              <a:t>않더라도</a:t>
+            </a:r>
+            <a:r>
+              <a:rPr lang="en-US" sz="2600" kern="0" spc="-100" dirty="0">
+                <a:solidFill>
+                  <a:srgbClr val="000000"/>
+                </a:solidFill>
+                <a:latin typeface="맑은 고딕" panose="020B0503020000020004" pitchFamily="50" charset="-127"/>
+                <a:ea typeface="맑은 고딕" panose="020B0503020000020004" pitchFamily="50" charset="-127"/>
+                <a:cs typeface="Gmarket Sans Medium" pitchFamily="34" charset="0"/>
+              </a:rPr>
+              <a:t> </a:t>
+            </a:r>
+            <a:r>
+              <a:rPr lang="en-US" sz="2600" kern="0" spc="-100" dirty="0" err="1">
+                <a:solidFill>
+                  <a:srgbClr val="000000"/>
+                </a:solidFill>
+                <a:latin typeface="맑은 고딕" panose="020B0503020000020004" pitchFamily="50" charset="-127"/>
+                <a:ea typeface="맑은 고딕" panose="020B0503020000020004" pitchFamily="50" charset="-127"/>
+                <a:cs typeface="Gmarket Sans Medium" pitchFamily="34" charset="0"/>
+              </a:rPr>
+              <a:t>확인이</a:t>
+            </a:r>
+            <a:r>
+              <a:rPr lang="en-US" sz="2600" kern="0" spc="-100" dirty="0">
+                <a:solidFill>
+                  <a:srgbClr val="000000"/>
+                </a:solidFill>
+                <a:latin typeface="맑은 고딕" panose="020B0503020000020004" pitchFamily="50" charset="-127"/>
+                <a:ea typeface="맑은 고딕" panose="020B0503020000020004" pitchFamily="50" charset="-127"/>
+                <a:cs typeface="Gmarket Sans Medium" pitchFamily="34" charset="0"/>
+              </a:rPr>
+              <a:t> 가능하다.</a:t>
             </a:r>
           </a:p>
           <a:p>
@@ -6559,31 +7228,34 @@
               </a:lnSpc>
             </a:pPr>
             <a:r>
-              <a:rPr lang="en-US" sz="2800" kern="0" spc="-100" dirty="0">
+              <a:rPr lang="en-US" sz="2600" kern="0" spc="-100" dirty="0">
                 <a:solidFill>
                   <a:srgbClr val="000000"/>
                 </a:solidFill>
-                <a:latin typeface="Gmarket Sans Medium" pitchFamily="34" charset="0"/>
+                <a:latin typeface="맑은 고딕" panose="020B0503020000020004" pitchFamily="50" charset="-127"/>
+                <a:ea typeface="맑은 고딕" panose="020B0503020000020004" pitchFamily="50" charset="-127"/>
                 <a:cs typeface="Gmarket Sans Medium" pitchFamily="34" charset="0"/>
               </a:rPr>
               <a:t>- 지속적인 푸시알림을 통해서 해당 지역의 버스정보 현황등을 쉽게 확인이 가능하다. (</a:t>
             </a:r>
             <a:r>
-              <a:rPr lang="en-US" sz="2800" kern="0" spc="-100" dirty="0">
+              <a:rPr lang="en-US" sz="2600" kern="0" spc="-100" dirty="0">
                 <a:solidFill>
                   <a:srgbClr val="FF0000"/>
                 </a:solidFill>
-                <a:latin typeface="Gmarket Sans Medium" pitchFamily="34" charset="0"/>
+                <a:latin typeface="맑은 고딕" panose="020B0503020000020004" pitchFamily="50" charset="-127"/>
+                <a:ea typeface="맑은 고딕" panose="020B0503020000020004" pitchFamily="50" charset="-127"/>
                 <a:cs typeface="Gmarket Sans Medium" pitchFamily="34" charset="0"/>
               </a:rPr>
               <a:t>구현X</a:t>
             </a:r>
             <a:r>
-              <a:rPr lang="en-US" sz="2800" kern="0" spc="-100" dirty="0">
+              <a:rPr lang="en-US" sz="2600" kern="0" spc="-100" dirty="0">
                 <a:solidFill>
                   <a:srgbClr val="000000"/>
                 </a:solidFill>
-                <a:latin typeface="Gmarket Sans Medium" pitchFamily="34" charset="0"/>
+                <a:latin typeface="맑은 고딕" panose="020B0503020000020004" pitchFamily="50" charset="-127"/>
+                <a:ea typeface="맑은 고딕" panose="020B0503020000020004" pitchFamily="50" charset="-127"/>
                 <a:cs typeface="Gmarket Sans Medium" pitchFamily="34" charset="0"/>
               </a:rPr>
               <a:t>)</a:t>
@@ -6596,11 +7268,12 @@
               </a:lnSpc>
             </a:pPr>
             <a:r>
-              <a:rPr lang="en-US" sz="2800" kern="0" spc="-100" dirty="0">
+              <a:rPr lang="en-US" sz="2600" kern="0" spc="-100" dirty="0">
                 <a:solidFill>
                   <a:srgbClr val="000000"/>
                 </a:solidFill>
-                <a:latin typeface="Gmarket Sans Medium" pitchFamily="34" charset="0"/>
+                <a:latin typeface="맑은 고딕" panose="020B0503020000020004" pitchFamily="50" charset="-127"/>
+                <a:ea typeface="맑은 고딕" panose="020B0503020000020004" pitchFamily="50" charset="-127"/>
                 <a:cs typeface="Gmarket Sans Medium" pitchFamily="34" charset="0"/>
               </a:rPr>
               <a:t>- USB 충전 단자로 배터리 충전이 용이하며, 20초마다 서버에서 데이터를 받아오는 방식이기 때문에</a:t>
@@ -6613,16 +7286,20 @@
               </a:lnSpc>
             </a:pPr>
             <a:r>
-              <a:rPr lang="en-US" sz="2800" kern="0" spc="-100" dirty="0">
+              <a:rPr lang="en-US" sz="2600" kern="0" spc="-100" dirty="0">
                 <a:solidFill>
                   <a:srgbClr val="000000"/>
                 </a:solidFill>
-                <a:latin typeface="Gmarket Sans Medium" pitchFamily="34" charset="0"/>
+                <a:latin typeface="맑은 고딕" panose="020B0503020000020004" pitchFamily="50" charset="-127"/>
+                <a:ea typeface="맑은 고딕" panose="020B0503020000020004" pitchFamily="50" charset="-127"/>
                 <a:cs typeface="Gmarket Sans Medium" pitchFamily="34" charset="0"/>
               </a:rPr>
               <a:t> 앱에 접속하지 않고 유용하게 사용이 가능하다. </a:t>
             </a:r>
-            <a:endParaRPr lang="en-US" dirty="0"/>
+            <a:endParaRPr lang="en-US" sz="2600" dirty="0">
+              <a:latin typeface="맑은 고딕" panose="020B0503020000020004" pitchFamily="50" charset="-127"/>
+              <a:ea typeface="맑은 고딕" panose="020B0503020000020004" pitchFamily="50" charset="-127"/>
+            </a:endParaRPr>
           </a:p>
         </p:txBody>
       </p:sp>
@@ -6707,7 +7384,7 @@
         <p:spPr>
           <a:xfrm>
             <a:off x="1420619" y="751674"/>
-            <a:ext cx="5393990" cy="656557"/>
+            <a:ext cx="5393990" cy="477054"/>
           </a:xfrm>
           <a:prstGeom prst="rect">
             <a:avLst/>
@@ -6725,12 +7402,16 @@
                 <a:solidFill>
                   <a:srgbClr val="FFFFFF"/>
                 </a:solidFill>
-                <a:latin typeface="Gmarket Sans Medium" pitchFamily="34" charset="0"/>
+                <a:latin typeface="맑은 고딕" panose="020B0503020000020004" pitchFamily="50" charset="-127"/>
+                <a:ea typeface="맑은 고딕" panose="020B0503020000020004" pitchFamily="50" charset="-127"/>
                 <a:cs typeface="Gmarket Sans Medium" pitchFamily="34" charset="0"/>
               </a:rPr>
               <a:t>프로젝트 진행과정</a:t>
             </a:r>
-            <a:endParaRPr lang="en-US" dirty="0"/>
+            <a:endParaRPr lang="en-US" dirty="0">
+              <a:latin typeface="맑은 고딕" panose="020B0503020000020004" pitchFamily="50" charset="-127"/>
+              <a:ea typeface="맑은 고딕" panose="020B0503020000020004" pitchFamily="50" charset="-127"/>
+            </a:endParaRPr>
           </a:p>
         </p:txBody>
       </p:sp>
@@ -6782,7 +7463,7 @@
         <p:spPr>
           <a:xfrm>
             <a:off x="511511" y="719270"/>
-            <a:ext cx="661976" cy="253288"/>
+            <a:ext cx="661976" cy="230832"/>
           </a:xfrm>
           <a:prstGeom prst="rect">
             <a:avLst/>
@@ -6801,12 +7482,16 @@
                 <a:solidFill>
                   <a:srgbClr val="FFFFFF"/>
                 </a:solidFill>
-                <a:latin typeface="Gmarket Sans Medium" pitchFamily="34" charset="0"/>
+                <a:latin typeface="맑은 고딕" panose="020B0503020000020004" pitchFamily="50" charset="-127"/>
+                <a:ea typeface="맑은 고딕" panose="020B0503020000020004" pitchFamily="50" charset="-127"/>
                 <a:cs typeface="Gmarket Sans Medium" pitchFamily="34" charset="0"/>
               </a:rPr>
               <a:t>PART</a:t>
             </a:r>
-            <a:endParaRPr lang="en-US" dirty="0"/>
+            <a:endParaRPr lang="en-US" dirty="0">
+              <a:latin typeface="맑은 고딕" panose="020B0503020000020004" pitchFamily="50" charset="-127"/>
+              <a:ea typeface="맑은 고딕" panose="020B0503020000020004" pitchFamily="50" charset="-127"/>
+            </a:endParaRPr>
           </a:p>
         </p:txBody>
       </p:sp>
@@ -6819,7 +7504,7 @@
         <p:spPr>
           <a:xfrm>
             <a:off x="374360" y="846012"/>
-            <a:ext cx="963245" cy="721911"/>
+            <a:ext cx="963245" cy="507831"/>
           </a:xfrm>
           <a:prstGeom prst="rect">
             <a:avLst/>
@@ -6838,12 +7523,16 @@
                 <a:solidFill>
                   <a:srgbClr val="FFFFFF"/>
                 </a:solidFill>
-                <a:latin typeface="Gmarket Sans Medium" pitchFamily="34" charset="0"/>
+                <a:latin typeface="맑은 고딕" panose="020B0503020000020004" pitchFamily="50" charset="-127"/>
+                <a:ea typeface="맑은 고딕" panose="020B0503020000020004" pitchFamily="50" charset="-127"/>
                 <a:cs typeface="Gmarket Sans Medium" pitchFamily="34" charset="0"/>
               </a:rPr>
               <a:t>02</a:t>
             </a:r>
-            <a:endParaRPr lang="en-US" dirty="0"/>
+            <a:endParaRPr lang="en-US" dirty="0">
+              <a:latin typeface="맑은 고딕" panose="020B0503020000020004" pitchFamily="50" charset="-127"/>
+              <a:ea typeface="맑은 고딕" panose="020B0503020000020004" pitchFamily="50" charset="-127"/>
+            </a:endParaRPr>
           </a:p>
         </p:txBody>
       </p:sp>
@@ -6856,7 +7545,7 @@
         <p:spPr>
           <a:xfrm>
             <a:off x="11333283" y="843660"/>
-            <a:ext cx="6529083" cy="434856"/>
+            <a:ext cx="6529083" cy="338554"/>
           </a:xfrm>
           <a:prstGeom prst="rect">
             <a:avLst/>
@@ -6875,12 +7564,16 @@
                 <a:solidFill>
                   <a:srgbClr val="FFFFFF"/>
                 </a:solidFill>
-                <a:latin typeface="Gmarket Sans Medium" pitchFamily="34" charset="0"/>
+                <a:latin typeface="맑은 고딕" panose="020B0503020000020004" pitchFamily="50" charset="-127"/>
+                <a:ea typeface="맑은 고딕" panose="020B0503020000020004" pitchFamily="50" charset="-127"/>
                 <a:cs typeface="Gmarket Sans Medium" pitchFamily="34" charset="0"/>
               </a:rPr>
               <a:t>GPS를 이용한 실시간 버스정보알리미</a:t>
             </a:r>
-            <a:endParaRPr lang="en-US" dirty="0"/>
+            <a:endParaRPr lang="en-US" dirty="0">
+              <a:latin typeface="맑은 고딕" panose="020B0503020000020004" pitchFamily="50" charset="-127"/>
+              <a:ea typeface="맑은 고딕" panose="020B0503020000020004" pitchFamily="50" charset="-127"/>
+            </a:endParaRPr>
           </a:p>
         </p:txBody>
       </p:sp>
@@ -6893,7 +7586,7 @@
         <p:spPr>
           <a:xfrm>
             <a:off x="1272305" y="2146657"/>
-            <a:ext cx="13857143" cy="1341932"/>
+            <a:ext cx="13857143" cy="877163"/>
           </a:xfrm>
           <a:prstGeom prst="rect">
             <a:avLst/>
@@ -6911,12 +7604,16 @@
                 <a:solidFill>
                   <a:srgbClr val="000000"/>
                 </a:solidFill>
-                <a:latin typeface="Gmarket Sans Medium" pitchFamily="34" charset="0"/>
+                <a:latin typeface="맑은 고딕" panose="020B0503020000020004" pitchFamily="50" charset="-127"/>
+                <a:ea typeface="맑은 고딕" panose="020B0503020000020004" pitchFamily="50" charset="-127"/>
                 <a:cs typeface="Gmarket Sans Medium" pitchFamily="34" charset="0"/>
               </a:rPr>
               <a:t>1) 아두이노 회로 설계</a:t>
             </a:r>
-            <a:endParaRPr lang="en-US" dirty="0"/>
+            <a:endParaRPr lang="en-US" dirty="0">
+              <a:latin typeface="맑은 고딕" panose="020B0503020000020004" pitchFamily="50" charset="-127"/>
+              <a:ea typeface="맑은 고딕" panose="020B0503020000020004" pitchFamily="50" charset="-127"/>
+            </a:endParaRPr>
           </a:p>
         </p:txBody>
       </p:sp>
@@ -7007,7 +7704,7 @@
         <p:spPr>
           <a:xfrm>
             <a:off x="3154089" y="8097471"/>
-            <a:ext cx="4048440" cy="1336927"/>
+            <a:ext cx="4048440" cy="861774"/>
           </a:xfrm>
           <a:prstGeom prst="rect">
             <a:avLst/>
@@ -7026,7 +7723,8 @@
                 <a:solidFill>
                   <a:srgbClr val="000000"/>
                 </a:solidFill>
-                <a:latin typeface="Noto Sans CJK KR Medium" pitchFamily="34" charset="0"/>
+                <a:latin typeface="맑은 고딕" panose="020B0503020000020004" pitchFamily="50" charset="-127"/>
+                <a:ea typeface="맑은 고딕" panose="020B0503020000020004" pitchFamily="50" charset="-127"/>
                 <a:cs typeface="Noto Sans CJK KR Medium" pitchFamily="34" charset="0"/>
               </a:rPr>
               <a:t>ESP8266-E12 </a:t>
@@ -7039,12 +7737,16 @@
                 <a:solidFill>
                   <a:srgbClr val="000000"/>
                 </a:solidFill>
-                <a:latin typeface="Noto Sans CJK KR Medium" pitchFamily="34" charset="0"/>
+                <a:latin typeface="맑은 고딕" panose="020B0503020000020004" pitchFamily="50" charset="-127"/>
+                <a:ea typeface="맑은 고딕" panose="020B0503020000020004" pitchFamily="50" charset="-127"/>
                 <a:cs typeface="Noto Sans CJK KR Medium" pitchFamily="34" charset="0"/>
               </a:rPr>
               <a:t>DataSheet</a:t>
             </a:r>
-            <a:endParaRPr lang="en-US" dirty="0"/>
+            <a:endParaRPr lang="en-US" dirty="0">
+              <a:latin typeface="맑은 고딕" panose="020B0503020000020004" pitchFamily="50" charset="-127"/>
+              <a:ea typeface="맑은 고딕" panose="020B0503020000020004" pitchFamily="50" charset="-127"/>
+            </a:endParaRPr>
           </a:p>
         </p:txBody>
       </p:sp>
@@ -7057,7 +7759,7 @@
         <p:spPr>
           <a:xfrm>
             <a:off x="12913258" y="7027691"/>
-            <a:ext cx="3564175" cy="2941597"/>
+            <a:ext cx="3564175" cy="1908215"/>
           </a:xfrm>
           <a:prstGeom prst="rect">
             <a:avLst/>
@@ -7076,7 +7778,8 @@
                 <a:solidFill>
                   <a:srgbClr val="000000"/>
                 </a:solidFill>
-                <a:latin typeface="Noto Sans CJK KR Medium" pitchFamily="34" charset="0"/>
+                <a:latin typeface="맑은 고딕" panose="020B0503020000020004" pitchFamily="50" charset="-127"/>
+                <a:ea typeface="맑은 고딕" panose="020B0503020000020004" pitchFamily="50" charset="-127"/>
                 <a:cs typeface="Noto Sans CJK KR Medium" pitchFamily="34" charset="0"/>
               </a:rPr>
               <a:t>VCC - 3V3</a:t>
@@ -7089,7 +7792,8 @@
                 <a:solidFill>
                   <a:srgbClr val="000000"/>
                 </a:solidFill>
-                <a:latin typeface="Noto Sans CJK KR Medium" pitchFamily="34" charset="0"/>
+                <a:latin typeface="맑은 고딕" panose="020B0503020000020004" pitchFamily="50" charset="-127"/>
+                <a:ea typeface="맑은 고딕" panose="020B0503020000020004" pitchFamily="50" charset="-127"/>
                 <a:cs typeface="Noto Sans CJK KR Medium" pitchFamily="34" charset="0"/>
               </a:rPr>
               <a:t>GND - GND</a:t>
@@ -7102,7 +7806,8 @@
                 <a:solidFill>
                   <a:srgbClr val="000000"/>
                 </a:solidFill>
-                <a:latin typeface="Noto Sans CJK KR Medium" pitchFamily="34" charset="0"/>
+                <a:latin typeface="맑은 고딕" panose="020B0503020000020004" pitchFamily="50" charset="-127"/>
+                <a:ea typeface="맑은 고딕" panose="020B0503020000020004" pitchFamily="50" charset="-127"/>
                 <a:cs typeface="Noto Sans CJK KR Medium" pitchFamily="34" charset="0"/>
               </a:rPr>
               <a:t>SCL - D1</a:t>
@@ -7115,7 +7820,8 @@
                 <a:solidFill>
                   <a:srgbClr val="000000"/>
                 </a:solidFill>
-                <a:latin typeface="Noto Sans CJK KR Medium" pitchFamily="34" charset="0"/>
+                <a:latin typeface="맑은 고딕" panose="020B0503020000020004" pitchFamily="50" charset="-127"/>
+                <a:ea typeface="맑은 고딕" panose="020B0503020000020004" pitchFamily="50" charset="-127"/>
                 <a:cs typeface="Noto Sans CJK KR Medium" pitchFamily="34" charset="0"/>
               </a:rPr>
               <a:t>SDA - D2</a:t>
@@ -7123,7 +7829,10 @@
           </a:p>
           <a:p>
             <a:pPr algn="ctr"/>
-            <a:endParaRPr lang="en-US" dirty="0"/>
+            <a:endParaRPr lang="en-US" dirty="0">
+              <a:latin typeface="맑은 고딕" panose="020B0503020000020004" pitchFamily="50" charset="-127"/>
+              <a:ea typeface="맑은 고딕" panose="020B0503020000020004" pitchFamily="50" charset="-127"/>
+            </a:endParaRPr>
           </a:p>
         </p:txBody>
       </p:sp>
@@ -7208,7 +7917,7 @@
         <p:spPr>
           <a:xfrm>
             <a:off x="1420619" y="751674"/>
-            <a:ext cx="5393990" cy="656557"/>
+            <a:ext cx="5393990" cy="477054"/>
           </a:xfrm>
           <a:prstGeom prst="rect">
             <a:avLst/>
@@ -7226,12 +7935,16 @@
                 <a:solidFill>
                   <a:srgbClr val="FFFFFF"/>
                 </a:solidFill>
-                <a:latin typeface="Gmarket Sans Medium" pitchFamily="34" charset="0"/>
+                <a:latin typeface="맑은 고딕" panose="020B0503020000020004" pitchFamily="50" charset="-127"/>
+                <a:ea typeface="맑은 고딕" panose="020B0503020000020004" pitchFamily="50" charset="-127"/>
                 <a:cs typeface="Gmarket Sans Medium" pitchFamily="34" charset="0"/>
               </a:rPr>
               <a:t>프로젝트 진행과정</a:t>
             </a:r>
-            <a:endParaRPr lang="en-US" dirty="0"/>
+            <a:endParaRPr lang="en-US" dirty="0">
+              <a:latin typeface="맑은 고딕" panose="020B0503020000020004" pitchFamily="50" charset="-127"/>
+              <a:ea typeface="맑은 고딕" panose="020B0503020000020004" pitchFamily="50" charset="-127"/>
+            </a:endParaRPr>
           </a:p>
         </p:txBody>
       </p:sp>
@@ -7283,7 +7996,7 @@
         <p:spPr>
           <a:xfrm>
             <a:off x="511511" y="719270"/>
-            <a:ext cx="661976" cy="253288"/>
+            <a:ext cx="661976" cy="230832"/>
           </a:xfrm>
           <a:prstGeom prst="rect">
             <a:avLst/>
@@ -7302,12 +8015,16 @@
                 <a:solidFill>
                   <a:srgbClr val="FFFFFF"/>
                 </a:solidFill>
-                <a:latin typeface="Gmarket Sans Medium" pitchFamily="34" charset="0"/>
+                <a:latin typeface="맑은 고딕" panose="020B0503020000020004" pitchFamily="50" charset="-127"/>
+                <a:ea typeface="맑은 고딕" panose="020B0503020000020004" pitchFamily="50" charset="-127"/>
                 <a:cs typeface="Gmarket Sans Medium" pitchFamily="34" charset="0"/>
               </a:rPr>
               <a:t>PART</a:t>
             </a:r>
-            <a:endParaRPr lang="en-US" dirty="0"/>
+            <a:endParaRPr lang="en-US" dirty="0">
+              <a:latin typeface="맑은 고딕" panose="020B0503020000020004" pitchFamily="50" charset="-127"/>
+              <a:ea typeface="맑은 고딕" panose="020B0503020000020004" pitchFamily="50" charset="-127"/>
+            </a:endParaRPr>
           </a:p>
         </p:txBody>
       </p:sp>
@@ -7320,7 +8037,7 @@
         <p:spPr>
           <a:xfrm>
             <a:off x="374360" y="846012"/>
-            <a:ext cx="963245" cy="721911"/>
+            <a:ext cx="963245" cy="507831"/>
           </a:xfrm>
           <a:prstGeom prst="rect">
             <a:avLst/>
@@ -7339,12 +8056,16 @@
                 <a:solidFill>
                   <a:srgbClr val="FFFFFF"/>
                 </a:solidFill>
-                <a:latin typeface="Gmarket Sans Medium" pitchFamily="34" charset="0"/>
+                <a:latin typeface="맑은 고딕" panose="020B0503020000020004" pitchFamily="50" charset="-127"/>
+                <a:ea typeface="맑은 고딕" panose="020B0503020000020004" pitchFamily="50" charset="-127"/>
                 <a:cs typeface="Gmarket Sans Medium" pitchFamily="34" charset="0"/>
               </a:rPr>
               <a:t>02</a:t>
             </a:r>
-            <a:endParaRPr lang="en-US" dirty="0"/>
+            <a:endParaRPr lang="en-US" dirty="0">
+              <a:latin typeface="맑은 고딕" panose="020B0503020000020004" pitchFamily="50" charset="-127"/>
+              <a:ea typeface="맑은 고딕" panose="020B0503020000020004" pitchFamily="50" charset="-127"/>
+            </a:endParaRPr>
           </a:p>
         </p:txBody>
       </p:sp>
@@ -7357,7 +8078,7 @@
         <p:spPr>
           <a:xfrm>
             <a:off x="11333283" y="843660"/>
-            <a:ext cx="6529083" cy="434856"/>
+            <a:ext cx="6529083" cy="338554"/>
           </a:xfrm>
           <a:prstGeom prst="rect">
             <a:avLst/>
@@ -7376,12 +8097,16 @@
                 <a:solidFill>
                   <a:srgbClr val="FFFFFF"/>
                 </a:solidFill>
-                <a:latin typeface="Gmarket Sans Medium" pitchFamily="34" charset="0"/>
+                <a:latin typeface="맑은 고딕" panose="020B0503020000020004" pitchFamily="50" charset="-127"/>
+                <a:ea typeface="맑은 고딕" panose="020B0503020000020004" pitchFamily="50" charset="-127"/>
                 <a:cs typeface="Gmarket Sans Medium" pitchFamily="34" charset="0"/>
               </a:rPr>
               <a:t>GPS를 이용한 실시간 버스정보알리미</a:t>
             </a:r>
-            <a:endParaRPr lang="en-US" dirty="0"/>
+            <a:endParaRPr lang="en-US" dirty="0">
+              <a:latin typeface="맑은 고딕" panose="020B0503020000020004" pitchFamily="50" charset="-127"/>
+              <a:ea typeface="맑은 고딕" panose="020B0503020000020004" pitchFamily="50" charset="-127"/>
+            </a:endParaRPr>
           </a:p>
         </p:txBody>
       </p:sp>
@@ -7394,7 +8119,7 @@
         <p:spPr>
           <a:xfrm>
             <a:off x="1272305" y="2146657"/>
-            <a:ext cx="13857143" cy="2919588"/>
+            <a:ext cx="13857143" cy="1938992"/>
           </a:xfrm>
           <a:prstGeom prst="rect">
             <a:avLst/>
@@ -7412,7 +8137,8 @@
                 <a:solidFill>
                   <a:srgbClr val="000000"/>
                 </a:solidFill>
-                <a:latin typeface="Gmarket Sans Medium" pitchFamily="34" charset="0"/>
+                <a:latin typeface="맑은 고딕" panose="020B0503020000020004" pitchFamily="50" charset="-127"/>
+                <a:ea typeface="맑은 고딕" panose="020B0503020000020004" pitchFamily="50" charset="-127"/>
                 <a:cs typeface="Gmarket Sans Medium" pitchFamily="34" charset="0"/>
               </a:rPr>
               <a:t>2) API 데이터 파싱</a:t>
@@ -7423,12 +8149,16 @@
               <a:solidFill>
                 <a:srgbClr val="000000"/>
               </a:solidFill>
-              <a:latin typeface="Gmarket Sans Medium" pitchFamily="34" charset="0"/>
+              <a:latin typeface="맑은 고딕" panose="020B0503020000020004" pitchFamily="50" charset="-127"/>
+              <a:ea typeface="맑은 고딕" panose="020B0503020000020004" pitchFamily="50" charset="-127"/>
               <a:cs typeface="Gmarket Sans Medium" pitchFamily="34" charset="0"/>
             </a:endParaRPr>
           </a:p>
           <a:p>
-            <a:endParaRPr lang="en-US" dirty="0"/>
+            <a:endParaRPr lang="en-US" dirty="0">
+              <a:latin typeface="맑은 고딕" panose="020B0503020000020004" pitchFamily="50" charset="-127"/>
+              <a:ea typeface="맑은 고딕" panose="020B0503020000020004" pitchFamily="50" charset="-127"/>
+            </a:endParaRPr>
           </a:p>
         </p:txBody>
       </p:sp>
@@ -7518,8 +8248,8 @@
         </p:nvSpPr>
         <p:spPr>
           <a:xfrm>
-            <a:off x="4224985" y="3709792"/>
-            <a:ext cx="6584388" cy="2149597"/>
+            <a:off x="4419600" y="3545636"/>
+            <a:ext cx="6584388" cy="1523494"/>
           </a:xfrm>
           <a:prstGeom prst="rect">
             <a:avLst/>
@@ -7532,34 +8262,47 @@
           </a:bodyPr>
           <a:lstStyle/>
           <a:p>
+            <a:pPr algn="ctr">
+              <a:lnSpc>
+                <a:spcPct val="150000"/>
+              </a:lnSpc>
+            </a:pPr>
+            <a:r>
+              <a:rPr lang="en-US" sz="2500" dirty="0">
+                <a:solidFill>
+                  <a:srgbClr val="000000"/>
+                </a:solidFill>
+                <a:latin typeface="맑은 고딕" panose="020B0503020000020004" pitchFamily="50" charset="-127"/>
+                <a:ea typeface="맑은 고딕" panose="020B0503020000020004" pitchFamily="50" charset="-127"/>
+                <a:cs typeface="Gmarket Sans Medium" pitchFamily="34" charset="0"/>
+              </a:rPr>
+              <a:t>location 라이브러리를 사용</a:t>
+            </a:r>
+          </a:p>
+          <a:p>
+            <a:pPr algn="ctr">
+              <a:lnSpc>
+                <a:spcPct val="150000"/>
+              </a:lnSpc>
+            </a:pPr>
+            <a:r>
+              <a:rPr lang="en-US" sz="2500" dirty="0">
+                <a:solidFill>
+                  <a:srgbClr val="000000"/>
+                </a:solidFill>
+                <a:latin typeface="맑은 고딕" panose="020B0503020000020004" pitchFamily="50" charset="-127"/>
+                <a:ea typeface="맑은 고딕" panose="020B0503020000020004" pitchFamily="50" charset="-127"/>
+                <a:cs typeface="Gmarket Sans Medium" pitchFamily="34" charset="0"/>
+              </a:rPr>
+              <a:t> 현재 위도, 경도를 파싱</a:t>
+            </a:r>
+          </a:p>
+          <a:p>
             <a:pPr algn="ctr"/>
-            <a:r>
-              <a:rPr lang="en-US" sz="2500" dirty="0">
-                <a:solidFill>
-                  <a:srgbClr val="000000"/>
-                </a:solidFill>
-                <a:latin typeface="Gmarket Sans Medium" pitchFamily="34" charset="0"/>
-                <a:cs typeface="Gmarket Sans Medium" pitchFamily="34" charset="0"/>
-              </a:rPr>
-              <a:t>location 라이브러리를 사용</a:t>
-            </a:r>
-          </a:p>
-          <a:p>
-            <a:pPr algn="ctr"/>
-            <a:r>
-              <a:rPr lang="en-US" sz="2500" dirty="0">
-                <a:solidFill>
-                  <a:srgbClr val="000000"/>
-                </a:solidFill>
-                <a:latin typeface="Gmarket Sans Medium" pitchFamily="34" charset="0"/>
-                <a:cs typeface="Gmarket Sans Medium" pitchFamily="34" charset="0"/>
-              </a:rPr>
-              <a:t> 현재 위도, 경도를 파싱</a:t>
-            </a:r>
-          </a:p>
-          <a:p>
-            <a:pPr algn="ctr"/>
-            <a:endParaRPr lang="en-US" dirty="0"/>
+            <a:endParaRPr lang="en-US" dirty="0">
+              <a:latin typeface="맑은 고딕" panose="020B0503020000020004" pitchFamily="50" charset="-127"/>
+              <a:ea typeface="맑은 고딕" panose="020B0503020000020004" pitchFamily="50" charset="-127"/>
+            </a:endParaRPr>
           </a:p>
         </p:txBody>
       </p:sp>
@@ -7611,7 +8354,7 @@
         <p:spPr>
           <a:xfrm>
             <a:off x="10060833" y="7396656"/>
-            <a:ext cx="7710756" cy="1394880"/>
+            <a:ext cx="7710756" cy="1172116"/>
           </a:xfrm>
           <a:prstGeom prst="rect">
             <a:avLst/>
@@ -7624,31 +8367,44 @@
           </a:bodyPr>
           <a:lstStyle/>
           <a:p>
-            <a:pPr algn="ctr"/>
+            <a:pPr algn="ctr">
+              <a:lnSpc>
+                <a:spcPct val="150000"/>
+              </a:lnSpc>
+            </a:pPr>
             <a:r>
               <a:rPr lang="en-US" sz="2500" dirty="0">
                 <a:solidFill>
                   <a:srgbClr val="000000"/>
                 </a:solidFill>
-                <a:latin typeface="Gmarket Sans Medium" pitchFamily="34" charset="0"/>
+                <a:latin typeface="맑은 고딕" panose="020B0503020000020004" pitchFamily="50" charset="-127"/>
+                <a:ea typeface="맑은 고딕" panose="020B0503020000020004" pitchFamily="50" charset="-127"/>
                 <a:cs typeface="Gmarket Sans Medium" pitchFamily="34" charset="0"/>
               </a:rPr>
               <a:t>(Serial Monitor) </a:t>
             </a:r>
           </a:p>
           <a:p>
-            <a:pPr algn="ctr"/>
+            <a:pPr algn="ctr">
+              <a:lnSpc>
+                <a:spcPct val="150000"/>
+              </a:lnSpc>
+            </a:pPr>
             <a:r>
               <a:rPr lang="en-US" sz="2500" dirty="0">
                 <a:solidFill>
                   <a:srgbClr val="000000"/>
                 </a:solidFill>
-                <a:latin typeface="Gmarket Sans Medium" pitchFamily="34" charset="0"/>
+                <a:latin typeface="맑은 고딕" panose="020B0503020000020004" pitchFamily="50" charset="-127"/>
+                <a:ea typeface="맑은 고딕" panose="020B0503020000020004" pitchFamily="50" charset="-127"/>
                 <a:cs typeface="Gmarket Sans Medium" pitchFamily="34" charset="0"/>
               </a:rPr>
               <a:t>정상적인 데이터가 출력되는 모습</a:t>
             </a:r>
-            <a:endParaRPr lang="en-US" dirty="0"/>
+            <a:endParaRPr lang="en-US" dirty="0">
+              <a:latin typeface="맑은 고딕" panose="020B0503020000020004" pitchFamily="50" charset="-127"/>
+              <a:ea typeface="맑은 고딕" panose="020B0503020000020004" pitchFamily="50" charset="-127"/>
+            </a:endParaRPr>
           </a:p>
         </p:txBody>
       </p:sp>
@@ -7661,7 +8417,7 @@
         <p:spPr>
           <a:xfrm>
             <a:off x="-267100" y="9298429"/>
-            <a:ext cx="11622715" cy="661727"/>
+            <a:ext cx="11622715" cy="477054"/>
           </a:xfrm>
           <a:prstGeom prst="rect">
             <a:avLst/>
@@ -7680,12 +8436,16 @@
                 <a:solidFill>
                   <a:srgbClr val="000000"/>
                 </a:solidFill>
-                <a:latin typeface="Gmarket Sans Medium" pitchFamily="34" charset="0"/>
+                <a:latin typeface="맑은 고딕" panose="020B0503020000020004" pitchFamily="50" charset="-127"/>
+                <a:ea typeface="맑은 고딕" panose="020B0503020000020004" pitchFamily="50" charset="-127"/>
                 <a:cs typeface="Gmarket Sans Medium" pitchFamily="34" charset="0"/>
               </a:rPr>
               <a:t>경기도 버스 정보 포털에서 받아온 버스 도착시간을 계산</a:t>
             </a:r>
-            <a:endParaRPr lang="en-US" dirty="0"/>
+            <a:endParaRPr lang="en-US" dirty="0">
+              <a:latin typeface="맑은 고딕" panose="020B0503020000020004" pitchFamily="50" charset="-127"/>
+              <a:ea typeface="맑은 고딕" panose="020B0503020000020004" pitchFamily="50" charset="-127"/>
+            </a:endParaRPr>
           </a:p>
         </p:txBody>
       </p:sp>
@@ -7770,7 +8530,7 @@
         <p:spPr>
           <a:xfrm>
             <a:off x="1420619" y="751674"/>
-            <a:ext cx="5393990" cy="656557"/>
+            <a:ext cx="5393990" cy="477054"/>
           </a:xfrm>
           <a:prstGeom prst="rect">
             <a:avLst/>
@@ -7788,12 +8548,16 @@
                 <a:solidFill>
                   <a:srgbClr val="FFFFFF"/>
                 </a:solidFill>
-                <a:latin typeface="Gmarket Sans Medium" pitchFamily="34" charset="0"/>
+                <a:latin typeface="맑은 고딕" panose="020B0503020000020004" pitchFamily="50" charset="-127"/>
+                <a:ea typeface="맑은 고딕" panose="020B0503020000020004" pitchFamily="50" charset="-127"/>
                 <a:cs typeface="Gmarket Sans Medium" pitchFamily="34" charset="0"/>
               </a:rPr>
               <a:t>프로젝트 진행과정</a:t>
             </a:r>
-            <a:endParaRPr lang="en-US" dirty="0"/>
+            <a:endParaRPr lang="en-US" dirty="0">
+              <a:latin typeface="맑은 고딕" panose="020B0503020000020004" pitchFamily="50" charset="-127"/>
+              <a:ea typeface="맑은 고딕" panose="020B0503020000020004" pitchFamily="50" charset="-127"/>
+            </a:endParaRPr>
           </a:p>
         </p:txBody>
       </p:sp>
@@ -7845,7 +8609,7 @@
         <p:spPr>
           <a:xfrm>
             <a:off x="511511" y="719270"/>
-            <a:ext cx="661976" cy="253288"/>
+            <a:ext cx="661976" cy="230832"/>
           </a:xfrm>
           <a:prstGeom prst="rect">
             <a:avLst/>
@@ -7864,12 +8628,16 @@
                 <a:solidFill>
                   <a:srgbClr val="FFFFFF"/>
                 </a:solidFill>
-                <a:latin typeface="Gmarket Sans Medium" pitchFamily="34" charset="0"/>
+                <a:latin typeface="맑은 고딕" panose="020B0503020000020004" pitchFamily="50" charset="-127"/>
+                <a:ea typeface="맑은 고딕" panose="020B0503020000020004" pitchFamily="50" charset="-127"/>
                 <a:cs typeface="Gmarket Sans Medium" pitchFamily="34" charset="0"/>
               </a:rPr>
               <a:t>PART</a:t>
             </a:r>
-            <a:endParaRPr lang="en-US" dirty="0"/>
+            <a:endParaRPr lang="en-US" dirty="0">
+              <a:latin typeface="맑은 고딕" panose="020B0503020000020004" pitchFamily="50" charset="-127"/>
+              <a:ea typeface="맑은 고딕" panose="020B0503020000020004" pitchFamily="50" charset="-127"/>
+            </a:endParaRPr>
           </a:p>
         </p:txBody>
       </p:sp>
@@ -7882,7 +8650,7 @@
         <p:spPr>
           <a:xfrm>
             <a:off x="374360" y="846012"/>
-            <a:ext cx="963245" cy="721911"/>
+            <a:ext cx="963245" cy="507831"/>
           </a:xfrm>
           <a:prstGeom prst="rect">
             <a:avLst/>
@@ -7901,12 +8669,16 @@
                 <a:solidFill>
                   <a:srgbClr val="FFFFFF"/>
                 </a:solidFill>
-                <a:latin typeface="Gmarket Sans Medium" pitchFamily="34" charset="0"/>
+                <a:latin typeface="맑은 고딕" panose="020B0503020000020004" pitchFamily="50" charset="-127"/>
+                <a:ea typeface="맑은 고딕" panose="020B0503020000020004" pitchFamily="50" charset="-127"/>
                 <a:cs typeface="Gmarket Sans Medium" pitchFamily="34" charset="0"/>
               </a:rPr>
               <a:t>02</a:t>
             </a:r>
-            <a:endParaRPr lang="en-US" dirty="0"/>
+            <a:endParaRPr lang="en-US" dirty="0">
+              <a:latin typeface="맑은 고딕" panose="020B0503020000020004" pitchFamily="50" charset="-127"/>
+              <a:ea typeface="맑은 고딕" panose="020B0503020000020004" pitchFamily="50" charset="-127"/>
+            </a:endParaRPr>
           </a:p>
         </p:txBody>
       </p:sp>
@@ -7919,7 +8691,7 @@
         <p:spPr>
           <a:xfrm>
             <a:off x="11333283" y="843660"/>
-            <a:ext cx="6529083" cy="434856"/>
+            <a:ext cx="6529083" cy="338554"/>
           </a:xfrm>
           <a:prstGeom prst="rect">
             <a:avLst/>
@@ -7938,12 +8710,16 @@
                 <a:solidFill>
                   <a:srgbClr val="FFFFFF"/>
                 </a:solidFill>
-                <a:latin typeface="Gmarket Sans Medium" pitchFamily="34" charset="0"/>
+                <a:latin typeface="맑은 고딕" panose="020B0503020000020004" pitchFamily="50" charset="-127"/>
+                <a:ea typeface="맑은 고딕" panose="020B0503020000020004" pitchFamily="50" charset="-127"/>
                 <a:cs typeface="Gmarket Sans Medium" pitchFamily="34" charset="0"/>
               </a:rPr>
               <a:t>GPS를 이용한 실시간 버스정보알리미</a:t>
             </a:r>
-            <a:endParaRPr lang="en-US" dirty="0"/>
+            <a:endParaRPr lang="en-US" dirty="0">
+              <a:latin typeface="맑은 고딕" panose="020B0503020000020004" pitchFamily="50" charset="-127"/>
+              <a:ea typeface="맑은 고딕" panose="020B0503020000020004" pitchFamily="50" charset="-127"/>
+            </a:endParaRPr>
           </a:p>
         </p:txBody>
       </p:sp>
@@ -7956,7 +8732,7 @@
         <p:spPr>
           <a:xfrm>
             <a:off x="1272305" y="2146657"/>
-            <a:ext cx="7378069" cy="2919588"/>
+            <a:ext cx="7378069" cy="1938992"/>
           </a:xfrm>
           <a:prstGeom prst="rect">
             <a:avLst/>
@@ -7974,7 +8750,8 @@
                 <a:solidFill>
                   <a:srgbClr val="000000"/>
                 </a:solidFill>
-                <a:latin typeface="Gmarket Sans Medium" pitchFamily="34" charset="0"/>
+                <a:latin typeface="맑은 고딕" panose="020B0503020000020004" pitchFamily="50" charset="-127"/>
+                <a:ea typeface="맑은 고딕" panose="020B0503020000020004" pitchFamily="50" charset="-127"/>
                 <a:cs typeface="Gmarket Sans Medium" pitchFamily="34" charset="0"/>
               </a:rPr>
               <a:t>3) 웹 서버 연동</a:t>
@@ -7985,12 +8762,16 @@
               <a:solidFill>
                 <a:srgbClr val="000000"/>
               </a:solidFill>
-              <a:latin typeface="Gmarket Sans Medium" pitchFamily="34" charset="0"/>
+              <a:latin typeface="맑은 고딕" panose="020B0503020000020004" pitchFamily="50" charset="-127"/>
+              <a:ea typeface="맑은 고딕" panose="020B0503020000020004" pitchFamily="50" charset="-127"/>
               <a:cs typeface="Gmarket Sans Medium" pitchFamily="34" charset="0"/>
             </a:endParaRPr>
           </a:p>
           <a:p>
-            <a:endParaRPr lang="en-US" dirty="0"/>
+            <a:endParaRPr lang="en-US" dirty="0">
+              <a:latin typeface="맑은 고딕" panose="020B0503020000020004" pitchFamily="50" charset="-127"/>
+              <a:ea typeface="맑은 고딕" panose="020B0503020000020004" pitchFamily="50" charset="-127"/>
+            </a:endParaRPr>
           </a:p>
         </p:txBody>
       </p:sp>
@@ -8143,7 +8924,8 @@
                 <a:solidFill>
                   <a:srgbClr val="000000"/>
                 </a:solidFill>
-                <a:latin typeface="Gmarket Sans Medium" pitchFamily="34" charset="0"/>
+                <a:latin typeface="맑은 고딕" panose="020B0503020000020004" pitchFamily="50" charset="-127"/>
+                <a:ea typeface="맑은 고딕" panose="020B0503020000020004" pitchFamily="50" charset="-127"/>
                 <a:cs typeface="Gmarket Sans Medium" pitchFamily="34" charset="0"/>
               </a:rPr>
               <a:t>와이파이에 연결 된 직후, 데이터를 파싱하는 모든 작업이 끝나면 웹 서버가 열리고, </a:t>
@@ -8160,7 +8942,8 @@
                 <a:solidFill>
                   <a:srgbClr val="000000"/>
                 </a:solidFill>
-                <a:latin typeface="Gmarket Sans Medium" pitchFamily="34" charset="0"/>
+                <a:latin typeface="맑은 고딕" panose="020B0503020000020004" pitchFamily="50" charset="-127"/>
+                <a:ea typeface="맑은 고딕" panose="020B0503020000020004" pitchFamily="50" charset="-127"/>
                 <a:cs typeface="Gmarket Sans Medium" pitchFamily="34" charset="0"/>
               </a:rPr>
               <a:t>사용자가</a:t>
@@ -8170,12 +8953,16 @@
                 <a:solidFill>
                   <a:srgbClr val="000000"/>
                 </a:solidFill>
-                <a:latin typeface="Gmarket Sans Medium" pitchFamily="34" charset="0"/>
+                <a:latin typeface="맑은 고딕" panose="020B0503020000020004" pitchFamily="50" charset="-127"/>
+                <a:ea typeface="맑은 고딕" panose="020B0503020000020004" pitchFamily="50" charset="-127"/>
                 <a:cs typeface="Gmarket Sans Medium" pitchFamily="34" charset="0"/>
               </a:rPr>
               <a:t> 현재 위치하고 있는 버스정류장의 현황을 보여준다.</a:t>
             </a:r>
-            <a:endParaRPr lang="en-US" dirty="0"/>
+            <a:endParaRPr lang="en-US" dirty="0">
+              <a:latin typeface="맑은 고딕" panose="020B0503020000020004" pitchFamily="50" charset="-127"/>
+              <a:ea typeface="맑은 고딕" panose="020B0503020000020004" pitchFamily="50" charset="-127"/>
+            </a:endParaRPr>
           </a:p>
         </p:txBody>
       </p:sp>
@@ -8260,7 +9047,7 @@
         <p:spPr>
           <a:xfrm>
             <a:off x="1420619" y="751674"/>
-            <a:ext cx="5393990" cy="656557"/>
+            <a:ext cx="5393990" cy="477054"/>
           </a:xfrm>
           <a:prstGeom prst="rect">
             <a:avLst/>
@@ -8278,12 +9065,16 @@
                 <a:solidFill>
                   <a:srgbClr val="FFFFFF"/>
                 </a:solidFill>
-                <a:latin typeface="Gmarket Sans Medium" pitchFamily="34" charset="0"/>
+                <a:latin typeface="맑은 고딕" panose="020B0503020000020004" pitchFamily="50" charset="-127"/>
+                <a:ea typeface="맑은 고딕" panose="020B0503020000020004" pitchFamily="50" charset="-127"/>
                 <a:cs typeface="Gmarket Sans Medium" pitchFamily="34" charset="0"/>
               </a:rPr>
               <a:t>프로젝트 진행과정</a:t>
             </a:r>
-            <a:endParaRPr lang="en-US" dirty="0"/>
+            <a:endParaRPr lang="en-US" dirty="0">
+              <a:latin typeface="맑은 고딕" panose="020B0503020000020004" pitchFamily="50" charset="-127"/>
+              <a:ea typeface="맑은 고딕" panose="020B0503020000020004" pitchFamily="50" charset="-127"/>
+            </a:endParaRPr>
           </a:p>
         </p:txBody>
       </p:sp>
@@ -8335,7 +9126,7 @@
         <p:spPr>
           <a:xfrm>
             <a:off x="511511" y="719270"/>
-            <a:ext cx="661976" cy="253288"/>
+            <a:ext cx="661976" cy="230832"/>
           </a:xfrm>
           <a:prstGeom prst="rect">
             <a:avLst/>
@@ -8354,12 +9145,16 @@
                 <a:solidFill>
                   <a:srgbClr val="FFFFFF"/>
                 </a:solidFill>
-                <a:latin typeface="Gmarket Sans Medium" pitchFamily="34" charset="0"/>
+                <a:latin typeface="맑은 고딕" panose="020B0503020000020004" pitchFamily="50" charset="-127"/>
+                <a:ea typeface="맑은 고딕" panose="020B0503020000020004" pitchFamily="50" charset="-127"/>
                 <a:cs typeface="Gmarket Sans Medium" pitchFamily="34" charset="0"/>
               </a:rPr>
               <a:t>PART</a:t>
             </a:r>
-            <a:endParaRPr lang="en-US" dirty="0"/>
+            <a:endParaRPr lang="en-US" dirty="0">
+              <a:latin typeface="맑은 고딕" panose="020B0503020000020004" pitchFamily="50" charset="-127"/>
+              <a:ea typeface="맑은 고딕" panose="020B0503020000020004" pitchFamily="50" charset="-127"/>
+            </a:endParaRPr>
           </a:p>
         </p:txBody>
       </p:sp>
@@ -8372,7 +9167,7 @@
         <p:spPr>
           <a:xfrm>
             <a:off x="374360" y="846012"/>
-            <a:ext cx="963245" cy="721911"/>
+            <a:ext cx="963245" cy="507831"/>
           </a:xfrm>
           <a:prstGeom prst="rect">
             <a:avLst/>
@@ -8391,12 +9186,16 @@
                 <a:solidFill>
                   <a:srgbClr val="FFFFFF"/>
                 </a:solidFill>
-                <a:latin typeface="Gmarket Sans Medium" pitchFamily="34" charset="0"/>
+                <a:latin typeface="맑은 고딕" panose="020B0503020000020004" pitchFamily="50" charset="-127"/>
+                <a:ea typeface="맑은 고딕" panose="020B0503020000020004" pitchFamily="50" charset="-127"/>
                 <a:cs typeface="Gmarket Sans Medium" pitchFamily="34" charset="0"/>
               </a:rPr>
               <a:t>02</a:t>
             </a:r>
-            <a:endParaRPr lang="en-US" dirty="0"/>
+            <a:endParaRPr lang="en-US" dirty="0">
+              <a:latin typeface="맑은 고딕" panose="020B0503020000020004" pitchFamily="50" charset="-127"/>
+              <a:ea typeface="맑은 고딕" panose="020B0503020000020004" pitchFamily="50" charset="-127"/>
+            </a:endParaRPr>
           </a:p>
         </p:txBody>
       </p:sp>
@@ -8409,7 +9208,7 @@
         <p:spPr>
           <a:xfrm>
             <a:off x="11333283" y="843660"/>
-            <a:ext cx="6529083" cy="434856"/>
+            <a:ext cx="6529083" cy="338554"/>
           </a:xfrm>
           <a:prstGeom prst="rect">
             <a:avLst/>
@@ -8428,12 +9227,16 @@
                 <a:solidFill>
                   <a:srgbClr val="FFFFFF"/>
                 </a:solidFill>
-                <a:latin typeface="Gmarket Sans Medium" pitchFamily="34" charset="0"/>
+                <a:latin typeface="맑은 고딕" panose="020B0503020000020004" pitchFamily="50" charset="-127"/>
+                <a:ea typeface="맑은 고딕" panose="020B0503020000020004" pitchFamily="50" charset="-127"/>
                 <a:cs typeface="Gmarket Sans Medium" pitchFamily="34" charset="0"/>
               </a:rPr>
               <a:t>GPS를 이용한 실시간 버스정보알리미</a:t>
             </a:r>
-            <a:endParaRPr lang="en-US" dirty="0"/>
+            <a:endParaRPr lang="en-US" dirty="0">
+              <a:latin typeface="맑은 고딕" panose="020B0503020000020004" pitchFamily="50" charset="-127"/>
+              <a:ea typeface="맑은 고딕" panose="020B0503020000020004" pitchFamily="50" charset="-127"/>
+            </a:endParaRPr>
           </a:p>
         </p:txBody>
       </p:sp>
@@ -8446,7 +9249,7 @@
         <p:spPr>
           <a:xfrm>
             <a:off x="1272305" y="2146657"/>
-            <a:ext cx="8262166" cy="2143308"/>
+            <a:ext cx="8262166" cy="1154162"/>
           </a:xfrm>
           <a:prstGeom prst="rect">
             <a:avLst/>
@@ -8464,14 +9267,18 @@
                 <a:solidFill>
                   <a:srgbClr val="000000"/>
                 </a:solidFill>
-                <a:latin typeface="Gmarket Sans Medium" pitchFamily="34" charset="0"/>
+                <a:latin typeface="맑은 고딕" panose="020B0503020000020004" pitchFamily="50" charset="-127"/>
+                <a:ea typeface="맑은 고딕" panose="020B0503020000020004" pitchFamily="50" charset="-127"/>
                 <a:cs typeface="Gmarket Sans Medium" pitchFamily="34" charset="0"/>
               </a:rPr>
               <a:t>4) 디스플레이 출력</a:t>
             </a:r>
           </a:p>
           <a:p>
-            <a:endParaRPr lang="en-US" dirty="0"/>
+            <a:endParaRPr lang="en-US" dirty="0">
+              <a:latin typeface="맑은 고딕" panose="020B0503020000020004" pitchFamily="50" charset="-127"/>
+              <a:ea typeface="맑은 고딕" panose="020B0503020000020004" pitchFamily="50" charset="-127"/>
+            </a:endParaRPr>
           </a:p>
         </p:txBody>
       </p:sp>
@@ -8663,7 +9470,8 @@
                 <a:solidFill>
                   <a:srgbClr val="000000"/>
                 </a:solidFill>
-                <a:latin typeface="Gmarket Sans Medium" pitchFamily="34" charset="0"/>
+                <a:latin typeface="맑은 고딕" panose="020B0503020000020004" pitchFamily="50" charset="-127"/>
+                <a:ea typeface="맑은 고딕" panose="020B0503020000020004" pitchFamily="50" charset="-127"/>
                 <a:cs typeface="Gmarket Sans Medium" pitchFamily="34" charset="0"/>
               </a:rPr>
               <a:t>- 비트맵 이미지</a:t>
@@ -8680,7 +9488,8 @@
                 <a:solidFill>
                   <a:srgbClr val="000000"/>
                 </a:solidFill>
-                <a:latin typeface="Gmarket Sans Medium" pitchFamily="34" charset="0"/>
+                <a:latin typeface="맑은 고딕" panose="020B0503020000020004" pitchFamily="50" charset="-127"/>
+                <a:ea typeface="맑은 고딕" panose="020B0503020000020004" pitchFamily="50" charset="-127"/>
                 <a:cs typeface="Gmarket Sans Medium" pitchFamily="34" charset="0"/>
               </a:rPr>
               <a:t>버스커 버스커 로고 출력</a:t>
@@ -8696,7 +9505,8 @@
               <a:solidFill>
                 <a:srgbClr val="000000"/>
               </a:solidFill>
-              <a:latin typeface="Gmarket Sans Medium" pitchFamily="34" charset="0"/>
+              <a:latin typeface="맑은 고딕" panose="020B0503020000020004" pitchFamily="50" charset="-127"/>
+              <a:ea typeface="맑은 고딕" panose="020B0503020000020004" pitchFamily="50" charset="-127"/>
               <a:cs typeface="Gmarket Sans Medium" pitchFamily="34" charset="0"/>
             </a:endParaRPr>
           </a:p>
@@ -8711,7 +9521,8 @@
                 <a:solidFill>
                   <a:srgbClr val="000000"/>
                 </a:solidFill>
-                <a:latin typeface="Gmarket Sans Medium" pitchFamily="34" charset="0"/>
+                <a:latin typeface="맑은 고딕" panose="020B0503020000020004" pitchFamily="50" charset="-127"/>
+                <a:ea typeface="맑은 고딕" panose="020B0503020000020004" pitchFamily="50" charset="-127"/>
                 <a:cs typeface="Gmarket Sans Medium" pitchFamily="34" charset="0"/>
               </a:rPr>
               <a:t>- 와이파이 연결 동작 중 </a:t>
@@ -8721,7 +9532,8 @@
                 <a:solidFill>
                   <a:srgbClr val="000000"/>
                 </a:solidFill>
-                <a:latin typeface="Gmarket Sans Medium" pitchFamily="34" charset="0"/>
+                <a:latin typeface="맑은 고딕" panose="020B0503020000020004" pitchFamily="50" charset="-127"/>
+                <a:ea typeface="맑은 고딕" panose="020B0503020000020004" pitchFamily="50" charset="-127"/>
                 <a:cs typeface="Gmarket Sans Medium" pitchFamily="34" charset="0"/>
               </a:rPr>
               <a:t>(움직이는 이미지)</a:t>
@@ -8738,7 +9550,8 @@
                 <a:solidFill>
                   <a:srgbClr val="000000"/>
                 </a:solidFill>
-                <a:latin typeface="Gmarket Sans Medium" pitchFamily="34" charset="0"/>
+                <a:latin typeface="맑은 고딕" panose="020B0503020000020004" pitchFamily="50" charset="-127"/>
+                <a:ea typeface="맑은 고딕" panose="020B0503020000020004" pitchFamily="50" charset="-127"/>
                 <a:cs typeface="Gmarket Sans Medium" pitchFamily="34" charset="0"/>
               </a:rPr>
               <a:t>정상적으로 연결될 시에 Connect 표시</a:t>
@@ -8754,7 +9567,8 @@
               <a:solidFill>
                 <a:srgbClr val="000000"/>
               </a:solidFill>
-              <a:latin typeface="Gmarket Sans Medium" pitchFamily="34" charset="0"/>
+              <a:latin typeface="맑은 고딕" panose="020B0503020000020004" pitchFamily="50" charset="-127"/>
+              <a:ea typeface="맑은 고딕" panose="020B0503020000020004" pitchFamily="50" charset="-127"/>
               <a:cs typeface="Gmarket Sans Medium" pitchFamily="34" charset="0"/>
             </a:endParaRPr>
           </a:p>
@@ -8769,7 +9583,8 @@
                 <a:solidFill>
                   <a:srgbClr val="000000"/>
                 </a:solidFill>
-                <a:latin typeface="Gmarket Sans Medium" pitchFamily="34" charset="0"/>
+                <a:latin typeface="맑은 고딕" panose="020B0503020000020004" pitchFamily="50" charset="-127"/>
+                <a:ea typeface="맑은 고딕" panose="020B0503020000020004" pitchFamily="50" charset="-127"/>
                 <a:cs typeface="Gmarket Sans Medium" pitchFamily="34" charset="0"/>
               </a:rPr>
               <a:t>- 해당 위치에 버스정류장의 데이터를 출력함</a:t>
@@ -8785,7 +9600,8 @@
               <a:solidFill>
                 <a:srgbClr val="000000"/>
               </a:solidFill>
-              <a:latin typeface="Gmarket Sans Medium" pitchFamily="34" charset="0"/>
+              <a:latin typeface="맑은 고딕" panose="020B0503020000020004" pitchFamily="50" charset="-127"/>
+              <a:ea typeface="맑은 고딕" panose="020B0503020000020004" pitchFamily="50" charset="-127"/>
               <a:cs typeface="Gmarket Sans Medium" pitchFamily="34" charset="0"/>
             </a:endParaRPr>
           </a:p>
@@ -8800,12 +9616,16 @@
                 <a:solidFill>
                   <a:srgbClr val="000000"/>
                 </a:solidFill>
-                <a:latin typeface="Gmarket Sans Medium" pitchFamily="34" charset="0"/>
+                <a:latin typeface="맑은 고딕" panose="020B0503020000020004" pitchFamily="50" charset="-127"/>
+                <a:ea typeface="맑은 고딕" panose="020B0503020000020004" pitchFamily="50" charset="-127"/>
                 <a:cs typeface="Gmarket Sans Medium" pitchFamily="34" charset="0"/>
               </a:rPr>
               <a:t>※ 자세한 동작 과정은 시연을 통해 보여드릴 예정</a:t>
             </a:r>
-            <a:endParaRPr lang="en-US" dirty="0"/>
+            <a:endParaRPr lang="en-US" dirty="0">
+              <a:latin typeface="맑은 고딕" panose="020B0503020000020004" pitchFamily="50" charset="-127"/>
+              <a:ea typeface="맑은 고딕" panose="020B0503020000020004" pitchFamily="50" charset="-127"/>
+            </a:endParaRPr>
           </a:p>
         </p:txBody>
       </p:sp>
@@ -8890,7 +9710,7 @@
         <p:spPr>
           <a:xfrm>
             <a:off x="1420619" y="751674"/>
-            <a:ext cx="5393990" cy="656557"/>
+            <a:ext cx="5393990" cy="477054"/>
           </a:xfrm>
           <a:prstGeom prst="rect">
             <a:avLst/>
@@ -8908,12 +9728,16 @@
                 <a:solidFill>
                   <a:srgbClr val="FFFFFF"/>
                 </a:solidFill>
-                <a:latin typeface="Gmarket Sans Medium" pitchFamily="34" charset="0"/>
+                <a:latin typeface="맑은 고딕" panose="020B0503020000020004" pitchFamily="50" charset="-127"/>
+                <a:ea typeface="맑은 고딕" panose="020B0503020000020004" pitchFamily="50" charset="-127"/>
                 <a:cs typeface="Gmarket Sans Medium" pitchFamily="34" charset="0"/>
               </a:rPr>
               <a:t>프로젝트 진행과정</a:t>
             </a:r>
-            <a:endParaRPr lang="en-US" dirty="0"/>
+            <a:endParaRPr lang="en-US" dirty="0">
+              <a:latin typeface="맑은 고딕" panose="020B0503020000020004" pitchFamily="50" charset="-127"/>
+              <a:ea typeface="맑은 고딕" panose="020B0503020000020004" pitchFamily="50" charset="-127"/>
+            </a:endParaRPr>
           </a:p>
         </p:txBody>
       </p:sp>
@@ -8965,7 +9789,7 @@
         <p:spPr>
           <a:xfrm>
             <a:off x="511511" y="719270"/>
-            <a:ext cx="661976" cy="253288"/>
+            <a:ext cx="661976" cy="230832"/>
           </a:xfrm>
           <a:prstGeom prst="rect">
             <a:avLst/>
@@ -8984,12 +9808,16 @@
                 <a:solidFill>
                   <a:srgbClr val="FFFFFF"/>
                 </a:solidFill>
-                <a:latin typeface="Gmarket Sans Medium" pitchFamily="34" charset="0"/>
+                <a:latin typeface="맑은 고딕" panose="020B0503020000020004" pitchFamily="50" charset="-127"/>
+                <a:ea typeface="맑은 고딕" panose="020B0503020000020004" pitchFamily="50" charset="-127"/>
                 <a:cs typeface="Gmarket Sans Medium" pitchFamily="34" charset="0"/>
               </a:rPr>
               <a:t>PART</a:t>
             </a:r>
-            <a:endParaRPr lang="en-US" dirty="0"/>
+            <a:endParaRPr lang="en-US" dirty="0">
+              <a:latin typeface="맑은 고딕" panose="020B0503020000020004" pitchFamily="50" charset="-127"/>
+              <a:ea typeface="맑은 고딕" panose="020B0503020000020004" pitchFamily="50" charset="-127"/>
+            </a:endParaRPr>
           </a:p>
         </p:txBody>
       </p:sp>
@@ -9002,7 +9830,7 @@
         <p:spPr>
           <a:xfrm>
             <a:off x="374360" y="846012"/>
-            <a:ext cx="963245" cy="721911"/>
+            <a:ext cx="963245" cy="507831"/>
           </a:xfrm>
           <a:prstGeom prst="rect">
             <a:avLst/>
@@ -9021,12 +9849,16 @@
                 <a:solidFill>
                   <a:srgbClr val="FFFFFF"/>
                 </a:solidFill>
-                <a:latin typeface="Gmarket Sans Medium" pitchFamily="34" charset="0"/>
+                <a:latin typeface="맑은 고딕" panose="020B0503020000020004" pitchFamily="50" charset="-127"/>
+                <a:ea typeface="맑은 고딕" panose="020B0503020000020004" pitchFamily="50" charset="-127"/>
                 <a:cs typeface="Gmarket Sans Medium" pitchFamily="34" charset="0"/>
               </a:rPr>
               <a:t>02</a:t>
             </a:r>
-            <a:endParaRPr lang="en-US" dirty="0"/>
+            <a:endParaRPr lang="en-US" dirty="0">
+              <a:latin typeface="맑은 고딕" panose="020B0503020000020004" pitchFamily="50" charset="-127"/>
+              <a:ea typeface="맑은 고딕" panose="020B0503020000020004" pitchFamily="50" charset="-127"/>
+            </a:endParaRPr>
           </a:p>
         </p:txBody>
       </p:sp>
@@ -9039,7 +9871,7 @@
         <p:spPr>
           <a:xfrm>
             <a:off x="11333283" y="843660"/>
-            <a:ext cx="6529083" cy="434856"/>
+            <a:ext cx="6529083" cy="338554"/>
           </a:xfrm>
           <a:prstGeom prst="rect">
             <a:avLst/>
@@ -9058,12 +9890,16 @@
                 <a:solidFill>
                   <a:srgbClr val="FFFFFF"/>
                 </a:solidFill>
-                <a:latin typeface="Gmarket Sans Medium" pitchFamily="34" charset="0"/>
+                <a:latin typeface="맑은 고딕" panose="020B0503020000020004" pitchFamily="50" charset="-127"/>
+                <a:ea typeface="맑은 고딕" panose="020B0503020000020004" pitchFamily="50" charset="-127"/>
                 <a:cs typeface="Gmarket Sans Medium" pitchFamily="34" charset="0"/>
               </a:rPr>
               <a:t>GPS를 이용한 실시간 버스정보알리미</a:t>
             </a:r>
-            <a:endParaRPr lang="en-US" dirty="0"/>
+            <a:endParaRPr lang="en-US" dirty="0">
+              <a:latin typeface="맑은 고딕" panose="020B0503020000020004" pitchFamily="50" charset="-127"/>
+              <a:ea typeface="맑은 고딕" panose="020B0503020000020004" pitchFamily="50" charset="-127"/>
+            </a:endParaRPr>
           </a:p>
         </p:txBody>
       </p:sp>
@@ -9076,7 +9912,7 @@
         <p:spPr>
           <a:xfrm>
             <a:off x="1272305" y="2146657"/>
-            <a:ext cx="8262166" cy="2143308"/>
+            <a:ext cx="8262166" cy="1154162"/>
           </a:xfrm>
           <a:prstGeom prst="rect">
             <a:avLst/>
@@ -9094,14 +9930,18 @@
                 <a:solidFill>
                   <a:srgbClr val="000000"/>
                 </a:solidFill>
-                <a:latin typeface="Gmarket Sans Medium" pitchFamily="34" charset="0"/>
+                <a:latin typeface="맑은 고딕" panose="020B0503020000020004" pitchFamily="50" charset="-127"/>
+                <a:ea typeface="맑은 고딕" panose="020B0503020000020004" pitchFamily="50" charset="-127"/>
                 <a:cs typeface="Gmarket Sans Medium" pitchFamily="34" charset="0"/>
               </a:rPr>
               <a:t>4) 시연 영상</a:t>
             </a:r>
           </a:p>
           <a:p>
-            <a:endParaRPr lang="en-US" dirty="0"/>
+            <a:endParaRPr lang="en-US" dirty="0">
+              <a:latin typeface="맑은 고딕" panose="020B0503020000020004" pitchFamily="50" charset="-127"/>
+              <a:ea typeface="맑은 고딕" panose="020B0503020000020004" pitchFamily="50" charset="-127"/>
+            </a:endParaRPr>
           </a:p>
         </p:txBody>
       </p:sp>

--- a/종합프로젝트설계_발표자료.pptx
+++ b/종합프로젝트설계_발표자료.pptx
@@ -139,7 +139,7 @@
   <pc:docChgLst>
     <pc:chgData name="최창환" userId="e7bece8d-0b00-46eb-a3f5-00c7562d57af" providerId="ADAL" clId="{1D185AE2-2488-4666-B60E-552A758BAD94}"/>
     <pc:docChg chg="undo custSel modSld">
-      <pc:chgData name="최창환" userId="e7bece8d-0b00-46eb-a3f5-00c7562d57af" providerId="ADAL" clId="{1D185AE2-2488-4666-B60E-552A758BAD94}" dt="2022-05-29T10:18:01.899" v="85" actId="478"/>
+      <pc:chgData name="최창환" userId="e7bece8d-0b00-46eb-a3f5-00c7562d57af" providerId="ADAL" clId="{1D185AE2-2488-4666-B60E-552A758BAD94}" dt="2022-05-30T07:16:23.568" v="136" actId="14100"/>
       <pc:docMkLst>
         <pc:docMk/>
       </pc:docMkLst>
@@ -575,8 +575,8 @@
           </ac:spMkLst>
         </pc:spChg>
       </pc:sldChg>
-      <pc:sldChg chg="modSp mod">
-        <pc:chgData name="최창환" userId="e7bece8d-0b00-46eb-a3f5-00c7562d57af" providerId="ADAL" clId="{1D185AE2-2488-4666-B60E-552A758BAD94}" dt="2022-05-29T10:17:14.972" v="68" actId="2711"/>
+      <pc:sldChg chg="addSp delSp modSp mod modTransition delAnim modAnim">
+        <pc:chgData name="최창환" userId="e7bece8d-0b00-46eb-a3f5-00c7562d57af" providerId="ADAL" clId="{1D185AE2-2488-4666-B60E-552A758BAD94}" dt="2022-05-30T07:16:23.568" v="136" actId="14100"/>
         <pc:sldMkLst>
           <pc:docMk/>
           <pc:sldMk cId="0" sldId="264"/>
@@ -621,6 +621,78 @@
             <ac:spMk id="12" creationId="{00000000-0000-0000-0000-000000000000}"/>
           </ac:spMkLst>
         </pc:spChg>
+        <pc:spChg chg="add mod">
+          <ac:chgData name="최창환" userId="e7bece8d-0b00-46eb-a3f5-00c7562d57af" providerId="ADAL" clId="{1D185AE2-2488-4666-B60E-552A758BAD94}" dt="2022-05-30T07:16:23.568" v="136" actId="14100"/>
+          <ac:spMkLst>
+            <pc:docMk/>
+            <pc:sldMk cId="0" sldId="264"/>
+            <ac:spMk id="18" creationId="{921111A5-93C0-2231-5C2E-F0455DE51A1F}"/>
+          </ac:spMkLst>
+        </pc:spChg>
+        <pc:spChg chg="add del mod">
+          <ac:chgData name="최창환" userId="e7bece8d-0b00-46eb-a3f5-00c7562d57af" providerId="ADAL" clId="{1D185AE2-2488-4666-B60E-552A758BAD94}" dt="2022-05-30T07:02:49.465" v="123" actId="478"/>
+          <ac:spMkLst>
+            <pc:docMk/>
+            <pc:sldMk cId="0" sldId="264"/>
+            <ac:spMk id="19" creationId="{4ED3E567-CC04-E25B-0123-D164C71F3EF3}"/>
+          </ac:spMkLst>
+        </pc:spChg>
+        <pc:picChg chg="add del mod">
+          <ac:chgData name="최창환" userId="e7bece8d-0b00-46eb-a3f5-00c7562d57af" providerId="ADAL" clId="{1D185AE2-2488-4666-B60E-552A758BAD94}" dt="2022-05-30T06:49:00.966" v="93" actId="478"/>
+          <ac:picMkLst>
+            <pc:docMk/>
+            <pc:sldMk cId="0" sldId="264"/>
+            <ac:picMk id="2" creationId="{802C80E9-77FA-9157-16B6-6C9949A10CCD}"/>
+          </ac:picMkLst>
+        </pc:picChg>
+        <pc:picChg chg="add del mod">
+          <ac:chgData name="최창환" userId="e7bece8d-0b00-46eb-a3f5-00c7562d57af" providerId="ADAL" clId="{1D185AE2-2488-4666-B60E-552A758BAD94}" dt="2022-05-30T06:54:55.941" v="100" actId="478"/>
+          <ac:picMkLst>
+            <pc:docMk/>
+            <pc:sldMk cId="0" sldId="264"/>
+            <ac:picMk id="6" creationId="{33CDC40E-EE52-EF04-ABF5-3C58BF2B96E7}"/>
+          </ac:picMkLst>
+        </pc:picChg>
+        <pc:picChg chg="add del mod">
+          <ac:chgData name="최창환" userId="e7bece8d-0b00-46eb-a3f5-00c7562d57af" providerId="ADAL" clId="{1D185AE2-2488-4666-B60E-552A758BAD94}" dt="2022-05-30T07:04:21.687" v="127" actId="478"/>
+          <ac:picMkLst>
+            <pc:docMk/>
+            <pc:sldMk cId="0" sldId="264"/>
+            <ac:picMk id="8" creationId="{4DC96E1B-F63E-9273-4D8D-8FF5111B3B52}"/>
+          </ac:picMkLst>
+        </pc:picChg>
+        <pc:picChg chg="add del mod">
+          <ac:chgData name="최창환" userId="e7bece8d-0b00-46eb-a3f5-00c7562d57af" providerId="ADAL" clId="{1D185AE2-2488-4666-B60E-552A758BAD94}" dt="2022-05-30T07:02:13.251" v="116" actId="478"/>
+          <ac:picMkLst>
+            <pc:docMk/>
+            <pc:sldMk cId="0" sldId="264"/>
+            <ac:picMk id="13" creationId="{F66050B4-15D6-CAAF-52B0-B6312A854A6E}"/>
+          </ac:picMkLst>
+        </pc:picChg>
+        <pc:picChg chg="add del mod">
+          <ac:chgData name="최창환" userId="e7bece8d-0b00-46eb-a3f5-00c7562d57af" providerId="ADAL" clId="{1D185AE2-2488-4666-B60E-552A758BAD94}" dt="2022-05-30T07:02:34.896" v="120" actId="478"/>
+          <ac:picMkLst>
+            <pc:docMk/>
+            <pc:sldMk cId="0" sldId="264"/>
+            <ac:picMk id="14" creationId="{7B742BB1-A7A2-9B1F-C6FB-8F43E9F9C87E}"/>
+          </ac:picMkLst>
+        </pc:picChg>
+        <pc:picChg chg="add del mod">
+          <ac:chgData name="최창환" userId="e7bece8d-0b00-46eb-a3f5-00c7562d57af" providerId="ADAL" clId="{1D185AE2-2488-4666-B60E-552A758BAD94}" dt="2022-05-30T07:00:04.403" v="104" actId="478"/>
+          <ac:picMkLst>
+            <pc:docMk/>
+            <pc:sldMk cId="0" sldId="264"/>
+            <ac:picMk id="15" creationId="{2BEFDF20-482F-0A8C-0ADB-52C41768BBA6}"/>
+          </ac:picMkLst>
+        </pc:picChg>
+        <pc:picChg chg="add del mod">
+          <ac:chgData name="최창환" userId="e7bece8d-0b00-46eb-a3f5-00c7562d57af" providerId="ADAL" clId="{1D185AE2-2488-4666-B60E-552A758BAD94}" dt="2022-05-30T07:03:51.675" v="126" actId="478"/>
+          <ac:picMkLst>
+            <pc:docMk/>
+            <pc:sldMk cId="0" sldId="264"/>
+            <ac:picMk id="17" creationId="{364DD5FE-DEFE-4342-1935-9C5EEC39E4EC}"/>
+          </ac:picMkLst>
+        </pc:picChg>
       </pc:sldChg>
       <pc:sldChg chg="modSp mod">
         <pc:chgData name="최창환" userId="e7bece8d-0b00-46eb-a3f5-00c7562d57af" providerId="ADAL" clId="{1D185AE2-2488-4666-B60E-552A758BAD94}" dt="2022-05-29T10:17:36.403" v="78" actId="1076"/>
@@ -939,7 +1011,7 @@
           <a:p>
             <a:fld id="{F8166F1F-CE9B-4651-A6AA-CD717754106B}" type="datetimeFigureOut">
               <a:rPr lang="en-US" smtClean="0"/>
-              <a:t>5/29/2022</a:t>
+              <a:t>5/30/2022</a:t>
             </a:fld>
             <a:endParaRPr lang="en-US"/>
           </a:p>
@@ -1102,7 +1174,7 @@
           <a:p>
             <a:fld id="{A76116CE-C4A3-4A05-B2D7-7C2E9A889C0F}" type="datetimeFigureOut">
               <a:rPr lang="en-US" smtClean="0"/>
-              <a:t>5/29/2022</a:t>
+              <a:t>5/30/2022</a:t>
             </a:fld>
             <a:endParaRPr lang="en-US"/>
           </a:p>
@@ -1275,7 +1347,7 @@
           <a:p>
             <a:fld id="{A76116CE-C4A3-4A05-B2D7-7C2E9A889C0F}" type="datetimeFigureOut">
               <a:rPr lang="en-US" smtClean="0"/>
-              <a:t>5/29/2022</a:t>
+              <a:t>5/30/2022</a:t>
             </a:fld>
             <a:endParaRPr lang="en-US"/>
           </a:p>
@@ -1440,7 +1512,7 @@
           <a:p>
             <a:fld id="{A76116CE-C4A3-4A05-B2D7-7C2E9A889C0F}" type="datetimeFigureOut">
               <a:rPr lang="en-US" smtClean="0"/>
-              <a:t>5/29/2022</a:t>
+              <a:t>5/30/2022</a:t>
             </a:fld>
             <a:endParaRPr lang="en-US"/>
           </a:p>
@@ -1680,7 +1752,7 @@
           <a:p>
             <a:fld id="{A76116CE-C4A3-4A05-B2D7-7C2E9A889C0F}" type="datetimeFigureOut">
               <a:rPr lang="en-US" smtClean="0"/>
-              <a:t>5/29/2022</a:t>
+              <a:t>5/30/2022</a:t>
             </a:fld>
             <a:endParaRPr lang="en-US"/>
           </a:p>
@@ -1960,7 +2032,7 @@
           <a:p>
             <a:fld id="{A76116CE-C4A3-4A05-B2D7-7C2E9A889C0F}" type="datetimeFigureOut">
               <a:rPr lang="en-US" smtClean="0"/>
-              <a:t>5/29/2022</a:t>
+              <a:t>5/30/2022</a:t>
             </a:fld>
             <a:endParaRPr lang="en-US"/>
           </a:p>
@@ -2374,7 +2446,7 @@
           <a:p>
             <a:fld id="{A76116CE-C4A3-4A05-B2D7-7C2E9A889C0F}" type="datetimeFigureOut">
               <a:rPr lang="en-US" smtClean="0"/>
-              <a:t>5/29/2022</a:t>
+              <a:t>5/30/2022</a:t>
             </a:fld>
             <a:endParaRPr lang="en-US"/>
           </a:p>
@@ -2486,7 +2558,7 @@
           <a:p>
             <a:fld id="{A76116CE-C4A3-4A05-B2D7-7C2E9A889C0F}" type="datetimeFigureOut">
               <a:rPr lang="en-US" smtClean="0"/>
-              <a:t>5/29/2022</a:t>
+              <a:t>5/30/2022</a:t>
             </a:fld>
             <a:endParaRPr lang="en-US"/>
           </a:p>
@@ -2576,7 +2648,7 @@
           <a:p>
             <a:fld id="{A76116CE-C4A3-4A05-B2D7-7C2E9A889C0F}" type="datetimeFigureOut">
               <a:rPr lang="en-US" smtClean="0"/>
-              <a:t>5/29/2022</a:t>
+              <a:t>5/30/2022</a:t>
             </a:fld>
             <a:endParaRPr lang="en-US"/>
           </a:p>
@@ -2846,7 +2918,7 @@
           <a:p>
             <a:fld id="{A76116CE-C4A3-4A05-B2D7-7C2E9A889C0F}" type="datetimeFigureOut">
               <a:rPr lang="en-US" smtClean="0"/>
-              <a:t>5/29/2022</a:t>
+              <a:t>5/30/2022</a:t>
             </a:fld>
             <a:endParaRPr lang="en-US"/>
           </a:p>
@@ -3093,7 +3165,7 @@
           <a:p>
             <a:fld id="{A76116CE-C4A3-4A05-B2D7-7C2E9A889C0F}" type="datetimeFigureOut">
               <a:rPr lang="en-US" smtClean="0"/>
-              <a:t>5/29/2022</a:t>
+              <a:t>5/30/2022</a:t>
             </a:fld>
             <a:endParaRPr lang="en-US"/>
           </a:p>
@@ -3299,7 +3371,7 @@
           <a:p>
             <a:fld id="{F8166F1F-CE9B-4651-A6AA-CD717754106B}" type="datetimeFigureOut">
               <a:rPr lang="en-US" smtClean="0"/>
-              <a:t>5/29/2022</a:t>
+              <a:t>5/30/2022</a:t>
             </a:fld>
             <a:endParaRPr lang="en-US"/>
           </a:p>
@@ -9945,11 +10017,61 @@
           </a:p>
         </p:txBody>
       </p:sp>
+      <p:sp>
+        <p:nvSpPr>
+          <p:cNvPr id="18" name="TextBox 17">
+            <a:extLst>
+              <a:ext uri="{FF2B5EF4-FFF2-40B4-BE49-F238E27FC236}">
+                <a16:creationId xmlns:a16="http://schemas.microsoft.com/office/drawing/2014/main" id="{921111A5-93C0-2231-5C2E-F0455DE51A1F}"/>
+              </a:ext>
+            </a:extLst>
+          </p:cNvPr>
+          <p:cNvSpPr txBox="1"/>
+          <p:nvPr/>
+        </p:nvSpPr>
+        <p:spPr>
+          <a:xfrm>
+            <a:off x="1328896" y="3543414"/>
+            <a:ext cx="11853704" cy="461665"/>
+          </a:xfrm>
+          <a:prstGeom prst="rect">
+            <a:avLst/>
+          </a:prstGeom>
+          <a:noFill/>
+        </p:spPr>
+        <p:txBody>
+          <a:bodyPr wrap="square" rtlCol="0">
+            <a:spAutoFit/>
+          </a:bodyPr>
+          <a:lstStyle/>
+          <a:p>
+            <a:r>
+              <a:rPr lang="en-US" altLang="ko-KR" sz="2400" dirty="0">
+                <a:latin typeface="맑은 고딕" panose="020B0503020000020004" pitchFamily="50" charset="-127"/>
+                <a:ea typeface="맑은 고딕" panose="020B0503020000020004" pitchFamily="50" charset="-127"/>
+              </a:rPr>
+              <a:t>https://www.youtube.com/watch?v=L_JzgG_QWVY</a:t>
+            </a:r>
+            <a:endParaRPr lang="ko-KR" altLang="en-US" sz="2400" dirty="0">
+              <a:latin typeface="맑은 고딕" panose="020B0503020000020004" pitchFamily="50" charset="-127"/>
+              <a:ea typeface="맑은 고딕" panose="020B0503020000020004" pitchFamily="50" charset="-127"/>
+            </a:endParaRPr>
+          </a:p>
+        </p:txBody>
+      </p:sp>
     </p:spTree>
   </p:cSld>
   <p:clrMapOvr>
     <a:masterClrMapping/>
   </p:clrMapOvr>
+  <mc:AlternateContent xmlns:mc="http://schemas.openxmlformats.org/markup-compatibility/2006">
+    <mc:Choice xmlns:p14="http://schemas.microsoft.com/office/powerpoint/2010/main" Requires="p14">
+      <p:transition spd="slow" p14:dur="2000" advTm="32541"/>
+    </mc:Choice>
+    <mc:Fallback>
+      <p:transition spd="slow" advTm="32541"/>
+    </mc:Fallback>
+  </mc:AlternateContent>
 </p:sld>
 </file>
 

--- a/종합프로젝트설계_발표자료.pptx
+++ b/종합프로젝트설계_발표자료.pptx
@@ -139,18 +139,18 @@
   <pc:docChgLst>
     <pc:chgData name="최창환" userId="e7bece8d-0b00-46eb-a3f5-00c7562d57af" providerId="ADAL" clId="{1D185AE2-2488-4666-B60E-552A758BAD94}"/>
     <pc:docChg chg="undo custSel modSld">
-      <pc:chgData name="최창환" userId="e7bece8d-0b00-46eb-a3f5-00c7562d57af" providerId="ADAL" clId="{1D185AE2-2488-4666-B60E-552A758BAD94}" dt="2022-05-30T07:16:23.568" v="136" actId="14100"/>
+      <pc:chgData name="최창환" userId="e7bece8d-0b00-46eb-a3f5-00c7562d57af" providerId="ADAL" clId="{1D185AE2-2488-4666-B60E-552A758BAD94}" dt="2022-05-30T13:41:29.356" v="645" actId="1076"/>
       <pc:docMkLst>
         <pc:docMk/>
       </pc:docMkLst>
       <pc:sldChg chg="modSp mod">
-        <pc:chgData name="최창환" userId="e7bece8d-0b00-46eb-a3f5-00c7562d57af" providerId="ADAL" clId="{1D185AE2-2488-4666-B60E-552A758BAD94}" dt="2022-05-29T10:15:59.845" v="59" actId="1035"/>
+        <pc:chgData name="최창환" userId="e7bece8d-0b00-46eb-a3f5-00c7562d57af" providerId="ADAL" clId="{1D185AE2-2488-4666-B60E-552A758BAD94}" dt="2022-05-30T13:10:37.361" v="629" actId="14100"/>
         <pc:sldMkLst>
           <pc:docMk/>
           <pc:sldMk cId="0" sldId="256"/>
         </pc:sldMkLst>
         <pc:spChg chg="mod">
-          <ac:chgData name="최창환" userId="e7bece8d-0b00-46eb-a3f5-00c7562d57af" providerId="ADAL" clId="{1D185AE2-2488-4666-B60E-552A758BAD94}" dt="2022-05-29T10:15:45.350" v="56" actId="2711"/>
+          <ac:chgData name="최창환" userId="e7bece8d-0b00-46eb-a3f5-00c7562d57af" providerId="ADAL" clId="{1D185AE2-2488-4666-B60E-552A758BAD94}" dt="2022-05-30T13:10:21.256" v="627" actId="14100"/>
           <ac:spMkLst>
             <pc:docMk/>
             <pc:sldMk cId="0" sldId="256"/>
@@ -158,7 +158,7 @@
           </ac:spMkLst>
         </pc:spChg>
         <pc:spChg chg="mod">
-          <ac:chgData name="최창환" userId="e7bece8d-0b00-46eb-a3f5-00c7562d57af" providerId="ADAL" clId="{1D185AE2-2488-4666-B60E-552A758BAD94}" dt="2022-05-29T10:15:45.350" v="56" actId="2711"/>
+          <ac:chgData name="최창환" userId="e7bece8d-0b00-46eb-a3f5-00c7562d57af" providerId="ADAL" clId="{1D185AE2-2488-4666-B60E-552A758BAD94}" dt="2022-05-30T13:10:24.689" v="628" actId="14100"/>
           <ac:spMkLst>
             <pc:docMk/>
             <pc:sldMk cId="0" sldId="256"/>
@@ -166,7 +166,7 @@
           </ac:spMkLst>
         </pc:spChg>
         <pc:spChg chg="mod">
-          <ac:chgData name="최창환" userId="e7bece8d-0b00-46eb-a3f5-00c7562d57af" providerId="ADAL" clId="{1D185AE2-2488-4666-B60E-552A758BAD94}" dt="2022-05-29T10:15:59.845" v="59" actId="1035"/>
+          <ac:chgData name="최창환" userId="e7bece8d-0b00-46eb-a3f5-00c7562d57af" providerId="ADAL" clId="{1D185AE2-2488-4666-B60E-552A758BAD94}" dt="2022-05-30T13:10:37.361" v="629" actId="14100"/>
           <ac:spMkLst>
             <pc:docMk/>
             <pc:sldMk cId="0" sldId="256"/>
@@ -302,13 +302,13 @@
         </pc:spChg>
       </pc:sldChg>
       <pc:sldChg chg="modSp mod">
-        <pc:chgData name="최창환" userId="e7bece8d-0b00-46eb-a3f5-00c7562d57af" providerId="ADAL" clId="{1D185AE2-2488-4666-B60E-552A758BAD94}" dt="2022-05-29T10:13:46.213" v="38" actId="2711"/>
+        <pc:chgData name="최창환" userId="e7bece8d-0b00-46eb-a3f5-00c7562d57af" providerId="ADAL" clId="{1D185AE2-2488-4666-B60E-552A758BAD94}" dt="2022-05-30T13:10:08.706" v="626" actId="14100"/>
         <pc:sldMkLst>
           <pc:docMk/>
           <pc:sldMk cId="0" sldId="258"/>
         </pc:sldMkLst>
         <pc:spChg chg="mod">
-          <ac:chgData name="최창환" userId="e7bece8d-0b00-46eb-a3f5-00c7562d57af" providerId="ADAL" clId="{1D185AE2-2488-4666-B60E-552A758BAD94}" dt="2022-05-29T10:13:46.213" v="38" actId="2711"/>
+          <ac:chgData name="최창환" userId="e7bece8d-0b00-46eb-a3f5-00c7562d57af" providerId="ADAL" clId="{1D185AE2-2488-4666-B60E-552A758BAD94}" dt="2022-05-30T13:10:08.706" v="626" actId="14100"/>
           <ac:spMkLst>
             <pc:docMk/>
             <pc:sldMk cId="0" sldId="258"/>
@@ -394,8 +394,8 @@
           </ac:spMkLst>
         </pc:spChg>
       </pc:sldChg>
-      <pc:sldChg chg="modSp mod">
-        <pc:chgData name="최창환" userId="e7bece8d-0b00-46eb-a3f5-00c7562d57af" providerId="ADAL" clId="{1D185AE2-2488-4666-B60E-552A758BAD94}" dt="2022-05-29T10:16:51.029" v="65" actId="1076"/>
+      <pc:sldChg chg="addSp delSp modSp mod">
+        <pc:chgData name="최창환" userId="e7bece8d-0b00-46eb-a3f5-00c7562d57af" providerId="ADAL" clId="{1D185AE2-2488-4666-B60E-552A758BAD94}" dt="2022-05-30T13:41:29.356" v="645" actId="1076"/>
         <pc:sldMkLst>
           <pc:docMk/>
           <pc:sldMk cId="0" sldId="261"/>
@@ -440,8 +440,8 @@
             <ac:spMk id="12" creationId="{00000000-0000-0000-0000-000000000000}"/>
           </ac:spMkLst>
         </pc:spChg>
-        <pc:spChg chg="mod">
-          <ac:chgData name="최창환" userId="e7bece8d-0b00-46eb-a3f5-00c7562d57af" providerId="ADAL" clId="{1D185AE2-2488-4666-B60E-552A758BAD94}" dt="2022-05-29T10:16:51.029" v="65" actId="1076"/>
+        <pc:spChg chg="mod ord">
+          <ac:chgData name="최창환" userId="e7bece8d-0b00-46eb-a3f5-00c7562d57af" providerId="ADAL" clId="{1D185AE2-2488-4666-B60E-552A758BAD94}" dt="2022-05-30T13:41:21.412" v="644" actId="255"/>
           <ac:spMkLst>
             <pc:docMk/>
             <pc:sldMk cId="0" sldId="261"/>
@@ -457,13 +457,29 @@
           </ac:spMkLst>
         </pc:spChg>
         <pc:spChg chg="mod">
-          <ac:chgData name="최창환" userId="e7bece8d-0b00-46eb-a3f5-00c7562d57af" providerId="ADAL" clId="{1D185AE2-2488-4666-B60E-552A758BAD94}" dt="2022-05-29T10:16:28.294" v="62" actId="2711"/>
+          <ac:chgData name="최창환" userId="e7bece8d-0b00-46eb-a3f5-00c7562d57af" providerId="ADAL" clId="{1D185AE2-2488-4666-B60E-552A758BAD94}" dt="2022-05-30T13:41:29.356" v="645" actId="1076"/>
           <ac:spMkLst>
             <pc:docMk/>
             <pc:sldMk cId="0" sldId="261"/>
             <ac:spMk id="24" creationId="{00000000-0000-0000-0000-000000000000}"/>
           </ac:spMkLst>
         </pc:spChg>
+        <pc:grpChg chg="del">
+          <ac:chgData name="최창환" userId="e7bece8d-0b00-46eb-a3f5-00c7562d57af" providerId="ADAL" clId="{1D185AE2-2488-4666-B60E-552A758BAD94}" dt="2022-05-30T13:40:30.814" v="634" actId="478"/>
+          <ac:grpSpMkLst>
+            <pc:docMk/>
+            <pc:sldMk cId="0" sldId="261"/>
+            <ac:grpSpMk id="1004" creationId="{00000000-0000-0000-0000-000000000000}"/>
+          </ac:grpSpMkLst>
+        </pc:grpChg>
+        <pc:picChg chg="add mod">
+          <ac:chgData name="최창환" userId="e7bece8d-0b00-46eb-a3f5-00c7562d57af" providerId="ADAL" clId="{1D185AE2-2488-4666-B60E-552A758BAD94}" dt="2022-05-30T13:40:34.355" v="635" actId="1076"/>
+          <ac:picMkLst>
+            <pc:docMk/>
+            <pc:sldMk cId="0" sldId="261"/>
+            <ac:picMk id="4" creationId="{6855BEB2-A15B-D671-ECA3-BF78D7C4E5A1}"/>
+          </ac:picMkLst>
+        </pc:picChg>
       </pc:sldChg>
       <pc:sldChg chg="modSp mod">
         <pc:chgData name="최창환" userId="e7bece8d-0b00-46eb-a3f5-00c7562d57af" providerId="ADAL" clId="{1D185AE2-2488-4666-B60E-552A758BAD94}" dt="2022-05-29T10:16:57.531" v="66" actId="2711"/>
@@ -521,7 +537,7 @@
         </pc:spChg>
       </pc:sldChg>
       <pc:sldChg chg="modSp mod">
-        <pc:chgData name="최창환" userId="e7bece8d-0b00-46eb-a3f5-00c7562d57af" providerId="ADAL" clId="{1D185AE2-2488-4666-B60E-552A758BAD94}" dt="2022-05-29T10:17:07.396" v="67" actId="2711"/>
+        <pc:chgData name="최창환" userId="e7bece8d-0b00-46eb-a3f5-00c7562d57af" providerId="ADAL" clId="{1D185AE2-2488-4666-B60E-552A758BAD94}" dt="2022-05-30T13:09:51.864" v="625" actId="14100"/>
         <pc:sldMkLst>
           <pc:docMk/>
           <pc:sldMk cId="0" sldId="263"/>
@@ -567,7 +583,7 @@
           </ac:spMkLst>
         </pc:spChg>
         <pc:spChg chg="mod">
-          <ac:chgData name="최창환" userId="e7bece8d-0b00-46eb-a3f5-00c7562d57af" providerId="ADAL" clId="{1D185AE2-2488-4666-B60E-552A758BAD94}" dt="2022-05-29T10:17:07.396" v="67" actId="2711"/>
+          <ac:chgData name="최창환" userId="e7bece8d-0b00-46eb-a3f5-00c7562d57af" providerId="ADAL" clId="{1D185AE2-2488-4666-B60E-552A758BAD94}" dt="2022-05-30T13:09:51.864" v="625" actId="14100"/>
           <ac:spMkLst>
             <pc:docMk/>
             <pc:sldMk cId="0" sldId="263"/>
@@ -695,7 +711,7 @@
         </pc:picChg>
       </pc:sldChg>
       <pc:sldChg chg="modSp mod">
-        <pc:chgData name="최창환" userId="e7bece8d-0b00-46eb-a3f5-00c7562d57af" providerId="ADAL" clId="{1D185AE2-2488-4666-B60E-552A758BAD94}" dt="2022-05-29T10:17:36.403" v="78" actId="1076"/>
+        <pc:chgData name="최창환" userId="e7bece8d-0b00-46eb-a3f5-00c7562d57af" providerId="ADAL" clId="{1D185AE2-2488-4666-B60E-552A758BAD94}" dt="2022-05-30T13:09:06.176" v="623"/>
         <pc:sldMkLst>
           <pc:docMk/>
           <pc:sldMk cId="0" sldId="265"/>
@@ -709,7 +725,7 @@
           </ac:spMkLst>
         </pc:spChg>
         <pc:spChg chg="mod">
-          <ac:chgData name="최창환" userId="e7bece8d-0b00-46eb-a3f5-00c7562d57af" providerId="ADAL" clId="{1D185AE2-2488-4666-B60E-552A758BAD94}" dt="2022-05-29T10:17:20.696" v="69" actId="2711"/>
+          <ac:chgData name="최창환" userId="e7bece8d-0b00-46eb-a3f5-00c7562d57af" providerId="ADAL" clId="{1D185AE2-2488-4666-B60E-552A758BAD94}" dt="2022-05-30T13:08:55.157" v="612"/>
           <ac:spMkLst>
             <pc:docMk/>
             <pc:sldMk cId="0" sldId="265"/>
@@ -757,7 +773,7 @@
           </ac:spMkLst>
         </pc:spChg>
         <pc:spChg chg="mod">
-          <ac:chgData name="최창환" userId="e7bece8d-0b00-46eb-a3f5-00c7562d57af" providerId="ADAL" clId="{1D185AE2-2488-4666-B60E-552A758BAD94}" dt="2022-05-29T10:17:20.696" v="69" actId="2711"/>
+          <ac:chgData name="최창환" userId="e7bece8d-0b00-46eb-a3f5-00c7562d57af" providerId="ADAL" clId="{1D185AE2-2488-4666-B60E-552A758BAD94}" dt="2022-05-30T13:09:06.176" v="623"/>
           <ac:spMkLst>
             <pc:docMk/>
             <pc:sldMk cId="0" sldId="265"/>
@@ -765,7 +781,7 @@
           </ac:spMkLst>
         </pc:spChg>
         <pc:grpChg chg="mod">
-          <ac:chgData name="최창환" userId="e7bece8d-0b00-46eb-a3f5-00c7562d57af" providerId="ADAL" clId="{1D185AE2-2488-4666-B60E-552A758BAD94}" dt="2022-05-29T10:17:36.403" v="78" actId="1076"/>
+          <ac:chgData name="최창환" userId="e7bece8d-0b00-46eb-a3f5-00c7562d57af" providerId="ADAL" clId="{1D185AE2-2488-4666-B60E-552A758BAD94}" dt="2022-05-30T12:57:23.081" v="252" actId="1076"/>
           <ac:grpSpMkLst>
             <pc:docMk/>
             <pc:sldMk cId="0" sldId="265"/>
@@ -773,7 +789,7 @@
           </ac:grpSpMkLst>
         </pc:grpChg>
         <pc:grpChg chg="mod">
-          <ac:chgData name="최창환" userId="e7bece8d-0b00-46eb-a3f5-00c7562d57af" providerId="ADAL" clId="{1D185AE2-2488-4666-B60E-552A758BAD94}" dt="2022-05-29T10:17:34.929" v="77" actId="1076"/>
+          <ac:chgData name="최창환" userId="e7bece8d-0b00-46eb-a3f5-00c7562d57af" providerId="ADAL" clId="{1D185AE2-2488-4666-B60E-552A758BAD94}" dt="2022-05-30T12:57:25.154" v="253" actId="1076"/>
           <ac:grpSpMkLst>
             <pc:docMk/>
             <pc:sldMk cId="0" sldId="265"/>
@@ -782,13 +798,13 @@
         </pc:grpChg>
       </pc:sldChg>
       <pc:sldChg chg="delSp modSp mod">
-        <pc:chgData name="최창환" userId="e7bece8d-0b00-46eb-a3f5-00c7562d57af" providerId="ADAL" clId="{1D185AE2-2488-4666-B60E-552A758BAD94}" dt="2022-05-29T10:17:50.246" v="81" actId="478"/>
+        <pc:chgData name="최창환" userId="e7bece8d-0b00-46eb-a3f5-00c7562d57af" providerId="ADAL" clId="{1D185AE2-2488-4666-B60E-552A758BAD94}" dt="2022-05-30T12:58:00.748" v="256" actId="113"/>
         <pc:sldMkLst>
           <pc:docMk/>
           <pc:sldMk cId="0" sldId="266"/>
         </pc:sldMkLst>
         <pc:spChg chg="mod">
-          <ac:chgData name="최창환" userId="e7bece8d-0b00-46eb-a3f5-00c7562d57af" providerId="ADAL" clId="{1D185AE2-2488-4666-B60E-552A758BAD94}" dt="2022-05-29T10:17:47.830" v="80" actId="2711"/>
+          <ac:chgData name="최창환" userId="e7bece8d-0b00-46eb-a3f5-00c7562d57af" providerId="ADAL" clId="{1D185AE2-2488-4666-B60E-552A758BAD94}" dt="2022-05-30T12:58:00.748" v="256" actId="113"/>
           <ac:spMkLst>
             <pc:docMk/>
             <pc:sldMk cId="0" sldId="266"/>
@@ -3757,8 +3773,8 @@
         </p:nvSpPr>
         <p:spPr>
           <a:xfrm>
-            <a:off x="-3979152" y="4206815"/>
-            <a:ext cx="21021391" cy="1107996"/>
+            <a:off x="3276600" y="4206815"/>
+            <a:ext cx="13765639" cy="1107996"/>
           </a:xfrm>
           <a:prstGeom prst="rect">
             <a:avLst/>
@@ -3798,8 +3814,8 @@
         </p:nvSpPr>
         <p:spPr>
           <a:xfrm>
-            <a:off x="2909952" y="5380147"/>
-            <a:ext cx="13920706" cy="830997"/>
+            <a:off x="12657940" y="5380147"/>
+            <a:ext cx="4172717" cy="830997"/>
           </a:xfrm>
           <a:prstGeom prst="rect">
             <a:avLst/>
@@ -3956,8 +3972,8 @@
         </p:nvSpPr>
         <p:spPr>
           <a:xfrm rot="-16200000">
-            <a:off x="-2208027" y="7903463"/>
-            <a:ext cx="6010880" cy="338554"/>
+            <a:off x="-1323772" y="7019208"/>
+            <a:ext cx="4242369" cy="338554"/>
           </a:xfrm>
           <a:prstGeom prst="rect">
             <a:avLst/>
@@ -4257,10 +4273,65 @@
                 <a:ea typeface="맑은 고딕" panose="020B0503020000020004" pitchFamily="50" charset="-127"/>
                 <a:cs typeface="Gmarket Sans Medium" pitchFamily="34" charset="0"/>
               </a:rPr>
-              <a:t>- 데이터를 동적으로 불러오는 과정을 진행하지 못함. (</a:t>
+              <a:t>- API</a:t>
+            </a:r>
+            <a:r>
+              <a:rPr lang="ko-KR" altLang="en-US" sz="2400" dirty="0">
+                <a:solidFill>
+                  <a:srgbClr val="000000"/>
+                </a:solidFill>
+                <a:latin typeface="맑은 고딕" panose="020B0503020000020004" pitchFamily="50" charset="-127"/>
+                <a:ea typeface="맑은 고딕" panose="020B0503020000020004" pitchFamily="50" charset="-127"/>
+                <a:cs typeface="Gmarket Sans Medium" pitchFamily="34" charset="0"/>
+              </a:rPr>
+              <a:t>를 통해 </a:t>
+            </a:r>
+            <a:r>
+              <a:rPr lang="en-US" sz="2400" dirty="0" err="1">
+                <a:solidFill>
+                  <a:srgbClr val="000000"/>
+                </a:solidFill>
+                <a:latin typeface="맑은 고딕" panose="020B0503020000020004" pitchFamily="50" charset="-127"/>
+                <a:ea typeface="맑은 고딕" panose="020B0503020000020004" pitchFamily="50" charset="-127"/>
+                <a:cs typeface="Gmarket Sans Medium" pitchFamily="34" charset="0"/>
+              </a:rPr>
+              <a:t>데이터</a:t>
+            </a:r>
+            <a:r>
+              <a:rPr lang="ko-KR" altLang="en-US" sz="2400" dirty="0">
+                <a:solidFill>
+                  <a:srgbClr val="000000"/>
+                </a:solidFill>
+                <a:latin typeface="맑은 고딕" panose="020B0503020000020004" pitchFamily="50" charset="-127"/>
+                <a:ea typeface="맑은 고딕" panose="020B0503020000020004" pitchFamily="50" charset="-127"/>
+                <a:cs typeface="Gmarket Sans Medium" pitchFamily="34" charset="0"/>
+              </a:rPr>
+              <a:t>를 읽어와도 값을 일일이 입력해야 하는 불편함</a:t>
+            </a:r>
+            <a:r>
+              <a:rPr lang="en-US" altLang="ko-KR" sz="2400" dirty="0">
+                <a:solidFill>
+                  <a:srgbClr val="000000"/>
+                </a:solidFill>
+                <a:latin typeface="맑은 고딕" panose="020B0503020000020004" pitchFamily="50" charset="-127"/>
+                <a:ea typeface="맑은 고딕" panose="020B0503020000020004" pitchFamily="50" charset="-127"/>
+                <a:cs typeface="Gmarket Sans Medium" pitchFamily="34" charset="0"/>
+              </a:rPr>
+              <a:t>. </a:t>
             </a:r>
             <a:r>
               <a:rPr lang="en-US" sz="2400" dirty="0">
+                <a:solidFill>
+                  <a:srgbClr val="000000"/>
+                </a:solidFill>
+                <a:latin typeface="맑은 고딕" panose="020B0503020000020004" pitchFamily="50" charset="-127"/>
+                <a:ea typeface="맑은 고딕" panose="020B0503020000020004" pitchFamily="50" charset="-127"/>
+                <a:cs typeface="Gmarket Sans Medium" pitchFamily="34" charset="0"/>
+              </a:rPr>
+              <a:t>(</a:t>
+            </a:r>
+            <a:r>
+              <a:rPr lang="en-US" sz="2400" dirty="0" err="1">
                 <a:solidFill>
                   <a:srgbClr val="FF0000"/>
                 </a:solidFill>
@@ -4603,7 +4674,7 @@
         </p:nvGrpSpPr>
         <p:grpSpPr>
           <a:xfrm>
-            <a:off x="14392631" y="6393941"/>
+            <a:off x="14908881" y="2969331"/>
             <a:ext cx="2395903" cy="2157127"/>
             <a:chOff x="14789940" y="2904056"/>
             <a:chExt cx="2395903" cy="2157127"/>
@@ -4642,7 +4713,7 @@
         </p:nvGrpSpPr>
         <p:grpSpPr>
           <a:xfrm>
-            <a:off x="14597824" y="2810755"/>
+            <a:off x="12923363" y="2828136"/>
             <a:ext cx="1985518" cy="2439515"/>
             <a:chOff x="12430632" y="2703342"/>
             <a:chExt cx="1985518" cy="2439515"/>
@@ -4800,7 +4871,51 @@
                 <a:ea typeface="맑은 고딕" panose="020B0503020000020004" pitchFamily="50" charset="-127"/>
                 <a:cs typeface="Gmarket Sans Medium" pitchFamily="34" charset="0"/>
               </a:rPr>
-              <a:t>(C++ 코드 난이도(상), 라이브러리(부족), 기술문서 전부 영어)</a:t>
+              <a:t>(C++ 코드 </a:t>
+            </a:r>
+            <a:r>
+              <a:rPr lang="en-US" sz="2400" dirty="0" err="1">
+                <a:solidFill>
+                  <a:srgbClr val="000000"/>
+                </a:solidFill>
+                <a:latin typeface="맑은 고딕" panose="020B0503020000020004" pitchFamily="50" charset="-127"/>
+                <a:ea typeface="맑은 고딕" panose="020B0503020000020004" pitchFamily="50" charset="-127"/>
+                <a:cs typeface="Gmarket Sans Medium" pitchFamily="34" charset="0"/>
+              </a:rPr>
+              <a:t>난이도</a:t>
+            </a:r>
+            <a:r>
+              <a:rPr lang="en-US" sz="2400" dirty="0">
+                <a:solidFill>
+                  <a:srgbClr val="000000"/>
+                </a:solidFill>
+                <a:latin typeface="맑은 고딕" panose="020B0503020000020004" pitchFamily="50" charset="-127"/>
+                <a:ea typeface="맑은 고딕" panose="020B0503020000020004" pitchFamily="50" charset="-127"/>
+                <a:cs typeface="Gmarket Sans Medium" pitchFamily="34" charset="0"/>
+              </a:rPr>
+              <a:t>(</a:t>
+            </a:r>
+            <a:r>
+              <a:rPr lang="ko-KR" altLang="en-US" sz="2400" dirty="0">
+                <a:solidFill>
+                  <a:srgbClr val="000000"/>
+                </a:solidFill>
+                <a:latin typeface="맑은 고딕" panose="020B0503020000020004" pitchFamily="50" charset="-127"/>
+                <a:ea typeface="맑은 고딕" panose="020B0503020000020004" pitchFamily="50" charset="-127"/>
+                <a:cs typeface="Gmarket Sans Medium" pitchFamily="34" charset="0"/>
+              </a:rPr>
+              <a:t>어려움</a:t>
+            </a:r>
+            <a:r>
+              <a:rPr lang="en-US" sz="2400" dirty="0">
+                <a:solidFill>
+                  <a:srgbClr val="000000"/>
+                </a:solidFill>
+                <a:latin typeface="맑은 고딕" panose="020B0503020000020004" pitchFamily="50" charset="-127"/>
+                <a:ea typeface="맑은 고딕" panose="020B0503020000020004" pitchFamily="50" charset="-127"/>
+                <a:cs typeface="Gmarket Sans Medium" pitchFamily="34" charset="0"/>
+              </a:rPr>
+              <a:t>), 라이브러리(부족), 기술문서 전부 영어)</a:t>
             </a:r>
           </a:p>
           <a:p>
@@ -4906,7 +5021,7 @@
           <a:p>
             <a:pPr algn="ctr"/>
             <a:r>
-              <a:rPr lang="en-US" sz="8200" kern="0" spc="-300" dirty="0">
+              <a:rPr lang="en-US" sz="8200" b="1" kern="0" spc="-300" dirty="0">
                 <a:solidFill>
                   <a:srgbClr val="000000"/>
                 </a:solidFill>
@@ -4916,7 +5031,7 @@
               </a:rPr>
               <a:t>Thank you!</a:t>
             </a:r>
-            <a:endParaRPr lang="en-US" dirty="0">
+            <a:endParaRPr lang="en-US" b="1" dirty="0">
               <a:latin typeface="맑은 고딕" panose="020B0503020000020004" pitchFamily="50" charset="-127"/>
               <a:ea typeface="맑은 고딕" panose="020B0503020000020004" pitchFamily="50" charset="-127"/>
             </a:endParaRPr>
@@ -6457,7 +6572,7 @@
         <p:spPr>
           <a:xfrm>
             <a:off x="1272302" y="1902279"/>
-            <a:ext cx="13857143" cy="7755969"/>
+            <a:ext cx="9838949" cy="7755969"/>
           </a:xfrm>
           <a:prstGeom prst="rect">
             <a:avLst/>
@@ -8275,111 +8390,6 @@
       </p:grpSp>
       <p:grpSp>
         <p:nvGrpSpPr>
-          <p:cNvPr id="1004" name="그룹 1004"/>
-          <p:cNvGrpSpPr/>
-          <p:nvPr/>
-        </p:nvGrpSpPr>
-        <p:grpSpPr>
-          <a:xfrm>
-            <a:off x="1203415" y="3309108"/>
-            <a:ext cx="6811212" cy="3465240"/>
-            <a:chOff x="1203415" y="3309108"/>
-            <a:chExt cx="6811212" cy="3465240"/>
-          </a:xfrm>
-        </p:grpSpPr>
-        <p:pic>
-          <p:nvPicPr>
-            <p:cNvPr id="17" name="Object 16"/>
-            <p:cNvPicPr>
-              <a:picLocks noChangeAspect="1"/>
-            </p:cNvPicPr>
-            <p:nvPr/>
-          </p:nvPicPr>
-          <p:blipFill>
-            <a:blip r:embed="rId5" cstate="print"/>
-            <a:stretch>
-              <a:fillRect/>
-            </a:stretch>
-          </p:blipFill>
-          <p:spPr>
-            <a:xfrm>
-              <a:off x="1203415" y="3309108"/>
-              <a:ext cx="6811212" cy="3465240"/>
-            </a:xfrm>
-            <a:prstGeom prst="rect">
-              <a:avLst/>
-            </a:prstGeom>
-          </p:spPr>
-        </p:pic>
-      </p:grpSp>
-      <p:sp>
-        <p:nvSpPr>
-          <p:cNvPr id="19" name="Object 19"/>
-          <p:cNvSpPr txBox="1"/>
-          <p:nvPr/>
-        </p:nvSpPr>
-        <p:spPr>
-          <a:xfrm>
-            <a:off x="4419600" y="3545636"/>
-            <a:ext cx="6584388" cy="1523494"/>
-          </a:xfrm>
-          <a:prstGeom prst="rect">
-            <a:avLst/>
-          </a:prstGeom>
-          <a:noFill/>
-        </p:spPr>
-        <p:txBody>
-          <a:bodyPr wrap="square" rtlCol="0" anchor="t">
-            <a:spAutoFit/>
-          </a:bodyPr>
-          <a:lstStyle/>
-          <a:p>
-            <a:pPr algn="ctr">
-              <a:lnSpc>
-                <a:spcPct val="150000"/>
-              </a:lnSpc>
-            </a:pPr>
-            <a:r>
-              <a:rPr lang="en-US" sz="2500" dirty="0">
-                <a:solidFill>
-                  <a:srgbClr val="000000"/>
-                </a:solidFill>
-                <a:latin typeface="맑은 고딕" panose="020B0503020000020004" pitchFamily="50" charset="-127"/>
-                <a:ea typeface="맑은 고딕" panose="020B0503020000020004" pitchFamily="50" charset="-127"/>
-                <a:cs typeface="Gmarket Sans Medium" pitchFamily="34" charset="0"/>
-              </a:rPr>
-              <a:t>location 라이브러리를 사용</a:t>
-            </a:r>
-          </a:p>
-          <a:p>
-            <a:pPr algn="ctr">
-              <a:lnSpc>
-                <a:spcPct val="150000"/>
-              </a:lnSpc>
-            </a:pPr>
-            <a:r>
-              <a:rPr lang="en-US" sz="2500" dirty="0">
-                <a:solidFill>
-                  <a:srgbClr val="000000"/>
-                </a:solidFill>
-                <a:latin typeface="맑은 고딕" panose="020B0503020000020004" pitchFamily="50" charset="-127"/>
-                <a:ea typeface="맑은 고딕" panose="020B0503020000020004" pitchFamily="50" charset="-127"/>
-                <a:cs typeface="Gmarket Sans Medium" pitchFamily="34" charset="0"/>
-              </a:rPr>
-              <a:t> 현재 위도, 경도를 파싱</a:t>
-            </a:r>
-          </a:p>
-          <a:p>
-            <a:pPr algn="ctr"/>
-            <a:endParaRPr lang="en-US" dirty="0">
-              <a:latin typeface="맑은 고딕" panose="020B0503020000020004" pitchFamily="50" charset="-127"/>
-              <a:ea typeface="맑은 고딕" panose="020B0503020000020004" pitchFamily="50" charset="-127"/>
-            </a:endParaRPr>
-          </a:p>
-        </p:txBody>
-      </p:sp>
-      <p:grpSp>
-        <p:nvGrpSpPr>
           <p:cNvPr id="1005" name="그룹 1005"/>
           <p:cNvGrpSpPr/>
           <p:nvPr/>
@@ -8401,7 +8411,7 @@
             <p:nvPr/>
           </p:nvPicPr>
           <p:blipFill>
-            <a:blip r:embed="rId6" cstate="print"/>
+            <a:blip r:embed="rId5" cstate="print"/>
             <a:stretch>
               <a:fillRect/>
             </a:stretch>
@@ -8488,7 +8498,7 @@
         </p:nvSpPr>
         <p:spPr>
           <a:xfrm>
-            <a:off x="-267100" y="9298429"/>
+            <a:off x="-153191" y="9296799"/>
             <a:ext cx="11622715" cy="477054"/>
           </a:xfrm>
           <a:prstGeom prst="rect">
@@ -8514,6 +8524,102 @@
               </a:rPr>
               <a:t>경기도 버스 정보 포털에서 받아온 버스 도착시간을 계산</a:t>
             </a:r>
+            <a:endParaRPr lang="en-US" dirty="0">
+              <a:latin typeface="맑은 고딕" panose="020B0503020000020004" pitchFamily="50" charset="-127"/>
+              <a:ea typeface="맑은 고딕" panose="020B0503020000020004" pitchFamily="50" charset="-127"/>
+            </a:endParaRPr>
+          </a:p>
+        </p:txBody>
+      </p:sp>
+      <p:pic>
+        <p:nvPicPr>
+          <p:cNvPr id="4" name="그림 3">
+            <a:extLst>
+              <a:ext uri="{FF2B5EF4-FFF2-40B4-BE49-F238E27FC236}">
+                <a16:creationId xmlns:a16="http://schemas.microsoft.com/office/drawing/2014/main" id="{6855BEB2-A15B-D671-ECA3-BF78D7C4E5A1}"/>
+              </a:ext>
+            </a:extLst>
+          </p:cNvPr>
+          <p:cNvPicPr>
+            <a:picLocks noChangeAspect="1"/>
+          </p:cNvPicPr>
+          <p:nvPr/>
+        </p:nvPicPr>
+        <p:blipFill>
+          <a:blip r:embed="rId6"/>
+          <a:stretch>
+            <a:fillRect/>
+          </a:stretch>
+        </p:blipFill>
+        <p:spPr>
+          <a:xfrm>
+            <a:off x="1351027" y="3262348"/>
+            <a:ext cx="8167500" cy="3420000"/>
+          </a:xfrm>
+          <a:prstGeom prst="rect">
+            <a:avLst/>
+          </a:prstGeom>
+        </p:spPr>
+      </p:pic>
+      <p:sp>
+        <p:nvSpPr>
+          <p:cNvPr id="19" name="Object 19"/>
+          <p:cNvSpPr txBox="1"/>
+          <p:nvPr/>
+        </p:nvSpPr>
+        <p:spPr>
+          <a:xfrm>
+            <a:off x="5181600" y="3363542"/>
+            <a:ext cx="6584388" cy="1523494"/>
+          </a:xfrm>
+          <a:prstGeom prst="rect">
+            <a:avLst/>
+          </a:prstGeom>
+          <a:noFill/>
+        </p:spPr>
+        <p:txBody>
+          <a:bodyPr wrap="square" rtlCol="0" anchor="t">
+            <a:spAutoFit/>
+          </a:bodyPr>
+          <a:lstStyle/>
+          <a:p>
+            <a:pPr algn="ctr">
+              <a:lnSpc>
+                <a:spcPct val="150000"/>
+              </a:lnSpc>
+            </a:pPr>
+            <a:r>
+              <a:rPr lang="en-US" sz="2500" dirty="0">
+                <a:solidFill>
+                  <a:srgbClr val="000000"/>
+                </a:solidFill>
+                <a:latin typeface="맑은 고딕" panose="020B0503020000020004" pitchFamily="50" charset="-127"/>
+                <a:ea typeface="맑은 고딕" panose="020B0503020000020004" pitchFamily="50" charset="-127"/>
+                <a:cs typeface="Gmarket Sans Medium" pitchFamily="34" charset="0"/>
+              </a:rPr>
+              <a:t>location 라이브러리를 사용</a:t>
+            </a:r>
+          </a:p>
+          <a:p>
+            <a:pPr algn="ctr">
+              <a:lnSpc>
+                <a:spcPct val="150000"/>
+              </a:lnSpc>
+            </a:pPr>
+            <a:r>
+              <a:rPr lang="en-US" sz="2500" dirty="0">
+                <a:solidFill>
+                  <a:srgbClr val="000000"/>
+                </a:solidFill>
+                <a:latin typeface="맑은 고딕" panose="020B0503020000020004" pitchFamily="50" charset="-127"/>
+                <a:ea typeface="맑은 고딕" panose="020B0503020000020004" pitchFamily="50" charset="-127"/>
+                <a:cs typeface="Gmarket Sans Medium" pitchFamily="34" charset="0"/>
+              </a:rPr>
+              <a:t> 현재 위도, 경도를 파싱</a:t>
+            </a:r>
+          </a:p>
+          <a:p>
+            <a:pPr algn="ctr"/>
             <a:endParaRPr lang="en-US" dirty="0">
               <a:latin typeface="맑은 고딕" panose="020B0503020000020004" pitchFamily="50" charset="-127"/>
               <a:ea typeface="맑은 고딕" panose="020B0503020000020004" pitchFamily="50" charset="-127"/>
@@ -9518,8 +9624,8 @@
         </p:nvSpPr>
         <p:spPr>
           <a:xfrm>
-            <a:off x="10515600" y="3895783"/>
-            <a:ext cx="11056574" cy="5223289"/>
+            <a:off x="10515600" y="3867031"/>
+            <a:ext cx="7543800" cy="5223289"/>
           </a:xfrm>
           <a:prstGeom prst="rect">
             <a:avLst/>
@@ -10064,11 +10170,11 @@
   <p:clrMapOvr>
     <a:masterClrMapping/>
   </p:clrMapOvr>
-  <mc:AlternateContent xmlns:mc="http://schemas.openxmlformats.org/markup-compatibility/2006">
-    <mc:Choice xmlns:p14="http://schemas.microsoft.com/office/powerpoint/2010/main" Requires="p14">
+  <mc:AlternateContent xmlns:mc="http://schemas.openxmlformats.org/markup-compatibility/2006" xmlns:p14="http://schemas.microsoft.com/office/powerpoint/2010/main">
+    <mc:Choice Requires="p14">
       <p:transition spd="slow" p14:dur="2000" advTm="32541"/>
     </mc:Choice>
-    <mc:Fallback>
+    <mc:Fallback xmlns="">
       <p:transition spd="slow" advTm="32541"/>
     </mc:Fallback>
   </mc:AlternateContent>

--- a/종합프로젝트설계_발표자료.pptx
+++ b/종합프로젝트설계_발표자료.pptx
@@ -147,7 +147,7 @@
   <pc:docChgLst>
     <pc:chgData name="최창환" userId="e7bece8d-0b00-46eb-a3f5-00c7562d57af" providerId="ADAL" clId="{1D185AE2-2488-4666-B60E-552A758BAD94}"/>
     <pc:docChg chg="undo custSel modSld">
-      <pc:chgData name="최창환" userId="e7bece8d-0b00-46eb-a3f5-00c7562d57af" providerId="ADAL" clId="{1D185AE2-2488-4666-B60E-552A758BAD94}" dt="2022-05-31T11:06:29.308" v="647"/>
+      <pc:chgData name="최창환" userId="e7bece8d-0b00-46eb-a3f5-00c7562d57af" providerId="ADAL" clId="{1D185AE2-2488-4666-B60E-552A758BAD94}" dt="2022-05-31T11:50:27.820" v="866" actId="20577"/>
       <pc:docMkLst>
         <pc:docMk/>
       </pc:docMkLst>
@@ -310,28 +310,116 @@
         </pc:spChg>
       </pc:sldChg>
       <pc:sldChg chg="modSp mod">
-        <pc:chgData name="최창환" userId="e7bece8d-0b00-46eb-a3f5-00c7562d57af" providerId="ADAL" clId="{1D185AE2-2488-4666-B60E-552A758BAD94}" dt="2022-05-30T13:10:08.706" v="626" actId="14100"/>
+        <pc:chgData name="최창환" userId="e7bece8d-0b00-46eb-a3f5-00c7562d57af" providerId="ADAL" clId="{1D185AE2-2488-4666-B60E-552A758BAD94}" dt="2022-05-31T11:43:17.526" v="649" actId="2711"/>
         <pc:sldMkLst>
           <pc:docMk/>
           <pc:sldMk cId="0" sldId="258"/>
         </pc:sldMkLst>
         <pc:spChg chg="mod">
-          <ac:chgData name="최창환" userId="e7bece8d-0b00-46eb-a3f5-00c7562d57af" providerId="ADAL" clId="{1D185AE2-2488-4666-B60E-552A758BAD94}" dt="2022-05-30T13:10:08.706" v="626" actId="14100"/>
+          <ac:chgData name="최창환" userId="e7bece8d-0b00-46eb-a3f5-00c7562d57af" providerId="ADAL" clId="{1D185AE2-2488-4666-B60E-552A758BAD94}" dt="2022-05-31T11:43:17.526" v="649" actId="2711"/>
+          <ac:spMkLst>
+            <pc:docMk/>
+            <pc:sldMk cId="0" sldId="258"/>
+            <ac:spMk id="5" creationId="{00000000-0000-0000-0000-000000000000}"/>
+          </ac:spMkLst>
+        </pc:spChg>
+        <pc:spChg chg="mod">
+          <ac:chgData name="최창환" userId="e7bece8d-0b00-46eb-a3f5-00c7562d57af" providerId="ADAL" clId="{1D185AE2-2488-4666-B60E-552A758BAD94}" dt="2022-05-31T11:43:17.526" v="649" actId="2711"/>
+          <ac:spMkLst>
+            <pc:docMk/>
+            <pc:sldMk cId="0" sldId="258"/>
+            <ac:spMk id="9" creationId="{00000000-0000-0000-0000-000000000000}"/>
+          </ac:spMkLst>
+        </pc:spChg>
+        <pc:spChg chg="mod">
+          <ac:chgData name="최창환" userId="e7bece8d-0b00-46eb-a3f5-00c7562d57af" providerId="ADAL" clId="{1D185AE2-2488-4666-B60E-552A758BAD94}" dt="2022-05-31T11:43:17.526" v="649" actId="2711"/>
+          <ac:spMkLst>
+            <pc:docMk/>
+            <pc:sldMk cId="0" sldId="258"/>
+            <ac:spMk id="10" creationId="{00000000-0000-0000-0000-000000000000}"/>
+          </ac:spMkLst>
+        </pc:spChg>
+        <pc:spChg chg="mod">
+          <ac:chgData name="최창환" userId="e7bece8d-0b00-46eb-a3f5-00c7562d57af" providerId="ADAL" clId="{1D185AE2-2488-4666-B60E-552A758BAD94}" dt="2022-05-31T11:43:17.526" v="649" actId="2711"/>
+          <ac:spMkLst>
+            <pc:docMk/>
+            <pc:sldMk cId="0" sldId="258"/>
+            <ac:spMk id="11" creationId="{00000000-0000-0000-0000-000000000000}"/>
+          </ac:spMkLst>
+        </pc:spChg>
+        <pc:spChg chg="mod">
+          <ac:chgData name="최창환" userId="e7bece8d-0b00-46eb-a3f5-00c7562d57af" providerId="ADAL" clId="{1D185AE2-2488-4666-B60E-552A758BAD94}" dt="2022-05-31T11:43:17.526" v="649" actId="2711"/>
           <ac:spMkLst>
             <pc:docMk/>
             <pc:sldMk cId="0" sldId="258"/>
             <ac:spMk id="15" creationId="{00000000-0000-0000-0000-000000000000}"/>
           </ac:spMkLst>
         </pc:spChg>
+        <pc:spChg chg="mod">
+          <ac:chgData name="최창환" userId="e7bece8d-0b00-46eb-a3f5-00c7562d57af" providerId="ADAL" clId="{1D185AE2-2488-4666-B60E-552A758BAD94}" dt="2022-05-31T11:43:17.526" v="649" actId="2711"/>
+          <ac:spMkLst>
+            <pc:docMk/>
+            <pc:sldMk cId="0" sldId="258"/>
+            <ac:spMk id="19" creationId="{00000000-0000-0000-0000-000000000000}"/>
+          </ac:spMkLst>
+        </pc:spChg>
+        <pc:spChg chg="mod">
+          <ac:chgData name="최창환" userId="e7bece8d-0b00-46eb-a3f5-00c7562d57af" providerId="ADAL" clId="{1D185AE2-2488-4666-B60E-552A758BAD94}" dt="2022-05-31T11:43:17.526" v="649" actId="2711"/>
+          <ac:spMkLst>
+            <pc:docMk/>
+            <pc:sldMk cId="0" sldId="258"/>
+            <ac:spMk id="20" creationId="{00000000-0000-0000-0000-000000000000}"/>
+          </ac:spMkLst>
+        </pc:spChg>
+        <pc:spChg chg="mod">
+          <ac:chgData name="최창환" userId="e7bece8d-0b00-46eb-a3f5-00c7562d57af" providerId="ADAL" clId="{1D185AE2-2488-4666-B60E-552A758BAD94}" dt="2022-05-31T11:43:17.526" v="649" actId="2711"/>
+          <ac:spMkLst>
+            <pc:docMk/>
+            <pc:sldMk cId="0" sldId="258"/>
+            <ac:spMk id="24" creationId="{00000000-0000-0000-0000-000000000000}"/>
+          </ac:spMkLst>
+        </pc:spChg>
       </pc:sldChg>
       <pc:sldChg chg="modSp mod">
-        <pc:chgData name="최창환" userId="e7bece8d-0b00-46eb-a3f5-00c7562d57af" providerId="ADAL" clId="{1D185AE2-2488-4666-B60E-552A758BAD94}" dt="2022-05-29T10:14:56.109" v="53" actId="255"/>
+        <pc:chgData name="최창환" userId="e7bece8d-0b00-46eb-a3f5-00c7562d57af" providerId="ADAL" clId="{1D185AE2-2488-4666-B60E-552A758BAD94}" dt="2022-05-31T11:50:27.820" v="866" actId="20577"/>
         <pc:sldMkLst>
           <pc:docMk/>
           <pc:sldMk cId="0" sldId="259"/>
         </pc:sldMkLst>
         <pc:spChg chg="mod">
-          <ac:chgData name="최창환" userId="e7bece8d-0b00-46eb-a3f5-00c7562d57af" providerId="ADAL" clId="{1D185AE2-2488-4666-B60E-552A758BAD94}" dt="2022-05-29T10:14:56.109" v="53" actId="255"/>
+          <ac:chgData name="최창환" userId="e7bece8d-0b00-46eb-a3f5-00c7562d57af" providerId="ADAL" clId="{1D185AE2-2488-4666-B60E-552A758BAD94}" dt="2022-05-31T11:43:04.725" v="648" actId="2711"/>
+          <ac:spMkLst>
+            <pc:docMk/>
+            <pc:sldMk cId="0" sldId="259"/>
+            <ac:spMk id="5" creationId="{00000000-0000-0000-0000-000000000000}"/>
+          </ac:spMkLst>
+        </pc:spChg>
+        <pc:spChg chg="mod">
+          <ac:chgData name="최창환" userId="e7bece8d-0b00-46eb-a3f5-00c7562d57af" providerId="ADAL" clId="{1D185AE2-2488-4666-B60E-552A758BAD94}" dt="2022-05-31T11:43:04.725" v="648" actId="2711"/>
+          <ac:spMkLst>
+            <pc:docMk/>
+            <pc:sldMk cId="0" sldId="259"/>
+            <ac:spMk id="9" creationId="{00000000-0000-0000-0000-000000000000}"/>
+          </ac:spMkLst>
+        </pc:spChg>
+        <pc:spChg chg="mod">
+          <ac:chgData name="최창환" userId="e7bece8d-0b00-46eb-a3f5-00c7562d57af" providerId="ADAL" clId="{1D185AE2-2488-4666-B60E-552A758BAD94}" dt="2022-05-31T11:43:04.725" v="648" actId="2711"/>
+          <ac:spMkLst>
+            <pc:docMk/>
+            <pc:sldMk cId="0" sldId="259"/>
+            <ac:spMk id="10" creationId="{00000000-0000-0000-0000-000000000000}"/>
+          </ac:spMkLst>
+        </pc:spChg>
+        <pc:spChg chg="mod">
+          <ac:chgData name="최창환" userId="e7bece8d-0b00-46eb-a3f5-00c7562d57af" providerId="ADAL" clId="{1D185AE2-2488-4666-B60E-552A758BAD94}" dt="2022-05-31T11:43:04.725" v="648" actId="2711"/>
+          <ac:spMkLst>
+            <pc:docMk/>
+            <pc:sldMk cId="0" sldId="259"/>
+            <ac:spMk id="11" creationId="{00000000-0000-0000-0000-000000000000}"/>
+          </ac:spMkLst>
+        </pc:spChg>
+        <pc:spChg chg="mod">
+          <ac:chgData name="최창환" userId="e7bece8d-0b00-46eb-a3f5-00c7562d57af" providerId="ADAL" clId="{1D185AE2-2488-4666-B60E-552A758BAD94}" dt="2022-05-31T11:50:27.820" v="866" actId="20577"/>
           <ac:spMkLst>
             <pc:docMk/>
             <pc:sldMk cId="0" sldId="259"/>
@@ -340,7 +428,7 @@
         </pc:spChg>
       </pc:sldChg>
       <pc:sldChg chg="modSp mod">
-        <pc:chgData name="최창환" userId="e7bece8d-0b00-46eb-a3f5-00c7562d57af" providerId="ADAL" clId="{1D185AE2-2488-4666-B60E-552A758BAD94}" dt="2022-05-29T10:15:28.119" v="55" actId="2711"/>
+        <pc:chgData name="최창환" userId="e7bece8d-0b00-46eb-a3f5-00c7562d57af" providerId="ADAL" clId="{1D185AE2-2488-4666-B60E-552A758BAD94}" dt="2022-05-31T11:45:11.321" v="655" actId="5793"/>
         <pc:sldMkLst>
           <pc:docMk/>
           <pc:sldMk cId="0" sldId="260"/>
@@ -394,7 +482,7 @@
           </ac:spMkLst>
         </pc:spChg>
         <pc:spChg chg="mod">
-          <ac:chgData name="최창환" userId="e7bece8d-0b00-46eb-a3f5-00c7562d57af" providerId="ADAL" clId="{1D185AE2-2488-4666-B60E-552A758BAD94}" dt="2022-05-29T10:15:28.119" v="55" actId="2711"/>
+          <ac:chgData name="최창환" userId="e7bece8d-0b00-46eb-a3f5-00c7562d57af" providerId="ADAL" clId="{1D185AE2-2488-4666-B60E-552A758BAD94}" dt="2022-05-31T11:45:11.321" v="655" actId="5793"/>
           <ac:spMkLst>
             <pc:docMk/>
             <pc:sldMk cId="0" sldId="260"/>
@@ -545,7 +633,7 @@
         </pc:spChg>
       </pc:sldChg>
       <pc:sldChg chg="modSp mod">
-        <pc:chgData name="최창환" userId="e7bece8d-0b00-46eb-a3f5-00c7562d57af" providerId="ADAL" clId="{1D185AE2-2488-4666-B60E-552A758BAD94}" dt="2022-05-30T13:09:51.864" v="625" actId="14100"/>
+        <pc:chgData name="최창환" userId="e7bece8d-0b00-46eb-a3f5-00c7562d57af" providerId="ADAL" clId="{1D185AE2-2488-4666-B60E-552A758BAD94}" dt="2022-05-31T11:49:25.208" v="854" actId="20577"/>
         <pc:sldMkLst>
           <pc:docMk/>
           <pc:sldMk cId="0" sldId="263"/>
@@ -591,13 +679,45 @@
           </ac:spMkLst>
         </pc:spChg>
         <pc:spChg chg="mod">
-          <ac:chgData name="최창환" userId="e7bece8d-0b00-46eb-a3f5-00c7562d57af" providerId="ADAL" clId="{1D185AE2-2488-4666-B60E-552A758BAD94}" dt="2022-05-30T13:09:51.864" v="625" actId="14100"/>
+          <ac:chgData name="최창환" userId="e7bece8d-0b00-46eb-a3f5-00c7562d57af" providerId="ADAL" clId="{1D185AE2-2488-4666-B60E-552A758BAD94}" dt="2022-05-31T11:49:25.208" v="854" actId="20577"/>
           <ac:spMkLst>
             <pc:docMk/>
             <pc:sldMk cId="0" sldId="263"/>
             <ac:spMk id="25" creationId="{00000000-0000-0000-0000-000000000000}"/>
           </ac:spMkLst>
         </pc:spChg>
+        <pc:grpChg chg="mod">
+          <ac:chgData name="최창환" userId="e7bece8d-0b00-46eb-a3f5-00c7562d57af" providerId="ADAL" clId="{1D185AE2-2488-4666-B60E-552A758BAD94}" dt="2022-05-31T11:47:59.503" v="781" actId="1076"/>
+          <ac:grpSpMkLst>
+            <pc:docMk/>
+            <pc:sldMk cId="0" sldId="263"/>
+            <ac:grpSpMk id="1003" creationId="{00000000-0000-0000-0000-000000000000}"/>
+          </ac:grpSpMkLst>
+        </pc:grpChg>
+        <pc:grpChg chg="mod">
+          <ac:chgData name="최창환" userId="e7bece8d-0b00-46eb-a3f5-00c7562d57af" providerId="ADAL" clId="{1D185AE2-2488-4666-B60E-552A758BAD94}" dt="2022-05-31T11:47:59.503" v="781" actId="1076"/>
+          <ac:grpSpMkLst>
+            <pc:docMk/>
+            <pc:sldMk cId="0" sldId="263"/>
+            <ac:grpSpMk id="1004" creationId="{00000000-0000-0000-0000-000000000000}"/>
+          </ac:grpSpMkLst>
+        </pc:grpChg>
+        <pc:grpChg chg="mod">
+          <ac:chgData name="최창환" userId="e7bece8d-0b00-46eb-a3f5-00c7562d57af" providerId="ADAL" clId="{1D185AE2-2488-4666-B60E-552A758BAD94}" dt="2022-05-31T11:47:59.503" v="781" actId="1076"/>
+          <ac:grpSpMkLst>
+            <pc:docMk/>
+            <pc:sldMk cId="0" sldId="263"/>
+            <ac:grpSpMk id="1005" creationId="{00000000-0000-0000-0000-000000000000}"/>
+          </ac:grpSpMkLst>
+        </pc:grpChg>
+        <pc:grpChg chg="mod">
+          <ac:chgData name="최창환" userId="e7bece8d-0b00-46eb-a3f5-00c7562d57af" providerId="ADAL" clId="{1D185AE2-2488-4666-B60E-552A758BAD94}" dt="2022-05-31T11:47:59.503" v="781" actId="1076"/>
+          <ac:grpSpMkLst>
+            <pc:docMk/>
+            <pc:sldMk cId="0" sldId="263"/>
+            <ac:grpSpMk id="1006" creationId="{00000000-0000-0000-0000-000000000000}"/>
+          </ac:grpSpMkLst>
+        </pc:grpChg>
       </pc:sldChg>
       <pc:sldChg chg="addSp delSp modSp mod modTransition delAnim modAnim">
         <pc:chgData name="최창환" userId="e7bece8d-0b00-46eb-a3f5-00c7562d57af" providerId="ADAL" clId="{1D185AE2-2488-4666-B60E-552A758BAD94}" dt="2022-05-31T11:06:29.308" v="647"/>
@@ -6379,7 +6499,7 @@
         <p:spPr>
           <a:xfrm>
             <a:off x="1420619" y="751674"/>
-            <a:ext cx="5393990" cy="661727"/>
+            <a:ext cx="5393990" cy="477054"/>
           </a:xfrm>
           <a:prstGeom prst="rect">
             <a:avLst/>
@@ -6397,12 +6517,16 @@
                 <a:solidFill>
                   <a:srgbClr val="FFFFFF"/>
                 </a:solidFill>
-                <a:latin typeface="Gmarket Sans Medium" pitchFamily="34" charset="0"/>
+                <a:latin typeface="맑은 고딕" panose="020B0503020000020004" pitchFamily="50" charset="-127"/>
+                <a:ea typeface="맑은 고딕" panose="020B0503020000020004" pitchFamily="50" charset="-127"/>
                 <a:cs typeface="Gmarket Sans Medium" pitchFamily="34" charset="0"/>
               </a:rPr>
               <a:t>프로젝트 소개</a:t>
             </a:r>
-            <a:endParaRPr lang="en-US" dirty="0"/>
+            <a:endParaRPr lang="en-US" dirty="0">
+              <a:latin typeface="맑은 고딕" panose="020B0503020000020004" pitchFamily="50" charset="-127"/>
+              <a:ea typeface="맑은 고딕" panose="020B0503020000020004" pitchFamily="50" charset="-127"/>
+            </a:endParaRPr>
           </a:p>
         </p:txBody>
       </p:sp>
@@ -6454,7 +6578,7 @@
         <p:spPr>
           <a:xfrm>
             <a:off x="511511" y="719270"/>
-            <a:ext cx="661976" cy="253288"/>
+            <a:ext cx="661976" cy="230832"/>
           </a:xfrm>
           <a:prstGeom prst="rect">
             <a:avLst/>
@@ -6473,12 +6597,16 @@
                 <a:solidFill>
                   <a:srgbClr val="FFFFFF"/>
                 </a:solidFill>
-                <a:latin typeface="Gmarket Sans Medium" pitchFamily="34" charset="0"/>
+                <a:latin typeface="맑은 고딕" panose="020B0503020000020004" pitchFamily="50" charset="-127"/>
+                <a:ea typeface="맑은 고딕" panose="020B0503020000020004" pitchFamily="50" charset="-127"/>
                 <a:cs typeface="Gmarket Sans Medium" pitchFamily="34" charset="0"/>
               </a:rPr>
               <a:t>PART</a:t>
             </a:r>
-            <a:endParaRPr lang="en-US" dirty="0"/>
+            <a:endParaRPr lang="en-US" dirty="0">
+              <a:latin typeface="맑은 고딕" panose="020B0503020000020004" pitchFamily="50" charset="-127"/>
+              <a:ea typeface="맑은 고딕" panose="020B0503020000020004" pitchFamily="50" charset="-127"/>
+            </a:endParaRPr>
           </a:p>
         </p:txBody>
       </p:sp>
@@ -6491,7 +6619,7 @@
         <p:spPr>
           <a:xfrm>
             <a:off x="523959" y="846012"/>
-            <a:ext cx="637080" cy="721320"/>
+            <a:ext cx="637080" cy="507831"/>
           </a:xfrm>
           <a:prstGeom prst="rect">
             <a:avLst/>
@@ -6510,12 +6638,16 @@
                 <a:solidFill>
                   <a:srgbClr val="FFFFFF"/>
                 </a:solidFill>
-                <a:latin typeface="Gmarket Sans Medium" pitchFamily="34" charset="0"/>
+                <a:latin typeface="맑은 고딕" panose="020B0503020000020004" pitchFamily="50" charset="-127"/>
+                <a:ea typeface="맑은 고딕" panose="020B0503020000020004" pitchFamily="50" charset="-127"/>
                 <a:cs typeface="Gmarket Sans Medium" pitchFamily="34" charset="0"/>
               </a:rPr>
               <a:t>01</a:t>
             </a:r>
-            <a:endParaRPr lang="en-US" dirty="0"/>
+            <a:endParaRPr lang="en-US" dirty="0">
+              <a:latin typeface="맑은 고딕" panose="020B0503020000020004" pitchFamily="50" charset="-127"/>
+              <a:ea typeface="맑은 고딕" panose="020B0503020000020004" pitchFamily="50" charset="-127"/>
+            </a:endParaRPr>
           </a:p>
         </p:txBody>
       </p:sp>
@@ -6528,7 +6660,7 @@
         <p:spPr>
           <a:xfrm>
             <a:off x="11333283" y="843660"/>
-            <a:ext cx="6529083" cy="434856"/>
+            <a:ext cx="6529083" cy="338554"/>
           </a:xfrm>
           <a:prstGeom prst="rect">
             <a:avLst/>
@@ -6547,12 +6679,16 @@
                 <a:solidFill>
                   <a:srgbClr val="FFFFFF"/>
                 </a:solidFill>
-                <a:latin typeface="Gmarket Sans Medium" pitchFamily="34" charset="0"/>
+                <a:latin typeface="맑은 고딕" panose="020B0503020000020004" pitchFamily="50" charset="-127"/>
+                <a:ea typeface="맑은 고딕" panose="020B0503020000020004" pitchFamily="50" charset="-127"/>
                 <a:cs typeface="Gmarket Sans Medium" pitchFamily="34" charset="0"/>
               </a:rPr>
               <a:t>GPS를 이용한 실시간 버스정보알리미</a:t>
             </a:r>
-            <a:endParaRPr lang="en-US" dirty="0"/>
+            <a:endParaRPr lang="en-US" dirty="0">
+              <a:latin typeface="맑은 고딕" panose="020B0503020000020004" pitchFamily="50" charset="-127"/>
+              <a:ea typeface="맑은 고딕" panose="020B0503020000020004" pitchFamily="50" charset="-127"/>
+            </a:endParaRPr>
           </a:p>
         </p:txBody>
       </p:sp>
@@ -6851,7 +6987,7 @@
         <p:spPr>
           <a:xfrm>
             <a:off x="11288144" y="8772196"/>
-            <a:ext cx="3639922" cy="793571"/>
+            <a:ext cx="3639922" cy="553998"/>
           </a:xfrm>
           <a:prstGeom prst="rect">
             <a:avLst/>
@@ -6870,12 +7006,16 @@
                 <a:solidFill>
                   <a:srgbClr val="000000"/>
                 </a:solidFill>
-                <a:latin typeface="Noto Sans CJK KR Regular" pitchFamily="34" charset="0"/>
+                <a:latin typeface="맑은 고딕" panose="020B0503020000020004" pitchFamily="50" charset="-127"/>
+                <a:ea typeface="맑은 고딕" panose="020B0503020000020004" pitchFamily="50" charset="-127"/>
                 <a:cs typeface="Noto Sans CJK KR Regular" pitchFamily="34" charset="0"/>
               </a:rPr>
               <a:t>NodeMCU 1.0</a:t>
             </a:r>
-            <a:endParaRPr lang="en-US" dirty="0"/>
+            <a:endParaRPr lang="en-US" dirty="0">
+              <a:latin typeface="맑은 고딕" panose="020B0503020000020004" pitchFamily="50" charset="-127"/>
+              <a:ea typeface="맑은 고딕" panose="020B0503020000020004" pitchFamily="50" charset="-127"/>
+            </a:endParaRPr>
           </a:p>
         </p:txBody>
       </p:sp>
@@ -6888,7 +7028,7 @@
         <p:spPr>
           <a:xfrm>
             <a:off x="13689198" y="4767456"/>
-            <a:ext cx="1371429" cy="1925636"/>
+            <a:ext cx="1371429" cy="1200329"/>
           </a:xfrm>
           <a:prstGeom prst="rect">
             <a:avLst/>
@@ -6907,12 +7047,16 @@
                 <a:solidFill>
                   <a:srgbClr val="000000"/>
                 </a:solidFill>
-                <a:latin typeface="Noto Sans CJK KR Black" pitchFamily="34" charset="0"/>
+                <a:latin typeface="맑은 고딕" panose="020B0503020000020004" pitchFamily="50" charset="-127"/>
+                <a:ea typeface="맑은 고딕" panose="020B0503020000020004" pitchFamily="50" charset="-127"/>
                 <a:cs typeface="Noto Sans CJK KR Black" pitchFamily="34" charset="0"/>
               </a:rPr>
               <a:t>＋</a:t>
             </a:r>
-            <a:endParaRPr lang="en-US" dirty="0"/>
+            <a:endParaRPr lang="en-US" dirty="0">
+              <a:latin typeface="맑은 고딕" panose="020B0503020000020004" pitchFamily="50" charset="-127"/>
+              <a:ea typeface="맑은 고딕" panose="020B0503020000020004" pitchFamily="50" charset="-127"/>
+            </a:endParaRPr>
           </a:p>
         </p:txBody>
       </p:sp>
@@ -6964,7 +7108,7 @@
         <p:spPr>
           <a:xfrm>
             <a:off x="14109048" y="8772201"/>
-            <a:ext cx="3639922" cy="793571"/>
+            <a:ext cx="3639922" cy="553998"/>
           </a:xfrm>
           <a:prstGeom prst="rect">
             <a:avLst/>
@@ -6983,12 +7127,16 @@
                 <a:solidFill>
                   <a:srgbClr val="000000"/>
                 </a:solidFill>
-                <a:latin typeface="Noto Sans CJK KR Regular" pitchFamily="34" charset="0"/>
+                <a:latin typeface="맑은 고딕" panose="020B0503020000020004" pitchFamily="50" charset="-127"/>
+                <a:ea typeface="맑은 고딕" panose="020B0503020000020004" pitchFamily="50" charset="-127"/>
                 <a:cs typeface="Noto Sans CJK KR Regular" pitchFamily="34" charset="0"/>
               </a:rPr>
               <a:t>SSD1306</a:t>
             </a:r>
-            <a:endParaRPr lang="en-US" dirty="0"/>
+            <a:endParaRPr lang="en-US" dirty="0">
+              <a:latin typeface="맑은 고딕" panose="020B0503020000020004" pitchFamily="50" charset="-127"/>
+              <a:ea typeface="맑은 고딕" panose="020B0503020000020004" pitchFamily="50" charset="-127"/>
+            </a:endParaRPr>
           </a:p>
         </p:txBody>
       </p:sp>
@@ -7073,7 +7221,7 @@
         <p:spPr>
           <a:xfrm>
             <a:off x="1420619" y="751674"/>
-            <a:ext cx="5393990" cy="661727"/>
+            <a:ext cx="5393990" cy="477054"/>
           </a:xfrm>
           <a:prstGeom prst="rect">
             <a:avLst/>
@@ -7091,12 +7239,16 @@
                 <a:solidFill>
                   <a:srgbClr val="FFFFFF"/>
                 </a:solidFill>
-                <a:latin typeface="Gmarket Sans Medium" pitchFamily="34" charset="0"/>
+                <a:latin typeface="맑은 고딕" panose="020B0503020000020004" pitchFamily="50" charset="-127"/>
+                <a:ea typeface="맑은 고딕" panose="020B0503020000020004" pitchFamily="50" charset="-127"/>
                 <a:cs typeface="Gmarket Sans Medium" pitchFamily="34" charset="0"/>
               </a:rPr>
               <a:t>프로젝트 소개</a:t>
             </a:r>
-            <a:endParaRPr lang="en-US" dirty="0"/>
+            <a:endParaRPr lang="en-US" dirty="0">
+              <a:latin typeface="맑은 고딕" panose="020B0503020000020004" pitchFamily="50" charset="-127"/>
+              <a:ea typeface="맑은 고딕" panose="020B0503020000020004" pitchFamily="50" charset="-127"/>
+            </a:endParaRPr>
           </a:p>
         </p:txBody>
       </p:sp>
@@ -7148,7 +7300,7 @@
         <p:spPr>
           <a:xfrm>
             <a:off x="511511" y="719270"/>
-            <a:ext cx="661976" cy="253288"/>
+            <a:ext cx="661976" cy="230832"/>
           </a:xfrm>
           <a:prstGeom prst="rect">
             <a:avLst/>
@@ -7167,12 +7319,16 @@
                 <a:solidFill>
                   <a:srgbClr val="FFFFFF"/>
                 </a:solidFill>
-                <a:latin typeface="Gmarket Sans Medium" pitchFamily="34" charset="0"/>
+                <a:latin typeface="맑은 고딕" panose="020B0503020000020004" pitchFamily="50" charset="-127"/>
+                <a:ea typeface="맑은 고딕" panose="020B0503020000020004" pitchFamily="50" charset="-127"/>
                 <a:cs typeface="Gmarket Sans Medium" pitchFamily="34" charset="0"/>
               </a:rPr>
               <a:t>PART</a:t>
             </a:r>
-            <a:endParaRPr lang="en-US" dirty="0"/>
+            <a:endParaRPr lang="en-US" dirty="0">
+              <a:latin typeface="맑은 고딕" panose="020B0503020000020004" pitchFamily="50" charset="-127"/>
+              <a:ea typeface="맑은 고딕" panose="020B0503020000020004" pitchFamily="50" charset="-127"/>
+            </a:endParaRPr>
           </a:p>
         </p:txBody>
       </p:sp>
@@ -7185,7 +7341,7 @@
         <p:spPr>
           <a:xfrm>
             <a:off x="523959" y="846012"/>
-            <a:ext cx="637080" cy="721320"/>
+            <a:ext cx="637080" cy="507831"/>
           </a:xfrm>
           <a:prstGeom prst="rect">
             <a:avLst/>
@@ -7204,12 +7360,16 @@
                 <a:solidFill>
                   <a:srgbClr val="FFFFFF"/>
                 </a:solidFill>
-                <a:latin typeface="Gmarket Sans Medium" pitchFamily="34" charset="0"/>
+                <a:latin typeface="맑은 고딕" panose="020B0503020000020004" pitchFamily="50" charset="-127"/>
+                <a:ea typeface="맑은 고딕" panose="020B0503020000020004" pitchFamily="50" charset="-127"/>
                 <a:cs typeface="Gmarket Sans Medium" pitchFamily="34" charset="0"/>
               </a:rPr>
               <a:t>01</a:t>
             </a:r>
-            <a:endParaRPr lang="en-US" dirty="0"/>
+            <a:endParaRPr lang="en-US" dirty="0">
+              <a:latin typeface="맑은 고딕" panose="020B0503020000020004" pitchFamily="50" charset="-127"/>
+              <a:ea typeface="맑은 고딕" panose="020B0503020000020004" pitchFamily="50" charset="-127"/>
+            </a:endParaRPr>
           </a:p>
         </p:txBody>
       </p:sp>
@@ -7222,7 +7382,7 @@
         <p:spPr>
           <a:xfrm>
             <a:off x="11333283" y="843660"/>
-            <a:ext cx="6529083" cy="434856"/>
+            <a:ext cx="6529083" cy="338554"/>
           </a:xfrm>
           <a:prstGeom prst="rect">
             <a:avLst/>
@@ -7241,12 +7401,16 @@
                 <a:solidFill>
                   <a:srgbClr val="FFFFFF"/>
                 </a:solidFill>
-                <a:latin typeface="Gmarket Sans Medium" pitchFamily="34" charset="0"/>
+                <a:latin typeface="맑은 고딕" panose="020B0503020000020004" pitchFamily="50" charset="-127"/>
+                <a:ea typeface="맑은 고딕" panose="020B0503020000020004" pitchFamily="50" charset="-127"/>
                 <a:cs typeface="Gmarket Sans Medium" pitchFamily="34" charset="0"/>
               </a:rPr>
               <a:t>GPS를 이용한 실시간 버스정보알리미</a:t>
             </a:r>
-            <a:endParaRPr lang="en-US" dirty="0"/>
+            <a:endParaRPr lang="en-US" dirty="0">
+              <a:latin typeface="맑은 고딕" panose="020B0503020000020004" pitchFamily="50" charset="-127"/>
+              <a:ea typeface="맑은 고딕" panose="020B0503020000020004" pitchFamily="50" charset="-127"/>
+            </a:endParaRPr>
           </a:p>
         </p:txBody>
       </p:sp>
@@ -7495,7 +7659,40 @@
                 <a:ea typeface="맑은 고딕" panose="020B0503020000020004" pitchFamily="50" charset="-127"/>
                 <a:cs typeface="Gmarket Sans Medium" pitchFamily="34" charset="0"/>
               </a:rPr>
-              <a:t>- USB 충전 단자로 배터리 충전이 용이하며, 20초마다 서버에서 데이터를 받아오는 방식이기 때문에</a:t>
+              <a:t>- USB 충전 단자로 배터리 충전이 용이하며, 10초~20</a:t>
+            </a:r>
+            <a:r>
+              <a:rPr lang="ko-KR" altLang="en-US" sz="2600" kern="0" spc="-100" dirty="0">
+                <a:solidFill>
+                  <a:srgbClr val="000000"/>
+                </a:solidFill>
+                <a:latin typeface="맑은 고딕" panose="020B0503020000020004" pitchFamily="50" charset="-127"/>
+                <a:ea typeface="맑은 고딕" panose="020B0503020000020004" pitchFamily="50" charset="-127"/>
+                <a:cs typeface="Gmarket Sans Medium" pitchFamily="34" charset="0"/>
+              </a:rPr>
+              <a:t>초</a:t>
+            </a:r>
+            <a:r>
+              <a:rPr lang="en-US" sz="2600" kern="0" spc="-100" dirty="0" err="1">
+                <a:solidFill>
+                  <a:srgbClr val="000000"/>
+                </a:solidFill>
+                <a:latin typeface="맑은 고딕" panose="020B0503020000020004" pitchFamily="50" charset="-127"/>
+                <a:ea typeface="맑은 고딕" panose="020B0503020000020004" pitchFamily="50" charset="-127"/>
+                <a:cs typeface="Gmarket Sans Medium" pitchFamily="34" charset="0"/>
+              </a:rPr>
+              <a:t>마다</a:t>
+            </a:r>
+            <a:r>
+              <a:rPr lang="en-US" sz="2600" kern="0" spc="-100" dirty="0">
+                <a:solidFill>
+                  <a:srgbClr val="000000"/>
+                </a:solidFill>
+                <a:latin typeface="맑은 고딕" panose="020B0503020000020004" pitchFamily="50" charset="-127"/>
+                <a:ea typeface="맑은 고딕" panose="020B0503020000020004" pitchFamily="50" charset="-127"/>
+                <a:cs typeface="Gmarket Sans Medium" pitchFamily="34" charset="0"/>
+              </a:rPr>
+              <a:t> 서버에서 데이터를 받아오는 방식이기 때문에</a:t>
             </a:r>
           </a:p>
           <a:p>
@@ -8029,7 +8226,7 @@
                 <a:ea typeface="맑은 고딕" panose="020B0503020000020004" pitchFamily="50" charset="-127"/>
                 <a:cs typeface="Noto Sans CJK KR Medium" pitchFamily="34" charset="0"/>
               </a:rPr>
-              <a:t>SCL - D1</a:t>
+              <a:t>SCL – D3</a:t>
             </a:r>
           </a:p>
           <a:p>
@@ -8043,7 +8240,7 @@
                 <a:ea typeface="맑은 고딕" panose="020B0503020000020004" pitchFamily="50" charset="-127"/>
                 <a:cs typeface="Noto Sans CJK KR Medium" pitchFamily="34" charset="0"/>
               </a:rPr>
-              <a:t>SDA - D2</a:t>
+              <a:t>SDA – D4</a:t>
             </a:r>
           </a:p>
           <a:p>
@@ -9500,7 +9697,7 @@
         </p:nvGrpSpPr>
         <p:grpSpPr>
           <a:xfrm>
-            <a:off x="1693755" y="3374271"/>
+            <a:off x="1433682" y="3460480"/>
             <a:ext cx="3849778" cy="2855989"/>
             <a:chOff x="1693755" y="3374271"/>
             <a:chExt cx="3849778" cy="2855989"/>
@@ -9539,7 +9736,7 @@
         </p:nvGrpSpPr>
         <p:grpSpPr>
           <a:xfrm>
-            <a:off x="5972227" y="3374271"/>
+            <a:off x="5712154" y="3460480"/>
             <a:ext cx="3876310" cy="2855989"/>
             <a:chOff x="5972227" y="3374271"/>
             <a:chExt cx="3876310" cy="2855989"/>
@@ -9578,7 +9775,7 @@
         </p:nvGrpSpPr>
         <p:grpSpPr>
           <a:xfrm>
-            <a:off x="1711428" y="6478676"/>
+            <a:off x="1451355" y="6564885"/>
             <a:ext cx="3849778" cy="2855989"/>
             <a:chOff x="1711428" y="6478676"/>
             <a:chExt cx="3849778" cy="2855989"/>
@@ -9617,7 +9814,7 @@
         </p:nvGrpSpPr>
         <p:grpSpPr>
           <a:xfrm>
-            <a:off x="5972227" y="6507428"/>
+            <a:off x="5712154" y="6593637"/>
             <a:ext cx="3876310" cy="2905780"/>
             <a:chOff x="5972227" y="6507428"/>
             <a:chExt cx="3876310" cy="2905780"/>
@@ -9656,8 +9853,8 @@
         </p:nvSpPr>
         <p:spPr>
           <a:xfrm>
-            <a:off x="10515600" y="3867031"/>
-            <a:ext cx="7543800" cy="5223289"/>
+            <a:off x="9945492" y="3052755"/>
+            <a:ext cx="7848600" cy="6527428"/>
           </a:xfrm>
           <a:prstGeom prst="rect">
             <a:avLst/>
@@ -9676,6 +9873,47 @@
               </a:lnSpc>
             </a:pPr>
             <a:r>
+              <a:rPr lang="ko-KR" altLang="en-US" sz="3200" b="1" dirty="0">
+                <a:solidFill>
+                  <a:srgbClr val="000000"/>
+                </a:solidFill>
+                <a:latin typeface="맑은 고딕" panose="020B0503020000020004" pitchFamily="50" charset="-127"/>
+                <a:ea typeface="맑은 고딕" panose="020B0503020000020004" pitchFamily="50" charset="-127"/>
+                <a:cs typeface="Gmarket Sans Medium" pitchFamily="34" charset="0"/>
+              </a:rPr>
+              <a:t>시스템 구동과정</a:t>
+            </a:r>
+            <a:endParaRPr lang="en-US" altLang="ko-KR" sz="3200" b="1" dirty="0">
+              <a:solidFill>
+                <a:srgbClr val="000000"/>
+              </a:solidFill>
+              <a:latin typeface="맑은 고딕" panose="020B0503020000020004" pitchFamily="50" charset="-127"/>
+              <a:ea typeface="맑은 고딕" panose="020B0503020000020004" pitchFamily="50" charset="-127"/>
+              <a:cs typeface="Gmarket Sans Medium" pitchFamily="34" charset="0"/>
+            </a:endParaRPr>
+          </a:p>
+          <a:p>
+            <a:pPr>
+              <a:lnSpc>
+                <a:spcPct val="150000"/>
+              </a:lnSpc>
+            </a:pPr>
+            <a:endParaRPr lang="en-US" sz="2500" b="1" dirty="0">
+              <a:solidFill>
+                <a:srgbClr val="000000"/>
+              </a:solidFill>
+              <a:latin typeface="맑은 고딕" panose="020B0503020000020004" pitchFamily="50" charset="-127"/>
+              <a:ea typeface="맑은 고딕" panose="020B0503020000020004" pitchFamily="50" charset="-127"/>
+              <a:cs typeface="Gmarket Sans Medium" pitchFamily="34" charset="0"/>
+            </a:endParaRPr>
+          </a:p>
+          <a:p>
+            <a:pPr>
+              <a:lnSpc>
+                <a:spcPct val="150000"/>
+              </a:lnSpc>
+            </a:pPr>
+            <a:r>
               <a:rPr lang="en-US" sz="2500" dirty="0">
                 <a:solidFill>
                   <a:srgbClr val="000000"/>
@@ -9684,7 +9922,7 @@
                 <a:ea typeface="맑은 고딕" panose="020B0503020000020004" pitchFamily="50" charset="-127"/>
                 <a:cs typeface="Gmarket Sans Medium" pitchFamily="34" charset="0"/>
               </a:rPr>
-              <a:t>- 비트맵 이미지</a:t>
+              <a:t>1) 비트맵 이미지</a:t>
             </a:r>
           </a:p>
           <a:p>
@@ -9735,7 +9973,7 @@
                 <a:ea typeface="맑은 고딕" panose="020B0503020000020004" pitchFamily="50" charset="-127"/>
                 <a:cs typeface="Gmarket Sans Medium" pitchFamily="34" charset="0"/>
               </a:rPr>
-              <a:t>- 와이파이 연결 동작 중 </a:t>
+              <a:t>2) 와이파이 연결 동작 중 </a:t>
             </a:r>
             <a:r>
               <a:rPr lang="en-US" sz="2500" u="sng" dirty="0">
@@ -9746,8 +9984,49 @@
                 <a:ea typeface="맑은 고딕" panose="020B0503020000020004" pitchFamily="50" charset="-127"/>
                 <a:cs typeface="Gmarket Sans Medium" pitchFamily="34" charset="0"/>
               </a:rPr>
-              <a:t>(움직이는 이미지)</a:t>
-            </a:r>
+              <a:t>(</a:t>
+            </a:r>
+            <a:r>
+              <a:rPr lang="ko-KR" altLang="en-US" sz="2500" u="sng" dirty="0">
+                <a:solidFill>
+                  <a:srgbClr val="000000"/>
+                </a:solidFill>
+                <a:latin typeface="맑은 고딕" panose="020B0503020000020004" pitchFamily="50" charset="-127"/>
+                <a:ea typeface="맑은 고딕" panose="020B0503020000020004" pitchFamily="50" charset="-127"/>
+                <a:cs typeface="Gmarket Sans Medium" pitchFamily="34" charset="0"/>
+              </a:rPr>
+              <a:t>프레임 단위</a:t>
+            </a:r>
+            <a:r>
+              <a:rPr lang="en-US" sz="2500" u="sng" dirty="0">
+                <a:solidFill>
+                  <a:srgbClr val="000000"/>
+                </a:solidFill>
+                <a:latin typeface="맑은 고딕" panose="020B0503020000020004" pitchFamily="50" charset="-127"/>
+                <a:ea typeface="맑은 고딕" panose="020B0503020000020004" pitchFamily="50" charset="-127"/>
+                <a:cs typeface="Gmarket Sans Medium" pitchFamily="34" charset="0"/>
+              </a:rPr>
+              <a:t>) – </a:t>
+            </a:r>
+            <a:r>
+              <a:rPr lang="ko-KR" altLang="en-US" sz="2500" u="sng" dirty="0">
+                <a:solidFill>
+                  <a:srgbClr val="000000"/>
+                </a:solidFill>
+                <a:latin typeface="맑은 고딕" panose="020B0503020000020004" pitchFamily="50" charset="-127"/>
+                <a:ea typeface="맑은 고딕" panose="020B0503020000020004" pitchFamily="50" charset="-127"/>
+                <a:cs typeface="Gmarket Sans Medium" pitchFamily="34" charset="0"/>
+              </a:rPr>
+              <a:t>이미지 출력</a:t>
+            </a:r>
+            <a:endParaRPr lang="en-US" sz="2500" u="sng" dirty="0">
+              <a:solidFill>
+                <a:srgbClr val="000000"/>
+              </a:solidFill>
+              <a:latin typeface="맑은 고딕" panose="020B0503020000020004" pitchFamily="50" charset="-127"/>
+              <a:ea typeface="맑은 고딕" panose="020B0503020000020004" pitchFamily="50" charset="-127"/>
+              <a:cs typeface="Gmarket Sans Medium" pitchFamily="34" charset="0"/>
+            </a:endParaRPr>
           </a:p>
           <a:p>
             <a:pPr>
@@ -9797,7 +10076,73 @@
                 <a:ea typeface="맑은 고딕" panose="020B0503020000020004" pitchFamily="50" charset="-127"/>
                 <a:cs typeface="Gmarket Sans Medium" pitchFamily="34" charset="0"/>
               </a:rPr>
-              <a:t>- 해당 위치에 버스정류장의 데이터를 출력함</a:t>
+              <a:t>3) </a:t>
+            </a:r>
+            <a:r>
+              <a:rPr lang="en-US" sz="2500" dirty="0" err="1">
+                <a:solidFill>
+                  <a:srgbClr val="000000"/>
+                </a:solidFill>
+                <a:latin typeface="맑은 고딕" panose="020B0503020000020004" pitchFamily="50" charset="-127"/>
+                <a:ea typeface="맑은 고딕" panose="020B0503020000020004" pitchFamily="50" charset="-127"/>
+                <a:cs typeface="Gmarket Sans Medium" pitchFamily="34" charset="0"/>
+              </a:rPr>
+              <a:t>해당</a:t>
+            </a:r>
+            <a:r>
+              <a:rPr lang="en-US" sz="2500" dirty="0">
+                <a:solidFill>
+                  <a:srgbClr val="000000"/>
+                </a:solidFill>
+                <a:latin typeface="맑은 고딕" panose="020B0503020000020004" pitchFamily="50" charset="-127"/>
+                <a:ea typeface="맑은 고딕" panose="020B0503020000020004" pitchFamily="50" charset="-127"/>
+                <a:cs typeface="Gmarket Sans Medium" pitchFamily="34" charset="0"/>
+              </a:rPr>
+              <a:t> </a:t>
+            </a:r>
+            <a:r>
+              <a:rPr lang="en-US" sz="2500" dirty="0" err="1">
+                <a:solidFill>
+                  <a:srgbClr val="000000"/>
+                </a:solidFill>
+                <a:latin typeface="맑은 고딕" panose="020B0503020000020004" pitchFamily="50" charset="-127"/>
+                <a:ea typeface="맑은 고딕" panose="020B0503020000020004" pitchFamily="50" charset="-127"/>
+                <a:cs typeface="Gmarket Sans Medium" pitchFamily="34" charset="0"/>
+              </a:rPr>
+              <a:t>위치에</a:t>
+            </a:r>
+            <a:r>
+              <a:rPr lang="en-US" sz="2500" dirty="0">
+                <a:solidFill>
+                  <a:srgbClr val="000000"/>
+                </a:solidFill>
+                <a:latin typeface="맑은 고딕" panose="020B0503020000020004" pitchFamily="50" charset="-127"/>
+                <a:ea typeface="맑은 고딕" panose="020B0503020000020004" pitchFamily="50" charset="-127"/>
+                <a:cs typeface="Gmarket Sans Medium" pitchFamily="34" charset="0"/>
+              </a:rPr>
+              <a:t> </a:t>
+            </a:r>
+            <a:r>
+              <a:rPr lang="en-US" sz="2500" dirty="0" err="1">
+                <a:solidFill>
+                  <a:srgbClr val="000000"/>
+                </a:solidFill>
+                <a:latin typeface="맑은 고딕" panose="020B0503020000020004" pitchFamily="50" charset="-127"/>
+                <a:ea typeface="맑은 고딕" panose="020B0503020000020004" pitchFamily="50" charset="-127"/>
+                <a:cs typeface="Gmarket Sans Medium" pitchFamily="34" charset="0"/>
+              </a:rPr>
+              <a:t>버스정류장</a:t>
+            </a:r>
+            <a:r>
+              <a:rPr lang="en-US" sz="2500" dirty="0">
+                <a:solidFill>
+                  <a:srgbClr val="000000"/>
+                </a:solidFill>
+                <a:latin typeface="맑은 고딕" panose="020B0503020000020004" pitchFamily="50" charset="-127"/>
+                <a:ea typeface="맑은 고딕" panose="020B0503020000020004" pitchFamily="50" charset="-127"/>
+                <a:cs typeface="Gmarket Sans Medium" pitchFamily="34" charset="0"/>
+              </a:rPr>
+              <a:t> 데이터를 출력함</a:t>
             </a:r>
           </a:p>
           <a:p>
@@ -9824,7 +10169,7 @@
             <a:r>
               <a:rPr lang="en-US" sz="2500" dirty="0">
                 <a:solidFill>
-                  <a:srgbClr val="000000"/>
+                  <a:srgbClr val="FF0000"/>
                 </a:solidFill>
                 <a:latin typeface="맑은 고딕" panose="020B0503020000020004" pitchFamily="50" charset="-127"/>
                 <a:ea typeface="맑은 고딕" panose="020B0503020000020004" pitchFamily="50" charset="-127"/>
@@ -9833,6 +10178,9 @@
               <a:t>※ 자세한 동작 과정은 시연을 통해 보여드릴 예정</a:t>
             </a:r>
             <a:endParaRPr lang="en-US" dirty="0">
+              <a:solidFill>
+                <a:srgbClr val="FF0000"/>
+              </a:solidFill>
               <a:latin typeface="맑은 고딕" panose="020B0503020000020004" pitchFamily="50" charset="-127"/>
               <a:ea typeface="맑은 고딕" panose="020B0503020000020004" pitchFamily="50" charset="-127"/>
             </a:endParaRPr>

--- a/종합프로젝트설계_발표자료.pptx
+++ b/종합프로젝트설계_발표자료.pptx
@@ -4,6 +4,9 @@
   <p:sldMasterIdLst>
     <p:sldMasterId id="2147483648" r:id="rId1"/>
   </p:sldMasterIdLst>
+  <p:notesMasterIdLst>
+    <p:notesMasterId r:id="rId11"/>
+  </p:notesMasterIdLst>
   <p:sldIdLst>
     <p:sldId id="256" r:id="rId2"/>
     <p:sldId id="257" r:id="rId3"/>
@@ -13,10 +16,7 @@
     <p:sldId id="261" r:id="rId7"/>
     <p:sldId id="262" r:id="rId8"/>
     <p:sldId id="263" r:id="rId9"/>
-    <p:sldId id="264" r:id="rId10"/>
-    <p:sldId id="265" r:id="rId11"/>
-    <p:sldId id="266" r:id="rId12"/>
-    <p:sldId id="267" r:id="rId13"/>
+    <p:sldId id="265" r:id="rId10"/>
   </p:sldIdLst>
   <p:sldSz cx="18288000" cy="10287000"/>
   <p:notesSz cx="10287000" cy="18288000"/>
@@ -134,20 +134,12 @@
 </p:presentation>
 </file>
 
-<file path=ppt/revisionInfo.xml><?xml version="1.0" encoding="utf-8"?>
-<p1510:revInfo xmlns:a="http://schemas.openxmlformats.org/drawingml/2006/main" xmlns:r="http://schemas.openxmlformats.org/officeDocument/2006/relationships" xmlns:p1510="http://schemas.microsoft.com/office/powerpoint/2015/10/main">
-  <p1510:revLst>
-    <p1510:client id="{9CB97517-4574-D84B-BF86-527A2E13AF31}" v="1" dt="2022-05-31T03:36:12.508"/>
-  </p1510:revLst>
-</p1510:revInfo>
-</file>
-
 <file path=ppt/changesInfos/changesInfo1.xml><?xml version="1.0" encoding="utf-8"?>
 <pc:chgInfo xmlns:a="http://schemas.openxmlformats.org/drawingml/2006/main" xmlns:r="http://schemas.openxmlformats.org/officeDocument/2006/relationships" xmlns:ac="http://schemas.microsoft.com/office/drawing/2013/main/command" xmlns:pc="http://schemas.microsoft.com/office/powerpoint/2013/main/command">
   <pc:docChgLst>
     <pc:chgData name="최창환" userId="e7bece8d-0b00-46eb-a3f5-00c7562d57af" providerId="ADAL" clId="{1D185AE2-2488-4666-B60E-552A758BAD94}"/>
-    <pc:docChg chg="undo custSel modSld">
-      <pc:chgData name="최창환" userId="e7bece8d-0b00-46eb-a3f5-00c7562d57af" providerId="ADAL" clId="{1D185AE2-2488-4666-B60E-552A758BAD94}" dt="2022-05-31T11:50:27.820" v="866" actId="20577"/>
+    <pc:docChg chg="undo redo custSel addSld delSld modSld sldOrd">
+      <pc:chgData name="최창환" userId="e7bece8d-0b00-46eb-a3f5-00c7562d57af" providerId="ADAL" clId="{1D185AE2-2488-4666-B60E-552A758BAD94}" dt="2022-06-09T14:59:50.908" v="4766" actId="1076"/>
       <pc:docMkLst>
         <pc:docMk/>
       </pc:docMkLst>
@@ -199,7 +191,7 @@
         </pc:grpChg>
       </pc:sldChg>
       <pc:sldChg chg="modSp mod">
-        <pc:chgData name="최창환" userId="e7bece8d-0b00-46eb-a3f5-00c7562d57af" providerId="ADAL" clId="{1D185AE2-2488-4666-B60E-552A758BAD94}" dt="2022-05-29T10:16:16.894" v="61" actId="113"/>
+        <pc:chgData name="최창환" userId="e7bece8d-0b00-46eb-a3f5-00c7562d57af" providerId="ADAL" clId="{1D185AE2-2488-4666-B60E-552A758BAD94}" dt="2022-06-09T14:52:11.592" v="4628" actId="20577"/>
         <pc:sldMkLst>
           <pc:docMk/>
           <pc:sldMk cId="0" sldId="257"/>
@@ -213,7 +205,7 @@
           </ac:spMkLst>
         </pc:spChg>
         <pc:spChg chg="mod">
-          <ac:chgData name="최창환" userId="e7bece8d-0b00-46eb-a3f5-00c7562d57af" providerId="ADAL" clId="{1D185AE2-2488-4666-B60E-552A758BAD94}" dt="2022-05-29T10:16:10.573" v="60" actId="2711"/>
+          <ac:chgData name="최창환" userId="e7bece8d-0b00-46eb-a3f5-00c7562d57af" providerId="ADAL" clId="{1D185AE2-2488-4666-B60E-552A758BAD94}" dt="2022-06-09T13:52:38.285" v="4557" actId="1036"/>
           <ac:spMkLst>
             <pc:docMk/>
             <pc:sldMk cId="0" sldId="257"/>
@@ -237,7 +229,7 @@
           </ac:spMkLst>
         </pc:spChg>
         <pc:spChg chg="mod">
-          <ac:chgData name="최창환" userId="e7bece8d-0b00-46eb-a3f5-00c7562d57af" providerId="ADAL" clId="{1D185AE2-2488-4666-B60E-552A758BAD94}" dt="2022-05-29T10:16:10.573" v="60" actId="2711"/>
+          <ac:chgData name="최창환" userId="e7bece8d-0b00-46eb-a3f5-00c7562d57af" providerId="ADAL" clId="{1D185AE2-2488-4666-B60E-552A758BAD94}" dt="2022-06-09T13:52:38.285" v="4557" actId="1036"/>
           <ac:spMkLst>
             <pc:docMk/>
             <pc:sldMk cId="0" sldId="257"/>
@@ -261,7 +253,7 @@
           </ac:spMkLst>
         </pc:spChg>
         <pc:spChg chg="mod">
-          <ac:chgData name="최창환" userId="e7bece8d-0b00-46eb-a3f5-00c7562d57af" providerId="ADAL" clId="{1D185AE2-2488-4666-B60E-552A758BAD94}" dt="2022-05-29T10:16:10.573" v="60" actId="2711"/>
+          <ac:chgData name="최창환" userId="e7bece8d-0b00-46eb-a3f5-00c7562d57af" providerId="ADAL" clId="{1D185AE2-2488-4666-B60E-552A758BAD94}" dt="2022-06-09T13:52:38.285" v="4557" actId="1036"/>
           <ac:spMkLst>
             <pc:docMk/>
             <pc:sldMk cId="0" sldId="257"/>
@@ -285,7 +277,7 @@
           </ac:spMkLst>
         </pc:spChg>
         <pc:spChg chg="mod">
-          <ac:chgData name="최창환" userId="e7bece8d-0b00-46eb-a3f5-00c7562d57af" providerId="ADAL" clId="{1D185AE2-2488-4666-B60E-552A758BAD94}" dt="2022-05-29T10:16:10.573" v="60" actId="2711"/>
+          <ac:chgData name="최창환" userId="e7bece8d-0b00-46eb-a3f5-00c7562d57af" providerId="ADAL" clId="{1D185AE2-2488-4666-B60E-552A758BAD94}" dt="2022-06-09T13:17:34.332" v="4076"/>
           <ac:spMkLst>
             <pc:docMk/>
             <pc:sldMk cId="0" sldId="257"/>
@@ -293,7 +285,7 @@
           </ac:spMkLst>
         </pc:spChg>
         <pc:spChg chg="mod">
-          <ac:chgData name="최창환" userId="e7bece8d-0b00-46eb-a3f5-00c7562d57af" providerId="ADAL" clId="{1D185AE2-2488-4666-B60E-552A758BAD94}" dt="2022-05-29T10:16:10.573" v="60" actId="2711"/>
+          <ac:chgData name="최창환" userId="e7bece8d-0b00-46eb-a3f5-00c7562d57af" providerId="ADAL" clId="{1D185AE2-2488-4666-B60E-552A758BAD94}" dt="2022-06-09T14:52:11.592" v="4628" actId="20577"/>
           <ac:spMkLst>
             <pc:docMk/>
             <pc:sldMk cId="0" sldId="257"/>
@@ -301,7 +293,7 @@
           </ac:spMkLst>
         </pc:spChg>
         <pc:spChg chg="mod">
-          <ac:chgData name="최창환" userId="e7bece8d-0b00-46eb-a3f5-00c7562d57af" providerId="ADAL" clId="{1D185AE2-2488-4666-B60E-552A758BAD94}" dt="2022-05-29T10:16:10.573" v="60" actId="2711"/>
+          <ac:chgData name="최창환" userId="e7bece8d-0b00-46eb-a3f5-00c7562d57af" providerId="ADAL" clId="{1D185AE2-2488-4666-B60E-552A758BAD94}" dt="2022-06-09T08:57:56.483" v="1185" actId="20577"/>
           <ac:spMkLst>
             <pc:docMk/>
             <pc:sldMk cId="0" sldId="257"/>
@@ -310,7 +302,7 @@
         </pc:spChg>
       </pc:sldChg>
       <pc:sldChg chg="modSp mod">
-        <pc:chgData name="최창환" userId="e7bece8d-0b00-46eb-a3f5-00c7562d57af" providerId="ADAL" clId="{1D185AE2-2488-4666-B60E-552A758BAD94}" dt="2022-05-31T11:43:17.526" v="649" actId="2711"/>
+        <pc:chgData name="최창환" userId="e7bece8d-0b00-46eb-a3f5-00c7562d57af" providerId="ADAL" clId="{1D185AE2-2488-4666-B60E-552A758BAD94}" dt="2022-06-09T14:59:31.934" v="4765" actId="20577"/>
         <pc:sldMkLst>
           <pc:docMk/>
           <pc:sldMk cId="0" sldId="258"/>
@@ -348,7 +340,7 @@
           </ac:spMkLst>
         </pc:spChg>
         <pc:spChg chg="mod">
-          <ac:chgData name="최창환" userId="e7bece8d-0b00-46eb-a3f5-00c7562d57af" providerId="ADAL" clId="{1D185AE2-2488-4666-B60E-552A758BAD94}" dt="2022-05-31T11:43:17.526" v="649" actId="2711"/>
+          <ac:chgData name="최창환" userId="e7bece8d-0b00-46eb-a3f5-00c7562d57af" providerId="ADAL" clId="{1D185AE2-2488-4666-B60E-552A758BAD94}" dt="2022-06-09T14:59:31.934" v="4765" actId="20577"/>
           <ac:spMkLst>
             <pc:docMk/>
             <pc:sldMk cId="0" sldId="258"/>
@@ -380,14 +372,22 @@
           </ac:spMkLst>
         </pc:spChg>
       </pc:sldChg>
-      <pc:sldChg chg="modSp mod">
-        <pc:chgData name="최창환" userId="e7bece8d-0b00-46eb-a3f5-00c7562d57af" providerId="ADAL" clId="{1D185AE2-2488-4666-B60E-552A758BAD94}" dt="2022-05-31T11:50:27.820" v="866" actId="20577"/>
+      <pc:sldChg chg="addSp delSp modSp mod">
+        <pc:chgData name="최창환" userId="e7bece8d-0b00-46eb-a3f5-00c7562d57af" providerId="ADAL" clId="{1D185AE2-2488-4666-B60E-552A758BAD94}" dt="2022-06-09T14:00:51.524" v="4585" actId="478"/>
         <pc:sldMkLst>
           <pc:docMk/>
           <pc:sldMk cId="0" sldId="259"/>
         </pc:sldMkLst>
+        <pc:spChg chg="add del mod">
+          <ac:chgData name="최창환" userId="e7bece8d-0b00-46eb-a3f5-00c7562d57af" providerId="ADAL" clId="{1D185AE2-2488-4666-B60E-552A758BAD94}" dt="2022-06-09T12:31:35.548" v="1849" actId="478"/>
+          <ac:spMkLst>
+            <pc:docMk/>
+            <pc:sldMk cId="0" sldId="259"/>
+            <ac:spMk id="4" creationId="{49769518-8CBE-2643-09E9-7C3CB2BD33BD}"/>
+          </ac:spMkLst>
+        </pc:spChg>
         <pc:spChg chg="mod">
-          <ac:chgData name="최창환" userId="e7bece8d-0b00-46eb-a3f5-00c7562d57af" providerId="ADAL" clId="{1D185AE2-2488-4666-B60E-552A758BAD94}" dt="2022-05-31T11:43:04.725" v="648" actId="2711"/>
+          <ac:chgData name="최창환" userId="e7bece8d-0b00-46eb-a3f5-00c7562d57af" providerId="ADAL" clId="{1D185AE2-2488-4666-B60E-552A758BAD94}" dt="2022-06-09T09:08:49.492" v="1609" actId="20577"/>
           <ac:spMkLst>
             <pc:docMk/>
             <pc:sldMk cId="0" sldId="259"/>
@@ -419,16 +419,200 @@
           </ac:spMkLst>
         </pc:spChg>
         <pc:spChg chg="mod">
-          <ac:chgData name="최창환" userId="e7bece8d-0b00-46eb-a3f5-00c7562d57af" providerId="ADAL" clId="{1D185AE2-2488-4666-B60E-552A758BAD94}" dt="2022-05-31T11:50:27.820" v="866" actId="20577"/>
+          <ac:chgData name="최창환" userId="e7bece8d-0b00-46eb-a3f5-00c7562d57af" providerId="ADAL" clId="{1D185AE2-2488-4666-B60E-552A758BAD94}" dt="2022-06-09T13:05:25.844" v="3430" actId="1076"/>
           <ac:spMkLst>
             <pc:docMk/>
             <pc:sldMk cId="0" sldId="259"/>
             <ac:spMk id="12" creationId="{00000000-0000-0000-0000-000000000000}"/>
           </ac:spMkLst>
         </pc:spChg>
+        <pc:spChg chg="add del">
+          <ac:chgData name="최창환" userId="e7bece8d-0b00-46eb-a3f5-00c7562d57af" providerId="ADAL" clId="{1D185AE2-2488-4666-B60E-552A758BAD94}" dt="2022-06-09T09:31:35.782" v="1615" actId="22"/>
+          <ac:spMkLst>
+            <pc:docMk/>
+            <pc:sldMk cId="0" sldId="259"/>
+            <ac:spMk id="13" creationId="{6EF97A79-B441-2D2F-66DB-F66F273A3C7C}"/>
+          </ac:spMkLst>
+        </pc:spChg>
+        <pc:spChg chg="add del mod">
+          <ac:chgData name="최창환" userId="e7bece8d-0b00-46eb-a3f5-00c7562d57af" providerId="ADAL" clId="{1D185AE2-2488-4666-B60E-552A758BAD94}" dt="2022-06-09T14:00:51.524" v="4585" actId="478"/>
+          <ac:spMkLst>
+            <pc:docMk/>
+            <pc:sldMk cId="0" sldId="259"/>
+            <ac:spMk id="23" creationId="{B3C00B89-8C8C-1B63-006C-18EC73B060D0}"/>
+          </ac:spMkLst>
+        </pc:spChg>
+        <pc:spChg chg="add del mod">
+          <ac:chgData name="최창환" userId="e7bece8d-0b00-46eb-a3f5-00c7562d57af" providerId="ADAL" clId="{1D185AE2-2488-4666-B60E-552A758BAD94}" dt="2022-06-09T14:00:51.524" v="4585" actId="478"/>
+          <ac:spMkLst>
+            <pc:docMk/>
+            <pc:sldMk cId="0" sldId="259"/>
+            <ac:spMk id="24" creationId="{14342617-58DB-48A6-01A9-69894050473D}"/>
+          </ac:spMkLst>
+        </pc:spChg>
+        <pc:spChg chg="add del mod">
+          <ac:chgData name="최창환" userId="e7bece8d-0b00-46eb-a3f5-00c7562d57af" providerId="ADAL" clId="{1D185AE2-2488-4666-B60E-552A758BAD94}" dt="2022-06-09T14:00:51.524" v="4585" actId="478"/>
+          <ac:spMkLst>
+            <pc:docMk/>
+            <pc:sldMk cId="0" sldId="259"/>
+            <ac:spMk id="25" creationId="{C63CEF27-13C2-DF5C-6817-780D07A4A76B}"/>
+          </ac:spMkLst>
+        </pc:spChg>
+        <pc:spChg chg="add del mod">
+          <ac:chgData name="최창환" userId="e7bece8d-0b00-46eb-a3f5-00c7562d57af" providerId="ADAL" clId="{1D185AE2-2488-4666-B60E-552A758BAD94}" dt="2022-06-09T12:35:40.291" v="1972"/>
+          <ac:spMkLst>
+            <pc:docMk/>
+            <pc:sldMk cId="0" sldId="259"/>
+            <ac:spMk id="26" creationId="{CA76EAB9-1E8B-4879-B3AE-AF8B981910CD}"/>
+          </ac:spMkLst>
+        </pc:spChg>
+        <pc:spChg chg="add del mod">
+          <ac:chgData name="최창환" userId="e7bece8d-0b00-46eb-a3f5-00c7562d57af" providerId="ADAL" clId="{1D185AE2-2488-4666-B60E-552A758BAD94}" dt="2022-06-09T12:35:44.268" v="1974"/>
+          <ac:spMkLst>
+            <pc:docMk/>
+            <pc:sldMk cId="0" sldId="259"/>
+            <ac:spMk id="27" creationId="{418D6CA9-534D-19AE-8FC4-BDC91B5226EF}"/>
+          </ac:spMkLst>
+        </pc:spChg>
+        <pc:spChg chg="add del mod ord">
+          <ac:chgData name="최창환" userId="e7bece8d-0b00-46eb-a3f5-00c7562d57af" providerId="ADAL" clId="{1D185AE2-2488-4666-B60E-552A758BAD94}" dt="2022-06-09T12:54:57.588" v="2609"/>
+          <ac:spMkLst>
+            <pc:docMk/>
+            <pc:sldMk cId="0" sldId="259"/>
+            <ac:spMk id="28" creationId="{AE3C0303-E616-9942-33A4-63862DBB7A1C}"/>
+          </ac:spMkLst>
+        </pc:spChg>
+        <pc:spChg chg="add del mod">
+          <ac:chgData name="최창환" userId="e7bece8d-0b00-46eb-a3f5-00c7562d57af" providerId="ADAL" clId="{1D185AE2-2488-4666-B60E-552A758BAD94}" dt="2022-06-09T12:56:43.050" v="2685"/>
+          <ac:spMkLst>
+            <pc:docMk/>
+            <pc:sldMk cId="0" sldId="259"/>
+            <ac:spMk id="29" creationId="{15224A6D-3CFD-A6C9-E7AD-1668B6A5244C}"/>
+          </ac:spMkLst>
+        </pc:spChg>
+        <pc:spChg chg="add del mod">
+          <ac:chgData name="최창환" userId="e7bece8d-0b00-46eb-a3f5-00c7562d57af" providerId="ADAL" clId="{1D185AE2-2488-4666-B60E-552A758BAD94}" dt="2022-06-09T12:56:43.051" v="2687"/>
+          <ac:spMkLst>
+            <pc:docMk/>
+            <pc:sldMk cId="0" sldId="259"/>
+            <ac:spMk id="30" creationId="{1A87735E-10C3-ADAA-A434-3416629AE965}"/>
+          </ac:spMkLst>
+        </pc:spChg>
+        <pc:grpChg chg="add del mod">
+          <ac:chgData name="최창환" userId="e7bece8d-0b00-46eb-a3f5-00c7562d57af" providerId="ADAL" clId="{1D185AE2-2488-4666-B60E-552A758BAD94}" dt="2022-06-09T12:48:36.177" v="2349"/>
+          <ac:grpSpMkLst>
+            <pc:docMk/>
+            <pc:sldMk cId="0" sldId="259"/>
+            <ac:grpSpMk id="31" creationId="{55880A31-EE45-4640-74A1-5556A4A9D4D2}"/>
+          </ac:grpSpMkLst>
+        </pc:grpChg>
+        <pc:graphicFrameChg chg="add del mod modGraphic">
+          <ac:chgData name="최창환" userId="e7bece8d-0b00-46eb-a3f5-00c7562d57af" providerId="ADAL" clId="{1D185AE2-2488-4666-B60E-552A758BAD94}" dt="2022-06-09T12:53:17.999" v="2446" actId="478"/>
+          <ac:graphicFrameMkLst>
+            <pc:docMk/>
+            <pc:sldMk cId="0" sldId="259"/>
+            <ac:graphicFrameMk id="6" creationId="{C7C63678-BD30-FA28-6894-FDA8B9AE73BD}"/>
+          </ac:graphicFrameMkLst>
+        </pc:graphicFrameChg>
+        <pc:graphicFrameChg chg="add del mod modGraphic">
+          <ac:chgData name="최창환" userId="e7bece8d-0b00-46eb-a3f5-00c7562d57af" providerId="ADAL" clId="{1D185AE2-2488-4666-B60E-552A758BAD94}" dt="2022-06-09T14:00:51.524" v="4585" actId="478"/>
+          <ac:graphicFrameMkLst>
+            <pc:docMk/>
+            <pc:sldMk cId="0" sldId="259"/>
+            <ac:graphicFrameMk id="8" creationId="{1FA72881-FEC7-5CC0-0ABE-0596C62BFD8E}"/>
+          </ac:graphicFrameMkLst>
+        </pc:graphicFrameChg>
+        <pc:picChg chg="add del mod">
+          <ac:chgData name="최창환" userId="e7bece8d-0b00-46eb-a3f5-00c7562d57af" providerId="ADAL" clId="{1D185AE2-2488-4666-B60E-552A758BAD94}" dt="2022-06-09T12:47:09.651" v="2259" actId="478"/>
+          <ac:picMkLst>
+            <pc:docMk/>
+            <pc:sldMk cId="0" sldId="259"/>
+            <ac:picMk id="14" creationId="{FBAE1B01-8D8E-3DA2-082F-ED70F7CE152D}"/>
+          </ac:picMkLst>
+        </pc:picChg>
+        <pc:picChg chg="add del mod">
+          <ac:chgData name="최창환" userId="e7bece8d-0b00-46eb-a3f5-00c7562d57af" providerId="ADAL" clId="{1D185AE2-2488-4666-B60E-552A758BAD94}" dt="2022-06-09T12:29:58.224" v="1732"/>
+          <ac:picMkLst>
+            <pc:docMk/>
+            <pc:sldMk cId="0" sldId="259"/>
+            <ac:picMk id="15" creationId="{0AE6A5C7-617F-F3A0-9635-A112A9089A95}"/>
+          </ac:picMkLst>
+        </pc:picChg>
+        <pc:picChg chg="add del mod">
+          <ac:chgData name="최창환" userId="e7bece8d-0b00-46eb-a3f5-00c7562d57af" providerId="ADAL" clId="{1D185AE2-2488-4666-B60E-552A758BAD94}" dt="2022-06-09T12:29:57.896" v="1731"/>
+          <ac:picMkLst>
+            <pc:docMk/>
+            <pc:sldMk cId="0" sldId="259"/>
+            <ac:picMk id="16" creationId="{D7136904-40CB-13F0-F218-2F3701B61C93}"/>
+          </ac:picMkLst>
+        </pc:picChg>
+        <pc:picChg chg="add del mod">
+          <ac:chgData name="최창환" userId="e7bece8d-0b00-46eb-a3f5-00c7562d57af" providerId="ADAL" clId="{1D185AE2-2488-4666-B60E-552A758BAD94}" dt="2022-06-09T12:30:47.217" v="1746" actId="478"/>
+          <ac:picMkLst>
+            <pc:docMk/>
+            <pc:sldMk cId="0" sldId="259"/>
+            <ac:picMk id="17" creationId="{14B508EC-1F01-3E93-404C-0EA8BAEA7588}"/>
+          </ac:picMkLst>
+        </pc:picChg>
+        <pc:picChg chg="add del mod">
+          <ac:chgData name="최창환" userId="e7bece8d-0b00-46eb-a3f5-00c7562d57af" providerId="ADAL" clId="{1D185AE2-2488-4666-B60E-552A758BAD94}" dt="2022-06-09T12:30:46.831" v="1745" actId="478"/>
+          <ac:picMkLst>
+            <pc:docMk/>
+            <pc:sldMk cId="0" sldId="259"/>
+            <ac:picMk id="18" creationId="{63DBBDB1-0375-CBCB-A731-1760FB8C6E7B}"/>
+          </ac:picMkLst>
+        </pc:picChg>
+        <pc:picChg chg="add mod">
+          <ac:chgData name="최창환" userId="e7bece8d-0b00-46eb-a3f5-00c7562d57af" providerId="ADAL" clId="{1D185AE2-2488-4666-B60E-552A758BAD94}" dt="2022-06-09T12:30:23.455" v="1739" actId="571"/>
+          <ac:picMkLst>
+            <pc:docMk/>
+            <pc:sldMk cId="0" sldId="259"/>
+            <ac:picMk id="19" creationId="{2EAFF72C-2F8D-39D3-C442-C35CB1CB8EEF}"/>
+          </ac:picMkLst>
+        </pc:picChg>
+        <pc:picChg chg="add mod">
+          <ac:chgData name="최창환" userId="e7bece8d-0b00-46eb-a3f5-00c7562d57af" providerId="ADAL" clId="{1D185AE2-2488-4666-B60E-552A758BAD94}" dt="2022-06-09T12:30:23.455" v="1739" actId="571"/>
+          <ac:picMkLst>
+            <pc:docMk/>
+            <pc:sldMk cId="0" sldId="259"/>
+            <ac:picMk id="20" creationId="{50394823-A12E-2BFA-B9CD-CAE9AAC85C40}"/>
+          </ac:picMkLst>
+        </pc:picChg>
+        <pc:picChg chg="add del mod">
+          <ac:chgData name="최창환" userId="e7bece8d-0b00-46eb-a3f5-00c7562d57af" providerId="ADAL" clId="{1D185AE2-2488-4666-B60E-552A758BAD94}" dt="2022-06-09T12:47:08.228" v="2257" actId="478"/>
+          <ac:picMkLst>
+            <pc:docMk/>
+            <pc:sldMk cId="0" sldId="259"/>
+            <ac:picMk id="21" creationId="{9A440729-2A0D-AF4C-656D-2B036F15A1E3}"/>
+          </ac:picMkLst>
+        </pc:picChg>
+        <pc:picChg chg="add del mod">
+          <ac:chgData name="최창환" userId="e7bece8d-0b00-46eb-a3f5-00c7562d57af" providerId="ADAL" clId="{1D185AE2-2488-4666-B60E-552A758BAD94}" dt="2022-06-09T12:47:08.871" v="2258" actId="478"/>
+          <ac:picMkLst>
+            <pc:docMk/>
+            <pc:sldMk cId="0" sldId="259"/>
+            <ac:picMk id="22" creationId="{00E0DF8E-D1AE-4923-8CE8-4C76B22D099A}"/>
+          </ac:picMkLst>
+        </pc:picChg>
+        <pc:picChg chg="mod">
+          <ac:chgData name="최창환" userId="e7bece8d-0b00-46eb-a3f5-00c7562d57af" providerId="ADAL" clId="{1D185AE2-2488-4666-B60E-552A758BAD94}" dt="2022-06-09T12:48:07.798" v="2332"/>
+          <ac:picMkLst>
+            <pc:docMk/>
+            <pc:sldMk cId="0" sldId="259"/>
+            <ac:picMk id="32" creationId="{5164A089-05A1-A6BC-0A6C-A97D29C83144}"/>
+          </ac:picMkLst>
+        </pc:picChg>
+        <pc:picChg chg="add del mod">
+          <ac:chgData name="최창환" userId="e7bece8d-0b00-46eb-a3f5-00c7562d57af" providerId="ADAL" clId="{1D185AE2-2488-4666-B60E-552A758BAD94}" dt="2022-06-09T12:52:25.772" v="2379" actId="478"/>
+          <ac:picMkLst>
+            <pc:docMk/>
+            <pc:sldMk cId="0" sldId="259"/>
+            <ac:picMk id="33" creationId="{670FB4E5-F2B7-4FE7-B7C1-F5755849542D}"/>
+          </ac:picMkLst>
+        </pc:picChg>
       </pc:sldChg>
       <pc:sldChg chg="modSp mod">
-        <pc:chgData name="최창환" userId="e7bece8d-0b00-46eb-a3f5-00c7562d57af" providerId="ADAL" clId="{1D185AE2-2488-4666-B60E-552A758BAD94}" dt="2022-05-31T11:45:11.321" v="655" actId="5793"/>
+        <pc:chgData name="최창환" userId="e7bece8d-0b00-46eb-a3f5-00c7562d57af" providerId="ADAL" clId="{1D185AE2-2488-4666-B60E-552A758BAD94}" dt="2022-06-09T08:58:53.630" v="1187" actId="1076"/>
         <pc:sldMkLst>
           <pc:docMk/>
           <pc:sldMk cId="0" sldId="260"/>
@@ -489,9 +673,17 @@
             <ac:spMk id="20" creationId="{00000000-0000-0000-0000-000000000000}"/>
           </ac:spMkLst>
         </pc:spChg>
+        <pc:grpChg chg="mod">
+          <ac:chgData name="최창환" userId="e7bece8d-0b00-46eb-a3f5-00c7562d57af" providerId="ADAL" clId="{1D185AE2-2488-4666-B60E-552A758BAD94}" dt="2022-06-09T08:58:53.630" v="1187" actId="1076"/>
+          <ac:grpSpMkLst>
+            <pc:docMk/>
+            <pc:sldMk cId="0" sldId="260"/>
+            <ac:grpSpMk id="1004" creationId="{00000000-0000-0000-0000-000000000000}"/>
+          </ac:grpSpMkLst>
+        </pc:grpChg>
       </pc:sldChg>
       <pc:sldChg chg="addSp delSp modSp mod">
-        <pc:chgData name="최창환" userId="e7bece8d-0b00-46eb-a3f5-00c7562d57af" providerId="ADAL" clId="{1D185AE2-2488-4666-B60E-552A758BAD94}" dt="2022-05-30T13:41:29.356" v="645" actId="1076"/>
+        <pc:chgData name="최창환" userId="e7bece8d-0b00-46eb-a3f5-00c7562d57af" providerId="ADAL" clId="{1D185AE2-2488-4666-B60E-552A758BAD94}" dt="2022-06-09T13:22:41.848" v="4496" actId="1076"/>
         <pc:sldMkLst>
           <pc:docMk/>
           <pc:sldMk cId="0" sldId="261"/>
@@ -529,7 +721,7 @@
           </ac:spMkLst>
         </pc:spChg>
         <pc:spChg chg="mod">
-          <ac:chgData name="최창환" userId="e7bece8d-0b00-46eb-a3f5-00c7562d57af" providerId="ADAL" clId="{1D185AE2-2488-4666-B60E-552A758BAD94}" dt="2022-05-29T10:16:28.294" v="62" actId="2711"/>
+          <ac:chgData name="최창환" userId="e7bece8d-0b00-46eb-a3f5-00c7562d57af" providerId="ADAL" clId="{1D185AE2-2488-4666-B60E-552A758BAD94}" dt="2022-06-09T13:16:35.564" v="3971" actId="20577"/>
           <ac:spMkLst>
             <pc:docMk/>
             <pc:sldMk cId="0" sldId="261"/>
@@ -537,7 +729,7 @@
           </ac:spMkLst>
         </pc:spChg>
         <pc:spChg chg="mod ord">
-          <ac:chgData name="최창환" userId="e7bece8d-0b00-46eb-a3f5-00c7562d57af" providerId="ADAL" clId="{1D185AE2-2488-4666-B60E-552A758BAD94}" dt="2022-05-30T13:41:21.412" v="644" actId="255"/>
+          <ac:chgData name="최창환" userId="e7bece8d-0b00-46eb-a3f5-00c7562d57af" providerId="ADAL" clId="{1D185AE2-2488-4666-B60E-552A758BAD94}" dt="2022-06-09T13:22:15.649" v="4488" actId="1076"/>
           <ac:spMkLst>
             <pc:docMk/>
             <pc:sldMk cId="0" sldId="261"/>
@@ -553,7 +745,7 @@
           </ac:spMkLst>
         </pc:spChg>
         <pc:spChg chg="mod">
-          <ac:chgData name="최창환" userId="e7bece8d-0b00-46eb-a3f5-00c7562d57af" providerId="ADAL" clId="{1D185AE2-2488-4666-B60E-552A758BAD94}" dt="2022-05-30T13:41:29.356" v="645" actId="1076"/>
+          <ac:chgData name="최창환" userId="e7bece8d-0b00-46eb-a3f5-00c7562d57af" providerId="ADAL" clId="{1D185AE2-2488-4666-B60E-552A758BAD94}" dt="2022-06-09T13:22:29.520" v="4492" actId="1076"/>
           <ac:spMkLst>
             <pc:docMk/>
             <pc:sldMk cId="0" sldId="261"/>
@@ -568,8 +760,16 @@
             <ac:grpSpMk id="1004" creationId="{00000000-0000-0000-0000-000000000000}"/>
           </ac:grpSpMkLst>
         </pc:grpChg>
+        <pc:grpChg chg="mod">
+          <ac:chgData name="최창환" userId="e7bece8d-0b00-46eb-a3f5-00c7562d57af" providerId="ADAL" clId="{1D185AE2-2488-4666-B60E-552A758BAD94}" dt="2022-06-09T13:22:41.848" v="4496" actId="1076"/>
+          <ac:grpSpMkLst>
+            <pc:docMk/>
+            <pc:sldMk cId="0" sldId="261"/>
+            <ac:grpSpMk id="1005" creationId="{00000000-0000-0000-0000-000000000000}"/>
+          </ac:grpSpMkLst>
+        </pc:grpChg>
         <pc:picChg chg="add mod">
-          <ac:chgData name="최창환" userId="e7bece8d-0b00-46eb-a3f5-00c7562d57af" providerId="ADAL" clId="{1D185AE2-2488-4666-B60E-552A758BAD94}" dt="2022-05-30T13:40:34.355" v="635" actId="1076"/>
+          <ac:chgData name="최창환" userId="e7bece8d-0b00-46eb-a3f5-00c7562d57af" providerId="ADAL" clId="{1D185AE2-2488-4666-B60E-552A758BAD94}" dt="2022-06-09T13:22:08.026" v="4486" actId="14100"/>
           <ac:picMkLst>
             <pc:docMk/>
             <pc:sldMk cId="0" sldId="261"/>
@@ -577,8 +777,8 @@
           </ac:picMkLst>
         </pc:picChg>
       </pc:sldChg>
-      <pc:sldChg chg="modSp mod">
-        <pc:chgData name="최창환" userId="e7bece8d-0b00-46eb-a3f5-00c7562d57af" providerId="ADAL" clId="{1D185AE2-2488-4666-B60E-552A758BAD94}" dt="2022-05-29T10:16:57.531" v="66" actId="2711"/>
+      <pc:sldChg chg="addSp delSp modSp mod">
+        <pc:chgData name="최창환" userId="e7bece8d-0b00-46eb-a3f5-00c7562d57af" providerId="ADAL" clId="{1D185AE2-2488-4666-B60E-552A758BAD94}" dt="2022-06-09T13:35:11.436" v="4527" actId="14100"/>
         <pc:sldMkLst>
           <pc:docMk/>
           <pc:sldMk cId="0" sldId="262"/>
@@ -616,7 +816,7 @@
           </ac:spMkLst>
         </pc:spChg>
         <pc:spChg chg="mod">
-          <ac:chgData name="최창환" userId="e7bece8d-0b00-46eb-a3f5-00c7562d57af" providerId="ADAL" clId="{1D185AE2-2488-4666-B60E-552A758BAD94}" dt="2022-05-29T10:16:57.531" v="66" actId="2711"/>
+          <ac:chgData name="최창환" userId="e7bece8d-0b00-46eb-a3f5-00c7562d57af" providerId="ADAL" clId="{1D185AE2-2488-4666-B60E-552A758BAD94}" dt="2022-06-09T13:17:24.269" v="4060" actId="20577"/>
           <ac:spMkLst>
             <pc:docMk/>
             <pc:sldMk cId="0" sldId="262"/>
@@ -624,16 +824,64 @@
           </ac:spMkLst>
         </pc:spChg>
         <pc:spChg chg="mod">
-          <ac:chgData name="최창환" userId="e7bece8d-0b00-46eb-a3f5-00c7562d57af" providerId="ADAL" clId="{1D185AE2-2488-4666-B60E-552A758BAD94}" dt="2022-05-29T10:16:57.531" v="66" actId="2711"/>
+          <ac:chgData name="최창환" userId="e7bece8d-0b00-46eb-a3f5-00c7562d57af" providerId="ADAL" clId="{1D185AE2-2488-4666-B60E-552A758BAD94}" dt="2022-06-09T13:33:55.713" v="4520" actId="1076"/>
           <ac:spMkLst>
             <pc:docMk/>
             <pc:sldMk cId="0" sldId="262"/>
             <ac:spMk id="22" creationId="{00000000-0000-0000-0000-000000000000}"/>
           </ac:spMkLst>
         </pc:spChg>
+        <pc:grpChg chg="mod">
+          <ac:chgData name="최창환" userId="e7bece8d-0b00-46eb-a3f5-00c7562d57af" providerId="ADAL" clId="{1D185AE2-2488-4666-B60E-552A758BAD94}" dt="2022-06-09T13:33:33.842" v="4515" actId="14100"/>
+          <ac:grpSpMkLst>
+            <pc:docMk/>
+            <pc:sldMk cId="0" sldId="262"/>
+            <ac:grpSpMk id="1003" creationId="{00000000-0000-0000-0000-000000000000}"/>
+          </ac:grpSpMkLst>
+        </pc:grpChg>
+        <pc:grpChg chg="del">
+          <ac:chgData name="최창환" userId="e7bece8d-0b00-46eb-a3f5-00c7562d57af" providerId="ADAL" clId="{1D185AE2-2488-4666-B60E-552A758BAD94}" dt="2022-06-09T13:30:57.820" v="4497" actId="478"/>
+          <ac:grpSpMkLst>
+            <pc:docMk/>
+            <pc:sldMk cId="0" sldId="262"/>
+            <ac:grpSpMk id="1004" creationId="{00000000-0000-0000-0000-000000000000}"/>
+          </ac:grpSpMkLst>
+        </pc:grpChg>
+        <pc:grpChg chg="mod">
+          <ac:chgData name="최창환" userId="e7bece8d-0b00-46eb-a3f5-00c7562d57af" providerId="ADAL" clId="{1D185AE2-2488-4666-B60E-552A758BAD94}" dt="2022-06-09T13:33:22.424" v="4512" actId="1076"/>
+          <ac:grpSpMkLst>
+            <pc:docMk/>
+            <pc:sldMk cId="0" sldId="262"/>
+            <ac:grpSpMk id="1005" creationId="{00000000-0000-0000-0000-000000000000}"/>
+          </ac:grpSpMkLst>
+        </pc:grpChg>
+        <pc:picChg chg="add del mod">
+          <ac:chgData name="최창환" userId="e7bece8d-0b00-46eb-a3f5-00c7562d57af" providerId="ADAL" clId="{1D185AE2-2488-4666-B60E-552A758BAD94}" dt="2022-06-09T13:34:31.126" v="4522" actId="478"/>
+          <ac:picMkLst>
+            <pc:docMk/>
+            <pc:sldMk cId="0" sldId="262"/>
+            <ac:picMk id="4" creationId="{504FE695-30EC-004F-30DE-86F469A40DE0}"/>
+          </ac:picMkLst>
+        </pc:picChg>
+        <pc:picChg chg="add mod">
+          <ac:chgData name="최창환" userId="e7bece8d-0b00-46eb-a3f5-00c7562d57af" providerId="ADAL" clId="{1D185AE2-2488-4666-B60E-552A758BAD94}" dt="2022-06-09T13:35:11.436" v="4527" actId="14100"/>
+          <ac:picMkLst>
+            <pc:docMk/>
+            <pc:sldMk cId="0" sldId="262"/>
+            <ac:picMk id="8" creationId="{E15F458A-903D-2C20-CF0C-6285FCD82334}"/>
+          </ac:picMkLst>
+        </pc:picChg>
+        <pc:picChg chg="mod">
+          <ac:chgData name="최창환" userId="e7bece8d-0b00-46eb-a3f5-00c7562d57af" providerId="ADAL" clId="{1D185AE2-2488-4666-B60E-552A758BAD94}" dt="2022-06-09T13:33:16.262" v="4508" actId="1076"/>
+          <ac:picMkLst>
+            <pc:docMk/>
+            <pc:sldMk cId="0" sldId="262"/>
+            <ac:picMk id="20" creationId="{00000000-0000-0000-0000-000000000000}"/>
+          </ac:picMkLst>
+        </pc:picChg>
       </pc:sldChg>
-      <pc:sldChg chg="modSp mod">
-        <pc:chgData name="최창환" userId="e7bece8d-0b00-46eb-a3f5-00c7562d57af" providerId="ADAL" clId="{1D185AE2-2488-4666-B60E-552A758BAD94}" dt="2022-05-31T11:49:25.208" v="854" actId="20577"/>
+      <pc:sldChg chg="modSp add del mod">
+        <pc:chgData name="최창환" userId="e7bece8d-0b00-46eb-a3f5-00c7562d57af" providerId="ADAL" clId="{1D185AE2-2488-4666-B60E-552A758BAD94}" dt="2022-06-09T13:37:32.676" v="4531" actId="255"/>
         <pc:sldMkLst>
           <pc:docMk/>
           <pc:sldMk cId="0" sldId="263"/>
@@ -671,7 +919,7 @@
           </ac:spMkLst>
         </pc:spChg>
         <pc:spChg chg="mod">
-          <ac:chgData name="최창환" userId="e7bece8d-0b00-46eb-a3f5-00c7562d57af" providerId="ADAL" clId="{1D185AE2-2488-4666-B60E-552A758BAD94}" dt="2022-05-29T10:17:07.396" v="67" actId="2711"/>
+          <ac:chgData name="최창환" userId="e7bece8d-0b00-46eb-a3f5-00c7562d57af" providerId="ADAL" clId="{1D185AE2-2488-4666-B60E-552A758BAD94}" dt="2022-06-09T13:16:52.214" v="3996" actId="20577"/>
           <ac:spMkLst>
             <pc:docMk/>
             <pc:sldMk cId="0" sldId="263"/>
@@ -679,7 +927,7 @@
           </ac:spMkLst>
         </pc:spChg>
         <pc:spChg chg="mod">
-          <ac:chgData name="최창환" userId="e7bece8d-0b00-46eb-a3f5-00c7562d57af" providerId="ADAL" clId="{1D185AE2-2488-4666-B60E-552A758BAD94}" dt="2022-05-31T11:49:25.208" v="854" actId="20577"/>
+          <ac:chgData name="최창환" userId="e7bece8d-0b00-46eb-a3f5-00c7562d57af" providerId="ADAL" clId="{1D185AE2-2488-4666-B60E-552A758BAD94}" dt="2022-06-09T13:37:32.676" v="4531" actId="255"/>
           <ac:spMkLst>
             <pc:docMk/>
             <pc:sldMk cId="0" sldId="263"/>
@@ -687,7 +935,7 @@
           </ac:spMkLst>
         </pc:spChg>
         <pc:grpChg chg="mod">
-          <ac:chgData name="최창환" userId="e7bece8d-0b00-46eb-a3f5-00c7562d57af" providerId="ADAL" clId="{1D185AE2-2488-4666-B60E-552A758BAD94}" dt="2022-05-31T11:47:59.503" v="781" actId="1076"/>
+          <ac:chgData name="최창환" userId="e7bece8d-0b00-46eb-a3f5-00c7562d57af" providerId="ADAL" clId="{1D185AE2-2488-4666-B60E-552A758BAD94}" dt="2022-06-09T13:15:02.476" v="3843" actId="1036"/>
           <ac:grpSpMkLst>
             <pc:docMk/>
             <pc:sldMk cId="0" sldId="263"/>
@@ -695,7 +943,7 @@
           </ac:grpSpMkLst>
         </pc:grpChg>
         <pc:grpChg chg="mod">
-          <ac:chgData name="최창환" userId="e7bece8d-0b00-46eb-a3f5-00c7562d57af" providerId="ADAL" clId="{1D185AE2-2488-4666-B60E-552A758BAD94}" dt="2022-05-31T11:47:59.503" v="781" actId="1076"/>
+          <ac:chgData name="최창환" userId="e7bece8d-0b00-46eb-a3f5-00c7562d57af" providerId="ADAL" clId="{1D185AE2-2488-4666-B60E-552A758BAD94}" dt="2022-06-09T13:15:02.476" v="3843" actId="1036"/>
           <ac:grpSpMkLst>
             <pc:docMk/>
             <pc:sldMk cId="0" sldId="263"/>
@@ -703,7 +951,7 @@
           </ac:grpSpMkLst>
         </pc:grpChg>
         <pc:grpChg chg="mod">
-          <ac:chgData name="최창환" userId="e7bece8d-0b00-46eb-a3f5-00c7562d57af" providerId="ADAL" clId="{1D185AE2-2488-4666-B60E-552A758BAD94}" dt="2022-05-31T11:47:59.503" v="781" actId="1076"/>
+          <ac:chgData name="최창환" userId="e7bece8d-0b00-46eb-a3f5-00c7562d57af" providerId="ADAL" clId="{1D185AE2-2488-4666-B60E-552A758BAD94}" dt="2022-06-09T13:15:02.476" v="3843" actId="1036"/>
           <ac:grpSpMkLst>
             <pc:docMk/>
             <pc:sldMk cId="0" sldId="263"/>
@@ -711,7 +959,7 @@
           </ac:grpSpMkLst>
         </pc:grpChg>
         <pc:grpChg chg="mod">
-          <ac:chgData name="최창환" userId="e7bece8d-0b00-46eb-a3f5-00c7562d57af" providerId="ADAL" clId="{1D185AE2-2488-4666-B60E-552A758BAD94}" dt="2022-05-31T11:47:59.503" v="781" actId="1076"/>
+          <ac:chgData name="최창환" userId="e7bece8d-0b00-46eb-a3f5-00c7562d57af" providerId="ADAL" clId="{1D185AE2-2488-4666-B60E-552A758BAD94}" dt="2022-06-09T13:15:02.476" v="3843" actId="1036"/>
           <ac:grpSpMkLst>
             <pc:docMk/>
             <pc:sldMk cId="0" sldId="263"/>
@@ -719,14 +967,14 @@
           </ac:grpSpMkLst>
         </pc:grpChg>
       </pc:sldChg>
-      <pc:sldChg chg="addSp delSp modSp mod modTransition delAnim modAnim">
-        <pc:chgData name="최창환" userId="e7bece8d-0b00-46eb-a3f5-00c7562d57af" providerId="ADAL" clId="{1D185AE2-2488-4666-B60E-552A758BAD94}" dt="2022-05-31T11:06:29.308" v="647"/>
+      <pc:sldChg chg="addSp delSp modSp add del mod ord modTransition delAnim modAnim">
+        <pc:chgData name="최창환" userId="e7bece8d-0b00-46eb-a3f5-00c7562d57af" providerId="ADAL" clId="{1D185AE2-2488-4666-B60E-552A758BAD94}" dt="2022-06-09T09:03:05.051" v="1194" actId="47"/>
         <pc:sldMkLst>
           <pc:docMk/>
           <pc:sldMk cId="0" sldId="264"/>
         </pc:sldMkLst>
         <pc:spChg chg="mod">
-          <ac:chgData name="최창환" userId="e7bece8d-0b00-46eb-a3f5-00c7562d57af" providerId="ADAL" clId="{1D185AE2-2488-4666-B60E-552A758BAD94}" dt="2022-05-29T10:17:14.972" v="68" actId="2711"/>
+          <ac:chgData name="최창환" userId="e7bece8d-0b00-46eb-a3f5-00c7562d57af" providerId="ADAL" clId="{1D185AE2-2488-4666-B60E-552A758BAD94}" dt="2022-06-09T08:40:36.568" v="876"/>
           <ac:spMkLst>
             <pc:docMk/>
             <pc:sldMk cId="0" sldId="264"/>
@@ -742,7 +990,7 @@
           </ac:spMkLst>
         </pc:spChg>
         <pc:spChg chg="mod">
-          <ac:chgData name="최창환" userId="e7bece8d-0b00-46eb-a3f5-00c7562d57af" providerId="ADAL" clId="{1D185AE2-2488-4666-B60E-552A758BAD94}" dt="2022-05-29T10:17:14.972" v="68" actId="2711"/>
+          <ac:chgData name="최창환" userId="e7bece8d-0b00-46eb-a3f5-00c7562d57af" providerId="ADAL" clId="{1D185AE2-2488-4666-B60E-552A758BAD94}" dt="2022-06-09T08:40:33.255" v="869"/>
           <ac:spMkLst>
             <pc:docMk/>
             <pc:sldMk cId="0" sldId="264"/>
@@ -838,14 +1086,14 @@
           </ac:picMkLst>
         </pc:picChg>
       </pc:sldChg>
-      <pc:sldChg chg="modSp mod">
-        <pc:chgData name="최창환" userId="e7bece8d-0b00-46eb-a3f5-00c7562d57af" providerId="ADAL" clId="{1D185AE2-2488-4666-B60E-552A758BAD94}" dt="2022-05-30T13:09:06.176" v="623"/>
+      <pc:sldChg chg="delSp modSp mod">
+        <pc:chgData name="최창환" userId="e7bece8d-0b00-46eb-a3f5-00c7562d57af" providerId="ADAL" clId="{1D185AE2-2488-4666-B60E-552A758BAD94}" dt="2022-06-09T14:59:50.908" v="4766" actId="1076"/>
         <pc:sldMkLst>
           <pc:docMk/>
           <pc:sldMk cId="0" sldId="265"/>
         </pc:sldMkLst>
         <pc:spChg chg="mod">
-          <ac:chgData name="최창환" userId="e7bece8d-0b00-46eb-a3f5-00c7562d57af" providerId="ADAL" clId="{1D185AE2-2488-4666-B60E-552A758BAD94}" dt="2022-05-29T10:17:20.696" v="69" actId="2711"/>
+          <ac:chgData name="최창환" userId="e7bece8d-0b00-46eb-a3f5-00c7562d57af" providerId="ADAL" clId="{1D185AE2-2488-4666-B60E-552A758BAD94}" dt="2022-06-09T08:49:43.151" v="1021" actId="1076"/>
           <ac:spMkLst>
             <pc:docMk/>
             <pc:sldMk cId="0" sldId="265"/>
@@ -853,15 +1101,15 @@
           </ac:spMkLst>
         </pc:spChg>
         <pc:spChg chg="mod">
-          <ac:chgData name="최창환" userId="e7bece8d-0b00-46eb-a3f5-00c7562d57af" providerId="ADAL" clId="{1D185AE2-2488-4666-B60E-552A758BAD94}" dt="2022-05-30T13:08:55.157" v="612"/>
+          <ac:chgData name="최창환" userId="e7bece8d-0b00-46eb-a3f5-00c7562d57af" providerId="ADAL" clId="{1D185AE2-2488-4666-B60E-552A758BAD94}" dt="2022-06-09T13:20:40.905" v="4480" actId="14100"/>
           <ac:spMkLst>
             <pc:docMk/>
             <pc:sldMk cId="0" sldId="265"/>
             <ac:spMk id="3" creationId="{00000000-0000-0000-0000-000000000000}"/>
           </ac:spMkLst>
         </pc:spChg>
-        <pc:spChg chg="mod">
-          <ac:chgData name="최창환" userId="e7bece8d-0b00-46eb-a3f5-00c7562d57af" providerId="ADAL" clId="{1D185AE2-2488-4666-B60E-552A758BAD94}" dt="2022-05-29T10:17:20.696" v="69" actId="2711"/>
+        <pc:spChg chg="del mod">
+          <ac:chgData name="최창환" userId="e7bece8d-0b00-46eb-a3f5-00c7562d57af" providerId="ADAL" clId="{1D185AE2-2488-4666-B60E-552A758BAD94}" dt="2022-06-09T08:50:59.856" v="1062" actId="478"/>
           <ac:spMkLst>
             <pc:docMk/>
             <pc:sldMk cId="0" sldId="265"/>
@@ -900,8 +1148,8 @@
             <ac:spMk id="14" creationId="{00000000-0000-0000-0000-000000000000}"/>
           </ac:spMkLst>
         </pc:spChg>
-        <pc:spChg chg="mod">
-          <ac:chgData name="최창환" userId="e7bece8d-0b00-46eb-a3f5-00c7562d57af" providerId="ADAL" clId="{1D185AE2-2488-4666-B60E-552A758BAD94}" dt="2022-05-30T13:09:06.176" v="623"/>
+        <pc:spChg chg="del mod">
+          <ac:chgData name="최창환" userId="e7bece8d-0b00-46eb-a3f5-00c7562d57af" providerId="ADAL" clId="{1D185AE2-2488-4666-B60E-552A758BAD94}" dt="2022-06-09T08:51:03.176" v="1063" actId="478"/>
           <ac:spMkLst>
             <pc:docMk/>
             <pc:sldMk cId="0" sldId="265"/>
@@ -909,7 +1157,7 @@
           </ac:spMkLst>
         </pc:spChg>
         <pc:grpChg chg="mod">
-          <ac:chgData name="최창환" userId="e7bece8d-0b00-46eb-a3f5-00c7562d57af" providerId="ADAL" clId="{1D185AE2-2488-4666-B60E-552A758BAD94}" dt="2022-05-30T12:57:23.081" v="252" actId="1076"/>
+          <ac:chgData name="최창환" userId="e7bece8d-0b00-46eb-a3f5-00c7562d57af" providerId="ADAL" clId="{1D185AE2-2488-4666-B60E-552A758BAD94}" dt="2022-06-09T14:59:50.908" v="4766" actId="1076"/>
           <ac:grpSpMkLst>
             <pc:docMk/>
             <pc:sldMk cId="0" sldId="265"/>
@@ -917,7 +1165,7 @@
           </ac:grpSpMkLst>
         </pc:grpChg>
         <pc:grpChg chg="mod">
-          <ac:chgData name="최창환" userId="e7bece8d-0b00-46eb-a3f5-00c7562d57af" providerId="ADAL" clId="{1D185AE2-2488-4666-B60E-552A758BAD94}" dt="2022-05-30T12:57:25.154" v="253" actId="1076"/>
+          <ac:chgData name="최창환" userId="e7bece8d-0b00-46eb-a3f5-00c7562d57af" providerId="ADAL" clId="{1D185AE2-2488-4666-B60E-552A758BAD94}" dt="2022-06-09T14:59:50.908" v="4766" actId="1076"/>
           <ac:grpSpMkLst>
             <pc:docMk/>
             <pc:sldMk cId="0" sldId="265"/>
@@ -925,8 +1173,8 @@
           </ac:grpSpMkLst>
         </pc:grpChg>
       </pc:sldChg>
-      <pc:sldChg chg="delSp modSp mod">
-        <pc:chgData name="최창환" userId="e7bece8d-0b00-46eb-a3f5-00c7562d57af" providerId="ADAL" clId="{1D185AE2-2488-4666-B60E-552A758BAD94}" dt="2022-05-30T12:58:00.748" v="256" actId="113"/>
+      <pc:sldChg chg="delSp modSp add del mod">
+        <pc:chgData name="최창환" userId="e7bece8d-0b00-46eb-a3f5-00c7562d57af" providerId="ADAL" clId="{1D185AE2-2488-4666-B60E-552A758BAD94}" dt="2022-06-09T08:53:16.066" v="1135" actId="47"/>
         <pc:sldMkLst>
           <pc:docMk/>
           <pc:sldMk cId="0" sldId="266"/>
@@ -948,8 +1196,175 @@
           </ac:spMkLst>
         </pc:spChg>
       </pc:sldChg>
-      <pc:sldChg chg="addSp delSp modSp mod">
-        <pc:chgData name="최창환" userId="e7bece8d-0b00-46eb-a3f5-00c7562d57af" providerId="ADAL" clId="{1D185AE2-2488-4666-B60E-552A758BAD94}" dt="2022-05-29T10:18:01.899" v="85" actId="478"/>
+      <pc:sldChg chg="addSp delSp modSp new del mod">
+        <pc:chgData name="최창환" userId="e7bece8d-0b00-46eb-a3f5-00c7562d57af" providerId="ADAL" clId="{1D185AE2-2488-4666-B60E-552A758BAD94}" dt="2022-06-09T09:03:36.965" v="1195" actId="47"/>
+        <pc:sldMkLst>
+          <pc:docMk/>
+          <pc:sldMk cId="835277439" sldId="266"/>
+        </pc:sldMkLst>
+        <pc:spChg chg="del">
+          <ac:chgData name="최창환" userId="e7bece8d-0b00-46eb-a3f5-00c7562d57af" providerId="ADAL" clId="{1D185AE2-2488-4666-B60E-552A758BAD94}" dt="2022-06-09T08:57:08.496" v="1165" actId="478"/>
+          <ac:spMkLst>
+            <pc:docMk/>
+            <pc:sldMk cId="835277439" sldId="266"/>
+            <ac:spMk id="2" creationId="{4C4129AA-2E20-E1CF-EFB6-4879161954B9}"/>
+          </ac:spMkLst>
+        </pc:spChg>
+        <pc:spChg chg="del">
+          <ac:chgData name="최창환" userId="e7bece8d-0b00-46eb-a3f5-00c7562d57af" providerId="ADAL" clId="{1D185AE2-2488-4666-B60E-552A758BAD94}" dt="2022-06-09T08:57:08.496" v="1165" actId="478"/>
+          <ac:spMkLst>
+            <pc:docMk/>
+            <pc:sldMk cId="835277439" sldId="266"/>
+            <ac:spMk id="3" creationId="{E36B2A80-7029-90B6-F14F-BB80438024E0}"/>
+          </ac:spMkLst>
+        </pc:spChg>
+        <pc:spChg chg="add del mod">
+          <ac:chgData name="최창환" userId="e7bece8d-0b00-46eb-a3f5-00c7562d57af" providerId="ADAL" clId="{1D185AE2-2488-4666-B60E-552A758BAD94}" dt="2022-06-09T08:57:07.130" v="1164"/>
+          <ac:spMkLst>
+            <pc:docMk/>
+            <pc:sldMk cId="835277439" sldId="266"/>
+            <ac:spMk id="6" creationId="{56F3F53B-4E0F-15DE-016A-61510F190B68}"/>
+          </ac:spMkLst>
+        </pc:spChg>
+        <pc:spChg chg="add del mod">
+          <ac:chgData name="최창환" userId="e7bece8d-0b00-46eb-a3f5-00c7562d57af" providerId="ADAL" clId="{1D185AE2-2488-4666-B60E-552A758BAD94}" dt="2022-06-09T08:57:07.130" v="1164"/>
+          <ac:spMkLst>
+            <pc:docMk/>
+            <pc:sldMk cId="835277439" sldId="266"/>
+            <ac:spMk id="9" creationId="{FE403C27-6E6A-087F-6137-7A3C6DF1DDBE}"/>
+          </ac:spMkLst>
+        </pc:spChg>
+        <pc:spChg chg="add del mod">
+          <ac:chgData name="최창환" userId="e7bece8d-0b00-46eb-a3f5-00c7562d57af" providerId="ADAL" clId="{1D185AE2-2488-4666-B60E-552A758BAD94}" dt="2022-06-09T08:57:07.130" v="1164"/>
+          <ac:spMkLst>
+            <pc:docMk/>
+            <pc:sldMk cId="835277439" sldId="266"/>
+            <ac:spMk id="10" creationId="{A4BC9432-6E59-5236-BB02-003CA22803C2}"/>
+          </ac:spMkLst>
+        </pc:spChg>
+        <pc:spChg chg="add del mod">
+          <ac:chgData name="최창환" userId="e7bece8d-0b00-46eb-a3f5-00c7562d57af" providerId="ADAL" clId="{1D185AE2-2488-4666-B60E-552A758BAD94}" dt="2022-06-09T08:57:07.130" v="1164"/>
+          <ac:spMkLst>
+            <pc:docMk/>
+            <pc:sldMk cId="835277439" sldId="266"/>
+            <ac:spMk id="11" creationId="{B1B16D9B-81AA-58BD-14BD-D1FC0A2B3F68}"/>
+          </ac:spMkLst>
+        </pc:spChg>
+        <pc:spChg chg="add del mod">
+          <ac:chgData name="최창환" userId="e7bece8d-0b00-46eb-a3f5-00c7562d57af" providerId="ADAL" clId="{1D185AE2-2488-4666-B60E-552A758BAD94}" dt="2022-06-09T08:57:07.130" v="1164"/>
+          <ac:spMkLst>
+            <pc:docMk/>
+            <pc:sldMk cId="835277439" sldId="266"/>
+            <ac:spMk id="12" creationId="{331B4EFA-64DD-5D64-1D45-2334860AB2EA}"/>
+          </ac:spMkLst>
+        </pc:spChg>
+        <pc:spChg chg="add mod">
+          <ac:chgData name="최창환" userId="e7bece8d-0b00-46eb-a3f5-00c7562d57af" providerId="ADAL" clId="{1D185AE2-2488-4666-B60E-552A758BAD94}" dt="2022-06-09T08:57:09.634" v="1166"/>
+          <ac:spMkLst>
+            <pc:docMk/>
+            <pc:sldMk cId="835277439" sldId="266"/>
+            <ac:spMk id="15" creationId="{C5C4093B-54C4-3ED3-7CEF-D9747D6D9C96}"/>
+          </ac:spMkLst>
+        </pc:spChg>
+        <pc:spChg chg="add mod">
+          <ac:chgData name="최창환" userId="e7bece8d-0b00-46eb-a3f5-00c7562d57af" providerId="ADAL" clId="{1D185AE2-2488-4666-B60E-552A758BAD94}" dt="2022-06-09T08:57:21.762" v="1170" actId="6549"/>
+          <ac:spMkLst>
+            <pc:docMk/>
+            <pc:sldMk cId="835277439" sldId="266"/>
+            <ac:spMk id="18" creationId="{D035AF16-6C67-D16D-424E-31BD80089912}"/>
+          </ac:spMkLst>
+        </pc:spChg>
+        <pc:spChg chg="add mod">
+          <ac:chgData name="최창환" userId="e7bece8d-0b00-46eb-a3f5-00c7562d57af" providerId="ADAL" clId="{1D185AE2-2488-4666-B60E-552A758BAD94}" dt="2022-06-09T08:57:22.250" v="1172" actId="1076"/>
+          <ac:spMkLst>
+            <pc:docMk/>
+            <pc:sldMk cId="835277439" sldId="266"/>
+            <ac:spMk id="19" creationId="{3C856AD3-6F13-6B06-2C8D-6F55E842BFEA}"/>
+          </ac:spMkLst>
+        </pc:spChg>
+        <pc:spChg chg="add mod">
+          <ac:chgData name="최창환" userId="e7bece8d-0b00-46eb-a3f5-00c7562d57af" providerId="ADAL" clId="{1D185AE2-2488-4666-B60E-552A758BAD94}" dt="2022-06-09T08:57:09.634" v="1166"/>
+          <ac:spMkLst>
+            <pc:docMk/>
+            <pc:sldMk cId="835277439" sldId="266"/>
+            <ac:spMk id="20" creationId="{0FC613E4-1967-9E0E-3CE9-43E4BB2013A6}"/>
+          </ac:spMkLst>
+        </pc:spChg>
+        <pc:spChg chg="add mod">
+          <ac:chgData name="최창환" userId="e7bece8d-0b00-46eb-a3f5-00c7562d57af" providerId="ADAL" clId="{1D185AE2-2488-4666-B60E-552A758BAD94}" dt="2022-06-09T08:57:09.634" v="1166"/>
+          <ac:spMkLst>
+            <pc:docMk/>
+            <pc:sldMk cId="835277439" sldId="266"/>
+            <ac:spMk id="21" creationId="{7CBE5B04-EC9C-C12D-C203-95E668CBCF8D}"/>
+          </ac:spMkLst>
+        </pc:spChg>
+        <pc:grpChg chg="add del mod">
+          <ac:chgData name="최창환" userId="e7bece8d-0b00-46eb-a3f5-00c7562d57af" providerId="ADAL" clId="{1D185AE2-2488-4666-B60E-552A758BAD94}" dt="2022-06-09T08:57:07.130" v="1164"/>
+          <ac:grpSpMkLst>
+            <pc:docMk/>
+            <pc:sldMk cId="835277439" sldId="266"/>
+            <ac:grpSpMk id="4" creationId="{461AB1EF-6945-05BE-C2DC-897B44F7B68E}"/>
+          </ac:grpSpMkLst>
+        </pc:grpChg>
+        <pc:grpChg chg="add del mod">
+          <ac:chgData name="최창환" userId="e7bece8d-0b00-46eb-a3f5-00c7562d57af" providerId="ADAL" clId="{1D185AE2-2488-4666-B60E-552A758BAD94}" dt="2022-06-09T08:57:07.130" v="1164"/>
+          <ac:grpSpMkLst>
+            <pc:docMk/>
+            <pc:sldMk cId="835277439" sldId="266"/>
+            <ac:grpSpMk id="7" creationId="{E5727C56-29FE-0C22-A168-D0D9FA02C64E}"/>
+          </ac:grpSpMkLst>
+        </pc:grpChg>
+        <pc:grpChg chg="add mod">
+          <ac:chgData name="최창환" userId="e7bece8d-0b00-46eb-a3f5-00c7562d57af" providerId="ADAL" clId="{1D185AE2-2488-4666-B60E-552A758BAD94}" dt="2022-06-09T08:57:09.634" v="1166"/>
+          <ac:grpSpMkLst>
+            <pc:docMk/>
+            <pc:sldMk cId="835277439" sldId="266"/>
+            <ac:grpSpMk id="13" creationId="{A7B38564-8555-0BFD-9546-BCB278421E3D}"/>
+          </ac:grpSpMkLst>
+        </pc:grpChg>
+        <pc:grpChg chg="add del mod">
+          <ac:chgData name="최창환" userId="e7bece8d-0b00-46eb-a3f5-00c7562d57af" providerId="ADAL" clId="{1D185AE2-2488-4666-B60E-552A758BAD94}" dt="2022-06-09T08:57:21.997" v="1171" actId="478"/>
+          <ac:grpSpMkLst>
+            <pc:docMk/>
+            <pc:sldMk cId="835277439" sldId="266"/>
+            <ac:grpSpMk id="16" creationId="{F7A677B7-ED23-0CB9-AF97-935AD84DEFEB}"/>
+          </ac:grpSpMkLst>
+        </pc:grpChg>
+        <pc:picChg chg="mod">
+          <ac:chgData name="최창환" userId="e7bece8d-0b00-46eb-a3f5-00c7562d57af" providerId="ADAL" clId="{1D185AE2-2488-4666-B60E-552A758BAD94}" dt="2022-06-09T08:57:06.356" v="1163"/>
+          <ac:picMkLst>
+            <pc:docMk/>
+            <pc:sldMk cId="835277439" sldId="266"/>
+            <ac:picMk id="5" creationId="{0C9A0FBD-D2E5-B144-E813-15EE38588BEE}"/>
+          </ac:picMkLst>
+        </pc:picChg>
+        <pc:picChg chg="mod">
+          <ac:chgData name="최창환" userId="e7bece8d-0b00-46eb-a3f5-00c7562d57af" providerId="ADAL" clId="{1D185AE2-2488-4666-B60E-552A758BAD94}" dt="2022-06-09T08:57:06.356" v="1163"/>
+          <ac:picMkLst>
+            <pc:docMk/>
+            <pc:sldMk cId="835277439" sldId="266"/>
+            <ac:picMk id="8" creationId="{1C41BAD5-35CE-D8C7-B6A6-8AB6454FB291}"/>
+          </ac:picMkLst>
+        </pc:picChg>
+        <pc:picChg chg="mod">
+          <ac:chgData name="최창환" userId="e7bece8d-0b00-46eb-a3f5-00c7562d57af" providerId="ADAL" clId="{1D185AE2-2488-4666-B60E-552A758BAD94}" dt="2022-06-09T08:57:09.634" v="1166"/>
+          <ac:picMkLst>
+            <pc:docMk/>
+            <pc:sldMk cId="835277439" sldId="266"/>
+            <ac:picMk id="14" creationId="{68750548-22ED-1295-AD16-CB7FC0FBF861}"/>
+          </ac:picMkLst>
+        </pc:picChg>
+        <pc:picChg chg="mod">
+          <ac:chgData name="최창환" userId="e7bece8d-0b00-46eb-a3f5-00c7562d57af" providerId="ADAL" clId="{1D185AE2-2488-4666-B60E-552A758BAD94}" dt="2022-06-09T08:57:09.634" v="1166"/>
+          <ac:picMkLst>
+            <pc:docMk/>
+            <pc:sldMk cId="835277439" sldId="266"/>
+            <ac:picMk id="17" creationId="{39F77A55-2833-C3F3-A5EC-4B9C2D64F626}"/>
+          </ac:picMkLst>
+        </pc:picChg>
+      </pc:sldChg>
+      <pc:sldChg chg="addSp delSp modSp add del mod">
+        <pc:chgData name="최창환" userId="e7bece8d-0b00-46eb-a3f5-00c7562d57af" providerId="ADAL" clId="{1D185AE2-2488-4666-B60E-552A758BAD94}" dt="2022-06-09T08:53:17.715" v="1136" actId="47"/>
         <pc:sldMkLst>
           <pc:docMk/>
           <pc:sldMk cId="0" sldId="267"/>
@@ -1000,6 +1415,607 @@
 </pc:chgInfo>
 </file>
 
+<file path=ppt/notesMasters/notesMaster1.xml><?xml version="1.0" encoding="utf-8"?>
+<p:notesMaster xmlns:a="http://schemas.openxmlformats.org/drawingml/2006/main" xmlns:r="http://schemas.openxmlformats.org/officeDocument/2006/relationships" xmlns:p="http://schemas.openxmlformats.org/presentationml/2006/main">
+  <p:cSld>
+    <p:bg>
+      <p:bgRef idx="1001">
+        <a:schemeClr val="bg1"/>
+      </p:bgRef>
+    </p:bg>
+    <p:spTree>
+      <p:nvGrpSpPr>
+        <p:cNvPr id="1" name=""/>
+        <p:cNvGrpSpPr/>
+        <p:nvPr/>
+      </p:nvGrpSpPr>
+      <p:grpSpPr>
+        <a:xfrm>
+          <a:off x="0" y="0"/>
+          <a:ext cx="0" cy="0"/>
+          <a:chOff x="0" y="0"/>
+          <a:chExt cx="0" cy="0"/>
+        </a:xfrm>
+      </p:grpSpPr>
+      <p:sp>
+        <p:nvSpPr>
+          <p:cNvPr id="2" name="머리글 개체 틀 1"/>
+          <p:cNvSpPr>
+            <a:spLocks noGrp="1"/>
+          </p:cNvSpPr>
+          <p:nvPr>
+            <p:ph type="hdr" sz="quarter"/>
+          </p:nvPr>
+        </p:nvSpPr>
+        <p:spPr>
+          <a:xfrm>
+            <a:off x="0" y="0"/>
+            <a:ext cx="4457700" cy="917575"/>
+          </a:xfrm>
+          <a:prstGeom prst="rect">
+            <a:avLst/>
+          </a:prstGeom>
+        </p:spPr>
+        <p:txBody>
+          <a:bodyPr vert="horz" lIns="91440" tIns="45720" rIns="91440" bIns="45720" rtlCol="0"/>
+          <a:lstStyle>
+            <a:lvl1pPr algn="l">
+              <a:defRPr sz="1200"/>
+            </a:lvl1pPr>
+          </a:lstStyle>
+          <a:p>
+            <a:endParaRPr lang="ko-KR" altLang="en-US"/>
+          </a:p>
+        </p:txBody>
+      </p:sp>
+      <p:sp>
+        <p:nvSpPr>
+          <p:cNvPr id="3" name="날짜 개체 틀 2"/>
+          <p:cNvSpPr>
+            <a:spLocks noGrp="1"/>
+          </p:cNvSpPr>
+          <p:nvPr>
+            <p:ph type="dt" idx="1"/>
+          </p:nvPr>
+        </p:nvSpPr>
+        <p:spPr>
+          <a:xfrm>
+            <a:off x="5827713" y="0"/>
+            <a:ext cx="4457700" cy="917575"/>
+          </a:xfrm>
+          <a:prstGeom prst="rect">
+            <a:avLst/>
+          </a:prstGeom>
+        </p:spPr>
+        <p:txBody>
+          <a:bodyPr vert="horz" lIns="91440" tIns="45720" rIns="91440" bIns="45720" rtlCol="0"/>
+          <a:lstStyle>
+            <a:lvl1pPr algn="r">
+              <a:defRPr sz="1200"/>
+            </a:lvl1pPr>
+          </a:lstStyle>
+          <a:p>
+            <a:fld id="{F9E3DCBD-14C8-42E2-901D-DB61A669D5AA}" type="datetimeFigureOut">
+              <a:rPr lang="ko-KR" altLang="en-US" smtClean="0"/>
+              <a:t>2022-06-09</a:t>
+            </a:fld>
+            <a:endParaRPr lang="ko-KR" altLang="en-US"/>
+          </a:p>
+        </p:txBody>
+      </p:sp>
+      <p:sp>
+        <p:nvSpPr>
+          <p:cNvPr id="4" name="슬라이드 이미지 개체 틀 3"/>
+          <p:cNvSpPr>
+            <a:spLocks noGrp="1" noRot="1" noChangeAspect="1"/>
+          </p:cNvSpPr>
+          <p:nvPr>
+            <p:ph type="sldImg" idx="2"/>
+          </p:nvPr>
+        </p:nvSpPr>
+        <p:spPr>
+          <a:xfrm>
+            <a:off x="-342900" y="2286000"/>
+            <a:ext cx="10972800" cy="6172200"/>
+          </a:xfrm>
+          <a:prstGeom prst="rect">
+            <a:avLst/>
+          </a:prstGeom>
+          <a:noFill/>
+          <a:ln w="12700">
+            <a:solidFill>
+              <a:prstClr val="black"/>
+            </a:solidFill>
+          </a:ln>
+        </p:spPr>
+        <p:txBody>
+          <a:bodyPr vert="horz" lIns="91440" tIns="45720" rIns="91440" bIns="45720" rtlCol="0" anchor="ctr"/>
+          <a:lstStyle/>
+          <a:p>
+            <a:endParaRPr lang="ko-KR" altLang="en-US"/>
+          </a:p>
+        </p:txBody>
+      </p:sp>
+      <p:sp>
+        <p:nvSpPr>
+          <p:cNvPr id="5" name="슬라이드 노트 개체 틀 4"/>
+          <p:cNvSpPr>
+            <a:spLocks noGrp="1"/>
+          </p:cNvSpPr>
+          <p:nvPr>
+            <p:ph type="body" sz="quarter" idx="3"/>
+          </p:nvPr>
+        </p:nvSpPr>
+        <p:spPr>
+          <a:xfrm>
+            <a:off x="1028700" y="8801100"/>
+            <a:ext cx="8229600" cy="7200900"/>
+          </a:xfrm>
+          <a:prstGeom prst="rect">
+            <a:avLst/>
+          </a:prstGeom>
+        </p:spPr>
+        <p:txBody>
+          <a:bodyPr vert="horz" lIns="91440" tIns="45720" rIns="91440" bIns="45720" rtlCol="0"/>
+          <a:lstStyle/>
+          <a:p>
+            <a:pPr lvl="0"/>
+            <a:r>
+              <a:rPr lang="ko-KR" altLang="en-US"/>
+              <a:t>마스터 텍스트 스타일을 편집하려면 클릭</a:t>
+            </a:r>
+          </a:p>
+          <a:p>
+            <a:pPr lvl="1"/>
+            <a:r>
+              <a:rPr lang="ko-KR" altLang="en-US"/>
+              <a:t>두 번째 수준</a:t>
+            </a:r>
+          </a:p>
+          <a:p>
+            <a:pPr lvl="2"/>
+            <a:r>
+              <a:rPr lang="ko-KR" altLang="en-US"/>
+              <a:t>세 번째 수준</a:t>
+            </a:r>
+          </a:p>
+          <a:p>
+            <a:pPr lvl="3"/>
+            <a:r>
+              <a:rPr lang="ko-KR" altLang="en-US"/>
+              <a:t>네 번째 수준</a:t>
+            </a:r>
+          </a:p>
+          <a:p>
+            <a:pPr lvl="4"/>
+            <a:r>
+              <a:rPr lang="ko-KR" altLang="en-US"/>
+              <a:t>다섯 번째 수준</a:t>
+            </a:r>
+          </a:p>
+        </p:txBody>
+      </p:sp>
+      <p:sp>
+        <p:nvSpPr>
+          <p:cNvPr id="6" name="바닥글 개체 틀 5"/>
+          <p:cNvSpPr>
+            <a:spLocks noGrp="1"/>
+          </p:cNvSpPr>
+          <p:nvPr>
+            <p:ph type="ftr" sz="quarter" idx="4"/>
+          </p:nvPr>
+        </p:nvSpPr>
+        <p:spPr>
+          <a:xfrm>
+            <a:off x="0" y="17372013"/>
+            <a:ext cx="4457700" cy="915987"/>
+          </a:xfrm>
+          <a:prstGeom prst="rect">
+            <a:avLst/>
+          </a:prstGeom>
+        </p:spPr>
+        <p:txBody>
+          <a:bodyPr vert="horz" lIns="91440" tIns="45720" rIns="91440" bIns="45720" rtlCol="0" anchor="b"/>
+          <a:lstStyle>
+            <a:lvl1pPr algn="l">
+              <a:defRPr sz="1200"/>
+            </a:lvl1pPr>
+          </a:lstStyle>
+          <a:p>
+            <a:endParaRPr lang="ko-KR" altLang="en-US"/>
+          </a:p>
+        </p:txBody>
+      </p:sp>
+      <p:sp>
+        <p:nvSpPr>
+          <p:cNvPr id="7" name="슬라이드 번호 개체 틀 6"/>
+          <p:cNvSpPr>
+            <a:spLocks noGrp="1"/>
+          </p:cNvSpPr>
+          <p:nvPr>
+            <p:ph type="sldNum" sz="quarter" idx="5"/>
+          </p:nvPr>
+        </p:nvSpPr>
+        <p:spPr>
+          <a:xfrm>
+            <a:off x="5827713" y="17372013"/>
+            <a:ext cx="4457700" cy="915987"/>
+          </a:xfrm>
+          <a:prstGeom prst="rect">
+            <a:avLst/>
+          </a:prstGeom>
+        </p:spPr>
+        <p:txBody>
+          <a:bodyPr vert="horz" lIns="91440" tIns="45720" rIns="91440" bIns="45720" rtlCol="0" anchor="b"/>
+          <a:lstStyle>
+            <a:lvl1pPr algn="r">
+              <a:defRPr sz="1200"/>
+            </a:lvl1pPr>
+          </a:lstStyle>
+          <a:p>
+            <a:fld id="{714C3B07-03D7-44FE-8604-451C536CA187}" type="slidenum">
+              <a:rPr lang="ko-KR" altLang="en-US" smtClean="0"/>
+              <a:t>‹#›</a:t>
+            </a:fld>
+            <a:endParaRPr lang="ko-KR" altLang="en-US"/>
+          </a:p>
+        </p:txBody>
+      </p:sp>
+    </p:spTree>
+    <p:extLst>
+      <p:ext uri="{BB962C8B-B14F-4D97-AF65-F5344CB8AC3E}">
+        <p14:creationId xmlns:p14="http://schemas.microsoft.com/office/powerpoint/2010/main" val="2420706318"/>
+      </p:ext>
+    </p:extLst>
+  </p:cSld>
+  <p:clrMap bg1="lt1" tx1="dk1" bg2="lt2" tx2="dk2" accent1="accent1" accent2="accent2" accent3="accent3" accent4="accent4" accent5="accent5" accent6="accent6" hlink="hlink" folHlink="folHlink"/>
+  <p:notesStyle>
+    <a:lvl1pPr marL="0" algn="l" defTabSz="914400" rtl="0" eaLnBrk="1" latinLnBrk="1" hangingPunct="1">
+      <a:defRPr sz="1200" kern="1200">
+        <a:solidFill>
+          <a:schemeClr val="tx1"/>
+        </a:solidFill>
+        <a:latin typeface="+mn-lt"/>
+        <a:ea typeface="+mn-ea"/>
+        <a:cs typeface="+mn-cs"/>
+      </a:defRPr>
+    </a:lvl1pPr>
+    <a:lvl2pPr marL="457200" algn="l" defTabSz="914400" rtl="0" eaLnBrk="1" latinLnBrk="1" hangingPunct="1">
+      <a:defRPr sz="1200" kern="1200">
+        <a:solidFill>
+          <a:schemeClr val="tx1"/>
+        </a:solidFill>
+        <a:latin typeface="+mn-lt"/>
+        <a:ea typeface="+mn-ea"/>
+        <a:cs typeface="+mn-cs"/>
+      </a:defRPr>
+    </a:lvl2pPr>
+    <a:lvl3pPr marL="914400" algn="l" defTabSz="914400" rtl="0" eaLnBrk="1" latinLnBrk="1" hangingPunct="1">
+      <a:defRPr sz="1200" kern="1200">
+        <a:solidFill>
+          <a:schemeClr val="tx1"/>
+        </a:solidFill>
+        <a:latin typeface="+mn-lt"/>
+        <a:ea typeface="+mn-ea"/>
+        <a:cs typeface="+mn-cs"/>
+      </a:defRPr>
+    </a:lvl3pPr>
+    <a:lvl4pPr marL="1371600" algn="l" defTabSz="914400" rtl="0" eaLnBrk="1" latinLnBrk="1" hangingPunct="1">
+      <a:defRPr sz="1200" kern="1200">
+        <a:solidFill>
+          <a:schemeClr val="tx1"/>
+        </a:solidFill>
+        <a:latin typeface="+mn-lt"/>
+        <a:ea typeface="+mn-ea"/>
+        <a:cs typeface="+mn-cs"/>
+      </a:defRPr>
+    </a:lvl4pPr>
+    <a:lvl5pPr marL="1828800" algn="l" defTabSz="914400" rtl="0" eaLnBrk="1" latinLnBrk="1" hangingPunct="1">
+      <a:defRPr sz="1200" kern="1200">
+        <a:solidFill>
+          <a:schemeClr val="tx1"/>
+        </a:solidFill>
+        <a:latin typeface="+mn-lt"/>
+        <a:ea typeface="+mn-ea"/>
+        <a:cs typeface="+mn-cs"/>
+      </a:defRPr>
+    </a:lvl5pPr>
+    <a:lvl6pPr marL="2286000" algn="l" defTabSz="914400" rtl="0" eaLnBrk="1" latinLnBrk="1" hangingPunct="1">
+      <a:defRPr sz="1200" kern="1200">
+        <a:solidFill>
+          <a:schemeClr val="tx1"/>
+        </a:solidFill>
+        <a:latin typeface="+mn-lt"/>
+        <a:ea typeface="+mn-ea"/>
+        <a:cs typeface="+mn-cs"/>
+      </a:defRPr>
+    </a:lvl6pPr>
+    <a:lvl7pPr marL="2743200" algn="l" defTabSz="914400" rtl="0" eaLnBrk="1" latinLnBrk="1" hangingPunct="1">
+      <a:defRPr sz="1200" kern="1200">
+        <a:solidFill>
+          <a:schemeClr val="tx1"/>
+        </a:solidFill>
+        <a:latin typeface="+mn-lt"/>
+        <a:ea typeface="+mn-ea"/>
+        <a:cs typeface="+mn-cs"/>
+      </a:defRPr>
+    </a:lvl7pPr>
+    <a:lvl8pPr marL="3200400" algn="l" defTabSz="914400" rtl="0" eaLnBrk="1" latinLnBrk="1" hangingPunct="1">
+      <a:defRPr sz="1200" kern="1200">
+        <a:solidFill>
+          <a:schemeClr val="tx1"/>
+        </a:solidFill>
+        <a:latin typeface="+mn-lt"/>
+        <a:ea typeface="+mn-ea"/>
+        <a:cs typeface="+mn-cs"/>
+      </a:defRPr>
+    </a:lvl8pPr>
+    <a:lvl9pPr marL="3657600" algn="l" defTabSz="914400" rtl="0" eaLnBrk="1" latinLnBrk="1" hangingPunct="1">
+      <a:defRPr sz="1200" kern="1200">
+        <a:solidFill>
+          <a:schemeClr val="tx1"/>
+        </a:solidFill>
+        <a:latin typeface="+mn-lt"/>
+        <a:ea typeface="+mn-ea"/>
+        <a:cs typeface="+mn-cs"/>
+      </a:defRPr>
+    </a:lvl9pPr>
+  </p:notesStyle>
+</p:notesMaster>
+</file>
+
+<file path=ppt/notesSlides/notesSlide1.xml><?xml version="1.0" encoding="utf-8"?>
+<p:notes xmlns:a="http://schemas.openxmlformats.org/drawingml/2006/main" xmlns:r="http://schemas.openxmlformats.org/officeDocument/2006/relationships" xmlns:p="http://schemas.openxmlformats.org/presentationml/2006/main">
+  <p:cSld>
+    <p:spTree>
+      <p:nvGrpSpPr>
+        <p:cNvPr id="1" name=""/>
+        <p:cNvGrpSpPr/>
+        <p:nvPr/>
+      </p:nvGrpSpPr>
+      <p:grpSpPr>
+        <a:xfrm>
+          <a:off x="0" y="0"/>
+          <a:ext cx="0" cy="0"/>
+          <a:chOff x="0" y="0"/>
+          <a:chExt cx="0" cy="0"/>
+        </a:xfrm>
+      </p:grpSpPr>
+      <p:sp>
+        <p:nvSpPr>
+          <p:cNvPr id="2" name="슬라이드 이미지 개체 틀 1"/>
+          <p:cNvSpPr>
+            <a:spLocks noGrp="1" noRot="1" noChangeAspect="1"/>
+          </p:cNvSpPr>
+          <p:nvPr>
+            <p:ph type="sldImg"/>
+          </p:nvPr>
+        </p:nvSpPr>
+        <p:spPr/>
+      </p:sp>
+      <p:sp>
+        <p:nvSpPr>
+          <p:cNvPr id="3" name="슬라이드 노트 개체 틀 2"/>
+          <p:cNvSpPr>
+            <a:spLocks noGrp="1"/>
+          </p:cNvSpPr>
+          <p:nvPr>
+            <p:ph type="body" idx="1"/>
+          </p:nvPr>
+        </p:nvSpPr>
+        <p:spPr/>
+        <p:txBody>
+          <a:bodyPr/>
+          <a:lstStyle/>
+          <a:p>
+            <a:endParaRPr lang="ko-KR" altLang="en-US" dirty="0"/>
+          </a:p>
+        </p:txBody>
+      </p:sp>
+      <p:sp>
+        <p:nvSpPr>
+          <p:cNvPr id="4" name="슬라이드 번호 개체 틀 3"/>
+          <p:cNvSpPr>
+            <a:spLocks noGrp="1"/>
+          </p:cNvSpPr>
+          <p:nvPr>
+            <p:ph type="sldNum" sz="quarter" idx="5"/>
+          </p:nvPr>
+        </p:nvSpPr>
+        <p:spPr/>
+        <p:txBody>
+          <a:bodyPr/>
+          <a:lstStyle/>
+          <a:p>
+            <a:fld id="{714C3B07-03D7-44FE-8604-451C536CA187}" type="slidenum">
+              <a:rPr lang="ko-KR" altLang="en-US" smtClean="0"/>
+              <a:t>3</a:t>
+            </a:fld>
+            <a:endParaRPr lang="ko-KR" altLang="en-US"/>
+          </a:p>
+        </p:txBody>
+      </p:sp>
+    </p:spTree>
+    <p:extLst>
+      <p:ext uri="{BB962C8B-B14F-4D97-AF65-F5344CB8AC3E}">
+        <p14:creationId xmlns:p14="http://schemas.microsoft.com/office/powerpoint/2010/main" val="3503904995"/>
+      </p:ext>
+    </p:extLst>
+  </p:cSld>
+  <p:clrMapOvr>
+    <a:masterClrMapping/>
+  </p:clrMapOvr>
+</p:notes>
+</file>
+
+<file path=ppt/notesSlides/notesSlide2.xml><?xml version="1.0" encoding="utf-8"?>
+<p:notes xmlns:a="http://schemas.openxmlformats.org/drawingml/2006/main" xmlns:r="http://schemas.openxmlformats.org/officeDocument/2006/relationships" xmlns:p="http://schemas.openxmlformats.org/presentationml/2006/main">
+  <p:cSld>
+    <p:spTree>
+      <p:nvGrpSpPr>
+        <p:cNvPr id="1" name=""/>
+        <p:cNvGrpSpPr/>
+        <p:nvPr/>
+      </p:nvGrpSpPr>
+      <p:grpSpPr>
+        <a:xfrm>
+          <a:off x="0" y="0"/>
+          <a:ext cx="0" cy="0"/>
+          <a:chOff x="0" y="0"/>
+          <a:chExt cx="0" cy="0"/>
+        </a:xfrm>
+      </p:grpSpPr>
+      <p:sp>
+        <p:nvSpPr>
+          <p:cNvPr id="2" name="슬라이드 이미지 개체 틀 1"/>
+          <p:cNvSpPr>
+            <a:spLocks noGrp="1" noRot="1" noChangeAspect="1"/>
+          </p:cNvSpPr>
+          <p:nvPr>
+            <p:ph type="sldImg"/>
+          </p:nvPr>
+        </p:nvSpPr>
+        <p:spPr/>
+      </p:sp>
+      <p:sp>
+        <p:nvSpPr>
+          <p:cNvPr id="3" name="슬라이드 노트 개체 틀 2"/>
+          <p:cNvSpPr>
+            <a:spLocks noGrp="1"/>
+          </p:cNvSpPr>
+          <p:nvPr>
+            <p:ph type="body" idx="1"/>
+          </p:nvPr>
+        </p:nvSpPr>
+        <p:spPr/>
+        <p:txBody>
+          <a:bodyPr/>
+          <a:lstStyle/>
+          <a:p>
+            <a:endParaRPr lang="ko-KR" altLang="en-US" dirty="0"/>
+          </a:p>
+        </p:txBody>
+      </p:sp>
+      <p:sp>
+        <p:nvSpPr>
+          <p:cNvPr id="4" name="슬라이드 번호 개체 틀 3"/>
+          <p:cNvSpPr>
+            <a:spLocks noGrp="1"/>
+          </p:cNvSpPr>
+          <p:nvPr>
+            <p:ph type="sldNum" sz="quarter" idx="5"/>
+          </p:nvPr>
+        </p:nvSpPr>
+        <p:spPr/>
+        <p:txBody>
+          <a:bodyPr/>
+          <a:lstStyle/>
+          <a:p>
+            <a:fld id="{714C3B07-03D7-44FE-8604-451C536CA187}" type="slidenum">
+              <a:rPr lang="ko-KR" altLang="en-US" smtClean="0"/>
+              <a:t>4</a:t>
+            </a:fld>
+            <a:endParaRPr lang="ko-KR" altLang="en-US"/>
+          </a:p>
+        </p:txBody>
+      </p:sp>
+    </p:spTree>
+    <p:extLst>
+      <p:ext uri="{BB962C8B-B14F-4D97-AF65-F5344CB8AC3E}">
+        <p14:creationId xmlns:p14="http://schemas.microsoft.com/office/powerpoint/2010/main" val="1768756068"/>
+      </p:ext>
+    </p:extLst>
+  </p:cSld>
+  <p:clrMapOvr>
+    <a:masterClrMapping/>
+  </p:clrMapOvr>
+</p:notes>
+</file>
+
+<file path=ppt/notesSlides/notesSlide3.xml><?xml version="1.0" encoding="utf-8"?>
+<p:notes xmlns:a="http://schemas.openxmlformats.org/drawingml/2006/main" xmlns:r="http://schemas.openxmlformats.org/officeDocument/2006/relationships" xmlns:p="http://schemas.openxmlformats.org/presentationml/2006/main">
+  <p:cSld>
+    <p:spTree>
+      <p:nvGrpSpPr>
+        <p:cNvPr id="1" name=""/>
+        <p:cNvGrpSpPr/>
+        <p:nvPr/>
+      </p:nvGrpSpPr>
+      <p:grpSpPr>
+        <a:xfrm>
+          <a:off x="0" y="0"/>
+          <a:ext cx="0" cy="0"/>
+          <a:chOff x="0" y="0"/>
+          <a:chExt cx="0" cy="0"/>
+        </a:xfrm>
+      </p:grpSpPr>
+      <p:sp>
+        <p:nvSpPr>
+          <p:cNvPr id="2" name="슬라이드 이미지 개체 틀 1"/>
+          <p:cNvSpPr>
+            <a:spLocks noGrp="1" noRot="1" noChangeAspect="1"/>
+          </p:cNvSpPr>
+          <p:nvPr>
+            <p:ph type="sldImg"/>
+          </p:nvPr>
+        </p:nvSpPr>
+        <p:spPr/>
+      </p:sp>
+      <p:sp>
+        <p:nvSpPr>
+          <p:cNvPr id="3" name="슬라이드 노트 개체 틀 2"/>
+          <p:cNvSpPr>
+            <a:spLocks noGrp="1"/>
+          </p:cNvSpPr>
+          <p:nvPr>
+            <p:ph type="body" idx="1"/>
+          </p:nvPr>
+        </p:nvSpPr>
+        <p:spPr/>
+        <p:txBody>
+          <a:bodyPr/>
+          <a:lstStyle/>
+          <a:p>
+            <a:endParaRPr lang="ko-KR" altLang="en-US" dirty="0"/>
+          </a:p>
+        </p:txBody>
+      </p:sp>
+      <p:sp>
+        <p:nvSpPr>
+          <p:cNvPr id="4" name="슬라이드 번호 개체 틀 3"/>
+          <p:cNvSpPr>
+            <a:spLocks noGrp="1"/>
+          </p:cNvSpPr>
+          <p:nvPr>
+            <p:ph type="sldNum" sz="quarter" idx="5"/>
+          </p:nvPr>
+        </p:nvSpPr>
+        <p:spPr/>
+        <p:txBody>
+          <a:bodyPr/>
+          <a:lstStyle/>
+          <a:p>
+            <a:fld id="{714C3B07-03D7-44FE-8604-451C536CA187}" type="slidenum">
+              <a:rPr lang="ko-KR" altLang="en-US" smtClean="0"/>
+              <a:t>9</a:t>
+            </a:fld>
+            <a:endParaRPr lang="ko-KR" altLang="en-US"/>
+          </a:p>
+        </p:txBody>
+      </p:sp>
+    </p:spTree>
+    <p:extLst>
+      <p:ext uri="{BB962C8B-B14F-4D97-AF65-F5344CB8AC3E}">
+        <p14:creationId xmlns:p14="http://schemas.microsoft.com/office/powerpoint/2010/main" val="3687526238"/>
+      </p:ext>
+    </p:extLst>
+  </p:cSld>
+  <p:clrMapOvr>
+    <a:masterClrMapping/>
+  </p:clrMapOvr>
+</p:notes>
+</file>
+
 <file path=ppt/slideLayouts/slideLayout1.xml><?xml version="1.0" encoding="utf-8"?>
 <p:sldLayout xmlns:a="http://schemas.openxmlformats.org/drawingml/2006/main" xmlns:r="http://schemas.openxmlformats.org/officeDocument/2006/relationships" xmlns:p="http://schemas.openxmlformats.org/presentationml/2006/main" type="title" preserve="1">
   <p:cSld name="Title Slide">
@@ -1179,7 +2195,7 @@
           <a:p>
             <a:fld id="{F8166F1F-CE9B-4651-A6AA-CD717754106B}" type="datetimeFigureOut">
               <a:rPr lang="en-US" smtClean="0"/>
-              <a:t>5/31/2022</a:t>
+              <a:t>6/9/2022</a:t>
             </a:fld>
             <a:endParaRPr lang="en-US"/>
           </a:p>
@@ -1342,7 +2358,7 @@
           <a:p>
             <a:fld id="{A76116CE-C4A3-4A05-B2D7-7C2E9A889C0F}" type="datetimeFigureOut">
               <a:rPr lang="en-US" smtClean="0"/>
-              <a:t>5/31/2022</a:t>
+              <a:t>6/9/2022</a:t>
             </a:fld>
             <a:endParaRPr lang="en-US"/>
           </a:p>
@@ -1515,7 +2531,7 @@
           <a:p>
             <a:fld id="{A76116CE-C4A3-4A05-B2D7-7C2E9A889C0F}" type="datetimeFigureOut">
               <a:rPr lang="en-US" smtClean="0"/>
-              <a:t>5/31/2022</a:t>
+              <a:t>6/9/2022</a:t>
             </a:fld>
             <a:endParaRPr lang="en-US"/>
           </a:p>
@@ -1680,7 +2696,7 @@
           <a:p>
             <a:fld id="{A76116CE-C4A3-4A05-B2D7-7C2E9A889C0F}" type="datetimeFigureOut">
               <a:rPr lang="en-US" smtClean="0"/>
-              <a:t>5/31/2022</a:t>
+              <a:t>6/9/2022</a:t>
             </a:fld>
             <a:endParaRPr lang="en-US"/>
           </a:p>
@@ -1920,7 +2936,7 @@
           <a:p>
             <a:fld id="{A76116CE-C4A3-4A05-B2D7-7C2E9A889C0F}" type="datetimeFigureOut">
               <a:rPr lang="en-US" smtClean="0"/>
-              <a:t>5/31/2022</a:t>
+              <a:t>6/9/2022</a:t>
             </a:fld>
             <a:endParaRPr lang="en-US"/>
           </a:p>
@@ -2200,7 +3216,7 @@
           <a:p>
             <a:fld id="{A76116CE-C4A3-4A05-B2D7-7C2E9A889C0F}" type="datetimeFigureOut">
               <a:rPr lang="en-US" smtClean="0"/>
-              <a:t>5/31/2022</a:t>
+              <a:t>6/9/2022</a:t>
             </a:fld>
             <a:endParaRPr lang="en-US"/>
           </a:p>
@@ -2614,7 +3630,7 @@
           <a:p>
             <a:fld id="{A76116CE-C4A3-4A05-B2D7-7C2E9A889C0F}" type="datetimeFigureOut">
               <a:rPr lang="en-US" smtClean="0"/>
-              <a:t>5/31/2022</a:t>
+              <a:t>6/9/2022</a:t>
             </a:fld>
             <a:endParaRPr lang="en-US"/>
           </a:p>
@@ -2726,7 +3742,7 @@
           <a:p>
             <a:fld id="{A76116CE-C4A3-4A05-B2D7-7C2E9A889C0F}" type="datetimeFigureOut">
               <a:rPr lang="en-US" smtClean="0"/>
-              <a:t>5/31/2022</a:t>
+              <a:t>6/9/2022</a:t>
             </a:fld>
             <a:endParaRPr lang="en-US"/>
           </a:p>
@@ -2816,7 +3832,7 @@
           <a:p>
             <a:fld id="{A76116CE-C4A3-4A05-B2D7-7C2E9A889C0F}" type="datetimeFigureOut">
               <a:rPr lang="en-US" smtClean="0"/>
-              <a:t>5/31/2022</a:t>
+              <a:t>6/9/2022</a:t>
             </a:fld>
             <a:endParaRPr lang="en-US"/>
           </a:p>
@@ -3086,7 +4102,7 @@
           <a:p>
             <a:fld id="{A76116CE-C4A3-4A05-B2D7-7C2E9A889C0F}" type="datetimeFigureOut">
               <a:rPr lang="en-US" smtClean="0"/>
-              <a:t>5/31/2022</a:t>
+              <a:t>6/9/2022</a:t>
             </a:fld>
             <a:endParaRPr lang="en-US"/>
           </a:p>
@@ -3333,7 +4349,7 @@
           <a:p>
             <a:fld id="{A76116CE-C4A3-4A05-B2D7-7C2E9A889C0F}" type="datetimeFigureOut">
               <a:rPr lang="en-US" smtClean="0"/>
-              <a:t>5/31/2022</a:t>
+              <a:t>6/9/2022</a:t>
             </a:fld>
             <a:endParaRPr lang="en-US"/>
           </a:p>
@@ -3539,7 +4555,7 @@
           <a:p>
             <a:fld id="{F8166F1F-CE9B-4651-A6AA-CD717754106B}" type="datetimeFigureOut">
               <a:rPr lang="en-US" smtClean="0"/>
-              <a:t>5/31/2022</a:t>
+              <a:t>6/9/2022</a:t>
             </a:fld>
             <a:endParaRPr lang="en-US"/>
           </a:p>
@@ -4284,1247 +5300,6 @@
 </p:sld>
 </file>
 
-<file path=ppt/slides/slide10.xml><?xml version="1.0" encoding="utf-8"?>
-<p:sld xmlns:a="http://schemas.openxmlformats.org/drawingml/2006/main" xmlns:r="http://schemas.openxmlformats.org/officeDocument/2006/relationships" xmlns:p="http://schemas.openxmlformats.org/presentationml/2006/main">
-  <p:cSld name="Slide 10">
-    <p:bg>
-      <p:bgPr>
-        <a:solidFill>
-          <a:srgbClr val="FFFFFF"/>
-        </a:solidFill>
-        <a:effectLst/>
-      </p:bgPr>
-    </p:bg>
-    <p:spTree>
-      <p:nvGrpSpPr>
-        <p:cNvPr id="1" name=""/>
-        <p:cNvGrpSpPr/>
-        <p:nvPr/>
-      </p:nvGrpSpPr>
-      <p:grpSpPr>
-        <a:xfrm>
-          <a:off x="0" y="0"/>
-          <a:ext cx="0" cy="0"/>
-          <a:chOff x="0" y="0"/>
-          <a:chExt cx="0" cy="0"/>
-        </a:xfrm>
-      </p:grpSpPr>
-      <p:sp>
-        <p:nvSpPr>
-          <p:cNvPr id="2" name="Object 2"/>
-          <p:cNvSpPr txBox="1"/>
-          <p:nvPr/>
-        </p:nvSpPr>
-        <p:spPr>
-          <a:xfrm>
-            <a:off x="-628169" y="2098059"/>
-            <a:ext cx="11289563" cy="1107996"/>
-          </a:xfrm>
-          <a:prstGeom prst="rect">
-            <a:avLst/>
-          </a:prstGeom>
-          <a:noFill/>
-        </p:spPr>
-        <p:txBody>
-          <a:bodyPr wrap="square" rtlCol="0" anchor="t">
-            <a:spAutoFit/>
-          </a:bodyPr>
-          <a:lstStyle/>
-          <a:p>
-            <a:pPr algn="ctr"/>
-            <a:r>
-              <a:rPr lang="en-US" sz="4800" b="1" kern="0" spc="-200" dirty="0">
-                <a:solidFill>
-                  <a:srgbClr val="000000"/>
-                </a:solidFill>
-                <a:latin typeface="맑은 고딕" panose="020B0503020000020004" pitchFamily="50" charset="-127"/>
-                <a:ea typeface="맑은 고딕" panose="020B0503020000020004" pitchFamily="50" charset="-127"/>
-                <a:cs typeface="Gmarket Sans Medium" pitchFamily="34" charset="0"/>
-              </a:rPr>
-              <a:t>개발을 하면서 어려웠던 점.</a:t>
-            </a:r>
-          </a:p>
-          <a:p>
-            <a:pPr algn="ctr"/>
-            <a:endParaRPr lang="en-US" dirty="0">
-              <a:latin typeface="맑은 고딕" panose="020B0503020000020004" pitchFamily="50" charset="-127"/>
-              <a:ea typeface="맑은 고딕" panose="020B0503020000020004" pitchFamily="50" charset="-127"/>
-            </a:endParaRPr>
-          </a:p>
-        </p:txBody>
-      </p:sp>
-      <p:sp>
-        <p:nvSpPr>
-          <p:cNvPr id="3" name="Object 3"/>
-          <p:cNvSpPr txBox="1"/>
-          <p:nvPr/>
-        </p:nvSpPr>
-        <p:spPr>
-          <a:xfrm>
-            <a:off x="1597210" y="3098467"/>
-            <a:ext cx="16009923" cy="2680862"/>
-          </a:xfrm>
-          <a:prstGeom prst="rect">
-            <a:avLst/>
-          </a:prstGeom>
-          <a:noFill/>
-        </p:spPr>
-        <p:txBody>
-          <a:bodyPr wrap="square" rtlCol="0" anchor="t">
-            <a:spAutoFit/>
-          </a:bodyPr>
-          <a:lstStyle/>
-          <a:p>
-            <a:pPr>
-              <a:lnSpc>
-                <a:spcPct val="150000"/>
-              </a:lnSpc>
-            </a:pPr>
-            <a:r>
-              <a:rPr lang="en-US" sz="2400" dirty="0">
-                <a:solidFill>
-                  <a:srgbClr val="000000"/>
-                </a:solidFill>
-                <a:latin typeface="맑은 고딕" panose="020B0503020000020004" pitchFamily="50" charset="-127"/>
-                <a:ea typeface="맑은 고딕" panose="020B0503020000020004" pitchFamily="50" charset="-127"/>
-                <a:cs typeface="Gmarket Sans Medium" pitchFamily="34" charset="0"/>
-              </a:rPr>
-              <a:t>- 키트를 제작하기로 했지만, 제작 비용의 문제로 인해 만들지 못함.</a:t>
-            </a:r>
-          </a:p>
-          <a:p>
-            <a:pPr>
-              <a:lnSpc>
-                <a:spcPct val="150000"/>
-              </a:lnSpc>
-            </a:pPr>
-            <a:r>
-              <a:rPr lang="en-US" sz="2400" dirty="0">
-                <a:solidFill>
-                  <a:srgbClr val="000000"/>
-                </a:solidFill>
-                <a:latin typeface="맑은 고딕" panose="020B0503020000020004" pitchFamily="50" charset="-127"/>
-                <a:ea typeface="맑은 고딕" panose="020B0503020000020004" pitchFamily="50" charset="-127"/>
-                <a:cs typeface="Gmarket Sans Medium" pitchFamily="34" charset="0"/>
-              </a:rPr>
-              <a:t>- 디버깅 시간이 오래 걸리는 문제로 인해 개발을 진행하는 시간이 오래 걸림.</a:t>
-            </a:r>
-          </a:p>
-          <a:p>
-            <a:pPr>
-              <a:lnSpc>
-                <a:spcPct val="150000"/>
-              </a:lnSpc>
-            </a:pPr>
-            <a:r>
-              <a:rPr lang="en-US" sz="2400" dirty="0">
-                <a:solidFill>
-                  <a:srgbClr val="000000"/>
-                </a:solidFill>
-                <a:latin typeface="맑은 고딕" panose="020B0503020000020004" pitchFamily="50" charset="-127"/>
-                <a:ea typeface="맑은 고딕" panose="020B0503020000020004" pitchFamily="50" charset="-127"/>
-                <a:cs typeface="Gmarket Sans Medium" pitchFamily="34" charset="0"/>
-              </a:rPr>
-              <a:t>- API</a:t>
-            </a:r>
-            <a:r>
-              <a:rPr lang="ko-KR" altLang="en-US" sz="2400" dirty="0">
-                <a:solidFill>
-                  <a:srgbClr val="000000"/>
-                </a:solidFill>
-                <a:latin typeface="맑은 고딕" panose="020B0503020000020004" pitchFamily="50" charset="-127"/>
-                <a:ea typeface="맑은 고딕" panose="020B0503020000020004" pitchFamily="50" charset="-127"/>
-                <a:cs typeface="Gmarket Sans Medium" pitchFamily="34" charset="0"/>
-              </a:rPr>
-              <a:t>를 통해 </a:t>
-            </a:r>
-            <a:r>
-              <a:rPr lang="en-US" sz="2400" dirty="0" err="1">
-                <a:solidFill>
-                  <a:srgbClr val="000000"/>
-                </a:solidFill>
-                <a:latin typeface="맑은 고딕" panose="020B0503020000020004" pitchFamily="50" charset="-127"/>
-                <a:ea typeface="맑은 고딕" panose="020B0503020000020004" pitchFamily="50" charset="-127"/>
-                <a:cs typeface="Gmarket Sans Medium" pitchFamily="34" charset="0"/>
-              </a:rPr>
-              <a:t>데이터</a:t>
-            </a:r>
-            <a:r>
-              <a:rPr lang="ko-KR" altLang="en-US" sz="2400" dirty="0">
-                <a:solidFill>
-                  <a:srgbClr val="000000"/>
-                </a:solidFill>
-                <a:latin typeface="맑은 고딕" panose="020B0503020000020004" pitchFamily="50" charset="-127"/>
-                <a:ea typeface="맑은 고딕" panose="020B0503020000020004" pitchFamily="50" charset="-127"/>
-                <a:cs typeface="Gmarket Sans Medium" pitchFamily="34" charset="0"/>
-              </a:rPr>
-              <a:t>를 읽어와도 값을 일일이 입력해야 하는 불편함</a:t>
-            </a:r>
-            <a:r>
-              <a:rPr lang="en-US" altLang="ko-KR" sz="2400" dirty="0">
-                <a:solidFill>
-                  <a:srgbClr val="000000"/>
-                </a:solidFill>
-                <a:latin typeface="맑은 고딕" panose="020B0503020000020004" pitchFamily="50" charset="-127"/>
-                <a:ea typeface="맑은 고딕" panose="020B0503020000020004" pitchFamily="50" charset="-127"/>
-                <a:cs typeface="Gmarket Sans Medium" pitchFamily="34" charset="0"/>
-              </a:rPr>
-              <a:t>. </a:t>
-            </a:r>
-            <a:r>
-              <a:rPr lang="en-US" sz="2400" dirty="0">
-                <a:solidFill>
-                  <a:srgbClr val="000000"/>
-                </a:solidFill>
-                <a:latin typeface="맑은 고딕" panose="020B0503020000020004" pitchFamily="50" charset="-127"/>
-                <a:ea typeface="맑은 고딕" panose="020B0503020000020004" pitchFamily="50" charset="-127"/>
-                <a:cs typeface="Gmarket Sans Medium" pitchFamily="34" charset="0"/>
-              </a:rPr>
-              <a:t>(</a:t>
-            </a:r>
-            <a:r>
-              <a:rPr lang="en-US" sz="2400" dirty="0" err="1">
-                <a:solidFill>
-                  <a:srgbClr val="FF0000"/>
-                </a:solidFill>
-                <a:latin typeface="맑은 고딕" panose="020B0503020000020004" pitchFamily="50" charset="-127"/>
-                <a:ea typeface="맑은 고딕" panose="020B0503020000020004" pitchFamily="50" charset="-127"/>
-                <a:cs typeface="Gmarket Sans Medium" pitchFamily="34" charset="0"/>
-              </a:rPr>
-              <a:t>하드코딩</a:t>
-            </a:r>
-            <a:r>
-              <a:rPr lang="en-US" sz="2400" dirty="0">
-                <a:solidFill>
-                  <a:srgbClr val="000000"/>
-                </a:solidFill>
-                <a:latin typeface="맑은 고딕" panose="020B0503020000020004" pitchFamily="50" charset="-127"/>
-                <a:ea typeface="맑은 고딕" panose="020B0503020000020004" pitchFamily="50" charset="-127"/>
-                <a:cs typeface="Gmarket Sans Medium" pitchFamily="34" charset="0"/>
-              </a:rPr>
-              <a:t>)</a:t>
-            </a:r>
-          </a:p>
-          <a:p>
-            <a:pPr>
-              <a:lnSpc>
-                <a:spcPct val="150000"/>
-              </a:lnSpc>
-            </a:pPr>
-            <a:endParaRPr lang="en-US" sz="2400" dirty="0">
-              <a:solidFill>
-                <a:srgbClr val="000000"/>
-              </a:solidFill>
-              <a:latin typeface="맑은 고딕" panose="020B0503020000020004" pitchFamily="50" charset="-127"/>
-              <a:ea typeface="맑은 고딕" panose="020B0503020000020004" pitchFamily="50" charset="-127"/>
-              <a:cs typeface="Gmarket Sans Medium" pitchFamily="34" charset="0"/>
-            </a:endParaRPr>
-          </a:p>
-          <a:p>
-            <a:pPr>
-              <a:lnSpc>
-                <a:spcPct val="150000"/>
-              </a:lnSpc>
-            </a:pPr>
-            <a:endParaRPr lang="en-US" dirty="0">
-              <a:latin typeface="맑은 고딕" panose="020B0503020000020004" pitchFamily="50" charset="-127"/>
-              <a:ea typeface="맑은 고딕" panose="020B0503020000020004" pitchFamily="50" charset="-127"/>
-            </a:endParaRPr>
-          </a:p>
-        </p:txBody>
-      </p:sp>
-      <p:sp>
-        <p:nvSpPr>
-          <p:cNvPr id="4" name="Object 4"/>
-          <p:cNvSpPr txBox="1"/>
-          <p:nvPr/>
-        </p:nvSpPr>
-        <p:spPr>
-          <a:xfrm>
-            <a:off x="388725" y="5299277"/>
-            <a:ext cx="6191362" cy="1107996"/>
-          </a:xfrm>
-          <a:prstGeom prst="rect">
-            <a:avLst/>
-          </a:prstGeom>
-          <a:noFill/>
-        </p:spPr>
-        <p:txBody>
-          <a:bodyPr wrap="square" rtlCol="0" anchor="t">
-            <a:spAutoFit/>
-          </a:bodyPr>
-          <a:lstStyle/>
-          <a:p>
-            <a:pPr algn="ctr"/>
-            <a:r>
-              <a:rPr lang="en-US" sz="4800" b="1" kern="0" spc="-200" dirty="0">
-                <a:solidFill>
-                  <a:srgbClr val="000000"/>
-                </a:solidFill>
-                <a:latin typeface="맑은 고딕" panose="020B0503020000020004" pitchFamily="50" charset="-127"/>
-                <a:ea typeface="맑은 고딕" panose="020B0503020000020004" pitchFamily="50" charset="-127"/>
-                <a:cs typeface="Gmarket Sans Medium" pitchFamily="34" charset="0"/>
-              </a:rPr>
-              <a:t>전체적인 소감</a:t>
-            </a:r>
-          </a:p>
-          <a:p>
-            <a:pPr algn="ctr"/>
-            <a:endParaRPr lang="en-US" dirty="0">
-              <a:latin typeface="맑은 고딕" panose="020B0503020000020004" pitchFamily="50" charset="-127"/>
-              <a:ea typeface="맑은 고딕" panose="020B0503020000020004" pitchFamily="50" charset="-127"/>
-            </a:endParaRPr>
-          </a:p>
-        </p:txBody>
-      </p:sp>
-      <p:grpSp>
-        <p:nvGrpSpPr>
-          <p:cNvPr id="1001" name="그룹 1001"/>
-          <p:cNvGrpSpPr/>
-          <p:nvPr/>
-        </p:nvGrpSpPr>
-        <p:grpSpPr>
-          <a:xfrm>
-            <a:off x="1063158" y="637116"/>
-            <a:ext cx="17297635" cy="622842"/>
-            <a:chOff x="1063158" y="637116"/>
-            <a:chExt cx="17297635" cy="622842"/>
-          </a:xfrm>
-        </p:grpSpPr>
-        <p:pic>
-          <p:nvPicPr>
-            <p:cNvPr id="6" name="Object 5"/>
-            <p:cNvPicPr>
-              <a:picLocks noChangeAspect="1"/>
-            </p:cNvPicPr>
-            <p:nvPr/>
-          </p:nvPicPr>
-          <p:blipFill>
-            <a:blip r:embed="rId2" cstate="print"/>
-            <a:stretch>
-              <a:fillRect/>
-            </a:stretch>
-          </p:blipFill>
-          <p:spPr>
-            <a:xfrm>
-              <a:off x="1063158" y="637116"/>
-              <a:ext cx="17297635" cy="622842"/>
-            </a:xfrm>
-            <a:prstGeom prst="rect">
-              <a:avLst/>
-            </a:prstGeom>
-          </p:spPr>
-        </p:pic>
-      </p:grpSp>
-      <p:sp>
-        <p:nvSpPr>
-          <p:cNvPr id="8" name="Object 8"/>
-          <p:cNvSpPr txBox="1"/>
-          <p:nvPr/>
-        </p:nvSpPr>
-        <p:spPr>
-          <a:xfrm>
-            <a:off x="1420619" y="751674"/>
-            <a:ext cx="5393990" cy="477054"/>
-          </a:xfrm>
-          <a:prstGeom prst="rect">
-            <a:avLst/>
-          </a:prstGeom>
-          <a:noFill/>
-        </p:spPr>
-        <p:txBody>
-          <a:bodyPr wrap="square" rtlCol="0" anchor="t">
-            <a:spAutoFit/>
-          </a:bodyPr>
-          <a:lstStyle/>
-          <a:p>
-            <a:r>
-              <a:rPr lang="en-US" sz="2500" kern="0" spc="-100" dirty="0">
-                <a:solidFill>
-                  <a:srgbClr val="FFFFFF"/>
-                </a:solidFill>
-                <a:latin typeface="맑은 고딕" panose="020B0503020000020004" pitchFamily="50" charset="-127"/>
-                <a:ea typeface="맑은 고딕" panose="020B0503020000020004" pitchFamily="50" charset="-127"/>
-                <a:cs typeface="Gmarket Sans Medium" pitchFamily="34" charset="0"/>
-              </a:rPr>
-              <a:t>프로젝트 결론</a:t>
-            </a:r>
-            <a:endParaRPr lang="en-US" dirty="0">
-              <a:latin typeface="맑은 고딕" panose="020B0503020000020004" pitchFamily="50" charset="-127"/>
-              <a:ea typeface="맑은 고딕" panose="020B0503020000020004" pitchFamily="50" charset="-127"/>
-            </a:endParaRPr>
-          </a:p>
-        </p:txBody>
-      </p:sp>
-      <p:grpSp>
-        <p:nvGrpSpPr>
-          <p:cNvPr id="1002" name="그룹 1002"/>
-          <p:cNvGrpSpPr/>
-          <p:nvPr/>
-        </p:nvGrpSpPr>
-        <p:grpSpPr>
-          <a:xfrm>
-            <a:off x="412695" y="376314"/>
-            <a:ext cx="859607" cy="1030160"/>
-            <a:chOff x="412695" y="376314"/>
-            <a:chExt cx="859607" cy="1030160"/>
-          </a:xfrm>
-        </p:grpSpPr>
-        <p:pic>
-          <p:nvPicPr>
-            <p:cNvPr id="10" name="Object 9"/>
-            <p:cNvPicPr>
-              <a:picLocks noChangeAspect="1"/>
-            </p:cNvPicPr>
-            <p:nvPr/>
-          </p:nvPicPr>
-          <p:blipFill>
-            <a:blip r:embed="rId3" cstate="print"/>
-            <a:stretch>
-              <a:fillRect/>
-            </a:stretch>
-          </p:blipFill>
-          <p:spPr>
-            <a:xfrm>
-              <a:off x="412695" y="376314"/>
-              <a:ext cx="859607" cy="1030160"/>
-            </a:xfrm>
-            <a:prstGeom prst="rect">
-              <a:avLst/>
-            </a:prstGeom>
-          </p:spPr>
-        </p:pic>
-      </p:grpSp>
-      <p:sp>
-        <p:nvSpPr>
-          <p:cNvPr id="12" name="Object 12"/>
-          <p:cNvSpPr txBox="1"/>
-          <p:nvPr/>
-        </p:nvSpPr>
-        <p:spPr>
-          <a:xfrm>
-            <a:off x="511511" y="719270"/>
-            <a:ext cx="661976" cy="230832"/>
-          </a:xfrm>
-          <a:prstGeom prst="rect">
-            <a:avLst/>
-          </a:prstGeom>
-          <a:noFill/>
-        </p:spPr>
-        <p:txBody>
-          <a:bodyPr wrap="square" rtlCol="0" anchor="t">
-            <a:spAutoFit/>
-          </a:bodyPr>
-          <a:lstStyle/>
-          <a:p>
-            <a:pPr algn="ctr"/>
-            <a:r>
-              <a:rPr lang="en-US" sz="900" dirty="0">
-                <a:solidFill>
-                  <a:srgbClr val="FFFFFF"/>
-                </a:solidFill>
-                <a:latin typeface="맑은 고딕" panose="020B0503020000020004" pitchFamily="50" charset="-127"/>
-                <a:ea typeface="맑은 고딕" panose="020B0503020000020004" pitchFamily="50" charset="-127"/>
-                <a:cs typeface="Gmarket Sans Medium" pitchFamily="34" charset="0"/>
-              </a:rPr>
-              <a:t>PART</a:t>
-            </a:r>
-            <a:endParaRPr lang="en-US" dirty="0">
-              <a:latin typeface="맑은 고딕" panose="020B0503020000020004" pitchFamily="50" charset="-127"/>
-              <a:ea typeface="맑은 고딕" panose="020B0503020000020004" pitchFamily="50" charset="-127"/>
-            </a:endParaRPr>
-          </a:p>
-        </p:txBody>
-      </p:sp>
-      <p:sp>
-        <p:nvSpPr>
-          <p:cNvPr id="13" name="Object 13"/>
-          <p:cNvSpPr txBox="1"/>
-          <p:nvPr/>
-        </p:nvSpPr>
-        <p:spPr>
-          <a:xfrm>
-            <a:off x="374360" y="846012"/>
-            <a:ext cx="963245" cy="507831"/>
-          </a:xfrm>
-          <a:prstGeom prst="rect">
-            <a:avLst/>
-          </a:prstGeom>
-          <a:noFill/>
-        </p:spPr>
-        <p:txBody>
-          <a:bodyPr wrap="square" rtlCol="0" anchor="t">
-            <a:spAutoFit/>
-          </a:bodyPr>
-          <a:lstStyle/>
-          <a:p>
-            <a:pPr algn="ctr"/>
-            <a:r>
-              <a:rPr lang="en-US" sz="2700" kern="0" spc="-100" dirty="0">
-                <a:solidFill>
-                  <a:srgbClr val="FFFFFF"/>
-                </a:solidFill>
-                <a:latin typeface="맑은 고딕" panose="020B0503020000020004" pitchFamily="50" charset="-127"/>
-                <a:ea typeface="맑은 고딕" panose="020B0503020000020004" pitchFamily="50" charset="-127"/>
-                <a:cs typeface="Gmarket Sans Medium" pitchFamily="34" charset="0"/>
-              </a:rPr>
-              <a:t>03</a:t>
-            </a:r>
-            <a:endParaRPr lang="en-US" dirty="0">
-              <a:latin typeface="맑은 고딕" panose="020B0503020000020004" pitchFamily="50" charset="-127"/>
-              <a:ea typeface="맑은 고딕" panose="020B0503020000020004" pitchFamily="50" charset="-127"/>
-            </a:endParaRPr>
-          </a:p>
-        </p:txBody>
-      </p:sp>
-      <p:sp>
-        <p:nvSpPr>
-          <p:cNvPr id="14" name="Object 14"/>
-          <p:cNvSpPr txBox="1"/>
-          <p:nvPr/>
-        </p:nvSpPr>
-        <p:spPr>
-          <a:xfrm>
-            <a:off x="11333283" y="843660"/>
-            <a:ext cx="6529083" cy="338554"/>
-          </a:xfrm>
-          <a:prstGeom prst="rect">
-            <a:avLst/>
-          </a:prstGeom>
-          <a:noFill/>
-        </p:spPr>
-        <p:txBody>
-          <a:bodyPr wrap="square" rtlCol="0" anchor="t">
-            <a:spAutoFit/>
-          </a:bodyPr>
-          <a:lstStyle/>
-          <a:p>
-            <a:pPr algn="r"/>
-            <a:r>
-              <a:rPr lang="en-US" sz="1600" kern="0" spc="-100" dirty="0">
-                <a:solidFill>
-                  <a:srgbClr val="FFFFFF"/>
-                </a:solidFill>
-                <a:latin typeface="맑은 고딕" panose="020B0503020000020004" pitchFamily="50" charset="-127"/>
-                <a:ea typeface="맑은 고딕" panose="020B0503020000020004" pitchFamily="50" charset="-127"/>
-                <a:cs typeface="Gmarket Sans Medium" pitchFamily="34" charset="0"/>
-              </a:rPr>
-              <a:t>GPS를 이용한 실시간 버스정보알리미</a:t>
-            </a:r>
-            <a:endParaRPr lang="en-US" dirty="0">
-              <a:latin typeface="맑은 고딕" panose="020B0503020000020004" pitchFamily="50" charset="-127"/>
-              <a:ea typeface="맑은 고딕" panose="020B0503020000020004" pitchFamily="50" charset="-127"/>
-            </a:endParaRPr>
-          </a:p>
-        </p:txBody>
-      </p:sp>
-      <p:grpSp>
-        <p:nvGrpSpPr>
-          <p:cNvPr id="1003" name="그룹 1003"/>
-          <p:cNvGrpSpPr/>
-          <p:nvPr/>
-        </p:nvGrpSpPr>
-        <p:grpSpPr>
-          <a:xfrm>
-            <a:off x="14908881" y="2969331"/>
-            <a:ext cx="2395903" cy="2157127"/>
-            <a:chOff x="14789940" y="2904056"/>
-            <a:chExt cx="2395903" cy="2157127"/>
-          </a:xfrm>
-        </p:grpSpPr>
-        <p:pic>
-          <p:nvPicPr>
-            <p:cNvPr id="16" name="Object 15"/>
-            <p:cNvPicPr>
-              <a:picLocks noChangeAspect="1"/>
-            </p:cNvPicPr>
-            <p:nvPr/>
-          </p:nvPicPr>
-          <p:blipFill>
-            <a:blip r:embed="rId4" cstate="print"/>
-            <a:stretch>
-              <a:fillRect/>
-            </a:stretch>
-          </p:blipFill>
-          <p:spPr>
-            <a:xfrm>
-              <a:off x="14789940" y="2904056"/>
-              <a:ext cx="2395903" cy="2157127"/>
-            </a:xfrm>
-            <a:prstGeom prst="rect">
-              <a:avLst/>
-            </a:prstGeom>
-          </p:spPr>
-        </p:pic>
-      </p:grpSp>
-      <p:grpSp>
-        <p:nvGrpSpPr>
-          <p:cNvPr id="1004" name="그룹 1004"/>
-          <p:cNvGrpSpPr/>
-          <p:nvPr/>
-        </p:nvGrpSpPr>
-        <p:grpSpPr>
-          <a:xfrm>
-            <a:off x="12923363" y="2828136"/>
-            <a:ext cx="1985518" cy="2439515"/>
-            <a:chOff x="12430632" y="2703342"/>
-            <a:chExt cx="1985518" cy="2439515"/>
-          </a:xfrm>
-        </p:grpSpPr>
-        <p:pic>
-          <p:nvPicPr>
-            <p:cNvPr id="19" name="Object 18"/>
-            <p:cNvPicPr>
-              <a:picLocks noChangeAspect="1"/>
-            </p:cNvPicPr>
-            <p:nvPr/>
-          </p:nvPicPr>
-          <p:blipFill>
-            <a:blip r:embed="rId5" cstate="print"/>
-            <a:stretch>
-              <a:fillRect/>
-            </a:stretch>
-          </p:blipFill>
-          <p:spPr>
-            <a:xfrm>
-              <a:off x="12430632" y="2703342"/>
-              <a:ext cx="1985518" cy="2439515"/>
-            </a:xfrm>
-            <a:prstGeom prst="rect">
-              <a:avLst/>
-            </a:prstGeom>
-          </p:spPr>
-        </p:pic>
-      </p:grpSp>
-      <p:sp>
-        <p:nvSpPr>
-          <p:cNvPr id="21" name="Object 21"/>
-          <p:cNvSpPr txBox="1"/>
-          <p:nvPr/>
-        </p:nvSpPr>
-        <p:spPr>
-          <a:xfrm>
-            <a:off x="1597210" y="6349552"/>
-            <a:ext cx="13414190" cy="3234860"/>
-          </a:xfrm>
-          <a:prstGeom prst="rect">
-            <a:avLst/>
-          </a:prstGeom>
-          <a:noFill/>
-        </p:spPr>
-        <p:txBody>
-          <a:bodyPr wrap="square" rtlCol="0" anchor="t">
-            <a:spAutoFit/>
-          </a:bodyPr>
-          <a:lstStyle/>
-          <a:p>
-            <a:pPr>
-              <a:lnSpc>
-                <a:spcPct val="150000"/>
-              </a:lnSpc>
-            </a:pPr>
-            <a:r>
-              <a:rPr lang="en-US" sz="2400" dirty="0">
-                <a:solidFill>
-                  <a:srgbClr val="000000"/>
-                </a:solidFill>
-                <a:latin typeface="맑은 고딕" panose="020B0503020000020004" pitchFamily="50" charset="-127"/>
-                <a:ea typeface="맑은 고딕" panose="020B0503020000020004" pitchFamily="50" charset="-127"/>
-                <a:cs typeface="Gmarket Sans Medium" pitchFamily="34" charset="0"/>
-              </a:rPr>
-              <a:t>- </a:t>
-            </a:r>
-            <a:r>
-              <a:rPr lang="en-US" sz="2400" dirty="0" err="1">
-                <a:solidFill>
-                  <a:srgbClr val="000000"/>
-                </a:solidFill>
-                <a:latin typeface="맑은 고딕" panose="020B0503020000020004" pitchFamily="50" charset="-127"/>
-                <a:ea typeface="맑은 고딕" panose="020B0503020000020004" pitchFamily="50" charset="-127"/>
-                <a:cs typeface="Gmarket Sans Medium" pitchFamily="34" charset="0"/>
-              </a:rPr>
-              <a:t>아두이노를</a:t>
-            </a:r>
-            <a:r>
-              <a:rPr lang="en-US" sz="2400" dirty="0">
-                <a:solidFill>
-                  <a:srgbClr val="000000"/>
-                </a:solidFill>
-                <a:latin typeface="맑은 고딕" panose="020B0503020000020004" pitchFamily="50" charset="-127"/>
-                <a:ea typeface="맑은 고딕" panose="020B0503020000020004" pitchFamily="50" charset="-127"/>
-                <a:cs typeface="Gmarket Sans Medium" pitchFamily="34" charset="0"/>
-              </a:rPr>
-              <a:t> 이용해 개발 프로젝트를 </a:t>
-            </a:r>
-            <a:r>
-              <a:rPr lang="en-US" sz="2400" dirty="0" err="1">
-                <a:solidFill>
-                  <a:srgbClr val="000000"/>
-                </a:solidFill>
-                <a:latin typeface="맑은 고딕" panose="020B0503020000020004" pitchFamily="50" charset="-127"/>
-                <a:ea typeface="맑은 고딕" panose="020B0503020000020004" pitchFamily="50" charset="-127"/>
-                <a:cs typeface="Gmarket Sans Medium" pitchFamily="34" charset="0"/>
-              </a:rPr>
-              <a:t>진행하면서</a:t>
-            </a:r>
-            <a:r>
-              <a:rPr lang="en-US" sz="2400" dirty="0">
-                <a:solidFill>
-                  <a:srgbClr val="000000"/>
-                </a:solidFill>
-                <a:latin typeface="맑은 고딕" panose="020B0503020000020004" pitchFamily="50" charset="-127"/>
-                <a:ea typeface="맑은 고딕" panose="020B0503020000020004" pitchFamily="50" charset="-127"/>
-                <a:cs typeface="Gmarket Sans Medium" pitchFamily="34" charset="0"/>
-              </a:rPr>
-              <a:t> </a:t>
-            </a:r>
-          </a:p>
-          <a:p>
-            <a:pPr>
-              <a:lnSpc>
-                <a:spcPct val="150000"/>
-              </a:lnSpc>
-            </a:pPr>
-            <a:r>
-              <a:rPr lang="en-US" sz="2400" dirty="0" err="1">
-                <a:solidFill>
-                  <a:srgbClr val="000000"/>
-                </a:solidFill>
-                <a:latin typeface="맑은 고딕" panose="020B0503020000020004" pitchFamily="50" charset="-127"/>
-                <a:ea typeface="맑은 고딕" panose="020B0503020000020004" pitchFamily="50" charset="-127"/>
-                <a:cs typeface="Gmarket Sans Medium" pitchFamily="34" charset="0"/>
-              </a:rPr>
-              <a:t>임베디드</a:t>
-            </a:r>
-            <a:r>
-              <a:rPr lang="en-US" sz="2400" dirty="0">
-                <a:solidFill>
-                  <a:srgbClr val="000000"/>
-                </a:solidFill>
-                <a:latin typeface="맑은 고딕" panose="020B0503020000020004" pitchFamily="50" charset="-127"/>
-                <a:ea typeface="맑은 고딕" panose="020B0503020000020004" pitchFamily="50" charset="-127"/>
-                <a:cs typeface="Gmarket Sans Medium" pitchFamily="34" charset="0"/>
-              </a:rPr>
-              <a:t> 소프트웨어 개발자의 고충을 알게되는 간접적인 경험을 해볼 수 있었음.</a:t>
-            </a:r>
-          </a:p>
-          <a:p>
-            <a:pPr>
-              <a:lnSpc>
-                <a:spcPct val="150000"/>
-              </a:lnSpc>
-            </a:pPr>
-            <a:r>
-              <a:rPr lang="en-US" sz="2400" dirty="0">
-                <a:solidFill>
-                  <a:srgbClr val="000000"/>
-                </a:solidFill>
-                <a:latin typeface="맑은 고딕" panose="020B0503020000020004" pitchFamily="50" charset="-127"/>
-                <a:ea typeface="맑은 고딕" panose="020B0503020000020004" pitchFamily="50" charset="-127"/>
-                <a:cs typeface="Gmarket Sans Medium" pitchFamily="34" charset="0"/>
-              </a:rPr>
-              <a:t>(C++ 코드 </a:t>
-            </a:r>
-            <a:r>
-              <a:rPr lang="en-US" sz="2400" dirty="0" err="1">
-                <a:solidFill>
-                  <a:srgbClr val="000000"/>
-                </a:solidFill>
-                <a:latin typeface="맑은 고딕" panose="020B0503020000020004" pitchFamily="50" charset="-127"/>
-                <a:ea typeface="맑은 고딕" panose="020B0503020000020004" pitchFamily="50" charset="-127"/>
-                <a:cs typeface="Gmarket Sans Medium" pitchFamily="34" charset="0"/>
-              </a:rPr>
-              <a:t>난이도</a:t>
-            </a:r>
-            <a:r>
-              <a:rPr lang="en-US" sz="2400" dirty="0">
-                <a:solidFill>
-                  <a:srgbClr val="000000"/>
-                </a:solidFill>
-                <a:latin typeface="맑은 고딕" panose="020B0503020000020004" pitchFamily="50" charset="-127"/>
-                <a:ea typeface="맑은 고딕" panose="020B0503020000020004" pitchFamily="50" charset="-127"/>
-                <a:cs typeface="Gmarket Sans Medium" pitchFamily="34" charset="0"/>
-              </a:rPr>
-              <a:t>(</a:t>
-            </a:r>
-            <a:r>
-              <a:rPr lang="ko-KR" altLang="en-US" sz="2400" dirty="0">
-                <a:solidFill>
-                  <a:srgbClr val="000000"/>
-                </a:solidFill>
-                <a:latin typeface="맑은 고딕" panose="020B0503020000020004" pitchFamily="50" charset="-127"/>
-                <a:ea typeface="맑은 고딕" panose="020B0503020000020004" pitchFamily="50" charset="-127"/>
-                <a:cs typeface="Gmarket Sans Medium" pitchFamily="34" charset="0"/>
-              </a:rPr>
-              <a:t>어려움</a:t>
-            </a:r>
-            <a:r>
-              <a:rPr lang="en-US" sz="2400" dirty="0">
-                <a:solidFill>
-                  <a:srgbClr val="000000"/>
-                </a:solidFill>
-                <a:latin typeface="맑은 고딕" panose="020B0503020000020004" pitchFamily="50" charset="-127"/>
-                <a:ea typeface="맑은 고딕" panose="020B0503020000020004" pitchFamily="50" charset="-127"/>
-                <a:cs typeface="Gmarket Sans Medium" pitchFamily="34" charset="0"/>
-              </a:rPr>
-              <a:t>), 라이브러리(부족), 기술문서 전부 영어)</a:t>
-            </a:r>
-          </a:p>
-          <a:p>
-            <a:pPr>
-              <a:lnSpc>
-                <a:spcPct val="150000"/>
-              </a:lnSpc>
-            </a:pPr>
-            <a:r>
-              <a:rPr lang="en-US" sz="2400" dirty="0">
-                <a:solidFill>
-                  <a:srgbClr val="000000"/>
-                </a:solidFill>
-                <a:latin typeface="맑은 고딕" panose="020B0503020000020004" pitchFamily="50" charset="-127"/>
-                <a:ea typeface="맑은 고딕" panose="020B0503020000020004" pitchFamily="50" charset="-127"/>
-                <a:cs typeface="Gmarket Sans Medium" pitchFamily="34" charset="0"/>
-              </a:rPr>
-              <a:t>- 아두이노 개발 환경에 익숙하지 못해 원래 프로젝트 목표 구현을 실패한 것이 아쉽다.</a:t>
-            </a:r>
-          </a:p>
-          <a:p>
-            <a:pPr>
-              <a:lnSpc>
-                <a:spcPct val="150000"/>
-              </a:lnSpc>
-            </a:pPr>
-            <a:endParaRPr lang="en-US" sz="2400" dirty="0">
-              <a:solidFill>
-                <a:srgbClr val="000000"/>
-              </a:solidFill>
-              <a:latin typeface="맑은 고딕" panose="020B0503020000020004" pitchFamily="50" charset="-127"/>
-              <a:ea typeface="맑은 고딕" panose="020B0503020000020004" pitchFamily="50" charset="-127"/>
-              <a:cs typeface="Gmarket Sans Medium" pitchFamily="34" charset="0"/>
-            </a:endParaRPr>
-          </a:p>
-          <a:p>
-            <a:pPr>
-              <a:lnSpc>
-                <a:spcPct val="150000"/>
-              </a:lnSpc>
-            </a:pPr>
-            <a:endParaRPr lang="en-US" dirty="0">
-              <a:latin typeface="맑은 고딕" panose="020B0503020000020004" pitchFamily="50" charset="-127"/>
-              <a:ea typeface="맑은 고딕" panose="020B0503020000020004" pitchFamily="50" charset="-127"/>
-            </a:endParaRPr>
-          </a:p>
-        </p:txBody>
-      </p:sp>
-    </p:spTree>
-  </p:cSld>
-  <p:clrMapOvr>
-    <a:masterClrMapping/>
-  </p:clrMapOvr>
-</p:sld>
-</file>
-
-<file path=ppt/slides/slide11.xml><?xml version="1.0" encoding="utf-8"?>
-<p:sld xmlns:a="http://schemas.openxmlformats.org/drawingml/2006/main" xmlns:r="http://schemas.openxmlformats.org/officeDocument/2006/relationships" xmlns:p="http://schemas.openxmlformats.org/presentationml/2006/main">
-  <p:cSld name="Slide 11">
-    <p:bg>
-      <p:bgPr>
-        <a:solidFill>
-          <a:srgbClr val="FFFFFF"/>
-        </a:solidFill>
-        <a:effectLst/>
-      </p:bgPr>
-    </p:bg>
-    <p:spTree>
-      <p:nvGrpSpPr>
-        <p:cNvPr id="1" name=""/>
-        <p:cNvGrpSpPr/>
-        <p:nvPr/>
-      </p:nvGrpSpPr>
-      <p:grpSpPr>
-        <a:xfrm>
-          <a:off x="0" y="0"/>
-          <a:ext cx="0" cy="0"/>
-          <a:chOff x="0" y="0"/>
-          <a:chExt cx="0" cy="0"/>
-        </a:xfrm>
-      </p:grpSpPr>
-      <p:sp>
-        <p:nvSpPr>
-          <p:cNvPr id="2" name="Object 2"/>
-          <p:cNvSpPr txBox="1"/>
-          <p:nvPr/>
-        </p:nvSpPr>
-        <p:spPr>
-          <a:xfrm>
-            <a:off x="3141370" y="4102086"/>
-            <a:ext cx="12002981" cy="1354217"/>
-          </a:xfrm>
-          <a:prstGeom prst="rect">
-            <a:avLst/>
-          </a:prstGeom>
-          <a:noFill/>
-        </p:spPr>
-        <p:txBody>
-          <a:bodyPr wrap="square" rtlCol="0" anchor="t">
-            <a:spAutoFit/>
-          </a:bodyPr>
-          <a:lstStyle/>
-          <a:p>
-            <a:pPr algn="ctr"/>
-            <a:r>
-              <a:rPr lang="en-US" sz="8200" b="1" kern="0" spc="-300" dirty="0">
-                <a:solidFill>
-                  <a:srgbClr val="000000"/>
-                </a:solidFill>
-                <a:latin typeface="맑은 고딕" panose="020B0503020000020004" pitchFamily="50" charset="-127"/>
-                <a:ea typeface="맑은 고딕" panose="020B0503020000020004" pitchFamily="50" charset="-127"/>
-                <a:cs typeface="Gmarket Sans Bold" pitchFamily="34" charset="0"/>
-              </a:rPr>
-              <a:t>Thank you!</a:t>
-            </a:r>
-            <a:endParaRPr lang="en-US" b="1" dirty="0">
-              <a:latin typeface="맑은 고딕" panose="020B0503020000020004" pitchFamily="50" charset="-127"/>
-              <a:ea typeface="맑은 고딕" panose="020B0503020000020004" pitchFamily="50" charset="-127"/>
-            </a:endParaRPr>
-          </a:p>
-        </p:txBody>
-      </p:sp>
-      <p:grpSp>
-        <p:nvGrpSpPr>
-          <p:cNvPr id="1001" name="그룹 1001"/>
-          <p:cNvGrpSpPr/>
-          <p:nvPr/>
-        </p:nvGrpSpPr>
-        <p:grpSpPr>
-          <a:xfrm>
-            <a:off x="5956770" y="5415275"/>
-            <a:ext cx="6372173" cy="493714"/>
-            <a:chOff x="5956770" y="5415275"/>
-            <a:chExt cx="6372173" cy="493714"/>
-          </a:xfrm>
-        </p:grpSpPr>
-        <p:pic>
-          <p:nvPicPr>
-            <p:cNvPr id="4" name="Object 3"/>
-            <p:cNvPicPr>
-              <a:picLocks noChangeAspect="1"/>
-            </p:cNvPicPr>
-            <p:nvPr/>
-          </p:nvPicPr>
-          <p:blipFill>
-            <a:blip r:embed="rId2" cstate="print"/>
-            <a:stretch>
-              <a:fillRect/>
-            </a:stretch>
-          </p:blipFill>
-          <p:spPr>
-            <a:xfrm>
-              <a:off x="5956770" y="5415275"/>
-              <a:ext cx="6372173" cy="493714"/>
-            </a:xfrm>
-            <a:prstGeom prst="rect">
-              <a:avLst/>
-            </a:prstGeom>
-          </p:spPr>
-        </p:pic>
-      </p:grpSp>
-      <p:grpSp>
-        <p:nvGrpSpPr>
-          <p:cNvPr id="1002" name="그룹 1002"/>
-          <p:cNvGrpSpPr/>
-          <p:nvPr/>
-        </p:nvGrpSpPr>
-        <p:grpSpPr>
-          <a:xfrm>
-            <a:off x="12328944" y="4936710"/>
-            <a:ext cx="719110" cy="798125"/>
-            <a:chOff x="12328944" y="4936710"/>
-            <a:chExt cx="719110" cy="798125"/>
-          </a:xfrm>
-        </p:grpSpPr>
-        <p:pic>
-          <p:nvPicPr>
-            <p:cNvPr id="7" name="Object 6"/>
-            <p:cNvPicPr>
-              <a:picLocks noChangeAspect="1"/>
-            </p:cNvPicPr>
-            <p:nvPr/>
-          </p:nvPicPr>
-          <p:blipFill>
-            <a:blip r:embed="rId3" cstate="print"/>
-            <a:stretch>
-              <a:fillRect/>
-            </a:stretch>
-          </p:blipFill>
-          <p:spPr>
-            <a:xfrm>
-              <a:off x="12328944" y="4936710"/>
-              <a:ext cx="719110" cy="798125"/>
-            </a:xfrm>
-            <a:prstGeom prst="rect">
-              <a:avLst/>
-            </a:prstGeom>
-          </p:spPr>
-        </p:pic>
-      </p:grpSp>
-    </p:spTree>
-  </p:cSld>
-  <p:clrMapOvr>
-    <a:masterClrMapping/>
-  </p:clrMapOvr>
-</p:sld>
-</file>
-
-<file path=ppt/slides/slide12.xml><?xml version="1.0" encoding="utf-8"?>
-<p:sld xmlns:a="http://schemas.openxmlformats.org/drawingml/2006/main" xmlns:r="http://schemas.openxmlformats.org/officeDocument/2006/relationships" xmlns:p="http://schemas.openxmlformats.org/presentationml/2006/main">
-  <p:cSld name="Slide 12">
-    <p:bg>
-      <p:bgPr>
-        <a:solidFill>
-          <a:srgbClr val="FFFFFF"/>
-        </a:solidFill>
-        <a:effectLst/>
-      </p:bgPr>
-    </p:bg>
-    <p:spTree>
-      <p:nvGrpSpPr>
-        <p:cNvPr id="1" name=""/>
-        <p:cNvGrpSpPr/>
-        <p:nvPr/>
-      </p:nvGrpSpPr>
-      <p:grpSpPr>
-        <a:xfrm>
-          <a:off x="0" y="0"/>
-          <a:ext cx="0" cy="0"/>
-          <a:chOff x="0" y="0"/>
-          <a:chExt cx="0" cy="0"/>
-        </a:xfrm>
-      </p:grpSpPr>
-      <p:sp>
-        <p:nvSpPr>
-          <p:cNvPr id="3" name="Object 3"/>
-          <p:cNvSpPr txBox="1"/>
-          <p:nvPr/>
-        </p:nvSpPr>
-        <p:spPr>
-          <a:xfrm>
-            <a:off x="1363434" y="1281976"/>
-            <a:ext cx="23338269" cy="6955750"/>
-          </a:xfrm>
-          <a:prstGeom prst="rect">
-            <a:avLst/>
-          </a:prstGeom>
-          <a:noFill/>
-        </p:spPr>
-        <p:txBody>
-          <a:bodyPr wrap="square" rtlCol="0" anchor="t">
-            <a:spAutoFit/>
-          </a:bodyPr>
-          <a:lstStyle/>
-          <a:p>
-            <a:r>
-              <a:rPr lang="en-US" sz="4800" b="1" kern="0" spc="-200" dirty="0">
-                <a:solidFill>
-                  <a:srgbClr val="000000"/>
-                </a:solidFill>
-                <a:latin typeface="맑은 고딕" panose="020B0503020000020004" pitchFamily="50" charset="-127"/>
-                <a:ea typeface="맑은 고딕" panose="020B0503020000020004" pitchFamily="50" charset="-127"/>
-                <a:cs typeface="Gmarket Sans Medium" pitchFamily="34" charset="0"/>
-              </a:rPr>
-              <a:t>참고 자료</a:t>
-            </a:r>
-          </a:p>
-          <a:p>
-            <a:endParaRPr lang="en-US" sz="4800" b="1" kern="0" spc="-200" dirty="0">
-              <a:solidFill>
-                <a:srgbClr val="000000"/>
-              </a:solidFill>
-              <a:latin typeface="맑은 고딕" panose="020B0503020000020004" pitchFamily="50" charset="-127"/>
-              <a:ea typeface="맑은 고딕" panose="020B0503020000020004" pitchFamily="50" charset="-127"/>
-              <a:cs typeface="Gmarket Sans Medium" pitchFamily="34" charset="0"/>
-            </a:endParaRPr>
-          </a:p>
-          <a:p>
-            <a:pPr>
-              <a:lnSpc>
-                <a:spcPct val="150000"/>
-              </a:lnSpc>
-            </a:pPr>
-            <a:r>
-              <a:rPr lang="en-US" sz="2400" b="1" kern="0" spc="-100" dirty="0">
-                <a:solidFill>
-                  <a:srgbClr val="000000"/>
-                </a:solidFill>
-                <a:latin typeface="맑은 고딕" panose="020B0503020000020004" pitchFamily="50" charset="-127"/>
-                <a:ea typeface="맑은 고딕" panose="020B0503020000020004" pitchFamily="50" charset="-127"/>
-                <a:cs typeface="Gmarket Sans Medium" pitchFamily="34" charset="0"/>
-              </a:rPr>
-              <a:t>- https://www.data.go.kr/tcs/dss/selectApiDataDetailView.do?publicDataPk=15080666</a:t>
-            </a:r>
-          </a:p>
-          <a:p>
-            <a:pPr>
-              <a:lnSpc>
-                <a:spcPct val="150000"/>
-              </a:lnSpc>
-            </a:pPr>
-            <a:r>
-              <a:rPr lang="en-US" sz="2400" b="1" kern="0" spc="-100" dirty="0">
-                <a:solidFill>
-                  <a:srgbClr val="000000"/>
-                </a:solidFill>
-                <a:latin typeface="맑은 고딕" panose="020B0503020000020004" pitchFamily="50" charset="-127"/>
-                <a:ea typeface="맑은 고딕" panose="020B0503020000020004" pitchFamily="50" charset="-127"/>
-                <a:cs typeface="Gmarket Sans Medium" pitchFamily="34" charset="0"/>
-              </a:rPr>
-              <a:t>- https://www.data.go.kr/tcs/dss/selectApiDataDetailView.do?publicDataPk=15080346 </a:t>
-            </a:r>
-          </a:p>
-          <a:p>
-            <a:pPr>
-              <a:lnSpc>
-                <a:spcPct val="150000"/>
-              </a:lnSpc>
-            </a:pPr>
-            <a:r>
-              <a:rPr lang="en-US" sz="2400" b="1" kern="0" spc="-100" dirty="0">
-                <a:solidFill>
-                  <a:srgbClr val="000000"/>
-                </a:solidFill>
-                <a:latin typeface="맑은 고딕" panose="020B0503020000020004" pitchFamily="50" charset="-127"/>
-                <a:ea typeface="맑은 고딕" panose="020B0503020000020004" pitchFamily="50" charset="-127"/>
-                <a:cs typeface="Gmarket Sans Medium" pitchFamily="34" charset="0"/>
-              </a:rPr>
-              <a:t>- https://www.weather.go.kr/w/index.do </a:t>
-            </a:r>
-          </a:p>
-          <a:p>
-            <a:pPr>
-              <a:lnSpc>
-                <a:spcPct val="150000"/>
-              </a:lnSpc>
-            </a:pPr>
-            <a:r>
-              <a:rPr lang="en-US" sz="2400" b="1" kern="0" spc="-100" dirty="0">
-                <a:solidFill>
-                  <a:srgbClr val="000000"/>
-                </a:solidFill>
-                <a:latin typeface="맑은 고딕" panose="020B0503020000020004" pitchFamily="50" charset="-127"/>
-                <a:ea typeface="맑은 고딕" panose="020B0503020000020004" pitchFamily="50" charset="-127"/>
-                <a:cs typeface="Gmarket Sans Medium" pitchFamily="34" charset="0"/>
-              </a:rPr>
-              <a:t>- https://bota.tistory.com/1469 </a:t>
-            </a:r>
-          </a:p>
-          <a:p>
-            <a:pPr>
-              <a:lnSpc>
-                <a:spcPct val="150000"/>
-              </a:lnSpc>
-            </a:pPr>
-            <a:r>
-              <a:rPr lang="en-US" sz="2400" b="1" kern="0" spc="-100" dirty="0">
-                <a:solidFill>
-                  <a:srgbClr val="000000"/>
-                </a:solidFill>
-                <a:latin typeface="맑은 고딕" panose="020B0503020000020004" pitchFamily="50" charset="-127"/>
-                <a:ea typeface="맑은 고딕" panose="020B0503020000020004" pitchFamily="50" charset="-127"/>
-                <a:cs typeface="Gmarket Sans Medium" pitchFamily="34" charset="0"/>
-              </a:rPr>
-              <a:t>- https://blog.naver.com/geniusus/221799048747 </a:t>
-            </a:r>
-          </a:p>
-          <a:p>
-            <a:pPr>
-              <a:lnSpc>
-                <a:spcPct val="150000"/>
-              </a:lnSpc>
-            </a:pPr>
-            <a:r>
-              <a:rPr lang="en-US" sz="2400" b="1" kern="0" spc="-100" dirty="0">
-                <a:solidFill>
-                  <a:srgbClr val="000000"/>
-                </a:solidFill>
-                <a:latin typeface="맑은 고딕" panose="020B0503020000020004" pitchFamily="50" charset="-127"/>
-                <a:ea typeface="맑은 고딕" panose="020B0503020000020004" pitchFamily="50" charset="-127"/>
-                <a:cs typeface="Gmarket Sans Medium" pitchFamily="34" charset="0"/>
-              </a:rPr>
-              <a:t>- https://blog.naver.com/PostView.naver?isHttpsRedirect=true&amp;blogId=twophase&amp;logNo=220730309094 </a:t>
-            </a:r>
-          </a:p>
-          <a:p>
-            <a:pPr>
-              <a:lnSpc>
-                <a:spcPct val="150000"/>
-              </a:lnSpc>
-            </a:pPr>
-            <a:r>
-              <a:rPr lang="en-US" sz="2400" b="1" kern="0" spc="-100" dirty="0">
-                <a:solidFill>
-                  <a:srgbClr val="000000"/>
-                </a:solidFill>
-                <a:latin typeface="맑은 고딕" panose="020B0503020000020004" pitchFamily="50" charset="-127"/>
-                <a:ea typeface="맑은 고딕" panose="020B0503020000020004" pitchFamily="50" charset="-127"/>
-                <a:cs typeface="Gmarket Sans Medium" pitchFamily="34" charset="0"/>
-              </a:rPr>
-              <a:t>- https://www.youtube.com/channel/UCV68qKnBcZ-LR5hWnzCRf_A/search?query=%EC%9B%B9 </a:t>
-            </a:r>
-          </a:p>
-          <a:p>
-            <a:pPr>
-              <a:lnSpc>
-                <a:spcPct val="150000"/>
-              </a:lnSpc>
-            </a:pPr>
-            <a:r>
-              <a:rPr lang="en-US" sz="2400" b="1" kern="0" spc="-100" dirty="0">
-                <a:solidFill>
-                  <a:srgbClr val="000000"/>
-                </a:solidFill>
-                <a:latin typeface="맑은 고딕" panose="020B0503020000020004" pitchFamily="50" charset="-127"/>
-                <a:ea typeface="맑은 고딕" panose="020B0503020000020004" pitchFamily="50" charset="-127"/>
-                <a:cs typeface="Gmarket Sans Medium" pitchFamily="34" charset="0"/>
-              </a:rPr>
-              <a:t>- https://github.com/kdi6033/arduino/tree/master/1-36-Arduino%2BHtml </a:t>
-            </a:r>
-          </a:p>
-          <a:p>
-            <a:endParaRPr lang="en-US" sz="2200" b="1" kern="0" spc="-100" dirty="0">
-              <a:solidFill>
-                <a:srgbClr val="000000"/>
-              </a:solidFill>
-              <a:latin typeface="맑은 고딕" panose="020B0503020000020004" pitchFamily="50" charset="-127"/>
-              <a:ea typeface="맑은 고딕" panose="020B0503020000020004" pitchFamily="50" charset="-127"/>
-              <a:cs typeface="Gmarket Sans Medium" pitchFamily="34" charset="0"/>
-            </a:endParaRPr>
-          </a:p>
-          <a:p>
-            <a:endParaRPr lang="en-US" sz="2200" b="1" kern="0" spc="-100" dirty="0">
-              <a:solidFill>
-                <a:srgbClr val="000000"/>
-              </a:solidFill>
-              <a:latin typeface="맑은 고딕" panose="020B0503020000020004" pitchFamily="50" charset="-127"/>
-              <a:ea typeface="맑은 고딕" panose="020B0503020000020004" pitchFamily="50" charset="-127"/>
-              <a:cs typeface="Gmarket Sans Medium" pitchFamily="34" charset="0"/>
-            </a:endParaRPr>
-          </a:p>
-          <a:p>
-            <a:endParaRPr lang="en-US" dirty="0">
-              <a:latin typeface="맑은 고딕" panose="020B0503020000020004" pitchFamily="50" charset="-127"/>
-              <a:ea typeface="맑은 고딕" panose="020B0503020000020004" pitchFamily="50" charset="-127"/>
-            </a:endParaRPr>
-          </a:p>
-        </p:txBody>
-      </p:sp>
-    </p:spTree>
-  </p:cSld>
-  <p:clrMapOvr>
-    <a:masterClrMapping/>
-  </p:clrMapOvr>
-</p:sld>
-</file>
-
 <file path=ppt/slides/slide2.xml><?xml version="1.0" encoding="utf-8"?>
 <p:sld xmlns:a="http://schemas.openxmlformats.org/drawingml/2006/main" xmlns:r="http://schemas.openxmlformats.org/officeDocument/2006/relationships" xmlns:p="http://schemas.openxmlformats.org/presentationml/2006/main">
   <p:cSld name="Slide 2">
@@ -5598,7 +5373,7 @@
         </p:nvSpPr>
         <p:spPr>
           <a:xfrm>
-            <a:off x="2789772" y="6012911"/>
+            <a:off x="2789772" y="5885646"/>
             <a:ext cx="5393990" cy="477054"/>
           </a:xfrm>
           <a:prstGeom prst="rect">
@@ -5799,7 +5574,7 @@
         </p:nvSpPr>
         <p:spPr>
           <a:xfrm>
-            <a:off x="6385772" y="5961549"/>
+            <a:off x="6385772" y="5834284"/>
             <a:ext cx="5393990" cy="477054"/>
           </a:xfrm>
           <a:prstGeom prst="rect">
@@ -6000,7 +5775,7 @@
         </p:nvSpPr>
         <p:spPr>
           <a:xfrm>
-            <a:off x="10101953" y="5910178"/>
+            <a:off x="10101953" y="5782913"/>
             <a:ext cx="5393990" cy="477054"/>
           </a:xfrm>
           <a:prstGeom prst="rect">
@@ -6201,8 +5976,8 @@
         </p:nvSpPr>
         <p:spPr>
           <a:xfrm>
-            <a:off x="6445859" y="6919610"/>
-            <a:ext cx="5393990" cy="2337884"/>
+            <a:off x="7304017" y="6857485"/>
+            <a:ext cx="3440183" cy="2337884"/>
           </a:xfrm>
           <a:prstGeom prst="rect">
             <a:avLst/>
@@ -6247,8 +6022,27 @@
                 <a:ea typeface="맑은 고딕" panose="020B0503020000020004" pitchFamily="50" charset="-127"/>
                 <a:cs typeface="Gmarket Sans Medium" pitchFamily="34" charset="0"/>
               </a:rPr>
-              <a:t>- API 데이터 파싱 </a:t>
-            </a:r>
+              <a:t>- GPS, API </a:t>
+            </a:r>
+            <a:r>
+              <a:rPr lang="ko-KR" altLang="en-US" sz="2500" kern="0" spc="-100" dirty="0">
+                <a:solidFill>
+                  <a:srgbClr val="000000"/>
+                </a:solidFill>
+                <a:latin typeface="맑은 고딕" panose="020B0503020000020004" pitchFamily="50" charset="-127"/>
+                <a:ea typeface="맑은 고딕" panose="020B0503020000020004" pitchFamily="50" charset="-127"/>
+                <a:cs typeface="Gmarket Sans Medium" pitchFamily="34" charset="0"/>
+              </a:rPr>
+              <a:t>데이터 파싱</a:t>
+            </a:r>
+            <a:endParaRPr lang="en-US" sz="2500" kern="0" spc="-100" dirty="0">
+              <a:solidFill>
+                <a:srgbClr val="000000"/>
+              </a:solidFill>
+              <a:latin typeface="맑은 고딕" panose="020B0503020000020004" pitchFamily="50" charset="-127"/>
+              <a:ea typeface="맑은 고딕" panose="020B0503020000020004" pitchFamily="50" charset="-127"/>
+              <a:cs typeface="Gmarket Sans Medium" pitchFamily="34" charset="0"/>
+            </a:endParaRPr>
           </a:p>
           <a:p>
             <a:pPr algn="ctr">
@@ -6265,8 +6059,49 @@
                 <a:ea typeface="맑은 고딕" panose="020B0503020000020004" pitchFamily="50" charset="-127"/>
                 <a:cs typeface="Gmarket Sans Medium" pitchFamily="34" charset="0"/>
               </a:rPr>
-              <a:t>- 웹 서버 연동</a:t>
-            </a:r>
+              <a:t>- 웹 </a:t>
+            </a:r>
+            <a:r>
+              <a:rPr lang="en-US" sz="2500" kern="0" spc="-100" dirty="0" err="1">
+                <a:solidFill>
+                  <a:srgbClr val="000000"/>
+                </a:solidFill>
+                <a:latin typeface="맑은 고딕" panose="020B0503020000020004" pitchFamily="50" charset="-127"/>
+                <a:ea typeface="맑은 고딕" panose="020B0503020000020004" pitchFamily="50" charset="-127"/>
+                <a:cs typeface="Gmarket Sans Medium" pitchFamily="34" charset="0"/>
+              </a:rPr>
+              <a:t>서버</a:t>
+            </a:r>
+            <a:r>
+              <a:rPr lang="en-US" sz="2500" kern="0" spc="-100" dirty="0">
+                <a:solidFill>
+                  <a:srgbClr val="000000"/>
+                </a:solidFill>
+                <a:latin typeface="맑은 고딕" panose="020B0503020000020004" pitchFamily="50" charset="-127"/>
+                <a:ea typeface="맑은 고딕" panose="020B0503020000020004" pitchFamily="50" charset="-127"/>
+                <a:cs typeface="Gmarket Sans Medium" pitchFamily="34" charset="0"/>
+              </a:rPr>
+              <a:t> </a:t>
+            </a:r>
+            <a:r>
+              <a:rPr lang="ko-KR" altLang="en-US" sz="2500" kern="0" spc="-100" dirty="0">
+                <a:solidFill>
+                  <a:srgbClr val="000000"/>
+                </a:solidFill>
+                <a:latin typeface="맑은 고딕" panose="020B0503020000020004" pitchFamily="50" charset="-127"/>
+                <a:ea typeface="맑은 고딕" panose="020B0503020000020004" pitchFamily="50" charset="-127"/>
+                <a:cs typeface="Gmarket Sans Medium" pitchFamily="34" charset="0"/>
+              </a:rPr>
+              <a:t>설계</a:t>
+            </a:r>
+            <a:endParaRPr lang="en-US" sz="2500" kern="0" spc="-100" dirty="0">
+              <a:solidFill>
+                <a:srgbClr val="000000"/>
+              </a:solidFill>
+              <a:latin typeface="맑은 고딕" panose="020B0503020000020004" pitchFamily="50" charset="-127"/>
+              <a:ea typeface="맑은 고딕" panose="020B0503020000020004" pitchFamily="50" charset="-127"/>
+              <a:cs typeface="Gmarket Sans Medium" pitchFamily="34" charset="0"/>
+            </a:endParaRPr>
           </a:p>
           <a:p>
             <a:pPr algn="ctr">
@@ -6283,7 +6118,40 @@
                 <a:ea typeface="맑은 고딕" panose="020B0503020000020004" pitchFamily="50" charset="-127"/>
                 <a:cs typeface="Gmarket Sans Medium" pitchFamily="34" charset="0"/>
               </a:rPr>
-              <a:t>- 디스플레이 출력</a:t>
+              <a:t>- </a:t>
+            </a:r>
+            <a:r>
+              <a:rPr lang="en-US" sz="2500" kern="0" spc="-100" dirty="0" err="1">
+                <a:solidFill>
+                  <a:srgbClr val="000000"/>
+                </a:solidFill>
+                <a:latin typeface="맑은 고딕" panose="020B0503020000020004" pitchFamily="50" charset="-127"/>
+                <a:ea typeface="맑은 고딕" panose="020B0503020000020004" pitchFamily="50" charset="-127"/>
+                <a:cs typeface="Gmarket Sans Medium" pitchFamily="34" charset="0"/>
+              </a:rPr>
+              <a:t>디스플레이</a:t>
+            </a:r>
+            <a:r>
+              <a:rPr lang="en-US" sz="2500" kern="0" spc="-100" dirty="0">
+                <a:solidFill>
+                  <a:srgbClr val="000000"/>
+                </a:solidFill>
+                <a:latin typeface="맑은 고딕" panose="020B0503020000020004" pitchFamily="50" charset="-127"/>
+                <a:ea typeface="맑은 고딕" panose="020B0503020000020004" pitchFamily="50" charset="-127"/>
+                <a:cs typeface="Gmarket Sans Medium" pitchFamily="34" charset="0"/>
+              </a:rPr>
+              <a:t> </a:t>
+            </a:r>
+            <a:r>
+              <a:rPr lang="ko-KR" altLang="en-US" sz="2500" kern="0" spc="-100" dirty="0">
+                <a:solidFill>
+                  <a:srgbClr val="000000"/>
+                </a:solidFill>
+                <a:latin typeface="맑은 고딕" panose="020B0503020000020004" pitchFamily="50" charset="-127"/>
+                <a:ea typeface="맑은 고딕" panose="020B0503020000020004" pitchFamily="50" charset="-127"/>
+                <a:cs typeface="Gmarket Sans Medium" pitchFamily="34" charset="0"/>
+              </a:rPr>
+              <a:t>구현</a:t>
             </a:r>
             <a:endParaRPr lang="en-US" dirty="0">
               <a:latin typeface="맑은 고딕" panose="020B0503020000020004" pitchFamily="50" charset="-127"/>
@@ -6301,7 +6169,7 @@
         <p:spPr>
           <a:xfrm>
             <a:off x="2789772" y="6919614"/>
-            <a:ext cx="5393990" cy="1183722"/>
+            <a:ext cx="5393990" cy="1749197"/>
           </a:xfrm>
           <a:prstGeom prst="rect">
             <a:avLst/>
@@ -6328,8 +6196,49 @@
                 <a:ea typeface="맑은 고딕" panose="020B0503020000020004" pitchFamily="50" charset="-127"/>
                 <a:cs typeface="Gmarket Sans Medium" pitchFamily="34" charset="0"/>
               </a:rPr>
-              <a:t>- 프로젝트 목표</a:t>
-            </a:r>
+              <a:t>- </a:t>
+            </a:r>
+            <a:r>
+              <a:rPr lang="en-US" sz="2500" kern="0" spc="-100" dirty="0" err="1">
+                <a:solidFill>
+                  <a:srgbClr val="000000"/>
+                </a:solidFill>
+                <a:latin typeface="맑은 고딕" panose="020B0503020000020004" pitchFamily="50" charset="-127"/>
+                <a:ea typeface="맑은 고딕" panose="020B0503020000020004" pitchFamily="50" charset="-127"/>
+                <a:cs typeface="Gmarket Sans Medium" pitchFamily="34" charset="0"/>
+              </a:rPr>
+              <a:t>프로젝트</a:t>
+            </a:r>
+            <a:r>
+              <a:rPr lang="en-US" sz="2500" kern="0" spc="-100" dirty="0">
+                <a:solidFill>
+                  <a:srgbClr val="000000"/>
+                </a:solidFill>
+                <a:latin typeface="맑은 고딕" panose="020B0503020000020004" pitchFamily="50" charset="-127"/>
+                <a:ea typeface="맑은 고딕" panose="020B0503020000020004" pitchFamily="50" charset="-127"/>
+                <a:cs typeface="Gmarket Sans Medium" pitchFamily="34" charset="0"/>
+              </a:rPr>
+              <a:t> </a:t>
+            </a:r>
+            <a:r>
+              <a:rPr lang="ko-KR" altLang="en-US" sz="2500" kern="0" spc="-100" dirty="0">
+                <a:solidFill>
+                  <a:srgbClr val="000000"/>
+                </a:solidFill>
+                <a:latin typeface="맑은 고딕" panose="020B0503020000020004" pitchFamily="50" charset="-127"/>
+                <a:ea typeface="맑은 고딕" panose="020B0503020000020004" pitchFamily="50" charset="-127"/>
+                <a:cs typeface="Gmarket Sans Medium" pitchFamily="34" charset="0"/>
+              </a:rPr>
+              <a:t>목표</a:t>
+            </a:r>
+            <a:endParaRPr lang="en-US" altLang="ko-KR" sz="2500" kern="0" spc="-100" dirty="0">
+              <a:solidFill>
+                <a:srgbClr val="000000"/>
+              </a:solidFill>
+              <a:latin typeface="맑은 고딕" panose="020B0503020000020004" pitchFamily="50" charset="-127"/>
+              <a:ea typeface="맑은 고딕" panose="020B0503020000020004" pitchFamily="50" charset="-127"/>
+              <a:cs typeface="Gmarket Sans Medium" pitchFamily="34" charset="0"/>
+            </a:endParaRPr>
           </a:p>
           <a:p>
             <a:pPr algn="ctr">
@@ -6346,7 +6255,43 @@
                 <a:ea typeface="맑은 고딕" panose="020B0503020000020004" pitchFamily="50" charset="-127"/>
                 <a:cs typeface="Gmarket Sans Medium" pitchFamily="34" charset="0"/>
               </a:rPr>
-              <a:t>- 기대효과 &amp; 활용방안</a:t>
+              <a:t>- </a:t>
+            </a:r>
+            <a:r>
+              <a:rPr lang="ko-KR" altLang="en-US" sz="2500" kern="0" spc="-100" dirty="0">
+                <a:solidFill>
+                  <a:srgbClr val="000000"/>
+                </a:solidFill>
+                <a:latin typeface="맑은 고딕" panose="020B0503020000020004" pitchFamily="50" charset="-127"/>
+                <a:ea typeface="맑은 고딕" panose="020B0503020000020004" pitchFamily="50" charset="-127"/>
+                <a:cs typeface="Gmarket Sans Medium" pitchFamily="34" charset="0"/>
+              </a:rPr>
+              <a:t>프로젝트 역할 분담</a:t>
+            </a:r>
+            <a:endParaRPr lang="en-US" altLang="ko-KR" sz="2500" kern="0" spc="-100" dirty="0">
+              <a:solidFill>
+                <a:srgbClr val="000000"/>
+              </a:solidFill>
+              <a:latin typeface="맑은 고딕" panose="020B0503020000020004" pitchFamily="50" charset="-127"/>
+              <a:ea typeface="맑은 고딕" panose="020B0503020000020004" pitchFamily="50" charset="-127"/>
+              <a:cs typeface="Gmarket Sans Medium" pitchFamily="34" charset="0"/>
+            </a:endParaRPr>
+          </a:p>
+          <a:p>
+            <a:pPr algn="ctr">
+              <a:lnSpc>
+                <a:spcPct val="150000"/>
+              </a:lnSpc>
+            </a:pPr>
+            <a:r>
+              <a:rPr lang="ko-KR" altLang="en-US" sz="2500" kern="0" spc="-100" dirty="0">
+                <a:solidFill>
+                  <a:srgbClr val="000000"/>
+                </a:solidFill>
+                <a:latin typeface="맑은 고딕" panose="020B0503020000020004" pitchFamily="50" charset="-127"/>
+                <a:ea typeface="맑은 고딕" panose="020B0503020000020004" pitchFamily="50" charset="-127"/>
+              </a:rPr>
+              <a:t>및 수행사항</a:t>
             </a:r>
             <a:endParaRPr lang="en-US" dirty="0">
               <a:latin typeface="맑은 고딕" panose="020B0503020000020004" pitchFamily="50" charset="-127"/>
@@ -6363,8 +6308,8 @@
         </p:nvSpPr>
         <p:spPr>
           <a:xfrm>
-            <a:off x="10101953" y="6919616"/>
-            <a:ext cx="5393990" cy="1183722"/>
+            <a:off x="10702450" y="6877337"/>
+            <a:ext cx="4187841" cy="1172116"/>
           </a:xfrm>
           <a:prstGeom prst="rect">
             <a:avLst/>
@@ -6383,16 +6328,35 @@
               </a:lnSpc>
             </a:pPr>
             <a:r>
-              <a:rPr lang="en-US" sz="2500" kern="0" spc="-100" dirty="0">
-                <a:solidFill>
-                  <a:srgbClr val="000000"/>
-                </a:solidFill>
-                <a:latin typeface="맑은 고딕" panose="020B0503020000020004" pitchFamily="50" charset="-127"/>
-                <a:ea typeface="맑은 고딕" panose="020B0503020000020004" pitchFamily="50" charset="-127"/>
-                <a:cs typeface="Gmarket Sans Medium" pitchFamily="34" charset="0"/>
-              </a:rPr>
-              <a:t>- 프로젝트 실행 결과</a:t>
-            </a:r>
+              <a:rPr lang="en-US" altLang="ko-KR" sz="2500" kern="0" spc="-100" dirty="0">
+                <a:solidFill>
+                  <a:srgbClr val="000000"/>
+                </a:solidFill>
+                <a:latin typeface="맑은 고딕" panose="020B0503020000020004" pitchFamily="50" charset="-127"/>
+                <a:ea typeface="맑은 고딕" panose="020B0503020000020004" pitchFamily="50" charset="-127"/>
+                <a:cs typeface="Gmarket Sans Medium" pitchFamily="34" charset="0"/>
+              </a:rPr>
+              <a:t>- </a:t>
+            </a:r>
+            <a:r>
+              <a:rPr lang="ko-KR" altLang="en-US" sz="2500" kern="0" spc="-100" dirty="0">
+                <a:solidFill>
+                  <a:srgbClr val="000000"/>
+                </a:solidFill>
+                <a:latin typeface="맑은 고딕" panose="020B0503020000020004" pitchFamily="50" charset="-127"/>
+                <a:ea typeface="맑은 고딕" panose="020B0503020000020004" pitchFamily="50" charset="-127"/>
+                <a:cs typeface="Gmarket Sans Medium" pitchFamily="34" charset="0"/>
+              </a:rPr>
+              <a:t>프로젝트 시연 동영상</a:t>
+            </a:r>
+            <a:endParaRPr lang="en-US" sz="2500" kern="0" spc="-100" dirty="0">
+              <a:solidFill>
+                <a:srgbClr val="000000"/>
+              </a:solidFill>
+              <a:latin typeface="맑은 고딕" panose="020B0503020000020004" pitchFamily="50" charset="-127"/>
+              <a:ea typeface="맑은 고딕" panose="020B0503020000020004" pitchFamily="50" charset="-127"/>
+              <a:cs typeface="Gmarket Sans Medium" pitchFamily="34" charset="0"/>
+            </a:endParaRPr>
           </a:p>
           <a:p>
             <a:pPr algn="ctr">
@@ -6409,9 +6373,64 @@
                 <a:ea typeface="맑은 고딕" panose="020B0503020000020004" pitchFamily="50" charset="-127"/>
                 <a:cs typeface="Gmarket Sans Medium" pitchFamily="34" charset="0"/>
               </a:rPr>
-              <a:t>- 아쉬웠던 점 &amp; 느낀점</a:t>
-            </a:r>
-            <a:endParaRPr lang="en-US" dirty="0">
+              <a:t>- </a:t>
+            </a:r>
+            <a:r>
+              <a:rPr lang="en-US" sz="2500" kern="0" spc="-100" dirty="0" err="1">
+                <a:solidFill>
+                  <a:srgbClr val="000000"/>
+                </a:solidFill>
+                <a:latin typeface="맑은 고딕" panose="020B0503020000020004" pitchFamily="50" charset="-127"/>
+                <a:ea typeface="맑은 고딕" panose="020B0503020000020004" pitchFamily="50" charset="-127"/>
+                <a:cs typeface="Gmarket Sans Medium" pitchFamily="34" charset="0"/>
+              </a:rPr>
+              <a:t>프로젝트</a:t>
+            </a:r>
+            <a:r>
+              <a:rPr lang="en-US" sz="2500" kern="0" spc="-100" dirty="0">
+                <a:solidFill>
+                  <a:srgbClr val="000000"/>
+                </a:solidFill>
+                <a:latin typeface="맑은 고딕" panose="020B0503020000020004" pitchFamily="50" charset="-127"/>
+                <a:ea typeface="맑은 고딕" panose="020B0503020000020004" pitchFamily="50" charset="-127"/>
+                <a:cs typeface="Gmarket Sans Medium" pitchFamily="34" charset="0"/>
+              </a:rPr>
+              <a:t> </a:t>
+            </a:r>
+            <a:r>
+              <a:rPr lang="en-US" sz="2500" kern="0" spc="-100" dirty="0" err="1">
+                <a:solidFill>
+                  <a:srgbClr val="000000"/>
+                </a:solidFill>
+                <a:latin typeface="맑은 고딕" panose="020B0503020000020004" pitchFamily="50" charset="-127"/>
+                <a:ea typeface="맑은 고딕" panose="020B0503020000020004" pitchFamily="50" charset="-127"/>
+                <a:cs typeface="Gmarket Sans Medium" pitchFamily="34" charset="0"/>
+              </a:rPr>
+              <a:t>결과</a:t>
+            </a:r>
+            <a:r>
+              <a:rPr lang="en-US" sz="2500" kern="0" spc="-100" dirty="0">
+                <a:solidFill>
+                  <a:srgbClr val="000000"/>
+                </a:solidFill>
+                <a:latin typeface="맑은 고딕" panose="020B0503020000020004" pitchFamily="50" charset="-127"/>
+                <a:ea typeface="맑은 고딕" panose="020B0503020000020004" pitchFamily="50" charset="-127"/>
+                <a:cs typeface="Gmarket Sans Medium" pitchFamily="34" charset="0"/>
+              </a:rPr>
+              <a:t> </a:t>
+            </a:r>
+            <a:r>
+              <a:rPr lang="ko-KR" altLang="en-US" sz="2500" kern="0" spc="-100" dirty="0">
+                <a:solidFill>
+                  <a:srgbClr val="000000"/>
+                </a:solidFill>
+                <a:latin typeface="맑은 고딕" panose="020B0503020000020004" pitchFamily="50" charset="-127"/>
+                <a:ea typeface="맑은 고딕" panose="020B0503020000020004" pitchFamily="50" charset="-127"/>
+                <a:cs typeface="Gmarket Sans Medium" pitchFamily="34" charset="0"/>
+              </a:rPr>
+              <a:t>및 분석</a:t>
+            </a:r>
+            <a:endParaRPr lang="en-US" altLang="ko-KR" sz="2800" dirty="0">
               <a:latin typeface="맑은 고딕" panose="020B0503020000020004" pitchFamily="50" charset="-127"/>
               <a:ea typeface="맑은 고딕" panose="020B0503020000020004" pitchFamily="50" charset="-127"/>
             </a:endParaRPr>
@@ -6474,7 +6493,7 @@
             <p:nvPr/>
           </p:nvPicPr>
           <p:blipFill>
-            <a:blip r:embed="rId2" cstate="print"/>
+            <a:blip r:embed="rId3" cstate="print"/>
             <a:stretch>
               <a:fillRect/>
             </a:stretch>
@@ -6553,7 +6572,7 @@
             <p:nvPr/>
           </p:nvPicPr>
           <p:blipFill>
-            <a:blip r:embed="rId3" cstate="print"/>
+            <a:blip r:embed="rId4" cstate="print"/>
             <a:stretch>
               <a:fillRect/>
             </a:stretch>
@@ -6715,7 +6734,7 @@
             <p:nvPr/>
           </p:nvPicPr>
           <p:blipFill>
-            <a:blip r:embed="rId4" cstate="print"/>
+            <a:blip r:embed="rId5" cstate="print"/>
             <a:stretch>
               <a:fillRect/>
             </a:stretch>
@@ -6740,7 +6759,7 @@
         <p:spPr>
           <a:xfrm>
             <a:off x="1272302" y="1902279"/>
-            <a:ext cx="9838949" cy="7755969"/>
+            <a:ext cx="10060981" cy="7109639"/>
           </a:xfrm>
           <a:prstGeom prst="rect">
             <a:avLst/>
@@ -6754,6 +6773,17 @@
           <a:lstStyle/>
           <a:p>
             <a:r>
+              <a:rPr lang="en-US" sz="5100" b="1" kern="0" spc="-200" dirty="0" err="1">
+                <a:solidFill>
+                  <a:srgbClr val="000000"/>
+                </a:solidFill>
+                <a:latin typeface="맑은 고딕" panose="020B0503020000020004" pitchFamily="50" charset="-127"/>
+                <a:ea typeface="맑은 고딕" panose="020B0503020000020004" pitchFamily="50" charset="-127"/>
+                <a:cs typeface="Gmarket Sans Medium" pitchFamily="34" charset="0"/>
+              </a:rPr>
+              <a:t>프로젝트</a:t>
+            </a:r>
+            <a:r>
               <a:rPr lang="en-US" sz="5100" b="1" kern="0" spc="-200" dirty="0">
                 <a:solidFill>
                   <a:srgbClr val="000000"/>
@@ -6762,10 +6792,19 @@
                 <a:ea typeface="맑은 고딕" panose="020B0503020000020004" pitchFamily="50" charset="-127"/>
                 <a:cs typeface="Gmarket Sans Medium" pitchFamily="34" charset="0"/>
               </a:rPr>
-              <a:t>프로젝트 목표</a:t>
-            </a:r>
-          </a:p>
-          <a:p>
+              <a:t> </a:t>
+            </a:r>
+            <a:r>
+              <a:rPr lang="ko-KR" altLang="en-US" sz="5100" b="1" kern="0" spc="-200" dirty="0">
+                <a:solidFill>
+                  <a:srgbClr val="000000"/>
+                </a:solidFill>
+                <a:latin typeface="맑은 고딕" panose="020B0503020000020004" pitchFamily="50" charset="-127"/>
+                <a:ea typeface="맑은 고딕" panose="020B0503020000020004" pitchFamily="50" charset="-127"/>
+                <a:cs typeface="Gmarket Sans Medium" pitchFamily="34" charset="0"/>
+              </a:rPr>
+              <a:t>목표</a:t>
+            </a:r>
             <a:endParaRPr lang="en-US" sz="5100" b="1" kern="0" spc="-200" dirty="0">
               <a:solidFill>
                 <a:srgbClr val="000000"/>
@@ -6776,48 +6815,7 @@
             </a:endParaRPr>
           </a:p>
           <a:p>
-            <a:pPr>
-              <a:lnSpc>
-                <a:spcPct val="150000"/>
-              </a:lnSpc>
-            </a:pPr>
-            <a:r>
-              <a:rPr lang="en-US" sz="2800" kern="0" spc="-100" dirty="0">
-                <a:solidFill>
-                  <a:srgbClr val="000000"/>
-                </a:solidFill>
-                <a:latin typeface="맑은 고딕" panose="020B0503020000020004" pitchFamily="50" charset="-127"/>
-                <a:ea typeface="맑은 고딕" panose="020B0503020000020004" pitchFamily="50" charset="-127"/>
-                <a:cs typeface="Gmarket Sans Medium" pitchFamily="34" charset="0"/>
-              </a:rPr>
-              <a:t>버스정보포털에 공공데이터를 가공하여 사용자가 직관적으로 </a:t>
-            </a:r>
-          </a:p>
-          <a:p>
-            <a:pPr>
-              <a:lnSpc>
-                <a:spcPct val="150000"/>
-              </a:lnSpc>
-            </a:pPr>
-            <a:r>
-              <a:rPr lang="en-US" sz="2800" kern="0" spc="-100" dirty="0">
-                <a:solidFill>
-                  <a:srgbClr val="000000"/>
-                </a:solidFill>
-                <a:latin typeface="맑은 고딕" panose="020B0503020000020004" pitchFamily="50" charset="-127"/>
-                <a:ea typeface="맑은 고딕" panose="020B0503020000020004" pitchFamily="50" charset="-127"/>
-                <a:cs typeface="Gmarket Sans Medium" pitchFamily="34" charset="0"/>
-              </a:rPr>
-              <a:t>이해할 수 있도록하는 버스정보시스템을 구현한다.</a:t>
-            </a:r>
-          </a:p>
-          <a:p>
-            <a:pPr>
-              <a:lnSpc>
-                <a:spcPct val="150000"/>
-              </a:lnSpc>
-            </a:pPr>
-            <a:endParaRPr lang="en-US" sz="2800" kern="0" spc="-100" dirty="0">
+            <a:endParaRPr lang="en-US" sz="5100" b="1" kern="0" spc="-200" dirty="0">
               <a:solidFill>
                 <a:srgbClr val="000000"/>
               </a:solidFill>
@@ -6827,109 +6825,310 @@
             </a:endParaRPr>
           </a:p>
           <a:p>
-            <a:pPr>
+            <a:pPr marL="0" marR="0" indent="0" algn="just" fontAlgn="base" latinLnBrk="1">
               <a:lnSpc>
-                <a:spcPct val="150000"/>
+                <a:spcPct val="200000"/>
               </a:lnSpc>
+              <a:spcBef>
+                <a:spcPts val="0"/>
+              </a:spcBef>
+              <a:spcAft>
+                <a:spcPts val="0"/>
+              </a:spcAft>
             </a:pPr>
             <a:r>
-              <a:rPr lang="en-US" sz="2800" kern="0" spc="-100" dirty="0">
-                <a:solidFill>
-                  <a:srgbClr val="000000"/>
-                </a:solidFill>
-                <a:latin typeface="맑은 고딕" panose="020B0503020000020004" pitchFamily="50" charset="-127"/>
-                <a:ea typeface="맑은 고딕" panose="020B0503020000020004" pitchFamily="50" charset="-127"/>
-                <a:cs typeface="Gmarket Sans Medium" pitchFamily="34" charset="0"/>
-              </a:rPr>
-              <a:t>아두이노(12E)와, OLED모듈, WIFI모듈을 이용하여 회로도를 </a:t>
-            </a:r>
-          </a:p>
-          <a:p>
-            <a:pPr>
+              <a:rPr lang="ko-KR" altLang="en-US" sz="2400" kern="0" spc="0" dirty="0">
+                <a:solidFill>
+                  <a:srgbClr val="000000"/>
+                </a:solidFill>
+                <a:effectLst/>
+                <a:latin typeface="맑은 고딕" panose="020B0503020000020004" pitchFamily="50" charset="-127"/>
+                <a:ea typeface="맑은 고딕" panose="020B0503020000020004" pitchFamily="50" charset="-127"/>
+              </a:rPr>
+              <a:t>일상에서 사용하는 버스전광판의 불편함을 해소하고</a:t>
+            </a:r>
+            <a:r>
+              <a:rPr lang="en-US" altLang="ko-KR" sz="2400" kern="0" spc="0" dirty="0">
+                <a:solidFill>
+                  <a:srgbClr val="000000"/>
+                </a:solidFill>
+                <a:effectLst/>
+                <a:latin typeface="맑은 고딕" panose="020B0503020000020004" pitchFamily="50" charset="-127"/>
+                <a:ea typeface="맑은 고딕" panose="020B0503020000020004" pitchFamily="50" charset="-127"/>
+              </a:rPr>
+              <a:t>, </a:t>
+            </a:r>
+            <a:r>
+              <a:rPr lang="ko-KR" altLang="en-US" sz="2400" kern="0" spc="0" dirty="0">
+                <a:solidFill>
+                  <a:srgbClr val="000000"/>
+                </a:solidFill>
+                <a:effectLst/>
+                <a:latin typeface="맑은 고딕" panose="020B0503020000020004" pitchFamily="50" charset="-127"/>
+                <a:ea typeface="맑은 고딕" panose="020B0503020000020004" pitchFamily="50" charset="-127"/>
+              </a:rPr>
+              <a:t>좀 더 편리하게 </a:t>
+            </a:r>
+            <a:endParaRPr lang="en-US" altLang="ko-KR" sz="2400" kern="0" spc="0" dirty="0">
+              <a:solidFill>
+                <a:srgbClr val="000000"/>
+              </a:solidFill>
+              <a:effectLst/>
+              <a:latin typeface="맑은 고딕" panose="020B0503020000020004" pitchFamily="50" charset="-127"/>
+              <a:ea typeface="맑은 고딕" panose="020B0503020000020004" pitchFamily="50" charset="-127"/>
+            </a:endParaRPr>
+          </a:p>
+          <a:p>
+            <a:pPr marL="0" marR="0" indent="0" algn="just" fontAlgn="base" latinLnBrk="1">
               <a:lnSpc>
-                <a:spcPct val="150000"/>
+                <a:spcPct val="200000"/>
               </a:lnSpc>
+              <a:spcBef>
+                <a:spcPts val="0"/>
+              </a:spcBef>
+              <a:spcAft>
+                <a:spcPts val="0"/>
+              </a:spcAft>
             </a:pPr>
             <a:r>
-              <a:rPr lang="en-US" sz="2800" kern="0" spc="-100" dirty="0">
-                <a:solidFill>
-                  <a:srgbClr val="000000"/>
-                </a:solidFill>
-                <a:latin typeface="맑은 고딕" panose="020B0503020000020004" pitchFamily="50" charset="-127"/>
-                <a:ea typeface="맑은 고딕" panose="020B0503020000020004" pitchFamily="50" charset="-127"/>
-                <a:cs typeface="Gmarket Sans Medium" pitchFamily="34" charset="0"/>
-              </a:rPr>
-              <a:t>구성하고 실시간 버스정보를 받아오는 시스템을 구성한다.</a:t>
-            </a:r>
-          </a:p>
-          <a:p>
-            <a:pPr>
-              <a:lnSpc>
-                <a:spcPct val="150000"/>
-              </a:lnSpc>
-            </a:pPr>
-            <a:endParaRPr lang="en-US" sz="2800" kern="0" spc="-100" dirty="0">
+              <a:rPr lang="ko-KR" altLang="en-US" sz="2400" kern="0" spc="0" dirty="0">
+                <a:solidFill>
+                  <a:srgbClr val="000000"/>
+                </a:solidFill>
+                <a:effectLst/>
+                <a:latin typeface="맑은 고딕" panose="020B0503020000020004" pitchFamily="50" charset="-127"/>
+                <a:ea typeface="맑은 고딕" panose="020B0503020000020004" pitchFamily="50" charset="-127"/>
+              </a:rPr>
+              <a:t>버스 정보를 확인 할 수 있도록 구현하는 프로젝트를 구상했다</a:t>
+            </a:r>
+            <a:r>
+              <a:rPr lang="en-US" altLang="ko-KR" sz="2400" kern="0" spc="0" dirty="0">
+                <a:solidFill>
+                  <a:srgbClr val="000000"/>
+                </a:solidFill>
+                <a:effectLst/>
+                <a:latin typeface="맑은 고딕" panose="020B0503020000020004" pitchFamily="50" charset="-127"/>
+                <a:ea typeface="맑은 고딕" panose="020B0503020000020004" pitchFamily="50" charset="-127"/>
+              </a:rPr>
+              <a:t>. </a:t>
+            </a:r>
+            <a:endParaRPr lang="en-US" altLang="ko-KR" sz="2400" kern="0" dirty="0">
               <a:solidFill>
                 <a:srgbClr val="000000"/>
               </a:solidFill>
               <a:latin typeface="맑은 고딕" panose="020B0503020000020004" pitchFamily="50" charset="-127"/>
               <a:ea typeface="맑은 고딕" panose="020B0503020000020004" pitchFamily="50" charset="-127"/>
-              <a:cs typeface="Gmarket Sans Medium" pitchFamily="34" charset="0"/>
             </a:endParaRPr>
           </a:p>
           <a:p>
-            <a:pPr>
+            <a:pPr marL="0" marR="0" indent="0" algn="just" fontAlgn="base" latinLnBrk="1">
+              <a:spcBef>
+                <a:spcPts val="0"/>
+              </a:spcBef>
+              <a:spcAft>
+                <a:spcPts val="0"/>
+              </a:spcAft>
+            </a:pPr>
+            <a:endParaRPr lang="en-US" altLang="ko-KR" sz="2400" kern="0" spc="0" dirty="0">
+              <a:solidFill>
+                <a:srgbClr val="000000"/>
+              </a:solidFill>
+              <a:effectLst/>
+              <a:latin typeface="맑은 고딕" panose="020B0503020000020004" pitchFamily="50" charset="-127"/>
+              <a:ea typeface="맑은 고딕" panose="020B0503020000020004" pitchFamily="50" charset="-127"/>
+            </a:endParaRPr>
+          </a:p>
+          <a:p>
+            <a:pPr marL="0" marR="0" indent="0" algn="just" fontAlgn="base" latinLnBrk="1">
               <a:lnSpc>
-                <a:spcPct val="150000"/>
+                <a:spcPct val="200000"/>
               </a:lnSpc>
+              <a:spcBef>
+                <a:spcPts val="0"/>
+              </a:spcBef>
+              <a:spcAft>
+                <a:spcPts val="0"/>
+              </a:spcAft>
             </a:pPr>
             <a:r>
-              <a:rPr lang="en-US" sz="2800" kern="0" spc="-100" dirty="0">
-                <a:solidFill>
-                  <a:srgbClr val="000000"/>
-                </a:solidFill>
-                <a:latin typeface="맑은 고딕" panose="020B0503020000020004" pitchFamily="50" charset="-127"/>
-                <a:ea typeface="맑은 고딕" panose="020B0503020000020004" pitchFamily="50" charset="-127"/>
-                <a:cs typeface="Gmarket Sans Medium" pitchFamily="34" charset="0"/>
-              </a:rPr>
-              <a:t>아두이노로부터 받아온 데이터를 파싱하는 작업을 구현하고 </a:t>
-            </a:r>
-          </a:p>
-          <a:p>
-            <a:pPr>
+              <a:rPr lang="ko-KR" altLang="en-US" sz="2400" kern="0" spc="0" dirty="0">
+                <a:solidFill>
+                  <a:srgbClr val="000000"/>
+                </a:solidFill>
+                <a:effectLst/>
+                <a:latin typeface="맑은 고딕" panose="020B0503020000020004" pitchFamily="50" charset="-127"/>
+                <a:ea typeface="맑은 고딕" panose="020B0503020000020004" pitchFamily="50" charset="-127"/>
+              </a:rPr>
+              <a:t>현재 사용자가 위치한 가장 가까운 버스정류장에 해당하는 버스 현황</a:t>
+            </a:r>
+            <a:r>
+              <a:rPr lang="en-US" altLang="ko-KR" sz="2400" kern="0" spc="0" dirty="0">
+                <a:solidFill>
+                  <a:srgbClr val="000000"/>
+                </a:solidFill>
+                <a:effectLst/>
+                <a:latin typeface="맑은 고딕" panose="020B0503020000020004" pitchFamily="50" charset="-127"/>
+                <a:ea typeface="맑은 고딕" panose="020B0503020000020004" pitchFamily="50" charset="-127"/>
+              </a:rPr>
+              <a:t>, </a:t>
+            </a:r>
+          </a:p>
+          <a:p>
+            <a:pPr marL="0" marR="0" indent="0" algn="just" fontAlgn="base" latinLnBrk="1">
               <a:lnSpc>
-                <a:spcPct val="150000"/>
+                <a:spcPct val="200000"/>
               </a:lnSpc>
+              <a:spcBef>
+                <a:spcPts val="0"/>
+              </a:spcBef>
+              <a:spcAft>
+                <a:spcPts val="0"/>
+              </a:spcAft>
             </a:pPr>
             <a:r>
-              <a:rPr lang="en-US" sz="2800" kern="0" spc="-100" dirty="0">
-                <a:solidFill>
-                  <a:srgbClr val="000000"/>
-                </a:solidFill>
-                <a:latin typeface="맑은 고딕" panose="020B0503020000020004" pitchFamily="50" charset="-127"/>
-                <a:ea typeface="맑은 고딕" panose="020B0503020000020004" pitchFamily="50" charset="-127"/>
-                <a:cs typeface="Gmarket Sans Medium" pitchFamily="34" charset="0"/>
-              </a:rPr>
-              <a:t>웹페이지 상에 간략한 정보를 보여주는 탭을 구성한다.</a:t>
-            </a:r>
-          </a:p>
-          <a:p>
-            <a:pPr>
+              <a:rPr lang="ko-KR" altLang="en-US" sz="2400" kern="0" spc="0" dirty="0">
+                <a:solidFill>
+                  <a:srgbClr val="000000"/>
+                </a:solidFill>
+                <a:effectLst/>
+                <a:latin typeface="맑은 고딕" panose="020B0503020000020004" pitchFamily="50" charset="-127"/>
+                <a:ea typeface="맑은 고딕" panose="020B0503020000020004" pitchFamily="50" charset="-127"/>
+              </a:rPr>
+              <a:t>배차 </a:t>
+            </a:r>
+            <a:r>
+              <a:rPr lang="ko-KR" altLang="en-US" sz="2400" kern="0" spc="0" dirty="0" err="1">
+                <a:solidFill>
+                  <a:srgbClr val="000000"/>
+                </a:solidFill>
+                <a:effectLst/>
+                <a:latin typeface="맑은 고딕" panose="020B0503020000020004" pitchFamily="50" charset="-127"/>
+                <a:ea typeface="맑은 고딕" panose="020B0503020000020004" pitchFamily="50" charset="-127"/>
+              </a:rPr>
+              <a:t>시간등을</a:t>
+            </a:r>
+            <a:r>
+              <a:rPr lang="ko-KR" altLang="en-US" sz="2400" kern="0" spc="0" dirty="0">
+                <a:solidFill>
+                  <a:srgbClr val="000000"/>
+                </a:solidFill>
+                <a:effectLst/>
+                <a:latin typeface="맑은 고딕" panose="020B0503020000020004" pitchFamily="50" charset="-127"/>
+                <a:ea typeface="맑은 고딕" panose="020B0503020000020004" pitchFamily="50" charset="-127"/>
+              </a:rPr>
+              <a:t> 한 눈에 알 수 있는 시스템을 만든다</a:t>
+            </a:r>
+            <a:r>
+              <a:rPr lang="en-US" altLang="ko-KR" sz="2400" kern="0" spc="0" dirty="0">
+                <a:solidFill>
+                  <a:srgbClr val="000000"/>
+                </a:solidFill>
+                <a:effectLst/>
+                <a:latin typeface="맑은 고딕" panose="020B0503020000020004" pitchFamily="50" charset="-127"/>
+                <a:ea typeface="맑은 고딕" panose="020B0503020000020004" pitchFamily="50" charset="-127"/>
+              </a:rPr>
+              <a:t>.</a:t>
+            </a:r>
+            <a:endParaRPr lang="en-US" altLang="ko-KR" sz="2400" kern="0" dirty="0">
+              <a:solidFill>
+                <a:srgbClr val="000000"/>
+              </a:solidFill>
+              <a:latin typeface="맑은 고딕" panose="020B0503020000020004" pitchFamily="50" charset="-127"/>
+              <a:ea typeface="맑은 고딕" panose="020B0503020000020004" pitchFamily="50" charset="-127"/>
+            </a:endParaRPr>
+          </a:p>
+          <a:p>
+            <a:pPr marL="0" marR="0" indent="0" algn="just" fontAlgn="base" latinLnBrk="1">
+              <a:spcBef>
+                <a:spcPts val="0"/>
+              </a:spcBef>
+              <a:spcAft>
+                <a:spcPts val="0"/>
+              </a:spcAft>
+            </a:pPr>
+            <a:endParaRPr lang="ko-KR" altLang="en-US" sz="2400" kern="0" spc="0" dirty="0">
+              <a:solidFill>
+                <a:srgbClr val="000000"/>
+              </a:solidFill>
+              <a:effectLst/>
+              <a:latin typeface="맑은 고딕" panose="020B0503020000020004" pitchFamily="50" charset="-127"/>
+              <a:ea typeface="맑은 고딕" panose="020B0503020000020004" pitchFamily="50" charset="-127"/>
+            </a:endParaRPr>
+          </a:p>
+          <a:p>
+            <a:pPr marL="0" marR="0" indent="0" algn="just" fontAlgn="base" latinLnBrk="1">
               <a:lnSpc>
-                <a:spcPct val="150000"/>
+                <a:spcPct val="200000"/>
               </a:lnSpc>
+              <a:spcBef>
+                <a:spcPts val="0"/>
+              </a:spcBef>
+              <a:spcAft>
+                <a:spcPts val="0"/>
+              </a:spcAft>
             </a:pPr>
             <a:r>
-              <a:rPr lang="en-US" sz="2800" kern="0" spc="-100" dirty="0">
-                <a:solidFill>
-                  <a:srgbClr val="000000"/>
-                </a:solidFill>
-                <a:latin typeface="맑은 고딕" panose="020B0503020000020004" pitchFamily="50" charset="-127"/>
-                <a:ea typeface="맑은 고딕" panose="020B0503020000020004" pitchFamily="50" charset="-127"/>
-                <a:cs typeface="Gmarket Sans Medium" pitchFamily="34" charset="0"/>
-              </a:rPr>
-              <a:t> (ex. 버스정보, 날씨정보, 현재위치)</a:t>
-            </a:r>
+              <a:rPr lang="ko-KR" altLang="en-US" sz="2400" kern="0" spc="0" dirty="0">
+                <a:solidFill>
+                  <a:srgbClr val="000000"/>
+                </a:solidFill>
+                <a:effectLst/>
+                <a:latin typeface="맑은 고딕" panose="020B0503020000020004" pitchFamily="50" charset="-127"/>
+                <a:ea typeface="맑은 고딕" panose="020B0503020000020004" pitchFamily="50" charset="-127"/>
+              </a:rPr>
+              <a:t>경기도 버스정보 포털에서 공공데이터를 가공하여 사용자가 </a:t>
+            </a:r>
+            <a:endParaRPr lang="en-US" altLang="ko-KR" sz="2400" kern="0" spc="0" dirty="0">
+              <a:solidFill>
+                <a:srgbClr val="000000"/>
+              </a:solidFill>
+              <a:effectLst/>
+              <a:latin typeface="맑은 고딕" panose="020B0503020000020004" pitchFamily="50" charset="-127"/>
+              <a:ea typeface="맑은 고딕" panose="020B0503020000020004" pitchFamily="50" charset="-127"/>
+            </a:endParaRPr>
+          </a:p>
+          <a:p>
+            <a:pPr marL="0" marR="0" indent="0" algn="just" fontAlgn="base" latinLnBrk="1">
+              <a:lnSpc>
+                <a:spcPct val="200000"/>
+              </a:lnSpc>
+              <a:spcBef>
+                <a:spcPts val="0"/>
+              </a:spcBef>
+              <a:spcAft>
+                <a:spcPts val="0"/>
+              </a:spcAft>
+            </a:pPr>
+            <a:r>
+              <a:rPr lang="ko-KR" altLang="en-US" sz="2400" kern="0" spc="0" dirty="0">
+                <a:solidFill>
+                  <a:srgbClr val="000000"/>
+                </a:solidFill>
+                <a:effectLst/>
+                <a:latin typeface="맑은 고딕" panose="020B0503020000020004" pitchFamily="50" charset="-127"/>
+                <a:ea typeface="맑은 고딕" panose="020B0503020000020004" pitchFamily="50" charset="-127"/>
+              </a:rPr>
+              <a:t>직관적으로 이해할 수 있도록 하는 버스정보시스템을 구현한다</a:t>
+            </a:r>
+            <a:r>
+              <a:rPr lang="en-US" altLang="ko-KR" sz="2400" kern="0" spc="0" dirty="0">
+                <a:solidFill>
+                  <a:srgbClr val="000000"/>
+                </a:solidFill>
+                <a:effectLst/>
+                <a:latin typeface="맑은 고딕" panose="020B0503020000020004" pitchFamily="50" charset="-127"/>
+                <a:ea typeface="맑은 고딕" panose="020B0503020000020004" pitchFamily="50" charset="-127"/>
+              </a:rPr>
+              <a:t>.</a:t>
+            </a:r>
+            <a:endParaRPr lang="ko-KR" altLang="en-US" sz="2400" kern="0" spc="0" dirty="0">
+              <a:solidFill>
+                <a:srgbClr val="000000"/>
+              </a:solidFill>
+              <a:effectLst/>
+              <a:latin typeface="맑은 고딕" panose="020B0503020000020004" pitchFamily="50" charset="-127"/>
+              <a:ea typeface="맑은 고딕" panose="020B0503020000020004" pitchFamily="50" charset="-127"/>
+            </a:endParaRPr>
           </a:p>
           <a:p>
             <a:endParaRPr lang="en-US" dirty="0">
@@ -6962,7 +7161,7 @@
             <p:nvPr/>
           </p:nvPicPr>
           <p:blipFill>
-            <a:blip r:embed="rId5" cstate="print"/>
+            <a:blip r:embed="rId6" cstate="print"/>
             <a:stretch>
               <a:fillRect/>
             </a:stretch>
@@ -7083,7 +7282,7 @@
             <p:nvPr/>
           </p:nvPicPr>
           <p:blipFill>
-            <a:blip r:embed="rId6" cstate="print"/>
+            <a:blip r:embed="rId7" cstate="print"/>
             <a:stretch>
               <a:fillRect/>
             </a:stretch>
@@ -7196,7 +7395,7 @@
             <p:nvPr/>
           </p:nvPicPr>
           <p:blipFill>
-            <a:blip r:embed="rId2" cstate="print"/>
+            <a:blip r:embed="rId3" cstate="print"/>
             <a:stretch>
               <a:fillRect/>
             </a:stretch>
@@ -7235,6 +7434,17 @@
           <a:lstStyle/>
           <a:p>
             <a:r>
+              <a:rPr lang="en-US" sz="2500" kern="0" spc="-100" dirty="0" err="1">
+                <a:solidFill>
+                  <a:srgbClr val="FFFFFF"/>
+                </a:solidFill>
+                <a:latin typeface="맑은 고딕" panose="020B0503020000020004" pitchFamily="50" charset="-127"/>
+                <a:ea typeface="맑은 고딕" panose="020B0503020000020004" pitchFamily="50" charset="-127"/>
+                <a:cs typeface="Gmarket Sans Medium" pitchFamily="34" charset="0"/>
+              </a:rPr>
+              <a:t>프로젝트</a:t>
+            </a:r>
+            <a:r>
               <a:rPr lang="en-US" sz="2500" kern="0" spc="-100" dirty="0">
                 <a:solidFill>
                   <a:srgbClr val="FFFFFF"/>
@@ -7243,7 +7453,18 @@
                 <a:ea typeface="맑은 고딕" panose="020B0503020000020004" pitchFamily="50" charset="-127"/>
                 <a:cs typeface="Gmarket Sans Medium" pitchFamily="34" charset="0"/>
               </a:rPr>
-              <a:t>프로젝트 소개</a:t>
+              <a:t> </a:t>
+            </a:r>
+            <a:r>
+              <a:rPr lang="ko-KR" altLang="en-US" sz="2500" kern="0" spc="-100" dirty="0">
+                <a:solidFill>
+                  <a:srgbClr val="FFFFFF"/>
+                </a:solidFill>
+                <a:latin typeface="맑은 고딕" panose="020B0503020000020004" pitchFamily="50" charset="-127"/>
+                <a:ea typeface="맑은 고딕" panose="020B0503020000020004" pitchFamily="50" charset="-127"/>
+                <a:cs typeface="Gmarket Sans Medium" pitchFamily="34" charset="0"/>
+              </a:rPr>
+              <a:t>역할 분담 및 수행사항</a:t>
             </a:r>
             <a:endParaRPr lang="en-US" dirty="0">
               <a:latin typeface="맑은 고딕" panose="020B0503020000020004" pitchFamily="50" charset="-127"/>
@@ -7275,7 +7496,7 @@
             <p:nvPr/>
           </p:nvPicPr>
           <p:blipFill>
-            <a:blip r:embed="rId3" cstate="print"/>
+            <a:blip r:embed="rId4" cstate="print"/>
             <a:stretch>
               <a:fillRect/>
             </a:stretch>
@@ -7422,8 +7643,8 @@
         </p:nvSpPr>
         <p:spPr>
           <a:xfrm>
-            <a:off x="1260039" y="2203286"/>
-            <a:ext cx="16265962" cy="5535746"/>
+            <a:off x="4592419" y="1750390"/>
+            <a:ext cx="9103161" cy="877163"/>
           </a:xfrm>
           <a:prstGeom prst="rect">
             <a:avLst/>
@@ -7437,18 +7658,16 @@
           <a:lstStyle/>
           <a:p>
             <a:r>
-              <a:rPr lang="en-US" sz="5100" b="1" kern="0" spc="-200" dirty="0">
-                <a:solidFill>
-                  <a:srgbClr val="000000"/>
-                </a:solidFill>
-                <a:latin typeface="맑은 고딕" panose="020B0503020000020004" pitchFamily="50" charset="-127"/>
-                <a:ea typeface="맑은 고딕" panose="020B0503020000020004" pitchFamily="50" charset="-127"/>
-                <a:cs typeface="Gmarket Sans Medium" pitchFamily="34" charset="0"/>
-              </a:rPr>
-              <a:t>기대효과 &amp; 활용방안</a:t>
-            </a:r>
-          </a:p>
-          <a:p>
+              <a:rPr lang="ko-KR" altLang="en-US" sz="5100" b="1" kern="0" spc="-200" dirty="0">
+                <a:solidFill>
+                  <a:srgbClr val="000000"/>
+                </a:solidFill>
+                <a:latin typeface="맑은 고딕" panose="020B0503020000020004" pitchFamily="50" charset="-127"/>
+                <a:ea typeface="맑은 고딕" panose="020B0503020000020004" pitchFamily="50" charset="-127"/>
+                <a:cs typeface="Gmarket Sans Medium" pitchFamily="34" charset="0"/>
+              </a:rPr>
+              <a:t>프로젝트 역할 분담 및 수행사항</a:t>
+            </a:r>
             <a:endParaRPr lang="en-US" sz="5100" b="1" kern="0" spc="-200" dirty="0">
               <a:solidFill>
                 <a:srgbClr val="000000"/>
@@ -7458,267 +7677,1037 @@
               <a:cs typeface="Gmarket Sans Medium" pitchFamily="34" charset="0"/>
             </a:endParaRPr>
           </a:p>
-          <a:p>
-            <a:pPr>
-              <a:lnSpc>
-                <a:spcPct val="200000"/>
-              </a:lnSpc>
-            </a:pPr>
-            <a:r>
-              <a:rPr lang="en-US" sz="2600" kern="0" spc="-100" dirty="0">
-                <a:solidFill>
-                  <a:srgbClr val="000000"/>
-                </a:solidFill>
-                <a:latin typeface="맑은 고딕" panose="020B0503020000020004" pitchFamily="50" charset="-127"/>
-                <a:ea typeface="맑은 고딕" panose="020B0503020000020004" pitchFamily="50" charset="-127"/>
-                <a:cs typeface="Gmarket Sans Medium" pitchFamily="34" charset="0"/>
-              </a:rPr>
-              <a:t>- 내가 원하는 지역의 버스정보를 손쉽게 확인 할 수 있다. (</a:t>
-            </a:r>
-            <a:r>
-              <a:rPr lang="en-US" sz="2600" kern="0" spc="-100" dirty="0">
-                <a:solidFill>
-                  <a:srgbClr val="FF0000"/>
-                </a:solidFill>
-                <a:latin typeface="맑은 고딕" panose="020B0503020000020004" pitchFamily="50" charset="-127"/>
-                <a:ea typeface="맑은 고딕" panose="020B0503020000020004" pitchFamily="50" charset="-127"/>
-                <a:cs typeface="Gmarket Sans Medium" pitchFamily="34" charset="0"/>
-              </a:rPr>
-              <a:t>정적</a:t>
-            </a:r>
-            <a:r>
-              <a:rPr lang="en-US" sz="2600" kern="0" spc="-100" dirty="0">
-                <a:solidFill>
-                  <a:srgbClr val="000000"/>
-                </a:solidFill>
-                <a:latin typeface="맑은 고딕" panose="020B0503020000020004" pitchFamily="50" charset="-127"/>
-                <a:ea typeface="맑은 고딕" panose="020B0503020000020004" pitchFamily="50" charset="-127"/>
-                <a:cs typeface="Gmarket Sans Medium" pitchFamily="34" charset="0"/>
-              </a:rPr>
-              <a:t>)</a:t>
-            </a:r>
-          </a:p>
-          <a:p>
-            <a:pPr>
-              <a:lnSpc>
-                <a:spcPct val="200000"/>
-              </a:lnSpc>
-            </a:pPr>
-            <a:r>
-              <a:rPr lang="en-US" sz="2600" kern="0" spc="-100" dirty="0">
-                <a:solidFill>
-                  <a:srgbClr val="000000"/>
-                </a:solidFill>
-                <a:latin typeface="맑은 고딕" panose="020B0503020000020004" pitchFamily="50" charset="-127"/>
-                <a:ea typeface="맑은 고딕" panose="020B0503020000020004" pitchFamily="50" charset="-127"/>
-                <a:cs typeface="Gmarket Sans Medium" pitchFamily="34" charset="0"/>
-              </a:rPr>
-              <a:t>- </a:t>
-            </a:r>
-            <a:r>
-              <a:rPr lang="en-US" sz="2600" kern="0" spc="-100" dirty="0" err="1">
-                <a:solidFill>
-                  <a:srgbClr val="000000"/>
-                </a:solidFill>
-                <a:latin typeface="맑은 고딕" panose="020B0503020000020004" pitchFamily="50" charset="-127"/>
-                <a:ea typeface="맑은 고딕" panose="020B0503020000020004" pitchFamily="50" charset="-127"/>
-                <a:cs typeface="Gmarket Sans Medium" pitchFamily="34" charset="0"/>
-              </a:rPr>
-              <a:t>디스플레이</a:t>
-            </a:r>
-            <a:r>
-              <a:rPr lang="en-US" sz="2600" kern="0" spc="-100" dirty="0">
-                <a:solidFill>
-                  <a:srgbClr val="000000"/>
-                </a:solidFill>
-                <a:latin typeface="맑은 고딕" panose="020B0503020000020004" pitchFamily="50" charset="-127"/>
-                <a:ea typeface="맑은 고딕" panose="020B0503020000020004" pitchFamily="50" charset="-127"/>
-                <a:cs typeface="Gmarket Sans Medium" pitchFamily="34" charset="0"/>
-              </a:rPr>
-              <a:t> 상에 표현하는 방법으로 외출 직전에 스마트폰을 켜고, 앱에 </a:t>
-            </a:r>
-            <a:r>
-              <a:rPr lang="en-US" sz="2600" kern="0" spc="-100" dirty="0" err="1">
-                <a:solidFill>
-                  <a:srgbClr val="000000"/>
-                </a:solidFill>
-                <a:latin typeface="맑은 고딕" panose="020B0503020000020004" pitchFamily="50" charset="-127"/>
-                <a:ea typeface="맑은 고딕" panose="020B0503020000020004" pitchFamily="50" charset="-127"/>
-                <a:cs typeface="Gmarket Sans Medium" pitchFamily="34" charset="0"/>
-              </a:rPr>
-              <a:t>접속하지</a:t>
-            </a:r>
-            <a:r>
-              <a:rPr lang="en-US" sz="2600" kern="0" spc="-100" dirty="0">
-                <a:solidFill>
-                  <a:srgbClr val="000000"/>
-                </a:solidFill>
-                <a:latin typeface="맑은 고딕" panose="020B0503020000020004" pitchFamily="50" charset="-127"/>
-                <a:ea typeface="맑은 고딕" panose="020B0503020000020004" pitchFamily="50" charset="-127"/>
-                <a:cs typeface="Gmarket Sans Medium" pitchFamily="34" charset="0"/>
-              </a:rPr>
-              <a:t> </a:t>
-            </a:r>
-            <a:r>
-              <a:rPr lang="en-US" sz="2600" kern="0" spc="-100" dirty="0" err="1">
-                <a:solidFill>
-                  <a:srgbClr val="000000"/>
-                </a:solidFill>
-                <a:latin typeface="맑은 고딕" panose="020B0503020000020004" pitchFamily="50" charset="-127"/>
-                <a:ea typeface="맑은 고딕" panose="020B0503020000020004" pitchFamily="50" charset="-127"/>
-                <a:cs typeface="Gmarket Sans Medium" pitchFamily="34" charset="0"/>
-              </a:rPr>
-              <a:t>않더라도</a:t>
-            </a:r>
-            <a:r>
-              <a:rPr lang="en-US" sz="2600" kern="0" spc="-100" dirty="0">
-                <a:solidFill>
-                  <a:srgbClr val="000000"/>
-                </a:solidFill>
-                <a:latin typeface="맑은 고딕" panose="020B0503020000020004" pitchFamily="50" charset="-127"/>
-                <a:ea typeface="맑은 고딕" panose="020B0503020000020004" pitchFamily="50" charset="-127"/>
-                <a:cs typeface="Gmarket Sans Medium" pitchFamily="34" charset="0"/>
-              </a:rPr>
-              <a:t> </a:t>
-            </a:r>
-            <a:r>
-              <a:rPr lang="en-US" sz="2600" kern="0" spc="-100" dirty="0" err="1">
-                <a:solidFill>
-                  <a:srgbClr val="000000"/>
-                </a:solidFill>
-                <a:latin typeface="맑은 고딕" panose="020B0503020000020004" pitchFamily="50" charset="-127"/>
-                <a:ea typeface="맑은 고딕" panose="020B0503020000020004" pitchFamily="50" charset="-127"/>
-                <a:cs typeface="Gmarket Sans Medium" pitchFamily="34" charset="0"/>
-              </a:rPr>
-              <a:t>확인이</a:t>
-            </a:r>
-            <a:r>
-              <a:rPr lang="en-US" sz="2600" kern="0" spc="-100" dirty="0">
-                <a:solidFill>
-                  <a:srgbClr val="000000"/>
-                </a:solidFill>
-                <a:latin typeface="맑은 고딕" panose="020B0503020000020004" pitchFamily="50" charset="-127"/>
-                <a:ea typeface="맑은 고딕" panose="020B0503020000020004" pitchFamily="50" charset="-127"/>
-                <a:cs typeface="Gmarket Sans Medium" pitchFamily="34" charset="0"/>
-              </a:rPr>
-              <a:t> 가능하다.</a:t>
-            </a:r>
-          </a:p>
-          <a:p>
-            <a:pPr>
-              <a:lnSpc>
-                <a:spcPct val="200000"/>
-              </a:lnSpc>
-            </a:pPr>
-            <a:r>
-              <a:rPr lang="en-US" sz="2600" kern="0" spc="-100" dirty="0">
-                <a:solidFill>
-                  <a:srgbClr val="000000"/>
-                </a:solidFill>
-                <a:latin typeface="맑은 고딕" panose="020B0503020000020004" pitchFamily="50" charset="-127"/>
-                <a:ea typeface="맑은 고딕" panose="020B0503020000020004" pitchFamily="50" charset="-127"/>
-                <a:cs typeface="Gmarket Sans Medium" pitchFamily="34" charset="0"/>
-              </a:rPr>
-              <a:t>- 지속적인 푸시알림을 통해서 해당 지역의 버스정보 현황등을 쉽게 확인이 가능하다. (</a:t>
-            </a:r>
-            <a:r>
-              <a:rPr lang="en-US" sz="2600" kern="0" spc="-100" dirty="0">
-                <a:solidFill>
-                  <a:srgbClr val="FF0000"/>
-                </a:solidFill>
-                <a:latin typeface="맑은 고딕" panose="020B0503020000020004" pitchFamily="50" charset="-127"/>
-                <a:ea typeface="맑은 고딕" panose="020B0503020000020004" pitchFamily="50" charset="-127"/>
-                <a:cs typeface="Gmarket Sans Medium" pitchFamily="34" charset="0"/>
-              </a:rPr>
-              <a:t>구현X</a:t>
-            </a:r>
-            <a:r>
-              <a:rPr lang="en-US" sz="2600" kern="0" spc="-100" dirty="0">
-                <a:solidFill>
-                  <a:srgbClr val="000000"/>
-                </a:solidFill>
-                <a:latin typeface="맑은 고딕" panose="020B0503020000020004" pitchFamily="50" charset="-127"/>
-                <a:ea typeface="맑은 고딕" panose="020B0503020000020004" pitchFamily="50" charset="-127"/>
-                <a:cs typeface="Gmarket Sans Medium" pitchFamily="34" charset="0"/>
-              </a:rPr>
-              <a:t>)</a:t>
-            </a:r>
-          </a:p>
-          <a:p>
-            <a:pPr>
-              <a:lnSpc>
-                <a:spcPct val="200000"/>
-              </a:lnSpc>
-            </a:pPr>
-            <a:r>
-              <a:rPr lang="en-US" sz="2600" kern="0" spc="-100" dirty="0">
-                <a:solidFill>
-                  <a:srgbClr val="000000"/>
-                </a:solidFill>
-                <a:latin typeface="맑은 고딕" panose="020B0503020000020004" pitchFamily="50" charset="-127"/>
-                <a:ea typeface="맑은 고딕" panose="020B0503020000020004" pitchFamily="50" charset="-127"/>
-                <a:cs typeface="Gmarket Sans Medium" pitchFamily="34" charset="0"/>
-              </a:rPr>
-              <a:t>- USB 충전 단자로 배터리 충전이 용이하며, 10초~20</a:t>
-            </a:r>
-            <a:r>
-              <a:rPr lang="ko-KR" altLang="en-US" sz="2600" kern="0" spc="-100" dirty="0">
-                <a:solidFill>
-                  <a:srgbClr val="000000"/>
-                </a:solidFill>
-                <a:latin typeface="맑은 고딕" panose="020B0503020000020004" pitchFamily="50" charset="-127"/>
-                <a:ea typeface="맑은 고딕" panose="020B0503020000020004" pitchFamily="50" charset="-127"/>
-                <a:cs typeface="Gmarket Sans Medium" pitchFamily="34" charset="0"/>
-              </a:rPr>
-              <a:t>초</a:t>
-            </a:r>
-            <a:r>
-              <a:rPr lang="en-US" sz="2600" kern="0" spc="-100" dirty="0" err="1">
-                <a:solidFill>
-                  <a:srgbClr val="000000"/>
-                </a:solidFill>
-                <a:latin typeface="맑은 고딕" panose="020B0503020000020004" pitchFamily="50" charset="-127"/>
-                <a:ea typeface="맑은 고딕" panose="020B0503020000020004" pitchFamily="50" charset="-127"/>
-                <a:cs typeface="Gmarket Sans Medium" pitchFamily="34" charset="0"/>
-              </a:rPr>
-              <a:t>마다</a:t>
-            </a:r>
-            <a:r>
-              <a:rPr lang="en-US" sz="2600" kern="0" spc="-100" dirty="0">
-                <a:solidFill>
-                  <a:srgbClr val="000000"/>
-                </a:solidFill>
-                <a:latin typeface="맑은 고딕" panose="020B0503020000020004" pitchFamily="50" charset="-127"/>
-                <a:ea typeface="맑은 고딕" panose="020B0503020000020004" pitchFamily="50" charset="-127"/>
-                <a:cs typeface="Gmarket Sans Medium" pitchFamily="34" charset="0"/>
-              </a:rPr>
-              <a:t> 서버에서 데이터를 받아오는 방식이기 때문에</a:t>
-            </a:r>
-          </a:p>
-          <a:p>
-            <a:pPr>
-              <a:lnSpc>
-                <a:spcPct val="200000"/>
-              </a:lnSpc>
-            </a:pPr>
-            <a:r>
-              <a:rPr lang="en-US" sz="2600" kern="0" spc="-100" dirty="0">
-                <a:solidFill>
-                  <a:srgbClr val="000000"/>
-                </a:solidFill>
-                <a:latin typeface="맑은 고딕" panose="020B0503020000020004" pitchFamily="50" charset="-127"/>
-                <a:ea typeface="맑은 고딕" panose="020B0503020000020004" pitchFamily="50" charset="-127"/>
-                <a:cs typeface="Gmarket Sans Medium" pitchFamily="34" charset="0"/>
-              </a:rPr>
-              <a:t> 앱에 접속하지 않고 유용하게 사용이 가능하다. </a:t>
-            </a:r>
-            <a:endParaRPr lang="en-US" sz="2600" dirty="0">
+        </p:txBody>
+      </p:sp>
+      <p:sp>
+        <p:nvSpPr>
+          <p:cNvPr id="23" name="Object 12">
+            <a:extLst>
+              <a:ext uri="{FF2B5EF4-FFF2-40B4-BE49-F238E27FC236}">
+                <a16:creationId xmlns:a16="http://schemas.microsoft.com/office/drawing/2014/main" id="{B3C00B89-8C8C-1B63-006C-18EC73B060D0}"/>
+              </a:ext>
+            </a:extLst>
+          </p:cNvPr>
+          <p:cNvSpPr txBox="1"/>
+          <p:nvPr/>
+        </p:nvSpPr>
+        <p:spPr>
+          <a:xfrm>
+            <a:off x="3241544" y="4231115"/>
+            <a:ext cx="1482958" cy="630942"/>
+          </a:xfrm>
+          <a:prstGeom prst="rect">
+            <a:avLst/>
+          </a:prstGeom>
+          <a:noFill/>
+        </p:spPr>
+        <p:txBody>
+          <a:bodyPr wrap="square" rtlCol="0" anchor="t">
+            <a:spAutoFit/>
+          </a:bodyPr>
+          <a:lstStyle/>
+          <a:p>
+            <a:r>
+              <a:rPr lang="ko-KR" altLang="en-US" sz="3500" b="1" kern="0" spc="-200" dirty="0">
+                <a:solidFill>
+                  <a:srgbClr val="000000"/>
+                </a:solidFill>
+                <a:latin typeface="맑은 고딕" panose="020B0503020000020004" pitchFamily="50" charset="-127"/>
+                <a:ea typeface="맑은 고딕" panose="020B0503020000020004" pitchFamily="50" charset="-127"/>
+                <a:cs typeface="Gmarket Sans Medium" pitchFamily="34" charset="0"/>
+              </a:rPr>
+              <a:t>이태환</a:t>
+            </a:r>
+            <a:endParaRPr lang="en-US" sz="3500" b="1" kern="0" spc="-200" dirty="0">
+              <a:solidFill>
+                <a:srgbClr val="000000"/>
+              </a:solidFill>
               <a:latin typeface="맑은 고딕" panose="020B0503020000020004" pitchFamily="50" charset="-127"/>
               <a:ea typeface="맑은 고딕" panose="020B0503020000020004" pitchFamily="50" charset="-127"/>
+              <a:cs typeface="Gmarket Sans Medium" pitchFamily="34" charset="0"/>
             </a:endParaRPr>
           </a:p>
         </p:txBody>
       </p:sp>
+      <p:sp>
+        <p:nvSpPr>
+          <p:cNvPr id="24" name="Object 12">
+            <a:extLst>
+              <a:ext uri="{FF2B5EF4-FFF2-40B4-BE49-F238E27FC236}">
+                <a16:creationId xmlns:a16="http://schemas.microsoft.com/office/drawing/2014/main" id="{14342617-58DB-48A6-01A9-69894050473D}"/>
+              </a:ext>
+            </a:extLst>
+          </p:cNvPr>
+          <p:cNvSpPr txBox="1"/>
+          <p:nvPr/>
+        </p:nvSpPr>
+        <p:spPr>
+          <a:xfrm>
+            <a:off x="8491023" y="4231115"/>
+            <a:ext cx="1465379" cy="630942"/>
+          </a:xfrm>
+          <a:prstGeom prst="rect">
+            <a:avLst/>
+          </a:prstGeom>
+          <a:noFill/>
+        </p:spPr>
+        <p:txBody>
+          <a:bodyPr wrap="square" rtlCol="0" anchor="t">
+            <a:spAutoFit/>
+          </a:bodyPr>
+          <a:lstStyle/>
+          <a:p>
+            <a:r>
+              <a:rPr lang="ko-KR" altLang="en-US" sz="3500" b="1" kern="0" spc="-200" dirty="0" err="1">
+                <a:solidFill>
+                  <a:srgbClr val="000000"/>
+                </a:solidFill>
+                <a:latin typeface="맑은 고딕" panose="020B0503020000020004" pitchFamily="50" charset="-127"/>
+                <a:ea typeface="맑은 고딕" panose="020B0503020000020004" pitchFamily="50" charset="-127"/>
+                <a:cs typeface="Gmarket Sans Medium" pitchFamily="34" charset="0"/>
+              </a:rPr>
+              <a:t>김하윤</a:t>
+            </a:r>
+            <a:endParaRPr lang="en-US" sz="3500" b="1" kern="0" spc="-200" dirty="0">
+              <a:solidFill>
+                <a:srgbClr val="000000"/>
+              </a:solidFill>
+              <a:latin typeface="맑은 고딕" panose="020B0503020000020004" pitchFamily="50" charset="-127"/>
+              <a:ea typeface="맑은 고딕" panose="020B0503020000020004" pitchFamily="50" charset="-127"/>
+              <a:cs typeface="Gmarket Sans Medium" pitchFamily="34" charset="0"/>
+            </a:endParaRPr>
+          </a:p>
+        </p:txBody>
+      </p:sp>
+      <p:sp>
+        <p:nvSpPr>
+          <p:cNvPr id="25" name="Object 12">
+            <a:extLst>
+              <a:ext uri="{FF2B5EF4-FFF2-40B4-BE49-F238E27FC236}">
+                <a16:creationId xmlns:a16="http://schemas.microsoft.com/office/drawing/2014/main" id="{C63CEF27-13C2-DF5C-6817-780D07A4A76B}"/>
+              </a:ext>
+            </a:extLst>
+          </p:cNvPr>
+          <p:cNvSpPr txBox="1"/>
+          <p:nvPr/>
+        </p:nvSpPr>
+        <p:spPr>
+          <a:xfrm>
+            <a:off x="13734125" y="4231115"/>
+            <a:ext cx="1478976" cy="630942"/>
+          </a:xfrm>
+          <a:prstGeom prst="rect">
+            <a:avLst/>
+          </a:prstGeom>
+          <a:noFill/>
+        </p:spPr>
+        <p:txBody>
+          <a:bodyPr wrap="square" rtlCol="0" anchor="t">
+            <a:spAutoFit/>
+          </a:bodyPr>
+          <a:lstStyle/>
+          <a:p>
+            <a:r>
+              <a:rPr lang="ko-KR" altLang="en-US" sz="3500" b="1" kern="0" spc="-200" dirty="0">
+                <a:solidFill>
+                  <a:srgbClr val="000000"/>
+                </a:solidFill>
+                <a:latin typeface="맑은 고딕" panose="020B0503020000020004" pitchFamily="50" charset="-127"/>
+                <a:ea typeface="맑은 고딕" panose="020B0503020000020004" pitchFamily="50" charset="-127"/>
+                <a:cs typeface="Gmarket Sans Medium" pitchFamily="34" charset="0"/>
+              </a:rPr>
+              <a:t>최창환</a:t>
+            </a:r>
+            <a:endParaRPr lang="en-US" sz="3500" b="1" kern="0" spc="-200" dirty="0">
+              <a:solidFill>
+                <a:srgbClr val="000000"/>
+              </a:solidFill>
+              <a:latin typeface="맑은 고딕" panose="020B0503020000020004" pitchFamily="50" charset="-127"/>
+              <a:ea typeface="맑은 고딕" panose="020B0503020000020004" pitchFamily="50" charset="-127"/>
+              <a:cs typeface="Gmarket Sans Medium" pitchFamily="34" charset="0"/>
+            </a:endParaRPr>
+          </a:p>
+        </p:txBody>
+      </p:sp>
+      <p:graphicFrame>
+        <p:nvGraphicFramePr>
+          <p:cNvPr id="8" name="표 33">
+            <a:extLst>
+              <a:ext uri="{FF2B5EF4-FFF2-40B4-BE49-F238E27FC236}">
+                <a16:creationId xmlns:a16="http://schemas.microsoft.com/office/drawing/2014/main" id="{1FA72881-FEC7-5CC0-0ABE-0596C62BFD8E}"/>
+              </a:ext>
+            </a:extLst>
+          </p:cNvPr>
+          <p:cNvGraphicFramePr>
+            <a:graphicFrameLocks noGrp="1"/>
+          </p:cNvGraphicFramePr>
+          <p:nvPr>
+            <p:extLst>
+              <p:ext uri="{D42A27DB-BD31-4B8C-83A1-F6EECF244321}">
+                <p14:modId xmlns:p14="http://schemas.microsoft.com/office/powerpoint/2010/main" val="1949084036"/>
+              </p:ext>
+            </p:extLst>
+          </p:nvPr>
+        </p:nvGraphicFramePr>
+        <p:xfrm>
+          <a:off x="3127712" y="3072266"/>
+          <a:ext cx="12192000" cy="6463060"/>
+        </p:xfrm>
+        <a:graphic>
+          <a:graphicData uri="http://schemas.openxmlformats.org/drawingml/2006/table">
+            <a:tbl>
+              <a:tblPr firstRow="1" bandRow="1">
+                <a:tableStyleId>{073A0DAA-6AF3-43AB-8588-CEC1D06C72B9}</a:tableStyleId>
+              </a:tblPr>
+              <a:tblGrid>
+                <a:gridCol w="4064000">
+                  <a:extLst>
+                    <a:ext uri="{9D8B030D-6E8A-4147-A177-3AD203B41FA5}">
+                      <a16:colId xmlns:a16="http://schemas.microsoft.com/office/drawing/2014/main" val="3783288603"/>
+                    </a:ext>
+                  </a:extLst>
+                </a:gridCol>
+                <a:gridCol w="3978144">
+                  <a:extLst>
+                    <a:ext uri="{9D8B030D-6E8A-4147-A177-3AD203B41FA5}">
+                      <a16:colId xmlns:a16="http://schemas.microsoft.com/office/drawing/2014/main" val="3911112826"/>
+                    </a:ext>
+                  </a:extLst>
+                </a:gridCol>
+                <a:gridCol w="4149856">
+                  <a:extLst>
+                    <a:ext uri="{9D8B030D-6E8A-4147-A177-3AD203B41FA5}">
+                      <a16:colId xmlns:a16="http://schemas.microsoft.com/office/drawing/2014/main" val="1990995803"/>
+                    </a:ext>
+                  </a:extLst>
+                </a:gridCol>
+              </a:tblGrid>
+              <a:tr h="1424737">
+                <a:tc>
+                  <a:txBody>
+                    <a:bodyPr/>
+                    <a:lstStyle/>
+                    <a:p>
+                      <a:pPr algn="ctr" latinLnBrk="1"/>
+                      <a:r>
+                        <a:rPr lang="ko-KR" altLang="en-US" sz="2800" dirty="0">
+                          <a:latin typeface="맑은 고딕" panose="020B0503020000020004" pitchFamily="50" charset="-127"/>
+                          <a:ea typeface="맑은 고딕" panose="020B0503020000020004" pitchFamily="50" charset="-127"/>
+                        </a:rPr>
+                        <a:t>팀원</a:t>
+                      </a:r>
+                    </a:p>
+                  </a:txBody>
+                  <a:tcPr anchor="ctr"/>
+                </a:tc>
+                <a:tc>
+                  <a:txBody>
+                    <a:bodyPr/>
+                    <a:lstStyle/>
+                    <a:p>
+                      <a:pPr algn="ctr" latinLnBrk="1"/>
+                      <a:r>
+                        <a:rPr lang="ko-KR" altLang="en-US" sz="2800" dirty="0">
+                          <a:latin typeface="맑은 고딕" panose="020B0503020000020004" pitchFamily="50" charset="-127"/>
+                          <a:ea typeface="맑은 고딕" panose="020B0503020000020004" pitchFamily="50" charset="-127"/>
+                        </a:rPr>
+                        <a:t>담당</a:t>
+                      </a:r>
+                    </a:p>
+                  </a:txBody>
+                  <a:tcPr anchor="ctr"/>
+                </a:tc>
+                <a:tc>
+                  <a:txBody>
+                    <a:bodyPr/>
+                    <a:lstStyle/>
+                    <a:p>
+                      <a:pPr algn="ctr" latinLnBrk="1"/>
+                      <a:r>
+                        <a:rPr lang="ko-KR" altLang="en-US" sz="2800" dirty="0">
+                          <a:latin typeface="맑은 고딕" panose="020B0503020000020004" pitchFamily="50" charset="-127"/>
+                          <a:ea typeface="맑은 고딕" panose="020B0503020000020004" pitchFamily="50" charset="-127"/>
+                        </a:rPr>
+                        <a:t>역할</a:t>
+                      </a:r>
+                      <a:r>
+                        <a:rPr lang="en-US" altLang="ko-KR" sz="2800" dirty="0">
+                          <a:latin typeface="맑은 고딕" panose="020B0503020000020004" pitchFamily="50" charset="-127"/>
+                          <a:ea typeface="맑은 고딕" panose="020B0503020000020004" pitchFamily="50" charset="-127"/>
+                        </a:rPr>
+                        <a:t>(</a:t>
+                      </a:r>
+                      <a:r>
+                        <a:rPr lang="ko-KR" altLang="en-US" sz="2800" dirty="0">
+                          <a:latin typeface="맑은 고딕" panose="020B0503020000020004" pitchFamily="50" charset="-127"/>
+                          <a:ea typeface="맑은 고딕" panose="020B0503020000020004" pitchFamily="50" charset="-127"/>
+                        </a:rPr>
+                        <a:t>수행사항</a:t>
+                      </a:r>
+                      <a:r>
+                        <a:rPr lang="en-US" altLang="ko-KR" sz="2800" dirty="0">
+                          <a:latin typeface="맑은 고딕" panose="020B0503020000020004" pitchFamily="50" charset="-127"/>
+                          <a:ea typeface="맑은 고딕" panose="020B0503020000020004" pitchFamily="50" charset="-127"/>
+                        </a:rPr>
+                        <a:t>)</a:t>
+                      </a:r>
+                      <a:endParaRPr lang="ko-KR" altLang="en-US" sz="2800" dirty="0">
+                        <a:latin typeface="맑은 고딕" panose="020B0503020000020004" pitchFamily="50" charset="-127"/>
+                        <a:ea typeface="맑은 고딕" panose="020B0503020000020004" pitchFamily="50" charset="-127"/>
+                      </a:endParaRPr>
+                    </a:p>
+                  </a:txBody>
+                  <a:tcPr anchor="ctr"/>
+                </a:tc>
+                <a:extLst>
+                  <a:ext uri="{0D108BD9-81ED-4DB2-BD59-A6C34878D82A}">
+                    <a16:rowId xmlns:a16="http://schemas.microsoft.com/office/drawing/2014/main" val="318675856"/>
+                  </a:ext>
+                </a:extLst>
+              </a:tr>
+              <a:tr h="1503099">
+                <a:tc>
+                  <a:txBody>
+                    <a:bodyPr/>
+                    <a:lstStyle/>
+                    <a:p>
+                      <a:pPr algn="ctr" latinLnBrk="1"/>
+                      <a:r>
+                        <a:rPr lang="ko-KR" altLang="en-US" sz="2800" b="1" dirty="0">
+                          <a:latin typeface="맑은 고딕" panose="020B0503020000020004" pitchFamily="50" charset="-127"/>
+                          <a:ea typeface="맑은 고딕" panose="020B0503020000020004" pitchFamily="50" charset="-127"/>
+                        </a:rPr>
+                        <a:t>이태환</a:t>
+                      </a:r>
+                    </a:p>
+                  </a:txBody>
+                  <a:tcPr anchor="ctr"/>
+                </a:tc>
+                <a:tc>
+                  <a:txBody>
+                    <a:bodyPr/>
+                    <a:lstStyle/>
+                    <a:p>
+                      <a:pPr marL="285750" indent="-285750" algn="l">
+                        <a:lnSpc>
+                          <a:spcPct val="150000"/>
+                        </a:lnSpc>
+                        <a:buFont typeface="Arial" panose="020B0604020202020204" pitchFamily="34" charset="0"/>
+                        <a:buChar char="•"/>
+                      </a:pPr>
+                      <a:r>
+                        <a:rPr lang="ko-KR" altLang="en-US" sz="1800" kern="0" spc="-200" dirty="0">
+                          <a:solidFill>
+                            <a:srgbClr val="000000"/>
+                          </a:solidFill>
+                          <a:latin typeface="맑은 고딕" panose="020B0503020000020004" pitchFamily="50" charset="-127"/>
+                          <a:ea typeface="맑은 고딕" panose="020B0503020000020004" pitchFamily="50" charset="-127"/>
+                          <a:cs typeface="Gmarket Sans Medium" pitchFamily="34" charset="0"/>
+                        </a:rPr>
+                        <a:t>코드 정적 테스트 </a:t>
+                      </a:r>
+                      <a:endParaRPr lang="en-US" altLang="ko-KR" sz="1800" kern="0" spc="-200" dirty="0">
+                        <a:solidFill>
+                          <a:srgbClr val="000000"/>
+                        </a:solidFill>
+                        <a:latin typeface="맑은 고딕" panose="020B0503020000020004" pitchFamily="50" charset="-127"/>
+                        <a:ea typeface="맑은 고딕" panose="020B0503020000020004" pitchFamily="50" charset="-127"/>
+                        <a:cs typeface="Gmarket Sans Medium" pitchFamily="34" charset="0"/>
+                      </a:endParaRPr>
+                    </a:p>
+                    <a:p>
+                      <a:pPr marL="285750" marR="0" lvl="0" indent="-285750" algn="l" defTabSz="914400" rtl="0" eaLnBrk="1" fontAlgn="auto" latinLnBrk="0" hangingPunct="1">
+                        <a:lnSpc>
+                          <a:spcPct val="150000"/>
+                        </a:lnSpc>
+                        <a:spcBef>
+                          <a:spcPts val="0"/>
+                        </a:spcBef>
+                        <a:spcAft>
+                          <a:spcPts val="0"/>
+                        </a:spcAft>
+                        <a:buClrTx/>
+                        <a:buSzTx/>
+                        <a:buFont typeface="Arial" panose="020B0604020202020204" pitchFamily="34" charset="0"/>
+                        <a:buChar char="•"/>
+                        <a:tabLst/>
+                        <a:defRPr/>
+                      </a:pPr>
+                      <a:r>
+                        <a:rPr lang="ko-KR" altLang="en-US" sz="1800" kern="0" spc="-200" dirty="0" err="1">
+                          <a:solidFill>
+                            <a:srgbClr val="000000"/>
+                          </a:solidFill>
+                          <a:latin typeface="맑은 고딕" panose="020B0503020000020004" pitchFamily="50" charset="-127"/>
+                          <a:ea typeface="맑은 고딕" panose="020B0503020000020004" pitchFamily="50" charset="-127"/>
+                          <a:cs typeface="Gmarket Sans Medium" pitchFamily="34" charset="0"/>
+                        </a:rPr>
+                        <a:t>아두이노</a:t>
+                      </a:r>
+                      <a:r>
+                        <a:rPr lang="ko-KR" altLang="en-US" sz="1800" kern="0" spc="-200" dirty="0">
+                          <a:solidFill>
+                            <a:srgbClr val="000000"/>
+                          </a:solidFill>
+                          <a:latin typeface="맑은 고딕" panose="020B0503020000020004" pitchFamily="50" charset="-127"/>
+                          <a:ea typeface="맑은 고딕" panose="020B0503020000020004" pitchFamily="50" charset="-127"/>
+                          <a:cs typeface="Gmarket Sans Medium" pitchFamily="34" charset="0"/>
+                        </a:rPr>
+                        <a:t> 웹 서버 설계 및 구현</a:t>
+                      </a:r>
+                      <a:endParaRPr lang="en-US" altLang="ko-KR" sz="1800" kern="0" spc="-200" dirty="0">
+                        <a:solidFill>
+                          <a:srgbClr val="000000"/>
+                        </a:solidFill>
+                        <a:latin typeface="맑은 고딕" panose="020B0503020000020004" pitchFamily="50" charset="-127"/>
+                        <a:ea typeface="맑은 고딕" panose="020B0503020000020004" pitchFamily="50" charset="-127"/>
+                        <a:cs typeface="Gmarket Sans Medium" pitchFamily="34" charset="0"/>
+                      </a:endParaRPr>
+                    </a:p>
+                  </a:txBody>
+                  <a:tcPr anchor="ctr"/>
+                </a:tc>
+                <a:tc>
+                  <a:txBody>
+                    <a:bodyPr/>
+                    <a:lstStyle/>
+                    <a:p>
+                      <a:pPr algn="ctr" latinLnBrk="1">
+                        <a:lnSpc>
+                          <a:spcPct val="150000"/>
+                        </a:lnSpc>
+                      </a:pPr>
+                      <a:r>
+                        <a:rPr lang="ko-KR" altLang="en-US" sz="1800" dirty="0">
+                          <a:latin typeface="맑은 고딕" panose="020B0503020000020004" pitchFamily="50" charset="-127"/>
+                          <a:ea typeface="맑은 고딕" panose="020B0503020000020004" pitchFamily="50" charset="-127"/>
+                        </a:rPr>
+                        <a:t>전체적인 시스템 구성을 테스트하고</a:t>
+                      </a:r>
+                      <a:r>
+                        <a:rPr lang="en-US" altLang="ko-KR" sz="1800" dirty="0">
+                          <a:latin typeface="맑은 고딕" panose="020B0503020000020004" pitchFamily="50" charset="-127"/>
+                          <a:ea typeface="맑은 고딕" panose="020B0503020000020004" pitchFamily="50" charset="-127"/>
+                        </a:rPr>
+                        <a:t> </a:t>
+                      </a:r>
+                      <a:r>
+                        <a:rPr lang="ko-KR" altLang="en-US" sz="1800" dirty="0">
+                          <a:latin typeface="맑은 고딕" panose="020B0503020000020004" pitchFamily="50" charset="-127"/>
+                          <a:ea typeface="맑은 고딕" panose="020B0503020000020004" pitchFamily="50" charset="-127"/>
+                        </a:rPr>
+                        <a:t>로컬 서버의 웹 화면을 구성함</a:t>
+                      </a:r>
+                      <a:r>
+                        <a:rPr lang="en-US" altLang="ko-KR" sz="1800" dirty="0">
+                          <a:latin typeface="맑은 고딕" panose="020B0503020000020004" pitchFamily="50" charset="-127"/>
+                          <a:ea typeface="맑은 고딕" panose="020B0503020000020004" pitchFamily="50" charset="-127"/>
+                        </a:rPr>
+                        <a:t>.</a:t>
+                      </a:r>
+                    </a:p>
+                  </a:txBody>
+                  <a:tcPr anchor="ctr"/>
+                </a:tc>
+                <a:extLst>
+                  <a:ext uri="{0D108BD9-81ED-4DB2-BD59-A6C34878D82A}">
+                    <a16:rowId xmlns:a16="http://schemas.microsoft.com/office/drawing/2014/main" val="2530133237"/>
+                  </a:ext>
+                </a:extLst>
+              </a:tr>
+              <a:tr h="1424737">
+                <a:tc>
+                  <a:txBody>
+                    <a:bodyPr/>
+                    <a:lstStyle/>
+                    <a:p>
+                      <a:pPr algn="ctr" latinLnBrk="1"/>
+                      <a:r>
+                        <a:rPr lang="ko-KR" altLang="en-US" sz="2800" b="1" dirty="0" err="1">
+                          <a:latin typeface="맑은 고딕" panose="020B0503020000020004" pitchFamily="50" charset="-127"/>
+                          <a:ea typeface="맑은 고딕" panose="020B0503020000020004" pitchFamily="50" charset="-127"/>
+                        </a:rPr>
+                        <a:t>김하윤</a:t>
+                      </a:r>
+                      <a:endParaRPr lang="ko-KR" altLang="en-US" sz="2800" b="1" dirty="0">
+                        <a:latin typeface="맑은 고딕" panose="020B0503020000020004" pitchFamily="50" charset="-127"/>
+                        <a:ea typeface="맑은 고딕" panose="020B0503020000020004" pitchFamily="50" charset="-127"/>
+                      </a:endParaRPr>
+                    </a:p>
+                  </a:txBody>
+                  <a:tcPr anchor="ctr"/>
+                </a:tc>
+                <a:tc>
+                  <a:txBody>
+                    <a:bodyPr/>
+                    <a:lstStyle/>
+                    <a:p>
+                      <a:pPr marL="285750" marR="0" indent="-285750" algn="l" fontAlgn="base" latinLnBrk="0">
+                        <a:lnSpc>
+                          <a:spcPct val="160000"/>
+                        </a:lnSpc>
+                        <a:spcBef>
+                          <a:spcPts val="0"/>
+                        </a:spcBef>
+                        <a:spcAft>
+                          <a:spcPts val="0"/>
+                        </a:spcAft>
+                        <a:buFont typeface="Arial" panose="020B0604020202020204" pitchFamily="34" charset="0"/>
+                        <a:buChar char="•"/>
+                      </a:pPr>
+                      <a:r>
+                        <a:rPr lang="ko-KR" altLang="en-US" sz="1800" kern="0" spc="0" dirty="0" err="1">
+                          <a:solidFill>
+                            <a:srgbClr val="000000"/>
+                          </a:solidFill>
+                          <a:effectLst/>
+                          <a:latin typeface="맑은 고딕" panose="020B0503020000020004" pitchFamily="50" charset="-127"/>
+                          <a:ea typeface="맑은 고딕" panose="020B0503020000020004" pitchFamily="50" charset="-127"/>
+                        </a:rPr>
+                        <a:t>아두이노</a:t>
+                      </a:r>
+                      <a:r>
+                        <a:rPr lang="ko-KR" altLang="en-US" sz="1800" kern="0" spc="0" dirty="0">
+                          <a:solidFill>
+                            <a:srgbClr val="000000"/>
+                          </a:solidFill>
+                          <a:effectLst/>
+                          <a:latin typeface="맑은 고딕" panose="020B0503020000020004" pitchFamily="50" charset="-127"/>
+                          <a:ea typeface="맑은 고딕" panose="020B0503020000020004" pitchFamily="50" charset="-127"/>
+                        </a:rPr>
+                        <a:t> </a:t>
+                      </a:r>
+                      <a:r>
+                        <a:rPr lang="en-US" altLang="ko-KR" sz="1800" kern="0" spc="0" dirty="0">
+                          <a:solidFill>
+                            <a:srgbClr val="000000"/>
+                          </a:solidFill>
+                          <a:effectLst/>
+                          <a:latin typeface="맑은 고딕" panose="020B0503020000020004" pitchFamily="50" charset="-127"/>
+                          <a:ea typeface="맑은 고딕" panose="020B0503020000020004" pitchFamily="50" charset="-127"/>
+                        </a:rPr>
+                        <a:t>GPS </a:t>
+                      </a:r>
+                      <a:r>
+                        <a:rPr lang="ko-KR" altLang="en-US" sz="1800" kern="0" spc="0" dirty="0">
+                          <a:solidFill>
+                            <a:srgbClr val="000000"/>
+                          </a:solidFill>
+                          <a:effectLst/>
+                          <a:latin typeface="맑은 고딕" panose="020B0503020000020004" pitchFamily="50" charset="-127"/>
+                          <a:ea typeface="맑은 고딕" panose="020B0503020000020004" pitchFamily="50" charset="-127"/>
+                        </a:rPr>
+                        <a:t>모듈 테스트</a:t>
+                      </a:r>
+                      <a:endParaRPr lang="en-US" altLang="ko-KR" sz="1800" kern="0" dirty="0">
+                        <a:solidFill>
+                          <a:srgbClr val="000000"/>
+                        </a:solidFill>
+                        <a:latin typeface="맑은 고딕" panose="020B0503020000020004" pitchFamily="50" charset="-127"/>
+                        <a:ea typeface="맑은 고딕" panose="020B0503020000020004" pitchFamily="50" charset="-127"/>
+                      </a:endParaRPr>
+                    </a:p>
+                    <a:p>
+                      <a:pPr marL="285750" marR="0" indent="-285750" algn="l" fontAlgn="base" latinLnBrk="0">
+                        <a:lnSpc>
+                          <a:spcPct val="160000"/>
+                        </a:lnSpc>
+                        <a:spcBef>
+                          <a:spcPts val="0"/>
+                        </a:spcBef>
+                        <a:spcAft>
+                          <a:spcPts val="0"/>
+                        </a:spcAft>
+                        <a:buFont typeface="Arial" panose="020B0604020202020204" pitchFamily="34" charset="0"/>
+                        <a:buChar char="•"/>
+                      </a:pPr>
+                      <a:r>
+                        <a:rPr lang="ko-KR" altLang="en-US" sz="1800" kern="0" spc="0" dirty="0">
+                          <a:solidFill>
+                            <a:srgbClr val="000000"/>
+                          </a:solidFill>
+                          <a:effectLst/>
+                          <a:latin typeface="맑은 고딕" panose="020B0503020000020004" pitchFamily="50" charset="-127"/>
+                          <a:ea typeface="맑은 고딕" panose="020B0503020000020004" pitchFamily="50" charset="-127"/>
+                        </a:rPr>
+                        <a:t>스마트폰 </a:t>
+                      </a:r>
+                      <a:r>
+                        <a:rPr lang="ko-KR" altLang="en-US" sz="1800" kern="0" spc="0" dirty="0" err="1">
+                          <a:solidFill>
+                            <a:srgbClr val="000000"/>
+                          </a:solidFill>
+                          <a:effectLst/>
+                          <a:latin typeface="맑은 고딕" panose="020B0503020000020004" pitchFamily="50" charset="-127"/>
+                          <a:ea typeface="맑은 고딕" panose="020B0503020000020004" pitchFamily="50" charset="-127"/>
+                        </a:rPr>
+                        <a:t>푸시알림</a:t>
+                      </a:r>
+                      <a:r>
+                        <a:rPr lang="ko-KR" altLang="en-US" sz="1800" kern="0" spc="0" dirty="0">
+                          <a:solidFill>
+                            <a:srgbClr val="000000"/>
+                          </a:solidFill>
+                          <a:effectLst/>
+                          <a:latin typeface="맑은 고딕" panose="020B0503020000020004" pitchFamily="50" charset="-127"/>
+                          <a:ea typeface="맑은 고딕" panose="020B0503020000020004" pitchFamily="50" charset="-127"/>
+                        </a:rPr>
+                        <a:t> 설정</a:t>
+                      </a:r>
+                      <a:r>
+                        <a:rPr lang="en-US" altLang="ko-KR" sz="1800" kern="0" spc="0" dirty="0">
+                          <a:solidFill>
+                            <a:srgbClr val="FF0000"/>
+                          </a:solidFill>
+                          <a:effectLst/>
+                          <a:latin typeface="맑은 고딕" panose="020B0503020000020004" pitchFamily="50" charset="-127"/>
+                          <a:ea typeface="맑은 고딕" panose="020B0503020000020004" pitchFamily="50" charset="-127"/>
+                        </a:rPr>
+                        <a:t>(</a:t>
+                      </a:r>
+                      <a:r>
+                        <a:rPr lang="ko-KR" altLang="en-US" sz="1800" kern="0" spc="0" dirty="0">
+                          <a:solidFill>
+                            <a:srgbClr val="FF0000"/>
+                          </a:solidFill>
+                          <a:effectLst/>
+                          <a:latin typeface="맑은 고딕" panose="020B0503020000020004" pitchFamily="50" charset="-127"/>
+                          <a:ea typeface="맑은 고딕" panose="020B0503020000020004" pitchFamily="50" charset="-127"/>
+                        </a:rPr>
+                        <a:t>구현</a:t>
+                      </a:r>
+                      <a:r>
+                        <a:rPr lang="en-US" altLang="ko-KR" sz="1800" kern="0" spc="0" dirty="0">
+                          <a:solidFill>
+                            <a:srgbClr val="FF0000"/>
+                          </a:solidFill>
+                          <a:effectLst/>
+                          <a:latin typeface="맑은 고딕" panose="020B0503020000020004" pitchFamily="50" charset="-127"/>
+                          <a:ea typeface="맑은 고딕" panose="020B0503020000020004" pitchFamily="50" charset="-127"/>
+                        </a:rPr>
+                        <a:t>X)</a:t>
+                      </a:r>
+                      <a:endParaRPr lang="ko-KR" altLang="en-US" sz="1800" kern="0" spc="0" dirty="0">
+                        <a:solidFill>
+                          <a:srgbClr val="FF0000"/>
+                        </a:solidFill>
+                        <a:effectLst/>
+                        <a:latin typeface="맑은 고딕" panose="020B0503020000020004" pitchFamily="50" charset="-127"/>
+                        <a:ea typeface="맑은 고딕" panose="020B0503020000020004" pitchFamily="50" charset="-127"/>
+                      </a:endParaRPr>
+                    </a:p>
+                  </a:txBody>
+                  <a:tcPr anchor="ctr"/>
+                </a:tc>
+                <a:tc>
+                  <a:txBody>
+                    <a:bodyPr/>
+                    <a:lstStyle/>
+                    <a:p>
+                      <a:pPr algn="ctr" latinLnBrk="1">
+                        <a:lnSpc>
+                          <a:spcPct val="150000"/>
+                        </a:lnSpc>
+                      </a:pPr>
+                      <a:r>
+                        <a:rPr lang="en-US" altLang="ko-KR" sz="1800" dirty="0">
+                          <a:latin typeface="맑은 고딕" panose="020B0503020000020004" pitchFamily="50" charset="-127"/>
+                          <a:ea typeface="맑은 고딕" panose="020B0503020000020004" pitchFamily="50" charset="-127"/>
+                        </a:rPr>
+                        <a:t>GPS </a:t>
+                      </a:r>
+                      <a:r>
+                        <a:rPr lang="ko-KR" altLang="en-US" sz="1800" dirty="0">
+                          <a:latin typeface="맑은 고딕" panose="020B0503020000020004" pitchFamily="50" charset="-127"/>
+                          <a:ea typeface="맑은 고딕" panose="020B0503020000020004" pitchFamily="50" charset="-127"/>
+                        </a:rPr>
+                        <a:t>모듈의</a:t>
+                      </a:r>
+                      <a:r>
+                        <a:rPr lang="en-US" altLang="ko-KR" sz="1800" dirty="0">
+                          <a:latin typeface="맑은 고딕" panose="020B0503020000020004" pitchFamily="50" charset="-127"/>
+                          <a:ea typeface="맑은 고딕" panose="020B0503020000020004" pitchFamily="50" charset="-127"/>
+                        </a:rPr>
+                        <a:t> </a:t>
+                      </a:r>
+                      <a:r>
+                        <a:rPr lang="ko-KR" altLang="en-US" sz="1800" dirty="0">
+                          <a:latin typeface="맑은 고딕" panose="020B0503020000020004" pitchFamily="50" charset="-127"/>
+                          <a:ea typeface="맑은 고딕" panose="020B0503020000020004" pitchFamily="50" charset="-127"/>
+                        </a:rPr>
+                        <a:t>데이터를 불러오고</a:t>
+                      </a:r>
+                      <a:endParaRPr lang="en-US" altLang="ko-KR" sz="1800" dirty="0">
+                        <a:latin typeface="맑은 고딕" panose="020B0503020000020004" pitchFamily="50" charset="-127"/>
+                        <a:ea typeface="맑은 고딕" panose="020B0503020000020004" pitchFamily="50" charset="-127"/>
+                      </a:endParaRPr>
+                    </a:p>
+                    <a:p>
+                      <a:pPr algn="ctr" latinLnBrk="1">
+                        <a:lnSpc>
+                          <a:spcPct val="150000"/>
+                        </a:lnSpc>
+                      </a:pPr>
+                      <a:r>
+                        <a:rPr lang="ko-KR" altLang="en-US" sz="1800" dirty="0">
+                          <a:latin typeface="맑은 고딕" panose="020B0503020000020004" pitchFamily="50" charset="-127"/>
+                          <a:ea typeface="맑은 고딕" panose="020B0503020000020004" pitchFamily="50" charset="-127"/>
+                        </a:rPr>
+                        <a:t>스마트폰 푸시 알림을 설정함</a:t>
+                      </a:r>
+                      <a:endParaRPr lang="en-US" altLang="ko-KR" sz="1800" dirty="0">
+                        <a:latin typeface="맑은 고딕" panose="020B0503020000020004" pitchFamily="50" charset="-127"/>
+                        <a:ea typeface="맑은 고딕" panose="020B0503020000020004" pitchFamily="50" charset="-127"/>
+                      </a:endParaRPr>
+                    </a:p>
+                  </a:txBody>
+                  <a:tcPr anchor="ctr"/>
+                </a:tc>
+                <a:extLst>
+                  <a:ext uri="{0D108BD9-81ED-4DB2-BD59-A6C34878D82A}">
+                    <a16:rowId xmlns:a16="http://schemas.microsoft.com/office/drawing/2014/main" val="385950143"/>
+                  </a:ext>
+                </a:extLst>
+              </a:tr>
+              <a:tr h="2110487">
+                <a:tc>
+                  <a:txBody>
+                    <a:bodyPr/>
+                    <a:lstStyle/>
+                    <a:p>
+                      <a:pPr algn="ctr" latinLnBrk="1"/>
+                      <a:r>
+                        <a:rPr lang="ko-KR" altLang="en-US" sz="2800" b="1" dirty="0">
+                          <a:latin typeface="맑은 고딕" panose="020B0503020000020004" pitchFamily="50" charset="-127"/>
+                          <a:ea typeface="맑은 고딕" panose="020B0503020000020004" pitchFamily="50" charset="-127"/>
+                        </a:rPr>
+                        <a:t>최창환</a:t>
+                      </a:r>
+                    </a:p>
+                  </a:txBody>
+                  <a:tcPr anchor="ctr"/>
+                </a:tc>
+                <a:tc>
+                  <a:txBody>
+                    <a:bodyPr/>
+                    <a:lstStyle/>
+                    <a:p>
+                      <a:pPr marL="285750" marR="0" indent="-285750" algn="l" fontAlgn="base" latinLnBrk="0">
+                        <a:lnSpc>
+                          <a:spcPct val="160000"/>
+                        </a:lnSpc>
+                        <a:spcBef>
+                          <a:spcPts val="0"/>
+                        </a:spcBef>
+                        <a:spcAft>
+                          <a:spcPts val="0"/>
+                        </a:spcAft>
+                        <a:buFont typeface="Arial" panose="020B0604020202020204" pitchFamily="34" charset="0"/>
+                        <a:buChar char="•"/>
+                      </a:pPr>
+                      <a:r>
+                        <a:rPr lang="ko-KR" altLang="en-US" sz="1800" kern="0" spc="0" dirty="0" err="1">
+                          <a:solidFill>
+                            <a:srgbClr val="000000"/>
+                          </a:solidFill>
+                          <a:effectLst/>
+                          <a:latin typeface="맑은 고딕" panose="020B0503020000020004" pitchFamily="50" charset="-127"/>
+                          <a:ea typeface="맑은 고딕" panose="020B0503020000020004" pitchFamily="50" charset="-127"/>
+                        </a:rPr>
+                        <a:t>아두이노</a:t>
+                      </a:r>
+                      <a:r>
+                        <a:rPr lang="ko-KR" altLang="en-US" sz="1800" kern="0" spc="0" dirty="0">
+                          <a:solidFill>
+                            <a:srgbClr val="000000"/>
+                          </a:solidFill>
+                          <a:effectLst/>
+                          <a:latin typeface="맑은 고딕" panose="020B0503020000020004" pitchFamily="50" charset="-127"/>
+                          <a:ea typeface="맑은 고딕" panose="020B0503020000020004" pitchFamily="50" charset="-127"/>
+                        </a:rPr>
+                        <a:t> 회로도 설계</a:t>
+                      </a:r>
+                      <a:r>
+                        <a:rPr lang="en-US" altLang="ko-KR" sz="1800" kern="0" spc="0" dirty="0">
+                          <a:solidFill>
+                            <a:srgbClr val="000000"/>
+                          </a:solidFill>
+                          <a:effectLst/>
+                          <a:latin typeface="맑은 고딕" panose="020B0503020000020004" pitchFamily="50" charset="-127"/>
+                          <a:ea typeface="맑은 고딕" panose="020B0503020000020004" pitchFamily="50" charset="-127"/>
+                        </a:rPr>
+                        <a:t> </a:t>
+                      </a:r>
+                    </a:p>
+                    <a:p>
+                      <a:pPr marL="285750" marR="0" indent="-285750" algn="l" fontAlgn="base" latinLnBrk="0">
+                        <a:lnSpc>
+                          <a:spcPct val="160000"/>
+                        </a:lnSpc>
+                        <a:spcBef>
+                          <a:spcPts val="0"/>
+                        </a:spcBef>
+                        <a:spcAft>
+                          <a:spcPts val="0"/>
+                        </a:spcAft>
+                        <a:buFont typeface="Arial" panose="020B0604020202020204" pitchFamily="34" charset="0"/>
+                        <a:buChar char="•"/>
+                      </a:pPr>
+                      <a:r>
+                        <a:rPr lang="ko-KR" altLang="en-US" sz="1800" kern="0" spc="0" dirty="0">
+                          <a:solidFill>
+                            <a:srgbClr val="000000"/>
+                          </a:solidFill>
+                          <a:effectLst/>
+                          <a:latin typeface="맑은 고딕" panose="020B0503020000020004" pitchFamily="50" charset="-127"/>
+                          <a:ea typeface="맑은 고딕" panose="020B0503020000020004" pitchFamily="50" charset="-127"/>
+                        </a:rPr>
+                        <a:t>디스플레이 구현</a:t>
+                      </a:r>
+                      <a:r>
+                        <a:rPr lang="en-US" altLang="ko-KR" sz="1800" kern="0" spc="0" dirty="0">
+                          <a:solidFill>
+                            <a:srgbClr val="000000"/>
+                          </a:solidFill>
+                          <a:effectLst/>
+                          <a:latin typeface="맑은 고딕" panose="020B0503020000020004" pitchFamily="50" charset="-127"/>
+                          <a:ea typeface="맑은 고딕" panose="020B0503020000020004" pitchFamily="50" charset="-127"/>
+                        </a:rPr>
+                        <a:t> </a:t>
+                      </a:r>
+                    </a:p>
+                    <a:p>
+                      <a:pPr marL="285750" marR="0" indent="-285750" algn="l" fontAlgn="base" latinLnBrk="0">
+                        <a:lnSpc>
+                          <a:spcPct val="160000"/>
+                        </a:lnSpc>
+                        <a:spcBef>
+                          <a:spcPts val="0"/>
+                        </a:spcBef>
+                        <a:spcAft>
+                          <a:spcPts val="0"/>
+                        </a:spcAft>
+                        <a:buFont typeface="Arial" panose="020B0604020202020204" pitchFamily="34" charset="0"/>
+                        <a:buChar char="•"/>
+                      </a:pPr>
+                      <a:r>
+                        <a:rPr lang="en-US" altLang="ko-KR" sz="1800" kern="0" spc="0" dirty="0">
+                          <a:solidFill>
+                            <a:srgbClr val="000000"/>
+                          </a:solidFill>
+                          <a:effectLst/>
+                          <a:latin typeface="맑은 고딕" panose="020B0503020000020004" pitchFamily="50" charset="-127"/>
+                          <a:ea typeface="맑은 고딕" panose="020B0503020000020004" pitchFamily="50" charset="-127"/>
+                        </a:rPr>
+                        <a:t>API </a:t>
+                      </a:r>
+                      <a:r>
+                        <a:rPr lang="ko-KR" altLang="en-US" sz="1800" kern="0" spc="0" dirty="0">
+                          <a:solidFill>
+                            <a:srgbClr val="000000"/>
+                          </a:solidFill>
+                          <a:effectLst/>
+                          <a:latin typeface="맑은 고딕" panose="020B0503020000020004" pitchFamily="50" charset="-127"/>
+                          <a:ea typeface="맑은 고딕" panose="020B0503020000020004" pitchFamily="50" charset="-127"/>
+                        </a:rPr>
+                        <a:t>데이터</a:t>
+                      </a:r>
+                      <a:r>
+                        <a:rPr lang="en-US" altLang="ko-KR" sz="1800" kern="0" spc="0" dirty="0">
+                          <a:solidFill>
+                            <a:srgbClr val="000000"/>
+                          </a:solidFill>
+                          <a:effectLst/>
+                          <a:latin typeface="맑은 고딕" panose="020B0503020000020004" pitchFamily="50" charset="-127"/>
+                          <a:ea typeface="맑은 고딕" panose="020B0503020000020004" pitchFamily="50" charset="-127"/>
+                        </a:rPr>
+                        <a:t>(</a:t>
+                      </a:r>
+                      <a:r>
+                        <a:rPr lang="ko-KR" altLang="en-US" sz="1800" kern="0" spc="0" dirty="0">
+                          <a:solidFill>
+                            <a:srgbClr val="000000"/>
+                          </a:solidFill>
+                          <a:effectLst/>
+                          <a:latin typeface="맑은 고딕" panose="020B0503020000020004" pitchFamily="50" charset="-127"/>
+                          <a:ea typeface="맑은 고딕" panose="020B0503020000020004" pitchFamily="50" charset="-127"/>
+                        </a:rPr>
+                        <a:t>버스정보</a:t>
+                      </a:r>
+                      <a:r>
+                        <a:rPr lang="en-US" altLang="ko-KR" sz="1800" kern="0" spc="0" dirty="0">
+                          <a:solidFill>
+                            <a:srgbClr val="000000"/>
+                          </a:solidFill>
+                          <a:effectLst/>
+                          <a:latin typeface="맑은 고딕" panose="020B0503020000020004" pitchFamily="50" charset="-127"/>
+                          <a:ea typeface="맑은 고딕" panose="020B0503020000020004" pitchFamily="50" charset="-127"/>
+                        </a:rPr>
+                        <a:t>/</a:t>
+                      </a:r>
+                      <a:r>
+                        <a:rPr lang="ko-KR" altLang="en-US" sz="1800" kern="0" spc="0" dirty="0">
+                          <a:solidFill>
+                            <a:srgbClr val="000000"/>
+                          </a:solidFill>
+                          <a:effectLst/>
+                          <a:latin typeface="맑은 고딕" panose="020B0503020000020004" pitchFamily="50" charset="-127"/>
+                          <a:ea typeface="맑은 고딕" panose="020B0503020000020004" pitchFamily="50" charset="-127"/>
+                        </a:rPr>
+                        <a:t>날씨</a:t>
+                      </a:r>
+                      <a:r>
+                        <a:rPr lang="en-US" altLang="ko-KR" sz="1800" kern="0" spc="0" dirty="0">
+                          <a:solidFill>
+                            <a:srgbClr val="000000"/>
+                          </a:solidFill>
+                          <a:effectLst/>
+                          <a:latin typeface="맑은 고딕" panose="020B0503020000020004" pitchFamily="50" charset="-127"/>
+                          <a:ea typeface="맑은 고딕" panose="020B0503020000020004" pitchFamily="50" charset="-127"/>
+                        </a:rPr>
+                        <a:t>) </a:t>
+                      </a:r>
+                      <a:r>
+                        <a:rPr lang="ko-KR" altLang="en-US" sz="1800" kern="0" spc="0" dirty="0">
+                          <a:solidFill>
+                            <a:srgbClr val="000000"/>
+                          </a:solidFill>
+                          <a:effectLst/>
+                          <a:latin typeface="맑은 고딕" panose="020B0503020000020004" pitchFamily="50" charset="-127"/>
+                          <a:ea typeface="맑은 고딕" panose="020B0503020000020004" pitchFamily="50" charset="-127"/>
+                        </a:rPr>
+                        <a:t>파싱</a:t>
+                      </a:r>
+                      <a:endParaRPr lang="en-US" altLang="ko-KR" sz="1800" kern="0" spc="0" dirty="0">
+                        <a:solidFill>
+                          <a:srgbClr val="000000"/>
+                        </a:solidFill>
+                        <a:effectLst/>
+                        <a:latin typeface="맑은 고딕" panose="020B0503020000020004" pitchFamily="50" charset="-127"/>
+                        <a:ea typeface="맑은 고딕" panose="020B0503020000020004" pitchFamily="50" charset="-127"/>
+                      </a:endParaRPr>
+                    </a:p>
+                    <a:p>
+                      <a:pPr marL="285750" marR="0" indent="-285750" algn="l" fontAlgn="base" latinLnBrk="0">
+                        <a:lnSpc>
+                          <a:spcPct val="160000"/>
+                        </a:lnSpc>
+                        <a:spcBef>
+                          <a:spcPts val="0"/>
+                        </a:spcBef>
+                        <a:spcAft>
+                          <a:spcPts val="0"/>
+                        </a:spcAft>
+                        <a:buFont typeface="Arial" panose="020B0604020202020204" pitchFamily="34" charset="0"/>
+                        <a:buChar char="•"/>
+                      </a:pPr>
+                      <a:r>
+                        <a:rPr lang="en-US" altLang="ko-KR" sz="1800" kern="0" spc="0" dirty="0">
+                          <a:solidFill>
+                            <a:srgbClr val="000000"/>
+                          </a:solidFill>
+                          <a:effectLst/>
+                          <a:latin typeface="맑은 고딕" panose="020B0503020000020004" pitchFamily="50" charset="-127"/>
+                          <a:ea typeface="맑은 고딕" panose="020B0503020000020004" pitchFamily="50" charset="-127"/>
+                        </a:rPr>
+                        <a:t>STL </a:t>
+                      </a:r>
+                      <a:r>
+                        <a:rPr lang="ko-KR" altLang="en-US" sz="1800" kern="0" spc="0" dirty="0">
+                          <a:solidFill>
+                            <a:srgbClr val="000000"/>
+                          </a:solidFill>
+                          <a:effectLst/>
+                          <a:latin typeface="맑은 고딕" panose="020B0503020000020004" pitchFamily="50" charset="-127"/>
+                          <a:ea typeface="맑은 고딕" panose="020B0503020000020004" pitchFamily="50" charset="-127"/>
+                        </a:rPr>
+                        <a:t>파일 제작</a:t>
+                      </a:r>
+                    </a:p>
+                  </a:txBody>
+                  <a:tcPr anchor="ctr"/>
+                </a:tc>
+                <a:tc>
+                  <a:txBody>
+                    <a:bodyPr/>
+                    <a:lstStyle/>
+                    <a:p>
+                      <a:pPr algn="ctr" latinLnBrk="1">
+                        <a:lnSpc>
+                          <a:spcPct val="150000"/>
+                        </a:lnSpc>
+                      </a:pPr>
+                      <a:r>
+                        <a:rPr lang="ko-KR" altLang="en-US" sz="1800" dirty="0">
+                          <a:latin typeface="맑은 고딕" panose="020B0503020000020004" pitchFamily="50" charset="-127"/>
+                          <a:ea typeface="맑은 고딕" panose="020B0503020000020004" pitchFamily="50" charset="-127"/>
+                        </a:rPr>
+                        <a:t>전체적인 시스템을</a:t>
+                      </a:r>
+                      <a:r>
+                        <a:rPr lang="en-US" altLang="ko-KR" sz="1800" dirty="0">
+                          <a:latin typeface="맑은 고딕" panose="020B0503020000020004" pitchFamily="50" charset="-127"/>
+                          <a:ea typeface="맑은 고딕" panose="020B0503020000020004" pitchFamily="50" charset="-127"/>
+                        </a:rPr>
+                        <a:t> </a:t>
+                      </a:r>
+                      <a:r>
+                        <a:rPr lang="ko-KR" altLang="en-US" sz="1800" dirty="0">
+                          <a:latin typeface="맑은 고딕" panose="020B0503020000020004" pitchFamily="50" charset="-127"/>
+                          <a:ea typeface="맑은 고딕" panose="020B0503020000020004" pitchFamily="50" charset="-127"/>
+                        </a:rPr>
+                        <a:t>설계하고 불러온 데이터를 </a:t>
+                      </a:r>
+                      <a:r>
+                        <a:rPr lang="ko-KR" altLang="en-US" sz="1800" dirty="0" err="1">
+                          <a:latin typeface="맑은 고딕" panose="020B0503020000020004" pitchFamily="50" charset="-127"/>
+                          <a:ea typeface="맑은 고딕" panose="020B0503020000020004" pitchFamily="50" charset="-127"/>
+                        </a:rPr>
+                        <a:t>아두이노에서</a:t>
+                      </a:r>
+                      <a:r>
+                        <a:rPr lang="ko-KR" altLang="en-US" sz="1800" dirty="0">
+                          <a:latin typeface="맑은 고딕" panose="020B0503020000020004" pitchFamily="50" charset="-127"/>
+                          <a:ea typeface="맑은 고딕" panose="020B0503020000020004" pitchFamily="50" charset="-127"/>
+                        </a:rPr>
+                        <a:t> 동작하도록 </a:t>
+                      </a:r>
+                      <a:endParaRPr lang="en-US" altLang="ko-KR" sz="1800" dirty="0">
+                        <a:latin typeface="맑은 고딕" panose="020B0503020000020004" pitchFamily="50" charset="-127"/>
+                        <a:ea typeface="맑은 고딕" panose="020B0503020000020004" pitchFamily="50" charset="-127"/>
+                      </a:endParaRPr>
+                    </a:p>
+                    <a:p>
+                      <a:pPr algn="ctr" latinLnBrk="1">
+                        <a:lnSpc>
+                          <a:spcPct val="150000"/>
+                        </a:lnSpc>
+                      </a:pPr>
+                      <a:r>
+                        <a:rPr lang="ko-KR" altLang="en-US" sz="1800" dirty="0">
+                          <a:latin typeface="맑은 고딕" panose="020B0503020000020004" pitchFamily="50" charset="-127"/>
+                          <a:ea typeface="맑은 고딕" panose="020B0503020000020004" pitchFamily="50" charset="-127"/>
+                        </a:rPr>
+                        <a:t>하는 알고리즘을 구현함</a:t>
+                      </a:r>
+                      <a:endParaRPr lang="en-US" altLang="ko-KR" sz="1800" dirty="0">
+                        <a:latin typeface="맑은 고딕" panose="020B0503020000020004" pitchFamily="50" charset="-127"/>
+                        <a:ea typeface="맑은 고딕" panose="020B0503020000020004" pitchFamily="50" charset="-127"/>
+                      </a:endParaRPr>
+                    </a:p>
+                  </a:txBody>
+                  <a:tcPr anchor="ctr"/>
+                </a:tc>
+                <a:extLst>
+                  <a:ext uri="{0D108BD9-81ED-4DB2-BD59-A6C34878D82A}">
+                    <a16:rowId xmlns:a16="http://schemas.microsoft.com/office/drawing/2014/main" val="2395014728"/>
+                  </a:ext>
+                </a:extLst>
+              </a:tr>
+            </a:tbl>
+          </a:graphicData>
+        </a:graphic>
+      </p:graphicFrame>
     </p:spTree>
   </p:cSld>
   <p:clrMapOvr>
@@ -8557,8 +9546,38 @@
                 <a:ea typeface="맑은 고딕" panose="020B0503020000020004" pitchFamily="50" charset="-127"/>
                 <a:cs typeface="Gmarket Sans Medium" pitchFamily="34" charset="0"/>
               </a:rPr>
-              <a:t>2) API 데이터 파싱</a:t>
-            </a:r>
+              <a:t>2) GPS, </a:t>
+            </a:r>
+            <a:r>
+              <a:rPr lang="en-US" altLang="ko-KR" sz="5100" b="1" kern="0" spc="-200" dirty="0">
+                <a:solidFill>
+                  <a:srgbClr val="000000"/>
+                </a:solidFill>
+                <a:latin typeface="맑은 고딕" panose="020B0503020000020004" pitchFamily="50" charset="-127"/>
+                <a:ea typeface="맑은 고딕" panose="020B0503020000020004" pitchFamily="50" charset="-127"/>
+                <a:cs typeface="Gmarket Sans Medium" pitchFamily="34" charset="0"/>
+              </a:rPr>
+              <a:t>API </a:t>
+            </a:r>
+            <a:r>
+              <a:rPr lang="ko-KR" altLang="en-US" sz="5100" b="1" kern="0" spc="-200" dirty="0">
+                <a:solidFill>
+                  <a:srgbClr val="000000"/>
+                </a:solidFill>
+                <a:latin typeface="맑은 고딕" panose="020B0503020000020004" pitchFamily="50" charset="-127"/>
+                <a:ea typeface="맑은 고딕" panose="020B0503020000020004" pitchFamily="50" charset="-127"/>
+                <a:cs typeface="Gmarket Sans Medium" pitchFamily="34" charset="0"/>
+              </a:rPr>
+              <a:t>데이터 파싱</a:t>
+            </a:r>
+            <a:endParaRPr lang="en-US" sz="5100" b="1" kern="0" spc="-200" dirty="0">
+              <a:solidFill>
+                <a:srgbClr val="000000"/>
+              </a:solidFill>
+              <a:latin typeface="맑은 고딕" panose="020B0503020000020004" pitchFamily="50" charset="-127"/>
+              <a:ea typeface="맑은 고딕" panose="020B0503020000020004" pitchFamily="50" charset="-127"/>
+              <a:cs typeface="Gmarket Sans Medium" pitchFamily="34" charset="0"/>
+            </a:endParaRPr>
           </a:p>
           <a:p>
             <a:endParaRPr lang="en-US" sz="5100" b="1" kern="0" spc="-200" dirty="0">
@@ -8625,8 +9644,8 @@
         </p:nvGrpSpPr>
         <p:grpSpPr>
           <a:xfrm>
-            <a:off x="1177064" y="6774348"/>
-            <a:ext cx="8962206" cy="2555489"/>
+            <a:off x="1420619" y="6698086"/>
+            <a:ext cx="7402137" cy="2110650"/>
             <a:chOff x="1177064" y="6774348"/>
             <a:chExt cx="8962206" cy="2555489"/>
           </a:xfrm>
@@ -8727,8 +9746,8 @@
         </p:nvSpPr>
         <p:spPr>
           <a:xfrm>
-            <a:off x="-153191" y="9296799"/>
-            <a:ext cx="11622715" cy="477054"/>
+            <a:off x="1420619" y="8980573"/>
+            <a:ext cx="8421524" cy="477054"/>
           </a:xfrm>
           <a:prstGeom prst="rect">
             <a:avLst/>
@@ -8782,8 +9801,8 @@
         </p:blipFill>
         <p:spPr>
           <a:xfrm>
-            <a:off x="1351027" y="3262348"/>
-            <a:ext cx="8167500" cy="3420000"/>
+            <a:off x="1420620" y="3563981"/>
+            <a:ext cx="7074364" cy="2962268"/>
           </a:xfrm>
           <a:prstGeom prst="rect">
             <a:avLst/>
@@ -8798,8 +9817,8 @@
         </p:nvSpPr>
         <p:spPr>
           <a:xfrm>
-            <a:off x="5181600" y="3363542"/>
-            <a:ext cx="6584388" cy="1523494"/>
+            <a:off x="5875136" y="3547906"/>
+            <a:ext cx="4651480" cy="1523494"/>
           </a:xfrm>
           <a:prstGeom prst="rect">
             <a:avLst/>
@@ -9161,10 +10180,41 @@
                 <a:ea typeface="맑은 고딕" panose="020B0503020000020004" pitchFamily="50" charset="-127"/>
                 <a:cs typeface="Gmarket Sans Medium" pitchFamily="34" charset="0"/>
               </a:rPr>
-              <a:t>3) 웹 서버 연동</a:t>
-            </a:r>
-          </a:p>
-          <a:p>
+              <a:t>3) 웹 </a:t>
+            </a:r>
+            <a:r>
+              <a:rPr lang="en-US" sz="5100" b="1" kern="0" spc="-200" dirty="0" err="1">
+                <a:solidFill>
+                  <a:srgbClr val="000000"/>
+                </a:solidFill>
+                <a:latin typeface="맑은 고딕" panose="020B0503020000020004" pitchFamily="50" charset="-127"/>
+                <a:ea typeface="맑은 고딕" panose="020B0503020000020004" pitchFamily="50" charset="-127"/>
+                <a:cs typeface="Gmarket Sans Medium" pitchFamily="34" charset="0"/>
+              </a:rPr>
+              <a:t>서버</a:t>
+            </a:r>
+            <a:r>
+              <a:rPr lang="en-US" sz="5100" b="1" kern="0" spc="-200" dirty="0">
+                <a:solidFill>
+                  <a:srgbClr val="000000"/>
+                </a:solidFill>
+                <a:latin typeface="맑은 고딕" panose="020B0503020000020004" pitchFamily="50" charset="-127"/>
+                <a:ea typeface="맑은 고딕" panose="020B0503020000020004" pitchFamily="50" charset="-127"/>
+                <a:cs typeface="Gmarket Sans Medium" pitchFamily="34" charset="0"/>
+              </a:rPr>
+              <a:t> </a:t>
+            </a:r>
+            <a:r>
+              <a:rPr lang="ko-KR" altLang="en-US" sz="5100" b="1" kern="0" spc="-200" dirty="0">
+                <a:solidFill>
+                  <a:srgbClr val="000000"/>
+                </a:solidFill>
+                <a:latin typeface="맑은 고딕" panose="020B0503020000020004" pitchFamily="50" charset="-127"/>
+                <a:ea typeface="맑은 고딕" panose="020B0503020000020004" pitchFamily="50" charset="-127"/>
+                <a:cs typeface="Gmarket Sans Medium" pitchFamily="34" charset="0"/>
+              </a:rPr>
+              <a:t>설계</a:t>
+            </a:r>
             <a:endParaRPr lang="en-US" sz="5100" b="1" kern="0" spc="-200" dirty="0">
               <a:solidFill>
                 <a:srgbClr val="000000"/>
@@ -9175,6 +10225,16 @@
             </a:endParaRPr>
           </a:p>
           <a:p>
+            <a:endParaRPr lang="en-US" sz="5100" b="1" kern="0" spc="-200" dirty="0">
+              <a:solidFill>
+                <a:srgbClr val="000000"/>
+              </a:solidFill>
+              <a:latin typeface="맑은 고딕" panose="020B0503020000020004" pitchFamily="50" charset="-127"/>
+              <a:ea typeface="맑은 고딕" panose="020B0503020000020004" pitchFamily="50" charset="-127"/>
+              <a:cs typeface="Gmarket Sans Medium" pitchFamily="34" charset="0"/>
+            </a:endParaRPr>
+          </a:p>
+          <a:p>
             <a:endParaRPr lang="en-US" dirty="0">
               <a:latin typeface="맑은 고딕" panose="020B0503020000020004" pitchFamily="50" charset="-127"/>
               <a:ea typeface="맑은 고딕" panose="020B0503020000020004" pitchFamily="50" charset="-127"/>
@@ -9190,8 +10250,8 @@
         </p:nvGrpSpPr>
         <p:grpSpPr>
           <a:xfrm>
-            <a:off x="1254738" y="3503651"/>
-            <a:ext cx="7523748" cy="2598469"/>
+            <a:off x="1337605" y="3505343"/>
+            <a:ext cx="5367995" cy="1890320"/>
             <a:chOff x="1254738" y="3503651"/>
             <a:chExt cx="7523748" cy="2598469"/>
           </a:xfrm>
@@ -9223,53 +10283,14 @@
       </p:grpSp>
       <p:grpSp>
         <p:nvGrpSpPr>
-          <p:cNvPr id="1004" name="그룹 1004"/>
-          <p:cNvGrpSpPr/>
-          <p:nvPr/>
-        </p:nvGrpSpPr>
-        <p:grpSpPr>
-          <a:xfrm>
-            <a:off x="1272302" y="6662767"/>
-            <a:ext cx="4918715" cy="1051507"/>
-            <a:chOff x="1272302" y="6662767"/>
-            <a:chExt cx="4918715" cy="1051507"/>
-          </a:xfrm>
-        </p:grpSpPr>
-        <p:pic>
-          <p:nvPicPr>
-            <p:cNvPr id="17" name="Object 16"/>
-            <p:cNvPicPr>
-              <a:picLocks noChangeAspect="1"/>
-            </p:cNvPicPr>
-            <p:nvPr/>
-          </p:nvPicPr>
-          <p:blipFill>
-            <a:blip r:embed="rId5" cstate="print"/>
-            <a:stretch>
-              <a:fillRect/>
-            </a:stretch>
-          </p:blipFill>
-          <p:spPr>
-            <a:xfrm>
-              <a:off x="1272302" y="6662767"/>
-              <a:ext cx="4918715" cy="1051507"/>
-            </a:xfrm>
-            <a:prstGeom prst="rect">
-              <a:avLst/>
-            </a:prstGeom>
-          </p:spPr>
-        </p:pic>
-      </p:grpSp>
-      <p:grpSp>
-        <p:nvGrpSpPr>
           <p:cNvPr id="1005" name="그룹 1005"/>
           <p:cNvGrpSpPr/>
           <p:nvPr/>
         </p:nvGrpSpPr>
         <p:grpSpPr>
           <a:xfrm>
-            <a:off x="9142857" y="2146657"/>
-            <a:ext cx="8481028" cy="6358883"/>
+            <a:off x="10134602" y="2540320"/>
+            <a:ext cx="7452403" cy="5587643"/>
             <a:chOff x="9142857" y="2146657"/>
             <a:chExt cx="8481028" cy="6358883"/>
           </a:xfrm>
@@ -9283,7 +10304,7 @@
             <p:nvPr/>
           </p:nvPicPr>
           <p:blipFill>
-            <a:blip r:embed="rId6" cstate="print"/>
+            <a:blip r:embed="rId5" cstate="print"/>
             <a:stretch>
               <a:fillRect/>
             </a:stretch>
@@ -9307,7 +10328,7 @@
         </p:nvSpPr>
         <p:spPr>
           <a:xfrm>
-            <a:off x="627696" y="8505540"/>
+            <a:off x="786969" y="8432717"/>
             <a:ext cx="16714061" cy="1183722"/>
           </a:xfrm>
           <a:prstGeom prst="rect">
@@ -9373,6 +10394,36 @@
           </a:p>
         </p:txBody>
       </p:sp>
+      <p:pic>
+        <p:nvPicPr>
+          <p:cNvPr id="8" name="그림 7">
+            <a:extLst>
+              <a:ext uri="{FF2B5EF4-FFF2-40B4-BE49-F238E27FC236}">
+                <a16:creationId xmlns:a16="http://schemas.microsoft.com/office/drawing/2014/main" id="{E15F458A-903D-2C20-CF0C-6285FCD82334}"/>
+              </a:ext>
+            </a:extLst>
+          </p:cNvPr>
+          <p:cNvPicPr>
+            <a:picLocks noChangeAspect="1"/>
+          </p:cNvPicPr>
+          <p:nvPr/>
+        </p:nvPicPr>
+        <p:blipFill>
+          <a:blip r:embed="rId6"/>
+          <a:stretch>
+            <a:fillRect/>
+          </a:stretch>
+        </p:blipFill>
+        <p:spPr>
+          <a:xfrm>
+            <a:off x="1298427" y="5555307"/>
+            <a:ext cx="9369879" cy="2572655"/>
+          </a:xfrm>
+          <a:prstGeom prst="rect">
+            <a:avLst/>
+          </a:prstGeom>
+        </p:spPr>
+      </p:pic>
     </p:spTree>
   </p:cSld>
   <p:clrMapOvr>
@@ -9678,8 +10729,49 @@
                 <a:ea typeface="맑은 고딕" panose="020B0503020000020004" pitchFamily="50" charset="-127"/>
                 <a:cs typeface="Gmarket Sans Medium" pitchFamily="34" charset="0"/>
               </a:rPr>
-              <a:t>4) 디스플레이 출력</a:t>
-            </a:r>
+              <a:t>4) </a:t>
+            </a:r>
+            <a:r>
+              <a:rPr lang="en-US" sz="5100" b="1" kern="0" spc="-200" dirty="0" err="1">
+                <a:solidFill>
+                  <a:srgbClr val="000000"/>
+                </a:solidFill>
+                <a:latin typeface="맑은 고딕" panose="020B0503020000020004" pitchFamily="50" charset="-127"/>
+                <a:ea typeface="맑은 고딕" panose="020B0503020000020004" pitchFamily="50" charset="-127"/>
+                <a:cs typeface="Gmarket Sans Medium" pitchFamily="34" charset="0"/>
+              </a:rPr>
+              <a:t>디스플레이</a:t>
+            </a:r>
+            <a:r>
+              <a:rPr lang="en-US" sz="5100" b="1" kern="0" spc="-200" dirty="0">
+                <a:solidFill>
+                  <a:srgbClr val="000000"/>
+                </a:solidFill>
+                <a:latin typeface="맑은 고딕" panose="020B0503020000020004" pitchFamily="50" charset="-127"/>
+                <a:ea typeface="맑은 고딕" panose="020B0503020000020004" pitchFamily="50" charset="-127"/>
+                <a:cs typeface="Gmarket Sans Medium" pitchFamily="34" charset="0"/>
+              </a:rPr>
+              <a:t> </a:t>
+            </a:r>
+            <a:r>
+              <a:rPr lang="ko-KR" altLang="en-US" sz="5100" b="1" kern="0" spc="-200" dirty="0">
+                <a:solidFill>
+                  <a:srgbClr val="000000"/>
+                </a:solidFill>
+                <a:latin typeface="맑은 고딕" panose="020B0503020000020004" pitchFamily="50" charset="-127"/>
+                <a:ea typeface="맑은 고딕" panose="020B0503020000020004" pitchFamily="50" charset="-127"/>
+                <a:cs typeface="Gmarket Sans Medium" pitchFamily="34" charset="0"/>
+              </a:rPr>
+              <a:t>구현</a:t>
+            </a:r>
+            <a:endParaRPr lang="en-US" sz="5100" b="1" kern="0" spc="-200" dirty="0">
+              <a:solidFill>
+                <a:srgbClr val="000000"/>
+              </a:solidFill>
+              <a:latin typeface="맑은 고딕" panose="020B0503020000020004" pitchFamily="50" charset="-127"/>
+              <a:ea typeface="맑은 고딕" panose="020B0503020000020004" pitchFamily="50" charset="-127"/>
+              <a:cs typeface="Gmarket Sans Medium" pitchFamily="34" charset="0"/>
+            </a:endParaRPr>
           </a:p>
           <a:p>
             <a:endParaRPr lang="en-US" dirty="0">
@@ -9697,7 +10789,7 @@
         </p:nvGrpSpPr>
         <p:grpSpPr>
           <a:xfrm>
-            <a:off x="1433682" y="3460480"/>
+            <a:off x="1433682" y="3371763"/>
             <a:ext cx="3849778" cy="2855989"/>
             <a:chOff x="1693755" y="3374271"/>
             <a:chExt cx="3849778" cy="2855989"/>
@@ -9736,7 +10828,7 @@
         </p:nvGrpSpPr>
         <p:grpSpPr>
           <a:xfrm>
-            <a:off x="5712154" y="3460480"/>
+            <a:off x="5712154" y="3371763"/>
             <a:ext cx="3876310" cy="2855989"/>
             <a:chOff x="5972227" y="3374271"/>
             <a:chExt cx="3876310" cy="2855989"/>
@@ -9775,7 +10867,7 @@
         </p:nvGrpSpPr>
         <p:grpSpPr>
           <a:xfrm>
-            <a:off x="1451355" y="6564885"/>
+            <a:off x="1451355" y="6476168"/>
             <a:ext cx="3849778" cy="2855989"/>
             <a:chOff x="1711428" y="6478676"/>
             <a:chExt cx="3849778" cy="2855989"/>
@@ -9814,7 +10906,7 @@
         </p:nvGrpSpPr>
         <p:grpSpPr>
           <a:xfrm>
-            <a:off x="5712154" y="6593637"/>
+            <a:off x="5712154" y="6504920"/>
             <a:ext cx="3876310" cy="2905780"/>
             <a:chOff x="5972227" y="6507428"/>
             <a:chExt cx="3876310" cy="2905780"/>
@@ -9853,8 +10945,8 @@
         </p:nvSpPr>
         <p:spPr>
           <a:xfrm>
-            <a:off x="9945492" y="3052755"/>
-            <a:ext cx="7848600" cy="6527428"/>
+            <a:off x="9999485" y="3396336"/>
+            <a:ext cx="7848600" cy="5717912"/>
           </a:xfrm>
           <a:prstGeom prst="rect">
             <a:avLst/>
@@ -9869,11 +10961,11 @@
           <a:p>
             <a:pPr>
               <a:lnSpc>
-                <a:spcPct val="150000"/>
+                <a:spcPct val="140000"/>
               </a:lnSpc>
             </a:pPr>
             <a:r>
-              <a:rPr lang="ko-KR" altLang="en-US" sz="3200" b="1" dirty="0">
+              <a:rPr lang="ko-KR" altLang="en-US" sz="2500" b="1" dirty="0">
                 <a:solidFill>
                   <a:srgbClr val="000000"/>
                 </a:solidFill>
@@ -9883,7 +10975,7 @@
               </a:rPr>
               <a:t>시스템 구동과정</a:t>
             </a:r>
-            <a:endParaRPr lang="en-US" altLang="ko-KR" sz="3200" b="1" dirty="0">
+            <a:endParaRPr lang="en-US" altLang="ko-KR" sz="2500" b="1" dirty="0">
               <a:solidFill>
                 <a:srgbClr val="000000"/>
               </a:solidFill>
@@ -9895,10 +10987,10 @@
           <a:p>
             <a:pPr>
               <a:lnSpc>
-                <a:spcPct val="150000"/>
+                <a:spcPct val="140000"/>
               </a:lnSpc>
             </a:pPr>
-            <a:endParaRPr lang="en-US" sz="2500" b="1" dirty="0">
+            <a:endParaRPr lang="en-US" sz="2400" b="1" dirty="0">
               <a:solidFill>
                 <a:srgbClr val="000000"/>
               </a:solidFill>
@@ -9910,11 +11002,11 @@
           <a:p>
             <a:pPr>
               <a:lnSpc>
-                <a:spcPct val="150000"/>
+                <a:spcPct val="140000"/>
               </a:lnSpc>
             </a:pPr>
             <a:r>
-              <a:rPr lang="en-US" sz="2500" dirty="0">
+              <a:rPr lang="en-US" sz="2400" dirty="0">
                 <a:solidFill>
                   <a:srgbClr val="000000"/>
                 </a:solidFill>
@@ -9928,11 +11020,11 @@
           <a:p>
             <a:pPr>
               <a:lnSpc>
-                <a:spcPct val="150000"/>
+                <a:spcPct val="140000"/>
               </a:lnSpc>
             </a:pPr>
             <a:r>
-              <a:rPr lang="en-US" sz="2500" dirty="0">
+              <a:rPr lang="en-US" sz="2400" dirty="0">
                 <a:solidFill>
                   <a:srgbClr val="000000"/>
                 </a:solidFill>
@@ -9946,10 +11038,10 @@
           <a:p>
             <a:pPr>
               <a:lnSpc>
-                <a:spcPct val="150000"/>
+                <a:spcPct val="140000"/>
               </a:lnSpc>
             </a:pPr>
-            <a:endParaRPr lang="en-US" sz="2500" dirty="0">
+            <a:endParaRPr lang="en-US" sz="2400" dirty="0">
               <a:solidFill>
                 <a:srgbClr val="000000"/>
               </a:solidFill>
@@ -9961,11 +11053,11 @@
           <a:p>
             <a:pPr>
               <a:lnSpc>
-                <a:spcPct val="150000"/>
+                <a:spcPct val="140000"/>
               </a:lnSpc>
             </a:pPr>
             <a:r>
-              <a:rPr lang="en-US" sz="2500" dirty="0">
+              <a:rPr lang="en-US" sz="2400" dirty="0">
                 <a:solidFill>
                   <a:srgbClr val="000000"/>
                 </a:solidFill>
@@ -9976,7 +11068,7 @@
               <a:t>2) 와이파이 연결 동작 중 </a:t>
             </a:r>
             <a:r>
-              <a:rPr lang="en-US" sz="2500" u="sng" dirty="0">
+              <a:rPr lang="en-US" sz="2400" u="sng" dirty="0">
                 <a:solidFill>
                   <a:srgbClr val="000000"/>
                 </a:solidFill>
@@ -9987,7 +11079,7 @@
               <a:t>(</a:t>
             </a:r>
             <a:r>
-              <a:rPr lang="ko-KR" altLang="en-US" sz="2500" u="sng" dirty="0">
+              <a:rPr lang="ko-KR" altLang="en-US" sz="2400" u="sng" dirty="0">
                 <a:solidFill>
                   <a:srgbClr val="000000"/>
                 </a:solidFill>
@@ -9998,7 +11090,7 @@
               <a:t>프레임 단위</a:t>
             </a:r>
             <a:r>
-              <a:rPr lang="en-US" sz="2500" u="sng" dirty="0">
+              <a:rPr lang="en-US" sz="2400" u="sng" dirty="0">
                 <a:solidFill>
                   <a:srgbClr val="000000"/>
                 </a:solidFill>
@@ -10009,7 +11101,7 @@
               <a:t>) – </a:t>
             </a:r>
             <a:r>
-              <a:rPr lang="ko-KR" altLang="en-US" sz="2500" u="sng" dirty="0">
+              <a:rPr lang="ko-KR" altLang="en-US" sz="2400" u="sng" dirty="0">
                 <a:solidFill>
                   <a:srgbClr val="000000"/>
                 </a:solidFill>
@@ -10019,7 +11111,7 @@
               </a:rPr>
               <a:t>이미지 출력</a:t>
             </a:r>
-            <a:endParaRPr lang="en-US" sz="2500" u="sng" dirty="0">
+            <a:endParaRPr lang="en-US" sz="2400" u="sng" dirty="0">
               <a:solidFill>
                 <a:srgbClr val="000000"/>
               </a:solidFill>
@@ -10031,11 +11123,11 @@
           <a:p>
             <a:pPr>
               <a:lnSpc>
-                <a:spcPct val="150000"/>
+                <a:spcPct val="140000"/>
               </a:lnSpc>
             </a:pPr>
             <a:r>
-              <a:rPr lang="en-US" sz="2500" dirty="0">
+              <a:rPr lang="en-US" sz="2400" dirty="0">
                 <a:solidFill>
                   <a:srgbClr val="000000"/>
                 </a:solidFill>
@@ -10049,10 +11141,10 @@
           <a:p>
             <a:pPr>
               <a:lnSpc>
-                <a:spcPct val="150000"/>
+                <a:spcPct val="140000"/>
               </a:lnSpc>
             </a:pPr>
-            <a:endParaRPr lang="en-US" sz="2500" dirty="0">
+            <a:endParaRPr lang="en-US" sz="2400" dirty="0">
               <a:solidFill>
                 <a:srgbClr val="000000"/>
               </a:solidFill>
@@ -10064,11 +11156,11 @@
           <a:p>
             <a:pPr>
               <a:lnSpc>
-                <a:spcPct val="150000"/>
+                <a:spcPct val="140000"/>
               </a:lnSpc>
             </a:pPr>
             <a:r>
-              <a:rPr lang="en-US" sz="2500" dirty="0">
+              <a:rPr lang="en-US" sz="2400" dirty="0">
                 <a:solidFill>
                   <a:srgbClr val="000000"/>
                 </a:solidFill>
@@ -10079,7 +11171,7 @@
               <a:t>3) </a:t>
             </a:r>
             <a:r>
-              <a:rPr lang="en-US" sz="2500" dirty="0" err="1">
+              <a:rPr lang="en-US" sz="2400" dirty="0" err="1">
                 <a:solidFill>
                   <a:srgbClr val="000000"/>
                 </a:solidFill>
@@ -10090,7 +11182,7 @@
               <a:t>해당</a:t>
             </a:r>
             <a:r>
-              <a:rPr lang="en-US" sz="2500" dirty="0">
+              <a:rPr lang="en-US" sz="2400" dirty="0">
                 <a:solidFill>
                   <a:srgbClr val="000000"/>
                 </a:solidFill>
@@ -10101,7 +11193,7 @@
               <a:t> </a:t>
             </a:r>
             <a:r>
-              <a:rPr lang="en-US" sz="2500" dirty="0" err="1">
+              <a:rPr lang="en-US" sz="2400" dirty="0" err="1">
                 <a:solidFill>
                   <a:srgbClr val="000000"/>
                 </a:solidFill>
@@ -10112,7 +11204,7 @@
               <a:t>위치에</a:t>
             </a:r>
             <a:r>
-              <a:rPr lang="en-US" sz="2500" dirty="0">
+              <a:rPr lang="en-US" sz="2400" dirty="0">
                 <a:solidFill>
                   <a:srgbClr val="000000"/>
                 </a:solidFill>
@@ -10123,7 +11215,18 @@
               <a:t> </a:t>
             </a:r>
             <a:r>
-              <a:rPr lang="en-US" sz="2500" dirty="0" err="1">
+              <a:rPr lang="ko-KR" altLang="en-US" sz="2400" dirty="0">
+                <a:solidFill>
+                  <a:srgbClr val="000000"/>
+                </a:solidFill>
+                <a:latin typeface="맑은 고딕" panose="020B0503020000020004" pitchFamily="50" charset="-127"/>
+                <a:ea typeface="맑은 고딕" panose="020B0503020000020004" pitchFamily="50" charset="-127"/>
+                <a:cs typeface="Gmarket Sans Medium" pitchFamily="34" charset="0"/>
+              </a:rPr>
+              <a:t>있는 </a:t>
+            </a:r>
+            <a:r>
+              <a:rPr lang="en-US" sz="2400" dirty="0" err="1">
                 <a:solidFill>
                   <a:srgbClr val="000000"/>
                 </a:solidFill>
@@ -10134,24 +11237,35 @@
               <a:t>버스정류장</a:t>
             </a:r>
             <a:r>
-              <a:rPr lang="en-US" sz="2500" dirty="0">
-                <a:solidFill>
-                  <a:srgbClr val="000000"/>
-                </a:solidFill>
-                <a:latin typeface="맑은 고딕" panose="020B0503020000020004" pitchFamily="50" charset="-127"/>
-                <a:ea typeface="맑은 고딕" panose="020B0503020000020004" pitchFamily="50" charset="-127"/>
-                <a:cs typeface="Gmarket Sans Medium" pitchFamily="34" charset="0"/>
-              </a:rPr>
-              <a:t> 데이터를 출력함</a:t>
+              <a:rPr lang="ko-KR" altLang="en-US" sz="2400" dirty="0">
+                <a:solidFill>
+                  <a:srgbClr val="000000"/>
+                </a:solidFill>
+                <a:latin typeface="맑은 고딕" panose="020B0503020000020004" pitchFamily="50" charset="-127"/>
+                <a:ea typeface="맑은 고딕" panose="020B0503020000020004" pitchFamily="50" charset="-127"/>
+                <a:cs typeface="Gmarket Sans Medium" pitchFamily="34" charset="0"/>
+              </a:rPr>
+              <a:t>의 정보</a:t>
+            </a:r>
+            <a:r>
+              <a:rPr lang="en-US" sz="2400" dirty="0">
+                <a:solidFill>
+                  <a:srgbClr val="000000"/>
+                </a:solidFill>
+                <a:latin typeface="맑은 고딕" panose="020B0503020000020004" pitchFamily="50" charset="-127"/>
+                <a:ea typeface="맑은 고딕" panose="020B0503020000020004" pitchFamily="50" charset="-127"/>
+                <a:cs typeface="Gmarket Sans Medium" pitchFamily="34" charset="0"/>
+              </a:rPr>
+              <a:t>를 출력함</a:t>
             </a:r>
           </a:p>
           <a:p>
             <a:pPr>
               <a:lnSpc>
-                <a:spcPct val="150000"/>
+                <a:spcPct val="140000"/>
               </a:lnSpc>
             </a:pPr>
-            <a:endParaRPr lang="en-US" sz="2500" dirty="0">
+            <a:endParaRPr lang="en-US" sz="2400" dirty="0">
               <a:solidFill>
                 <a:srgbClr val="000000"/>
               </a:solidFill>
@@ -10163,11 +11277,11 @@
           <a:p>
             <a:pPr>
               <a:lnSpc>
-                <a:spcPct val="150000"/>
+                <a:spcPct val="140000"/>
               </a:lnSpc>
             </a:pPr>
             <a:r>
-              <a:rPr lang="en-US" sz="2500" dirty="0">
+              <a:rPr lang="en-US" sz="2400" dirty="0">
                 <a:solidFill>
                   <a:srgbClr val="FF0000"/>
                 </a:solidFill>
@@ -10177,7 +11291,7 @@
               </a:rPr>
               <a:t>※ 자세한 동작 과정은 시연을 통해 보여드릴 예정</a:t>
             </a:r>
-            <a:endParaRPr lang="en-US" dirty="0">
+            <a:endParaRPr lang="en-US" sz="2400" dirty="0">
               <a:solidFill>
                 <a:srgbClr val="FF0000"/>
               </a:solidFill>
@@ -10197,7 +11311,7 @@
 
 <file path=ppt/slides/slide9.xml><?xml version="1.0" encoding="utf-8"?>
 <p:sld xmlns:a="http://schemas.openxmlformats.org/drawingml/2006/main" xmlns:r="http://schemas.openxmlformats.org/officeDocument/2006/relationships" xmlns:p="http://schemas.openxmlformats.org/presentationml/2006/main">
-  <p:cSld name="Slide 9">
+  <p:cSld name="Slide 10">
     <p:bg>
       <p:bgPr>
         <a:solidFill>
@@ -10220,6 +11334,824 @@
           <a:chExt cx="0" cy="0"/>
         </a:xfrm>
       </p:grpSpPr>
+      <p:sp>
+        <p:nvSpPr>
+          <p:cNvPr id="2" name="Object 2"/>
+          <p:cNvSpPr txBox="1"/>
+          <p:nvPr/>
+        </p:nvSpPr>
+        <p:spPr>
+          <a:xfrm>
+            <a:off x="1597210" y="2104588"/>
+            <a:ext cx="6022790" cy="830997"/>
+          </a:xfrm>
+          <a:prstGeom prst="rect">
+            <a:avLst/>
+          </a:prstGeom>
+          <a:noFill/>
+        </p:spPr>
+        <p:txBody>
+          <a:bodyPr wrap="square" rtlCol="0" anchor="t">
+            <a:spAutoFit/>
+          </a:bodyPr>
+          <a:lstStyle/>
+          <a:p>
+            <a:pPr algn="ctr"/>
+            <a:r>
+              <a:rPr lang="ko-KR" altLang="en-US" sz="4800" b="1" kern="0" spc="-200" dirty="0">
+                <a:solidFill>
+                  <a:srgbClr val="000000"/>
+                </a:solidFill>
+                <a:latin typeface="맑은 고딕" panose="020B0503020000020004" pitchFamily="50" charset="-127"/>
+                <a:ea typeface="맑은 고딕" panose="020B0503020000020004" pitchFamily="50" charset="-127"/>
+                <a:cs typeface="Gmarket Sans Medium" pitchFamily="34" charset="0"/>
+              </a:rPr>
+              <a:t>프로젝트 결과 및 분석 </a:t>
+            </a:r>
+            <a:endParaRPr lang="en-US" dirty="0">
+              <a:latin typeface="맑은 고딕" panose="020B0503020000020004" pitchFamily="50" charset="-127"/>
+              <a:ea typeface="맑은 고딕" panose="020B0503020000020004" pitchFamily="50" charset="-127"/>
+            </a:endParaRPr>
+          </a:p>
+        </p:txBody>
+      </p:sp>
+      <p:sp>
+        <p:nvSpPr>
+          <p:cNvPr id="3" name="Object 3"/>
+          <p:cNvSpPr txBox="1"/>
+          <p:nvPr/>
+        </p:nvSpPr>
+        <p:spPr>
+          <a:xfrm>
+            <a:off x="1599387" y="3297161"/>
+            <a:ext cx="12140020" cy="6342762"/>
+          </a:xfrm>
+          <a:prstGeom prst="rect">
+            <a:avLst/>
+          </a:prstGeom>
+          <a:noFill/>
+        </p:spPr>
+        <p:txBody>
+          <a:bodyPr wrap="square" rtlCol="0" anchor="t">
+            <a:spAutoFit/>
+          </a:bodyPr>
+          <a:lstStyle/>
+          <a:p>
+            <a:pPr marL="342900" indent="-342900">
+              <a:lnSpc>
+                <a:spcPct val="200000"/>
+              </a:lnSpc>
+              <a:buFontTx/>
+              <a:buChar char="-"/>
+            </a:pPr>
+            <a:r>
+              <a:rPr lang="ko-KR" altLang="en-US" sz="2400" dirty="0">
+                <a:solidFill>
+                  <a:srgbClr val="000000"/>
+                </a:solidFill>
+                <a:latin typeface="맑은 고딕" panose="020B0503020000020004" pitchFamily="50" charset="-127"/>
+                <a:ea typeface="맑은 고딕" panose="020B0503020000020004" pitchFamily="50" charset="-127"/>
+                <a:cs typeface="Gmarket Sans Medium" pitchFamily="34" charset="0"/>
+              </a:rPr>
+              <a:t>팀원 각자의 시스템 환경이 다르고</a:t>
+            </a:r>
+            <a:r>
+              <a:rPr lang="en-US" altLang="ko-KR" sz="2400" dirty="0">
+                <a:solidFill>
+                  <a:srgbClr val="000000"/>
+                </a:solidFill>
+                <a:latin typeface="맑은 고딕" panose="020B0503020000020004" pitchFamily="50" charset="-127"/>
+                <a:ea typeface="맑은 고딕" panose="020B0503020000020004" pitchFamily="50" charset="-127"/>
+                <a:cs typeface="Gmarket Sans Medium" pitchFamily="34" charset="0"/>
+              </a:rPr>
+              <a:t> </a:t>
+            </a:r>
+            <a:r>
+              <a:rPr lang="en-US" sz="2400" dirty="0" err="1">
+                <a:solidFill>
+                  <a:srgbClr val="000000"/>
+                </a:solidFill>
+                <a:latin typeface="맑은 고딕" panose="020B0503020000020004" pitchFamily="50" charset="-127"/>
+                <a:ea typeface="맑은 고딕" panose="020B0503020000020004" pitchFamily="50" charset="-127"/>
+                <a:cs typeface="Gmarket Sans Medium" pitchFamily="34" charset="0"/>
+              </a:rPr>
+              <a:t>디버깅</a:t>
+            </a:r>
+            <a:r>
+              <a:rPr lang="en-US" sz="2400" dirty="0">
+                <a:solidFill>
+                  <a:srgbClr val="000000"/>
+                </a:solidFill>
+                <a:latin typeface="맑은 고딕" panose="020B0503020000020004" pitchFamily="50" charset="-127"/>
+                <a:ea typeface="맑은 고딕" panose="020B0503020000020004" pitchFamily="50" charset="-127"/>
+                <a:cs typeface="Gmarket Sans Medium" pitchFamily="34" charset="0"/>
+              </a:rPr>
+              <a:t> 시간이 오래 걸리는 </a:t>
+            </a:r>
+            <a:r>
+              <a:rPr lang="en-US" sz="2400" dirty="0" err="1">
+                <a:solidFill>
+                  <a:srgbClr val="000000"/>
+                </a:solidFill>
+                <a:latin typeface="맑은 고딕" panose="020B0503020000020004" pitchFamily="50" charset="-127"/>
+                <a:ea typeface="맑은 고딕" panose="020B0503020000020004" pitchFamily="50" charset="-127"/>
+                <a:cs typeface="Gmarket Sans Medium" pitchFamily="34" charset="0"/>
+              </a:rPr>
+              <a:t>문제로</a:t>
+            </a:r>
+            <a:r>
+              <a:rPr lang="en-US" sz="2400" dirty="0">
+                <a:solidFill>
+                  <a:srgbClr val="000000"/>
+                </a:solidFill>
+                <a:latin typeface="맑은 고딕" panose="020B0503020000020004" pitchFamily="50" charset="-127"/>
+                <a:ea typeface="맑은 고딕" panose="020B0503020000020004" pitchFamily="50" charset="-127"/>
+                <a:cs typeface="Gmarket Sans Medium" pitchFamily="34" charset="0"/>
+              </a:rPr>
+              <a:t> </a:t>
+            </a:r>
+            <a:r>
+              <a:rPr lang="en-US" sz="2400" dirty="0" err="1">
+                <a:solidFill>
+                  <a:srgbClr val="000000"/>
+                </a:solidFill>
+                <a:latin typeface="맑은 고딕" panose="020B0503020000020004" pitchFamily="50" charset="-127"/>
+                <a:ea typeface="맑은 고딕" panose="020B0503020000020004" pitchFamily="50" charset="-127"/>
+                <a:cs typeface="Gmarket Sans Medium" pitchFamily="34" charset="0"/>
+              </a:rPr>
+              <a:t>인해</a:t>
+            </a:r>
+            <a:r>
+              <a:rPr lang="en-US" sz="2400" dirty="0">
+                <a:solidFill>
+                  <a:srgbClr val="000000"/>
+                </a:solidFill>
+                <a:latin typeface="맑은 고딕" panose="020B0503020000020004" pitchFamily="50" charset="-127"/>
+                <a:ea typeface="맑은 고딕" panose="020B0503020000020004" pitchFamily="50" charset="-127"/>
+                <a:cs typeface="Gmarket Sans Medium" pitchFamily="34" charset="0"/>
+              </a:rPr>
+              <a:t> </a:t>
+            </a:r>
+            <a:r>
+              <a:rPr lang="en-US" sz="2400" dirty="0" err="1">
+                <a:solidFill>
+                  <a:srgbClr val="000000"/>
+                </a:solidFill>
+                <a:latin typeface="맑은 고딕" panose="020B0503020000020004" pitchFamily="50" charset="-127"/>
+                <a:ea typeface="맑은 고딕" panose="020B0503020000020004" pitchFamily="50" charset="-127"/>
+                <a:cs typeface="Gmarket Sans Medium" pitchFamily="34" charset="0"/>
+              </a:rPr>
+              <a:t>개발을</a:t>
+            </a:r>
+            <a:r>
+              <a:rPr lang="en-US" sz="2400" dirty="0">
+                <a:solidFill>
+                  <a:srgbClr val="000000"/>
+                </a:solidFill>
+                <a:latin typeface="맑은 고딕" panose="020B0503020000020004" pitchFamily="50" charset="-127"/>
+                <a:ea typeface="맑은 고딕" panose="020B0503020000020004" pitchFamily="50" charset="-127"/>
+                <a:cs typeface="Gmarket Sans Medium" pitchFamily="34" charset="0"/>
+              </a:rPr>
+              <a:t> 진행하는 시간이 </a:t>
+            </a:r>
+            <a:r>
+              <a:rPr lang="en-US" sz="2400" dirty="0" err="1">
+                <a:solidFill>
+                  <a:srgbClr val="000000"/>
+                </a:solidFill>
+                <a:latin typeface="맑은 고딕" panose="020B0503020000020004" pitchFamily="50" charset="-127"/>
+                <a:ea typeface="맑은 고딕" panose="020B0503020000020004" pitchFamily="50" charset="-127"/>
+                <a:cs typeface="Gmarket Sans Medium" pitchFamily="34" charset="0"/>
+              </a:rPr>
+              <a:t>오래</a:t>
+            </a:r>
+            <a:r>
+              <a:rPr lang="en-US" sz="2400" dirty="0">
+                <a:solidFill>
+                  <a:srgbClr val="000000"/>
+                </a:solidFill>
+                <a:latin typeface="맑은 고딕" panose="020B0503020000020004" pitchFamily="50" charset="-127"/>
+                <a:ea typeface="맑은 고딕" panose="020B0503020000020004" pitchFamily="50" charset="-127"/>
+                <a:cs typeface="Gmarket Sans Medium" pitchFamily="34" charset="0"/>
+              </a:rPr>
+              <a:t> </a:t>
+            </a:r>
+            <a:r>
+              <a:rPr lang="en-US" sz="2400" dirty="0" err="1">
+                <a:solidFill>
+                  <a:srgbClr val="000000"/>
+                </a:solidFill>
+                <a:latin typeface="맑은 고딕" panose="020B0503020000020004" pitchFamily="50" charset="-127"/>
+                <a:ea typeface="맑은 고딕" panose="020B0503020000020004" pitchFamily="50" charset="-127"/>
+                <a:cs typeface="Gmarket Sans Medium" pitchFamily="34" charset="0"/>
+              </a:rPr>
+              <a:t>걸림</a:t>
+            </a:r>
+            <a:endParaRPr lang="en-US" sz="2400" dirty="0">
+              <a:solidFill>
+                <a:srgbClr val="000000"/>
+              </a:solidFill>
+              <a:latin typeface="맑은 고딕" panose="020B0503020000020004" pitchFamily="50" charset="-127"/>
+              <a:ea typeface="맑은 고딕" panose="020B0503020000020004" pitchFamily="50" charset="-127"/>
+              <a:cs typeface="Gmarket Sans Medium" pitchFamily="34" charset="0"/>
+            </a:endParaRPr>
+          </a:p>
+          <a:p>
+            <a:pPr marL="342900" indent="-342900">
+              <a:lnSpc>
+                <a:spcPct val="200000"/>
+              </a:lnSpc>
+              <a:buFontTx/>
+              <a:buChar char="-"/>
+            </a:pPr>
+            <a:r>
+              <a:rPr lang="ko-KR" altLang="en-US" sz="2400" dirty="0">
+                <a:solidFill>
+                  <a:srgbClr val="000000"/>
+                </a:solidFill>
+                <a:latin typeface="맑은 고딕" panose="020B0503020000020004" pitchFamily="50" charset="-127"/>
+                <a:ea typeface="맑은 고딕" panose="020B0503020000020004" pitchFamily="50" charset="-127"/>
+                <a:cs typeface="Gmarket Sans Medium" pitchFamily="34" charset="0"/>
+              </a:rPr>
+              <a:t>주변의 와이파이 신호를 불러오지 않고 정적으로 값을 </a:t>
+            </a:r>
+            <a:r>
+              <a:rPr lang="ko-KR" altLang="en-US" sz="2400" dirty="0" err="1">
+                <a:solidFill>
+                  <a:srgbClr val="000000"/>
+                </a:solidFill>
+                <a:latin typeface="맑은 고딕" panose="020B0503020000020004" pitchFamily="50" charset="-127"/>
+                <a:ea typeface="맑은 고딕" panose="020B0503020000020004" pitchFamily="50" charset="-127"/>
+                <a:cs typeface="Gmarket Sans Medium" pitchFamily="34" charset="0"/>
+              </a:rPr>
+              <a:t>넣어줘야하는</a:t>
+            </a:r>
+            <a:r>
+              <a:rPr lang="ko-KR" altLang="en-US" sz="2400" dirty="0">
+                <a:solidFill>
+                  <a:srgbClr val="000000"/>
+                </a:solidFill>
+                <a:latin typeface="맑은 고딕" panose="020B0503020000020004" pitchFamily="50" charset="-127"/>
+                <a:ea typeface="맑은 고딕" panose="020B0503020000020004" pitchFamily="50" charset="-127"/>
+                <a:cs typeface="Gmarket Sans Medium" pitchFamily="34" charset="0"/>
+              </a:rPr>
+              <a:t> 불편함이 있음</a:t>
+            </a:r>
+            <a:endParaRPr lang="en-US" sz="2400" dirty="0">
+              <a:solidFill>
+                <a:srgbClr val="000000"/>
+              </a:solidFill>
+              <a:latin typeface="맑은 고딕" panose="020B0503020000020004" pitchFamily="50" charset="-127"/>
+              <a:ea typeface="맑은 고딕" panose="020B0503020000020004" pitchFamily="50" charset="-127"/>
+              <a:cs typeface="Gmarket Sans Medium" pitchFamily="34" charset="0"/>
+            </a:endParaRPr>
+          </a:p>
+          <a:p>
+            <a:pPr marL="342900" indent="-342900">
+              <a:lnSpc>
+                <a:spcPct val="200000"/>
+              </a:lnSpc>
+              <a:buFontTx/>
+              <a:buChar char="-"/>
+            </a:pPr>
+            <a:r>
+              <a:rPr lang="en-US" sz="2400" dirty="0">
+                <a:solidFill>
+                  <a:srgbClr val="000000"/>
+                </a:solidFill>
+                <a:latin typeface="맑은 고딕" panose="020B0503020000020004" pitchFamily="50" charset="-127"/>
+                <a:ea typeface="맑은 고딕" panose="020B0503020000020004" pitchFamily="50" charset="-127"/>
+                <a:cs typeface="Gmarket Sans Medium" pitchFamily="34" charset="0"/>
+              </a:rPr>
+              <a:t>API</a:t>
+            </a:r>
+            <a:r>
+              <a:rPr lang="ko-KR" altLang="en-US" sz="2400" dirty="0">
+                <a:solidFill>
+                  <a:srgbClr val="000000"/>
+                </a:solidFill>
+                <a:latin typeface="맑은 고딕" panose="020B0503020000020004" pitchFamily="50" charset="-127"/>
+                <a:ea typeface="맑은 고딕" panose="020B0503020000020004" pitchFamily="50" charset="-127"/>
+                <a:cs typeface="Gmarket Sans Medium" pitchFamily="34" charset="0"/>
+              </a:rPr>
+              <a:t>를 통해 </a:t>
+            </a:r>
+            <a:r>
+              <a:rPr lang="en-US" altLang="ko-KR" sz="2400" dirty="0" err="1">
+                <a:solidFill>
+                  <a:srgbClr val="000000"/>
+                </a:solidFill>
+                <a:latin typeface="맑은 고딕" panose="020B0503020000020004" pitchFamily="50" charset="-127"/>
+                <a:ea typeface="맑은 고딕" panose="020B0503020000020004" pitchFamily="50" charset="-127"/>
+                <a:cs typeface="Gmarket Sans Medium" pitchFamily="34" charset="0"/>
+              </a:rPr>
+              <a:t>StationID</a:t>
+            </a:r>
+            <a:r>
+              <a:rPr lang="ko-KR" altLang="en-US" sz="2400" dirty="0">
+                <a:solidFill>
+                  <a:srgbClr val="000000"/>
+                </a:solidFill>
+                <a:latin typeface="맑은 고딕" panose="020B0503020000020004" pitchFamily="50" charset="-127"/>
+                <a:ea typeface="맑은 고딕" panose="020B0503020000020004" pitchFamily="50" charset="-127"/>
+                <a:cs typeface="Gmarket Sans Medium" pitchFamily="34" charset="0"/>
+              </a:rPr>
+              <a:t>를 읽어와도 내가 원하는 정류장의 정보를 출력하기</a:t>
+            </a:r>
+            <a:endParaRPr lang="en-US" altLang="ko-KR" sz="2400" dirty="0">
+              <a:solidFill>
+                <a:srgbClr val="000000"/>
+              </a:solidFill>
+              <a:latin typeface="맑은 고딕" panose="020B0503020000020004" pitchFamily="50" charset="-127"/>
+              <a:ea typeface="맑은 고딕" panose="020B0503020000020004" pitchFamily="50" charset="-127"/>
+              <a:cs typeface="Gmarket Sans Medium" pitchFamily="34" charset="0"/>
+            </a:endParaRPr>
+          </a:p>
+          <a:p>
+            <a:pPr>
+              <a:lnSpc>
+                <a:spcPct val="200000"/>
+              </a:lnSpc>
+            </a:pPr>
+            <a:r>
+              <a:rPr lang="ko-KR" altLang="en-US" sz="2400" dirty="0">
+                <a:solidFill>
+                  <a:srgbClr val="000000"/>
+                </a:solidFill>
+                <a:latin typeface="맑은 고딕" panose="020B0503020000020004" pitchFamily="50" charset="-127"/>
+                <a:ea typeface="맑은 고딕" panose="020B0503020000020004" pitchFamily="50" charset="-127"/>
+                <a:cs typeface="Gmarket Sans Medium" pitchFamily="34" charset="0"/>
+              </a:rPr>
+              <a:t>   위해서는 매번 코드를 수정해야 하는 불편함이 있음</a:t>
+            </a:r>
+            <a:endParaRPr lang="en-US" sz="2400" dirty="0">
+              <a:solidFill>
+                <a:srgbClr val="000000"/>
+              </a:solidFill>
+              <a:latin typeface="맑은 고딕" panose="020B0503020000020004" pitchFamily="50" charset="-127"/>
+              <a:ea typeface="맑은 고딕" panose="020B0503020000020004" pitchFamily="50" charset="-127"/>
+              <a:cs typeface="Gmarket Sans Medium" pitchFamily="34" charset="0"/>
+            </a:endParaRPr>
+          </a:p>
+          <a:p>
+            <a:pPr marR="0" lvl="0" algn="l" defTabSz="914400" rtl="0" eaLnBrk="1" fontAlgn="auto" latinLnBrk="0" hangingPunct="1">
+              <a:lnSpc>
+                <a:spcPct val="200000"/>
+              </a:lnSpc>
+              <a:spcBef>
+                <a:spcPts val="0"/>
+              </a:spcBef>
+              <a:spcAft>
+                <a:spcPts val="0"/>
+              </a:spcAft>
+              <a:buClrTx/>
+              <a:buSzTx/>
+              <a:tabLst/>
+              <a:defRPr/>
+            </a:pPr>
+            <a:r>
+              <a:rPr lang="en-US" altLang="ko-KR" sz="2400" dirty="0">
+                <a:solidFill>
+                  <a:srgbClr val="000000"/>
+                </a:solidFill>
+                <a:latin typeface="맑은 고딕" panose="020B0503020000020004" pitchFamily="50" charset="-127"/>
+                <a:ea typeface="맑은 고딕" panose="020B0503020000020004" pitchFamily="50" charset="-127"/>
+                <a:cs typeface="Gmarket Sans Medium" pitchFamily="34" charset="0"/>
+              </a:rPr>
+              <a:t>- </a:t>
+            </a:r>
+            <a:r>
+              <a:rPr kumimoji="0" lang="en-US" altLang="ko-KR" sz="2400" b="0" i="0" u="none" strike="noStrike" kern="1200" cap="none" spc="0" normalizeH="0" baseline="0" noProof="0" dirty="0">
+                <a:ln>
+                  <a:noFill/>
+                </a:ln>
+                <a:solidFill>
+                  <a:srgbClr val="000000"/>
+                </a:solidFill>
+                <a:effectLst/>
+                <a:uLnTx/>
+                <a:uFillTx/>
+                <a:latin typeface="맑은 고딕" panose="020B0503020000020004" pitchFamily="50" charset="-127"/>
+                <a:ea typeface="맑은 고딕" panose="020B0503020000020004" pitchFamily="50" charset="-127"/>
+                <a:cs typeface="Gmarket Sans Medium" pitchFamily="34" charset="0"/>
+              </a:rPr>
+              <a:t>Push</a:t>
+            </a:r>
+            <a:r>
+              <a:rPr kumimoji="0" lang="ko-KR" altLang="en-US" sz="2400" b="0" i="0" u="none" strike="noStrike" kern="1200" cap="none" spc="0" normalizeH="0" baseline="0" noProof="0" dirty="0">
+                <a:ln>
+                  <a:noFill/>
+                </a:ln>
+                <a:solidFill>
+                  <a:srgbClr val="000000"/>
+                </a:solidFill>
+                <a:effectLst/>
+                <a:uLnTx/>
+                <a:uFillTx/>
+                <a:latin typeface="맑은 고딕" panose="020B0503020000020004" pitchFamily="50" charset="-127"/>
+                <a:ea typeface="맑은 고딕" panose="020B0503020000020004" pitchFamily="50" charset="-127"/>
+                <a:cs typeface="Gmarket Sans Medium" pitchFamily="34" charset="0"/>
+              </a:rPr>
+              <a:t> 알림을 활용하여 사용자에게 알람이 가도록 만들지 못함</a:t>
+            </a:r>
+            <a:endParaRPr kumimoji="0" lang="en-US" altLang="ko-KR" sz="2400" b="0" i="0" u="none" strike="noStrike" kern="1200" cap="none" spc="0" normalizeH="0" baseline="0" noProof="0" dirty="0">
+              <a:ln>
+                <a:noFill/>
+              </a:ln>
+              <a:solidFill>
+                <a:srgbClr val="000000"/>
+              </a:solidFill>
+              <a:effectLst/>
+              <a:uLnTx/>
+              <a:uFillTx/>
+              <a:latin typeface="맑은 고딕" panose="020B0503020000020004" pitchFamily="50" charset="-127"/>
+              <a:ea typeface="맑은 고딕" panose="020B0503020000020004" pitchFamily="50" charset="-127"/>
+              <a:cs typeface="Gmarket Sans Medium" pitchFamily="34" charset="0"/>
+            </a:endParaRPr>
+          </a:p>
+          <a:p>
+            <a:pPr marR="0" lvl="0" algn="l" defTabSz="914400" rtl="0" eaLnBrk="1" fontAlgn="auto" latinLnBrk="0" hangingPunct="1">
+              <a:lnSpc>
+                <a:spcPct val="200000"/>
+              </a:lnSpc>
+              <a:spcBef>
+                <a:spcPts val="0"/>
+              </a:spcBef>
+              <a:spcAft>
+                <a:spcPts val="0"/>
+              </a:spcAft>
+              <a:buClrTx/>
+              <a:buSzTx/>
+              <a:tabLst/>
+              <a:defRPr/>
+            </a:pPr>
+            <a:r>
+              <a:rPr kumimoji="0" lang="en-US" altLang="ko-KR" sz="2400" b="0" i="0" u="none" strike="noStrike" kern="1200" cap="none" spc="0" normalizeH="0" baseline="0" noProof="0" dirty="0">
+                <a:ln>
+                  <a:noFill/>
+                </a:ln>
+                <a:solidFill>
+                  <a:srgbClr val="000000"/>
+                </a:solidFill>
+                <a:effectLst/>
+                <a:uLnTx/>
+                <a:uFillTx/>
+                <a:latin typeface="맑은 고딕" panose="020B0503020000020004" pitchFamily="50" charset="-127"/>
+                <a:ea typeface="맑은 고딕" panose="020B0503020000020004" pitchFamily="50" charset="-127"/>
+                <a:cs typeface="Gmarket Sans Medium" pitchFamily="34" charset="0"/>
+              </a:rPr>
+              <a:t>- </a:t>
+            </a:r>
+            <a:r>
+              <a:rPr kumimoji="0" lang="en-US" altLang="ko-KR" sz="2400" b="0" i="0" u="none" strike="noStrike" kern="1200" cap="none" spc="0" normalizeH="0" baseline="0" noProof="0" dirty="0" err="1">
+                <a:ln>
+                  <a:noFill/>
+                </a:ln>
+                <a:solidFill>
+                  <a:srgbClr val="000000"/>
+                </a:solidFill>
+                <a:effectLst/>
+                <a:uLnTx/>
+                <a:uFillTx/>
+                <a:latin typeface="맑은 고딕" panose="020B0503020000020004" pitchFamily="50" charset="-127"/>
+                <a:ea typeface="맑은 고딕" panose="020B0503020000020004" pitchFamily="50" charset="-127"/>
+                <a:cs typeface="Gmarket Sans Medium" pitchFamily="34" charset="0"/>
+              </a:rPr>
+              <a:t>키트를</a:t>
+            </a:r>
+            <a:r>
+              <a:rPr kumimoji="0" lang="en-US" altLang="ko-KR" sz="2400" b="0" i="0" u="none" strike="noStrike" kern="1200" cap="none" spc="0" normalizeH="0" baseline="0" noProof="0" dirty="0">
+                <a:ln>
+                  <a:noFill/>
+                </a:ln>
+                <a:solidFill>
+                  <a:srgbClr val="000000"/>
+                </a:solidFill>
+                <a:effectLst/>
+                <a:uLnTx/>
+                <a:uFillTx/>
+                <a:latin typeface="맑은 고딕" panose="020B0503020000020004" pitchFamily="50" charset="-127"/>
+                <a:ea typeface="맑은 고딕" panose="020B0503020000020004" pitchFamily="50" charset="-127"/>
+                <a:cs typeface="Gmarket Sans Medium" pitchFamily="34" charset="0"/>
+              </a:rPr>
+              <a:t> </a:t>
+            </a:r>
+            <a:r>
+              <a:rPr kumimoji="0" lang="en-US" altLang="ko-KR" sz="2400" b="0" i="0" u="none" strike="noStrike" kern="1200" cap="none" spc="0" normalizeH="0" baseline="0" noProof="0" dirty="0" err="1">
+                <a:ln>
+                  <a:noFill/>
+                </a:ln>
+                <a:solidFill>
+                  <a:srgbClr val="000000"/>
+                </a:solidFill>
+                <a:effectLst/>
+                <a:uLnTx/>
+                <a:uFillTx/>
+                <a:latin typeface="맑은 고딕" panose="020B0503020000020004" pitchFamily="50" charset="-127"/>
+                <a:ea typeface="맑은 고딕" panose="020B0503020000020004" pitchFamily="50" charset="-127"/>
+                <a:cs typeface="Gmarket Sans Medium" pitchFamily="34" charset="0"/>
+              </a:rPr>
+              <a:t>제작하기로</a:t>
+            </a:r>
+            <a:r>
+              <a:rPr kumimoji="0" lang="en-US" altLang="ko-KR" sz="2400" b="0" i="0" u="none" strike="noStrike" kern="1200" cap="none" spc="0" normalizeH="0" baseline="0" noProof="0" dirty="0">
+                <a:ln>
+                  <a:noFill/>
+                </a:ln>
+                <a:solidFill>
+                  <a:srgbClr val="000000"/>
+                </a:solidFill>
+                <a:effectLst/>
+                <a:uLnTx/>
+                <a:uFillTx/>
+                <a:latin typeface="맑은 고딕" panose="020B0503020000020004" pitchFamily="50" charset="-127"/>
+                <a:ea typeface="맑은 고딕" panose="020B0503020000020004" pitchFamily="50" charset="-127"/>
+                <a:cs typeface="Gmarket Sans Medium" pitchFamily="34" charset="0"/>
+              </a:rPr>
+              <a:t> </a:t>
+            </a:r>
+            <a:r>
+              <a:rPr kumimoji="0" lang="en-US" altLang="ko-KR" sz="2400" b="0" i="0" u="none" strike="noStrike" kern="1200" cap="none" spc="0" normalizeH="0" baseline="0" noProof="0" dirty="0" err="1">
+                <a:ln>
+                  <a:noFill/>
+                </a:ln>
+                <a:solidFill>
+                  <a:srgbClr val="000000"/>
+                </a:solidFill>
+                <a:effectLst/>
+                <a:uLnTx/>
+                <a:uFillTx/>
+                <a:latin typeface="맑은 고딕" panose="020B0503020000020004" pitchFamily="50" charset="-127"/>
+                <a:ea typeface="맑은 고딕" panose="020B0503020000020004" pitchFamily="50" charset="-127"/>
+                <a:cs typeface="Gmarket Sans Medium" pitchFamily="34" charset="0"/>
+              </a:rPr>
+              <a:t>했지만</a:t>
+            </a:r>
+            <a:r>
+              <a:rPr kumimoji="0" lang="en-US" altLang="ko-KR" sz="2400" b="0" i="0" u="none" strike="noStrike" kern="1200" cap="none" spc="0" normalizeH="0" baseline="0" noProof="0" dirty="0">
+                <a:ln>
+                  <a:noFill/>
+                </a:ln>
+                <a:solidFill>
+                  <a:srgbClr val="000000"/>
+                </a:solidFill>
+                <a:effectLst/>
+                <a:uLnTx/>
+                <a:uFillTx/>
+                <a:latin typeface="맑은 고딕" panose="020B0503020000020004" pitchFamily="50" charset="-127"/>
+                <a:ea typeface="맑은 고딕" panose="020B0503020000020004" pitchFamily="50" charset="-127"/>
+                <a:cs typeface="Gmarket Sans Medium" pitchFamily="34" charset="0"/>
+              </a:rPr>
+              <a:t>, </a:t>
+            </a:r>
+            <a:r>
+              <a:rPr kumimoji="0" lang="en-US" altLang="ko-KR" sz="2400" b="0" i="0" u="none" strike="noStrike" kern="1200" cap="none" spc="0" normalizeH="0" baseline="0" noProof="0" dirty="0" err="1">
+                <a:ln>
+                  <a:noFill/>
+                </a:ln>
+                <a:solidFill>
+                  <a:srgbClr val="000000"/>
+                </a:solidFill>
+                <a:effectLst/>
+                <a:uLnTx/>
+                <a:uFillTx/>
+                <a:latin typeface="맑은 고딕" panose="020B0503020000020004" pitchFamily="50" charset="-127"/>
+                <a:ea typeface="맑은 고딕" panose="020B0503020000020004" pitchFamily="50" charset="-127"/>
+                <a:cs typeface="Gmarket Sans Medium" pitchFamily="34" charset="0"/>
+              </a:rPr>
+              <a:t>제작</a:t>
+            </a:r>
+            <a:r>
+              <a:rPr kumimoji="0" lang="en-US" altLang="ko-KR" sz="2400" b="0" i="0" u="none" strike="noStrike" kern="1200" cap="none" spc="0" normalizeH="0" baseline="0" noProof="0" dirty="0">
+                <a:ln>
+                  <a:noFill/>
+                </a:ln>
+                <a:solidFill>
+                  <a:srgbClr val="000000"/>
+                </a:solidFill>
+                <a:effectLst/>
+                <a:uLnTx/>
+                <a:uFillTx/>
+                <a:latin typeface="맑은 고딕" panose="020B0503020000020004" pitchFamily="50" charset="-127"/>
+                <a:ea typeface="맑은 고딕" panose="020B0503020000020004" pitchFamily="50" charset="-127"/>
+                <a:cs typeface="Gmarket Sans Medium" pitchFamily="34" charset="0"/>
+              </a:rPr>
+              <a:t> </a:t>
+            </a:r>
+            <a:r>
+              <a:rPr kumimoji="0" lang="en-US" altLang="ko-KR" sz="2400" b="0" i="0" u="none" strike="noStrike" kern="1200" cap="none" spc="0" normalizeH="0" baseline="0" noProof="0" dirty="0" err="1">
+                <a:ln>
+                  <a:noFill/>
+                </a:ln>
+                <a:solidFill>
+                  <a:srgbClr val="000000"/>
+                </a:solidFill>
+                <a:effectLst/>
+                <a:uLnTx/>
+                <a:uFillTx/>
+                <a:latin typeface="맑은 고딕" panose="020B0503020000020004" pitchFamily="50" charset="-127"/>
+                <a:ea typeface="맑은 고딕" panose="020B0503020000020004" pitchFamily="50" charset="-127"/>
+                <a:cs typeface="Gmarket Sans Medium" pitchFamily="34" charset="0"/>
+              </a:rPr>
+              <a:t>비용의</a:t>
+            </a:r>
+            <a:r>
+              <a:rPr kumimoji="0" lang="en-US" altLang="ko-KR" sz="2400" b="0" i="0" u="none" strike="noStrike" kern="1200" cap="none" spc="0" normalizeH="0" baseline="0" noProof="0" dirty="0">
+                <a:ln>
+                  <a:noFill/>
+                </a:ln>
+                <a:solidFill>
+                  <a:srgbClr val="000000"/>
+                </a:solidFill>
+                <a:effectLst/>
+                <a:uLnTx/>
+                <a:uFillTx/>
+                <a:latin typeface="맑은 고딕" panose="020B0503020000020004" pitchFamily="50" charset="-127"/>
+                <a:ea typeface="맑은 고딕" panose="020B0503020000020004" pitchFamily="50" charset="-127"/>
+                <a:cs typeface="Gmarket Sans Medium" pitchFamily="34" charset="0"/>
+              </a:rPr>
+              <a:t> </a:t>
+            </a:r>
+            <a:r>
+              <a:rPr kumimoji="0" lang="en-US" altLang="ko-KR" sz="2400" b="0" i="0" u="none" strike="noStrike" kern="1200" cap="none" spc="0" normalizeH="0" baseline="0" noProof="0" dirty="0" err="1">
+                <a:ln>
+                  <a:noFill/>
+                </a:ln>
+                <a:solidFill>
+                  <a:srgbClr val="000000"/>
+                </a:solidFill>
+                <a:effectLst/>
+                <a:uLnTx/>
+                <a:uFillTx/>
+                <a:latin typeface="맑은 고딕" panose="020B0503020000020004" pitchFamily="50" charset="-127"/>
+                <a:ea typeface="맑은 고딕" panose="020B0503020000020004" pitchFamily="50" charset="-127"/>
+                <a:cs typeface="Gmarket Sans Medium" pitchFamily="34" charset="0"/>
+              </a:rPr>
+              <a:t>문제로</a:t>
+            </a:r>
+            <a:r>
+              <a:rPr kumimoji="0" lang="en-US" altLang="ko-KR" sz="2400" b="0" i="0" u="none" strike="noStrike" kern="1200" cap="none" spc="0" normalizeH="0" baseline="0" noProof="0" dirty="0">
+                <a:ln>
+                  <a:noFill/>
+                </a:ln>
+                <a:solidFill>
+                  <a:srgbClr val="000000"/>
+                </a:solidFill>
+                <a:effectLst/>
+                <a:uLnTx/>
+                <a:uFillTx/>
+                <a:latin typeface="맑은 고딕" panose="020B0503020000020004" pitchFamily="50" charset="-127"/>
+                <a:ea typeface="맑은 고딕" panose="020B0503020000020004" pitchFamily="50" charset="-127"/>
+                <a:cs typeface="Gmarket Sans Medium" pitchFamily="34" charset="0"/>
+              </a:rPr>
+              <a:t> </a:t>
+            </a:r>
+            <a:r>
+              <a:rPr kumimoji="0" lang="en-US" altLang="ko-KR" sz="2400" b="0" i="0" u="none" strike="noStrike" kern="1200" cap="none" spc="0" normalizeH="0" baseline="0" noProof="0" dirty="0" err="1">
+                <a:ln>
+                  <a:noFill/>
+                </a:ln>
+                <a:solidFill>
+                  <a:srgbClr val="000000"/>
+                </a:solidFill>
+                <a:effectLst/>
+                <a:uLnTx/>
+                <a:uFillTx/>
+                <a:latin typeface="맑은 고딕" panose="020B0503020000020004" pitchFamily="50" charset="-127"/>
+                <a:ea typeface="맑은 고딕" panose="020B0503020000020004" pitchFamily="50" charset="-127"/>
+                <a:cs typeface="Gmarket Sans Medium" pitchFamily="34" charset="0"/>
+              </a:rPr>
+              <a:t>인해</a:t>
+            </a:r>
+            <a:r>
+              <a:rPr kumimoji="0" lang="en-US" altLang="ko-KR" sz="2400" b="0" i="0" u="none" strike="noStrike" kern="1200" cap="none" spc="0" normalizeH="0" baseline="0" noProof="0" dirty="0">
+                <a:ln>
+                  <a:noFill/>
+                </a:ln>
+                <a:solidFill>
+                  <a:srgbClr val="000000"/>
+                </a:solidFill>
+                <a:effectLst/>
+                <a:uLnTx/>
+                <a:uFillTx/>
+                <a:latin typeface="맑은 고딕" panose="020B0503020000020004" pitchFamily="50" charset="-127"/>
+                <a:ea typeface="맑은 고딕" panose="020B0503020000020004" pitchFamily="50" charset="-127"/>
+                <a:cs typeface="Gmarket Sans Medium" pitchFamily="34" charset="0"/>
+              </a:rPr>
+              <a:t> </a:t>
+            </a:r>
+            <a:r>
+              <a:rPr kumimoji="0" lang="en-US" altLang="ko-KR" sz="2400" b="0" i="0" u="none" strike="noStrike" kern="1200" cap="none" spc="0" normalizeH="0" baseline="0" noProof="0" dirty="0" err="1">
+                <a:ln>
+                  <a:noFill/>
+                </a:ln>
+                <a:solidFill>
+                  <a:srgbClr val="000000"/>
+                </a:solidFill>
+                <a:effectLst/>
+                <a:uLnTx/>
+                <a:uFillTx/>
+                <a:latin typeface="맑은 고딕" panose="020B0503020000020004" pitchFamily="50" charset="-127"/>
+                <a:ea typeface="맑은 고딕" panose="020B0503020000020004" pitchFamily="50" charset="-127"/>
+                <a:cs typeface="Gmarket Sans Medium" pitchFamily="34" charset="0"/>
+              </a:rPr>
+              <a:t>만들지</a:t>
+            </a:r>
+            <a:r>
+              <a:rPr kumimoji="0" lang="en-US" altLang="ko-KR" sz="2400" b="0" i="0" u="none" strike="noStrike" kern="1200" cap="none" spc="0" normalizeH="0" baseline="0" noProof="0" dirty="0">
+                <a:ln>
+                  <a:noFill/>
+                </a:ln>
+                <a:solidFill>
+                  <a:srgbClr val="000000"/>
+                </a:solidFill>
+                <a:effectLst/>
+                <a:uLnTx/>
+                <a:uFillTx/>
+                <a:latin typeface="맑은 고딕" panose="020B0503020000020004" pitchFamily="50" charset="-127"/>
+                <a:ea typeface="맑은 고딕" panose="020B0503020000020004" pitchFamily="50" charset="-127"/>
+                <a:cs typeface="Gmarket Sans Medium" pitchFamily="34" charset="0"/>
+              </a:rPr>
+              <a:t> </a:t>
+            </a:r>
+            <a:r>
+              <a:rPr kumimoji="0" lang="en-US" altLang="ko-KR" sz="2400" b="0" i="0" u="none" strike="noStrike" kern="1200" cap="none" spc="0" normalizeH="0" baseline="0" noProof="0" dirty="0" err="1">
+                <a:ln>
+                  <a:noFill/>
+                </a:ln>
+                <a:solidFill>
+                  <a:srgbClr val="000000"/>
+                </a:solidFill>
+                <a:effectLst/>
+                <a:uLnTx/>
+                <a:uFillTx/>
+                <a:latin typeface="맑은 고딕" panose="020B0503020000020004" pitchFamily="50" charset="-127"/>
+                <a:ea typeface="맑은 고딕" panose="020B0503020000020004" pitchFamily="50" charset="-127"/>
+                <a:cs typeface="Gmarket Sans Medium" pitchFamily="34" charset="0"/>
+              </a:rPr>
+              <a:t>못함</a:t>
+            </a:r>
+            <a:endParaRPr kumimoji="0" lang="en-US" altLang="ko-KR" sz="2400" b="0" i="0" u="none" strike="noStrike" kern="1200" cap="none" spc="0" normalizeH="0" baseline="0" noProof="0" dirty="0">
+              <a:ln>
+                <a:noFill/>
+              </a:ln>
+              <a:solidFill>
+                <a:srgbClr val="000000"/>
+              </a:solidFill>
+              <a:effectLst/>
+              <a:uLnTx/>
+              <a:uFillTx/>
+              <a:latin typeface="맑은 고딕" panose="020B0503020000020004" pitchFamily="50" charset="-127"/>
+              <a:ea typeface="맑은 고딕" panose="020B0503020000020004" pitchFamily="50" charset="-127"/>
+              <a:cs typeface="Gmarket Sans Medium" pitchFamily="34" charset="0"/>
+            </a:endParaRPr>
+          </a:p>
+          <a:p>
+            <a:pPr marL="342900" marR="0" lvl="0" indent="-342900" algn="l" defTabSz="914400" rtl="0" eaLnBrk="1" fontAlgn="auto" latinLnBrk="0" hangingPunct="1">
+              <a:lnSpc>
+                <a:spcPct val="150000"/>
+              </a:lnSpc>
+              <a:spcBef>
+                <a:spcPts val="0"/>
+              </a:spcBef>
+              <a:spcAft>
+                <a:spcPts val="0"/>
+              </a:spcAft>
+              <a:buClrTx/>
+              <a:buSzTx/>
+              <a:buFontTx/>
+              <a:buChar char="-"/>
+              <a:tabLst/>
+              <a:defRPr/>
+            </a:pPr>
+            <a:endParaRPr kumimoji="0" lang="en-US" altLang="ko-KR" sz="2500" b="0" i="0" u="none" strike="noStrike" kern="1200" cap="none" spc="0" normalizeH="0" baseline="0" noProof="0" dirty="0">
+              <a:ln>
+                <a:noFill/>
+              </a:ln>
+              <a:solidFill>
+                <a:srgbClr val="000000"/>
+              </a:solidFill>
+              <a:effectLst/>
+              <a:uLnTx/>
+              <a:uFillTx/>
+              <a:latin typeface="맑은 고딕" panose="020B0503020000020004" pitchFamily="50" charset="-127"/>
+              <a:ea typeface="맑은 고딕" panose="020B0503020000020004" pitchFamily="50" charset="-127"/>
+              <a:cs typeface="Gmarket Sans Medium" pitchFamily="34" charset="0"/>
+            </a:endParaRPr>
+          </a:p>
+          <a:p>
+            <a:pPr>
+              <a:lnSpc>
+                <a:spcPct val="150000"/>
+              </a:lnSpc>
+            </a:pPr>
+            <a:endParaRPr lang="en-US" sz="2500" dirty="0">
+              <a:latin typeface="맑은 고딕" panose="020B0503020000020004" pitchFamily="50" charset="-127"/>
+              <a:ea typeface="맑은 고딕" panose="020B0503020000020004" pitchFamily="50" charset="-127"/>
+            </a:endParaRPr>
+          </a:p>
+        </p:txBody>
+      </p:sp>
       <p:grpSp>
         <p:nvGrpSpPr>
           <p:cNvPr id="1001" name="그룹 1001"/>
@@ -10236,14 +12168,14 @@
         </p:grpSpPr>
         <p:pic>
           <p:nvPicPr>
-            <p:cNvPr id="3" name="Object 2"/>
+            <p:cNvPr id="6" name="Object 5"/>
             <p:cNvPicPr>
               <a:picLocks noChangeAspect="1"/>
             </p:cNvPicPr>
             <p:nvPr/>
           </p:nvPicPr>
           <p:blipFill>
-            <a:blip r:embed="rId2" cstate="print"/>
+            <a:blip r:embed="rId3" cstate="print"/>
             <a:stretch>
               <a:fillRect/>
             </a:stretch>
@@ -10261,7 +12193,7 @@
       </p:grpSp>
       <p:sp>
         <p:nvSpPr>
-          <p:cNvPr id="5" name="Object 5"/>
+          <p:cNvPr id="8" name="Object 8"/>
           <p:cNvSpPr txBox="1"/>
           <p:nvPr/>
         </p:nvSpPr>
@@ -10290,7 +12222,7 @@
                 <a:ea typeface="맑은 고딕" panose="020B0503020000020004" pitchFamily="50" charset="-127"/>
                 <a:cs typeface="Gmarket Sans Medium" pitchFamily="34" charset="0"/>
               </a:rPr>
-              <a:t>프로젝트 진행과정</a:t>
+              <a:t>프로젝트 결론</a:t>
             </a:r>
             <a:endParaRPr lang="en-US" dirty="0">
               <a:latin typeface="맑은 고딕" panose="020B0503020000020004" pitchFamily="50" charset="-127"/>
@@ -10315,14 +12247,14 @@
         </p:grpSpPr>
         <p:pic>
           <p:nvPicPr>
-            <p:cNvPr id="7" name="Object 6"/>
+            <p:cNvPr id="10" name="Object 9"/>
             <p:cNvPicPr>
               <a:picLocks noChangeAspect="1"/>
             </p:cNvPicPr>
             <p:nvPr/>
           </p:nvPicPr>
           <p:blipFill>
-            <a:blip r:embed="rId3" cstate="print"/>
+            <a:blip r:embed="rId4" cstate="print"/>
             <a:stretch>
               <a:fillRect/>
             </a:stretch>
@@ -10340,7 +12272,7 @@
       </p:grpSp>
       <p:sp>
         <p:nvSpPr>
-          <p:cNvPr id="9" name="Object 9"/>
+          <p:cNvPr id="12" name="Object 12"/>
           <p:cNvSpPr txBox="1"/>
           <p:nvPr/>
         </p:nvSpPr>
@@ -10381,7 +12313,7 @@
       </p:sp>
       <p:sp>
         <p:nvSpPr>
-          <p:cNvPr id="10" name="Object 10"/>
+          <p:cNvPr id="13" name="Object 13"/>
           <p:cNvSpPr txBox="1"/>
           <p:nvPr/>
         </p:nvSpPr>
@@ -10411,7 +12343,7 @@
                 <a:ea typeface="맑은 고딕" panose="020B0503020000020004" pitchFamily="50" charset="-127"/>
                 <a:cs typeface="Gmarket Sans Medium" pitchFamily="34" charset="0"/>
               </a:rPr>
-              <a:t>02</a:t>
+              <a:t>03</a:t>
             </a:r>
             <a:endParaRPr lang="en-US" dirty="0">
               <a:latin typeface="맑은 고딕" panose="020B0503020000020004" pitchFamily="50" charset="-127"/>
@@ -10422,7 +12354,7 @@
       </p:sp>
       <p:sp>
         <p:nvSpPr>
-          <p:cNvPr id="11" name="Object 11"/>
+          <p:cNvPr id="14" name="Object 14"/>
           <p:cNvSpPr txBox="1"/>
           <p:nvPr/>
         </p:nvSpPr>
@@ -10461,103 +12393,89 @@
           </a:p>
         </p:txBody>
       </p:sp>
-      <p:sp>
-        <p:nvSpPr>
-          <p:cNvPr id="12" name="Object 12"/>
-          <p:cNvSpPr txBox="1"/>
+      <p:grpSp>
+        <p:nvGrpSpPr>
+          <p:cNvPr id="1003" name="그룹 1003"/>
+          <p:cNvGrpSpPr/>
           <p:nvPr/>
-        </p:nvSpPr>
-        <p:spPr>
-          <a:xfrm>
-            <a:off x="1272305" y="2146657"/>
-            <a:ext cx="8262166" cy="1154162"/>
-          </a:xfrm>
-          <a:prstGeom prst="rect">
-            <a:avLst/>
-          </a:prstGeom>
-          <a:noFill/>
-        </p:spPr>
-        <p:txBody>
-          <a:bodyPr wrap="square" rtlCol="0" anchor="t">
-            <a:spAutoFit/>
-          </a:bodyPr>
-          <a:lstStyle/>
-          <a:p>
-            <a:r>
-              <a:rPr lang="en-US" sz="5100" b="1" kern="0" spc="-200" dirty="0">
-                <a:solidFill>
-                  <a:srgbClr val="000000"/>
-                </a:solidFill>
-                <a:latin typeface="맑은 고딕" panose="020B0503020000020004" pitchFamily="50" charset="-127"/>
-                <a:ea typeface="맑은 고딕" panose="020B0503020000020004" pitchFamily="50" charset="-127"/>
-                <a:cs typeface="Gmarket Sans Medium" pitchFamily="34" charset="0"/>
-              </a:rPr>
-              <a:t>4) 시연 영상</a:t>
-            </a:r>
-          </a:p>
-          <a:p>
-            <a:endParaRPr lang="en-US" dirty="0">
-              <a:latin typeface="맑은 고딕" panose="020B0503020000020004" pitchFamily="50" charset="-127"/>
-              <a:ea typeface="맑은 고딕" panose="020B0503020000020004" pitchFamily="50" charset="-127"/>
-            </a:endParaRPr>
-          </a:p>
-        </p:txBody>
-      </p:sp>
-      <p:sp>
-        <p:nvSpPr>
-          <p:cNvPr id="18" name="TextBox 17">
-            <a:extLst>
-              <a:ext uri="{FF2B5EF4-FFF2-40B4-BE49-F238E27FC236}">
-                <a16:creationId xmlns:a16="http://schemas.microsoft.com/office/drawing/2014/main" id="{921111A5-93C0-2231-5C2E-F0455DE51A1F}"/>
-              </a:ext>
-            </a:extLst>
-          </p:cNvPr>
-          <p:cNvSpPr txBox="1"/>
+        </p:nvGrpSpPr>
+        <p:grpSpPr>
+          <a:xfrm>
+            <a:off x="14173200" y="3848100"/>
+            <a:ext cx="2395903" cy="2157127"/>
+            <a:chOff x="14789940" y="2904056"/>
+            <a:chExt cx="2395903" cy="2157127"/>
+          </a:xfrm>
+        </p:grpSpPr>
+        <p:pic>
+          <p:nvPicPr>
+            <p:cNvPr id="16" name="Object 15"/>
+            <p:cNvPicPr>
+              <a:picLocks noChangeAspect="1"/>
+            </p:cNvPicPr>
+            <p:nvPr/>
+          </p:nvPicPr>
+          <p:blipFill>
+            <a:blip r:embed="rId5" cstate="print"/>
+            <a:stretch>
+              <a:fillRect/>
+            </a:stretch>
+          </p:blipFill>
+          <p:spPr>
+            <a:xfrm>
+              <a:off x="14789940" y="2904056"/>
+              <a:ext cx="2395903" cy="2157127"/>
+            </a:xfrm>
+            <a:prstGeom prst="rect">
+              <a:avLst/>
+            </a:prstGeom>
+          </p:spPr>
+        </p:pic>
+      </p:grpSp>
+      <p:grpSp>
+        <p:nvGrpSpPr>
+          <p:cNvPr id="1004" name="그룹 1004"/>
+          <p:cNvGrpSpPr/>
           <p:nvPr/>
-        </p:nvSpPr>
-        <p:spPr>
-          <a:xfrm>
-            <a:off x="1328896" y="3543414"/>
-            <a:ext cx="11853704" cy="461665"/>
-          </a:xfrm>
-          <a:prstGeom prst="rect">
-            <a:avLst/>
-          </a:prstGeom>
-          <a:noFill/>
-        </p:spPr>
-        <p:txBody>
-          <a:bodyPr wrap="square" rtlCol="0">
-            <a:spAutoFit/>
-          </a:bodyPr>
-          <a:lstStyle/>
-          <a:p>
-            <a:r>
-              <a:rPr lang="en-US" altLang="ko-KR" sz="2400" dirty="0">
-                <a:latin typeface="맑은 고딕" panose="020B0503020000020004" pitchFamily="50" charset="-127"/>
-                <a:ea typeface="맑은 고딕" panose="020B0503020000020004" pitchFamily="50" charset="-127"/>
-              </a:rPr>
-              <a:t>https://www.youtube.com/watch?v=lpB4n5GY5eA</a:t>
-            </a:r>
-            <a:endParaRPr lang="ko-KR" altLang="en-US" sz="2400" dirty="0">
-              <a:latin typeface="맑은 고딕" panose="020B0503020000020004" pitchFamily="50" charset="-127"/>
-              <a:ea typeface="맑은 고딕" panose="020B0503020000020004" pitchFamily="50" charset="-127"/>
-            </a:endParaRPr>
-          </a:p>
-        </p:txBody>
-      </p:sp>
+        </p:nvGrpSpPr>
+        <p:grpSpPr>
+          <a:xfrm>
+            <a:off x="14378392" y="6008493"/>
+            <a:ext cx="1985518" cy="2439515"/>
+            <a:chOff x="12430632" y="2703342"/>
+            <a:chExt cx="1985518" cy="2439515"/>
+          </a:xfrm>
+        </p:grpSpPr>
+        <p:pic>
+          <p:nvPicPr>
+            <p:cNvPr id="19" name="Object 18"/>
+            <p:cNvPicPr>
+              <a:picLocks noChangeAspect="1"/>
+            </p:cNvPicPr>
+            <p:nvPr/>
+          </p:nvPicPr>
+          <p:blipFill>
+            <a:blip r:embed="rId6" cstate="print"/>
+            <a:stretch>
+              <a:fillRect/>
+            </a:stretch>
+          </p:blipFill>
+          <p:spPr>
+            <a:xfrm>
+              <a:off x="12430632" y="2703342"/>
+              <a:ext cx="1985518" cy="2439515"/>
+            </a:xfrm>
+            <a:prstGeom prst="rect">
+              <a:avLst/>
+            </a:prstGeom>
+          </p:spPr>
+        </p:pic>
+      </p:grpSp>
     </p:spTree>
   </p:cSld>
   <p:clrMapOvr>
     <a:masterClrMapping/>
   </p:clrMapOvr>
-  <mc:AlternateContent xmlns:mc="http://schemas.openxmlformats.org/markup-compatibility/2006" xmlns:p14="http://schemas.microsoft.com/office/powerpoint/2010/main">
-    <mc:Choice Requires="p14">
-      <p:transition spd="slow" p14:dur="2000" advTm="32541"/>
-    </mc:Choice>
-    <mc:Fallback xmlns="">
-      <p:transition spd="slow" advTm="32541"/>
-    </mc:Fallback>
-  </mc:AlternateContent>
 </p:sld>
 </file>
 
@@ -10842,4 +12760,299 @@
   <a:objectDefaults/>
   <a:extraClrSchemeLst/>
 </a:theme>
+</file>
+
+<file path=ppt/theme/theme2.xml><?xml version="1.0" encoding="utf-8"?>
+<a:theme xmlns:a="http://schemas.openxmlformats.org/drawingml/2006/main" name="Office 테마">
+  <a:themeElements>
+    <a:clrScheme name="Office">
+      <a:dk1>
+        <a:sysClr val="windowText" lastClr="000000"/>
+      </a:dk1>
+      <a:lt1>
+        <a:sysClr val="window" lastClr="FFFFFF"/>
+      </a:lt1>
+      <a:dk2>
+        <a:srgbClr val="44546A"/>
+      </a:dk2>
+      <a:lt2>
+        <a:srgbClr val="E7E6E6"/>
+      </a:lt2>
+      <a:accent1>
+        <a:srgbClr val="4472C4"/>
+      </a:accent1>
+      <a:accent2>
+        <a:srgbClr val="ED7D31"/>
+      </a:accent2>
+      <a:accent3>
+        <a:srgbClr val="A5A5A5"/>
+      </a:accent3>
+      <a:accent4>
+        <a:srgbClr val="FFC000"/>
+      </a:accent4>
+      <a:accent5>
+        <a:srgbClr val="5B9BD5"/>
+      </a:accent5>
+      <a:accent6>
+        <a:srgbClr val="70AD47"/>
+      </a:accent6>
+      <a:hlink>
+        <a:srgbClr val="0563C1"/>
+      </a:hlink>
+      <a:folHlink>
+        <a:srgbClr val="954F72"/>
+      </a:folHlink>
+    </a:clrScheme>
+    <a:fontScheme name="Office">
+      <a:majorFont>
+        <a:latin typeface="맑은 고딕" panose="020F0302020204030204"/>
+        <a:ea typeface=""/>
+        <a:cs typeface=""/>
+        <a:font script="Jpan" typeface="游ゴシック Light"/>
+        <a:font script="Hang" typeface="맑은 고딕"/>
+        <a:font script="Hans" typeface="等线 Light"/>
+        <a:font script="Hant" typeface="新細明體"/>
+        <a:font script="Arab" typeface="Times New Roman"/>
+        <a:font script="Hebr" typeface="Times New Roman"/>
+        <a:font script="Thai" typeface="Angsana New"/>
+        <a:font script="Ethi" typeface="Nyala"/>
+        <a:font script="Beng" typeface="Vrinda"/>
+        <a:font script="Gujr" typeface="Shruti"/>
+        <a:font script="Khmr" typeface="MoolBoran"/>
+        <a:font script="Knda" typeface="Tunga"/>
+        <a:font script="Guru" typeface="Raavi"/>
+        <a:font script="Cans" typeface="Euphemia"/>
+        <a:font script="Cher" typeface="Plantagenet Cherokee"/>
+        <a:font script="Yiii" typeface="Microsoft Yi Baiti"/>
+        <a:font script="Tibt" typeface="Microsoft Himalaya"/>
+        <a:font script="Thaa" typeface="MV Boli"/>
+        <a:font script="Deva" typeface="Mangal"/>
+        <a:font script="Telu" typeface="Gautami"/>
+        <a:font script="Taml" typeface="Latha"/>
+        <a:font script="Syrc" typeface="Estrangelo Edessa"/>
+        <a:font script="Orya" typeface="Kalinga"/>
+        <a:font script="Mlym" typeface="Kartika"/>
+        <a:font script="Laoo" typeface="DokChampa"/>
+        <a:font script="Sinh" typeface="Iskoola Pota"/>
+        <a:font script="Mong" typeface="Mongolian Baiti"/>
+        <a:font script="Viet" typeface="Times New Roman"/>
+        <a:font script="Uigh" typeface="Microsoft Uighur"/>
+        <a:font script="Geor" typeface="Sylfaen"/>
+        <a:font script="Armn" typeface="Arial"/>
+        <a:font script="Bugi" typeface="Leelawadee UI"/>
+        <a:font script="Bopo" typeface="Microsoft JhengHei"/>
+        <a:font script="Java" typeface="Javanese Text"/>
+        <a:font script="Lisu" typeface="Segoe UI"/>
+        <a:font script="Mymr" typeface="Myanmar Text"/>
+        <a:font script="Nkoo" typeface="Ebrima"/>
+        <a:font script="Olck" typeface="Nirmala UI"/>
+        <a:font script="Osma" typeface="Ebrima"/>
+        <a:font script="Phag" typeface="Phagspa"/>
+        <a:font script="Syrn" typeface="Estrangelo Edessa"/>
+        <a:font script="Syrj" typeface="Estrangelo Edessa"/>
+        <a:font script="Syre" typeface="Estrangelo Edessa"/>
+        <a:font script="Sora" typeface="Nirmala UI"/>
+        <a:font script="Tale" typeface="Microsoft Tai Le"/>
+        <a:font script="Talu" typeface="Microsoft New Tai Lue"/>
+        <a:font script="Tfng" typeface="Ebrima"/>
+      </a:majorFont>
+      <a:minorFont>
+        <a:latin typeface="맑은 고딕" panose="020F0502020204030204"/>
+        <a:ea typeface=""/>
+        <a:cs typeface=""/>
+        <a:font script="Jpan" typeface="游ゴシック"/>
+        <a:font script="Hang" typeface="맑은 고딕"/>
+        <a:font script="Hans" typeface="等线"/>
+        <a:font script="Hant" typeface="新細明體"/>
+        <a:font script="Arab" typeface="Arial"/>
+        <a:font script="Hebr" typeface="Arial"/>
+        <a:font script="Thai" typeface="Cordia New"/>
+        <a:font script="Ethi" typeface="Nyala"/>
+        <a:font script="Beng" typeface="Vrinda"/>
+        <a:font script="Gujr" typeface="Shruti"/>
+        <a:font script="Khmr" typeface="DaunPenh"/>
+        <a:font script="Knda" typeface="Tunga"/>
+        <a:font script="Guru" typeface="Raavi"/>
+        <a:font script="Cans" typeface="Euphemia"/>
+        <a:font script="Cher" typeface="Plantagenet Cherokee"/>
+        <a:font script="Yiii" typeface="Microsoft Yi Baiti"/>
+        <a:font script="Tibt" typeface="Microsoft Himalaya"/>
+        <a:font script="Thaa" typeface="MV Boli"/>
+        <a:font script="Deva" typeface="Mangal"/>
+        <a:font script="Telu" typeface="Gautami"/>
+        <a:font script="Taml" typeface="Latha"/>
+        <a:font script="Syrc" typeface="Estrangelo Edessa"/>
+        <a:font script="Orya" typeface="Kalinga"/>
+        <a:font script="Mlym" typeface="Kartika"/>
+        <a:font script="Laoo" typeface="DokChampa"/>
+        <a:font script="Sinh" typeface="Iskoola Pota"/>
+        <a:font script="Mong" typeface="Mongolian Baiti"/>
+        <a:font script="Viet" typeface="Arial"/>
+        <a:font script="Uigh" typeface="Microsoft Uighur"/>
+        <a:font script="Geor" typeface="Sylfaen"/>
+        <a:font script="Armn" typeface="Arial"/>
+        <a:font script="Bugi" typeface="Leelawadee UI"/>
+        <a:font script="Bopo" typeface="Microsoft JhengHei"/>
+        <a:font script="Java" typeface="Javanese Text"/>
+        <a:font script="Lisu" typeface="Segoe UI"/>
+        <a:font script="Mymr" typeface="Myanmar Text"/>
+        <a:font script="Nkoo" typeface="Ebrima"/>
+        <a:font script="Olck" typeface="Nirmala UI"/>
+        <a:font script="Osma" typeface="Ebrima"/>
+        <a:font script="Phag" typeface="Phagspa"/>
+        <a:font script="Syrn" typeface="Estrangelo Edessa"/>
+        <a:font script="Syrj" typeface="Estrangelo Edessa"/>
+        <a:font script="Syre" typeface="Estrangelo Edessa"/>
+        <a:font script="Sora" typeface="Nirmala UI"/>
+        <a:font script="Tale" typeface="Microsoft Tai Le"/>
+        <a:font script="Talu" typeface="Microsoft New Tai Lue"/>
+        <a:font script="Tfng" typeface="Ebrima"/>
+      </a:minorFont>
+    </a:fontScheme>
+    <a:fmtScheme name="Office">
+      <a:fillStyleLst>
+        <a:solidFill>
+          <a:schemeClr val="phClr"/>
+        </a:solidFill>
+        <a:gradFill rotWithShape="1">
+          <a:gsLst>
+            <a:gs pos="0">
+              <a:schemeClr val="phClr">
+                <a:lumMod val="110000"/>
+                <a:satMod val="105000"/>
+                <a:tint val="67000"/>
+              </a:schemeClr>
+            </a:gs>
+            <a:gs pos="50000">
+              <a:schemeClr val="phClr">
+                <a:lumMod val="105000"/>
+                <a:satMod val="103000"/>
+                <a:tint val="73000"/>
+              </a:schemeClr>
+            </a:gs>
+            <a:gs pos="100000">
+              <a:schemeClr val="phClr">
+                <a:lumMod val="105000"/>
+                <a:satMod val="109000"/>
+                <a:tint val="81000"/>
+              </a:schemeClr>
+            </a:gs>
+          </a:gsLst>
+          <a:lin ang="5400000" scaled="0"/>
+        </a:gradFill>
+        <a:gradFill rotWithShape="1">
+          <a:gsLst>
+            <a:gs pos="0">
+              <a:schemeClr val="phClr">
+                <a:satMod val="103000"/>
+                <a:lumMod val="102000"/>
+                <a:tint val="94000"/>
+              </a:schemeClr>
+            </a:gs>
+            <a:gs pos="50000">
+              <a:schemeClr val="phClr">
+                <a:satMod val="110000"/>
+                <a:lumMod val="100000"/>
+                <a:shade val="100000"/>
+              </a:schemeClr>
+            </a:gs>
+            <a:gs pos="100000">
+              <a:schemeClr val="phClr">
+                <a:lumMod val="99000"/>
+                <a:satMod val="120000"/>
+                <a:shade val="78000"/>
+              </a:schemeClr>
+            </a:gs>
+          </a:gsLst>
+          <a:lin ang="5400000" scaled="0"/>
+        </a:gradFill>
+      </a:fillStyleLst>
+      <a:lnStyleLst>
+        <a:ln w="6350" cap="flat" cmpd="sng" algn="ctr">
+          <a:solidFill>
+            <a:schemeClr val="phClr"/>
+          </a:solidFill>
+          <a:prstDash val="solid"/>
+          <a:miter lim="800000"/>
+        </a:ln>
+        <a:ln w="12700" cap="flat" cmpd="sng" algn="ctr">
+          <a:solidFill>
+            <a:schemeClr val="phClr"/>
+          </a:solidFill>
+          <a:prstDash val="solid"/>
+          <a:miter lim="800000"/>
+        </a:ln>
+        <a:ln w="19050" cap="flat" cmpd="sng" algn="ctr">
+          <a:solidFill>
+            <a:schemeClr val="phClr"/>
+          </a:solidFill>
+          <a:prstDash val="solid"/>
+          <a:miter lim="800000"/>
+        </a:ln>
+      </a:lnStyleLst>
+      <a:effectStyleLst>
+        <a:effectStyle>
+          <a:effectLst/>
+        </a:effectStyle>
+        <a:effectStyle>
+          <a:effectLst/>
+        </a:effectStyle>
+        <a:effectStyle>
+          <a:effectLst>
+            <a:outerShdw blurRad="57150" dist="19050" dir="5400000" algn="ctr" rotWithShape="0">
+              <a:srgbClr val="000000">
+                <a:alpha val="63000"/>
+              </a:srgbClr>
+            </a:outerShdw>
+          </a:effectLst>
+        </a:effectStyle>
+      </a:effectStyleLst>
+      <a:bgFillStyleLst>
+        <a:solidFill>
+          <a:schemeClr val="phClr"/>
+        </a:solidFill>
+        <a:solidFill>
+          <a:schemeClr val="phClr">
+            <a:tint val="95000"/>
+            <a:satMod val="170000"/>
+          </a:schemeClr>
+        </a:solidFill>
+        <a:gradFill rotWithShape="1">
+          <a:gsLst>
+            <a:gs pos="0">
+              <a:schemeClr val="phClr">
+                <a:tint val="93000"/>
+                <a:satMod val="150000"/>
+                <a:shade val="98000"/>
+                <a:lumMod val="102000"/>
+              </a:schemeClr>
+            </a:gs>
+            <a:gs pos="50000">
+              <a:schemeClr val="phClr">
+                <a:tint val="98000"/>
+                <a:satMod val="130000"/>
+                <a:shade val="90000"/>
+                <a:lumMod val="103000"/>
+              </a:schemeClr>
+            </a:gs>
+            <a:gs pos="100000">
+              <a:schemeClr val="phClr">
+                <a:shade val="63000"/>
+                <a:satMod val="120000"/>
+              </a:schemeClr>
+            </a:gs>
+          </a:gsLst>
+          <a:lin ang="5400000" scaled="0"/>
+        </a:gradFill>
+      </a:bgFillStyleLst>
+    </a:fmtScheme>
+  </a:themeElements>
+  <a:objectDefaults/>
+  <a:extraClrSchemeLst/>
+  <a:extLst>
+    <a:ext uri="{05A4C25C-085E-4340-85A3-A5531E510DB2}">
+      <thm15:themeFamily xmlns:thm15="http://schemas.microsoft.com/office/thememl/2012/main" name="Office Theme" id="{62F939B6-93AF-4DB8-9C6B-D6C7DFDC589F}" vid="{4A3C46E8-61CC-4603-A589-7422A47A8E4A}"/>
+    </a:ext>
+  </a:extLst>
+</a:theme>
 </file>
--- a/종합프로젝트설계_발표자료.pptx
+++ b/종합프로젝트설계_발표자료.pptx
@@ -139,7 +139,7 @@
   <pc:docChgLst>
     <pc:chgData name="최창환" userId="e7bece8d-0b00-46eb-a3f5-00c7562d57af" providerId="ADAL" clId="{1D185AE2-2488-4666-B60E-552A758BAD94}"/>
     <pc:docChg chg="undo redo custSel addSld delSld modSld sldOrd">
-      <pc:chgData name="최창환" userId="e7bece8d-0b00-46eb-a3f5-00c7562d57af" providerId="ADAL" clId="{1D185AE2-2488-4666-B60E-552A758BAD94}" dt="2022-06-09T14:59:50.908" v="4766" actId="1076"/>
+      <pc:chgData name="최창환" userId="e7bece8d-0b00-46eb-a3f5-00c7562d57af" providerId="ADAL" clId="{1D185AE2-2488-4666-B60E-552A758BAD94}" dt="2022-06-11T03:25:56.865" v="4999" actId="14100"/>
       <pc:docMkLst>
         <pc:docMk/>
       </pc:docMkLst>
@@ -373,7 +373,7 @@
         </pc:spChg>
       </pc:sldChg>
       <pc:sldChg chg="addSp delSp modSp mod">
-        <pc:chgData name="최창환" userId="e7bece8d-0b00-46eb-a3f5-00c7562d57af" providerId="ADAL" clId="{1D185AE2-2488-4666-B60E-552A758BAD94}" dt="2022-06-09T14:00:51.524" v="4585" actId="478"/>
+        <pc:chgData name="최창환" userId="e7bece8d-0b00-46eb-a3f5-00c7562d57af" providerId="ADAL" clId="{1D185AE2-2488-4666-B60E-552A758BAD94}" dt="2022-06-11T03:17:34.012" v="4953" actId="20577"/>
         <pc:sldMkLst>
           <pc:docMk/>
           <pc:sldMk cId="0" sldId="259"/>
@@ -515,7 +515,7 @@
           </ac:graphicFrameMkLst>
         </pc:graphicFrameChg>
         <pc:graphicFrameChg chg="add del mod modGraphic">
-          <ac:chgData name="최창환" userId="e7bece8d-0b00-46eb-a3f5-00c7562d57af" providerId="ADAL" clId="{1D185AE2-2488-4666-B60E-552A758BAD94}" dt="2022-06-09T14:00:51.524" v="4585" actId="478"/>
+          <ac:chgData name="최창환" userId="e7bece8d-0b00-46eb-a3f5-00c7562d57af" providerId="ADAL" clId="{1D185AE2-2488-4666-B60E-552A758BAD94}" dt="2022-06-11T03:17:34.012" v="4953" actId="20577"/>
           <ac:graphicFrameMkLst>
             <pc:docMk/>
             <pc:sldMk cId="0" sldId="259"/>
@@ -683,7 +683,7 @@
         </pc:grpChg>
       </pc:sldChg>
       <pc:sldChg chg="addSp delSp modSp mod">
-        <pc:chgData name="최창환" userId="e7bece8d-0b00-46eb-a3f5-00c7562d57af" providerId="ADAL" clId="{1D185AE2-2488-4666-B60E-552A758BAD94}" dt="2022-06-09T13:22:41.848" v="4496" actId="1076"/>
+        <pc:chgData name="최창환" userId="e7bece8d-0b00-46eb-a3f5-00c7562d57af" providerId="ADAL" clId="{1D185AE2-2488-4666-B60E-552A758BAD94}" dt="2022-06-11T03:25:56.865" v="4999" actId="14100"/>
         <pc:sldMkLst>
           <pc:docMk/>
           <pc:sldMk cId="0" sldId="261"/>
@@ -721,15 +721,15 @@
           </ac:spMkLst>
         </pc:spChg>
         <pc:spChg chg="mod">
-          <ac:chgData name="최창환" userId="e7bece8d-0b00-46eb-a3f5-00c7562d57af" providerId="ADAL" clId="{1D185AE2-2488-4666-B60E-552A758BAD94}" dt="2022-06-09T13:16:35.564" v="3971" actId="20577"/>
+          <ac:chgData name="최창환" userId="e7bece8d-0b00-46eb-a3f5-00c7562d57af" providerId="ADAL" clId="{1D185AE2-2488-4666-B60E-552A758BAD94}" dt="2022-06-11T03:25:56.865" v="4999" actId="14100"/>
           <ac:spMkLst>
             <pc:docMk/>
             <pc:sldMk cId="0" sldId="261"/>
             <ac:spMk id="12" creationId="{00000000-0000-0000-0000-000000000000}"/>
           </ac:spMkLst>
         </pc:spChg>
-        <pc:spChg chg="mod ord">
-          <ac:chgData name="최창환" userId="e7bece8d-0b00-46eb-a3f5-00c7562d57af" providerId="ADAL" clId="{1D185AE2-2488-4666-B60E-552A758BAD94}" dt="2022-06-09T13:22:15.649" v="4488" actId="1076"/>
+        <pc:spChg chg="del mod ord">
+          <ac:chgData name="최창환" userId="e7bece8d-0b00-46eb-a3f5-00c7562d57af" providerId="ADAL" clId="{1D185AE2-2488-4666-B60E-552A758BAD94}" dt="2022-06-11T03:24:21.646" v="4979" actId="478"/>
           <ac:spMkLst>
             <pc:docMk/>
             <pc:sldMk cId="0" sldId="261"/>
@@ -737,7 +737,7 @@
           </ac:spMkLst>
         </pc:spChg>
         <pc:spChg chg="mod">
-          <ac:chgData name="최창환" userId="e7bece8d-0b00-46eb-a3f5-00c7562d57af" providerId="ADAL" clId="{1D185AE2-2488-4666-B60E-552A758BAD94}" dt="2022-05-29T10:16:46.826" v="64" actId="2710"/>
+          <ac:chgData name="최창환" userId="e7bece8d-0b00-46eb-a3f5-00c7562d57af" providerId="ADAL" clId="{1D185AE2-2488-4666-B60E-552A758BAD94}" dt="2022-06-11T03:24:27.356" v="4980" actId="20577"/>
           <ac:spMkLst>
             <pc:docMk/>
             <pc:sldMk cId="0" sldId="261"/>
@@ -753,6 +753,14 @@
           </ac:spMkLst>
         </pc:spChg>
         <pc:grpChg chg="del">
+          <ac:chgData name="최창환" userId="e7bece8d-0b00-46eb-a3f5-00c7562d57af" providerId="ADAL" clId="{1D185AE2-2488-4666-B60E-552A758BAD94}" dt="2022-06-11T03:21:57.576" v="4956" actId="478"/>
+          <ac:grpSpMkLst>
+            <pc:docMk/>
+            <pc:sldMk cId="0" sldId="261"/>
+            <ac:grpSpMk id="1003" creationId="{00000000-0000-0000-0000-000000000000}"/>
+          </ac:grpSpMkLst>
+        </pc:grpChg>
+        <pc:grpChg chg="del">
           <ac:chgData name="최창환" userId="e7bece8d-0b00-46eb-a3f5-00c7562d57af" providerId="ADAL" clId="{1D185AE2-2488-4666-B60E-552A758BAD94}" dt="2022-05-30T13:40:30.814" v="634" actId="478"/>
           <ac:grpSpMkLst>
             <pc:docMk/>
@@ -774,6 +782,22 @@
             <pc:docMk/>
             <pc:sldMk cId="0" sldId="261"/>
             <ac:picMk id="4" creationId="{6855BEB2-A15B-D671-ECA3-BF78D7C4E5A1}"/>
+          </ac:picMkLst>
+        </pc:picChg>
+        <pc:picChg chg="add mod">
+          <ac:chgData name="최창환" userId="e7bece8d-0b00-46eb-a3f5-00c7562d57af" providerId="ADAL" clId="{1D185AE2-2488-4666-B60E-552A758BAD94}" dt="2022-06-11T03:25:19.864" v="4996" actId="1076"/>
+          <ac:picMkLst>
+            <pc:docMk/>
+            <pc:sldMk cId="0" sldId="261"/>
+            <ac:picMk id="6" creationId="{F9CABBEF-20F6-7871-2E1A-645F0B915192}"/>
+          </ac:picMkLst>
+        </pc:picChg>
+        <pc:picChg chg="add mod">
+          <ac:chgData name="최창환" userId="e7bece8d-0b00-46eb-a3f5-00c7562d57af" providerId="ADAL" clId="{1D185AE2-2488-4666-B60E-552A758BAD94}" dt="2022-06-11T03:25:10.034" v="4992" actId="14100"/>
+          <ac:picMkLst>
+            <pc:docMk/>
+            <pc:sldMk cId="0" sldId="261"/>
+            <ac:picMk id="13" creationId="{BCF1C931-434D-CA3A-8406-0A6FA86FB312}"/>
           </ac:picMkLst>
         </pc:picChg>
       </pc:sldChg>
@@ -1390,11 +1414,26 @@
   </pc:docChgLst>
   <pc:docChgLst>
     <pc:chgData name="최창환" userId="e7bece8d-0b00-46eb-a3f5-00c7562d57af" providerId="ADAL" clId="{9CB97517-4574-D84B-BF86-527A2E13AF31}"/>
-    <pc:docChg chg="modSld">
-      <pc:chgData name="최창환" userId="e7bece8d-0b00-46eb-a3f5-00c7562d57af" providerId="ADAL" clId="{9CB97517-4574-D84B-BF86-527A2E13AF31}" dt="2022-05-31T03:36:12.505" v="0"/>
+    <pc:docChg chg="custSel modSld">
+      <pc:chgData name="최창환" userId="e7bece8d-0b00-46eb-a3f5-00c7562d57af" providerId="ADAL" clId="{9CB97517-4574-D84B-BF86-527A2E13AF31}" dt="2022-06-10T21:07:19.569" v="44" actId="20577"/>
       <pc:docMkLst>
         <pc:docMk/>
       </pc:docMkLst>
+      <pc:sldChg chg="modSp mod">
+        <pc:chgData name="최창환" userId="e7bece8d-0b00-46eb-a3f5-00c7562d57af" providerId="ADAL" clId="{9CB97517-4574-D84B-BF86-527A2E13AF31}" dt="2022-06-10T21:07:19.569" v="44" actId="20577"/>
+        <pc:sldMkLst>
+          <pc:docMk/>
+          <pc:sldMk cId="0" sldId="259"/>
+        </pc:sldMkLst>
+        <pc:graphicFrameChg chg="modGraphic">
+          <ac:chgData name="최창환" userId="e7bece8d-0b00-46eb-a3f5-00c7562d57af" providerId="ADAL" clId="{9CB97517-4574-D84B-BF86-527A2E13AF31}" dt="2022-06-10T21:07:19.569" v="44" actId="20577"/>
+          <ac:graphicFrameMkLst>
+            <pc:docMk/>
+            <pc:sldMk cId="0" sldId="259"/>
+            <ac:graphicFrameMk id="8" creationId="{1FA72881-FEC7-5CC0-0ABE-0596C62BFD8E}"/>
+          </ac:graphicFrameMkLst>
+        </pc:graphicFrameChg>
+      </pc:sldChg>
       <pc:sldChg chg="modSp">
         <pc:chgData name="최창환" userId="e7bece8d-0b00-46eb-a3f5-00c7562d57af" providerId="ADAL" clId="{9CB97517-4574-D84B-BF86-527A2E13AF31}" dt="2022-05-31T03:36:12.505" v="0"/>
         <pc:sldMkLst>
@@ -1497,7 +1536,7 @@
           <a:p>
             <a:fld id="{F9E3DCBD-14C8-42E2-901D-DB61A669D5AA}" type="datetimeFigureOut">
               <a:rPr lang="ko-KR" altLang="en-US" smtClean="0"/>
-              <a:t>2022-06-09</a:t>
+              <a:t>2022-06-11</a:t>
             </a:fld>
             <a:endParaRPr lang="ko-KR" altLang="en-US"/>
           </a:p>
@@ -1997,6 +2036,90 @@
           <a:p>
             <a:fld id="{714C3B07-03D7-44FE-8604-451C536CA187}" type="slidenum">
               <a:rPr lang="ko-KR" altLang="en-US" smtClean="0"/>
+              <a:t>6</a:t>
+            </a:fld>
+            <a:endParaRPr lang="ko-KR" altLang="en-US"/>
+          </a:p>
+        </p:txBody>
+      </p:sp>
+    </p:spTree>
+    <p:extLst>
+      <p:ext uri="{BB962C8B-B14F-4D97-AF65-F5344CB8AC3E}">
+        <p14:creationId xmlns:p14="http://schemas.microsoft.com/office/powerpoint/2010/main" val="1235159795"/>
+      </p:ext>
+    </p:extLst>
+  </p:cSld>
+  <p:clrMapOvr>
+    <a:masterClrMapping/>
+  </p:clrMapOvr>
+</p:notes>
+</file>
+
+<file path=ppt/notesSlides/notesSlide4.xml><?xml version="1.0" encoding="utf-8"?>
+<p:notes xmlns:a="http://schemas.openxmlformats.org/drawingml/2006/main" xmlns:r="http://schemas.openxmlformats.org/officeDocument/2006/relationships" xmlns:p="http://schemas.openxmlformats.org/presentationml/2006/main">
+  <p:cSld>
+    <p:spTree>
+      <p:nvGrpSpPr>
+        <p:cNvPr id="1" name=""/>
+        <p:cNvGrpSpPr/>
+        <p:nvPr/>
+      </p:nvGrpSpPr>
+      <p:grpSpPr>
+        <a:xfrm>
+          <a:off x="0" y="0"/>
+          <a:ext cx="0" cy="0"/>
+          <a:chOff x="0" y="0"/>
+          <a:chExt cx="0" cy="0"/>
+        </a:xfrm>
+      </p:grpSpPr>
+      <p:sp>
+        <p:nvSpPr>
+          <p:cNvPr id="2" name="슬라이드 이미지 개체 틀 1"/>
+          <p:cNvSpPr>
+            <a:spLocks noGrp="1" noRot="1" noChangeAspect="1"/>
+          </p:cNvSpPr>
+          <p:nvPr>
+            <p:ph type="sldImg"/>
+          </p:nvPr>
+        </p:nvSpPr>
+        <p:spPr/>
+      </p:sp>
+      <p:sp>
+        <p:nvSpPr>
+          <p:cNvPr id="3" name="슬라이드 노트 개체 틀 2"/>
+          <p:cNvSpPr>
+            <a:spLocks noGrp="1"/>
+          </p:cNvSpPr>
+          <p:nvPr>
+            <p:ph type="body" idx="1"/>
+          </p:nvPr>
+        </p:nvSpPr>
+        <p:spPr/>
+        <p:txBody>
+          <a:bodyPr/>
+          <a:lstStyle/>
+          <a:p>
+            <a:endParaRPr lang="ko-KR" altLang="en-US" dirty="0"/>
+          </a:p>
+        </p:txBody>
+      </p:sp>
+      <p:sp>
+        <p:nvSpPr>
+          <p:cNvPr id="4" name="슬라이드 번호 개체 틀 3"/>
+          <p:cNvSpPr>
+            <a:spLocks noGrp="1"/>
+          </p:cNvSpPr>
+          <p:nvPr>
+            <p:ph type="sldNum" sz="quarter" idx="5"/>
+          </p:nvPr>
+        </p:nvSpPr>
+        <p:spPr/>
+        <p:txBody>
+          <a:bodyPr/>
+          <a:lstStyle/>
+          <a:p>
+            <a:fld id="{714C3B07-03D7-44FE-8604-451C536CA187}" type="slidenum">
+              <a:rPr lang="ko-KR" altLang="en-US" smtClean="0"/>
               <a:t>9</a:t>
             </a:fld>
             <a:endParaRPr lang="ko-KR" altLang="en-US"/>
@@ -2195,7 +2318,7 @@
           <a:p>
             <a:fld id="{F8166F1F-CE9B-4651-A6AA-CD717754106B}" type="datetimeFigureOut">
               <a:rPr lang="en-US" smtClean="0"/>
-              <a:t>6/9/2022</a:t>
+              <a:t>6/11/2022</a:t>
             </a:fld>
             <a:endParaRPr lang="en-US"/>
           </a:p>
@@ -2358,7 +2481,7 @@
           <a:p>
             <a:fld id="{A76116CE-C4A3-4A05-B2D7-7C2E9A889C0F}" type="datetimeFigureOut">
               <a:rPr lang="en-US" smtClean="0"/>
-              <a:t>6/9/2022</a:t>
+              <a:t>6/11/2022</a:t>
             </a:fld>
             <a:endParaRPr lang="en-US"/>
           </a:p>
@@ -2531,7 +2654,7 @@
           <a:p>
             <a:fld id="{A76116CE-C4A3-4A05-B2D7-7C2E9A889C0F}" type="datetimeFigureOut">
               <a:rPr lang="en-US" smtClean="0"/>
-              <a:t>6/9/2022</a:t>
+              <a:t>6/11/2022</a:t>
             </a:fld>
             <a:endParaRPr lang="en-US"/>
           </a:p>
@@ -2696,7 +2819,7 @@
           <a:p>
             <a:fld id="{A76116CE-C4A3-4A05-B2D7-7C2E9A889C0F}" type="datetimeFigureOut">
               <a:rPr lang="en-US" smtClean="0"/>
-              <a:t>6/9/2022</a:t>
+              <a:t>6/11/2022</a:t>
             </a:fld>
             <a:endParaRPr lang="en-US"/>
           </a:p>
@@ -2936,7 +3059,7 @@
           <a:p>
             <a:fld id="{A76116CE-C4A3-4A05-B2D7-7C2E9A889C0F}" type="datetimeFigureOut">
               <a:rPr lang="en-US" smtClean="0"/>
-              <a:t>6/9/2022</a:t>
+              <a:t>6/11/2022</a:t>
             </a:fld>
             <a:endParaRPr lang="en-US"/>
           </a:p>
@@ -3216,7 +3339,7 @@
           <a:p>
             <a:fld id="{A76116CE-C4A3-4A05-B2D7-7C2E9A889C0F}" type="datetimeFigureOut">
               <a:rPr lang="en-US" smtClean="0"/>
-              <a:t>6/9/2022</a:t>
+              <a:t>6/11/2022</a:t>
             </a:fld>
             <a:endParaRPr lang="en-US"/>
           </a:p>
@@ -3630,7 +3753,7 @@
           <a:p>
             <a:fld id="{A76116CE-C4A3-4A05-B2D7-7C2E9A889C0F}" type="datetimeFigureOut">
               <a:rPr lang="en-US" smtClean="0"/>
-              <a:t>6/9/2022</a:t>
+              <a:t>6/11/2022</a:t>
             </a:fld>
             <a:endParaRPr lang="en-US"/>
           </a:p>
@@ -3742,7 +3865,7 @@
           <a:p>
             <a:fld id="{A76116CE-C4A3-4A05-B2D7-7C2E9A889C0F}" type="datetimeFigureOut">
               <a:rPr lang="en-US" smtClean="0"/>
-              <a:t>6/9/2022</a:t>
+              <a:t>6/11/2022</a:t>
             </a:fld>
             <a:endParaRPr lang="en-US"/>
           </a:p>
@@ -3832,7 +3955,7 @@
           <a:p>
             <a:fld id="{A76116CE-C4A3-4A05-B2D7-7C2E9A889C0F}" type="datetimeFigureOut">
               <a:rPr lang="en-US" smtClean="0"/>
-              <a:t>6/9/2022</a:t>
+              <a:t>6/11/2022</a:t>
             </a:fld>
             <a:endParaRPr lang="en-US"/>
           </a:p>
@@ -4102,7 +4225,7 @@
           <a:p>
             <a:fld id="{A76116CE-C4A3-4A05-B2D7-7C2E9A889C0F}" type="datetimeFigureOut">
               <a:rPr lang="en-US" smtClean="0"/>
-              <a:t>6/9/2022</a:t>
+              <a:t>6/11/2022</a:t>
             </a:fld>
             <a:endParaRPr lang="en-US"/>
           </a:p>
@@ -4349,7 +4472,7 @@
           <a:p>
             <a:fld id="{A76116CE-C4A3-4A05-B2D7-7C2E9A889C0F}" type="datetimeFigureOut">
               <a:rPr lang="en-US" smtClean="0"/>
-              <a:t>6/9/2022</a:t>
+              <a:t>6/11/2022</a:t>
             </a:fld>
             <a:endParaRPr lang="en-US"/>
           </a:p>
@@ -4555,7 +4678,7 @@
           <a:p>
             <a:fld id="{F8166F1F-CE9B-4651-A6AA-CD717754106B}" type="datetimeFigureOut">
               <a:rPr lang="en-US" smtClean="0"/>
-              <a:t>6/9/2022</a:t>
+              <a:t>6/11/2022</a:t>
             </a:fld>
             <a:endParaRPr lang="en-US"/>
           </a:p>
@@ -7844,7 +7967,7 @@
           <p:nvPr>
             <p:extLst>
               <p:ext uri="{D42A27DB-BD31-4B8C-83A1-F6EECF244321}">
-                <p14:modId xmlns:p14="http://schemas.microsoft.com/office/powerpoint/2010/main" val="1949084036"/>
+                <p14:modId xmlns:p14="http://schemas.microsoft.com/office/powerpoint/2010/main" val="172590002"/>
               </p:ext>
             </p:extLst>
           </p:nvPr>
@@ -8004,7 +8127,7 @@
                           <a:ea typeface="맑은 고딕" panose="020B0503020000020004" pitchFamily="50" charset="-127"/>
                           <a:cs typeface="Gmarket Sans Medium" pitchFamily="34" charset="0"/>
                         </a:rPr>
-                        <a:t>코드 정적 테스트 </a:t>
+                        <a:t>코드 동적 테스트 </a:t>
                       </a:r>
                       <a:endParaRPr lang="en-US" altLang="ko-KR" sz="1800" kern="0" spc="-200" dirty="0">
                         <a:solidFill>
@@ -8197,7 +8320,7 @@
                           <a:latin typeface="맑은 고딕" panose="020B0503020000020004" pitchFamily="50" charset="-127"/>
                           <a:ea typeface="맑은 고딕" panose="020B0503020000020004" pitchFamily="50" charset="-127"/>
                         </a:rPr>
-                        <a:t>모듈 테스트</a:t>
+                        <a:t>데이터 파싱  </a:t>
                       </a:r>
                       <a:endParaRPr lang="en-US" altLang="ko-KR" sz="1800" kern="0" dirty="0">
                         <a:solidFill>
@@ -8254,39 +8377,6 @@
                         </a:rPr>
                         <a:t> 설정</a:t>
                       </a:r>
-                      <a:r>
-                        <a:rPr lang="en-US" altLang="ko-KR" sz="1800" kern="0" spc="0" dirty="0">
-                          <a:solidFill>
-                            <a:srgbClr val="FF0000"/>
-                          </a:solidFill>
-                          <a:effectLst/>
-                          <a:latin typeface="맑은 고딕" panose="020B0503020000020004" pitchFamily="50" charset="-127"/>
-                          <a:ea typeface="맑은 고딕" panose="020B0503020000020004" pitchFamily="50" charset="-127"/>
-                        </a:rPr>
-                        <a:t>(</a:t>
-                      </a:r>
-                      <a:r>
-                        <a:rPr lang="ko-KR" altLang="en-US" sz="1800" kern="0" spc="0" dirty="0">
-                          <a:solidFill>
-                            <a:srgbClr val="FF0000"/>
-                          </a:solidFill>
-                          <a:effectLst/>
-                          <a:latin typeface="맑은 고딕" panose="020B0503020000020004" pitchFamily="50" charset="-127"/>
-                          <a:ea typeface="맑은 고딕" panose="020B0503020000020004" pitchFamily="50" charset="-127"/>
-                        </a:rPr>
-                        <a:t>구현</a:t>
-                      </a:r>
-                      <a:r>
-                        <a:rPr lang="en-US" altLang="ko-KR" sz="1800" kern="0" spc="0" dirty="0">
-                          <a:solidFill>
-                            <a:srgbClr val="FF0000"/>
-                          </a:solidFill>
-                          <a:effectLst/>
-                          <a:latin typeface="맑은 고딕" panose="020B0503020000020004" pitchFamily="50" charset="-127"/>
-                          <a:ea typeface="맑은 고딕" panose="020B0503020000020004" pitchFamily="50" charset="-127"/>
-                        </a:rPr>
-                        <a:t>X)</a:t>
-                      </a:r>
                       <a:endParaRPr lang="ko-KR" altLang="en-US" sz="1800" kern="0" spc="0" dirty="0">
                         <a:solidFill>
                           <a:srgbClr val="FF0000"/>
@@ -8310,32 +8400,36 @@
                         </a:lnSpc>
                       </a:pPr>
                       <a:r>
+                        <a:rPr lang="ko-KR" altLang="en-US" sz="1800" dirty="0">
+                          <a:latin typeface="맑은 고딕" panose="020B0503020000020004" pitchFamily="50" charset="-127"/>
+                          <a:ea typeface="맑은 고딕" panose="020B0503020000020004" pitchFamily="50" charset="-127"/>
+                        </a:rPr>
+                        <a:t>라이브러리를 이용하여</a:t>
+                      </a:r>
+                      <a:endParaRPr lang="en-US" altLang="ko-KR" sz="1800" dirty="0">
+                        <a:latin typeface="맑은 고딕" panose="020B0503020000020004" pitchFamily="50" charset="-127"/>
+                        <a:ea typeface="맑은 고딕" panose="020B0503020000020004" pitchFamily="50" charset="-127"/>
+                      </a:endParaRPr>
+                    </a:p>
+                    <a:p>
+                      <a:pPr algn="ctr" latinLnBrk="1">
+                        <a:lnSpc>
+                          <a:spcPct val="150000"/>
+                        </a:lnSpc>
+                      </a:pPr>
+                      <a:r>
                         <a:rPr lang="en-US" altLang="ko-KR" sz="1800" dirty="0">
                           <a:latin typeface="맑은 고딕" panose="020B0503020000020004" pitchFamily="50" charset="-127"/>
                           <a:ea typeface="맑은 고딕" panose="020B0503020000020004" pitchFamily="50" charset="-127"/>
                         </a:rPr>
-                        <a:t>GPS </a:t>
+                        <a:t>GPS</a:t>
                       </a:r>
                       <a:r>
                         <a:rPr lang="ko-KR" altLang="en-US" sz="1800" dirty="0">
                           <a:latin typeface="맑은 고딕" panose="020B0503020000020004" pitchFamily="50" charset="-127"/>
                           <a:ea typeface="맑은 고딕" panose="020B0503020000020004" pitchFamily="50" charset="-127"/>
                         </a:rPr>
-                        <a:t>모듈의</a:t>
-                      </a:r>
-                      <a:r>
-                        <a:rPr lang="en-US" altLang="ko-KR" sz="1800" dirty="0">
-                          <a:latin typeface="맑은 고딕" panose="020B0503020000020004" pitchFamily="50" charset="-127"/>
-                          <a:ea typeface="맑은 고딕" panose="020B0503020000020004" pitchFamily="50" charset="-127"/>
-                        </a:rPr>
-                        <a:t> </a:t>
-                      </a:r>
-                      <a:r>
-                        <a:rPr lang="ko-KR" altLang="en-US" sz="1800" dirty="0">
-                          <a:latin typeface="맑은 고딕" panose="020B0503020000020004" pitchFamily="50" charset="-127"/>
-                          <a:ea typeface="맑은 고딕" panose="020B0503020000020004" pitchFamily="50" charset="-127"/>
-                        </a:rPr>
-                        <a:t>데이터를 불러오고</a:t>
+                        <a:t> 데이터를 불러오고</a:t>
                       </a:r>
                       <a:endParaRPr lang="en-US" altLang="ko-KR" sz="1800" dirty="0">
                         <a:latin typeface="맑은 고딕" panose="020B0503020000020004" pitchFamily="50" charset="-127"/>
@@ -8587,43 +8681,6 @@
                         <a:ea typeface="맑은 고딕" panose="020B0503020000020004" pitchFamily="50" charset="-127"/>
                       </a:endParaRPr>
                     </a:p>
-                    <a:p>
-                      <a:pPr marL="285750" marR="0" indent="-285750" algn="l" fontAlgn="base" latinLnBrk="0">
-                        <a:lnSpc>
-                          <a:spcPct val="160000"/>
-                        </a:lnSpc>
-                        <a:spcBef>
-                          <a:spcPts val="0"/>
-                        </a:spcBef>
-                        <a:spcAft>
-                          <a:spcPts val="0"/>
-                        </a:spcAft>
-                        <a:buFont typeface="Arial" panose="020B0604020202020204" pitchFamily="34" charset="0"/>
-                        <a:buChar char="•"/>
-                      </a:pPr>
-                      <a:r>
-                        <a:rPr lang="en-US" altLang="ko-KR" sz="1800" kern="0" spc="0" dirty="0">
-                          <a:solidFill>
-                            <a:srgbClr val="000000"/>
-                          </a:solidFill>
-                          <a:effectLst/>
-                          <a:latin typeface="맑은 고딕" panose="020B0503020000020004" pitchFamily="50" charset="-127"/>
-                          <a:ea typeface="맑은 고딕" panose="020B0503020000020004" pitchFamily="50" charset="-127"/>
-                        </a:rPr>
-                        <a:t>STL </a:t>
-                      </a:r>
-                      <a:r>
-                        <a:rPr lang="ko-KR" altLang="en-US" sz="1800" kern="0" spc="0" dirty="0">
-                          <a:solidFill>
-                            <a:srgbClr val="000000"/>
-                          </a:solidFill>
-                          <a:effectLst/>
-                          <a:latin typeface="맑은 고딕" panose="020B0503020000020004" pitchFamily="50" charset="-127"/>
-                          <a:ea typeface="맑은 고딕" panose="020B0503020000020004" pitchFamily="50" charset="-127"/>
-                        </a:rPr>
-                        <a:t>파일 제작</a:t>
-                      </a:r>
-                    </a:p>
                   </a:txBody>
                   <a:tcPr anchor="ctr"/>
                 </a:tc>
@@ -9297,7 +9354,7 @@
             <p:nvPr/>
           </p:nvPicPr>
           <p:blipFill>
-            <a:blip r:embed="rId2" cstate="print"/>
+            <a:blip r:embed="rId3" cstate="print"/>
             <a:stretch>
               <a:fillRect/>
             </a:stretch>
@@ -9376,7 +9433,7 @@
             <p:nvPr/>
           </p:nvPicPr>
           <p:blipFill>
-            <a:blip r:embed="rId3" cstate="print"/>
+            <a:blip r:embed="rId4" cstate="print"/>
             <a:stretch>
               <a:fillRect/>
             </a:stretch>
@@ -9524,7 +9581,7 @@
         <p:spPr>
           <a:xfrm>
             <a:off x="1272305" y="2146657"/>
-            <a:ext cx="13857143" cy="1938992"/>
+            <a:ext cx="7222679" cy="1938992"/>
           </a:xfrm>
           <a:prstGeom prst="rect">
             <a:avLst/>
@@ -9597,45 +9654,6 @@
           </a:p>
         </p:txBody>
       </p:sp>
-      <p:grpSp>
-        <p:nvGrpSpPr>
-          <p:cNvPr id="1003" name="그룹 1003"/>
-          <p:cNvGrpSpPr/>
-          <p:nvPr/>
-        </p:nvGrpSpPr>
-        <p:grpSpPr>
-          <a:xfrm>
-            <a:off x="10682907" y="4164928"/>
-            <a:ext cx="6466608" cy="3007724"/>
-            <a:chOff x="10682907" y="4164928"/>
-            <a:chExt cx="6466608" cy="3007724"/>
-          </a:xfrm>
-        </p:grpSpPr>
-        <p:pic>
-          <p:nvPicPr>
-            <p:cNvPr id="14" name="Object 13"/>
-            <p:cNvPicPr>
-              <a:picLocks noChangeAspect="1"/>
-            </p:cNvPicPr>
-            <p:nvPr/>
-          </p:nvPicPr>
-          <p:blipFill>
-            <a:blip r:embed="rId4" cstate="print"/>
-            <a:stretch>
-              <a:fillRect/>
-            </a:stretch>
-          </p:blipFill>
-          <p:spPr>
-            <a:xfrm>
-              <a:off x="10682907" y="4164928"/>
-              <a:ext cx="6466608" cy="3007724"/>
-            </a:xfrm>
-            <a:prstGeom prst="rect">
-              <a:avLst/>
-            </a:prstGeom>
-          </p:spPr>
-        </p:pic>
-      </p:grpSp>
       <p:grpSp>
         <p:nvGrpSpPr>
           <p:cNvPr id="1005" name="그룹 1005"/>
@@ -9683,7 +9701,7 @@
         </p:nvSpPr>
         <p:spPr>
           <a:xfrm>
-            <a:off x="10060833" y="7396656"/>
+            <a:off x="9713613" y="8267958"/>
             <a:ext cx="7710756" cy="1172116"/>
           </a:xfrm>
           <a:prstGeom prst="rect">
@@ -9711,7 +9729,7 @@
                 <a:ea typeface="맑은 고딕" panose="020B0503020000020004" pitchFamily="50" charset="-127"/>
                 <a:cs typeface="Gmarket Sans Medium" pitchFamily="34" charset="0"/>
               </a:rPr>
-              <a:t>(Serial Monitor) </a:t>
+              <a:t>(Serial Monitor)</a:t>
             </a:r>
           </a:p>
           <a:p>
@@ -9809,72 +9827,66 @@
           </a:prstGeom>
         </p:spPr>
       </p:pic>
-      <p:sp>
-        <p:nvSpPr>
-          <p:cNvPr id="19" name="Object 19"/>
-          <p:cNvSpPr txBox="1"/>
+      <p:pic>
+        <p:nvPicPr>
+          <p:cNvPr id="6" name="그림 5">
+            <a:extLst>
+              <a:ext uri="{FF2B5EF4-FFF2-40B4-BE49-F238E27FC236}">
+                <a16:creationId xmlns:a16="http://schemas.microsoft.com/office/drawing/2014/main" id="{F9CABBEF-20F6-7871-2E1A-645F0B915192}"/>
+              </a:ext>
+            </a:extLst>
+          </p:cNvPr>
+          <p:cNvPicPr>
+            <a:picLocks noChangeAspect="1"/>
+          </p:cNvPicPr>
           <p:nvPr/>
-        </p:nvSpPr>
+        </p:nvPicPr>
+        <p:blipFill>
+          <a:blip r:embed="rId7"/>
+          <a:stretch>
+            <a:fillRect/>
+          </a:stretch>
+        </p:blipFill>
         <p:spPr>
           <a:xfrm>
-            <a:off x="5875136" y="3547906"/>
-            <a:ext cx="4651480" cy="1523494"/>
+            <a:off x="10326334" y="5123666"/>
+            <a:ext cx="6485314" cy="3060095"/>
           </a:xfrm>
           <a:prstGeom prst="rect">
             <a:avLst/>
           </a:prstGeom>
-          <a:noFill/>
         </p:spPr>
-        <p:txBody>
-          <a:bodyPr wrap="square" rtlCol="0" anchor="t">
-            <a:spAutoFit/>
-          </a:bodyPr>
-          <a:lstStyle/>
-          <a:p>
-            <a:pPr algn="ctr">
-              <a:lnSpc>
-                <a:spcPct val="150000"/>
-              </a:lnSpc>
-            </a:pPr>
-            <a:r>
-              <a:rPr lang="en-US" sz="2500" dirty="0">
-                <a:solidFill>
-                  <a:srgbClr val="000000"/>
-                </a:solidFill>
-                <a:latin typeface="맑은 고딕" panose="020B0503020000020004" pitchFamily="50" charset="-127"/>
-                <a:ea typeface="맑은 고딕" panose="020B0503020000020004" pitchFamily="50" charset="-127"/>
-                <a:cs typeface="Gmarket Sans Medium" pitchFamily="34" charset="0"/>
-              </a:rPr>
-              <a:t>location 라이브러리를 사용</a:t>
-            </a:r>
-          </a:p>
-          <a:p>
-            <a:pPr algn="ctr">
-              <a:lnSpc>
-                <a:spcPct val="150000"/>
-              </a:lnSpc>
-            </a:pPr>
-            <a:r>
-              <a:rPr lang="en-US" sz="2500" dirty="0">
-                <a:solidFill>
-                  <a:srgbClr val="000000"/>
-                </a:solidFill>
-                <a:latin typeface="맑은 고딕" panose="020B0503020000020004" pitchFamily="50" charset="-127"/>
-                <a:ea typeface="맑은 고딕" panose="020B0503020000020004" pitchFamily="50" charset="-127"/>
-                <a:cs typeface="Gmarket Sans Medium" pitchFamily="34" charset="0"/>
-              </a:rPr>
-              <a:t> 현재 위도, 경도를 파싱</a:t>
-            </a:r>
-          </a:p>
-          <a:p>
-            <a:pPr algn="ctr"/>
-            <a:endParaRPr lang="en-US" dirty="0">
-              <a:latin typeface="맑은 고딕" panose="020B0503020000020004" pitchFamily="50" charset="-127"/>
-              <a:ea typeface="맑은 고딕" panose="020B0503020000020004" pitchFamily="50" charset="-127"/>
-            </a:endParaRPr>
-          </a:p>
-        </p:txBody>
-      </p:sp>
+      </p:pic>
+      <p:pic>
+        <p:nvPicPr>
+          <p:cNvPr id="13" name="그림 12">
+            <a:extLst>
+              <a:ext uri="{FF2B5EF4-FFF2-40B4-BE49-F238E27FC236}">
+                <a16:creationId xmlns:a16="http://schemas.microsoft.com/office/drawing/2014/main" id="{BCF1C931-434D-CA3A-8406-0A6FA86FB312}"/>
+              </a:ext>
+            </a:extLst>
+          </p:cNvPr>
+          <p:cNvPicPr>
+            <a:picLocks noChangeAspect="1"/>
+          </p:cNvPicPr>
+          <p:nvPr/>
+        </p:nvPicPr>
+        <p:blipFill>
+          <a:blip r:embed="rId8"/>
+          <a:stretch>
+            <a:fillRect/>
+          </a:stretch>
+        </p:blipFill>
+        <p:spPr>
+          <a:xfrm>
+            <a:off x="10335687" y="3619500"/>
+            <a:ext cx="7266513" cy="1504166"/>
+          </a:xfrm>
+          <a:prstGeom prst="rect">
+            <a:avLst/>
+          </a:prstGeom>
+        </p:spPr>
+      </p:pic>
     </p:spTree>
   </p:cSld>
   <p:clrMapOvr>
